--- a/study/1_OT.pptx
+++ b/study/1_OT.pptx
@@ -265,7 +265,7 @@
           <a:p>
             <a:fld id="{33C37291-AA83-40C0-9297-8F7F3693F6CC}" type="datetimeFigureOut">
               <a:rPr lang="ko-KR" altLang="en-US" smtClean="0"/>
-              <a:t>2022-07-18</a:t>
+              <a:t>2022-07-20</a:t>
             </a:fld>
             <a:endParaRPr lang="ko-KR" altLang="en-US"/>
           </a:p>
@@ -463,7 +463,7 @@
           <a:p>
             <a:fld id="{33C37291-AA83-40C0-9297-8F7F3693F6CC}" type="datetimeFigureOut">
               <a:rPr lang="ko-KR" altLang="en-US" smtClean="0"/>
-              <a:t>2022-07-18</a:t>
+              <a:t>2022-07-20</a:t>
             </a:fld>
             <a:endParaRPr lang="ko-KR" altLang="en-US"/>
           </a:p>
@@ -671,7 +671,7 @@
           <a:p>
             <a:fld id="{33C37291-AA83-40C0-9297-8F7F3693F6CC}" type="datetimeFigureOut">
               <a:rPr lang="ko-KR" altLang="en-US" smtClean="0"/>
-              <a:t>2022-07-18</a:t>
+              <a:t>2022-07-20</a:t>
             </a:fld>
             <a:endParaRPr lang="ko-KR" altLang="en-US"/>
           </a:p>
@@ -869,7 +869,7 @@
           <a:p>
             <a:fld id="{33C37291-AA83-40C0-9297-8F7F3693F6CC}" type="datetimeFigureOut">
               <a:rPr lang="ko-KR" altLang="en-US" smtClean="0"/>
-              <a:t>2022-07-18</a:t>
+              <a:t>2022-07-20</a:t>
             </a:fld>
             <a:endParaRPr lang="ko-KR" altLang="en-US"/>
           </a:p>
@@ -1144,7 +1144,7 @@
           <a:p>
             <a:fld id="{33C37291-AA83-40C0-9297-8F7F3693F6CC}" type="datetimeFigureOut">
               <a:rPr lang="ko-KR" altLang="en-US" smtClean="0"/>
-              <a:t>2022-07-18</a:t>
+              <a:t>2022-07-20</a:t>
             </a:fld>
             <a:endParaRPr lang="ko-KR" altLang="en-US"/>
           </a:p>
@@ -1409,7 +1409,7 @@
           <a:p>
             <a:fld id="{33C37291-AA83-40C0-9297-8F7F3693F6CC}" type="datetimeFigureOut">
               <a:rPr lang="ko-KR" altLang="en-US" smtClean="0"/>
-              <a:t>2022-07-18</a:t>
+              <a:t>2022-07-20</a:t>
             </a:fld>
             <a:endParaRPr lang="ko-KR" altLang="en-US"/>
           </a:p>
@@ -1821,7 +1821,7 @@
           <a:p>
             <a:fld id="{33C37291-AA83-40C0-9297-8F7F3693F6CC}" type="datetimeFigureOut">
               <a:rPr lang="ko-KR" altLang="en-US" smtClean="0"/>
-              <a:t>2022-07-18</a:t>
+              <a:t>2022-07-20</a:t>
             </a:fld>
             <a:endParaRPr lang="ko-KR" altLang="en-US"/>
           </a:p>
@@ -1962,7 +1962,7 @@
           <a:p>
             <a:fld id="{33C37291-AA83-40C0-9297-8F7F3693F6CC}" type="datetimeFigureOut">
               <a:rPr lang="ko-KR" altLang="en-US" smtClean="0"/>
-              <a:t>2022-07-18</a:t>
+              <a:t>2022-07-20</a:t>
             </a:fld>
             <a:endParaRPr lang="ko-KR" altLang="en-US"/>
           </a:p>
@@ -2075,7 +2075,7 @@
           <a:p>
             <a:fld id="{33C37291-AA83-40C0-9297-8F7F3693F6CC}" type="datetimeFigureOut">
               <a:rPr lang="ko-KR" altLang="en-US" smtClean="0"/>
-              <a:t>2022-07-18</a:t>
+              <a:t>2022-07-20</a:t>
             </a:fld>
             <a:endParaRPr lang="ko-KR" altLang="en-US"/>
           </a:p>
@@ -2386,7 +2386,7 @@
           <a:p>
             <a:fld id="{33C37291-AA83-40C0-9297-8F7F3693F6CC}" type="datetimeFigureOut">
               <a:rPr lang="ko-KR" altLang="en-US" smtClean="0"/>
-              <a:t>2022-07-18</a:t>
+              <a:t>2022-07-20</a:t>
             </a:fld>
             <a:endParaRPr lang="ko-KR" altLang="en-US"/>
           </a:p>
@@ -2674,7 +2674,7 @@
           <a:p>
             <a:fld id="{33C37291-AA83-40C0-9297-8F7F3693F6CC}" type="datetimeFigureOut">
               <a:rPr lang="ko-KR" altLang="en-US" smtClean="0"/>
-              <a:t>2022-07-18</a:t>
+              <a:t>2022-07-20</a:t>
             </a:fld>
             <a:endParaRPr lang="ko-KR" altLang="en-US"/>
           </a:p>
@@ -2915,7 +2915,7 @@
           <a:p>
             <a:fld id="{33C37291-AA83-40C0-9297-8F7F3693F6CC}" type="datetimeFigureOut">
               <a:rPr lang="ko-KR" altLang="en-US" smtClean="0"/>
-              <a:t>2022-07-18</a:t>
+              <a:t>2022-07-20</a:t>
             </a:fld>
             <a:endParaRPr lang="ko-KR" altLang="en-US"/>
           </a:p>
@@ -5282,6 +5282,36 @@
           </a:p>
         </p:txBody>
       </p:sp>
+      <p:pic>
+        <p:nvPicPr>
+          <p:cNvPr id="3" name="그림 2">
+            <a:extLst>
+              <a:ext uri="{FF2B5EF4-FFF2-40B4-BE49-F238E27FC236}">
+                <a16:creationId xmlns:a16="http://schemas.microsoft.com/office/drawing/2014/main" id="{41EE184D-DCF9-5D2A-9B4D-17B4CC65BB80}"/>
+              </a:ext>
+            </a:extLst>
+          </p:cNvPr>
+          <p:cNvPicPr>
+            <a:picLocks noChangeAspect="1"/>
+          </p:cNvPicPr>
+          <p:nvPr/>
+        </p:nvPicPr>
+        <p:blipFill>
+          <a:blip r:embed="rId2"/>
+          <a:stretch>
+            <a:fillRect/>
+          </a:stretch>
+        </p:blipFill>
+        <p:spPr>
+          <a:xfrm>
+            <a:off x="1698924" y="1162470"/>
+            <a:ext cx="8794152" cy="5590022"/>
+          </a:xfrm>
+          <a:prstGeom prst="rect">
+            <a:avLst/>
+          </a:prstGeom>
+        </p:spPr>
+      </p:pic>
     </p:spTree>
     <p:extLst>
       <p:ext uri="{BB962C8B-B14F-4D97-AF65-F5344CB8AC3E}">

--- a/study/1_OT.pptx
+++ b/study/1_OT.pptx
@@ -12,6 +12,7 @@
     <p:sldId id="262" r:id="rId6"/>
     <p:sldId id="260" r:id="rId7"/>
     <p:sldId id="261" r:id="rId8"/>
+    <p:sldId id="263" r:id="rId9"/>
   </p:sldIdLst>
   <p:sldSz cx="12192000" cy="6858000"/>
   <p:notesSz cx="6858000" cy="9144000"/>
@@ -265,7 +266,7 @@
           <a:p>
             <a:fld id="{33C37291-AA83-40C0-9297-8F7F3693F6CC}" type="datetimeFigureOut">
               <a:rPr lang="ko-KR" altLang="en-US" smtClean="0"/>
-              <a:t>2022-07-20</a:t>
+              <a:t>2022-07-31</a:t>
             </a:fld>
             <a:endParaRPr lang="ko-KR" altLang="en-US"/>
           </a:p>
@@ -463,7 +464,7 @@
           <a:p>
             <a:fld id="{33C37291-AA83-40C0-9297-8F7F3693F6CC}" type="datetimeFigureOut">
               <a:rPr lang="ko-KR" altLang="en-US" smtClean="0"/>
-              <a:t>2022-07-20</a:t>
+              <a:t>2022-07-31</a:t>
             </a:fld>
             <a:endParaRPr lang="ko-KR" altLang="en-US"/>
           </a:p>
@@ -671,7 +672,7 @@
           <a:p>
             <a:fld id="{33C37291-AA83-40C0-9297-8F7F3693F6CC}" type="datetimeFigureOut">
               <a:rPr lang="ko-KR" altLang="en-US" smtClean="0"/>
-              <a:t>2022-07-20</a:t>
+              <a:t>2022-07-31</a:t>
             </a:fld>
             <a:endParaRPr lang="ko-KR" altLang="en-US"/>
           </a:p>
@@ -869,7 +870,7 @@
           <a:p>
             <a:fld id="{33C37291-AA83-40C0-9297-8F7F3693F6CC}" type="datetimeFigureOut">
               <a:rPr lang="ko-KR" altLang="en-US" smtClean="0"/>
-              <a:t>2022-07-20</a:t>
+              <a:t>2022-07-31</a:t>
             </a:fld>
             <a:endParaRPr lang="ko-KR" altLang="en-US"/>
           </a:p>
@@ -1144,7 +1145,7 @@
           <a:p>
             <a:fld id="{33C37291-AA83-40C0-9297-8F7F3693F6CC}" type="datetimeFigureOut">
               <a:rPr lang="ko-KR" altLang="en-US" smtClean="0"/>
-              <a:t>2022-07-20</a:t>
+              <a:t>2022-07-31</a:t>
             </a:fld>
             <a:endParaRPr lang="ko-KR" altLang="en-US"/>
           </a:p>
@@ -1409,7 +1410,7 @@
           <a:p>
             <a:fld id="{33C37291-AA83-40C0-9297-8F7F3693F6CC}" type="datetimeFigureOut">
               <a:rPr lang="ko-KR" altLang="en-US" smtClean="0"/>
-              <a:t>2022-07-20</a:t>
+              <a:t>2022-07-31</a:t>
             </a:fld>
             <a:endParaRPr lang="ko-KR" altLang="en-US"/>
           </a:p>
@@ -1821,7 +1822,7 @@
           <a:p>
             <a:fld id="{33C37291-AA83-40C0-9297-8F7F3693F6CC}" type="datetimeFigureOut">
               <a:rPr lang="ko-KR" altLang="en-US" smtClean="0"/>
-              <a:t>2022-07-20</a:t>
+              <a:t>2022-07-31</a:t>
             </a:fld>
             <a:endParaRPr lang="ko-KR" altLang="en-US"/>
           </a:p>
@@ -1962,7 +1963,7 @@
           <a:p>
             <a:fld id="{33C37291-AA83-40C0-9297-8F7F3693F6CC}" type="datetimeFigureOut">
               <a:rPr lang="ko-KR" altLang="en-US" smtClean="0"/>
-              <a:t>2022-07-20</a:t>
+              <a:t>2022-07-31</a:t>
             </a:fld>
             <a:endParaRPr lang="ko-KR" altLang="en-US"/>
           </a:p>
@@ -2075,7 +2076,7 @@
           <a:p>
             <a:fld id="{33C37291-AA83-40C0-9297-8F7F3693F6CC}" type="datetimeFigureOut">
               <a:rPr lang="ko-KR" altLang="en-US" smtClean="0"/>
-              <a:t>2022-07-20</a:t>
+              <a:t>2022-07-31</a:t>
             </a:fld>
             <a:endParaRPr lang="ko-KR" altLang="en-US"/>
           </a:p>
@@ -2386,7 +2387,7 @@
           <a:p>
             <a:fld id="{33C37291-AA83-40C0-9297-8F7F3693F6CC}" type="datetimeFigureOut">
               <a:rPr lang="ko-KR" altLang="en-US" smtClean="0"/>
-              <a:t>2022-07-20</a:t>
+              <a:t>2022-07-31</a:t>
             </a:fld>
             <a:endParaRPr lang="ko-KR" altLang="en-US"/>
           </a:p>
@@ -2674,7 +2675,7 @@
           <a:p>
             <a:fld id="{33C37291-AA83-40C0-9297-8F7F3693F6CC}" type="datetimeFigureOut">
               <a:rPr lang="ko-KR" altLang="en-US" smtClean="0"/>
-              <a:t>2022-07-20</a:t>
+              <a:t>2022-07-31</a:t>
             </a:fld>
             <a:endParaRPr lang="ko-KR" altLang="en-US"/>
           </a:p>
@@ -2915,7 +2916,7 @@
           <a:p>
             <a:fld id="{33C37291-AA83-40C0-9297-8F7F3693F6CC}" type="datetimeFigureOut">
               <a:rPr lang="ko-KR" altLang="en-US" smtClean="0"/>
-              <a:t>2022-07-20</a:t>
+              <a:t>2022-07-31</a:t>
             </a:fld>
             <a:endParaRPr lang="ko-KR" altLang="en-US"/>
           </a:p>
@@ -3979,6 +3980,126 @@
           </a:p>
         </p:txBody>
       </p:sp>
+      <p:pic>
+        <p:nvPicPr>
+          <p:cNvPr id="4" name="그림 3">
+            <a:extLst>
+              <a:ext uri="{FF2B5EF4-FFF2-40B4-BE49-F238E27FC236}">
+                <a16:creationId xmlns:a16="http://schemas.microsoft.com/office/drawing/2014/main" id="{9C2F63CF-D19F-9F7A-C27F-387FD737A71B}"/>
+              </a:ext>
+            </a:extLst>
+          </p:cNvPr>
+          <p:cNvPicPr>
+            <a:picLocks noChangeAspect="1"/>
+          </p:cNvPicPr>
+          <p:nvPr/>
+        </p:nvPicPr>
+        <p:blipFill>
+          <a:blip r:embed="rId6"/>
+          <a:stretch>
+            <a:fillRect/>
+          </a:stretch>
+        </p:blipFill>
+        <p:spPr>
+          <a:xfrm>
+            <a:off x="5710518" y="4607281"/>
+            <a:ext cx="828791" cy="247685"/>
+          </a:xfrm>
+          <a:prstGeom prst="rect">
+            <a:avLst/>
+          </a:prstGeom>
+        </p:spPr>
+      </p:pic>
+      <p:pic>
+        <p:nvPicPr>
+          <p:cNvPr id="11" name="그림 10">
+            <a:extLst>
+              <a:ext uri="{FF2B5EF4-FFF2-40B4-BE49-F238E27FC236}">
+                <a16:creationId xmlns:a16="http://schemas.microsoft.com/office/drawing/2014/main" id="{DDF88B3D-8D5B-0E2B-3FC6-30928BA1F8CB}"/>
+              </a:ext>
+            </a:extLst>
+          </p:cNvPr>
+          <p:cNvPicPr>
+            <a:picLocks noChangeAspect="1"/>
+          </p:cNvPicPr>
+          <p:nvPr/>
+        </p:nvPicPr>
+        <p:blipFill>
+          <a:blip r:embed="rId7"/>
+          <a:stretch>
+            <a:fillRect/>
+          </a:stretch>
+        </p:blipFill>
+        <p:spPr>
+          <a:xfrm>
+            <a:off x="6903051" y="4592991"/>
+            <a:ext cx="752580" cy="276264"/>
+          </a:xfrm>
+          <a:prstGeom prst="rect">
+            <a:avLst/>
+          </a:prstGeom>
+        </p:spPr>
+      </p:pic>
+      <p:pic>
+        <p:nvPicPr>
+          <p:cNvPr id="13" name="그림 12">
+            <a:extLst>
+              <a:ext uri="{FF2B5EF4-FFF2-40B4-BE49-F238E27FC236}">
+                <a16:creationId xmlns:a16="http://schemas.microsoft.com/office/drawing/2014/main" id="{950C51C4-5B5F-C232-25FC-5D087050ED21}"/>
+              </a:ext>
+            </a:extLst>
+          </p:cNvPr>
+          <p:cNvPicPr>
+            <a:picLocks noChangeAspect="1"/>
+          </p:cNvPicPr>
+          <p:nvPr/>
+        </p:nvPicPr>
+        <p:blipFill>
+          <a:blip r:embed="rId8"/>
+          <a:stretch>
+            <a:fillRect/>
+          </a:stretch>
+        </p:blipFill>
+        <p:spPr>
+          <a:xfrm>
+            <a:off x="8019373" y="4621570"/>
+            <a:ext cx="628738" cy="219106"/>
+          </a:xfrm>
+          <a:prstGeom prst="rect">
+            <a:avLst/>
+          </a:prstGeom>
+        </p:spPr>
+      </p:pic>
+      <p:pic>
+        <p:nvPicPr>
+          <p:cNvPr id="15" name="그림 14">
+            <a:extLst>
+              <a:ext uri="{FF2B5EF4-FFF2-40B4-BE49-F238E27FC236}">
+                <a16:creationId xmlns:a16="http://schemas.microsoft.com/office/drawing/2014/main" id="{D7556810-7681-AE3C-742A-FB04DBA646AC}"/>
+              </a:ext>
+            </a:extLst>
+          </p:cNvPr>
+          <p:cNvPicPr>
+            <a:picLocks noChangeAspect="1"/>
+          </p:cNvPicPr>
+          <p:nvPr/>
+        </p:nvPicPr>
+        <p:blipFill>
+          <a:blip r:embed="rId9"/>
+          <a:stretch>
+            <a:fillRect/>
+          </a:stretch>
+        </p:blipFill>
+        <p:spPr>
+          <a:xfrm>
+            <a:off x="9011853" y="4640623"/>
+            <a:ext cx="781159" cy="200053"/>
+          </a:xfrm>
+          <a:prstGeom prst="rect">
+            <a:avLst/>
+          </a:prstGeom>
+        </p:spPr>
+      </p:pic>
     </p:spTree>
     <p:extLst>
       <p:ext uri="{BB962C8B-B14F-4D97-AF65-F5344CB8AC3E}">
@@ -6148,6 +6269,1828 @@
     <p:extLst>
       <p:ext uri="{BB962C8B-B14F-4D97-AF65-F5344CB8AC3E}">
         <p14:creationId xmlns:p14="http://schemas.microsoft.com/office/powerpoint/2010/main" val="800961561"/>
+      </p:ext>
+    </p:extLst>
+  </p:cSld>
+  <p:clrMapOvr>
+    <a:masterClrMapping/>
+  </p:clrMapOvr>
+</p:sld>
+</file>
+
+<file path=ppt/slides/slide8.xml><?xml version="1.0" encoding="utf-8"?>
+<p:sld xmlns:a="http://schemas.openxmlformats.org/drawingml/2006/main" xmlns:r="http://schemas.openxmlformats.org/officeDocument/2006/relationships" xmlns:p="http://schemas.openxmlformats.org/presentationml/2006/main">
+  <p:cSld>
+    <p:spTree>
+      <p:nvGrpSpPr>
+        <p:cNvPr id="1" name=""/>
+        <p:cNvGrpSpPr/>
+        <p:nvPr/>
+      </p:nvGrpSpPr>
+      <p:grpSpPr>
+        <a:xfrm>
+          <a:off x="0" y="0"/>
+          <a:ext cx="0" cy="0"/>
+          <a:chOff x="0" y="0"/>
+          <a:chExt cx="0" cy="0"/>
+        </a:xfrm>
+      </p:grpSpPr>
+      <p:cxnSp>
+        <p:nvCxnSpPr>
+          <p:cNvPr id="5" name="직선 연결선 4">
+            <a:extLst>
+              <a:ext uri="{FF2B5EF4-FFF2-40B4-BE49-F238E27FC236}">
+                <a16:creationId xmlns:a16="http://schemas.microsoft.com/office/drawing/2014/main" id="{164C2827-EFCE-69A4-D037-1A218415F568}"/>
+              </a:ext>
+            </a:extLst>
+          </p:cNvPr>
+          <p:cNvCxnSpPr/>
+          <p:nvPr/>
+        </p:nvCxnSpPr>
+        <p:spPr>
+          <a:xfrm>
+            <a:off x="0" y="887505"/>
+            <a:ext cx="10237694" cy="0"/>
+          </a:xfrm>
+          <a:prstGeom prst="line">
+            <a:avLst/>
+          </a:prstGeom>
+          <a:ln w="76200">
+            <a:solidFill>
+              <a:schemeClr val="tx1">
+                <a:lumMod val="75000"/>
+                <a:lumOff val="25000"/>
+              </a:schemeClr>
+            </a:solidFill>
+          </a:ln>
+        </p:spPr>
+        <p:style>
+          <a:lnRef idx="1">
+            <a:schemeClr val="accent1"/>
+          </a:lnRef>
+          <a:fillRef idx="0">
+            <a:schemeClr val="accent1"/>
+          </a:fillRef>
+          <a:effectRef idx="0">
+            <a:schemeClr val="accent1"/>
+          </a:effectRef>
+          <a:fontRef idx="minor">
+            <a:schemeClr val="tx1"/>
+          </a:fontRef>
+        </p:style>
+      </p:cxnSp>
+      <p:sp>
+        <p:nvSpPr>
+          <p:cNvPr id="6" name="TextBox 5">
+            <a:extLst>
+              <a:ext uri="{FF2B5EF4-FFF2-40B4-BE49-F238E27FC236}">
+                <a16:creationId xmlns:a16="http://schemas.microsoft.com/office/drawing/2014/main" id="{908ED9B9-09D3-CFA8-625A-6F9BB9B6BD23}"/>
+              </a:ext>
+            </a:extLst>
+          </p:cNvPr>
+          <p:cNvSpPr txBox="1"/>
+          <p:nvPr/>
+        </p:nvSpPr>
+        <p:spPr>
+          <a:xfrm>
+            <a:off x="331694" y="177505"/>
+            <a:ext cx="2042547" cy="523220"/>
+          </a:xfrm>
+          <a:prstGeom prst="rect">
+            <a:avLst/>
+          </a:prstGeom>
+          <a:noFill/>
+        </p:spPr>
+        <p:txBody>
+          <a:bodyPr wrap="none" rtlCol="0">
+            <a:spAutoFit/>
+          </a:bodyPr>
+          <a:lstStyle/>
+          <a:p>
+            <a:r>
+              <a:rPr lang="en-US" altLang="ko-KR" sz="2800" dirty="0">
+                <a:latin typeface="나눔스퀘어 Bold" panose="020B0600000101010101" pitchFamily="50" charset="-127"/>
+                <a:ea typeface="나눔스퀘어 Bold" panose="020B0600000101010101" pitchFamily="50" charset="-127"/>
+              </a:rPr>
+              <a:t>Algorithms</a:t>
+            </a:r>
+            <a:endParaRPr lang="ko-KR" altLang="en-US" sz="2800" dirty="0">
+              <a:latin typeface="나눔스퀘어 Bold" panose="020B0600000101010101" pitchFamily="50" charset="-127"/>
+              <a:ea typeface="나눔스퀘어 Bold" panose="020B0600000101010101" pitchFamily="50" charset="-127"/>
+            </a:endParaRPr>
+          </a:p>
+        </p:txBody>
+      </p:sp>
+      <p:sp>
+        <p:nvSpPr>
+          <p:cNvPr id="18" name="TextBox 17">
+            <a:extLst>
+              <a:ext uri="{FF2B5EF4-FFF2-40B4-BE49-F238E27FC236}">
+                <a16:creationId xmlns:a16="http://schemas.microsoft.com/office/drawing/2014/main" id="{1EFE9A5D-244C-E6A7-90FE-3C30E3148266}"/>
+              </a:ext>
+            </a:extLst>
+          </p:cNvPr>
+          <p:cNvSpPr txBox="1"/>
+          <p:nvPr/>
+        </p:nvSpPr>
+        <p:spPr>
+          <a:xfrm>
+            <a:off x="825846" y="1222858"/>
+            <a:ext cx="4588833" cy="369332"/>
+          </a:xfrm>
+          <a:prstGeom prst="rect">
+            <a:avLst/>
+          </a:prstGeom>
+          <a:noFill/>
+          <a:ln>
+            <a:solidFill>
+              <a:srgbClr val="404040"/>
+            </a:solidFill>
+          </a:ln>
+        </p:spPr>
+        <p:txBody>
+          <a:bodyPr wrap="square" rtlCol="0">
+            <a:spAutoFit/>
+          </a:bodyPr>
+          <a:lstStyle/>
+          <a:p>
+            <a:r>
+              <a:rPr lang="en-US" altLang="ko-KR" dirty="0">
+                <a:latin typeface="나눔스퀘어 Light" panose="020B0600000101010101" pitchFamily="50" charset="-127"/>
+                <a:ea typeface="나눔스퀘어 Light" panose="020B0600000101010101" pitchFamily="50" charset="-127"/>
+              </a:rPr>
+              <a:t>    OT, Time Complexity, Implementation</a:t>
+            </a:r>
+          </a:p>
+        </p:txBody>
+      </p:sp>
+      <p:sp>
+        <p:nvSpPr>
+          <p:cNvPr id="4" name="타원 3">
+            <a:extLst>
+              <a:ext uri="{FF2B5EF4-FFF2-40B4-BE49-F238E27FC236}">
+                <a16:creationId xmlns:a16="http://schemas.microsoft.com/office/drawing/2014/main" id="{100B0E38-0160-E905-796D-0474F7C2251B}"/>
+              </a:ext>
+            </a:extLst>
+          </p:cNvPr>
+          <p:cNvSpPr/>
+          <p:nvPr/>
+        </p:nvSpPr>
+        <p:spPr>
+          <a:xfrm>
+            <a:off x="571179" y="1152856"/>
+            <a:ext cx="509336" cy="509336"/>
+          </a:xfrm>
+          <a:prstGeom prst="ellipse">
+            <a:avLst/>
+          </a:prstGeom>
+          <a:solidFill>
+            <a:schemeClr val="bg1"/>
+          </a:solidFill>
+          <a:ln w="19050">
+            <a:solidFill>
+              <a:srgbClr val="404040"/>
+            </a:solidFill>
+          </a:ln>
+        </p:spPr>
+        <p:style>
+          <a:lnRef idx="2">
+            <a:schemeClr val="accent1">
+              <a:shade val="50000"/>
+            </a:schemeClr>
+          </a:lnRef>
+          <a:fillRef idx="1">
+            <a:schemeClr val="accent1"/>
+          </a:fillRef>
+          <a:effectRef idx="0">
+            <a:schemeClr val="accent1"/>
+          </a:effectRef>
+          <a:fontRef idx="minor">
+            <a:schemeClr val="lt1"/>
+          </a:fontRef>
+        </p:style>
+        <p:txBody>
+          <a:bodyPr rtlCol="0" anchor="ctr"/>
+          <a:lstStyle/>
+          <a:p>
+            <a:pPr algn="ctr"/>
+            <a:r>
+              <a:rPr lang="en-US" altLang="ko-KR" sz="2000" dirty="0">
+                <a:solidFill>
+                  <a:srgbClr val="404040"/>
+                </a:solidFill>
+                <a:latin typeface="나눔스퀘어 Bold" panose="020B0600000101010101" pitchFamily="50" charset="-127"/>
+                <a:ea typeface="나눔스퀘어 Bold" panose="020B0600000101010101" pitchFamily="50" charset="-127"/>
+              </a:rPr>
+              <a:t>1</a:t>
+            </a:r>
+            <a:endParaRPr lang="ko-KR" altLang="en-US" sz="2000" dirty="0">
+              <a:solidFill>
+                <a:srgbClr val="404040"/>
+              </a:solidFill>
+              <a:latin typeface="나눔스퀘어 Bold" panose="020B0600000101010101" pitchFamily="50" charset="-127"/>
+              <a:ea typeface="나눔스퀘어 Bold" panose="020B0600000101010101" pitchFamily="50" charset="-127"/>
+            </a:endParaRPr>
+          </a:p>
+        </p:txBody>
+      </p:sp>
+      <p:sp>
+        <p:nvSpPr>
+          <p:cNvPr id="20" name="TextBox 19">
+            <a:extLst>
+              <a:ext uri="{FF2B5EF4-FFF2-40B4-BE49-F238E27FC236}">
+                <a16:creationId xmlns:a16="http://schemas.microsoft.com/office/drawing/2014/main" id="{76A96EE5-5E9E-C664-DEF7-7AC51EB38296}"/>
+              </a:ext>
+            </a:extLst>
+          </p:cNvPr>
+          <p:cNvSpPr txBox="1"/>
+          <p:nvPr/>
+        </p:nvSpPr>
+        <p:spPr>
+          <a:xfrm>
+            <a:off x="825846" y="1927542"/>
+            <a:ext cx="4588833" cy="369332"/>
+          </a:xfrm>
+          <a:prstGeom prst="rect">
+            <a:avLst/>
+          </a:prstGeom>
+          <a:noFill/>
+          <a:ln>
+            <a:solidFill>
+              <a:srgbClr val="404040"/>
+            </a:solidFill>
+          </a:ln>
+        </p:spPr>
+        <p:txBody>
+          <a:bodyPr wrap="square" rtlCol="0">
+            <a:spAutoFit/>
+          </a:bodyPr>
+          <a:lstStyle/>
+          <a:p>
+            <a:r>
+              <a:rPr lang="en-US" altLang="ko-KR" dirty="0">
+                <a:latin typeface="나눔스퀘어 Light" panose="020B0600000101010101" pitchFamily="50" charset="-127"/>
+                <a:ea typeface="나눔스퀘어 Light" panose="020B0600000101010101" pitchFamily="50" charset="-127"/>
+              </a:rPr>
+              <a:t>    Implementation, String</a:t>
+            </a:r>
+          </a:p>
+        </p:txBody>
+      </p:sp>
+      <p:sp>
+        <p:nvSpPr>
+          <p:cNvPr id="21" name="타원 20">
+            <a:extLst>
+              <a:ext uri="{FF2B5EF4-FFF2-40B4-BE49-F238E27FC236}">
+                <a16:creationId xmlns:a16="http://schemas.microsoft.com/office/drawing/2014/main" id="{AF37E2EE-7FCD-F981-8A4E-36566F1F4CB1}"/>
+              </a:ext>
+            </a:extLst>
+          </p:cNvPr>
+          <p:cNvSpPr/>
+          <p:nvPr/>
+        </p:nvSpPr>
+        <p:spPr>
+          <a:xfrm>
+            <a:off x="571179" y="1857540"/>
+            <a:ext cx="509336" cy="509336"/>
+          </a:xfrm>
+          <a:prstGeom prst="ellipse">
+            <a:avLst/>
+          </a:prstGeom>
+          <a:solidFill>
+            <a:schemeClr val="bg1"/>
+          </a:solidFill>
+          <a:ln w="19050">
+            <a:solidFill>
+              <a:srgbClr val="404040"/>
+            </a:solidFill>
+          </a:ln>
+        </p:spPr>
+        <p:style>
+          <a:lnRef idx="2">
+            <a:schemeClr val="accent1">
+              <a:shade val="50000"/>
+            </a:schemeClr>
+          </a:lnRef>
+          <a:fillRef idx="1">
+            <a:schemeClr val="accent1"/>
+          </a:fillRef>
+          <a:effectRef idx="0">
+            <a:schemeClr val="accent1"/>
+          </a:effectRef>
+          <a:fontRef idx="minor">
+            <a:schemeClr val="lt1"/>
+          </a:fontRef>
+        </p:style>
+        <p:txBody>
+          <a:bodyPr rtlCol="0" anchor="ctr"/>
+          <a:lstStyle/>
+          <a:p>
+            <a:pPr algn="ctr"/>
+            <a:r>
+              <a:rPr lang="en-US" altLang="ko-KR" sz="2000" dirty="0">
+                <a:solidFill>
+                  <a:srgbClr val="404040"/>
+                </a:solidFill>
+                <a:latin typeface="나눔스퀘어 Bold" panose="020B0600000101010101" pitchFamily="50" charset="-127"/>
+                <a:ea typeface="나눔스퀘어 Bold" panose="020B0600000101010101" pitchFamily="50" charset="-127"/>
+              </a:rPr>
+              <a:t>2</a:t>
+            </a:r>
+            <a:endParaRPr lang="ko-KR" altLang="en-US" sz="2000" dirty="0">
+              <a:solidFill>
+                <a:srgbClr val="404040"/>
+              </a:solidFill>
+              <a:latin typeface="나눔스퀘어 Bold" panose="020B0600000101010101" pitchFamily="50" charset="-127"/>
+              <a:ea typeface="나눔스퀘어 Bold" panose="020B0600000101010101" pitchFamily="50" charset="-127"/>
+            </a:endParaRPr>
+          </a:p>
+        </p:txBody>
+      </p:sp>
+      <p:sp>
+        <p:nvSpPr>
+          <p:cNvPr id="22" name="TextBox 21">
+            <a:extLst>
+              <a:ext uri="{FF2B5EF4-FFF2-40B4-BE49-F238E27FC236}">
+                <a16:creationId xmlns:a16="http://schemas.microsoft.com/office/drawing/2014/main" id="{FA4A385F-FAE4-2C58-E1D6-42F48B7C737D}"/>
+              </a:ext>
+            </a:extLst>
+          </p:cNvPr>
+          <p:cNvSpPr txBox="1"/>
+          <p:nvPr/>
+        </p:nvSpPr>
+        <p:spPr>
+          <a:xfrm>
+            <a:off x="825846" y="2702228"/>
+            <a:ext cx="4588833" cy="369332"/>
+          </a:xfrm>
+          <a:prstGeom prst="rect">
+            <a:avLst/>
+          </a:prstGeom>
+          <a:noFill/>
+          <a:ln>
+            <a:solidFill>
+              <a:srgbClr val="404040"/>
+            </a:solidFill>
+          </a:ln>
+        </p:spPr>
+        <p:txBody>
+          <a:bodyPr wrap="square" rtlCol="0">
+            <a:spAutoFit/>
+          </a:bodyPr>
+          <a:lstStyle/>
+          <a:p>
+            <a:r>
+              <a:rPr lang="en-US" altLang="ko-KR" dirty="0">
+                <a:latin typeface="나눔스퀘어 Light" panose="020B0600000101010101" pitchFamily="50" charset="-127"/>
+                <a:ea typeface="나눔스퀘어 Light" panose="020B0600000101010101" pitchFamily="50" charset="-127"/>
+              </a:rPr>
+              <a:t>    Brute Force</a:t>
+            </a:r>
+          </a:p>
+        </p:txBody>
+      </p:sp>
+      <p:sp>
+        <p:nvSpPr>
+          <p:cNvPr id="23" name="타원 22">
+            <a:extLst>
+              <a:ext uri="{FF2B5EF4-FFF2-40B4-BE49-F238E27FC236}">
+                <a16:creationId xmlns:a16="http://schemas.microsoft.com/office/drawing/2014/main" id="{593A391F-9296-A2D1-7B5B-3E15CD1E4EA2}"/>
+              </a:ext>
+            </a:extLst>
+          </p:cNvPr>
+          <p:cNvSpPr/>
+          <p:nvPr/>
+        </p:nvSpPr>
+        <p:spPr>
+          <a:xfrm>
+            <a:off x="571179" y="2632226"/>
+            <a:ext cx="509336" cy="509336"/>
+          </a:xfrm>
+          <a:prstGeom prst="ellipse">
+            <a:avLst/>
+          </a:prstGeom>
+          <a:solidFill>
+            <a:schemeClr val="bg1"/>
+          </a:solidFill>
+          <a:ln w="19050">
+            <a:solidFill>
+              <a:srgbClr val="404040"/>
+            </a:solidFill>
+          </a:ln>
+        </p:spPr>
+        <p:style>
+          <a:lnRef idx="2">
+            <a:schemeClr val="accent1">
+              <a:shade val="50000"/>
+            </a:schemeClr>
+          </a:lnRef>
+          <a:fillRef idx="1">
+            <a:schemeClr val="accent1"/>
+          </a:fillRef>
+          <a:effectRef idx="0">
+            <a:schemeClr val="accent1"/>
+          </a:effectRef>
+          <a:fontRef idx="minor">
+            <a:schemeClr val="lt1"/>
+          </a:fontRef>
+        </p:style>
+        <p:txBody>
+          <a:bodyPr rtlCol="0" anchor="ctr"/>
+          <a:lstStyle/>
+          <a:p>
+            <a:pPr algn="ctr"/>
+            <a:r>
+              <a:rPr lang="en-US" altLang="ko-KR" sz="2000" dirty="0">
+                <a:solidFill>
+                  <a:srgbClr val="404040"/>
+                </a:solidFill>
+                <a:latin typeface="나눔스퀘어 Bold" panose="020B0600000101010101" pitchFamily="50" charset="-127"/>
+                <a:ea typeface="나눔스퀘어 Bold" panose="020B0600000101010101" pitchFamily="50" charset="-127"/>
+              </a:rPr>
+              <a:t>3</a:t>
+            </a:r>
+            <a:endParaRPr lang="ko-KR" altLang="en-US" sz="2000" dirty="0">
+              <a:solidFill>
+                <a:srgbClr val="404040"/>
+              </a:solidFill>
+              <a:latin typeface="나눔스퀘어 Bold" panose="020B0600000101010101" pitchFamily="50" charset="-127"/>
+              <a:ea typeface="나눔스퀘어 Bold" panose="020B0600000101010101" pitchFamily="50" charset="-127"/>
+            </a:endParaRPr>
+          </a:p>
+        </p:txBody>
+      </p:sp>
+      <p:sp>
+        <p:nvSpPr>
+          <p:cNvPr id="24" name="TextBox 23">
+            <a:extLst>
+              <a:ext uri="{FF2B5EF4-FFF2-40B4-BE49-F238E27FC236}">
+                <a16:creationId xmlns:a16="http://schemas.microsoft.com/office/drawing/2014/main" id="{A07B2A6F-5F8C-8788-DAFE-2E0658976A1B}"/>
+              </a:ext>
+            </a:extLst>
+          </p:cNvPr>
+          <p:cNvSpPr txBox="1"/>
+          <p:nvPr/>
+        </p:nvSpPr>
+        <p:spPr>
+          <a:xfrm>
+            <a:off x="825846" y="3476914"/>
+            <a:ext cx="4588833" cy="369332"/>
+          </a:xfrm>
+          <a:prstGeom prst="rect">
+            <a:avLst/>
+          </a:prstGeom>
+          <a:noFill/>
+          <a:ln>
+            <a:solidFill>
+              <a:srgbClr val="404040"/>
+            </a:solidFill>
+          </a:ln>
+        </p:spPr>
+        <p:txBody>
+          <a:bodyPr wrap="square" rtlCol="0">
+            <a:spAutoFit/>
+          </a:bodyPr>
+          <a:lstStyle/>
+          <a:p>
+            <a:r>
+              <a:rPr lang="en-US" altLang="ko-KR" dirty="0">
+                <a:latin typeface="나눔스퀘어 Light" panose="020B0600000101010101" pitchFamily="50" charset="-127"/>
+                <a:ea typeface="나눔스퀘어 Light" panose="020B0600000101010101" pitchFamily="50" charset="-127"/>
+              </a:rPr>
+              <a:t>    Sorting, Binary Search</a:t>
+            </a:r>
+          </a:p>
+        </p:txBody>
+      </p:sp>
+      <p:sp>
+        <p:nvSpPr>
+          <p:cNvPr id="25" name="타원 24">
+            <a:extLst>
+              <a:ext uri="{FF2B5EF4-FFF2-40B4-BE49-F238E27FC236}">
+                <a16:creationId xmlns:a16="http://schemas.microsoft.com/office/drawing/2014/main" id="{51A04E28-1751-6DDB-2366-B37AE849AAF7}"/>
+              </a:ext>
+            </a:extLst>
+          </p:cNvPr>
+          <p:cNvSpPr/>
+          <p:nvPr/>
+        </p:nvSpPr>
+        <p:spPr>
+          <a:xfrm>
+            <a:off x="571179" y="3406912"/>
+            <a:ext cx="509336" cy="509336"/>
+          </a:xfrm>
+          <a:prstGeom prst="ellipse">
+            <a:avLst/>
+          </a:prstGeom>
+          <a:solidFill>
+            <a:schemeClr val="bg1"/>
+          </a:solidFill>
+          <a:ln w="19050">
+            <a:solidFill>
+              <a:srgbClr val="404040"/>
+            </a:solidFill>
+          </a:ln>
+        </p:spPr>
+        <p:style>
+          <a:lnRef idx="2">
+            <a:schemeClr val="accent1">
+              <a:shade val="50000"/>
+            </a:schemeClr>
+          </a:lnRef>
+          <a:fillRef idx="1">
+            <a:schemeClr val="accent1"/>
+          </a:fillRef>
+          <a:effectRef idx="0">
+            <a:schemeClr val="accent1"/>
+          </a:effectRef>
+          <a:fontRef idx="minor">
+            <a:schemeClr val="lt1"/>
+          </a:fontRef>
+        </p:style>
+        <p:txBody>
+          <a:bodyPr rtlCol="0" anchor="ctr"/>
+          <a:lstStyle/>
+          <a:p>
+            <a:pPr algn="ctr"/>
+            <a:r>
+              <a:rPr lang="en-US" altLang="ko-KR" sz="2000" dirty="0">
+                <a:solidFill>
+                  <a:srgbClr val="404040"/>
+                </a:solidFill>
+                <a:latin typeface="나눔스퀘어 Bold" panose="020B0600000101010101" pitchFamily="50" charset="-127"/>
+                <a:ea typeface="나눔스퀘어 Bold" panose="020B0600000101010101" pitchFamily="50" charset="-127"/>
+              </a:rPr>
+              <a:t>4</a:t>
+            </a:r>
+            <a:endParaRPr lang="ko-KR" altLang="en-US" sz="2000" dirty="0">
+              <a:solidFill>
+                <a:srgbClr val="404040"/>
+              </a:solidFill>
+              <a:latin typeface="나눔스퀘어 Bold" panose="020B0600000101010101" pitchFamily="50" charset="-127"/>
+              <a:ea typeface="나눔스퀘어 Bold" panose="020B0600000101010101" pitchFamily="50" charset="-127"/>
+            </a:endParaRPr>
+          </a:p>
+        </p:txBody>
+      </p:sp>
+      <p:sp>
+        <p:nvSpPr>
+          <p:cNvPr id="26" name="TextBox 25">
+            <a:extLst>
+              <a:ext uri="{FF2B5EF4-FFF2-40B4-BE49-F238E27FC236}">
+                <a16:creationId xmlns:a16="http://schemas.microsoft.com/office/drawing/2014/main" id="{E7E2E624-F70C-49A8-81AF-294C1B0CDABF}"/>
+              </a:ext>
+            </a:extLst>
+          </p:cNvPr>
+          <p:cNvSpPr txBox="1"/>
+          <p:nvPr/>
+        </p:nvSpPr>
+        <p:spPr>
+          <a:xfrm>
+            <a:off x="825846" y="4251600"/>
+            <a:ext cx="4588833" cy="369332"/>
+          </a:xfrm>
+          <a:prstGeom prst="rect">
+            <a:avLst/>
+          </a:prstGeom>
+          <a:noFill/>
+          <a:ln>
+            <a:solidFill>
+              <a:srgbClr val="404040"/>
+            </a:solidFill>
+          </a:ln>
+        </p:spPr>
+        <p:txBody>
+          <a:bodyPr wrap="square" rtlCol="0">
+            <a:spAutoFit/>
+          </a:bodyPr>
+          <a:lstStyle/>
+          <a:p>
+            <a:r>
+              <a:rPr lang="en-US" altLang="ko-KR" dirty="0">
+                <a:latin typeface="나눔스퀘어 Light" panose="020B0600000101010101" pitchFamily="50" charset="-127"/>
+                <a:ea typeface="나눔스퀘어 Light" panose="020B0600000101010101" pitchFamily="50" charset="-127"/>
+              </a:rPr>
+              <a:t>    Dynamic Programming</a:t>
+            </a:r>
+          </a:p>
+        </p:txBody>
+      </p:sp>
+      <p:sp>
+        <p:nvSpPr>
+          <p:cNvPr id="27" name="타원 26">
+            <a:extLst>
+              <a:ext uri="{FF2B5EF4-FFF2-40B4-BE49-F238E27FC236}">
+                <a16:creationId xmlns:a16="http://schemas.microsoft.com/office/drawing/2014/main" id="{8FCB8656-8143-D567-A494-BD34EBD4F7EC}"/>
+              </a:ext>
+            </a:extLst>
+          </p:cNvPr>
+          <p:cNvSpPr/>
+          <p:nvPr/>
+        </p:nvSpPr>
+        <p:spPr>
+          <a:xfrm>
+            <a:off x="571179" y="4181598"/>
+            <a:ext cx="509336" cy="509336"/>
+          </a:xfrm>
+          <a:prstGeom prst="ellipse">
+            <a:avLst/>
+          </a:prstGeom>
+          <a:solidFill>
+            <a:schemeClr val="bg1"/>
+          </a:solidFill>
+          <a:ln w="19050">
+            <a:solidFill>
+              <a:srgbClr val="404040"/>
+            </a:solidFill>
+          </a:ln>
+        </p:spPr>
+        <p:style>
+          <a:lnRef idx="2">
+            <a:schemeClr val="accent1">
+              <a:shade val="50000"/>
+            </a:schemeClr>
+          </a:lnRef>
+          <a:fillRef idx="1">
+            <a:schemeClr val="accent1"/>
+          </a:fillRef>
+          <a:effectRef idx="0">
+            <a:schemeClr val="accent1"/>
+          </a:effectRef>
+          <a:fontRef idx="minor">
+            <a:schemeClr val="lt1"/>
+          </a:fontRef>
+        </p:style>
+        <p:txBody>
+          <a:bodyPr rtlCol="0" anchor="ctr"/>
+          <a:lstStyle/>
+          <a:p>
+            <a:pPr algn="ctr"/>
+            <a:r>
+              <a:rPr lang="en-US" altLang="ko-KR" sz="2000" dirty="0">
+                <a:solidFill>
+                  <a:srgbClr val="404040"/>
+                </a:solidFill>
+                <a:latin typeface="나눔스퀘어 Bold" panose="020B0600000101010101" pitchFamily="50" charset="-127"/>
+                <a:ea typeface="나눔스퀘어 Bold" panose="020B0600000101010101" pitchFamily="50" charset="-127"/>
+              </a:rPr>
+              <a:t>5</a:t>
+            </a:r>
+            <a:endParaRPr lang="ko-KR" altLang="en-US" sz="2000" dirty="0">
+              <a:solidFill>
+                <a:srgbClr val="404040"/>
+              </a:solidFill>
+              <a:latin typeface="나눔스퀘어 Bold" panose="020B0600000101010101" pitchFamily="50" charset="-127"/>
+              <a:ea typeface="나눔스퀘어 Bold" panose="020B0600000101010101" pitchFamily="50" charset="-127"/>
+            </a:endParaRPr>
+          </a:p>
+        </p:txBody>
+      </p:sp>
+      <p:sp>
+        <p:nvSpPr>
+          <p:cNvPr id="28" name="TextBox 27">
+            <a:extLst>
+              <a:ext uri="{FF2B5EF4-FFF2-40B4-BE49-F238E27FC236}">
+                <a16:creationId xmlns:a16="http://schemas.microsoft.com/office/drawing/2014/main" id="{F48C6A89-8FC6-CB1C-C1CC-0BBC59DA54F7}"/>
+              </a:ext>
+            </a:extLst>
+          </p:cNvPr>
+          <p:cNvSpPr txBox="1"/>
+          <p:nvPr/>
+        </p:nvSpPr>
+        <p:spPr>
+          <a:xfrm>
+            <a:off x="825847" y="5026286"/>
+            <a:ext cx="4588834" cy="369332"/>
+          </a:xfrm>
+          <a:prstGeom prst="rect">
+            <a:avLst/>
+          </a:prstGeom>
+          <a:noFill/>
+          <a:ln>
+            <a:solidFill>
+              <a:srgbClr val="404040"/>
+            </a:solidFill>
+          </a:ln>
+        </p:spPr>
+        <p:txBody>
+          <a:bodyPr wrap="square" rtlCol="0">
+            <a:spAutoFit/>
+          </a:bodyPr>
+          <a:lstStyle/>
+          <a:p>
+            <a:r>
+              <a:rPr lang="en-US" altLang="ko-KR" dirty="0">
+                <a:latin typeface="나눔스퀘어 Light" panose="020B0600000101010101" pitchFamily="50" charset="-127"/>
+                <a:ea typeface="나눔스퀘어 Light" panose="020B0600000101010101" pitchFamily="50" charset="-127"/>
+              </a:rPr>
+              <a:t>    Greedy</a:t>
+            </a:r>
+          </a:p>
+        </p:txBody>
+      </p:sp>
+      <p:sp>
+        <p:nvSpPr>
+          <p:cNvPr id="29" name="타원 28">
+            <a:extLst>
+              <a:ext uri="{FF2B5EF4-FFF2-40B4-BE49-F238E27FC236}">
+                <a16:creationId xmlns:a16="http://schemas.microsoft.com/office/drawing/2014/main" id="{FADE7B7D-D2C7-69DE-B481-82B201504AF4}"/>
+              </a:ext>
+            </a:extLst>
+          </p:cNvPr>
+          <p:cNvSpPr/>
+          <p:nvPr/>
+        </p:nvSpPr>
+        <p:spPr>
+          <a:xfrm>
+            <a:off x="571179" y="4956284"/>
+            <a:ext cx="509336" cy="509336"/>
+          </a:xfrm>
+          <a:prstGeom prst="ellipse">
+            <a:avLst/>
+          </a:prstGeom>
+          <a:solidFill>
+            <a:schemeClr val="bg1"/>
+          </a:solidFill>
+          <a:ln w="19050">
+            <a:solidFill>
+              <a:srgbClr val="404040"/>
+            </a:solidFill>
+          </a:ln>
+        </p:spPr>
+        <p:style>
+          <a:lnRef idx="2">
+            <a:schemeClr val="accent1">
+              <a:shade val="50000"/>
+            </a:schemeClr>
+          </a:lnRef>
+          <a:fillRef idx="1">
+            <a:schemeClr val="accent1"/>
+          </a:fillRef>
+          <a:effectRef idx="0">
+            <a:schemeClr val="accent1"/>
+          </a:effectRef>
+          <a:fontRef idx="minor">
+            <a:schemeClr val="lt1"/>
+          </a:fontRef>
+        </p:style>
+        <p:txBody>
+          <a:bodyPr rtlCol="0" anchor="ctr"/>
+          <a:lstStyle/>
+          <a:p>
+            <a:pPr algn="ctr"/>
+            <a:r>
+              <a:rPr lang="en-US" altLang="ko-KR" sz="2000" dirty="0">
+                <a:solidFill>
+                  <a:srgbClr val="404040"/>
+                </a:solidFill>
+                <a:latin typeface="나눔스퀘어 Bold" panose="020B0600000101010101" pitchFamily="50" charset="-127"/>
+                <a:ea typeface="나눔스퀘어 Bold" panose="020B0600000101010101" pitchFamily="50" charset="-127"/>
+              </a:rPr>
+              <a:t>6</a:t>
+            </a:r>
+            <a:endParaRPr lang="ko-KR" altLang="en-US" sz="2000" dirty="0">
+              <a:solidFill>
+                <a:srgbClr val="404040"/>
+              </a:solidFill>
+              <a:latin typeface="나눔스퀘어 Bold" panose="020B0600000101010101" pitchFamily="50" charset="-127"/>
+              <a:ea typeface="나눔스퀘어 Bold" panose="020B0600000101010101" pitchFamily="50" charset="-127"/>
+            </a:endParaRPr>
+          </a:p>
+        </p:txBody>
+      </p:sp>
+      <p:sp>
+        <p:nvSpPr>
+          <p:cNvPr id="30" name="TextBox 29">
+            <a:extLst>
+              <a:ext uri="{FF2B5EF4-FFF2-40B4-BE49-F238E27FC236}">
+                <a16:creationId xmlns:a16="http://schemas.microsoft.com/office/drawing/2014/main" id="{E4238929-BF8B-1312-0A62-5C1FAF2B6179}"/>
+              </a:ext>
+            </a:extLst>
+          </p:cNvPr>
+          <p:cNvSpPr txBox="1"/>
+          <p:nvPr/>
+        </p:nvSpPr>
+        <p:spPr>
+          <a:xfrm>
+            <a:off x="825846" y="5730970"/>
+            <a:ext cx="4588835" cy="369332"/>
+          </a:xfrm>
+          <a:prstGeom prst="rect">
+            <a:avLst/>
+          </a:prstGeom>
+          <a:noFill/>
+          <a:ln>
+            <a:solidFill>
+              <a:srgbClr val="404040"/>
+            </a:solidFill>
+          </a:ln>
+        </p:spPr>
+        <p:txBody>
+          <a:bodyPr wrap="square" rtlCol="0">
+            <a:spAutoFit/>
+          </a:bodyPr>
+          <a:lstStyle/>
+          <a:p>
+            <a:r>
+              <a:rPr lang="en-US" altLang="ko-KR" dirty="0">
+                <a:latin typeface="나눔스퀘어 Light" panose="020B0600000101010101" pitchFamily="50" charset="-127"/>
+                <a:ea typeface="나눔스퀘어 Light" panose="020B0600000101010101" pitchFamily="50" charset="-127"/>
+              </a:rPr>
+              <a:t>    Linear Data Structure - Stack, Queue, List</a:t>
+            </a:r>
+          </a:p>
+        </p:txBody>
+      </p:sp>
+      <p:sp>
+        <p:nvSpPr>
+          <p:cNvPr id="31" name="타원 30">
+            <a:extLst>
+              <a:ext uri="{FF2B5EF4-FFF2-40B4-BE49-F238E27FC236}">
+                <a16:creationId xmlns:a16="http://schemas.microsoft.com/office/drawing/2014/main" id="{A3811F85-9E4C-612C-A524-9B7B78328172}"/>
+              </a:ext>
+            </a:extLst>
+          </p:cNvPr>
+          <p:cNvSpPr/>
+          <p:nvPr/>
+        </p:nvSpPr>
+        <p:spPr>
+          <a:xfrm>
+            <a:off x="571179" y="5660968"/>
+            <a:ext cx="509336" cy="509336"/>
+          </a:xfrm>
+          <a:prstGeom prst="ellipse">
+            <a:avLst/>
+          </a:prstGeom>
+          <a:solidFill>
+            <a:schemeClr val="bg1"/>
+          </a:solidFill>
+          <a:ln w="19050">
+            <a:solidFill>
+              <a:srgbClr val="404040"/>
+            </a:solidFill>
+          </a:ln>
+        </p:spPr>
+        <p:style>
+          <a:lnRef idx="2">
+            <a:schemeClr val="accent1">
+              <a:shade val="50000"/>
+            </a:schemeClr>
+          </a:lnRef>
+          <a:fillRef idx="1">
+            <a:schemeClr val="accent1"/>
+          </a:fillRef>
+          <a:effectRef idx="0">
+            <a:schemeClr val="accent1"/>
+          </a:effectRef>
+          <a:fontRef idx="minor">
+            <a:schemeClr val="lt1"/>
+          </a:fontRef>
+        </p:style>
+        <p:txBody>
+          <a:bodyPr rtlCol="0" anchor="ctr"/>
+          <a:lstStyle/>
+          <a:p>
+            <a:pPr algn="ctr"/>
+            <a:r>
+              <a:rPr lang="en-US" altLang="ko-KR" sz="2000" dirty="0">
+                <a:solidFill>
+                  <a:srgbClr val="404040"/>
+                </a:solidFill>
+                <a:latin typeface="나눔스퀘어 Bold" panose="020B0600000101010101" pitchFamily="50" charset="-127"/>
+                <a:ea typeface="나눔스퀘어 Bold" panose="020B0600000101010101" pitchFamily="50" charset="-127"/>
+              </a:rPr>
+              <a:t>7</a:t>
+            </a:r>
+            <a:endParaRPr lang="ko-KR" altLang="en-US" sz="2000" dirty="0">
+              <a:solidFill>
+                <a:srgbClr val="404040"/>
+              </a:solidFill>
+              <a:latin typeface="나눔스퀘어 Bold" panose="020B0600000101010101" pitchFamily="50" charset="-127"/>
+              <a:ea typeface="나눔스퀘어 Bold" panose="020B0600000101010101" pitchFamily="50" charset="-127"/>
+            </a:endParaRPr>
+          </a:p>
+        </p:txBody>
+      </p:sp>
+      <p:sp>
+        <p:nvSpPr>
+          <p:cNvPr id="32" name="TextBox 31">
+            <a:extLst>
+              <a:ext uri="{FF2B5EF4-FFF2-40B4-BE49-F238E27FC236}">
+                <a16:creationId xmlns:a16="http://schemas.microsoft.com/office/drawing/2014/main" id="{A15B605B-5089-FA75-2E0A-20F22C9E6FC6}"/>
+              </a:ext>
+            </a:extLst>
+          </p:cNvPr>
+          <p:cNvSpPr txBox="1"/>
+          <p:nvPr/>
+        </p:nvSpPr>
+        <p:spPr>
+          <a:xfrm>
+            <a:off x="825846" y="6435654"/>
+            <a:ext cx="6561072" cy="369332"/>
+          </a:xfrm>
+          <a:prstGeom prst="rect">
+            <a:avLst/>
+          </a:prstGeom>
+          <a:noFill/>
+          <a:ln>
+            <a:solidFill>
+              <a:srgbClr val="404040"/>
+            </a:solidFill>
+          </a:ln>
+        </p:spPr>
+        <p:txBody>
+          <a:bodyPr wrap="square" rtlCol="0">
+            <a:spAutoFit/>
+          </a:bodyPr>
+          <a:lstStyle/>
+          <a:p>
+            <a:r>
+              <a:rPr lang="en-US" altLang="ko-KR" dirty="0">
+                <a:latin typeface="나눔스퀘어 Light" panose="020B0600000101010101" pitchFamily="50" charset="-127"/>
+                <a:ea typeface="나눔스퀘어 Light" panose="020B0600000101010101" pitchFamily="50" charset="-127"/>
+              </a:rPr>
+              <a:t>    Data Structure - Tree, Graph, Graph Theory, Graph Traversal</a:t>
+            </a:r>
+          </a:p>
+        </p:txBody>
+      </p:sp>
+      <p:sp>
+        <p:nvSpPr>
+          <p:cNvPr id="33" name="타원 32">
+            <a:extLst>
+              <a:ext uri="{FF2B5EF4-FFF2-40B4-BE49-F238E27FC236}">
+                <a16:creationId xmlns:a16="http://schemas.microsoft.com/office/drawing/2014/main" id="{E2D4E03B-68ED-30A0-B6D9-83A80AEB2A2D}"/>
+              </a:ext>
+            </a:extLst>
+          </p:cNvPr>
+          <p:cNvSpPr/>
+          <p:nvPr/>
+        </p:nvSpPr>
+        <p:spPr>
+          <a:xfrm>
+            <a:off x="571179" y="6365652"/>
+            <a:ext cx="509336" cy="509336"/>
+          </a:xfrm>
+          <a:prstGeom prst="ellipse">
+            <a:avLst/>
+          </a:prstGeom>
+          <a:solidFill>
+            <a:schemeClr val="bg1"/>
+          </a:solidFill>
+          <a:ln w="19050">
+            <a:solidFill>
+              <a:srgbClr val="404040"/>
+            </a:solidFill>
+          </a:ln>
+        </p:spPr>
+        <p:style>
+          <a:lnRef idx="2">
+            <a:schemeClr val="accent1">
+              <a:shade val="50000"/>
+            </a:schemeClr>
+          </a:lnRef>
+          <a:fillRef idx="1">
+            <a:schemeClr val="accent1"/>
+          </a:fillRef>
+          <a:effectRef idx="0">
+            <a:schemeClr val="accent1"/>
+          </a:effectRef>
+          <a:fontRef idx="minor">
+            <a:schemeClr val="lt1"/>
+          </a:fontRef>
+        </p:style>
+        <p:txBody>
+          <a:bodyPr rtlCol="0" anchor="ctr"/>
+          <a:lstStyle/>
+          <a:p>
+            <a:pPr algn="ctr"/>
+            <a:r>
+              <a:rPr lang="en-US" altLang="ko-KR" sz="2000" dirty="0">
+                <a:solidFill>
+                  <a:srgbClr val="404040"/>
+                </a:solidFill>
+                <a:latin typeface="나눔스퀘어 Bold" panose="020B0600000101010101" pitchFamily="50" charset="-127"/>
+                <a:ea typeface="나눔스퀘어 Bold" panose="020B0600000101010101" pitchFamily="50" charset="-127"/>
+              </a:rPr>
+              <a:t>8</a:t>
+            </a:r>
+            <a:endParaRPr lang="ko-KR" altLang="en-US" sz="2000" dirty="0">
+              <a:solidFill>
+                <a:srgbClr val="404040"/>
+              </a:solidFill>
+              <a:latin typeface="나눔스퀘어 Bold" panose="020B0600000101010101" pitchFamily="50" charset="-127"/>
+              <a:ea typeface="나눔스퀘어 Bold" panose="020B0600000101010101" pitchFamily="50" charset="-127"/>
+            </a:endParaRPr>
+          </a:p>
+        </p:txBody>
+      </p:sp>
+      <p:sp>
+        <p:nvSpPr>
+          <p:cNvPr id="34" name="TextBox 33">
+            <a:extLst>
+              <a:ext uri="{FF2B5EF4-FFF2-40B4-BE49-F238E27FC236}">
+                <a16:creationId xmlns:a16="http://schemas.microsoft.com/office/drawing/2014/main" id="{6F25CEFC-EE42-EDBA-1CFD-798486316D09}"/>
+              </a:ext>
+            </a:extLst>
+          </p:cNvPr>
+          <p:cNvSpPr txBox="1"/>
+          <p:nvPr/>
+        </p:nvSpPr>
+        <p:spPr>
+          <a:xfrm>
+            <a:off x="6350667" y="1222858"/>
+            <a:ext cx="4469731" cy="369332"/>
+          </a:xfrm>
+          <a:prstGeom prst="rect">
+            <a:avLst/>
+          </a:prstGeom>
+          <a:noFill/>
+          <a:ln>
+            <a:solidFill>
+              <a:srgbClr val="404040"/>
+            </a:solidFill>
+          </a:ln>
+        </p:spPr>
+        <p:txBody>
+          <a:bodyPr wrap="square" rtlCol="0">
+            <a:spAutoFit/>
+          </a:bodyPr>
+          <a:lstStyle/>
+          <a:p>
+            <a:r>
+              <a:rPr lang="en-US" altLang="ko-KR" dirty="0">
+                <a:latin typeface="나눔스퀘어 Light" panose="020B0600000101010101" pitchFamily="50" charset="-127"/>
+                <a:ea typeface="나눔스퀘어 Light" panose="020B0600000101010101" pitchFamily="50" charset="-127"/>
+              </a:rPr>
+              <a:t>    Graph Theory, Graph Traversal</a:t>
+            </a:r>
+          </a:p>
+        </p:txBody>
+      </p:sp>
+      <p:sp>
+        <p:nvSpPr>
+          <p:cNvPr id="35" name="타원 34">
+            <a:extLst>
+              <a:ext uri="{FF2B5EF4-FFF2-40B4-BE49-F238E27FC236}">
+                <a16:creationId xmlns:a16="http://schemas.microsoft.com/office/drawing/2014/main" id="{D354B117-BD79-720B-7881-5920177E5E3B}"/>
+              </a:ext>
+            </a:extLst>
+          </p:cNvPr>
+          <p:cNvSpPr/>
+          <p:nvPr/>
+        </p:nvSpPr>
+        <p:spPr>
+          <a:xfrm>
+            <a:off x="6096000" y="1152856"/>
+            <a:ext cx="509336" cy="509336"/>
+          </a:xfrm>
+          <a:prstGeom prst="ellipse">
+            <a:avLst/>
+          </a:prstGeom>
+          <a:solidFill>
+            <a:schemeClr val="bg1"/>
+          </a:solidFill>
+          <a:ln w="19050">
+            <a:solidFill>
+              <a:srgbClr val="404040"/>
+            </a:solidFill>
+          </a:ln>
+        </p:spPr>
+        <p:style>
+          <a:lnRef idx="2">
+            <a:schemeClr val="accent1">
+              <a:shade val="50000"/>
+            </a:schemeClr>
+          </a:lnRef>
+          <a:fillRef idx="1">
+            <a:schemeClr val="accent1"/>
+          </a:fillRef>
+          <a:effectRef idx="0">
+            <a:schemeClr val="accent1"/>
+          </a:effectRef>
+          <a:fontRef idx="minor">
+            <a:schemeClr val="lt1"/>
+          </a:fontRef>
+        </p:style>
+        <p:txBody>
+          <a:bodyPr rtlCol="0" anchor="ctr"/>
+          <a:lstStyle/>
+          <a:p>
+            <a:pPr algn="ctr"/>
+            <a:r>
+              <a:rPr lang="en-US" altLang="ko-KR" sz="2000" dirty="0">
+                <a:solidFill>
+                  <a:srgbClr val="404040"/>
+                </a:solidFill>
+                <a:latin typeface="나눔스퀘어 Bold" panose="020B0600000101010101" pitchFamily="50" charset="-127"/>
+                <a:ea typeface="나눔스퀘어 Bold" panose="020B0600000101010101" pitchFamily="50" charset="-127"/>
+              </a:rPr>
+              <a:t>9</a:t>
+            </a:r>
+            <a:endParaRPr lang="ko-KR" altLang="en-US" sz="2000" dirty="0">
+              <a:solidFill>
+                <a:srgbClr val="404040"/>
+              </a:solidFill>
+              <a:latin typeface="나눔스퀘어 Bold" panose="020B0600000101010101" pitchFamily="50" charset="-127"/>
+              <a:ea typeface="나눔스퀘어 Bold" panose="020B0600000101010101" pitchFamily="50" charset="-127"/>
+            </a:endParaRPr>
+          </a:p>
+        </p:txBody>
+      </p:sp>
+      <p:sp>
+        <p:nvSpPr>
+          <p:cNvPr id="36" name="TextBox 35">
+            <a:extLst>
+              <a:ext uri="{FF2B5EF4-FFF2-40B4-BE49-F238E27FC236}">
+                <a16:creationId xmlns:a16="http://schemas.microsoft.com/office/drawing/2014/main" id="{ED1C79EE-0858-CD6F-B387-7234755955A3}"/>
+              </a:ext>
+            </a:extLst>
+          </p:cNvPr>
+          <p:cNvSpPr txBox="1"/>
+          <p:nvPr/>
+        </p:nvSpPr>
+        <p:spPr>
+          <a:xfrm>
+            <a:off x="6350668" y="1927542"/>
+            <a:ext cx="4469732" cy="369332"/>
+          </a:xfrm>
+          <a:prstGeom prst="rect">
+            <a:avLst/>
+          </a:prstGeom>
+          <a:noFill/>
+          <a:ln>
+            <a:solidFill>
+              <a:srgbClr val="404040"/>
+            </a:solidFill>
+          </a:ln>
+        </p:spPr>
+        <p:txBody>
+          <a:bodyPr wrap="square" rtlCol="0">
+            <a:spAutoFit/>
+          </a:bodyPr>
+          <a:lstStyle/>
+          <a:p>
+            <a:r>
+              <a:rPr lang="en-US" altLang="ko-KR" dirty="0">
+                <a:latin typeface="나눔스퀘어 Light" panose="020B0600000101010101" pitchFamily="50" charset="-127"/>
+                <a:ea typeface="나눔스퀘어 Light" panose="020B0600000101010101" pitchFamily="50" charset="-127"/>
+              </a:rPr>
+              <a:t>    Data Structure - Disjoint Set, Union Find</a:t>
+            </a:r>
+          </a:p>
+        </p:txBody>
+      </p:sp>
+      <p:sp>
+        <p:nvSpPr>
+          <p:cNvPr id="37" name="타원 36">
+            <a:extLst>
+              <a:ext uri="{FF2B5EF4-FFF2-40B4-BE49-F238E27FC236}">
+                <a16:creationId xmlns:a16="http://schemas.microsoft.com/office/drawing/2014/main" id="{0B74C2A5-94EB-349A-51AA-6FF01A717FC4}"/>
+              </a:ext>
+            </a:extLst>
+          </p:cNvPr>
+          <p:cNvSpPr/>
+          <p:nvPr/>
+        </p:nvSpPr>
+        <p:spPr>
+          <a:xfrm>
+            <a:off x="6096000" y="1857540"/>
+            <a:ext cx="509336" cy="509336"/>
+          </a:xfrm>
+          <a:prstGeom prst="ellipse">
+            <a:avLst/>
+          </a:prstGeom>
+          <a:solidFill>
+            <a:schemeClr val="bg1"/>
+          </a:solidFill>
+          <a:ln w="19050">
+            <a:solidFill>
+              <a:srgbClr val="404040"/>
+            </a:solidFill>
+          </a:ln>
+        </p:spPr>
+        <p:style>
+          <a:lnRef idx="2">
+            <a:schemeClr val="accent1">
+              <a:shade val="50000"/>
+            </a:schemeClr>
+          </a:lnRef>
+          <a:fillRef idx="1">
+            <a:schemeClr val="accent1"/>
+          </a:fillRef>
+          <a:effectRef idx="0">
+            <a:schemeClr val="accent1"/>
+          </a:effectRef>
+          <a:fontRef idx="minor">
+            <a:schemeClr val="lt1"/>
+          </a:fontRef>
+        </p:style>
+        <p:txBody>
+          <a:bodyPr rtlCol="0" anchor="ctr"/>
+          <a:lstStyle/>
+          <a:p>
+            <a:pPr algn="ctr"/>
+            <a:r>
+              <a:rPr lang="en-US" altLang="ko-KR" sz="1100" dirty="0">
+                <a:solidFill>
+                  <a:srgbClr val="404040"/>
+                </a:solidFill>
+                <a:latin typeface="나눔스퀘어 Bold" panose="020B0600000101010101" pitchFamily="50" charset="-127"/>
+                <a:ea typeface="나눔스퀘어 Bold" panose="020B0600000101010101" pitchFamily="50" charset="-127"/>
+              </a:rPr>
+              <a:t>10</a:t>
+            </a:r>
+            <a:endParaRPr lang="ko-KR" altLang="en-US" sz="1100" dirty="0">
+              <a:solidFill>
+                <a:srgbClr val="404040"/>
+              </a:solidFill>
+              <a:latin typeface="나눔스퀘어 Bold" panose="020B0600000101010101" pitchFamily="50" charset="-127"/>
+              <a:ea typeface="나눔스퀘어 Bold" panose="020B0600000101010101" pitchFamily="50" charset="-127"/>
+            </a:endParaRPr>
+          </a:p>
+        </p:txBody>
+      </p:sp>
+      <p:sp>
+        <p:nvSpPr>
+          <p:cNvPr id="38" name="TextBox 37">
+            <a:extLst>
+              <a:ext uri="{FF2B5EF4-FFF2-40B4-BE49-F238E27FC236}">
+                <a16:creationId xmlns:a16="http://schemas.microsoft.com/office/drawing/2014/main" id="{AD398107-DE7E-CF10-8CA1-FE0D92A8234B}"/>
+              </a:ext>
+            </a:extLst>
+          </p:cNvPr>
+          <p:cNvSpPr txBox="1"/>
+          <p:nvPr/>
+        </p:nvSpPr>
+        <p:spPr>
+          <a:xfrm>
+            <a:off x="6350667" y="2702228"/>
+            <a:ext cx="4469731" cy="369332"/>
+          </a:xfrm>
+          <a:prstGeom prst="rect">
+            <a:avLst/>
+          </a:prstGeom>
+          <a:noFill/>
+          <a:ln>
+            <a:solidFill>
+              <a:srgbClr val="404040"/>
+            </a:solidFill>
+          </a:ln>
+        </p:spPr>
+        <p:txBody>
+          <a:bodyPr wrap="square" rtlCol="0">
+            <a:spAutoFit/>
+          </a:bodyPr>
+          <a:lstStyle/>
+          <a:p>
+            <a:r>
+              <a:rPr lang="en-US" altLang="ko-KR" dirty="0">
+                <a:latin typeface="나눔스퀘어 Light" panose="020B0600000101010101" pitchFamily="50" charset="-127"/>
+                <a:ea typeface="나눔스퀘어 Light" panose="020B0600000101010101" pitchFamily="50" charset="-127"/>
+              </a:rPr>
+              <a:t>    Recursion, Backtracking</a:t>
+            </a:r>
+          </a:p>
+        </p:txBody>
+      </p:sp>
+      <p:sp>
+        <p:nvSpPr>
+          <p:cNvPr id="39" name="타원 38">
+            <a:extLst>
+              <a:ext uri="{FF2B5EF4-FFF2-40B4-BE49-F238E27FC236}">
+                <a16:creationId xmlns:a16="http://schemas.microsoft.com/office/drawing/2014/main" id="{906E82F1-0955-B214-F49B-210E21551D06}"/>
+              </a:ext>
+            </a:extLst>
+          </p:cNvPr>
+          <p:cNvSpPr/>
+          <p:nvPr/>
+        </p:nvSpPr>
+        <p:spPr>
+          <a:xfrm>
+            <a:off x="6096000" y="2632226"/>
+            <a:ext cx="509336" cy="509336"/>
+          </a:xfrm>
+          <a:prstGeom prst="ellipse">
+            <a:avLst/>
+          </a:prstGeom>
+          <a:solidFill>
+            <a:schemeClr val="bg1"/>
+          </a:solidFill>
+          <a:ln w="19050">
+            <a:solidFill>
+              <a:srgbClr val="404040"/>
+            </a:solidFill>
+          </a:ln>
+        </p:spPr>
+        <p:style>
+          <a:lnRef idx="2">
+            <a:schemeClr val="accent1">
+              <a:shade val="50000"/>
+            </a:schemeClr>
+          </a:lnRef>
+          <a:fillRef idx="1">
+            <a:schemeClr val="accent1"/>
+          </a:fillRef>
+          <a:effectRef idx="0">
+            <a:schemeClr val="accent1"/>
+          </a:effectRef>
+          <a:fontRef idx="minor">
+            <a:schemeClr val="lt1"/>
+          </a:fontRef>
+        </p:style>
+        <p:txBody>
+          <a:bodyPr rtlCol="0" anchor="ctr"/>
+          <a:lstStyle/>
+          <a:p>
+            <a:pPr algn="ctr"/>
+            <a:r>
+              <a:rPr lang="en-US" altLang="ko-KR" sz="1100" dirty="0">
+                <a:solidFill>
+                  <a:srgbClr val="404040"/>
+                </a:solidFill>
+                <a:latin typeface="나눔스퀘어 Bold" panose="020B0600000101010101" pitchFamily="50" charset="-127"/>
+                <a:ea typeface="나눔스퀘어 Bold" panose="020B0600000101010101" pitchFamily="50" charset="-127"/>
+              </a:rPr>
+              <a:t>11</a:t>
+            </a:r>
+            <a:endParaRPr lang="ko-KR" altLang="en-US" sz="1100" dirty="0">
+              <a:solidFill>
+                <a:srgbClr val="404040"/>
+              </a:solidFill>
+              <a:latin typeface="나눔스퀘어 Bold" panose="020B0600000101010101" pitchFamily="50" charset="-127"/>
+              <a:ea typeface="나눔스퀘어 Bold" panose="020B0600000101010101" pitchFamily="50" charset="-127"/>
+            </a:endParaRPr>
+          </a:p>
+        </p:txBody>
+      </p:sp>
+      <p:sp>
+        <p:nvSpPr>
+          <p:cNvPr id="40" name="TextBox 39">
+            <a:extLst>
+              <a:ext uri="{FF2B5EF4-FFF2-40B4-BE49-F238E27FC236}">
+                <a16:creationId xmlns:a16="http://schemas.microsoft.com/office/drawing/2014/main" id="{EE791045-794C-BB4C-CCD7-C25D199D9DFC}"/>
+              </a:ext>
+            </a:extLst>
+          </p:cNvPr>
+          <p:cNvSpPr txBox="1"/>
+          <p:nvPr/>
+        </p:nvSpPr>
+        <p:spPr>
+          <a:xfrm>
+            <a:off x="6350667" y="3476914"/>
+            <a:ext cx="4469731" cy="369332"/>
+          </a:xfrm>
+          <a:prstGeom prst="rect">
+            <a:avLst/>
+          </a:prstGeom>
+          <a:noFill/>
+          <a:ln>
+            <a:solidFill>
+              <a:srgbClr val="404040"/>
+            </a:solidFill>
+          </a:ln>
+        </p:spPr>
+        <p:txBody>
+          <a:bodyPr wrap="square" rtlCol="0">
+            <a:spAutoFit/>
+          </a:bodyPr>
+          <a:lstStyle/>
+          <a:p>
+            <a:r>
+              <a:rPr lang="en-US" altLang="ko-KR" dirty="0">
+                <a:latin typeface="나눔스퀘어 Light" panose="020B0600000101010101" pitchFamily="50" charset="-127"/>
+                <a:ea typeface="나눔스퀘어 Light" panose="020B0600000101010101" pitchFamily="50" charset="-127"/>
+              </a:rPr>
+              <a:t>    Shortest Path - Dijkstra</a:t>
+            </a:r>
+          </a:p>
+        </p:txBody>
+      </p:sp>
+      <p:sp>
+        <p:nvSpPr>
+          <p:cNvPr id="41" name="타원 40">
+            <a:extLst>
+              <a:ext uri="{FF2B5EF4-FFF2-40B4-BE49-F238E27FC236}">
+                <a16:creationId xmlns:a16="http://schemas.microsoft.com/office/drawing/2014/main" id="{DAC8DE0D-F8E2-9280-BDEB-DFFC78883649}"/>
+              </a:ext>
+            </a:extLst>
+          </p:cNvPr>
+          <p:cNvSpPr/>
+          <p:nvPr/>
+        </p:nvSpPr>
+        <p:spPr>
+          <a:xfrm>
+            <a:off x="6096000" y="3406912"/>
+            <a:ext cx="509336" cy="509336"/>
+          </a:xfrm>
+          <a:prstGeom prst="ellipse">
+            <a:avLst/>
+          </a:prstGeom>
+          <a:solidFill>
+            <a:schemeClr val="bg1"/>
+          </a:solidFill>
+          <a:ln w="19050">
+            <a:solidFill>
+              <a:srgbClr val="404040"/>
+            </a:solidFill>
+          </a:ln>
+        </p:spPr>
+        <p:style>
+          <a:lnRef idx="2">
+            <a:schemeClr val="accent1">
+              <a:shade val="50000"/>
+            </a:schemeClr>
+          </a:lnRef>
+          <a:fillRef idx="1">
+            <a:schemeClr val="accent1"/>
+          </a:fillRef>
+          <a:effectRef idx="0">
+            <a:schemeClr val="accent1"/>
+          </a:effectRef>
+          <a:fontRef idx="minor">
+            <a:schemeClr val="lt1"/>
+          </a:fontRef>
+        </p:style>
+        <p:txBody>
+          <a:bodyPr rtlCol="0" anchor="ctr"/>
+          <a:lstStyle/>
+          <a:p>
+            <a:pPr algn="ctr"/>
+            <a:r>
+              <a:rPr lang="en-US" altLang="ko-KR" sz="1100" dirty="0">
+                <a:solidFill>
+                  <a:srgbClr val="404040"/>
+                </a:solidFill>
+                <a:latin typeface="나눔스퀘어 Bold" panose="020B0600000101010101" pitchFamily="50" charset="-127"/>
+                <a:ea typeface="나눔스퀘어 Bold" panose="020B0600000101010101" pitchFamily="50" charset="-127"/>
+              </a:rPr>
+              <a:t>12</a:t>
+            </a:r>
+            <a:endParaRPr lang="ko-KR" altLang="en-US" sz="1100" dirty="0">
+              <a:solidFill>
+                <a:srgbClr val="404040"/>
+              </a:solidFill>
+              <a:latin typeface="나눔스퀘어 Bold" panose="020B0600000101010101" pitchFamily="50" charset="-127"/>
+              <a:ea typeface="나눔스퀘어 Bold" panose="020B0600000101010101" pitchFamily="50" charset="-127"/>
+            </a:endParaRPr>
+          </a:p>
+        </p:txBody>
+      </p:sp>
+      <p:sp>
+        <p:nvSpPr>
+          <p:cNvPr id="42" name="TextBox 41">
+            <a:extLst>
+              <a:ext uri="{FF2B5EF4-FFF2-40B4-BE49-F238E27FC236}">
+                <a16:creationId xmlns:a16="http://schemas.microsoft.com/office/drawing/2014/main" id="{C0216435-AAFE-1FD0-BA2D-6F145212F481}"/>
+              </a:ext>
+            </a:extLst>
+          </p:cNvPr>
+          <p:cNvSpPr txBox="1"/>
+          <p:nvPr/>
+        </p:nvSpPr>
+        <p:spPr>
+          <a:xfrm>
+            <a:off x="6350667" y="4251600"/>
+            <a:ext cx="4469731" cy="369332"/>
+          </a:xfrm>
+          <a:prstGeom prst="rect">
+            <a:avLst/>
+          </a:prstGeom>
+          <a:noFill/>
+          <a:ln>
+            <a:solidFill>
+              <a:srgbClr val="404040"/>
+            </a:solidFill>
+          </a:ln>
+        </p:spPr>
+        <p:txBody>
+          <a:bodyPr wrap="square" rtlCol="0">
+            <a:spAutoFit/>
+          </a:bodyPr>
+          <a:lstStyle/>
+          <a:p>
+            <a:r>
+              <a:rPr lang="en-US" altLang="ko-KR" dirty="0">
+                <a:latin typeface="나눔스퀘어 Light" panose="020B0600000101010101" pitchFamily="50" charset="-127"/>
+                <a:ea typeface="나눔스퀘어 Light" panose="020B0600000101010101" pitchFamily="50" charset="-127"/>
+              </a:rPr>
+              <a:t>    Shortest Path - Floyd </a:t>
+            </a:r>
+            <a:r>
+              <a:rPr lang="en-US" altLang="ko-KR" dirty="0" err="1">
+                <a:latin typeface="나눔스퀘어 Light" panose="020B0600000101010101" pitchFamily="50" charset="-127"/>
+                <a:ea typeface="나눔스퀘어 Light" panose="020B0600000101010101" pitchFamily="50" charset="-127"/>
+              </a:rPr>
+              <a:t>Warshall</a:t>
+            </a:r>
+            <a:endParaRPr lang="en-US" altLang="ko-KR" dirty="0">
+              <a:latin typeface="나눔스퀘어 Light" panose="020B0600000101010101" pitchFamily="50" charset="-127"/>
+              <a:ea typeface="나눔스퀘어 Light" panose="020B0600000101010101" pitchFamily="50" charset="-127"/>
+            </a:endParaRPr>
+          </a:p>
+        </p:txBody>
+      </p:sp>
+      <p:sp>
+        <p:nvSpPr>
+          <p:cNvPr id="43" name="타원 42">
+            <a:extLst>
+              <a:ext uri="{FF2B5EF4-FFF2-40B4-BE49-F238E27FC236}">
+                <a16:creationId xmlns:a16="http://schemas.microsoft.com/office/drawing/2014/main" id="{0D401A36-95FF-0A8C-9A63-94300098828B}"/>
+              </a:ext>
+            </a:extLst>
+          </p:cNvPr>
+          <p:cNvSpPr/>
+          <p:nvPr/>
+        </p:nvSpPr>
+        <p:spPr>
+          <a:xfrm>
+            <a:off x="6096000" y="4181598"/>
+            <a:ext cx="509336" cy="509336"/>
+          </a:xfrm>
+          <a:prstGeom prst="ellipse">
+            <a:avLst/>
+          </a:prstGeom>
+          <a:solidFill>
+            <a:schemeClr val="bg1"/>
+          </a:solidFill>
+          <a:ln w="19050">
+            <a:solidFill>
+              <a:srgbClr val="404040"/>
+            </a:solidFill>
+          </a:ln>
+        </p:spPr>
+        <p:style>
+          <a:lnRef idx="2">
+            <a:schemeClr val="accent1">
+              <a:shade val="50000"/>
+            </a:schemeClr>
+          </a:lnRef>
+          <a:fillRef idx="1">
+            <a:schemeClr val="accent1"/>
+          </a:fillRef>
+          <a:effectRef idx="0">
+            <a:schemeClr val="accent1"/>
+          </a:effectRef>
+          <a:fontRef idx="minor">
+            <a:schemeClr val="lt1"/>
+          </a:fontRef>
+        </p:style>
+        <p:txBody>
+          <a:bodyPr rtlCol="0" anchor="ctr"/>
+          <a:lstStyle/>
+          <a:p>
+            <a:pPr algn="ctr"/>
+            <a:r>
+              <a:rPr lang="en-US" altLang="ko-KR" sz="1100" dirty="0">
+                <a:solidFill>
+                  <a:srgbClr val="404040"/>
+                </a:solidFill>
+                <a:latin typeface="나눔스퀘어 Bold" panose="020B0600000101010101" pitchFamily="50" charset="-127"/>
+                <a:ea typeface="나눔스퀘어 Bold" panose="020B0600000101010101" pitchFamily="50" charset="-127"/>
+              </a:rPr>
+              <a:t>13</a:t>
+            </a:r>
+            <a:endParaRPr lang="ko-KR" altLang="en-US" sz="1100" dirty="0">
+              <a:solidFill>
+                <a:srgbClr val="404040"/>
+              </a:solidFill>
+              <a:latin typeface="나눔스퀘어 Bold" panose="020B0600000101010101" pitchFamily="50" charset="-127"/>
+              <a:ea typeface="나눔스퀘어 Bold" panose="020B0600000101010101" pitchFamily="50" charset="-127"/>
+            </a:endParaRPr>
+          </a:p>
+        </p:txBody>
+      </p:sp>
+      <p:sp>
+        <p:nvSpPr>
+          <p:cNvPr id="44" name="TextBox 43">
+            <a:extLst>
+              <a:ext uri="{FF2B5EF4-FFF2-40B4-BE49-F238E27FC236}">
+                <a16:creationId xmlns:a16="http://schemas.microsoft.com/office/drawing/2014/main" id="{FC8D8A86-AC0F-7F9A-A724-D65F3C759E7B}"/>
+              </a:ext>
+            </a:extLst>
+          </p:cNvPr>
+          <p:cNvSpPr txBox="1"/>
+          <p:nvPr/>
+        </p:nvSpPr>
+        <p:spPr>
+          <a:xfrm>
+            <a:off x="6350667" y="5026286"/>
+            <a:ext cx="4469731" cy="369332"/>
+          </a:xfrm>
+          <a:prstGeom prst="rect">
+            <a:avLst/>
+          </a:prstGeom>
+          <a:noFill/>
+          <a:ln>
+            <a:solidFill>
+              <a:srgbClr val="404040"/>
+            </a:solidFill>
+          </a:ln>
+        </p:spPr>
+        <p:txBody>
+          <a:bodyPr wrap="square" rtlCol="0">
+            <a:spAutoFit/>
+          </a:bodyPr>
+          <a:lstStyle/>
+          <a:p>
+            <a:r>
+              <a:rPr lang="en-US" altLang="ko-KR" dirty="0">
+                <a:latin typeface="나눔스퀘어 Light" panose="020B0600000101010101" pitchFamily="50" charset="-127"/>
+                <a:ea typeface="나눔스퀘어 Light" panose="020B0600000101010101" pitchFamily="50" charset="-127"/>
+              </a:rPr>
+              <a:t>    Minimum Spanning Tree - Kruskal</a:t>
+            </a:r>
+          </a:p>
+        </p:txBody>
+      </p:sp>
+      <p:sp>
+        <p:nvSpPr>
+          <p:cNvPr id="45" name="타원 44">
+            <a:extLst>
+              <a:ext uri="{FF2B5EF4-FFF2-40B4-BE49-F238E27FC236}">
+                <a16:creationId xmlns:a16="http://schemas.microsoft.com/office/drawing/2014/main" id="{7B4D1071-6636-7A46-295B-A4B41317D24C}"/>
+              </a:ext>
+            </a:extLst>
+          </p:cNvPr>
+          <p:cNvSpPr/>
+          <p:nvPr/>
+        </p:nvSpPr>
+        <p:spPr>
+          <a:xfrm>
+            <a:off x="6096000" y="4956284"/>
+            <a:ext cx="509336" cy="509336"/>
+          </a:xfrm>
+          <a:prstGeom prst="ellipse">
+            <a:avLst/>
+          </a:prstGeom>
+          <a:solidFill>
+            <a:schemeClr val="bg1"/>
+          </a:solidFill>
+          <a:ln w="19050">
+            <a:solidFill>
+              <a:srgbClr val="404040"/>
+            </a:solidFill>
+          </a:ln>
+        </p:spPr>
+        <p:style>
+          <a:lnRef idx="2">
+            <a:schemeClr val="accent1">
+              <a:shade val="50000"/>
+            </a:schemeClr>
+          </a:lnRef>
+          <a:fillRef idx="1">
+            <a:schemeClr val="accent1"/>
+          </a:fillRef>
+          <a:effectRef idx="0">
+            <a:schemeClr val="accent1"/>
+          </a:effectRef>
+          <a:fontRef idx="minor">
+            <a:schemeClr val="lt1"/>
+          </a:fontRef>
+        </p:style>
+        <p:txBody>
+          <a:bodyPr rtlCol="0" anchor="ctr"/>
+          <a:lstStyle/>
+          <a:p>
+            <a:pPr algn="ctr"/>
+            <a:r>
+              <a:rPr lang="en-US" altLang="ko-KR" sz="1100" dirty="0">
+                <a:solidFill>
+                  <a:srgbClr val="404040"/>
+                </a:solidFill>
+                <a:latin typeface="나눔스퀘어 Bold" panose="020B0600000101010101" pitchFamily="50" charset="-127"/>
+                <a:ea typeface="나눔스퀘어 Bold" panose="020B0600000101010101" pitchFamily="50" charset="-127"/>
+              </a:rPr>
+              <a:t>14</a:t>
+            </a:r>
+            <a:endParaRPr lang="ko-KR" altLang="en-US" sz="1100" dirty="0">
+              <a:solidFill>
+                <a:srgbClr val="404040"/>
+              </a:solidFill>
+              <a:latin typeface="나눔스퀘어 Bold" panose="020B0600000101010101" pitchFamily="50" charset="-127"/>
+              <a:ea typeface="나눔스퀘어 Bold" panose="020B0600000101010101" pitchFamily="50" charset="-127"/>
+            </a:endParaRPr>
+          </a:p>
+        </p:txBody>
+      </p:sp>
+      <p:sp>
+        <p:nvSpPr>
+          <p:cNvPr id="46" name="TextBox 45">
+            <a:extLst>
+              <a:ext uri="{FF2B5EF4-FFF2-40B4-BE49-F238E27FC236}">
+                <a16:creationId xmlns:a16="http://schemas.microsoft.com/office/drawing/2014/main" id="{9DA5057F-A12D-B9AD-CB5F-3EA7C12E68DF}"/>
+              </a:ext>
+            </a:extLst>
+          </p:cNvPr>
+          <p:cNvSpPr txBox="1"/>
+          <p:nvPr/>
+        </p:nvSpPr>
+        <p:spPr>
+          <a:xfrm>
+            <a:off x="6350667" y="5730970"/>
+            <a:ext cx="4469731" cy="369332"/>
+          </a:xfrm>
+          <a:prstGeom prst="rect">
+            <a:avLst/>
+          </a:prstGeom>
+          <a:noFill/>
+          <a:ln>
+            <a:solidFill>
+              <a:srgbClr val="404040"/>
+            </a:solidFill>
+          </a:ln>
+        </p:spPr>
+        <p:txBody>
+          <a:bodyPr wrap="square" rtlCol="0">
+            <a:spAutoFit/>
+          </a:bodyPr>
+          <a:lstStyle/>
+          <a:p>
+            <a:r>
+              <a:rPr lang="en-US" altLang="ko-KR" dirty="0">
+                <a:latin typeface="나눔스퀘어 Light" panose="020B0600000101010101" pitchFamily="50" charset="-127"/>
+                <a:ea typeface="나눔스퀘어 Light" panose="020B0600000101010101" pitchFamily="50" charset="-127"/>
+              </a:rPr>
+              <a:t>    Hash Set, Hash Map</a:t>
+            </a:r>
+          </a:p>
+        </p:txBody>
+      </p:sp>
+      <p:sp>
+        <p:nvSpPr>
+          <p:cNvPr id="47" name="타원 46">
+            <a:extLst>
+              <a:ext uri="{FF2B5EF4-FFF2-40B4-BE49-F238E27FC236}">
+                <a16:creationId xmlns:a16="http://schemas.microsoft.com/office/drawing/2014/main" id="{4FC0D9BD-B8DD-7742-6871-7B32F1F4472B}"/>
+              </a:ext>
+            </a:extLst>
+          </p:cNvPr>
+          <p:cNvSpPr/>
+          <p:nvPr/>
+        </p:nvSpPr>
+        <p:spPr>
+          <a:xfrm>
+            <a:off x="6096000" y="5660968"/>
+            <a:ext cx="509336" cy="509336"/>
+          </a:xfrm>
+          <a:prstGeom prst="ellipse">
+            <a:avLst/>
+          </a:prstGeom>
+          <a:solidFill>
+            <a:schemeClr val="bg1"/>
+          </a:solidFill>
+          <a:ln w="19050">
+            <a:solidFill>
+              <a:srgbClr val="404040"/>
+            </a:solidFill>
+          </a:ln>
+        </p:spPr>
+        <p:style>
+          <a:lnRef idx="2">
+            <a:schemeClr val="accent1">
+              <a:shade val="50000"/>
+            </a:schemeClr>
+          </a:lnRef>
+          <a:fillRef idx="1">
+            <a:schemeClr val="accent1"/>
+          </a:fillRef>
+          <a:effectRef idx="0">
+            <a:schemeClr val="accent1"/>
+          </a:effectRef>
+          <a:fontRef idx="minor">
+            <a:schemeClr val="lt1"/>
+          </a:fontRef>
+        </p:style>
+        <p:txBody>
+          <a:bodyPr rtlCol="0" anchor="ctr"/>
+          <a:lstStyle/>
+          <a:p>
+            <a:pPr algn="ctr"/>
+            <a:r>
+              <a:rPr lang="en-US" altLang="ko-KR" sz="1100" dirty="0">
+                <a:solidFill>
+                  <a:srgbClr val="404040"/>
+                </a:solidFill>
+                <a:latin typeface="나눔스퀘어 Bold" panose="020B0600000101010101" pitchFamily="50" charset="-127"/>
+                <a:ea typeface="나눔스퀘어 Bold" panose="020B0600000101010101" pitchFamily="50" charset="-127"/>
+              </a:rPr>
+              <a:t>15</a:t>
+            </a:r>
+            <a:endParaRPr lang="ko-KR" altLang="en-US" sz="1100" dirty="0">
+              <a:solidFill>
+                <a:srgbClr val="404040"/>
+              </a:solidFill>
+              <a:latin typeface="나눔스퀘어 Bold" panose="020B0600000101010101" pitchFamily="50" charset="-127"/>
+              <a:ea typeface="나눔스퀘어 Bold" panose="020B0600000101010101" pitchFamily="50" charset="-127"/>
+            </a:endParaRPr>
+          </a:p>
+        </p:txBody>
+      </p:sp>
+    </p:spTree>
+    <p:extLst>
+      <p:ext uri="{BB962C8B-B14F-4D97-AF65-F5344CB8AC3E}">
+        <p14:creationId xmlns:p14="http://schemas.microsoft.com/office/powerpoint/2010/main" val="3851950532"/>
       </p:ext>
     </p:extLst>
   </p:cSld>

--- a/study/1_OT.pptx
+++ b/study/1_OT.pptx
@@ -13,6 +13,8 @@
     <p:sldId id="260" r:id="rId7"/>
     <p:sldId id="261" r:id="rId8"/>
     <p:sldId id="263" r:id="rId9"/>
+    <p:sldId id="264" r:id="rId10"/>
+    <p:sldId id="265" r:id="rId11"/>
   </p:sldIdLst>
   <p:sldSz cx="12192000" cy="6858000"/>
   <p:notesSz cx="6858000" cy="9144000"/>
@@ -3484,6 +3486,594 @@
 </p:sld>
 </file>
 
+<file path=ppt/slides/slide10.xml><?xml version="1.0" encoding="utf-8"?>
+<p:sld xmlns:a="http://schemas.openxmlformats.org/drawingml/2006/main" xmlns:r="http://schemas.openxmlformats.org/officeDocument/2006/relationships" xmlns:p="http://schemas.openxmlformats.org/presentationml/2006/main">
+  <p:cSld>
+    <p:spTree>
+      <p:nvGrpSpPr>
+        <p:cNvPr id="1" name=""/>
+        <p:cNvGrpSpPr/>
+        <p:nvPr/>
+      </p:nvGrpSpPr>
+      <p:grpSpPr>
+        <a:xfrm>
+          <a:off x="0" y="0"/>
+          <a:ext cx="0" cy="0"/>
+          <a:chOff x="0" y="0"/>
+          <a:chExt cx="0" cy="0"/>
+        </a:xfrm>
+      </p:grpSpPr>
+      <p:cxnSp>
+        <p:nvCxnSpPr>
+          <p:cNvPr id="5" name="직선 연결선 4">
+            <a:extLst>
+              <a:ext uri="{FF2B5EF4-FFF2-40B4-BE49-F238E27FC236}">
+                <a16:creationId xmlns:a16="http://schemas.microsoft.com/office/drawing/2014/main" id="{164C2827-EFCE-69A4-D037-1A218415F568}"/>
+              </a:ext>
+            </a:extLst>
+          </p:cNvPr>
+          <p:cNvCxnSpPr/>
+          <p:nvPr/>
+        </p:nvCxnSpPr>
+        <p:spPr>
+          <a:xfrm>
+            <a:off x="0" y="887505"/>
+            <a:ext cx="10237694" cy="0"/>
+          </a:xfrm>
+          <a:prstGeom prst="line">
+            <a:avLst/>
+          </a:prstGeom>
+          <a:ln w="76200">
+            <a:solidFill>
+              <a:schemeClr val="tx1">
+                <a:lumMod val="75000"/>
+                <a:lumOff val="25000"/>
+              </a:schemeClr>
+            </a:solidFill>
+          </a:ln>
+        </p:spPr>
+        <p:style>
+          <a:lnRef idx="1">
+            <a:schemeClr val="accent1"/>
+          </a:lnRef>
+          <a:fillRef idx="0">
+            <a:schemeClr val="accent1"/>
+          </a:fillRef>
+          <a:effectRef idx="0">
+            <a:schemeClr val="accent1"/>
+          </a:effectRef>
+          <a:fontRef idx="minor">
+            <a:schemeClr val="tx1"/>
+          </a:fontRef>
+        </p:style>
+      </p:cxnSp>
+      <p:sp>
+        <p:nvSpPr>
+          <p:cNvPr id="6" name="TextBox 5">
+            <a:extLst>
+              <a:ext uri="{FF2B5EF4-FFF2-40B4-BE49-F238E27FC236}">
+                <a16:creationId xmlns:a16="http://schemas.microsoft.com/office/drawing/2014/main" id="{908ED9B9-09D3-CFA8-625A-6F9BB9B6BD23}"/>
+              </a:ext>
+            </a:extLst>
+          </p:cNvPr>
+          <p:cNvSpPr txBox="1"/>
+          <p:nvPr/>
+        </p:nvSpPr>
+        <p:spPr>
+          <a:xfrm>
+            <a:off x="331694" y="177505"/>
+            <a:ext cx="2613216" cy="523220"/>
+          </a:xfrm>
+          <a:prstGeom prst="rect">
+            <a:avLst/>
+          </a:prstGeom>
+          <a:noFill/>
+        </p:spPr>
+        <p:txBody>
+          <a:bodyPr wrap="none" rtlCol="0">
+            <a:spAutoFit/>
+          </a:bodyPr>
+          <a:lstStyle/>
+          <a:p>
+            <a:r>
+              <a:rPr lang="en-US" altLang="ko-KR" sz="2800" dirty="0">
+                <a:latin typeface="나눔스퀘어 Bold" panose="020B0600000101010101" pitchFamily="50" charset="-127"/>
+                <a:ea typeface="나눔스퀘어 Bold" panose="020B0600000101010101" pitchFamily="50" charset="-127"/>
+              </a:rPr>
+              <a:t>Big</a:t>
+            </a:r>
+            <a:r>
+              <a:rPr lang="ko-KR" altLang="en-US" sz="2800" dirty="0">
+                <a:latin typeface="나눔스퀘어 Bold" panose="020B0600000101010101" pitchFamily="50" charset="-127"/>
+                <a:ea typeface="나눔스퀘어 Bold" panose="020B0600000101010101" pitchFamily="50" charset="-127"/>
+              </a:rPr>
+              <a:t> </a:t>
+            </a:r>
+            <a:r>
+              <a:rPr lang="en-US" altLang="ko-KR" sz="2800" dirty="0">
+                <a:latin typeface="나눔스퀘어 Bold" panose="020B0600000101010101" pitchFamily="50" charset="-127"/>
+                <a:ea typeface="나눔스퀘어 Bold" panose="020B0600000101010101" pitchFamily="50" charset="-127"/>
+              </a:rPr>
+              <a:t>O</a:t>
+            </a:r>
+            <a:r>
+              <a:rPr lang="ko-KR" altLang="en-US" sz="2800" dirty="0">
+                <a:latin typeface="나눔스퀘어 Bold" panose="020B0600000101010101" pitchFamily="50" charset="-127"/>
+                <a:ea typeface="나눔스퀘어 Bold" panose="020B0600000101010101" pitchFamily="50" charset="-127"/>
+              </a:rPr>
+              <a:t> </a:t>
+            </a:r>
+            <a:r>
+              <a:rPr lang="en-US" altLang="ko-KR" sz="2800" dirty="0">
+                <a:latin typeface="나눔스퀘어 Bold" panose="020B0600000101010101" pitchFamily="50" charset="-127"/>
+                <a:ea typeface="나눔스퀘어 Bold" panose="020B0600000101010101" pitchFamily="50" charset="-127"/>
+              </a:rPr>
+              <a:t>Notation</a:t>
+            </a:r>
+            <a:endParaRPr lang="ko-KR" altLang="en-US" sz="2800" dirty="0">
+              <a:latin typeface="나눔스퀘어 Bold" panose="020B0600000101010101" pitchFamily="50" charset="-127"/>
+              <a:ea typeface="나눔스퀘어 Bold" panose="020B0600000101010101" pitchFamily="50" charset="-127"/>
+            </a:endParaRPr>
+          </a:p>
+        </p:txBody>
+      </p:sp>
+      <p:sp>
+        <p:nvSpPr>
+          <p:cNvPr id="12" name="TextBox 11">
+            <a:extLst>
+              <a:ext uri="{FF2B5EF4-FFF2-40B4-BE49-F238E27FC236}">
+                <a16:creationId xmlns:a16="http://schemas.microsoft.com/office/drawing/2014/main" id="{E1E8D503-F9D6-33F6-3A27-1B47A0CF274B}"/>
+              </a:ext>
+            </a:extLst>
+          </p:cNvPr>
+          <p:cNvSpPr txBox="1"/>
+          <p:nvPr/>
+        </p:nvSpPr>
+        <p:spPr>
+          <a:xfrm>
+            <a:off x="942387" y="1249753"/>
+            <a:ext cx="6623825" cy="646331"/>
+          </a:xfrm>
+          <a:prstGeom prst="rect">
+            <a:avLst/>
+          </a:prstGeom>
+          <a:noFill/>
+        </p:spPr>
+        <p:txBody>
+          <a:bodyPr wrap="square" rtlCol="0">
+            <a:spAutoFit/>
+          </a:bodyPr>
+          <a:lstStyle/>
+          <a:p>
+            <a:r>
+              <a:rPr lang="ko-KR" altLang="en-US" dirty="0">
+                <a:latin typeface="나눔스퀘어 Bold" panose="020B0600000101010101" pitchFamily="50" charset="-127"/>
+                <a:ea typeface="나눔스퀘어 Bold" panose="020B0600000101010101" pitchFamily="50" charset="-127"/>
+              </a:rPr>
+              <a:t>효율적인 </a:t>
+            </a:r>
+            <a:r>
+              <a:rPr lang="ko-KR" altLang="en-US" dirty="0">
+                <a:latin typeface="나눔스퀘어 Light" panose="020B0600000101010101" pitchFamily="50" charset="-127"/>
+                <a:ea typeface="나눔스퀘어 Light" panose="020B0600000101010101" pitchFamily="50" charset="-127"/>
+              </a:rPr>
+              <a:t>방법을 고민한다는 것 → </a:t>
+            </a:r>
+            <a:r>
+              <a:rPr lang="ko-KR" altLang="en-US" dirty="0">
+                <a:latin typeface="나눔스퀘어 Bold" panose="020B0600000101010101" pitchFamily="50" charset="-127"/>
+                <a:ea typeface="나눔스퀘어 Bold" panose="020B0600000101010101" pitchFamily="50" charset="-127"/>
+              </a:rPr>
+              <a:t>시간 복잡도</a:t>
+            </a:r>
+            <a:r>
+              <a:rPr lang="ko-KR" altLang="en-US" dirty="0">
+                <a:latin typeface="나눔스퀘어 Light" panose="020B0600000101010101" pitchFamily="50" charset="-127"/>
+                <a:ea typeface="나눔스퀘어 Light" panose="020B0600000101010101" pitchFamily="50" charset="-127"/>
+              </a:rPr>
+              <a:t>를 고민한다는 것</a:t>
+            </a:r>
+            <a:endParaRPr lang="en-US" altLang="ko-KR" dirty="0">
+              <a:latin typeface="나눔스퀘어 Light" panose="020B0600000101010101" pitchFamily="50" charset="-127"/>
+              <a:ea typeface="나눔스퀘어 Light" panose="020B0600000101010101" pitchFamily="50" charset="-127"/>
+            </a:endParaRPr>
+          </a:p>
+          <a:p>
+            <a:r>
+              <a:rPr lang="ko-KR" altLang="en-US" dirty="0">
+                <a:latin typeface="나눔스퀘어 Light" panose="020B0600000101010101" pitchFamily="50" charset="-127"/>
+                <a:ea typeface="나눔스퀘어 Light" panose="020B0600000101010101" pitchFamily="50" charset="-127"/>
+              </a:rPr>
+              <a:t> →</a:t>
+            </a:r>
+            <a:r>
+              <a:rPr lang="en-US" altLang="ko-KR" dirty="0">
+                <a:latin typeface="나눔스퀘어 Light" panose="020B0600000101010101" pitchFamily="50" charset="-127"/>
+                <a:ea typeface="나눔스퀘어 Light" panose="020B0600000101010101" pitchFamily="50" charset="-127"/>
+              </a:rPr>
+              <a:t> </a:t>
+            </a:r>
+            <a:r>
+              <a:rPr lang="ko-KR" altLang="en-US" dirty="0">
+                <a:latin typeface="나눔스퀘어 Bold" panose="020B0600000101010101" pitchFamily="50" charset="-127"/>
+                <a:ea typeface="나눔스퀘어 Bold" panose="020B0600000101010101" pitchFamily="50" charset="-127"/>
+              </a:rPr>
+              <a:t>생각하는 훈련 </a:t>
+            </a:r>
+            <a:r>
+              <a:rPr lang="ko-KR" altLang="en-US" dirty="0">
+                <a:latin typeface="나눔스퀘어 Light" panose="020B0600000101010101" pitchFamily="50" charset="-127"/>
+                <a:ea typeface="나눔스퀘어 Light" panose="020B0600000101010101" pitchFamily="50" charset="-127"/>
+              </a:rPr>
+              <a:t>→</a:t>
+            </a:r>
+            <a:r>
+              <a:rPr lang="en-US" altLang="ko-KR" dirty="0">
+                <a:latin typeface="나눔스퀘어 Light" panose="020B0600000101010101" pitchFamily="50" charset="-127"/>
+                <a:ea typeface="나눔스퀘어 Light" panose="020B0600000101010101" pitchFamily="50" charset="-127"/>
+              </a:rPr>
+              <a:t> </a:t>
+            </a:r>
+            <a:r>
+              <a:rPr lang="ko-KR" altLang="en-US" dirty="0">
+                <a:latin typeface="나눔스퀘어 Bold" panose="020B0600000101010101" pitchFamily="50" charset="-127"/>
+                <a:ea typeface="나눔스퀘어 Bold" panose="020B0600000101010101" pitchFamily="50" charset="-127"/>
+              </a:rPr>
+              <a:t>알고리즘</a:t>
+            </a:r>
+          </a:p>
+        </p:txBody>
+      </p:sp>
+      <p:sp>
+        <p:nvSpPr>
+          <p:cNvPr id="13" name="TextBox 12">
+            <a:extLst>
+              <a:ext uri="{FF2B5EF4-FFF2-40B4-BE49-F238E27FC236}">
+                <a16:creationId xmlns:a16="http://schemas.microsoft.com/office/drawing/2014/main" id="{2800A05B-9B54-C1F1-968A-6C69655D6258}"/>
+              </a:ext>
+            </a:extLst>
+          </p:cNvPr>
+          <p:cNvSpPr txBox="1"/>
+          <p:nvPr/>
+        </p:nvSpPr>
+        <p:spPr>
+          <a:xfrm>
+            <a:off x="942387" y="2250273"/>
+            <a:ext cx="6623825" cy="646331"/>
+          </a:xfrm>
+          <a:prstGeom prst="rect">
+            <a:avLst/>
+          </a:prstGeom>
+          <a:noFill/>
+        </p:spPr>
+        <p:txBody>
+          <a:bodyPr wrap="square" rtlCol="0">
+            <a:spAutoFit/>
+          </a:bodyPr>
+          <a:lstStyle/>
+          <a:p>
+            <a:r>
+              <a:rPr lang="ko-KR" altLang="en-US" dirty="0" err="1">
+                <a:latin typeface="나눔스퀘어 Bold" panose="020B0600000101010101" pitchFamily="50" charset="-127"/>
+                <a:ea typeface="나눔스퀘어 Bold" panose="020B0600000101010101" pitchFamily="50" charset="-127"/>
+              </a:rPr>
+              <a:t>빅오</a:t>
+            </a:r>
+            <a:r>
+              <a:rPr lang="ko-KR" altLang="en-US" dirty="0">
+                <a:latin typeface="나눔스퀘어 Bold" panose="020B0600000101010101" pitchFamily="50" charset="-127"/>
+                <a:ea typeface="나눔스퀘어 Bold" panose="020B0600000101010101" pitchFamily="50" charset="-127"/>
+              </a:rPr>
+              <a:t> 표기법은 </a:t>
+            </a:r>
+            <a:r>
+              <a:rPr lang="ko-KR" altLang="en-US" dirty="0">
+                <a:solidFill>
+                  <a:srgbClr val="FF0000"/>
+                </a:solidFill>
+                <a:latin typeface="나눔스퀘어 Bold" panose="020B0600000101010101" pitchFamily="50" charset="-127"/>
+                <a:ea typeface="나눔스퀘어 Bold" panose="020B0600000101010101" pitchFamily="50" charset="-127"/>
+              </a:rPr>
+              <a:t>최악의 경우</a:t>
+            </a:r>
+            <a:r>
+              <a:rPr lang="ko-KR" altLang="en-US" dirty="0">
+                <a:latin typeface="나눔스퀘어 Bold" panose="020B0600000101010101" pitchFamily="50" charset="-127"/>
+                <a:ea typeface="나눔스퀘어 Bold" panose="020B0600000101010101" pitchFamily="50" charset="-127"/>
+              </a:rPr>
+              <a:t>를 고려함</a:t>
+            </a:r>
+            <a:endParaRPr lang="en-US" altLang="ko-KR" dirty="0">
+              <a:latin typeface="나눔스퀘어 Bold" panose="020B0600000101010101" pitchFamily="50" charset="-127"/>
+              <a:ea typeface="나눔스퀘어 Bold" panose="020B0600000101010101" pitchFamily="50" charset="-127"/>
+            </a:endParaRPr>
+          </a:p>
+          <a:p>
+            <a:r>
+              <a:rPr lang="en-US" altLang="ko-KR" dirty="0">
+                <a:latin typeface="나눔스퀘어 Bold" panose="020B0600000101010101" pitchFamily="50" charset="-127"/>
+                <a:ea typeface="나눔스퀘어 Bold" panose="020B0600000101010101" pitchFamily="50" charset="-127"/>
+              </a:rPr>
+              <a:t>    : </a:t>
+            </a:r>
+            <a:r>
+              <a:rPr lang="ko-KR" altLang="en-US" dirty="0">
+                <a:latin typeface="나눔스퀘어 Bold" panose="020B0600000101010101" pitchFamily="50" charset="-127"/>
+                <a:ea typeface="나눔스퀘어 Bold" panose="020B0600000101010101" pitchFamily="50" charset="-127"/>
+              </a:rPr>
+              <a:t>이 정도 시간까지 걸릴 수 있다</a:t>
+            </a:r>
+            <a:r>
+              <a:rPr lang="en-US" altLang="ko-KR" dirty="0">
+                <a:latin typeface="나눔스퀘어 Bold" panose="020B0600000101010101" pitchFamily="50" charset="-127"/>
+                <a:ea typeface="나눔스퀘어 Bold" panose="020B0600000101010101" pitchFamily="50" charset="-127"/>
+              </a:rPr>
+              <a:t>.</a:t>
+            </a:r>
+            <a:endParaRPr lang="ko-KR" altLang="en-US" dirty="0">
+              <a:latin typeface="나눔스퀘어 Light" panose="020B0600000101010101" pitchFamily="50" charset="-127"/>
+              <a:ea typeface="나눔스퀘어 Light" panose="020B0600000101010101" pitchFamily="50" charset="-127"/>
+            </a:endParaRPr>
+          </a:p>
+        </p:txBody>
+      </p:sp>
+      <p:sp>
+        <p:nvSpPr>
+          <p:cNvPr id="14" name="TextBox 13">
+            <a:extLst>
+              <a:ext uri="{FF2B5EF4-FFF2-40B4-BE49-F238E27FC236}">
+                <a16:creationId xmlns:a16="http://schemas.microsoft.com/office/drawing/2014/main" id="{6F2C6DFD-59CE-6D44-EE7C-06B98CF04933}"/>
+              </a:ext>
+            </a:extLst>
+          </p:cNvPr>
+          <p:cNvSpPr txBox="1"/>
+          <p:nvPr/>
+        </p:nvSpPr>
+        <p:spPr>
+          <a:xfrm>
+            <a:off x="942387" y="3429000"/>
+            <a:ext cx="8542272" cy="369332"/>
+          </a:xfrm>
+          <a:prstGeom prst="rect">
+            <a:avLst/>
+          </a:prstGeom>
+          <a:noFill/>
+        </p:spPr>
+        <p:txBody>
+          <a:bodyPr wrap="square" rtlCol="0">
+            <a:spAutoFit/>
+          </a:bodyPr>
+          <a:lstStyle/>
+          <a:p>
+            <a:r>
+              <a:rPr lang="en-US" altLang="ko-KR" dirty="0">
+                <a:latin typeface="나눔스퀘어 Bold" panose="020B0600000101010101" pitchFamily="50" charset="-127"/>
+                <a:ea typeface="나눔스퀘어 Bold" panose="020B0600000101010101" pitchFamily="50" charset="-127"/>
+              </a:rPr>
+              <a:t>N(</a:t>
+            </a:r>
+            <a:r>
+              <a:rPr lang="ko-KR" altLang="en-US" dirty="0">
+                <a:latin typeface="나눔스퀘어 Bold" panose="020B0600000101010101" pitchFamily="50" charset="-127"/>
+                <a:ea typeface="나눔스퀘어 Bold" panose="020B0600000101010101" pitchFamily="50" charset="-127"/>
+              </a:rPr>
+              <a:t>입력</a:t>
+            </a:r>
+            <a:r>
+              <a:rPr lang="en-US" altLang="ko-KR" dirty="0">
+                <a:latin typeface="나눔스퀘어 Bold" panose="020B0600000101010101" pitchFamily="50" charset="-127"/>
+                <a:ea typeface="나눔스퀘어 Bold" panose="020B0600000101010101" pitchFamily="50" charset="-127"/>
+              </a:rPr>
+              <a:t>)</a:t>
+            </a:r>
+            <a:r>
+              <a:rPr lang="ko-KR" altLang="en-US" dirty="0">
+                <a:latin typeface="나눔스퀘어 Bold" panose="020B0600000101010101" pitchFamily="50" charset="-127"/>
+                <a:ea typeface="나눔스퀘어 Bold" panose="020B0600000101010101" pitchFamily="50" charset="-127"/>
+              </a:rPr>
+              <a:t>의 크기가 크다고 가정하고 생각해야 함</a:t>
+            </a:r>
+          </a:p>
+        </p:txBody>
+      </p:sp>
+      <p:sp>
+        <p:nvSpPr>
+          <p:cNvPr id="15" name="TextBox 14">
+            <a:extLst>
+              <a:ext uri="{FF2B5EF4-FFF2-40B4-BE49-F238E27FC236}">
+                <a16:creationId xmlns:a16="http://schemas.microsoft.com/office/drawing/2014/main" id="{A8A80E8A-DB24-4164-2FC9-068A8332B751}"/>
+              </a:ext>
+            </a:extLst>
+          </p:cNvPr>
+          <p:cNvSpPr txBox="1"/>
+          <p:nvPr/>
+        </p:nvSpPr>
+        <p:spPr>
+          <a:xfrm>
+            <a:off x="942387" y="4330728"/>
+            <a:ext cx="8542272" cy="646331"/>
+          </a:xfrm>
+          <a:prstGeom prst="rect">
+            <a:avLst/>
+          </a:prstGeom>
+          <a:noFill/>
+        </p:spPr>
+        <p:txBody>
+          <a:bodyPr wrap="square" rtlCol="0">
+            <a:spAutoFit/>
+          </a:bodyPr>
+          <a:lstStyle/>
+          <a:p>
+            <a:r>
+              <a:rPr lang="en-US" altLang="ko-KR" dirty="0">
+                <a:latin typeface="나눔스퀘어 Bold" panose="020B0600000101010101" pitchFamily="50" charset="-127"/>
+                <a:ea typeface="나눔스퀘어 Bold" panose="020B0600000101010101" pitchFamily="50" charset="-127"/>
+              </a:rPr>
+              <a:t>Q. </a:t>
+            </a:r>
+            <a:r>
+              <a:rPr lang="ko-KR" altLang="en-US" dirty="0">
+                <a:latin typeface="나눔스퀘어 Bold" panose="020B0600000101010101" pitchFamily="50" charset="-127"/>
+                <a:ea typeface="나눔스퀘어 Bold" panose="020B0600000101010101" pitchFamily="50" charset="-127"/>
+              </a:rPr>
+              <a:t>다음 코드가 </a:t>
+            </a:r>
+            <a:r>
+              <a:rPr lang="en-US" altLang="ko-KR" dirty="0">
+                <a:latin typeface="나눔스퀘어 Bold" panose="020B0600000101010101" pitchFamily="50" charset="-127"/>
+                <a:ea typeface="나눔스퀘어 Bold" panose="020B0600000101010101" pitchFamily="50" charset="-127"/>
+              </a:rPr>
+              <a:t>N = 1,000 </a:t>
+            </a:r>
+            <a:r>
+              <a:rPr lang="ko-KR" altLang="en-US" dirty="0">
+                <a:latin typeface="나눔스퀘어 Bold" panose="020B0600000101010101" pitchFamily="50" charset="-127"/>
+                <a:ea typeface="나눔스퀘어 Bold" panose="020B0600000101010101" pitchFamily="50" charset="-127"/>
+              </a:rPr>
+              <a:t>일 때와 </a:t>
+            </a:r>
+            <a:r>
+              <a:rPr lang="en-US" altLang="ko-KR" dirty="0">
+                <a:latin typeface="나눔스퀘어 Bold" panose="020B0600000101010101" pitchFamily="50" charset="-127"/>
+                <a:ea typeface="나눔스퀘어 Bold" panose="020B0600000101010101" pitchFamily="50" charset="-127"/>
+              </a:rPr>
+              <a:t>N = 1,000,000 </a:t>
+            </a:r>
+            <a:r>
+              <a:rPr lang="ko-KR" altLang="en-US" dirty="0">
+                <a:latin typeface="나눔스퀘어 Bold" panose="020B0600000101010101" pitchFamily="50" charset="-127"/>
+                <a:ea typeface="나눔스퀘어 Bold" panose="020B0600000101010101" pitchFamily="50" charset="-127"/>
+              </a:rPr>
+              <a:t>일 때의</a:t>
+            </a:r>
+            <a:endParaRPr lang="en-US" altLang="ko-KR" dirty="0">
+              <a:latin typeface="나눔스퀘어 Bold" panose="020B0600000101010101" pitchFamily="50" charset="-127"/>
+              <a:ea typeface="나눔스퀘어 Bold" panose="020B0600000101010101" pitchFamily="50" charset="-127"/>
+            </a:endParaRPr>
+          </a:p>
+          <a:p>
+            <a:r>
+              <a:rPr lang="en-US" altLang="ko-KR" dirty="0">
+                <a:latin typeface="나눔스퀘어 Bold" panose="020B0600000101010101" pitchFamily="50" charset="-127"/>
+                <a:ea typeface="나눔스퀘어 Bold" panose="020B0600000101010101" pitchFamily="50" charset="-127"/>
+              </a:rPr>
+              <a:t>     </a:t>
+            </a:r>
+            <a:r>
+              <a:rPr lang="ko-KR" altLang="en-US" dirty="0">
+                <a:latin typeface="나눔스퀘어 Bold" panose="020B0600000101010101" pitchFamily="50" charset="-127"/>
+                <a:ea typeface="나눔스퀘어 Bold" panose="020B0600000101010101" pitchFamily="50" charset="-127"/>
+              </a:rPr>
+              <a:t>연산횟수 차이는</a:t>
+            </a:r>
+            <a:r>
+              <a:rPr lang="en-US" altLang="ko-KR" dirty="0">
+                <a:latin typeface="나눔스퀘어 Bold" panose="020B0600000101010101" pitchFamily="50" charset="-127"/>
+                <a:ea typeface="나눔스퀘어 Bold" panose="020B0600000101010101" pitchFamily="50" charset="-127"/>
+              </a:rPr>
+              <a:t> </a:t>
+            </a:r>
+            <a:r>
+              <a:rPr lang="ko-KR" altLang="en-US" dirty="0" err="1">
+                <a:latin typeface="나눔스퀘어 Bold" panose="020B0600000101010101" pitchFamily="50" charset="-127"/>
+                <a:ea typeface="나눔스퀘어 Bold" panose="020B0600000101010101" pitchFamily="50" charset="-127"/>
+              </a:rPr>
+              <a:t>얼만큼에</a:t>
+            </a:r>
+            <a:r>
+              <a:rPr lang="ko-KR" altLang="en-US" dirty="0">
+                <a:latin typeface="나눔스퀘어 Bold" panose="020B0600000101010101" pitchFamily="50" charset="-127"/>
+                <a:ea typeface="나눔스퀘어 Bold" panose="020B0600000101010101" pitchFamily="50" charset="-127"/>
+              </a:rPr>
+              <a:t> 비례할까요</a:t>
+            </a:r>
+            <a:r>
+              <a:rPr lang="en-US" altLang="ko-KR" dirty="0">
+                <a:latin typeface="나눔스퀘어 Bold" panose="020B0600000101010101" pitchFamily="50" charset="-127"/>
+                <a:ea typeface="나눔스퀘어 Bold" panose="020B0600000101010101" pitchFamily="50" charset="-127"/>
+              </a:rPr>
+              <a:t>?</a:t>
+            </a:r>
+            <a:endParaRPr lang="ko-KR" altLang="en-US" dirty="0">
+              <a:latin typeface="나눔스퀘어 Bold" panose="020B0600000101010101" pitchFamily="50" charset="-127"/>
+              <a:ea typeface="나눔스퀘어 Bold" panose="020B0600000101010101" pitchFamily="50" charset="-127"/>
+            </a:endParaRPr>
+          </a:p>
+        </p:txBody>
+      </p:sp>
+      <p:pic>
+        <p:nvPicPr>
+          <p:cNvPr id="16" name="그림 15">
+            <a:extLst>
+              <a:ext uri="{FF2B5EF4-FFF2-40B4-BE49-F238E27FC236}">
+                <a16:creationId xmlns:a16="http://schemas.microsoft.com/office/drawing/2014/main" id="{A79AA1C2-371A-8EA2-00B6-DA25B502F653}"/>
+              </a:ext>
+            </a:extLst>
+          </p:cNvPr>
+          <p:cNvPicPr>
+            <a:picLocks noChangeAspect="1"/>
+          </p:cNvPicPr>
+          <p:nvPr/>
+        </p:nvPicPr>
+        <p:blipFill>
+          <a:blip r:embed="rId2"/>
+          <a:stretch>
+            <a:fillRect/>
+          </a:stretch>
+        </p:blipFill>
+        <p:spPr>
+          <a:xfrm>
+            <a:off x="1707687" y="5141456"/>
+            <a:ext cx="3700461" cy="1198370"/>
+          </a:xfrm>
+          <a:prstGeom prst="rect">
+            <a:avLst/>
+          </a:prstGeom>
+        </p:spPr>
+      </p:pic>
+      <p:pic>
+        <p:nvPicPr>
+          <p:cNvPr id="18" name="그림 17">
+            <a:extLst>
+              <a:ext uri="{FF2B5EF4-FFF2-40B4-BE49-F238E27FC236}">
+                <a16:creationId xmlns:a16="http://schemas.microsoft.com/office/drawing/2014/main" id="{A1356FC6-D68E-D199-1009-41B43D286FF2}"/>
+              </a:ext>
+            </a:extLst>
+          </p:cNvPr>
+          <p:cNvPicPr>
+            <a:picLocks noChangeAspect="1"/>
+          </p:cNvPicPr>
+          <p:nvPr/>
+        </p:nvPicPr>
+        <p:blipFill>
+          <a:blip r:embed="rId3"/>
+          <a:stretch>
+            <a:fillRect/>
+          </a:stretch>
+        </p:blipFill>
+        <p:spPr>
+          <a:xfrm>
+            <a:off x="6607359" y="5141456"/>
+            <a:ext cx="3497258" cy="1198361"/>
+          </a:xfrm>
+          <a:prstGeom prst="rect">
+            <a:avLst/>
+          </a:prstGeom>
+        </p:spPr>
+      </p:pic>
+    </p:spTree>
+    <p:extLst>
+      <p:ext uri="{BB962C8B-B14F-4D97-AF65-F5344CB8AC3E}">
+        <p14:creationId xmlns:p14="http://schemas.microsoft.com/office/powerpoint/2010/main" val="2578072182"/>
+      </p:ext>
+    </p:extLst>
+  </p:cSld>
+  <p:clrMapOvr>
+    <a:masterClrMapping/>
+  </p:clrMapOvr>
+</p:sld>
+</file>
+
 <file path=ppt/slides/slide2.xml><?xml version="1.0" encoding="utf-8"?>
 <p:sld xmlns:a="http://schemas.openxmlformats.org/drawingml/2006/main" xmlns:r="http://schemas.openxmlformats.org/officeDocument/2006/relationships" xmlns:p="http://schemas.openxmlformats.org/presentationml/2006/main">
   <p:cSld>
@@ -3587,6 +4177,270 @@
               </a:rPr>
               <a:t> 소개</a:t>
             </a:r>
+          </a:p>
+        </p:txBody>
+      </p:sp>
+      <p:sp>
+        <p:nvSpPr>
+          <p:cNvPr id="10" name="TextBox 9">
+            <a:extLst>
+              <a:ext uri="{FF2B5EF4-FFF2-40B4-BE49-F238E27FC236}">
+                <a16:creationId xmlns:a16="http://schemas.microsoft.com/office/drawing/2014/main" id="{5C980EA0-C74A-DBE5-35AD-15AF71718481}"/>
+              </a:ext>
+            </a:extLst>
+          </p:cNvPr>
+          <p:cNvSpPr txBox="1"/>
+          <p:nvPr/>
+        </p:nvSpPr>
+        <p:spPr>
+          <a:xfrm>
+            <a:off x="1014104" y="5965158"/>
+            <a:ext cx="3436843" cy="369332"/>
+          </a:xfrm>
+          <a:prstGeom prst="rect">
+            <a:avLst/>
+          </a:prstGeom>
+          <a:noFill/>
+        </p:spPr>
+        <p:txBody>
+          <a:bodyPr wrap="square" rtlCol="0">
+            <a:spAutoFit/>
+          </a:bodyPr>
+          <a:lstStyle/>
+          <a:p>
+            <a:r>
+              <a:rPr lang="en-US" altLang="ko-KR" dirty="0">
+                <a:latin typeface="나눔스퀘어 Light" panose="020B0600000101010101" pitchFamily="50" charset="-127"/>
+                <a:ea typeface="나눔스퀘어 Light" panose="020B0600000101010101" pitchFamily="50" charset="-127"/>
+              </a:rPr>
+              <a:t>acmicpc.net/user/jaehoo1</a:t>
+            </a:r>
+            <a:endParaRPr lang="ko-KR" altLang="en-US" dirty="0">
+              <a:latin typeface="나눔스퀘어 Light" panose="020B0600000101010101" pitchFamily="50" charset="-127"/>
+              <a:ea typeface="나눔스퀘어 Light" panose="020B0600000101010101" pitchFamily="50" charset="-127"/>
+            </a:endParaRPr>
+          </a:p>
+        </p:txBody>
+      </p:sp>
+      <p:pic>
+        <p:nvPicPr>
+          <p:cNvPr id="4" name="그림 3">
+            <a:extLst>
+              <a:ext uri="{FF2B5EF4-FFF2-40B4-BE49-F238E27FC236}">
+                <a16:creationId xmlns:a16="http://schemas.microsoft.com/office/drawing/2014/main" id="{DD67C318-AC4B-874D-5610-B0B7C9A06BB9}"/>
+              </a:ext>
+            </a:extLst>
+          </p:cNvPr>
+          <p:cNvPicPr>
+            <a:picLocks noChangeAspect="1"/>
+          </p:cNvPicPr>
+          <p:nvPr/>
+        </p:nvPicPr>
+        <p:blipFill>
+          <a:blip r:embed="rId2"/>
+          <a:stretch>
+            <a:fillRect/>
+          </a:stretch>
+        </p:blipFill>
+        <p:spPr>
+          <a:xfrm>
+            <a:off x="736198" y="1194693"/>
+            <a:ext cx="2162477" cy="1086002"/>
+          </a:xfrm>
+          <a:prstGeom prst="rect">
+            <a:avLst/>
+          </a:prstGeom>
+        </p:spPr>
+      </p:pic>
+      <p:pic>
+        <p:nvPicPr>
+          <p:cNvPr id="12" name="그림 11">
+            <a:extLst>
+              <a:ext uri="{FF2B5EF4-FFF2-40B4-BE49-F238E27FC236}">
+                <a16:creationId xmlns:a16="http://schemas.microsoft.com/office/drawing/2014/main" id="{7B5315D9-6777-9310-DE59-E33CF548B65D}"/>
+              </a:ext>
+            </a:extLst>
+          </p:cNvPr>
+          <p:cNvPicPr>
+            <a:picLocks noChangeAspect="1"/>
+          </p:cNvPicPr>
+          <p:nvPr/>
+        </p:nvPicPr>
+        <p:blipFill>
+          <a:blip r:embed="rId3"/>
+          <a:stretch>
+            <a:fillRect/>
+          </a:stretch>
+        </p:blipFill>
+        <p:spPr>
+          <a:xfrm>
+            <a:off x="3391389" y="1289956"/>
+            <a:ext cx="3162741" cy="895475"/>
+          </a:xfrm>
+          <a:prstGeom prst="rect">
+            <a:avLst/>
+          </a:prstGeom>
+        </p:spPr>
+      </p:pic>
+      <p:pic>
+        <p:nvPicPr>
+          <p:cNvPr id="14" name="그림 13">
+            <a:extLst>
+              <a:ext uri="{FF2B5EF4-FFF2-40B4-BE49-F238E27FC236}">
+                <a16:creationId xmlns:a16="http://schemas.microsoft.com/office/drawing/2014/main" id="{06BEDA09-DB68-1F1F-1B48-8E7044FDEB7A}"/>
+              </a:ext>
+            </a:extLst>
+          </p:cNvPr>
+          <p:cNvPicPr>
+            <a:picLocks noChangeAspect="1"/>
+          </p:cNvPicPr>
+          <p:nvPr/>
+        </p:nvPicPr>
+        <p:blipFill>
+          <a:blip r:embed="rId4"/>
+          <a:stretch>
+            <a:fillRect/>
+          </a:stretch>
+        </p:blipFill>
+        <p:spPr>
+          <a:xfrm>
+            <a:off x="5964182" y="1289956"/>
+            <a:ext cx="3162741" cy="895475"/>
+          </a:xfrm>
+          <a:prstGeom prst="rect">
+            <a:avLst/>
+          </a:prstGeom>
+        </p:spPr>
+      </p:pic>
+      <p:pic>
+        <p:nvPicPr>
+          <p:cNvPr id="16" name="그림 15">
+            <a:extLst>
+              <a:ext uri="{FF2B5EF4-FFF2-40B4-BE49-F238E27FC236}">
+                <a16:creationId xmlns:a16="http://schemas.microsoft.com/office/drawing/2014/main" id="{366DF33B-1408-93F5-2245-E97BCA0DF73E}"/>
+              </a:ext>
+            </a:extLst>
+          </p:cNvPr>
+          <p:cNvPicPr>
+            <a:picLocks noChangeAspect="1"/>
+          </p:cNvPicPr>
+          <p:nvPr/>
+        </p:nvPicPr>
+        <p:blipFill>
+          <a:blip r:embed="rId5"/>
+          <a:stretch>
+            <a:fillRect/>
+          </a:stretch>
+        </p:blipFill>
+        <p:spPr>
+          <a:xfrm>
+            <a:off x="8499992" y="1280991"/>
+            <a:ext cx="3181794" cy="914528"/>
+          </a:xfrm>
+          <a:prstGeom prst="rect">
+            <a:avLst/>
+          </a:prstGeom>
+        </p:spPr>
+      </p:pic>
+      <p:pic>
+        <p:nvPicPr>
+          <p:cNvPr id="19" name="그림 18">
+            <a:extLst>
+              <a:ext uri="{FF2B5EF4-FFF2-40B4-BE49-F238E27FC236}">
+                <a16:creationId xmlns:a16="http://schemas.microsoft.com/office/drawing/2014/main" id="{4A70C68F-E2B9-B97E-BB49-5FE56E92B7B4}"/>
+              </a:ext>
+            </a:extLst>
+          </p:cNvPr>
+          <p:cNvPicPr>
+            <a:picLocks noChangeAspect="1"/>
+          </p:cNvPicPr>
+          <p:nvPr/>
+        </p:nvPicPr>
+        <p:blipFill>
+          <a:blip r:embed="rId6"/>
+          <a:stretch>
+            <a:fillRect/>
+          </a:stretch>
+        </p:blipFill>
+        <p:spPr>
+          <a:xfrm>
+            <a:off x="736198" y="2326480"/>
+            <a:ext cx="6935168" cy="543001"/>
+          </a:xfrm>
+          <a:prstGeom prst="rect">
+            <a:avLst/>
+          </a:prstGeom>
+        </p:spPr>
+      </p:pic>
+      <p:pic>
+        <p:nvPicPr>
+          <p:cNvPr id="21" name="그림 20">
+            <a:extLst>
+              <a:ext uri="{FF2B5EF4-FFF2-40B4-BE49-F238E27FC236}">
+                <a16:creationId xmlns:a16="http://schemas.microsoft.com/office/drawing/2014/main" id="{50661BE3-D49B-B735-145A-BD50A5BFF2AE}"/>
+              </a:ext>
+            </a:extLst>
+          </p:cNvPr>
+          <p:cNvPicPr>
+            <a:picLocks noChangeAspect="1"/>
+          </p:cNvPicPr>
+          <p:nvPr/>
+        </p:nvPicPr>
+        <p:blipFill>
+          <a:blip r:embed="rId7"/>
+          <a:stretch>
+            <a:fillRect/>
+          </a:stretch>
+        </p:blipFill>
+        <p:spPr>
+          <a:xfrm>
+            <a:off x="13418" y="2740398"/>
+            <a:ext cx="12192000" cy="3094893"/>
+          </a:xfrm>
+          <a:prstGeom prst="rect">
+            <a:avLst/>
+          </a:prstGeom>
+        </p:spPr>
+      </p:pic>
+      <p:sp>
+        <p:nvSpPr>
+          <p:cNvPr id="22" name="TextBox 21">
+            <a:extLst>
+              <a:ext uri="{FF2B5EF4-FFF2-40B4-BE49-F238E27FC236}">
+                <a16:creationId xmlns:a16="http://schemas.microsoft.com/office/drawing/2014/main" id="{6D58BE2D-4814-34D4-AD08-49984C203D63}"/>
+              </a:ext>
+            </a:extLst>
+          </p:cNvPr>
+          <p:cNvSpPr txBox="1"/>
+          <p:nvPr/>
+        </p:nvSpPr>
+        <p:spPr>
+          <a:xfrm>
+            <a:off x="1014104" y="6309366"/>
+            <a:ext cx="3436843" cy="369332"/>
+          </a:xfrm>
+          <a:prstGeom prst="rect">
+            <a:avLst/>
+          </a:prstGeom>
+          <a:noFill/>
+        </p:spPr>
+        <p:txBody>
+          <a:bodyPr wrap="square" rtlCol="0">
+            <a:spAutoFit/>
+          </a:bodyPr>
+          <a:lstStyle/>
+          <a:p>
+            <a:r>
+              <a:rPr lang="en-US" altLang="ko-KR" dirty="0">
+                <a:latin typeface="나눔스퀘어 Light" panose="020B0600000101010101" pitchFamily="50" charset="-127"/>
+                <a:ea typeface="나눔스퀘어 Light" panose="020B0600000101010101" pitchFamily="50" charset="-127"/>
+              </a:rPr>
+              <a:t>github.com/jaehoo1</a:t>
+            </a:r>
+            <a:endParaRPr lang="ko-KR" altLang="en-US" dirty="0">
+              <a:latin typeface="나눔스퀘어 Light" panose="020B0600000101010101" pitchFamily="50" charset="-127"/>
+              <a:ea typeface="나눔스퀘어 Light" panose="020B0600000101010101" pitchFamily="50" charset="-127"/>
+            </a:endParaRPr>
           </a:p>
         </p:txBody>
       </p:sp>
@@ -3825,7 +4679,7 @@
         </p:blipFill>
         <p:spPr>
           <a:xfrm>
-            <a:off x="1201139" y="2579184"/>
+            <a:off x="1201139" y="2333695"/>
             <a:ext cx="914400" cy="914400"/>
           </a:xfrm>
           <a:prstGeom prst="rect">
@@ -3847,7 +4701,7 @@
         </p:nvSpPr>
         <p:spPr>
           <a:xfrm>
-            <a:off x="2496465" y="2851718"/>
+            <a:off x="2496465" y="2606229"/>
             <a:ext cx="3436843" cy="369332"/>
           </a:xfrm>
           <a:prstGeom prst="rect">
@@ -3911,7 +4765,7 @@
         </p:blipFill>
         <p:spPr bwMode="auto">
           <a:xfrm>
-            <a:off x="1201139" y="4273924"/>
+            <a:off x="1201139" y="5312597"/>
             <a:ext cx="914400" cy="914400"/>
           </a:xfrm>
           <a:prstGeom prst="rect">
@@ -3942,7 +4796,7 @@
         </p:nvSpPr>
         <p:spPr>
           <a:xfrm>
-            <a:off x="2496465" y="4546458"/>
+            <a:off x="2496465" y="5585131"/>
             <a:ext cx="3436843" cy="369332"/>
           </a:xfrm>
           <a:prstGeom prst="rect">
@@ -4002,7 +4856,7 @@
         </p:blipFill>
         <p:spPr>
           <a:xfrm>
-            <a:off x="5710518" y="4607281"/>
+            <a:off x="5710518" y="5645954"/>
             <a:ext cx="828791" cy="247685"/>
           </a:xfrm>
           <a:prstGeom prst="rect">
@@ -4032,7 +4886,7 @@
         </p:blipFill>
         <p:spPr>
           <a:xfrm>
-            <a:off x="6903051" y="4592991"/>
+            <a:off x="6903051" y="5631664"/>
             <a:ext cx="752580" cy="276264"/>
           </a:xfrm>
           <a:prstGeom prst="rect">
@@ -4062,7 +4916,7 @@
         </p:blipFill>
         <p:spPr>
           <a:xfrm>
-            <a:off x="8019373" y="4621570"/>
+            <a:off x="8019373" y="5660243"/>
             <a:ext cx="628738" cy="219106"/>
           </a:xfrm>
           <a:prstGeom prst="rect">
@@ -4092,8 +4946,38 @@
         </p:blipFill>
         <p:spPr>
           <a:xfrm>
-            <a:off x="9011853" y="4640623"/>
+            <a:off x="9011853" y="5679296"/>
             <a:ext cx="781159" cy="200053"/>
+          </a:xfrm>
+          <a:prstGeom prst="rect">
+            <a:avLst/>
+          </a:prstGeom>
+        </p:spPr>
+      </p:pic>
+      <p:pic>
+        <p:nvPicPr>
+          <p:cNvPr id="9" name="그림 8">
+            <a:extLst>
+              <a:ext uri="{FF2B5EF4-FFF2-40B4-BE49-F238E27FC236}">
+                <a16:creationId xmlns:a16="http://schemas.microsoft.com/office/drawing/2014/main" id="{501C04C3-FCD8-B2EF-D1C4-3FFE54B1E77D}"/>
+              </a:ext>
+            </a:extLst>
+          </p:cNvPr>
+          <p:cNvPicPr>
+            <a:picLocks noChangeAspect="1"/>
+          </p:cNvPicPr>
+          <p:nvPr/>
+        </p:nvPicPr>
+        <p:blipFill>
+          <a:blip r:embed="rId10"/>
+          <a:stretch>
+            <a:fillRect/>
+          </a:stretch>
+        </p:blipFill>
+        <p:spPr>
+          <a:xfrm>
+            <a:off x="2480318" y="3178895"/>
+            <a:ext cx="9598045" cy="2089735"/>
           </a:xfrm>
           <a:prstGeom prst="rect">
             <a:avLst/>
@@ -8091,6 +8975,415 @@
     <p:extLst>
       <p:ext uri="{BB962C8B-B14F-4D97-AF65-F5344CB8AC3E}">
         <p14:creationId xmlns:p14="http://schemas.microsoft.com/office/powerpoint/2010/main" val="3851950532"/>
+      </p:ext>
+    </p:extLst>
+  </p:cSld>
+  <p:clrMapOvr>
+    <a:masterClrMapping/>
+  </p:clrMapOvr>
+</p:sld>
+</file>
+
+<file path=ppt/slides/slide9.xml><?xml version="1.0" encoding="utf-8"?>
+<p:sld xmlns:a="http://schemas.openxmlformats.org/drawingml/2006/main" xmlns:r="http://schemas.openxmlformats.org/officeDocument/2006/relationships" xmlns:p="http://schemas.openxmlformats.org/presentationml/2006/main">
+  <p:cSld>
+    <p:spTree>
+      <p:nvGrpSpPr>
+        <p:cNvPr id="1" name=""/>
+        <p:cNvGrpSpPr/>
+        <p:nvPr/>
+      </p:nvGrpSpPr>
+      <p:grpSpPr>
+        <a:xfrm>
+          <a:off x="0" y="0"/>
+          <a:ext cx="0" cy="0"/>
+          <a:chOff x="0" y="0"/>
+          <a:chExt cx="0" cy="0"/>
+        </a:xfrm>
+      </p:grpSpPr>
+      <p:cxnSp>
+        <p:nvCxnSpPr>
+          <p:cNvPr id="5" name="직선 연결선 4">
+            <a:extLst>
+              <a:ext uri="{FF2B5EF4-FFF2-40B4-BE49-F238E27FC236}">
+                <a16:creationId xmlns:a16="http://schemas.microsoft.com/office/drawing/2014/main" id="{164C2827-EFCE-69A4-D037-1A218415F568}"/>
+              </a:ext>
+            </a:extLst>
+          </p:cNvPr>
+          <p:cNvCxnSpPr/>
+          <p:nvPr/>
+        </p:nvCxnSpPr>
+        <p:spPr>
+          <a:xfrm>
+            <a:off x="0" y="887505"/>
+            <a:ext cx="10237694" cy="0"/>
+          </a:xfrm>
+          <a:prstGeom prst="line">
+            <a:avLst/>
+          </a:prstGeom>
+          <a:ln w="76200">
+            <a:solidFill>
+              <a:schemeClr val="tx1">
+                <a:lumMod val="75000"/>
+                <a:lumOff val="25000"/>
+              </a:schemeClr>
+            </a:solidFill>
+          </a:ln>
+        </p:spPr>
+        <p:style>
+          <a:lnRef idx="1">
+            <a:schemeClr val="accent1"/>
+          </a:lnRef>
+          <a:fillRef idx="0">
+            <a:schemeClr val="accent1"/>
+          </a:fillRef>
+          <a:effectRef idx="0">
+            <a:schemeClr val="accent1"/>
+          </a:effectRef>
+          <a:fontRef idx="minor">
+            <a:schemeClr val="tx1"/>
+          </a:fontRef>
+        </p:style>
+      </p:cxnSp>
+      <p:sp>
+        <p:nvSpPr>
+          <p:cNvPr id="6" name="TextBox 5">
+            <a:extLst>
+              <a:ext uri="{FF2B5EF4-FFF2-40B4-BE49-F238E27FC236}">
+                <a16:creationId xmlns:a16="http://schemas.microsoft.com/office/drawing/2014/main" id="{908ED9B9-09D3-CFA8-625A-6F9BB9B6BD23}"/>
+              </a:ext>
+            </a:extLst>
+          </p:cNvPr>
+          <p:cNvSpPr txBox="1"/>
+          <p:nvPr/>
+        </p:nvSpPr>
+        <p:spPr>
+          <a:xfrm>
+            <a:off x="331694" y="177505"/>
+            <a:ext cx="2974917" cy="523220"/>
+          </a:xfrm>
+          <a:prstGeom prst="rect">
+            <a:avLst/>
+          </a:prstGeom>
+          <a:noFill/>
+        </p:spPr>
+        <p:txBody>
+          <a:bodyPr wrap="none" rtlCol="0">
+            <a:spAutoFit/>
+          </a:bodyPr>
+          <a:lstStyle/>
+          <a:p>
+            <a:r>
+              <a:rPr lang="en-US" altLang="ko-KR" sz="2800" dirty="0">
+                <a:latin typeface="나눔스퀘어 Bold" panose="020B0600000101010101" pitchFamily="50" charset="-127"/>
+                <a:ea typeface="나눔스퀘어 Bold" panose="020B0600000101010101" pitchFamily="50" charset="-127"/>
+              </a:rPr>
+              <a:t>Time Complexity</a:t>
+            </a:r>
+            <a:endParaRPr lang="ko-KR" altLang="en-US" sz="2800" dirty="0">
+              <a:latin typeface="나눔스퀘어 Bold" panose="020B0600000101010101" pitchFamily="50" charset="-127"/>
+              <a:ea typeface="나눔스퀘어 Bold" panose="020B0600000101010101" pitchFamily="50" charset="-127"/>
+            </a:endParaRPr>
+          </a:p>
+        </p:txBody>
+      </p:sp>
+      <p:pic>
+        <p:nvPicPr>
+          <p:cNvPr id="1026" name="Picture 2" descr="What's the Difference Between Big O, Big Omega, and Big Theta? |  jarednielsen.com">
+            <a:extLst>
+              <a:ext uri="{FF2B5EF4-FFF2-40B4-BE49-F238E27FC236}">
+                <a16:creationId xmlns:a16="http://schemas.microsoft.com/office/drawing/2014/main" id="{4D113D8F-EC29-4799-02A6-670C2C15830C}"/>
+              </a:ext>
+            </a:extLst>
+          </p:cNvPr>
+          <p:cNvPicPr>
+            <a:picLocks noChangeAspect="1" noChangeArrowheads="1"/>
+          </p:cNvPicPr>
+          <p:nvPr/>
+        </p:nvPicPr>
+        <p:blipFill>
+          <a:blip r:embed="rId2">
+            <a:extLst>
+              <a:ext uri="{28A0092B-C50C-407E-A947-70E740481C1C}">
+                <a14:useLocalDpi xmlns:a14="http://schemas.microsoft.com/office/drawing/2010/main" val="0"/>
+              </a:ext>
+            </a:extLst>
+          </a:blip>
+          <a:srcRect/>
+          <a:stretch>
+            <a:fillRect/>
+          </a:stretch>
+        </p:blipFill>
+        <p:spPr bwMode="auto">
+          <a:xfrm>
+            <a:off x="2474259" y="1684447"/>
+            <a:ext cx="7243482" cy="4074458"/>
+          </a:xfrm>
+          <a:prstGeom prst="rect">
+            <a:avLst/>
+          </a:prstGeom>
+          <a:noFill/>
+          <a:extLst>
+            <a:ext uri="{909E8E84-426E-40DD-AFC4-6F175D3DCCD1}">
+              <a14:hiddenFill xmlns:a14="http://schemas.microsoft.com/office/drawing/2010/main">
+                <a:solidFill>
+                  <a:srgbClr val="FFFFFF"/>
+                </a:solidFill>
+              </a14:hiddenFill>
+            </a:ext>
+          </a:extLst>
+        </p:spPr>
+      </p:pic>
+      <p:sp>
+        <p:nvSpPr>
+          <p:cNvPr id="49" name="TextBox 48">
+            <a:extLst>
+              <a:ext uri="{FF2B5EF4-FFF2-40B4-BE49-F238E27FC236}">
+                <a16:creationId xmlns:a16="http://schemas.microsoft.com/office/drawing/2014/main" id="{D7A52C12-AF79-1E0F-3323-1C98915A0B59}"/>
+              </a:ext>
+            </a:extLst>
+          </p:cNvPr>
+          <p:cNvSpPr txBox="1"/>
+          <p:nvPr/>
+        </p:nvSpPr>
+        <p:spPr>
+          <a:xfrm>
+            <a:off x="4058379" y="4804221"/>
+            <a:ext cx="922048" cy="369332"/>
+          </a:xfrm>
+          <a:prstGeom prst="rect">
+            <a:avLst/>
+          </a:prstGeom>
+          <a:noFill/>
+        </p:spPr>
+        <p:txBody>
+          <a:bodyPr wrap="none" rtlCol="0">
+            <a:spAutoFit/>
+          </a:bodyPr>
+          <a:lstStyle/>
+          <a:p>
+            <a:pPr algn="ctr"/>
+            <a:r>
+              <a:rPr lang="en-US" altLang="ko-KR" dirty="0">
+                <a:latin typeface="나눔스퀘어 Bold" panose="020B0600000101010101" pitchFamily="50" charset="-127"/>
+                <a:ea typeface="나눔스퀘어 Bold" panose="020B0600000101010101" pitchFamily="50" charset="-127"/>
+              </a:rPr>
+              <a:t>omega</a:t>
+            </a:r>
+            <a:endParaRPr lang="ko-KR" altLang="en-US" dirty="0">
+              <a:latin typeface="나눔스퀘어 Bold" panose="020B0600000101010101" pitchFamily="50" charset="-127"/>
+              <a:ea typeface="나눔스퀘어 Bold" panose="020B0600000101010101" pitchFamily="50" charset="-127"/>
+            </a:endParaRPr>
+          </a:p>
+        </p:txBody>
+      </p:sp>
+      <p:sp>
+        <p:nvSpPr>
+          <p:cNvPr id="50" name="TextBox 49">
+            <a:extLst>
+              <a:ext uri="{FF2B5EF4-FFF2-40B4-BE49-F238E27FC236}">
+                <a16:creationId xmlns:a16="http://schemas.microsoft.com/office/drawing/2014/main" id="{7D32C8AA-706E-514D-D3B8-B33B726AEA40}"/>
+              </a:ext>
+            </a:extLst>
+          </p:cNvPr>
+          <p:cNvSpPr txBox="1"/>
+          <p:nvPr/>
+        </p:nvSpPr>
+        <p:spPr>
+          <a:xfrm>
+            <a:off x="5806003" y="4804221"/>
+            <a:ext cx="758541" cy="369332"/>
+          </a:xfrm>
+          <a:prstGeom prst="rect">
+            <a:avLst/>
+          </a:prstGeom>
+          <a:noFill/>
+        </p:spPr>
+        <p:txBody>
+          <a:bodyPr wrap="none" rtlCol="0">
+            <a:spAutoFit/>
+          </a:bodyPr>
+          <a:lstStyle/>
+          <a:p>
+            <a:pPr algn="ctr"/>
+            <a:r>
+              <a:rPr lang="en-US" altLang="ko-KR" dirty="0">
+                <a:latin typeface="나눔스퀘어 Bold" panose="020B0600000101010101" pitchFamily="50" charset="-127"/>
+                <a:ea typeface="나눔스퀘어 Bold" panose="020B0600000101010101" pitchFamily="50" charset="-127"/>
+              </a:rPr>
+              <a:t>theta</a:t>
+            </a:r>
+            <a:endParaRPr lang="ko-KR" altLang="en-US" dirty="0">
+              <a:latin typeface="나눔스퀘어 Bold" panose="020B0600000101010101" pitchFamily="50" charset="-127"/>
+              <a:ea typeface="나눔스퀘어 Bold" panose="020B0600000101010101" pitchFamily="50" charset="-127"/>
+            </a:endParaRPr>
+          </a:p>
+        </p:txBody>
+      </p:sp>
+      <p:sp>
+        <p:nvSpPr>
+          <p:cNvPr id="51" name="TextBox 50">
+            <a:extLst>
+              <a:ext uri="{FF2B5EF4-FFF2-40B4-BE49-F238E27FC236}">
+                <a16:creationId xmlns:a16="http://schemas.microsoft.com/office/drawing/2014/main" id="{4F3F3F7A-9A38-B8E4-3FD1-E98B432B8FE1}"/>
+              </a:ext>
+            </a:extLst>
+          </p:cNvPr>
+          <p:cNvSpPr txBox="1"/>
+          <p:nvPr/>
+        </p:nvSpPr>
+        <p:spPr>
+          <a:xfrm>
+            <a:off x="7587785" y="4804221"/>
+            <a:ext cx="348172" cy="369332"/>
+          </a:xfrm>
+          <a:prstGeom prst="rect">
+            <a:avLst/>
+          </a:prstGeom>
+          <a:noFill/>
+        </p:spPr>
+        <p:txBody>
+          <a:bodyPr wrap="none" rtlCol="0">
+            <a:spAutoFit/>
+          </a:bodyPr>
+          <a:lstStyle/>
+          <a:p>
+            <a:pPr algn="ctr"/>
+            <a:r>
+              <a:rPr lang="en-US" altLang="ko-KR" dirty="0">
+                <a:latin typeface="나눔스퀘어 Bold" panose="020B0600000101010101" pitchFamily="50" charset="-127"/>
+                <a:ea typeface="나눔스퀘어 Bold" panose="020B0600000101010101" pitchFamily="50" charset="-127"/>
+              </a:rPr>
+              <a:t>O</a:t>
+            </a:r>
+            <a:endParaRPr lang="ko-KR" altLang="en-US" dirty="0">
+              <a:latin typeface="나눔스퀘어 Bold" panose="020B0600000101010101" pitchFamily="50" charset="-127"/>
+              <a:ea typeface="나눔스퀘어 Bold" panose="020B0600000101010101" pitchFamily="50" charset="-127"/>
+            </a:endParaRPr>
+          </a:p>
+        </p:txBody>
+      </p:sp>
+      <p:sp>
+        <p:nvSpPr>
+          <p:cNvPr id="53" name="TextBox 52">
+            <a:extLst>
+              <a:ext uri="{FF2B5EF4-FFF2-40B4-BE49-F238E27FC236}">
+                <a16:creationId xmlns:a16="http://schemas.microsoft.com/office/drawing/2014/main" id="{FE7BE285-C377-FC4F-3659-4E7E3581DD52}"/>
+              </a:ext>
+            </a:extLst>
+          </p:cNvPr>
+          <p:cNvSpPr txBox="1"/>
+          <p:nvPr/>
+        </p:nvSpPr>
+        <p:spPr>
+          <a:xfrm>
+            <a:off x="4217076" y="5277109"/>
+            <a:ext cx="604653" cy="369332"/>
+          </a:xfrm>
+          <a:prstGeom prst="rect">
+            <a:avLst/>
+          </a:prstGeom>
+          <a:noFill/>
+        </p:spPr>
+        <p:txBody>
+          <a:bodyPr wrap="none" rtlCol="0">
+            <a:spAutoFit/>
+          </a:bodyPr>
+          <a:lstStyle/>
+          <a:p>
+            <a:pPr algn="ctr"/>
+            <a:r>
+              <a:rPr lang="ko-KR" altLang="en-US" dirty="0">
+                <a:latin typeface="나눔스퀘어 Bold" panose="020B0600000101010101" pitchFamily="50" charset="-127"/>
+                <a:ea typeface="나눔스퀘어 Bold" panose="020B0600000101010101" pitchFamily="50" charset="-127"/>
+              </a:rPr>
+              <a:t>하한</a:t>
+            </a:r>
+          </a:p>
+        </p:txBody>
+      </p:sp>
+      <p:sp>
+        <p:nvSpPr>
+          <p:cNvPr id="54" name="TextBox 53">
+            <a:extLst>
+              <a:ext uri="{FF2B5EF4-FFF2-40B4-BE49-F238E27FC236}">
+                <a16:creationId xmlns:a16="http://schemas.microsoft.com/office/drawing/2014/main" id="{9301BBBC-79BC-E0B8-D071-4A87DDE0D993}"/>
+              </a:ext>
+            </a:extLst>
+          </p:cNvPr>
+          <p:cNvSpPr txBox="1"/>
+          <p:nvPr/>
+        </p:nvSpPr>
+        <p:spPr>
+          <a:xfrm>
+            <a:off x="5777950" y="5277109"/>
+            <a:ext cx="814647" cy="369332"/>
+          </a:xfrm>
+          <a:prstGeom prst="rect">
+            <a:avLst/>
+          </a:prstGeom>
+          <a:noFill/>
+        </p:spPr>
+        <p:txBody>
+          <a:bodyPr wrap="none" rtlCol="0">
+            <a:spAutoFit/>
+          </a:bodyPr>
+          <a:lstStyle/>
+          <a:p>
+            <a:pPr algn="ctr"/>
+            <a:r>
+              <a:rPr lang="ko-KR" altLang="en-US" dirty="0">
+                <a:latin typeface="나눔스퀘어 Bold" panose="020B0600000101010101" pitchFamily="50" charset="-127"/>
+                <a:ea typeface="나눔스퀘어 Bold" panose="020B0600000101010101" pitchFamily="50" charset="-127"/>
+              </a:rPr>
+              <a:t>일반적</a:t>
+            </a:r>
+          </a:p>
+        </p:txBody>
+      </p:sp>
+      <p:sp>
+        <p:nvSpPr>
+          <p:cNvPr id="55" name="TextBox 54">
+            <a:extLst>
+              <a:ext uri="{FF2B5EF4-FFF2-40B4-BE49-F238E27FC236}">
+                <a16:creationId xmlns:a16="http://schemas.microsoft.com/office/drawing/2014/main" id="{4A8E7889-6235-3EE2-290E-E7449BED89A3}"/>
+              </a:ext>
+            </a:extLst>
+          </p:cNvPr>
+          <p:cNvSpPr txBox="1"/>
+          <p:nvPr/>
+        </p:nvSpPr>
+        <p:spPr>
+          <a:xfrm>
+            <a:off x="7459545" y="5277109"/>
+            <a:ext cx="604653" cy="369332"/>
+          </a:xfrm>
+          <a:prstGeom prst="rect">
+            <a:avLst/>
+          </a:prstGeom>
+          <a:noFill/>
+        </p:spPr>
+        <p:txBody>
+          <a:bodyPr wrap="none" rtlCol="0">
+            <a:spAutoFit/>
+          </a:bodyPr>
+          <a:lstStyle/>
+          <a:p>
+            <a:pPr algn="ctr"/>
+            <a:r>
+              <a:rPr lang="ko-KR" altLang="en-US" dirty="0">
+                <a:latin typeface="나눔스퀘어 Bold" panose="020B0600000101010101" pitchFamily="50" charset="-127"/>
+                <a:ea typeface="나눔스퀘어 Bold" panose="020B0600000101010101" pitchFamily="50" charset="-127"/>
+              </a:rPr>
+              <a:t>상한</a:t>
+            </a:r>
+          </a:p>
+        </p:txBody>
+      </p:sp>
+    </p:spTree>
+    <p:extLst>
+      <p:ext uri="{BB962C8B-B14F-4D97-AF65-F5344CB8AC3E}">
+        <p14:creationId xmlns:p14="http://schemas.microsoft.com/office/powerpoint/2010/main" val="637452048"/>
       </p:ext>
     </p:extLst>
   </p:cSld>

--- a/study/1_OT.pptx
+++ b/study/1_OT.pptx
@@ -15,6 +15,13 @@
     <p:sldId id="263" r:id="rId9"/>
     <p:sldId id="264" r:id="rId10"/>
     <p:sldId id="265" r:id="rId11"/>
+    <p:sldId id="266" r:id="rId12"/>
+    <p:sldId id="267" r:id="rId13"/>
+    <p:sldId id="268" r:id="rId14"/>
+    <p:sldId id="269" r:id="rId15"/>
+    <p:sldId id="271" r:id="rId16"/>
+    <p:sldId id="272" r:id="rId17"/>
+    <p:sldId id="273" r:id="rId18"/>
   </p:sldIdLst>
   <p:sldSz cx="12192000" cy="6858000"/>
   <p:notesSz cx="6858000" cy="9144000"/>
@@ -268,7 +275,7 @@
           <a:p>
             <a:fld id="{33C37291-AA83-40C0-9297-8F7F3693F6CC}" type="datetimeFigureOut">
               <a:rPr lang="ko-KR" altLang="en-US" smtClean="0"/>
-              <a:t>2022-07-31</a:t>
+              <a:t>2022-08-02</a:t>
             </a:fld>
             <a:endParaRPr lang="ko-KR" altLang="en-US"/>
           </a:p>
@@ -466,7 +473,7 @@
           <a:p>
             <a:fld id="{33C37291-AA83-40C0-9297-8F7F3693F6CC}" type="datetimeFigureOut">
               <a:rPr lang="ko-KR" altLang="en-US" smtClean="0"/>
-              <a:t>2022-07-31</a:t>
+              <a:t>2022-08-02</a:t>
             </a:fld>
             <a:endParaRPr lang="ko-KR" altLang="en-US"/>
           </a:p>
@@ -674,7 +681,7 @@
           <a:p>
             <a:fld id="{33C37291-AA83-40C0-9297-8F7F3693F6CC}" type="datetimeFigureOut">
               <a:rPr lang="ko-KR" altLang="en-US" smtClean="0"/>
-              <a:t>2022-07-31</a:t>
+              <a:t>2022-08-02</a:t>
             </a:fld>
             <a:endParaRPr lang="ko-KR" altLang="en-US"/>
           </a:p>
@@ -872,7 +879,7 @@
           <a:p>
             <a:fld id="{33C37291-AA83-40C0-9297-8F7F3693F6CC}" type="datetimeFigureOut">
               <a:rPr lang="ko-KR" altLang="en-US" smtClean="0"/>
-              <a:t>2022-07-31</a:t>
+              <a:t>2022-08-02</a:t>
             </a:fld>
             <a:endParaRPr lang="ko-KR" altLang="en-US"/>
           </a:p>
@@ -1147,7 +1154,7 @@
           <a:p>
             <a:fld id="{33C37291-AA83-40C0-9297-8F7F3693F6CC}" type="datetimeFigureOut">
               <a:rPr lang="ko-KR" altLang="en-US" smtClean="0"/>
-              <a:t>2022-07-31</a:t>
+              <a:t>2022-08-02</a:t>
             </a:fld>
             <a:endParaRPr lang="ko-KR" altLang="en-US"/>
           </a:p>
@@ -1412,7 +1419,7 @@
           <a:p>
             <a:fld id="{33C37291-AA83-40C0-9297-8F7F3693F6CC}" type="datetimeFigureOut">
               <a:rPr lang="ko-KR" altLang="en-US" smtClean="0"/>
-              <a:t>2022-07-31</a:t>
+              <a:t>2022-08-02</a:t>
             </a:fld>
             <a:endParaRPr lang="ko-KR" altLang="en-US"/>
           </a:p>
@@ -1824,7 +1831,7 @@
           <a:p>
             <a:fld id="{33C37291-AA83-40C0-9297-8F7F3693F6CC}" type="datetimeFigureOut">
               <a:rPr lang="ko-KR" altLang="en-US" smtClean="0"/>
-              <a:t>2022-07-31</a:t>
+              <a:t>2022-08-02</a:t>
             </a:fld>
             <a:endParaRPr lang="ko-KR" altLang="en-US"/>
           </a:p>
@@ -1965,7 +1972,7 @@
           <a:p>
             <a:fld id="{33C37291-AA83-40C0-9297-8F7F3693F6CC}" type="datetimeFigureOut">
               <a:rPr lang="ko-KR" altLang="en-US" smtClean="0"/>
-              <a:t>2022-07-31</a:t>
+              <a:t>2022-08-02</a:t>
             </a:fld>
             <a:endParaRPr lang="ko-KR" altLang="en-US"/>
           </a:p>
@@ -2078,7 +2085,7 @@
           <a:p>
             <a:fld id="{33C37291-AA83-40C0-9297-8F7F3693F6CC}" type="datetimeFigureOut">
               <a:rPr lang="ko-KR" altLang="en-US" smtClean="0"/>
-              <a:t>2022-07-31</a:t>
+              <a:t>2022-08-02</a:t>
             </a:fld>
             <a:endParaRPr lang="ko-KR" altLang="en-US"/>
           </a:p>
@@ -2389,7 +2396,7 @@
           <a:p>
             <a:fld id="{33C37291-AA83-40C0-9297-8F7F3693F6CC}" type="datetimeFigureOut">
               <a:rPr lang="ko-KR" altLang="en-US" smtClean="0"/>
-              <a:t>2022-07-31</a:t>
+              <a:t>2022-08-02</a:t>
             </a:fld>
             <a:endParaRPr lang="ko-KR" altLang="en-US"/>
           </a:p>
@@ -2677,7 +2684,7 @@
           <a:p>
             <a:fld id="{33C37291-AA83-40C0-9297-8F7F3693F6CC}" type="datetimeFigureOut">
               <a:rPr lang="ko-KR" altLang="en-US" smtClean="0"/>
-              <a:t>2022-07-31</a:t>
+              <a:t>2022-08-02</a:t>
             </a:fld>
             <a:endParaRPr lang="ko-KR" altLang="en-US"/>
           </a:p>
@@ -2918,7 +2925,7 @@
           <a:p>
             <a:fld id="{33C37291-AA83-40C0-9297-8F7F3693F6CC}" type="datetimeFigureOut">
               <a:rPr lang="ko-KR" altLang="en-US" smtClean="0"/>
-              <a:t>2022-07-31</a:t>
+              <a:t>2022-08-02</a:t>
             </a:fld>
             <a:endParaRPr lang="ko-KR" altLang="en-US"/>
           </a:p>
@@ -4074,6 +4081,3512 @@
 </p:sld>
 </file>
 
+<file path=ppt/slides/slide11.xml><?xml version="1.0" encoding="utf-8"?>
+<p:sld xmlns:a="http://schemas.openxmlformats.org/drawingml/2006/main" xmlns:r="http://schemas.openxmlformats.org/officeDocument/2006/relationships" xmlns:p="http://schemas.openxmlformats.org/presentationml/2006/main">
+  <p:cSld>
+    <p:spTree>
+      <p:nvGrpSpPr>
+        <p:cNvPr id="1" name=""/>
+        <p:cNvGrpSpPr/>
+        <p:nvPr/>
+      </p:nvGrpSpPr>
+      <p:grpSpPr>
+        <a:xfrm>
+          <a:off x="0" y="0"/>
+          <a:ext cx="0" cy="0"/>
+          <a:chOff x="0" y="0"/>
+          <a:chExt cx="0" cy="0"/>
+        </a:xfrm>
+      </p:grpSpPr>
+      <p:cxnSp>
+        <p:nvCxnSpPr>
+          <p:cNvPr id="5" name="직선 연결선 4">
+            <a:extLst>
+              <a:ext uri="{FF2B5EF4-FFF2-40B4-BE49-F238E27FC236}">
+                <a16:creationId xmlns:a16="http://schemas.microsoft.com/office/drawing/2014/main" id="{164C2827-EFCE-69A4-D037-1A218415F568}"/>
+              </a:ext>
+            </a:extLst>
+          </p:cNvPr>
+          <p:cNvCxnSpPr/>
+          <p:nvPr/>
+        </p:nvCxnSpPr>
+        <p:spPr>
+          <a:xfrm>
+            <a:off x="0" y="887505"/>
+            <a:ext cx="10237694" cy="0"/>
+          </a:xfrm>
+          <a:prstGeom prst="line">
+            <a:avLst/>
+          </a:prstGeom>
+          <a:ln w="76200">
+            <a:solidFill>
+              <a:schemeClr val="tx1">
+                <a:lumMod val="75000"/>
+                <a:lumOff val="25000"/>
+              </a:schemeClr>
+            </a:solidFill>
+          </a:ln>
+        </p:spPr>
+        <p:style>
+          <a:lnRef idx="1">
+            <a:schemeClr val="accent1"/>
+          </a:lnRef>
+          <a:fillRef idx="0">
+            <a:schemeClr val="accent1"/>
+          </a:fillRef>
+          <a:effectRef idx="0">
+            <a:schemeClr val="accent1"/>
+          </a:effectRef>
+          <a:fontRef idx="minor">
+            <a:schemeClr val="tx1"/>
+          </a:fontRef>
+        </p:style>
+      </p:cxnSp>
+      <p:sp>
+        <p:nvSpPr>
+          <p:cNvPr id="6" name="TextBox 5">
+            <a:extLst>
+              <a:ext uri="{FF2B5EF4-FFF2-40B4-BE49-F238E27FC236}">
+                <a16:creationId xmlns:a16="http://schemas.microsoft.com/office/drawing/2014/main" id="{908ED9B9-09D3-CFA8-625A-6F9BB9B6BD23}"/>
+              </a:ext>
+            </a:extLst>
+          </p:cNvPr>
+          <p:cNvSpPr txBox="1"/>
+          <p:nvPr/>
+        </p:nvSpPr>
+        <p:spPr>
+          <a:xfrm>
+            <a:off x="331694" y="177505"/>
+            <a:ext cx="898003" cy="523220"/>
+          </a:xfrm>
+          <a:prstGeom prst="rect">
+            <a:avLst/>
+          </a:prstGeom>
+          <a:noFill/>
+        </p:spPr>
+        <p:txBody>
+          <a:bodyPr wrap="none" rtlCol="0">
+            <a:spAutoFit/>
+          </a:bodyPr>
+          <a:lstStyle/>
+          <a:p>
+            <a:r>
+              <a:rPr lang="en-US" altLang="ko-KR" sz="2800" dirty="0">
+                <a:latin typeface="나눔스퀘어 Bold" panose="020B0600000101010101" pitchFamily="50" charset="-127"/>
+                <a:ea typeface="나눔스퀘어 Bold" panose="020B0600000101010101" pitchFamily="50" charset="-127"/>
+              </a:rPr>
+              <a:t>O(1)</a:t>
+            </a:r>
+            <a:endParaRPr lang="ko-KR" altLang="en-US" sz="2800" dirty="0">
+              <a:latin typeface="나눔스퀘어 Bold" panose="020B0600000101010101" pitchFamily="50" charset="-127"/>
+              <a:ea typeface="나눔스퀘어 Bold" panose="020B0600000101010101" pitchFamily="50" charset="-127"/>
+            </a:endParaRPr>
+          </a:p>
+        </p:txBody>
+      </p:sp>
+      <p:sp>
+        <p:nvSpPr>
+          <p:cNvPr id="12" name="TextBox 11">
+            <a:extLst>
+              <a:ext uri="{FF2B5EF4-FFF2-40B4-BE49-F238E27FC236}">
+                <a16:creationId xmlns:a16="http://schemas.microsoft.com/office/drawing/2014/main" id="{E1E8D503-F9D6-33F6-3A27-1B47A0CF274B}"/>
+              </a:ext>
+            </a:extLst>
+          </p:cNvPr>
+          <p:cNvSpPr txBox="1"/>
+          <p:nvPr/>
+        </p:nvSpPr>
+        <p:spPr>
+          <a:xfrm>
+            <a:off x="942387" y="1249753"/>
+            <a:ext cx="6623825" cy="369332"/>
+          </a:xfrm>
+          <a:prstGeom prst="rect">
+            <a:avLst/>
+          </a:prstGeom>
+          <a:noFill/>
+        </p:spPr>
+        <p:txBody>
+          <a:bodyPr wrap="square" rtlCol="0">
+            <a:spAutoFit/>
+          </a:bodyPr>
+          <a:lstStyle/>
+          <a:p>
+            <a:r>
+              <a:rPr lang="en-US" altLang="ko-KR" dirty="0">
+                <a:latin typeface="나눔스퀘어 Bold" panose="020B0600000101010101" pitchFamily="50" charset="-127"/>
+                <a:ea typeface="나눔스퀘어 Bold" panose="020B0600000101010101" pitchFamily="50" charset="-127"/>
+              </a:rPr>
+              <a:t>O(1) : </a:t>
+            </a:r>
+            <a:r>
+              <a:rPr lang="ko-KR" altLang="en-US" dirty="0">
+                <a:latin typeface="나눔스퀘어 Bold" panose="020B0600000101010101" pitchFamily="50" charset="-127"/>
+                <a:ea typeface="나눔스퀘어 Bold" panose="020B0600000101010101" pitchFamily="50" charset="-127"/>
+              </a:rPr>
+              <a:t>상수 시간</a:t>
+            </a:r>
+          </a:p>
+        </p:txBody>
+      </p:sp>
+      <p:sp>
+        <p:nvSpPr>
+          <p:cNvPr id="13" name="TextBox 12">
+            <a:extLst>
+              <a:ext uri="{FF2B5EF4-FFF2-40B4-BE49-F238E27FC236}">
+                <a16:creationId xmlns:a16="http://schemas.microsoft.com/office/drawing/2014/main" id="{2800A05B-9B54-C1F1-968A-6C69655D6258}"/>
+              </a:ext>
+            </a:extLst>
+          </p:cNvPr>
+          <p:cNvSpPr txBox="1"/>
+          <p:nvPr/>
+        </p:nvSpPr>
+        <p:spPr>
+          <a:xfrm>
+            <a:off x="942387" y="2105581"/>
+            <a:ext cx="6623825" cy="369332"/>
+          </a:xfrm>
+          <a:prstGeom prst="rect">
+            <a:avLst/>
+          </a:prstGeom>
+          <a:noFill/>
+        </p:spPr>
+        <p:txBody>
+          <a:bodyPr wrap="square" rtlCol="0">
+            <a:spAutoFit/>
+          </a:bodyPr>
+          <a:lstStyle/>
+          <a:p>
+            <a:r>
+              <a:rPr lang="en-US" altLang="ko-KR" dirty="0">
+                <a:latin typeface="나눔스퀘어 Light" panose="020B0600000101010101" pitchFamily="50" charset="-127"/>
+                <a:ea typeface="나눔스퀘어 Light" panose="020B0600000101010101" pitchFamily="50" charset="-127"/>
+              </a:rPr>
+              <a:t>N</a:t>
+            </a:r>
+            <a:r>
+              <a:rPr lang="ko-KR" altLang="en-US" dirty="0">
+                <a:latin typeface="나눔스퀘어 Light" panose="020B0600000101010101" pitchFamily="50" charset="-127"/>
+                <a:ea typeface="나눔스퀘어 Light" panose="020B0600000101010101" pitchFamily="50" charset="-127"/>
+              </a:rPr>
+              <a:t>의 크기와 관계없이 수행 시간이 일정함</a:t>
+            </a:r>
+          </a:p>
+        </p:txBody>
+      </p:sp>
+      <p:sp>
+        <p:nvSpPr>
+          <p:cNvPr id="10" name="TextBox 9">
+            <a:extLst>
+              <a:ext uri="{FF2B5EF4-FFF2-40B4-BE49-F238E27FC236}">
+                <a16:creationId xmlns:a16="http://schemas.microsoft.com/office/drawing/2014/main" id="{1DDEED14-831C-5DF9-88DD-5A033CBD7A51}"/>
+              </a:ext>
+            </a:extLst>
+          </p:cNvPr>
+          <p:cNvSpPr txBox="1"/>
+          <p:nvPr/>
+        </p:nvSpPr>
+        <p:spPr>
+          <a:xfrm>
+            <a:off x="942387" y="2961409"/>
+            <a:ext cx="6623825" cy="369332"/>
+          </a:xfrm>
+          <a:prstGeom prst="rect">
+            <a:avLst/>
+          </a:prstGeom>
+          <a:noFill/>
+        </p:spPr>
+        <p:txBody>
+          <a:bodyPr wrap="square" rtlCol="0">
+            <a:spAutoFit/>
+          </a:bodyPr>
+          <a:lstStyle/>
+          <a:p>
+            <a:r>
+              <a:rPr lang="ko-KR" altLang="en-US" dirty="0">
+                <a:latin typeface="나눔스퀘어 Light" panose="020B0600000101010101" pitchFamily="50" charset="-127"/>
+                <a:ea typeface="나눔스퀘어 Light" panose="020B0600000101010101" pitchFamily="50" charset="-127"/>
+              </a:rPr>
+              <a:t>아래 코드들은 </a:t>
+            </a:r>
+            <a:r>
+              <a:rPr lang="en-US" altLang="ko-KR" dirty="0">
+                <a:latin typeface="나눔스퀘어 Light" panose="020B0600000101010101" pitchFamily="50" charset="-127"/>
+                <a:ea typeface="나눔스퀘어 Light" panose="020B0600000101010101" pitchFamily="50" charset="-127"/>
+              </a:rPr>
+              <a:t>N</a:t>
+            </a:r>
+            <a:r>
+              <a:rPr lang="ko-KR" altLang="en-US" dirty="0">
+                <a:latin typeface="나눔스퀘어 Light" panose="020B0600000101010101" pitchFamily="50" charset="-127"/>
+                <a:ea typeface="나눔스퀘어 Light" panose="020B0600000101010101" pitchFamily="50" charset="-127"/>
+              </a:rPr>
+              <a:t>이 커짐에 따라 연산 횟수가 증가할까요</a:t>
+            </a:r>
+            <a:r>
+              <a:rPr lang="en-US" altLang="ko-KR" dirty="0">
+                <a:latin typeface="나눔스퀘어 Light" panose="020B0600000101010101" pitchFamily="50" charset="-127"/>
+                <a:ea typeface="나눔스퀘어 Light" panose="020B0600000101010101" pitchFamily="50" charset="-127"/>
+              </a:rPr>
+              <a:t>? </a:t>
+            </a:r>
+            <a:r>
+              <a:rPr lang="ko-KR" altLang="en-US" dirty="0">
+                <a:latin typeface="나눔스퀘어 Light" panose="020B0600000101010101" pitchFamily="50" charset="-127"/>
+                <a:ea typeface="나눔스퀘어 Light" panose="020B0600000101010101" pitchFamily="50" charset="-127"/>
+              </a:rPr>
+              <a:t>감소할까요</a:t>
+            </a:r>
+            <a:r>
+              <a:rPr lang="en-US" altLang="ko-KR" dirty="0">
+                <a:latin typeface="나눔스퀘어 Light" panose="020B0600000101010101" pitchFamily="50" charset="-127"/>
+                <a:ea typeface="나눔스퀘어 Light" panose="020B0600000101010101" pitchFamily="50" charset="-127"/>
+              </a:rPr>
+              <a:t>?</a:t>
+            </a:r>
+            <a:endParaRPr lang="ko-KR" altLang="en-US" dirty="0">
+              <a:latin typeface="나눔스퀘어 Light" panose="020B0600000101010101" pitchFamily="50" charset="-127"/>
+              <a:ea typeface="나눔스퀘어 Light" panose="020B0600000101010101" pitchFamily="50" charset="-127"/>
+            </a:endParaRPr>
+          </a:p>
+        </p:txBody>
+      </p:sp>
+      <p:pic>
+        <p:nvPicPr>
+          <p:cNvPr id="3" name="그림 2">
+            <a:extLst>
+              <a:ext uri="{FF2B5EF4-FFF2-40B4-BE49-F238E27FC236}">
+                <a16:creationId xmlns:a16="http://schemas.microsoft.com/office/drawing/2014/main" id="{72F9EDCE-B137-43E6-FF15-FCA4FC47320E}"/>
+              </a:ext>
+            </a:extLst>
+          </p:cNvPr>
+          <p:cNvPicPr>
+            <a:picLocks noChangeAspect="1"/>
+          </p:cNvPicPr>
+          <p:nvPr/>
+        </p:nvPicPr>
+        <p:blipFill>
+          <a:blip r:embed="rId2"/>
+          <a:stretch>
+            <a:fillRect/>
+          </a:stretch>
+        </p:blipFill>
+        <p:spPr>
+          <a:xfrm>
+            <a:off x="832919" y="4633699"/>
+            <a:ext cx="2735270" cy="713549"/>
+          </a:xfrm>
+          <a:prstGeom prst="rect">
+            <a:avLst/>
+          </a:prstGeom>
+        </p:spPr>
+      </p:pic>
+      <p:pic>
+        <p:nvPicPr>
+          <p:cNvPr id="7" name="그림 6">
+            <a:extLst>
+              <a:ext uri="{FF2B5EF4-FFF2-40B4-BE49-F238E27FC236}">
+                <a16:creationId xmlns:a16="http://schemas.microsoft.com/office/drawing/2014/main" id="{824CF23E-FD63-CFBC-7CBB-39F93D8B06B3}"/>
+              </a:ext>
+            </a:extLst>
+          </p:cNvPr>
+          <p:cNvPicPr>
+            <a:picLocks noChangeAspect="1"/>
+          </p:cNvPicPr>
+          <p:nvPr/>
+        </p:nvPicPr>
+        <p:blipFill>
+          <a:blip r:embed="rId3"/>
+          <a:stretch>
+            <a:fillRect/>
+          </a:stretch>
+        </p:blipFill>
+        <p:spPr>
+          <a:xfrm>
+            <a:off x="4584574" y="4633698"/>
+            <a:ext cx="3022852" cy="713548"/>
+          </a:xfrm>
+          <a:prstGeom prst="rect">
+            <a:avLst/>
+          </a:prstGeom>
+        </p:spPr>
+      </p:pic>
+      <p:pic>
+        <p:nvPicPr>
+          <p:cNvPr id="9" name="그림 8">
+            <a:extLst>
+              <a:ext uri="{FF2B5EF4-FFF2-40B4-BE49-F238E27FC236}">
+                <a16:creationId xmlns:a16="http://schemas.microsoft.com/office/drawing/2014/main" id="{2288245A-DE73-ADDC-5254-930A096E8262}"/>
+              </a:ext>
+            </a:extLst>
+          </p:cNvPr>
+          <p:cNvPicPr>
+            <a:picLocks noChangeAspect="1"/>
+          </p:cNvPicPr>
+          <p:nvPr/>
+        </p:nvPicPr>
+        <p:blipFill>
+          <a:blip r:embed="rId4"/>
+          <a:stretch>
+            <a:fillRect/>
+          </a:stretch>
+        </p:blipFill>
+        <p:spPr>
+          <a:xfrm>
+            <a:off x="8623811" y="4633695"/>
+            <a:ext cx="2804711" cy="716622"/>
+          </a:xfrm>
+          <a:prstGeom prst="rect">
+            <a:avLst/>
+          </a:prstGeom>
+        </p:spPr>
+      </p:pic>
+    </p:spTree>
+    <p:extLst>
+      <p:ext uri="{BB962C8B-B14F-4D97-AF65-F5344CB8AC3E}">
+        <p14:creationId xmlns:p14="http://schemas.microsoft.com/office/powerpoint/2010/main" val="3586120726"/>
+      </p:ext>
+    </p:extLst>
+  </p:cSld>
+  <p:clrMapOvr>
+    <a:masterClrMapping/>
+  </p:clrMapOvr>
+</p:sld>
+</file>
+
+<file path=ppt/slides/slide12.xml><?xml version="1.0" encoding="utf-8"?>
+<p:sld xmlns:a="http://schemas.openxmlformats.org/drawingml/2006/main" xmlns:r="http://schemas.openxmlformats.org/officeDocument/2006/relationships" xmlns:p="http://schemas.openxmlformats.org/presentationml/2006/main">
+  <p:cSld>
+    <p:spTree>
+      <p:nvGrpSpPr>
+        <p:cNvPr id="1" name=""/>
+        <p:cNvGrpSpPr/>
+        <p:nvPr/>
+      </p:nvGrpSpPr>
+      <p:grpSpPr>
+        <a:xfrm>
+          <a:off x="0" y="0"/>
+          <a:ext cx="0" cy="0"/>
+          <a:chOff x="0" y="0"/>
+          <a:chExt cx="0" cy="0"/>
+        </a:xfrm>
+      </p:grpSpPr>
+      <p:cxnSp>
+        <p:nvCxnSpPr>
+          <p:cNvPr id="5" name="직선 연결선 4">
+            <a:extLst>
+              <a:ext uri="{FF2B5EF4-FFF2-40B4-BE49-F238E27FC236}">
+                <a16:creationId xmlns:a16="http://schemas.microsoft.com/office/drawing/2014/main" id="{164C2827-EFCE-69A4-D037-1A218415F568}"/>
+              </a:ext>
+            </a:extLst>
+          </p:cNvPr>
+          <p:cNvCxnSpPr/>
+          <p:nvPr/>
+        </p:nvCxnSpPr>
+        <p:spPr>
+          <a:xfrm>
+            <a:off x="0" y="887505"/>
+            <a:ext cx="10237694" cy="0"/>
+          </a:xfrm>
+          <a:prstGeom prst="line">
+            <a:avLst/>
+          </a:prstGeom>
+          <a:ln w="76200">
+            <a:solidFill>
+              <a:schemeClr val="tx1">
+                <a:lumMod val="75000"/>
+                <a:lumOff val="25000"/>
+              </a:schemeClr>
+            </a:solidFill>
+          </a:ln>
+        </p:spPr>
+        <p:style>
+          <a:lnRef idx="1">
+            <a:schemeClr val="accent1"/>
+          </a:lnRef>
+          <a:fillRef idx="0">
+            <a:schemeClr val="accent1"/>
+          </a:fillRef>
+          <a:effectRef idx="0">
+            <a:schemeClr val="accent1"/>
+          </a:effectRef>
+          <a:fontRef idx="minor">
+            <a:schemeClr val="tx1"/>
+          </a:fontRef>
+        </p:style>
+      </p:cxnSp>
+      <p:sp>
+        <p:nvSpPr>
+          <p:cNvPr id="6" name="TextBox 5">
+            <a:extLst>
+              <a:ext uri="{FF2B5EF4-FFF2-40B4-BE49-F238E27FC236}">
+                <a16:creationId xmlns:a16="http://schemas.microsoft.com/office/drawing/2014/main" id="{908ED9B9-09D3-CFA8-625A-6F9BB9B6BD23}"/>
+              </a:ext>
+            </a:extLst>
+          </p:cNvPr>
+          <p:cNvSpPr txBox="1"/>
+          <p:nvPr/>
+        </p:nvSpPr>
+        <p:spPr>
+          <a:xfrm>
+            <a:off x="331694" y="177505"/>
+            <a:ext cx="898003" cy="523220"/>
+          </a:xfrm>
+          <a:prstGeom prst="rect">
+            <a:avLst/>
+          </a:prstGeom>
+          <a:noFill/>
+        </p:spPr>
+        <p:txBody>
+          <a:bodyPr wrap="none" rtlCol="0">
+            <a:spAutoFit/>
+          </a:bodyPr>
+          <a:lstStyle/>
+          <a:p>
+            <a:r>
+              <a:rPr lang="en-US" altLang="ko-KR" sz="2800" dirty="0">
+                <a:latin typeface="나눔스퀘어 Bold" panose="020B0600000101010101" pitchFamily="50" charset="-127"/>
+                <a:ea typeface="나눔스퀘어 Bold" panose="020B0600000101010101" pitchFamily="50" charset="-127"/>
+              </a:rPr>
+              <a:t>O(1)</a:t>
+            </a:r>
+            <a:endParaRPr lang="ko-KR" altLang="en-US" sz="2800" dirty="0">
+              <a:latin typeface="나눔스퀘어 Bold" panose="020B0600000101010101" pitchFamily="50" charset="-127"/>
+              <a:ea typeface="나눔스퀘어 Bold" panose="020B0600000101010101" pitchFamily="50" charset="-127"/>
+            </a:endParaRPr>
+          </a:p>
+        </p:txBody>
+      </p:sp>
+      <p:sp>
+        <p:nvSpPr>
+          <p:cNvPr id="13" name="TextBox 12">
+            <a:extLst>
+              <a:ext uri="{FF2B5EF4-FFF2-40B4-BE49-F238E27FC236}">
+                <a16:creationId xmlns:a16="http://schemas.microsoft.com/office/drawing/2014/main" id="{2800A05B-9B54-C1F1-968A-6C69655D6258}"/>
+              </a:ext>
+            </a:extLst>
+          </p:cNvPr>
+          <p:cNvSpPr txBox="1"/>
+          <p:nvPr/>
+        </p:nvSpPr>
+        <p:spPr>
+          <a:xfrm>
+            <a:off x="942387" y="1739791"/>
+            <a:ext cx="6623825" cy="369332"/>
+          </a:xfrm>
+          <a:prstGeom prst="rect">
+            <a:avLst/>
+          </a:prstGeom>
+          <a:noFill/>
+        </p:spPr>
+        <p:txBody>
+          <a:bodyPr wrap="square" rtlCol="0">
+            <a:spAutoFit/>
+          </a:bodyPr>
+          <a:lstStyle/>
+          <a:p>
+            <a:r>
+              <a:rPr lang="ko-KR" altLang="en-US" dirty="0">
+                <a:latin typeface="나눔스퀘어 Light" panose="020B0600000101010101" pitchFamily="50" charset="-127"/>
+                <a:ea typeface="나눔스퀘어 Light" panose="020B0600000101010101" pitchFamily="50" charset="-127"/>
+              </a:rPr>
+              <a:t>시간 복잡도를 구할 때는 </a:t>
+            </a:r>
+            <a:r>
+              <a:rPr lang="ko-KR" altLang="en-US" dirty="0" err="1">
+                <a:latin typeface="나눔스퀘어 Light" panose="020B0600000101010101" pitchFamily="50" charset="-127"/>
+                <a:ea typeface="나눔스퀘어 Light" panose="020B0600000101010101" pitchFamily="50" charset="-127"/>
+              </a:rPr>
+              <a:t>최고차항만</a:t>
+            </a:r>
+            <a:r>
+              <a:rPr lang="ko-KR" altLang="en-US" dirty="0">
+                <a:latin typeface="나눔스퀘어 Light" panose="020B0600000101010101" pitchFamily="50" charset="-127"/>
+                <a:ea typeface="나눔스퀘어 Light" panose="020B0600000101010101" pitchFamily="50" charset="-127"/>
+              </a:rPr>
+              <a:t> </a:t>
+            </a:r>
+            <a:r>
+              <a:rPr lang="ko-KR" altLang="en-US" dirty="0" err="1">
+                <a:latin typeface="나눔스퀘어 Light" panose="020B0600000101010101" pitchFamily="50" charset="-127"/>
+                <a:ea typeface="나눔스퀘어 Light" panose="020B0600000101010101" pitchFamily="50" charset="-127"/>
+              </a:rPr>
+              <a:t>신경쓰면</a:t>
+            </a:r>
+            <a:r>
+              <a:rPr lang="ko-KR" altLang="en-US" dirty="0">
+                <a:latin typeface="나눔스퀘어 Light" panose="020B0600000101010101" pitchFamily="50" charset="-127"/>
+                <a:ea typeface="나눔스퀘어 Light" panose="020B0600000101010101" pitchFamily="50" charset="-127"/>
+              </a:rPr>
+              <a:t> 됩니다</a:t>
+            </a:r>
+            <a:r>
+              <a:rPr lang="en-US" altLang="ko-KR" dirty="0">
+                <a:latin typeface="나눔스퀘어 Light" panose="020B0600000101010101" pitchFamily="50" charset="-127"/>
+                <a:ea typeface="나눔스퀘어 Light" panose="020B0600000101010101" pitchFamily="50" charset="-127"/>
+              </a:rPr>
+              <a:t>.</a:t>
+            </a:r>
+            <a:endParaRPr lang="ko-KR" altLang="en-US" dirty="0">
+              <a:latin typeface="나눔스퀘어 Light" panose="020B0600000101010101" pitchFamily="50" charset="-127"/>
+              <a:ea typeface="나눔스퀘어 Light" panose="020B0600000101010101" pitchFamily="50" charset="-127"/>
+            </a:endParaRPr>
+          </a:p>
+        </p:txBody>
+      </p:sp>
+      <p:pic>
+        <p:nvPicPr>
+          <p:cNvPr id="4" name="그림 3">
+            <a:extLst>
+              <a:ext uri="{FF2B5EF4-FFF2-40B4-BE49-F238E27FC236}">
+                <a16:creationId xmlns:a16="http://schemas.microsoft.com/office/drawing/2014/main" id="{6462AA96-76C2-1526-74EE-C784458CA207}"/>
+              </a:ext>
+            </a:extLst>
+          </p:cNvPr>
+          <p:cNvPicPr>
+            <a:picLocks noChangeAspect="1"/>
+          </p:cNvPicPr>
+          <p:nvPr/>
+        </p:nvPicPr>
+        <p:blipFill>
+          <a:blip r:embed="rId2"/>
+          <a:stretch>
+            <a:fillRect/>
+          </a:stretch>
+        </p:blipFill>
+        <p:spPr>
+          <a:xfrm>
+            <a:off x="1476616" y="2695473"/>
+            <a:ext cx="3763600" cy="3066638"/>
+          </a:xfrm>
+          <a:prstGeom prst="rect">
+            <a:avLst/>
+          </a:prstGeom>
+        </p:spPr>
+      </p:pic>
+      <p:cxnSp>
+        <p:nvCxnSpPr>
+          <p:cNvPr id="11" name="직선 연결선 10">
+            <a:extLst>
+              <a:ext uri="{FF2B5EF4-FFF2-40B4-BE49-F238E27FC236}">
+                <a16:creationId xmlns:a16="http://schemas.microsoft.com/office/drawing/2014/main" id="{B0C0023E-6629-EEAA-23F3-4938C32A09FC}"/>
+              </a:ext>
+            </a:extLst>
+          </p:cNvPr>
+          <p:cNvCxnSpPr/>
+          <p:nvPr/>
+        </p:nvCxnSpPr>
+        <p:spPr>
+          <a:xfrm>
+            <a:off x="4791807" y="3235569"/>
+            <a:ext cx="1424354" cy="0"/>
+          </a:xfrm>
+          <a:prstGeom prst="line">
+            <a:avLst/>
+          </a:prstGeom>
+          <a:ln w="28575"/>
+        </p:spPr>
+        <p:style>
+          <a:lnRef idx="1">
+            <a:schemeClr val="accent1"/>
+          </a:lnRef>
+          <a:fillRef idx="0">
+            <a:schemeClr val="accent1"/>
+          </a:fillRef>
+          <a:effectRef idx="0">
+            <a:schemeClr val="accent1"/>
+          </a:effectRef>
+          <a:fontRef idx="minor">
+            <a:schemeClr val="tx1"/>
+          </a:fontRef>
+        </p:style>
+      </p:cxnSp>
+      <p:sp>
+        <p:nvSpPr>
+          <p:cNvPr id="14" name="TextBox 13">
+            <a:extLst>
+              <a:ext uri="{FF2B5EF4-FFF2-40B4-BE49-F238E27FC236}">
+                <a16:creationId xmlns:a16="http://schemas.microsoft.com/office/drawing/2014/main" id="{ACCDD9AA-E2A2-FD02-34B3-5B5AC3A76CF7}"/>
+              </a:ext>
+            </a:extLst>
+          </p:cNvPr>
+          <p:cNvSpPr txBox="1"/>
+          <p:nvPr/>
+        </p:nvSpPr>
+        <p:spPr>
+          <a:xfrm>
+            <a:off x="6414133" y="3050903"/>
+            <a:ext cx="628505" cy="369332"/>
+          </a:xfrm>
+          <a:prstGeom prst="rect">
+            <a:avLst/>
+          </a:prstGeom>
+          <a:noFill/>
+        </p:spPr>
+        <p:txBody>
+          <a:bodyPr wrap="square" rtlCol="0">
+            <a:spAutoFit/>
+          </a:bodyPr>
+          <a:lstStyle/>
+          <a:p>
+            <a:r>
+              <a:rPr lang="en-US" altLang="ko-KR" dirty="0">
+                <a:latin typeface="나눔스퀘어 Bold" panose="020B0600000101010101" pitchFamily="50" charset="-127"/>
+                <a:ea typeface="나눔스퀘어 Bold" panose="020B0600000101010101" pitchFamily="50" charset="-127"/>
+              </a:rPr>
+              <a:t>O(1)</a:t>
+            </a:r>
+            <a:endParaRPr lang="ko-KR" altLang="en-US" dirty="0">
+              <a:latin typeface="나눔스퀘어 Bold" panose="020B0600000101010101" pitchFamily="50" charset="-127"/>
+              <a:ea typeface="나눔스퀘어 Bold" panose="020B0600000101010101" pitchFamily="50" charset="-127"/>
+            </a:endParaRPr>
+          </a:p>
+        </p:txBody>
+      </p:sp>
+      <p:cxnSp>
+        <p:nvCxnSpPr>
+          <p:cNvPr id="15" name="직선 연결선 14">
+            <a:extLst>
+              <a:ext uri="{FF2B5EF4-FFF2-40B4-BE49-F238E27FC236}">
+                <a16:creationId xmlns:a16="http://schemas.microsoft.com/office/drawing/2014/main" id="{1514B705-321A-E12A-0412-66DE17B5AB4C}"/>
+              </a:ext>
+            </a:extLst>
+          </p:cNvPr>
+          <p:cNvCxnSpPr/>
+          <p:nvPr/>
+        </p:nvCxnSpPr>
+        <p:spPr>
+          <a:xfrm>
+            <a:off x="4791807" y="3604901"/>
+            <a:ext cx="1424354" cy="0"/>
+          </a:xfrm>
+          <a:prstGeom prst="line">
+            <a:avLst/>
+          </a:prstGeom>
+          <a:ln w="28575"/>
+        </p:spPr>
+        <p:style>
+          <a:lnRef idx="1">
+            <a:schemeClr val="accent1"/>
+          </a:lnRef>
+          <a:fillRef idx="0">
+            <a:schemeClr val="accent1"/>
+          </a:fillRef>
+          <a:effectRef idx="0">
+            <a:schemeClr val="accent1"/>
+          </a:effectRef>
+          <a:fontRef idx="minor">
+            <a:schemeClr val="tx1"/>
+          </a:fontRef>
+        </p:style>
+      </p:cxnSp>
+      <p:sp>
+        <p:nvSpPr>
+          <p:cNvPr id="16" name="TextBox 15">
+            <a:extLst>
+              <a:ext uri="{FF2B5EF4-FFF2-40B4-BE49-F238E27FC236}">
+                <a16:creationId xmlns:a16="http://schemas.microsoft.com/office/drawing/2014/main" id="{4B6E92F4-BAA7-DBE1-67B3-DFFC44BF2A71}"/>
+              </a:ext>
+            </a:extLst>
+          </p:cNvPr>
+          <p:cNvSpPr txBox="1"/>
+          <p:nvPr/>
+        </p:nvSpPr>
+        <p:spPr>
+          <a:xfrm>
+            <a:off x="6414133" y="3420235"/>
+            <a:ext cx="628505" cy="369332"/>
+          </a:xfrm>
+          <a:prstGeom prst="rect">
+            <a:avLst/>
+          </a:prstGeom>
+          <a:noFill/>
+        </p:spPr>
+        <p:txBody>
+          <a:bodyPr wrap="square" rtlCol="0">
+            <a:spAutoFit/>
+          </a:bodyPr>
+          <a:lstStyle/>
+          <a:p>
+            <a:r>
+              <a:rPr lang="en-US" altLang="ko-KR" dirty="0">
+                <a:latin typeface="나눔스퀘어 Bold" panose="020B0600000101010101" pitchFamily="50" charset="-127"/>
+                <a:ea typeface="나눔스퀘어 Bold" panose="020B0600000101010101" pitchFamily="50" charset="-127"/>
+              </a:rPr>
+              <a:t>O(1)</a:t>
+            </a:r>
+            <a:endParaRPr lang="ko-KR" altLang="en-US" dirty="0">
+              <a:latin typeface="나눔스퀘어 Bold" panose="020B0600000101010101" pitchFamily="50" charset="-127"/>
+              <a:ea typeface="나눔스퀘어 Bold" panose="020B0600000101010101" pitchFamily="50" charset="-127"/>
+            </a:endParaRPr>
+          </a:p>
+        </p:txBody>
+      </p:sp>
+      <p:cxnSp>
+        <p:nvCxnSpPr>
+          <p:cNvPr id="17" name="직선 연결선 16">
+            <a:extLst>
+              <a:ext uri="{FF2B5EF4-FFF2-40B4-BE49-F238E27FC236}">
+                <a16:creationId xmlns:a16="http://schemas.microsoft.com/office/drawing/2014/main" id="{C7326DFB-BFFC-A023-C8F5-79FD09FF53DD}"/>
+              </a:ext>
+            </a:extLst>
+          </p:cNvPr>
+          <p:cNvCxnSpPr/>
+          <p:nvPr/>
+        </p:nvCxnSpPr>
+        <p:spPr>
+          <a:xfrm>
+            <a:off x="4791807" y="3974233"/>
+            <a:ext cx="1424354" cy="0"/>
+          </a:xfrm>
+          <a:prstGeom prst="line">
+            <a:avLst/>
+          </a:prstGeom>
+          <a:ln w="28575"/>
+        </p:spPr>
+        <p:style>
+          <a:lnRef idx="1">
+            <a:schemeClr val="accent1"/>
+          </a:lnRef>
+          <a:fillRef idx="0">
+            <a:schemeClr val="accent1"/>
+          </a:fillRef>
+          <a:effectRef idx="0">
+            <a:schemeClr val="accent1"/>
+          </a:effectRef>
+          <a:fontRef idx="minor">
+            <a:schemeClr val="tx1"/>
+          </a:fontRef>
+        </p:style>
+      </p:cxnSp>
+      <p:sp>
+        <p:nvSpPr>
+          <p:cNvPr id="18" name="TextBox 17">
+            <a:extLst>
+              <a:ext uri="{FF2B5EF4-FFF2-40B4-BE49-F238E27FC236}">
+                <a16:creationId xmlns:a16="http://schemas.microsoft.com/office/drawing/2014/main" id="{9D4E64DC-2C17-AEFB-D453-172C095BC312}"/>
+              </a:ext>
+            </a:extLst>
+          </p:cNvPr>
+          <p:cNvSpPr txBox="1"/>
+          <p:nvPr/>
+        </p:nvSpPr>
+        <p:spPr>
+          <a:xfrm>
+            <a:off x="6414133" y="3789567"/>
+            <a:ext cx="628505" cy="369332"/>
+          </a:xfrm>
+          <a:prstGeom prst="rect">
+            <a:avLst/>
+          </a:prstGeom>
+          <a:noFill/>
+        </p:spPr>
+        <p:txBody>
+          <a:bodyPr wrap="square" rtlCol="0">
+            <a:spAutoFit/>
+          </a:bodyPr>
+          <a:lstStyle/>
+          <a:p>
+            <a:r>
+              <a:rPr lang="en-US" altLang="ko-KR" dirty="0">
+                <a:latin typeface="나눔스퀘어 Bold" panose="020B0600000101010101" pitchFamily="50" charset="-127"/>
+                <a:ea typeface="나눔스퀘어 Bold" panose="020B0600000101010101" pitchFamily="50" charset="-127"/>
+              </a:rPr>
+              <a:t>O(1)</a:t>
+            </a:r>
+            <a:endParaRPr lang="ko-KR" altLang="en-US" dirty="0">
+              <a:latin typeface="나눔스퀘어 Bold" panose="020B0600000101010101" pitchFamily="50" charset="-127"/>
+              <a:ea typeface="나눔스퀘어 Bold" panose="020B0600000101010101" pitchFamily="50" charset="-127"/>
+            </a:endParaRPr>
+          </a:p>
+        </p:txBody>
+      </p:sp>
+      <p:cxnSp>
+        <p:nvCxnSpPr>
+          <p:cNvPr id="19" name="직선 연결선 18">
+            <a:extLst>
+              <a:ext uri="{FF2B5EF4-FFF2-40B4-BE49-F238E27FC236}">
+                <a16:creationId xmlns:a16="http://schemas.microsoft.com/office/drawing/2014/main" id="{2A2990C2-978F-A0B3-40EC-83539EC1B64C}"/>
+              </a:ext>
+            </a:extLst>
+          </p:cNvPr>
+          <p:cNvCxnSpPr/>
+          <p:nvPr/>
+        </p:nvCxnSpPr>
+        <p:spPr>
+          <a:xfrm>
+            <a:off x="4791807" y="4362015"/>
+            <a:ext cx="1424354" cy="0"/>
+          </a:xfrm>
+          <a:prstGeom prst="line">
+            <a:avLst/>
+          </a:prstGeom>
+          <a:ln w="28575"/>
+        </p:spPr>
+        <p:style>
+          <a:lnRef idx="1">
+            <a:schemeClr val="accent1"/>
+          </a:lnRef>
+          <a:fillRef idx="0">
+            <a:schemeClr val="accent1"/>
+          </a:fillRef>
+          <a:effectRef idx="0">
+            <a:schemeClr val="accent1"/>
+          </a:effectRef>
+          <a:fontRef idx="minor">
+            <a:schemeClr val="tx1"/>
+          </a:fontRef>
+        </p:style>
+      </p:cxnSp>
+      <p:sp>
+        <p:nvSpPr>
+          <p:cNvPr id="20" name="TextBox 19">
+            <a:extLst>
+              <a:ext uri="{FF2B5EF4-FFF2-40B4-BE49-F238E27FC236}">
+                <a16:creationId xmlns:a16="http://schemas.microsoft.com/office/drawing/2014/main" id="{345906B8-C48B-6B7F-0E5B-3C50198809B1}"/>
+              </a:ext>
+            </a:extLst>
+          </p:cNvPr>
+          <p:cNvSpPr txBox="1"/>
+          <p:nvPr/>
+        </p:nvSpPr>
+        <p:spPr>
+          <a:xfrm>
+            <a:off x="6414133" y="4177349"/>
+            <a:ext cx="628505" cy="369332"/>
+          </a:xfrm>
+          <a:prstGeom prst="rect">
+            <a:avLst/>
+          </a:prstGeom>
+          <a:noFill/>
+        </p:spPr>
+        <p:txBody>
+          <a:bodyPr wrap="square" rtlCol="0">
+            <a:spAutoFit/>
+          </a:bodyPr>
+          <a:lstStyle/>
+          <a:p>
+            <a:r>
+              <a:rPr lang="en-US" altLang="ko-KR" dirty="0">
+                <a:latin typeface="나눔스퀘어 Bold" panose="020B0600000101010101" pitchFamily="50" charset="-127"/>
+                <a:ea typeface="나눔스퀘어 Bold" panose="020B0600000101010101" pitchFamily="50" charset="-127"/>
+              </a:rPr>
+              <a:t>O(1)</a:t>
+            </a:r>
+            <a:endParaRPr lang="ko-KR" altLang="en-US" dirty="0">
+              <a:latin typeface="나눔스퀘어 Bold" panose="020B0600000101010101" pitchFamily="50" charset="-127"/>
+              <a:ea typeface="나눔스퀘어 Bold" panose="020B0600000101010101" pitchFamily="50" charset="-127"/>
+            </a:endParaRPr>
+          </a:p>
+        </p:txBody>
+      </p:sp>
+      <p:cxnSp>
+        <p:nvCxnSpPr>
+          <p:cNvPr id="21" name="직선 연결선 20">
+            <a:extLst>
+              <a:ext uri="{FF2B5EF4-FFF2-40B4-BE49-F238E27FC236}">
+                <a16:creationId xmlns:a16="http://schemas.microsoft.com/office/drawing/2014/main" id="{AB1FC73A-A619-7847-23F1-A6E3A44ECACE}"/>
+              </a:ext>
+            </a:extLst>
+          </p:cNvPr>
+          <p:cNvCxnSpPr/>
+          <p:nvPr/>
+        </p:nvCxnSpPr>
+        <p:spPr>
+          <a:xfrm>
+            <a:off x="4791807" y="4759620"/>
+            <a:ext cx="1424354" cy="0"/>
+          </a:xfrm>
+          <a:prstGeom prst="line">
+            <a:avLst/>
+          </a:prstGeom>
+          <a:ln w="28575"/>
+        </p:spPr>
+        <p:style>
+          <a:lnRef idx="1">
+            <a:schemeClr val="accent1"/>
+          </a:lnRef>
+          <a:fillRef idx="0">
+            <a:schemeClr val="accent1"/>
+          </a:fillRef>
+          <a:effectRef idx="0">
+            <a:schemeClr val="accent1"/>
+          </a:effectRef>
+          <a:fontRef idx="minor">
+            <a:schemeClr val="tx1"/>
+          </a:fontRef>
+        </p:style>
+      </p:cxnSp>
+      <p:sp>
+        <p:nvSpPr>
+          <p:cNvPr id="22" name="TextBox 21">
+            <a:extLst>
+              <a:ext uri="{FF2B5EF4-FFF2-40B4-BE49-F238E27FC236}">
+                <a16:creationId xmlns:a16="http://schemas.microsoft.com/office/drawing/2014/main" id="{145BF607-596B-8B34-3754-5A8D4F13196B}"/>
+              </a:ext>
+            </a:extLst>
+          </p:cNvPr>
+          <p:cNvSpPr txBox="1"/>
+          <p:nvPr/>
+        </p:nvSpPr>
+        <p:spPr>
+          <a:xfrm>
+            <a:off x="6414133" y="4574954"/>
+            <a:ext cx="628505" cy="369332"/>
+          </a:xfrm>
+          <a:prstGeom prst="rect">
+            <a:avLst/>
+          </a:prstGeom>
+          <a:noFill/>
+        </p:spPr>
+        <p:txBody>
+          <a:bodyPr wrap="square" rtlCol="0">
+            <a:spAutoFit/>
+          </a:bodyPr>
+          <a:lstStyle/>
+          <a:p>
+            <a:r>
+              <a:rPr lang="en-US" altLang="ko-KR" dirty="0">
+                <a:latin typeface="나눔스퀘어 Bold" panose="020B0600000101010101" pitchFamily="50" charset="-127"/>
+                <a:ea typeface="나눔스퀘어 Bold" panose="020B0600000101010101" pitchFamily="50" charset="-127"/>
+              </a:rPr>
+              <a:t>O(1)</a:t>
+            </a:r>
+            <a:endParaRPr lang="ko-KR" altLang="en-US" dirty="0">
+              <a:latin typeface="나눔스퀘어 Bold" panose="020B0600000101010101" pitchFamily="50" charset="-127"/>
+              <a:ea typeface="나눔스퀘어 Bold" panose="020B0600000101010101" pitchFamily="50" charset="-127"/>
+            </a:endParaRPr>
+          </a:p>
+        </p:txBody>
+      </p:sp>
+      <p:cxnSp>
+        <p:nvCxnSpPr>
+          <p:cNvPr id="23" name="직선 연결선 22">
+            <a:extLst>
+              <a:ext uri="{FF2B5EF4-FFF2-40B4-BE49-F238E27FC236}">
+                <a16:creationId xmlns:a16="http://schemas.microsoft.com/office/drawing/2014/main" id="{724488BD-0A56-713C-31D2-22128A52F57E}"/>
+              </a:ext>
+            </a:extLst>
+          </p:cNvPr>
+          <p:cNvCxnSpPr/>
+          <p:nvPr/>
+        </p:nvCxnSpPr>
+        <p:spPr>
+          <a:xfrm>
+            <a:off x="4791807" y="5128952"/>
+            <a:ext cx="1424354" cy="0"/>
+          </a:xfrm>
+          <a:prstGeom prst="line">
+            <a:avLst/>
+          </a:prstGeom>
+          <a:ln w="28575"/>
+        </p:spPr>
+        <p:style>
+          <a:lnRef idx="1">
+            <a:schemeClr val="accent1"/>
+          </a:lnRef>
+          <a:fillRef idx="0">
+            <a:schemeClr val="accent1"/>
+          </a:fillRef>
+          <a:effectRef idx="0">
+            <a:schemeClr val="accent1"/>
+          </a:effectRef>
+          <a:fontRef idx="minor">
+            <a:schemeClr val="tx1"/>
+          </a:fontRef>
+        </p:style>
+      </p:cxnSp>
+      <p:sp>
+        <p:nvSpPr>
+          <p:cNvPr id="24" name="TextBox 23">
+            <a:extLst>
+              <a:ext uri="{FF2B5EF4-FFF2-40B4-BE49-F238E27FC236}">
+                <a16:creationId xmlns:a16="http://schemas.microsoft.com/office/drawing/2014/main" id="{744CA080-3A2F-9AA3-CA1D-E14E9F3A4734}"/>
+              </a:ext>
+            </a:extLst>
+          </p:cNvPr>
+          <p:cNvSpPr txBox="1"/>
+          <p:nvPr/>
+        </p:nvSpPr>
+        <p:spPr>
+          <a:xfrm>
+            <a:off x="6414133" y="4944286"/>
+            <a:ext cx="628505" cy="369332"/>
+          </a:xfrm>
+          <a:prstGeom prst="rect">
+            <a:avLst/>
+          </a:prstGeom>
+          <a:noFill/>
+        </p:spPr>
+        <p:txBody>
+          <a:bodyPr wrap="square" rtlCol="0">
+            <a:spAutoFit/>
+          </a:bodyPr>
+          <a:lstStyle/>
+          <a:p>
+            <a:r>
+              <a:rPr lang="en-US" altLang="ko-KR" dirty="0">
+                <a:latin typeface="나눔스퀘어 Bold" panose="020B0600000101010101" pitchFamily="50" charset="-127"/>
+                <a:ea typeface="나눔스퀘어 Bold" panose="020B0600000101010101" pitchFamily="50" charset="-127"/>
+              </a:rPr>
+              <a:t>O(1)</a:t>
+            </a:r>
+            <a:endParaRPr lang="ko-KR" altLang="en-US" dirty="0">
+              <a:latin typeface="나눔스퀘어 Bold" panose="020B0600000101010101" pitchFamily="50" charset="-127"/>
+              <a:ea typeface="나눔스퀘어 Bold" panose="020B0600000101010101" pitchFamily="50" charset="-127"/>
+            </a:endParaRPr>
+          </a:p>
+        </p:txBody>
+      </p:sp>
+      <p:sp>
+        <p:nvSpPr>
+          <p:cNvPr id="25" name="TextBox 24">
+            <a:extLst>
+              <a:ext uri="{FF2B5EF4-FFF2-40B4-BE49-F238E27FC236}">
+                <a16:creationId xmlns:a16="http://schemas.microsoft.com/office/drawing/2014/main" id="{24389C47-F73D-320F-3762-969AF3A2C4F1}"/>
+              </a:ext>
+            </a:extLst>
+          </p:cNvPr>
+          <p:cNvSpPr txBox="1"/>
+          <p:nvPr/>
+        </p:nvSpPr>
+        <p:spPr>
+          <a:xfrm>
+            <a:off x="8555407" y="4044126"/>
+            <a:ext cx="2672370" cy="369332"/>
+          </a:xfrm>
+          <a:prstGeom prst="rect">
+            <a:avLst/>
+          </a:prstGeom>
+          <a:noFill/>
+        </p:spPr>
+        <p:txBody>
+          <a:bodyPr wrap="square" rtlCol="0">
+            <a:spAutoFit/>
+          </a:bodyPr>
+          <a:lstStyle/>
+          <a:p>
+            <a:r>
+              <a:rPr lang="en-US" altLang="ko-KR" dirty="0">
+                <a:latin typeface="나눔스퀘어 Bold" panose="020B0600000101010101" pitchFamily="50" charset="-127"/>
+                <a:ea typeface="나눔스퀘어 Bold" panose="020B0600000101010101" pitchFamily="50" charset="-127"/>
+              </a:rPr>
+              <a:t>O(1 + 1 + 1 + 1 + 1 + 1)</a:t>
+            </a:r>
+            <a:endParaRPr lang="ko-KR" altLang="en-US" dirty="0">
+              <a:latin typeface="나눔스퀘어 Bold" panose="020B0600000101010101" pitchFamily="50" charset="-127"/>
+              <a:ea typeface="나눔스퀘어 Bold" panose="020B0600000101010101" pitchFamily="50" charset="-127"/>
+            </a:endParaRPr>
+          </a:p>
+        </p:txBody>
+      </p:sp>
+      <p:sp>
+        <p:nvSpPr>
+          <p:cNvPr id="26" name="TextBox 25">
+            <a:extLst>
+              <a:ext uri="{FF2B5EF4-FFF2-40B4-BE49-F238E27FC236}">
+                <a16:creationId xmlns:a16="http://schemas.microsoft.com/office/drawing/2014/main" id="{0B3C0D83-63F9-45B8-E348-F93E576F742B}"/>
+              </a:ext>
+            </a:extLst>
+          </p:cNvPr>
+          <p:cNvSpPr txBox="1"/>
+          <p:nvPr/>
+        </p:nvSpPr>
+        <p:spPr>
+          <a:xfrm>
+            <a:off x="9478353" y="4413458"/>
+            <a:ext cx="826477" cy="646331"/>
+          </a:xfrm>
+          <a:prstGeom prst="rect">
+            <a:avLst/>
+          </a:prstGeom>
+          <a:noFill/>
+        </p:spPr>
+        <p:txBody>
+          <a:bodyPr wrap="square" rtlCol="0">
+            <a:spAutoFit/>
+          </a:bodyPr>
+          <a:lstStyle/>
+          <a:p>
+            <a:r>
+              <a:rPr lang="en-US" altLang="ko-KR" dirty="0">
+                <a:latin typeface="나눔스퀘어 Bold" panose="020B0600000101010101" pitchFamily="50" charset="-127"/>
+                <a:ea typeface="나눔스퀘어 Bold" panose="020B0600000101010101" pitchFamily="50" charset="-127"/>
+              </a:rPr>
+              <a:t>= O(</a:t>
+            </a:r>
+            <a:r>
+              <a:rPr lang="en-US" altLang="ko-KR" dirty="0">
+                <a:solidFill>
+                  <a:srgbClr val="FF0000"/>
+                </a:solidFill>
+                <a:latin typeface="나눔스퀘어 Bold" panose="020B0600000101010101" pitchFamily="50" charset="-127"/>
+                <a:ea typeface="나눔스퀘어 Bold" panose="020B0600000101010101" pitchFamily="50" charset="-127"/>
+              </a:rPr>
+              <a:t>6</a:t>
+            </a:r>
+            <a:r>
+              <a:rPr lang="en-US" altLang="ko-KR" dirty="0">
+                <a:latin typeface="나눔스퀘어 Bold" panose="020B0600000101010101" pitchFamily="50" charset="-127"/>
+                <a:ea typeface="나눔스퀘어 Bold" panose="020B0600000101010101" pitchFamily="50" charset="-127"/>
+              </a:rPr>
+              <a:t>) = O(</a:t>
+            </a:r>
+            <a:r>
+              <a:rPr lang="en-US" altLang="ko-KR" dirty="0">
+                <a:solidFill>
+                  <a:srgbClr val="FF0000"/>
+                </a:solidFill>
+                <a:latin typeface="나눔스퀘어 Bold" panose="020B0600000101010101" pitchFamily="50" charset="-127"/>
+                <a:ea typeface="나눔스퀘어 Bold" panose="020B0600000101010101" pitchFamily="50" charset="-127"/>
+              </a:rPr>
+              <a:t>1</a:t>
+            </a:r>
+            <a:r>
+              <a:rPr lang="en-US" altLang="ko-KR" dirty="0">
+                <a:latin typeface="나눔스퀘어 Bold" panose="020B0600000101010101" pitchFamily="50" charset="-127"/>
+                <a:ea typeface="나눔스퀘어 Bold" panose="020B0600000101010101" pitchFamily="50" charset="-127"/>
+              </a:rPr>
+              <a:t>)</a:t>
+            </a:r>
+            <a:endParaRPr lang="ko-KR" altLang="en-US" dirty="0">
+              <a:latin typeface="나눔스퀘어 Bold" panose="020B0600000101010101" pitchFamily="50" charset="-127"/>
+              <a:ea typeface="나눔스퀘어 Bold" panose="020B0600000101010101" pitchFamily="50" charset="-127"/>
+            </a:endParaRPr>
+          </a:p>
+        </p:txBody>
+      </p:sp>
+    </p:spTree>
+    <p:extLst>
+      <p:ext uri="{BB962C8B-B14F-4D97-AF65-F5344CB8AC3E}">
+        <p14:creationId xmlns:p14="http://schemas.microsoft.com/office/powerpoint/2010/main" val="1692060822"/>
+      </p:ext>
+    </p:extLst>
+  </p:cSld>
+  <p:clrMapOvr>
+    <a:masterClrMapping/>
+  </p:clrMapOvr>
+</p:sld>
+</file>
+
+<file path=ppt/slides/slide13.xml><?xml version="1.0" encoding="utf-8"?>
+<p:sld xmlns:a="http://schemas.openxmlformats.org/drawingml/2006/main" xmlns:r="http://schemas.openxmlformats.org/officeDocument/2006/relationships" xmlns:p="http://schemas.openxmlformats.org/presentationml/2006/main">
+  <p:cSld>
+    <p:spTree>
+      <p:nvGrpSpPr>
+        <p:cNvPr id="1" name=""/>
+        <p:cNvGrpSpPr/>
+        <p:nvPr/>
+      </p:nvGrpSpPr>
+      <p:grpSpPr>
+        <a:xfrm>
+          <a:off x="0" y="0"/>
+          <a:ext cx="0" cy="0"/>
+          <a:chOff x="0" y="0"/>
+          <a:chExt cx="0" cy="0"/>
+        </a:xfrm>
+      </p:grpSpPr>
+      <p:cxnSp>
+        <p:nvCxnSpPr>
+          <p:cNvPr id="5" name="직선 연결선 4">
+            <a:extLst>
+              <a:ext uri="{FF2B5EF4-FFF2-40B4-BE49-F238E27FC236}">
+                <a16:creationId xmlns:a16="http://schemas.microsoft.com/office/drawing/2014/main" id="{164C2827-EFCE-69A4-D037-1A218415F568}"/>
+              </a:ext>
+            </a:extLst>
+          </p:cNvPr>
+          <p:cNvCxnSpPr/>
+          <p:nvPr/>
+        </p:nvCxnSpPr>
+        <p:spPr>
+          <a:xfrm>
+            <a:off x="0" y="887505"/>
+            <a:ext cx="10237694" cy="0"/>
+          </a:xfrm>
+          <a:prstGeom prst="line">
+            <a:avLst/>
+          </a:prstGeom>
+          <a:ln w="76200">
+            <a:solidFill>
+              <a:schemeClr val="tx1">
+                <a:lumMod val="75000"/>
+                <a:lumOff val="25000"/>
+              </a:schemeClr>
+            </a:solidFill>
+          </a:ln>
+        </p:spPr>
+        <p:style>
+          <a:lnRef idx="1">
+            <a:schemeClr val="accent1"/>
+          </a:lnRef>
+          <a:fillRef idx="0">
+            <a:schemeClr val="accent1"/>
+          </a:fillRef>
+          <a:effectRef idx="0">
+            <a:schemeClr val="accent1"/>
+          </a:effectRef>
+          <a:fontRef idx="minor">
+            <a:schemeClr val="tx1"/>
+          </a:fontRef>
+        </p:style>
+      </p:cxnSp>
+      <p:sp>
+        <p:nvSpPr>
+          <p:cNvPr id="6" name="TextBox 5">
+            <a:extLst>
+              <a:ext uri="{FF2B5EF4-FFF2-40B4-BE49-F238E27FC236}">
+                <a16:creationId xmlns:a16="http://schemas.microsoft.com/office/drawing/2014/main" id="{908ED9B9-09D3-CFA8-625A-6F9BB9B6BD23}"/>
+              </a:ext>
+            </a:extLst>
+          </p:cNvPr>
+          <p:cNvSpPr txBox="1"/>
+          <p:nvPr/>
+        </p:nvSpPr>
+        <p:spPr>
+          <a:xfrm>
+            <a:off x="331694" y="177505"/>
+            <a:ext cx="930063" cy="523220"/>
+          </a:xfrm>
+          <a:prstGeom prst="rect">
+            <a:avLst/>
+          </a:prstGeom>
+          <a:noFill/>
+        </p:spPr>
+        <p:txBody>
+          <a:bodyPr wrap="none" rtlCol="0">
+            <a:spAutoFit/>
+          </a:bodyPr>
+          <a:lstStyle/>
+          <a:p>
+            <a:r>
+              <a:rPr lang="en-US" altLang="ko-KR" sz="2800" dirty="0">
+                <a:latin typeface="나눔스퀘어 Bold" panose="020B0600000101010101" pitchFamily="50" charset="-127"/>
+                <a:ea typeface="나눔스퀘어 Bold" panose="020B0600000101010101" pitchFamily="50" charset="-127"/>
+              </a:rPr>
+              <a:t>O(N)</a:t>
+            </a:r>
+            <a:endParaRPr lang="ko-KR" altLang="en-US" sz="2800" dirty="0">
+              <a:latin typeface="나눔스퀘어 Bold" panose="020B0600000101010101" pitchFamily="50" charset="-127"/>
+              <a:ea typeface="나눔스퀘어 Bold" panose="020B0600000101010101" pitchFamily="50" charset="-127"/>
+            </a:endParaRPr>
+          </a:p>
+        </p:txBody>
+      </p:sp>
+      <p:sp>
+        <p:nvSpPr>
+          <p:cNvPr id="12" name="TextBox 11">
+            <a:extLst>
+              <a:ext uri="{FF2B5EF4-FFF2-40B4-BE49-F238E27FC236}">
+                <a16:creationId xmlns:a16="http://schemas.microsoft.com/office/drawing/2014/main" id="{E1E8D503-F9D6-33F6-3A27-1B47A0CF274B}"/>
+              </a:ext>
+            </a:extLst>
+          </p:cNvPr>
+          <p:cNvSpPr txBox="1"/>
+          <p:nvPr/>
+        </p:nvSpPr>
+        <p:spPr>
+          <a:xfrm>
+            <a:off x="942387" y="1249753"/>
+            <a:ext cx="6623825" cy="369332"/>
+          </a:xfrm>
+          <a:prstGeom prst="rect">
+            <a:avLst/>
+          </a:prstGeom>
+          <a:noFill/>
+        </p:spPr>
+        <p:txBody>
+          <a:bodyPr wrap="square" rtlCol="0">
+            <a:spAutoFit/>
+          </a:bodyPr>
+          <a:lstStyle/>
+          <a:p>
+            <a:r>
+              <a:rPr lang="en-US" altLang="ko-KR" dirty="0">
+                <a:latin typeface="나눔스퀘어 Bold" panose="020B0600000101010101" pitchFamily="50" charset="-127"/>
+                <a:ea typeface="나눔스퀘어 Bold" panose="020B0600000101010101" pitchFamily="50" charset="-127"/>
+              </a:rPr>
+              <a:t>O(N) : </a:t>
+            </a:r>
+            <a:r>
+              <a:rPr lang="ko-KR" altLang="en-US" dirty="0">
+                <a:latin typeface="나눔스퀘어 Bold" panose="020B0600000101010101" pitchFamily="50" charset="-127"/>
+                <a:ea typeface="나눔스퀘어 Bold" panose="020B0600000101010101" pitchFamily="50" charset="-127"/>
+              </a:rPr>
+              <a:t>선형 시간</a:t>
+            </a:r>
+          </a:p>
+        </p:txBody>
+      </p:sp>
+      <p:sp>
+        <p:nvSpPr>
+          <p:cNvPr id="13" name="TextBox 12">
+            <a:extLst>
+              <a:ext uri="{FF2B5EF4-FFF2-40B4-BE49-F238E27FC236}">
+                <a16:creationId xmlns:a16="http://schemas.microsoft.com/office/drawing/2014/main" id="{2800A05B-9B54-C1F1-968A-6C69655D6258}"/>
+              </a:ext>
+            </a:extLst>
+          </p:cNvPr>
+          <p:cNvSpPr txBox="1"/>
+          <p:nvPr/>
+        </p:nvSpPr>
+        <p:spPr>
+          <a:xfrm>
+            <a:off x="942387" y="2105581"/>
+            <a:ext cx="6623825" cy="369332"/>
+          </a:xfrm>
+          <a:prstGeom prst="rect">
+            <a:avLst/>
+          </a:prstGeom>
+          <a:noFill/>
+        </p:spPr>
+        <p:txBody>
+          <a:bodyPr wrap="square" rtlCol="0">
+            <a:spAutoFit/>
+          </a:bodyPr>
+          <a:lstStyle/>
+          <a:p>
+            <a:r>
+              <a:rPr lang="en-US" altLang="ko-KR" dirty="0">
+                <a:latin typeface="나눔스퀘어 Light" panose="020B0600000101010101" pitchFamily="50" charset="-127"/>
+                <a:ea typeface="나눔스퀘어 Light" panose="020B0600000101010101" pitchFamily="50" charset="-127"/>
+              </a:rPr>
+              <a:t>N</a:t>
+            </a:r>
+            <a:r>
+              <a:rPr lang="ko-KR" altLang="en-US" dirty="0">
+                <a:latin typeface="나눔스퀘어 Light" panose="020B0600000101010101" pitchFamily="50" charset="-127"/>
+                <a:ea typeface="나눔스퀘어 Light" panose="020B0600000101010101" pitchFamily="50" charset="-127"/>
+              </a:rPr>
+              <a:t>의 크기가 증가함에 따라 수행 시간 또한 같은 비율로 증가</a:t>
+            </a:r>
+          </a:p>
+        </p:txBody>
+      </p:sp>
+      <p:sp>
+        <p:nvSpPr>
+          <p:cNvPr id="10" name="TextBox 9">
+            <a:extLst>
+              <a:ext uri="{FF2B5EF4-FFF2-40B4-BE49-F238E27FC236}">
+                <a16:creationId xmlns:a16="http://schemas.microsoft.com/office/drawing/2014/main" id="{1DDEED14-831C-5DF9-88DD-5A033CBD7A51}"/>
+              </a:ext>
+            </a:extLst>
+          </p:cNvPr>
+          <p:cNvSpPr txBox="1"/>
+          <p:nvPr/>
+        </p:nvSpPr>
+        <p:spPr>
+          <a:xfrm>
+            <a:off x="942387" y="3057268"/>
+            <a:ext cx="6623825" cy="369332"/>
+          </a:xfrm>
+          <a:prstGeom prst="rect">
+            <a:avLst/>
+          </a:prstGeom>
+          <a:noFill/>
+        </p:spPr>
+        <p:txBody>
+          <a:bodyPr wrap="square" rtlCol="0">
+            <a:spAutoFit/>
+          </a:bodyPr>
+          <a:lstStyle/>
+          <a:p>
+            <a:r>
+              <a:rPr lang="ko-KR" altLang="en-US" dirty="0">
+                <a:latin typeface="나눔스퀘어 Light" panose="020B0600000101010101" pitchFamily="50" charset="-127"/>
+                <a:ea typeface="나눔스퀘어 Light" panose="020B0600000101010101" pitchFamily="50" charset="-127"/>
+              </a:rPr>
+              <a:t>아래 코드들은 </a:t>
+            </a:r>
+            <a:r>
+              <a:rPr lang="en-US" altLang="ko-KR" dirty="0">
+                <a:latin typeface="나눔스퀘어 Light" panose="020B0600000101010101" pitchFamily="50" charset="-127"/>
+                <a:ea typeface="나눔스퀘어 Light" panose="020B0600000101010101" pitchFamily="50" charset="-127"/>
+              </a:rPr>
+              <a:t>N</a:t>
+            </a:r>
+            <a:r>
+              <a:rPr lang="ko-KR" altLang="en-US" dirty="0">
+                <a:latin typeface="나눔스퀘어 Light" panose="020B0600000101010101" pitchFamily="50" charset="-127"/>
+                <a:ea typeface="나눔스퀘어 Light" panose="020B0600000101010101" pitchFamily="50" charset="-127"/>
+              </a:rPr>
+              <a:t>이 커짐에 따라 연산 횟수가 증가할까요</a:t>
+            </a:r>
+            <a:r>
+              <a:rPr lang="en-US" altLang="ko-KR" dirty="0">
+                <a:latin typeface="나눔스퀘어 Light" panose="020B0600000101010101" pitchFamily="50" charset="-127"/>
+                <a:ea typeface="나눔스퀘어 Light" panose="020B0600000101010101" pitchFamily="50" charset="-127"/>
+              </a:rPr>
+              <a:t>?</a:t>
+            </a:r>
+            <a:endParaRPr lang="ko-KR" altLang="en-US" dirty="0">
+              <a:latin typeface="나눔스퀘어 Light" panose="020B0600000101010101" pitchFamily="50" charset="-127"/>
+              <a:ea typeface="나눔스퀘어 Light" panose="020B0600000101010101" pitchFamily="50" charset="-127"/>
+            </a:endParaRPr>
+          </a:p>
+        </p:txBody>
+      </p:sp>
+      <p:sp>
+        <p:nvSpPr>
+          <p:cNvPr id="11" name="TextBox 10">
+            <a:extLst>
+              <a:ext uri="{FF2B5EF4-FFF2-40B4-BE49-F238E27FC236}">
+                <a16:creationId xmlns:a16="http://schemas.microsoft.com/office/drawing/2014/main" id="{34C9EF0A-22E5-33DA-806D-324C11F10EEF}"/>
+              </a:ext>
+            </a:extLst>
+          </p:cNvPr>
+          <p:cNvSpPr txBox="1"/>
+          <p:nvPr/>
+        </p:nvSpPr>
+        <p:spPr>
+          <a:xfrm>
+            <a:off x="942387" y="2433812"/>
+            <a:ext cx="6623825" cy="369332"/>
+          </a:xfrm>
+          <a:prstGeom prst="rect">
+            <a:avLst/>
+          </a:prstGeom>
+          <a:noFill/>
+        </p:spPr>
+        <p:txBody>
+          <a:bodyPr wrap="square" rtlCol="0">
+            <a:spAutoFit/>
+          </a:bodyPr>
+          <a:lstStyle/>
+          <a:p>
+            <a:r>
+              <a:rPr lang="ko-KR" altLang="en-US" dirty="0">
+                <a:latin typeface="나눔스퀘어 Light" panose="020B0600000101010101" pitchFamily="50" charset="-127"/>
+                <a:ea typeface="나눔스퀘어 Light" panose="020B0600000101010101" pitchFamily="50" charset="-127"/>
+              </a:rPr>
+              <a:t>대표적으로</a:t>
+            </a:r>
+            <a:r>
+              <a:rPr lang="en-US" altLang="ko-KR" dirty="0">
+                <a:latin typeface="나눔스퀘어 Light" panose="020B0600000101010101" pitchFamily="50" charset="-127"/>
+                <a:ea typeface="나눔스퀘어 Light" panose="020B0600000101010101" pitchFamily="50" charset="-127"/>
+              </a:rPr>
+              <a:t>, 1</a:t>
+            </a:r>
+            <a:r>
+              <a:rPr lang="ko-KR" altLang="en-US" dirty="0">
+                <a:latin typeface="나눔스퀘어 Light" panose="020B0600000101010101" pitchFamily="50" charset="-127"/>
+                <a:ea typeface="나눔스퀘어 Light" panose="020B0600000101010101" pitchFamily="50" charset="-127"/>
+              </a:rPr>
+              <a:t>중 </a:t>
+            </a:r>
+            <a:r>
+              <a:rPr lang="en-US" altLang="ko-KR" dirty="0">
+                <a:latin typeface="나눔스퀘어 Light" panose="020B0600000101010101" pitchFamily="50" charset="-127"/>
+                <a:ea typeface="나눔스퀘어 Light" panose="020B0600000101010101" pitchFamily="50" charset="-127"/>
+              </a:rPr>
+              <a:t>for</a:t>
+            </a:r>
+            <a:r>
+              <a:rPr lang="ko-KR" altLang="en-US" dirty="0">
+                <a:latin typeface="나눔스퀘어 Light" panose="020B0600000101010101" pitchFamily="50" charset="-127"/>
+                <a:ea typeface="나눔스퀘어 Light" panose="020B0600000101010101" pitchFamily="50" charset="-127"/>
+              </a:rPr>
+              <a:t>문</a:t>
+            </a:r>
+          </a:p>
+        </p:txBody>
+      </p:sp>
+      <p:pic>
+        <p:nvPicPr>
+          <p:cNvPr id="4" name="그림 3">
+            <a:extLst>
+              <a:ext uri="{FF2B5EF4-FFF2-40B4-BE49-F238E27FC236}">
+                <a16:creationId xmlns:a16="http://schemas.microsoft.com/office/drawing/2014/main" id="{C7367369-A0CB-61E1-6469-F54234280A52}"/>
+              </a:ext>
+            </a:extLst>
+          </p:cNvPr>
+          <p:cNvPicPr>
+            <a:picLocks noChangeAspect="1"/>
+          </p:cNvPicPr>
+          <p:nvPr/>
+        </p:nvPicPr>
+        <p:blipFill>
+          <a:blip r:embed="rId2"/>
+          <a:stretch>
+            <a:fillRect/>
+          </a:stretch>
+        </p:blipFill>
+        <p:spPr>
+          <a:xfrm>
+            <a:off x="1081664" y="4633694"/>
+            <a:ext cx="2794724" cy="713547"/>
+          </a:xfrm>
+          <a:prstGeom prst="rect">
+            <a:avLst/>
+          </a:prstGeom>
+        </p:spPr>
+      </p:pic>
+      <p:pic>
+        <p:nvPicPr>
+          <p:cNvPr id="14" name="그림 13">
+            <a:extLst>
+              <a:ext uri="{FF2B5EF4-FFF2-40B4-BE49-F238E27FC236}">
+                <a16:creationId xmlns:a16="http://schemas.microsoft.com/office/drawing/2014/main" id="{E373EAC4-C52A-BB86-7448-1E0C6A4BEF9D}"/>
+              </a:ext>
+            </a:extLst>
+          </p:cNvPr>
+          <p:cNvPicPr>
+            <a:picLocks noChangeAspect="1"/>
+          </p:cNvPicPr>
+          <p:nvPr/>
+        </p:nvPicPr>
+        <p:blipFill>
+          <a:blip r:embed="rId3"/>
+          <a:stretch>
+            <a:fillRect/>
+          </a:stretch>
+        </p:blipFill>
+        <p:spPr>
+          <a:xfrm>
+            <a:off x="4682393" y="4637320"/>
+            <a:ext cx="2827213" cy="709917"/>
+          </a:xfrm>
+          <a:prstGeom prst="rect">
+            <a:avLst/>
+          </a:prstGeom>
+        </p:spPr>
+      </p:pic>
+      <p:pic>
+        <p:nvPicPr>
+          <p:cNvPr id="16" name="그림 15">
+            <a:extLst>
+              <a:ext uri="{FF2B5EF4-FFF2-40B4-BE49-F238E27FC236}">
+                <a16:creationId xmlns:a16="http://schemas.microsoft.com/office/drawing/2014/main" id="{F901F22F-61B1-9CD6-8CE3-6C70173D5171}"/>
+              </a:ext>
+            </a:extLst>
+          </p:cNvPr>
+          <p:cNvPicPr>
+            <a:picLocks noChangeAspect="1"/>
+          </p:cNvPicPr>
+          <p:nvPr/>
+        </p:nvPicPr>
+        <p:blipFill>
+          <a:blip r:embed="rId4"/>
+          <a:stretch>
+            <a:fillRect/>
+          </a:stretch>
+        </p:blipFill>
+        <p:spPr>
+          <a:xfrm>
+            <a:off x="8315611" y="4633690"/>
+            <a:ext cx="3096269" cy="713543"/>
+          </a:xfrm>
+          <a:prstGeom prst="rect">
+            <a:avLst/>
+          </a:prstGeom>
+        </p:spPr>
+      </p:pic>
+    </p:spTree>
+    <p:extLst>
+      <p:ext uri="{BB962C8B-B14F-4D97-AF65-F5344CB8AC3E}">
+        <p14:creationId xmlns:p14="http://schemas.microsoft.com/office/powerpoint/2010/main" val="2392878168"/>
+      </p:ext>
+    </p:extLst>
+  </p:cSld>
+  <p:clrMapOvr>
+    <a:masterClrMapping/>
+  </p:clrMapOvr>
+</p:sld>
+</file>
+
+<file path=ppt/slides/slide14.xml><?xml version="1.0" encoding="utf-8"?>
+<p:sld xmlns:a="http://schemas.openxmlformats.org/drawingml/2006/main" xmlns:r="http://schemas.openxmlformats.org/officeDocument/2006/relationships" xmlns:p="http://schemas.openxmlformats.org/presentationml/2006/main">
+  <p:cSld>
+    <p:spTree>
+      <p:nvGrpSpPr>
+        <p:cNvPr id="1" name=""/>
+        <p:cNvGrpSpPr/>
+        <p:nvPr/>
+      </p:nvGrpSpPr>
+      <p:grpSpPr>
+        <a:xfrm>
+          <a:off x="0" y="0"/>
+          <a:ext cx="0" cy="0"/>
+          <a:chOff x="0" y="0"/>
+          <a:chExt cx="0" cy="0"/>
+        </a:xfrm>
+      </p:grpSpPr>
+      <p:cxnSp>
+        <p:nvCxnSpPr>
+          <p:cNvPr id="5" name="직선 연결선 4">
+            <a:extLst>
+              <a:ext uri="{FF2B5EF4-FFF2-40B4-BE49-F238E27FC236}">
+                <a16:creationId xmlns:a16="http://schemas.microsoft.com/office/drawing/2014/main" id="{164C2827-EFCE-69A4-D037-1A218415F568}"/>
+              </a:ext>
+            </a:extLst>
+          </p:cNvPr>
+          <p:cNvCxnSpPr/>
+          <p:nvPr/>
+        </p:nvCxnSpPr>
+        <p:spPr>
+          <a:xfrm>
+            <a:off x="0" y="887505"/>
+            <a:ext cx="10237694" cy="0"/>
+          </a:xfrm>
+          <a:prstGeom prst="line">
+            <a:avLst/>
+          </a:prstGeom>
+          <a:ln w="76200">
+            <a:solidFill>
+              <a:schemeClr val="tx1">
+                <a:lumMod val="75000"/>
+                <a:lumOff val="25000"/>
+              </a:schemeClr>
+            </a:solidFill>
+          </a:ln>
+        </p:spPr>
+        <p:style>
+          <a:lnRef idx="1">
+            <a:schemeClr val="accent1"/>
+          </a:lnRef>
+          <a:fillRef idx="0">
+            <a:schemeClr val="accent1"/>
+          </a:fillRef>
+          <a:effectRef idx="0">
+            <a:schemeClr val="accent1"/>
+          </a:effectRef>
+          <a:fontRef idx="minor">
+            <a:schemeClr val="tx1"/>
+          </a:fontRef>
+        </p:style>
+      </p:cxnSp>
+      <p:sp>
+        <p:nvSpPr>
+          <p:cNvPr id="6" name="TextBox 5">
+            <a:extLst>
+              <a:ext uri="{FF2B5EF4-FFF2-40B4-BE49-F238E27FC236}">
+                <a16:creationId xmlns:a16="http://schemas.microsoft.com/office/drawing/2014/main" id="{908ED9B9-09D3-CFA8-625A-6F9BB9B6BD23}"/>
+              </a:ext>
+            </a:extLst>
+          </p:cNvPr>
+          <p:cNvSpPr txBox="1"/>
+          <p:nvPr/>
+        </p:nvSpPr>
+        <p:spPr>
+          <a:xfrm>
+            <a:off x="331694" y="177505"/>
+            <a:ext cx="930063" cy="523220"/>
+          </a:xfrm>
+          <a:prstGeom prst="rect">
+            <a:avLst/>
+          </a:prstGeom>
+          <a:noFill/>
+        </p:spPr>
+        <p:txBody>
+          <a:bodyPr wrap="none" rtlCol="0">
+            <a:spAutoFit/>
+          </a:bodyPr>
+          <a:lstStyle/>
+          <a:p>
+            <a:r>
+              <a:rPr lang="en-US" altLang="ko-KR" sz="2800" dirty="0">
+                <a:latin typeface="나눔스퀘어 Bold" panose="020B0600000101010101" pitchFamily="50" charset="-127"/>
+                <a:ea typeface="나눔스퀘어 Bold" panose="020B0600000101010101" pitchFamily="50" charset="-127"/>
+              </a:rPr>
+              <a:t>O(N)</a:t>
+            </a:r>
+            <a:endParaRPr lang="ko-KR" altLang="en-US" sz="2800" dirty="0">
+              <a:latin typeface="나눔스퀘어 Bold" panose="020B0600000101010101" pitchFamily="50" charset="-127"/>
+              <a:ea typeface="나눔스퀘어 Bold" panose="020B0600000101010101" pitchFamily="50" charset="-127"/>
+            </a:endParaRPr>
+          </a:p>
+        </p:txBody>
+      </p:sp>
+      <p:pic>
+        <p:nvPicPr>
+          <p:cNvPr id="8" name="그림 7">
+            <a:extLst>
+              <a:ext uri="{FF2B5EF4-FFF2-40B4-BE49-F238E27FC236}">
+                <a16:creationId xmlns:a16="http://schemas.microsoft.com/office/drawing/2014/main" id="{CD4D2C4D-23CE-FD2C-1228-9D3F95B8B2A6}"/>
+              </a:ext>
+            </a:extLst>
+          </p:cNvPr>
+          <p:cNvPicPr>
+            <a:picLocks noChangeAspect="1"/>
+          </p:cNvPicPr>
+          <p:nvPr/>
+        </p:nvPicPr>
+        <p:blipFill>
+          <a:blip r:embed="rId2"/>
+          <a:stretch>
+            <a:fillRect/>
+          </a:stretch>
+        </p:blipFill>
+        <p:spPr>
+          <a:xfrm>
+            <a:off x="919357" y="2320258"/>
+            <a:ext cx="5323162" cy="2744111"/>
+          </a:xfrm>
+          <a:prstGeom prst="rect">
+            <a:avLst/>
+          </a:prstGeom>
+        </p:spPr>
+      </p:pic>
+      <p:cxnSp>
+        <p:nvCxnSpPr>
+          <p:cNvPr id="15" name="직선 연결선 14">
+            <a:extLst>
+              <a:ext uri="{FF2B5EF4-FFF2-40B4-BE49-F238E27FC236}">
+                <a16:creationId xmlns:a16="http://schemas.microsoft.com/office/drawing/2014/main" id="{76164706-4642-3AF8-EE31-B820D87EC096}"/>
+              </a:ext>
+            </a:extLst>
+          </p:cNvPr>
+          <p:cNvCxnSpPr/>
+          <p:nvPr/>
+        </p:nvCxnSpPr>
+        <p:spPr>
+          <a:xfrm>
+            <a:off x="6427177" y="2504924"/>
+            <a:ext cx="1424354" cy="0"/>
+          </a:xfrm>
+          <a:prstGeom prst="line">
+            <a:avLst/>
+          </a:prstGeom>
+          <a:ln w="28575"/>
+        </p:spPr>
+        <p:style>
+          <a:lnRef idx="1">
+            <a:schemeClr val="accent1"/>
+          </a:lnRef>
+          <a:fillRef idx="0">
+            <a:schemeClr val="accent1"/>
+          </a:fillRef>
+          <a:effectRef idx="0">
+            <a:schemeClr val="accent1"/>
+          </a:effectRef>
+          <a:fontRef idx="minor">
+            <a:schemeClr val="tx1"/>
+          </a:fontRef>
+        </p:style>
+      </p:cxnSp>
+      <p:sp>
+        <p:nvSpPr>
+          <p:cNvPr id="17" name="TextBox 16">
+            <a:extLst>
+              <a:ext uri="{FF2B5EF4-FFF2-40B4-BE49-F238E27FC236}">
+                <a16:creationId xmlns:a16="http://schemas.microsoft.com/office/drawing/2014/main" id="{0E1D12D4-8CFF-4DB3-44F4-73DC25B3A860}"/>
+              </a:ext>
+            </a:extLst>
+          </p:cNvPr>
+          <p:cNvSpPr txBox="1"/>
+          <p:nvPr/>
+        </p:nvSpPr>
+        <p:spPr>
+          <a:xfrm>
+            <a:off x="8049503" y="2320258"/>
+            <a:ext cx="628505" cy="369332"/>
+          </a:xfrm>
+          <a:prstGeom prst="rect">
+            <a:avLst/>
+          </a:prstGeom>
+          <a:noFill/>
+        </p:spPr>
+        <p:txBody>
+          <a:bodyPr wrap="square" rtlCol="0">
+            <a:spAutoFit/>
+          </a:bodyPr>
+          <a:lstStyle/>
+          <a:p>
+            <a:r>
+              <a:rPr lang="en-US" altLang="ko-KR" dirty="0">
+                <a:latin typeface="나눔스퀘어 Bold" panose="020B0600000101010101" pitchFamily="50" charset="-127"/>
+                <a:ea typeface="나눔스퀘어 Bold" panose="020B0600000101010101" pitchFamily="50" charset="-127"/>
+              </a:rPr>
+              <a:t>O(1)</a:t>
+            </a:r>
+            <a:endParaRPr lang="ko-KR" altLang="en-US" dirty="0">
+              <a:latin typeface="나눔스퀘어 Bold" panose="020B0600000101010101" pitchFamily="50" charset="-127"/>
+              <a:ea typeface="나눔스퀘어 Bold" panose="020B0600000101010101" pitchFamily="50" charset="-127"/>
+            </a:endParaRPr>
+          </a:p>
+        </p:txBody>
+      </p:sp>
+      <p:cxnSp>
+        <p:nvCxnSpPr>
+          <p:cNvPr id="18" name="직선 연결선 17">
+            <a:extLst>
+              <a:ext uri="{FF2B5EF4-FFF2-40B4-BE49-F238E27FC236}">
+                <a16:creationId xmlns:a16="http://schemas.microsoft.com/office/drawing/2014/main" id="{968413F9-FBEA-8720-D452-710CC6436E5D}"/>
+              </a:ext>
+            </a:extLst>
+          </p:cNvPr>
+          <p:cNvCxnSpPr/>
+          <p:nvPr/>
+        </p:nvCxnSpPr>
+        <p:spPr>
+          <a:xfrm>
+            <a:off x="6427177" y="2874256"/>
+            <a:ext cx="1424354" cy="0"/>
+          </a:xfrm>
+          <a:prstGeom prst="line">
+            <a:avLst/>
+          </a:prstGeom>
+          <a:ln w="28575"/>
+        </p:spPr>
+        <p:style>
+          <a:lnRef idx="1">
+            <a:schemeClr val="accent1"/>
+          </a:lnRef>
+          <a:fillRef idx="0">
+            <a:schemeClr val="accent1"/>
+          </a:fillRef>
+          <a:effectRef idx="0">
+            <a:schemeClr val="accent1"/>
+          </a:effectRef>
+          <a:fontRef idx="minor">
+            <a:schemeClr val="tx1"/>
+          </a:fontRef>
+        </p:style>
+      </p:cxnSp>
+      <p:sp>
+        <p:nvSpPr>
+          <p:cNvPr id="19" name="TextBox 18">
+            <a:extLst>
+              <a:ext uri="{FF2B5EF4-FFF2-40B4-BE49-F238E27FC236}">
+                <a16:creationId xmlns:a16="http://schemas.microsoft.com/office/drawing/2014/main" id="{E10A212A-0939-BF3D-0AA9-9FD8818F28A6}"/>
+              </a:ext>
+            </a:extLst>
+          </p:cNvPr>
+          <p:cNvSpPr txBox="1"/>
+          <p:nvPr/>
+        </p:nvSpPr>
+        <p:spPr>
+          <a:xfrm>
+            <a:off x="8049503" y="2689590"/>
+            <a:ext cx="628505" cy="369332"/>
+          </a:xfrm>
+          <a:prstGeom prst="rect">
+            <a:avLst/>
+          </a:prstGeom>
+          <a:noFill/>
+        </p:spPr>
+        <p:txBody>
+          <a:bodyPr wrap="square" rtlCol="0">
+            <a:spAutoFit/>
+          </a:bodyPr>
+          <a:lstStyle/>
+          <a:p>
+            <a:r>
+              <a:rPr lang="en-US" altLang="ko-KR" dirty="0">
+                <a:latin typeface="나눔스퀘어 Bold" panose="020B0600000101010101" pitchFamily="50" charset="-127"/>
+                <a:ea typeface="나눔스퀘어 Bold" panose="020B0600000101010101" pitchFamily="50" charset="-127"/>
+              </a:rPr>
+              <a:t>O(1)</a:t>
+            </a:r>
+            <a:endParaRPr lang="ko-KR" altLang="en-US" dirty="0">
+              <a:latin typeface="나눔스퀘어 Bold" panose="020B0600000101010101" pitchFamily="50" charset="-127"/>
+              <a:ea typeface="나눔스퀘어 Bold" panose="020B0600000101010101" pitchFamily="50" charset="-127"/>
+            </a:endParaRPr>
+          </a:p>
+        </p:txBody>
+      </p:sp>
+      <p:cxnSp>
+        <p:nvCxnSpPr>
+          <p:cNvPr id="20" name="직선 연결선 19">
+            <a:extLst>
+              <a:ext uri="{FF2B5EF4-FFF2-40B4-BE49-F238E27FC236}">
+                <a16:creationId xmlns:a16="http://schemas.microsoft.com/office/drawing/2014/main" id="{26917B61-F088-6C85-413B-FC9AC8B7A9FC}"/>
+              </a:ext>
+            </a:extLst>
+          </p:cNvPr>
+          <p:cNvCxnSpPr/>
+          <p:nvPr/>
+        </p:nvCxnSpPr>
+        <p:spPr>
+          <a:xfrm>
+            <a:off x="6427177" y="3243588"/>
+            <a:ext cx="1424354" cy="0"/>
+          </a:xfrm>
+          <a:prstGeom prst="line">
+            <a:avLst/>
+          </a:prstGeom>
+          <a:ln w="28575"/>
+        </p:spPr>
+        <p:style>
+          <a:lnRef idx="1">
+            <a:schemeClr val="accent1"/>
+          </a:lnRef>
+          <a:fillRef idx="0">
+            <a:schemeClr val="accent1"/>
+          </a:fillRef>
+          <a:effectRef idx="0">
+            <a:schemeClr val="accent1"/>
+          </a:effectRef>
+          <a:fontRef idx="minor">
+            <a:schemeClr val="tx1"/>
+          </a:fontRef>
+        </p:style>
+      </p:cxnSp>
+      <p:sp>
+        <p:nvSpPr>
+          <p:cNvPr id="21" name="TextBox 20">
+            <a:extLst>
+              <a:ext uri="{FF2B5EF4-FFF2-40B4-BE49-F238E27FC236}">
+                <a16:creationId xmlns:a16="http://schemas.microsoft.com/office/drawing/2014/main" id="{30F4D49B-C06B-4255-0386-89000B15B9FB}"/>
+              </a:ext>
+            </a:extLst>
+          </p:cNvPr>
+          <p:cNvSpPr txBox="1"/>
+          <p:nvPr/>
+        </p:nvSpPr>
+        <p:spPr>
+          <a:xfrm>
+            <a:off x="8049503" y="3058922"/>
+            <a:ext cx="628505" cy="369332"/>
+          </a:xfrm>
+          <a:prstGeom prst="rect">
+            <a:avLst/>
+          </a:prstGeom>
+          <a:noFill/>
+        </p:spPr>
+        <p:txBody>
+          <a:bodyPr wrap="square" rtlCol="0">
+            <a:spAutoFit/>
+          </a:bodyPr>
+          <a:lstStyle/>
+          <a:p>
+            <a:r>
+              <a:rPr lang="en-US" altLang="ko-KR" dirty="0">
+                <a:latin typeface="나눔스퀘어 Bold" panose="020B0600000101010101" pitchFamily="50" charset="-127"/>
+                <a:ea typeface="나눔스퀘어 Bold" panose="020B0600000101010101" pitchFamily="50" charset="-127"/>
+              </a:rPr>
+              <a:t>O(N)</a:t>
+            </a:r>
+            <a:endParaRPr lang="ko-KR" altLang="en-US" dirty="0">
+              <a:latin typeface="나눔스퀘어 Bold" panose="020B0600000101010101" pitchFamily="50" charset="-127"/>
+              <a:ea typeface="나눔스퀘어 Bold" panose="020B0600000101010101" pitchFamily="50" charset="-127"/>
+            </a:endParaRPr>
+          </a:p>
+        </p:txBody>
+      </p:sp>
+      <p:cxnSp>
+        <p:nvCxnSpPr>
+          <p:cNvPr id="22" name="직선 연결선 21">
+            <a:extLst>
+              <a:ext uri="{FF2B5EF4-FFF2-40B4-BE49-F238E27FC236}">
+                <a16:creationId xmlns:a16="http://schemas.microsoft.com/office/drawing/2014/main" id="{9DE7EB9A-8438-9657-E5DF-9D8429086A6F}"/>
+              </a:ext>
+            </a:extLst>
+          </p:cNvPr>
+          <p:cNvCxnSpPr/>
+          <p:nvPr/>
+        </p:nvCxnSpPr>
+        <p:spPr>
+          <a:xfrm>
+            <a:off x="6875585" y="3621208"/>
+            <a:ext cx="1424354" cy="0"/>
+          </a:xfrm>
+          <a:prstGeom prst="line">
+            <a:avLst/>
+          </a:prstGeom>
+          <a:ln w="28575"/>
+        </p:spPr>
+        <p:style>
+          <a:lnRef idx="1">
+            <a:schemeClr val="accent1"/>
+          </a:lnRef>
+          <a:fillRef idx="0">
+            <a:schemeClr val="accent1"/>
+          </a:fillRef>
+          <a:effectRef idx="0">
+            <a:schemeClr val="accent1"/>
+          </a:effectRef>
+          <a:fontRef idx="minor">
+            <a:schemeClr val="tx1"/>
+          </a:fontRef>
+        </p:style>
+      </p:cxnSp>
+      <p:sp>
+        <p:nvSpPr>
+          <p:cNvPr id="23" name="TextBox 22">
+            <a:extLst>
+              <a:ext uri="{FF2B5EF4-FFF2-40B4-BE49-F238E27FC236}">
+                <a16:creationId xmlns:a16="http://schemas.microsoft.com/office/drawing/2014/main" id="{03ADB326-47BB-384C-941B-1F9A8DE7B9E8}"/>
+              </a:ext>
+            </a:extLst>
+          </p:cNvPr>
+          <p:cNvSpPr txBox="1"/>
+          <p:nvPr/>
+        </p:nvSpPr>
+        <p:spPr>
+          <a:xfrm>
+            <a:off x="8497911" y="3436542"/>
+            <a:ext cx="628505" cy="369332"/>
+          </a:xfrm>
+          <a:prstGeom prst="rect">
+            <a:avLst/>
+          </a:prstGeom>
+          <a:noFill/>
+        </p:spPr>
+        <p:txBody>
+          <a:bodyPr wrap="square" rtlCol="0">
+            <a:spAutoFit/>
+          </a:bodyPr>
+          <a:lstStyle/>
+          <a:p>
+            <a:r>
+              <a:rPr lang="en-US" altLang="ko-KR" dirty="0">
+                <a:latin typeface="나눔스퀘어 Bold" panose="020B0600000101010101" pitchFamily="50" charset="-127"/>
+                <a:ea typeface="나눔스퀘어 Bold" panose="020B0600000101010101" pitchFamily="50" charset="-127"/>
+              </a:rPr>
+              <a:t>O(1)</a:t>
+            </a:r>
+            <a:endParaRPr lang="ko-KR" altLang="en-US" dirty="0">
+              <a:latin typeface="나눔스퀘어 Bold" panose="020B0600000101010101" pitchFamily="50" charset="-127"/>
+              <a:ea typeface="나눔스퀘어 Bold" panose="020B0600000101010101" pitchFamily="50" charset="-127"/>
+            </a:endParaRPr>
+          </a:p>
+        </p:txBody>
+      </p:sp>
+      <p:cxnSp>
+        <p:nvCxnSpPr>
+          <p:cNvPr id="24" name="직선 연결선 23">
+            <a:extLst>
+              <a:ext uri="{FF2B5EF4-FFF2-40B4-BE49-F238E27FC236}">
+                <a16:creationId xmlns:a16="http://schemas.microsoft.com/office/drawing/2014/main" id="{13A9791F-B7CA-E8BF-7469-CB6B42C9919D}"/>
+              </a:ext>
+            </a:extLst>
+          </p:cNvPr>
+          <p:cNvCxnSpPr/>
+          <p:nvPr/>
+        </p:nvCxnSpPr>
+        <p:spPr>
+          <a:xfrm>
+            <a:off x="7387809" y="3990540"/>
+            <a:ext cx="1424354" cy="0"/>
+          </a:xfrm>
+          <a:prstGeom prst="line">
+            <a:avLst/>
+          </a:prstGeom>
+          <a:ln w="28575"/>
+        </p:spPr>
+        <p:style>
+          <a:lnRef idx="1">
+            <a:schemeClr val="accent1"/>
+          </a:lnRef>
+          <a:fillRef idx="0">
+            <a:schemeClr val="accent1"/>
+          </a:fillRef>
+          <a:effectRef idx="0">
+            <a:schemeClr val="accent1"/>
+          </a:effectRef>
+          <a:fontRef idx="minor">
+            <a:schemeClr val="tx1"/>
+          </a:fontRef>
+        </p:style>
+      </p:cxnSp>
+      <p:sp>
+        <p:nvSpPr>
+          <p:cNvPr id="25" name="TextBox 24">
+            <a:extLst>
+              <a:ext uri="{FF2B5EF4-FFF2-40B4-BE49-F238E27FC236}">
+                <a16:creationId xmlns:a16="http://schemas.microsoft.com/office/drawing/2014/main" id="{5E40A86F-EC54-C9B8-9110-A949FA9D463F}"/>
+              </a:ext>
+            </a:extLst>
+          </p:cNvPr>
+          <p:cNvSpPr txBox="1"/>
+          <p:nvPr/>
+        </p:nvSpPr>
+        <p:spPr>
+          <a:xfrm>
+            <a:off x="9010135" y="3805874"/>
+            <a:ext cx="628505" cy="369332"/>
+          </a:xfrm>
+          <a:prstGeom prst="rect">
+            <a:avLst/>
+          </a:prstGeom>
+          <a:noFill/>
+        </p:spPr>
+        <p:txBody>
+          <a:bodyPr wrap="square" rtlCol="0">
+            <a:spAutoFit/>
+          </a:bodyPr>
+          <a:lstStyle/>
+          <a:p>
+            <a:r>
+              <a:rPr lang="en-US" altLang="ko-KR" dirty="0">
+                <a:latin typeface="나눔스퀘어 Bold" panose="020B0600000101010101" pitchFamily="50" charset="-127"/>
+                <a:ea typeface="나눔스퀘어 Bold" panose="020B0600000101010101" pitchFamily="50" charset="-127"/>
+              </a:rPr>
+              <a:t>O(1)</a:t>
+            </a:r>
+            <a:endParaRPr lang="ko-KR" altLang="en-US" dirty="0">
+              <a:latin typeface="나눔스퀘어 Bold" panose="020B0600000101010101" pitchFamily="50" charset="-127"/>
+              <a:ea typeface="나눔스퀘어 Bold" panose="020B0600000101010101" pitchFamily="50" charset="-127"/>
+            </a:endParaRPr>
+          </a:p>
+        </p:txBody>
+      </p:sp>
+      <p:sp>
+        <p:nvSpPr>
+          <p:cNvPr id="26" name="TextBox 25">
+            <a:extLst>
+              <a:ext uri="{FF2B5EF4-FFF2-40B4-BE49-F238E27FC236}">
+                <a16:creationId xmlns:a16="http://schemas.microsoft.com/office/drawing/2014/main" id="{DC26EB46-52B4-093F-605E-F4C5DB7ED38A}"/>
+              </a:ext>
+            </a:extLst>
+          </p:cNvPr>
+          <p:cNvSpPr txBox="1"/>
+          <p:nvPr/>
+        </p:nvSpPr>
+        <p:spPr>
+          <a:xfrm>
+            <a:off x="7988202" y="5423292"/>
+            <a:ext cx="2672370" cy="369332"/>
+          </a:xfrm>
+          <a:prstGeom prst="rect">
+            <a:avLst/>
+          </a:prstGeom>
+          <a:noFill/>
+        </p:spPr>
+        <p:txBody>
+          <a:bodyPr wrap="square" rtlCol="0">
+            <a:spAutoFit/>
+          </a:bodyPr>
+          <a:lstStyle/>
+          <a:p>
+            <a:r>
+              <a:rPr lang="en-US" altLang="ko-KR" dirty="0">
+                <a:latin typeface="나눔스퀘어 Bold" panose="020B0600000101010101" pitchFamily="50" charset="-127"/>
+                <a:ea typeface="나눔스퀘어 Bold" panose="020B0600000101010101" pitchFamily="50" charset="-127"/>
+              </a:rPr>
+              <a:t>O(1) + O(N) = O(N)</a:t>
+            </a:r>
+            <a:endParaRPr lang="ko-KR" altLang="en-US" dirty="0">
+              <a:latin typeface="나눔스퀘어 Bold" panose="020B0600000101010101" pitchFamily="50" charset="-127"/>
+              <a:ea typeface="나눔스퀘어 Bold" panose="020B0600000101010101" pitchFamily="50" charset="-127"/>
+            </a:endParaRPr>
+          </a:p>
+        </p:txBody>
+      </p:sp>
+    </p:spTree>
+    <p:extLst>
+      <p:ext uri="{BB962C8B-B14F-4D97-AF65-F5344CB8AC3E}">
+        <p14:creationId xmlns:p14="http://schemas.microsoft.com/office/powerpoint/2010/main" val="363144633"/>
+      </p:ext>
+    </p:extLst>
+  </p:cSld>
+  <p:clrMapOvr>
+    <a:masterClrMapping/>
+  </p:clrMapOvr>
+</p:sld>
+</file>
+
+<file path=ppt/slides/slide15.xml><?xml version="1.0" encoding="utf-8"?>
+<p:sld xmlns:a="http://schemas.openxmlformats.org/drawingml/2006/main" xmlns:r="http://schemas.openxmlformats.org/officeDocument/2006/relationships" xmlns:p="http://schemas.openxmlformats.org/presentationml/2006/main">
+  <p:cSld>
+    <p:spTree>
+      <p:nvGrpSpPr>
+        <p:cNvPr id="1" name=""/>
+        <p:cNvGrpSpPr/>
+        <p:nvPr/>
+      </p:nvGrpSpPr>
+      <p:grpSpPr>
+        <a:xfrm>
+          <a:off x="0" y="0"/>
+          <a:ext cx="0" cy="0"/>
+          <a:chOff x="0" y="0"/>
+          <a:chExt cx="0" cy="0"/>
+        </a:xfrm>
+      </p:grpSpPr>
+      <p:cxnSp>
+        <p:nvCxnSpPr>
+          <p:cNvPr id="5" name="직선 연결선 4">
+            <a:extLst>
+              <a:ext uri="{FF2B5EF4-FFF2-40B4-BE49-F238E27FC236}">
+                <a16:creationId xmlns:a16="http://schemas.microsoft.com/office/drawing/2014/main" id="{164C2827-EFCE-69A4-D037-1A218415F568}"/>
+              </a:ext>
+            </a:extLst>
+          </p:cNvPr>
+          <p:cNvCxnSpPr/>
+          <p:nvPr/>
+        </p:nvCxnSpPr>
+        <p:spPr>
+          <a:xfrm>
+            <a:off x="0" y="887505"/>
+            <a:ext cx="10237694" cy="0"/>
+          </a:xfrm>
+          <a:prstGeom prst="line">
+            <a:avLst/>
+          </a:prstGeom>
+          <a:ln w="76200">
+            <a:solidFill>
+              <a:schemeClr val="tx1">
+                <a:lumMod val="75000"/>
+                <a:lumOff val="25000"/>
+              </a:schemeClr>
+            </a:solidFill>
+          </a:ln>
+        </p:spPr>
+        <p:style>
+          <a:lnRef idx="1">
+            <a:schemeClr val="accent1"/>
+          </a:lnRef>
+          <a:fillRef idx="0">
+            <a:schemeClr val="accent1"/>
+          </a:fillRef>
+          <a:effectRef idx="0">
+            <a:schemeClr val="accent1"/>
+          </a:effectRef>
+          <a:fontRef idx="minor">
+            <a:schemeClr val="tx1"/>
+          </a:fontRef>
+        </p:style>
+      </p:cxnSp>
+      <p:sp>
+        <p:nvSpPr>
+          <p:cNvPr id="6" name="TextBox 5">
+            <a:extLst>
+              <a:ext uri="{FF2B5EF4-FFF2-40B4-BE49-F238E27FC236}">
+                <a16:creationId xmlns:a16="http://schemas.microsoft.com/office/drawing/2014/main" id="{908ED9B9-09D3-CFA8-625A-6F9BB9B6BD23}"/>
+              </a:ext>
+            </a:extLst>
+          </p:cNvPr>
+          <p:cNvSpPr txBox="1"/>
+          <p:nvPr/>
+        </p:nvSpPr>
+        <p:spPr>
+          <a:xfrm>
+            <a:off x="331694" y="177505"/>
+            <a:ext cx="1537600" cy="523220"/>
+          </a:xfrm>
+          <a:prstGeom prst="rect">
+            <a:avLst/>
+          </a:prstGeom>
+          <a:noFill/>
+        </p:spPr>
+        <p:txBody>
+          <a:bodyPr wrap="none" rtlCol="0">
+            <a:spAutoFit/>
+          </a:bodyPr>
+          <a:lstStyle/>
+          <a:p>
+            <a:r>
+              <a:rPr lang="en-US" altLang="ko-KR" sz="2800" dirty="0">
+                <a:latin typeface="나눔스퀘어 Bold" panose="020B0600000101010101" pitchFamily="50" charset="-127"/>
+                <a:ea typeface="나눔스퀘어 Bold" panose="020B0600000101010101" pitchFamily="50" charset="-127"/>
+              </a:rPr>
+              <a:t>O(log N)</a:t>
+            </a:r>
+            <a:endParaRPr lang="ko-KR" altLang="en-US" sz="2800" dirty="0">
+              <a:latin typeface="나눔스퀘어 Bold" panose="020B0600000101010101" pitchFamily="50" charset="-127"/>
+              <a:ea typeface="나눔스퀘어 Bold" panose="020B0600000101010101" pitchFamily="50" charset="-127"/>
+            </a:endParaRPr>
+          </a:p>
+        </p:txBody>
+      </p:sp>
+      <p:sp>
+        <p:nvSpPr>
+          <p:cNvPr id="12" name="TextBox 11">
+            <a:extLst>
+              <a:ext uri="{FF2B5EF4-FFF2-40B4-BE49-F238E27FC236}">
+                <a16:creationId xmlns:a16="http://schemas.microsoft.com/office/drawing/2014/main" id="{E1E8D503-F9D6-33F6-3A27-1B47A0CF274B}"/>
+              </a:ext>
+            </a:extLst>
+          </p:cNvPr>
+          <p:cNvSpPr txBox="1"/>
+          <p:nvPr/>
+        </p:nvSpPr>
+        <p:spPr>
+          <a:xfrm>
+            <a:off x="942387" y="1249753"/>
+            <a:ext cx="6623825" cy="369332"/>
+          </a:xfrm>
+          <a:prstGeom prst="rect">
+            <a:avLst/>
+          </a:prstGeom>
+          <a:noFill/>
+        </p:spPr>
+        <p:txBody>
+          <a:bodyPr wrap="square" rtlCol="0">
+            <a:spAutoFit/>
+          </a:bodyPr>
+          <a:lstStyle/>
+          <a:p>
+            <a:r>
+              <a:rPr lang="en-US" altLang="ko-KR" dirty="0">
+                <a:latin typeface="나눔스퀘어 Bold" panose="020B0600000101010101" pitchFamily="50" charset="-127"/>
+                <a:ea typeface="나눔스퀘어 Bold" panose="020B0600000101010101" pitchFamily="50" charset="-127"/>
+              </a:rPr>
+              <a:t>O(log N) : </a:t>
+            </a:r>
+            <a:r>
+              <a:rPr lang="ko-KR" altLang="en-US" dirty="0">
+                <a:latin typeface="나눔스퀘어 Bold" panose="020B0600000101010101" pitchFamily="50" charset="-127"/>
+                <a:ea typeface="나눔스퀘어 Bold" panose="020B0600000101010101" pitchFamily="50" charset="-127"/>
+              </a:rPr>
+              <a:t>로그 시간</a:t>
+            </a:r>
+          </a:p>
+        </p:txBody>
+      </p:sp>
+      <p:sp>
+        <p:nvSpPr>
+          <p:cNvPr id="13" name="TextBox 12">
+            <a:extLst>
+              <a:ext uri="{FF2B5EF4-FFF2-40B4-BE49-F238E27FC236}">
+                <a16:creationId xmlns:a16="http://schemas.microsoft.com/office/drawing/2014/main" id="{2800A05B-9B54-C1F1-968A-6C69655D6258}"/>
+              </a:ext>
+            </a:extLst>
+          </p:cNvPr>
+          <p:cNvSpPr txBox="1"/>
+          <p:nvPr/>
+        </p:nvSpPr>
+        <p:spPr>
+          <a:xfrm>
+            <a:off x="942387" y="2105581"/>
+            <a:ext cx="6623825" cy="369332"/>
+          </a:xfrm>
+          <a:prstGeom prst="rect">
+            <a:avLst/>
+          </a:prstGeom>
+          <a:noFill/>
+        </p:spPr>
+        <p:txBody>
+          <a:bodyPr wrap="square" rtlCol="0">
+            <a:spAutoFit/>
+          </a:bodyPr>
+          <a:lstStyle/>
+          <a:p>
+            <a:r>
+              <a:rPr lang="ko-KR" altLang="en-US" dirty="0">
+                <a:latin typeface="나눔스퀘어 Light" panose="020B0600000101010101" pitchFamily="50" charset="-127"/>
+                <a:ea typeface="나눔스퀘어 Light" panose="020B0600000101010101" pitchFamily="50" charset="-127"/>
+              </a:rPr>
+              <a:t>문제를 해결하는데 필요한 단계들이 연산마다 </a:t>
+            </a:r>
+            <a:r>
+              <a:rPr lang="ko-KR" altLang="en-US" dirty="0" err="1">
+                <a:latin typeface="나눔스퀘어 Light" panose="020B0600000101010101" pitchFamily="50" charset="-127"/>
+                <a:ea typeface="나눔스퀘어 Light" panose="020B0600000101010101" pitchFamily="50" charset="-127"/>
+              </a:rPr>
+              <a:t>줄어듬</a:t>
+            </a:r>
+            <a:endParaRPr lang="ko-KR" altLang="en-US" dirty="0">
+              <a:latin typeface="나눔스퀘어 Light" panose="020B0600000101010101" pitchFamily="50" charset="-127"/>
+              <a:ea typeface="나눔스퀘어 Light" panose="020B0600000101010101" pitchFamily="50" charset="-127"/>
+            </a:endParaRPr>
+          </a:p>
+        </p:txBody>
+      </p:sp>
+      <p:sp>
+        <p:nvSpPr>
+          <p:cNvPr id="10" name="TextBox 9">
+            <a:extLst>
+              <a:ext uri="{FF2B5EF4-FFF2-40B4-BE49-F238E27FC236}">
+                <a16:creationId xmlns:a16="http://schemas.microsoft.com/office/drawing/2014/main" id="{1DDEED14-831C-5DF9-88DD-5A033CBD7A51}"/>
+              </a:ext>
+            </a:extLst>
+          </p:cNvPr>
+          <p:cNvSpPr txBox="1"/>
+          <p:nvPr/>
+        </p:nvSpPr>
+        <p:spPr>
+          <a:xfrm>
+            <a:off x="942387" y="2474913"/>
+            <a:ext cx="6623825" cy="369332"/>
+          </a:xfrm>
+          <a:prstGeom prst="rect">
+            <a:avLst/>
+          </a:prstGeom>
+          <a:noFill/>
+        </p:spPr>
+        <p:txBody>
+          <a:bodyPr wrap="square" rtlCol="0">
+            <a:spAutoFit/>
+          </a:bodyPr>
+          <a:lstStyle/>
+          <a:p>
+            <a:r>
+              <a:rPr lang="en-US" altLang="ko-KR" dirty="0">
+                <a:latin typeface="나눔스퀘어 Light" panose="020B0600000101010101" pitchFamily="50" charset="-127"/>
+                <a:ea typeface="나눔스퀘어 Light" panose="020B0600000101010101" pitchFamily="50" charset="-127"/>
+              </a:rPr>
+              <a:t>ex</a:t>
+            </a:r>
+            <a:r>
+              <a:rPr lang="ko-KR" altLang="en-US" dirty="0">
+                <a:latin typeface="나눔스퀘어 Light" panose="020B0600000101010101" pitchFamily="50" charset="-127"/>
+                <a:ea typeface="나눔스퀘어 Light" panose="020B0600000101010101" pitchFamily="50" charset="-127"/>
+              </a:rPr>
+              <a:t> </a:t>
+            </a:r>
+            <a:r>
+              <a:rPr lang="en-US" altLang="ko-KR" dirty="0">
+                <a:latin typeface="나눔스퀘어 Light" panose="020B0600000101010101" pitchFamily="50" charset="-127"/>
+                <a:ea typeface="나눔스퀘어 Light" panose="020B0600000101010101" pitchFamily="50" charset="-127"/>
+              </a:rPr>
+              <a:t>:</a:t>
+            </a:r>
+            <a:r>
+              <a:rPr lang="ko-KR" altLang="en-US" dirty="0">
+                <a:latin typeface="나눔스퀘어 Light" panose="020B0600000101010101" pitchFamily="50" charset="-127"/>
+                <a:ea typeface="나눔스퀘어 Light" panose="020B0600000101010101" pitchFamily="50" charset="-127"/>
+              </a:rPr>
+              <a:t> </a:t>
+            </a:r>
+            <a:r>
+              <a:rPr lang="en-US" altLang="ko-KR" dirty="0">
+                <a:latin typeface="나눔스퀘어 Light" panose="020B0600000101010101" pitchFamily="50" charset="-127"/>
+                <a:ea typeface="나눔스퀘어 Light" panose="020B0600000101010101" pitchFamily="50" charset="-127"/>
+              </a:rPr>
+              <a:t>Binary Search, AVL Tree, RB Tree</a:t>
+            </a:r>
+            <a:endParaRPr lang="ko-KR" altLang="en-US" dirty="0">
+              <a:latin typeface="나눔스퀘어 Light" panose="020B0600000101010101" pitchFamily="50" charset="-127"/>
+              <a:ea typeface="나눔스퀘어 Light" panose="020B0600000101010101" pitchFamily="50" charset="-127"/>
+            </a:endParaRPr>
+          </a:p>
+        </p:txBody>
+      </p:sp>
+      <p:pic>
+        <p:nvPicPr>
+          <p:cNvPr id="11" name="그림 10">
+            <a:extLst>
+              <a:ext uri="{FF2B5EF4-FFF2-40B4-BE49-F238E27FC236}">
+                <a16:creationId xmlns:a16="http://schemas.microsoft.com/office/drawing/2014/main" id="{11FC034B-5DB5-74F5-5AE9-11300EF9E7E1}"/>
+              </a:ext>
+            </a:extLst>
+          </p:cNvPr>
+          <p:cNvPicPr>
+            <a:picLocks noChangeAspect="1"/>
+          </p:cNvPicPr>
+          <p:nvPr/>
+        </p:nvPicPr>
+        <p:blipFill>
+          <a:blip r:embed="rId2"/>
+          <a:stretch>
+            <a:fillRect/>
+          </a:stretch>
+        </p:blipFill>
+        <p:spPr>
+          <a:xfrm>
+            <a:off x="1100493" y="3327955"/>
+            <a:ext cx="9039577" cy="954087"/>
+          </a:xfrm>
+          <a:prstGeom prst="rect">
+            <a:avLst/>
+          </a:prstGeom>
+        </p:spPr>
+      </p:pic>
+      <p:pic>
+        <p:nvPicPr>
+          <p:cNvPr id="1026" name="Picture 2" descr="Binary Search - Algorithm - TO THE INNOVATION">
+            <a:extLst>
+              <a:ext uri="{FF2B5EF4-FFF2-40B4-BE49-F238E27FC236}">
+                <a16:creationId xmlns:a16="http://schemas.microsoft.com/office/drawing/2014/main" id="{B5309005-B2D3-D47D-2467-3C658813CCA0}"/>
+              </a:ext>
+            </a:extLst>
+          </p:cNvPr>
+          <p:cNvPicPr>
+            <a:picLocks noChangeAspect="1" noChangeArrowheads="1"/>
+          </p:cNvPicPr>
+          <p:nvPr/>
+        </p:nvPicPr>
+        <p:blipFill>
+          <a:blip r:embed="rId3">
+            <a:extLst>
+              <a:ext uri="{28A0092B-C50C-407E-A947-70E740481C1C}">
+                <a14:useLocalDpi xmlns:a14="http://schemas.microsoft.com/office/drawing/2010/main" val="0"/>
+              </a:ext>
+            </a:extLst>
+          </a:blip>
+          <a:srcRect/>
+          <a:stretch>
+            <a:fillRect/>
+          </a:stretch>
+        </p:blipFill>
+        <p:spPr bwMode="auto">
+          <a:xfrm>
+            <a:off x="3705225" y="4693666"/>
+            <a:ext cx="4781550" cy="2028825"/>
+          </a:xfrm>
+          <a:prstGeom prst="rect">
+            <a:avLst/>
+          </a:prstGeom>
+          <a:noFill/>
+          <a:extLst>
+            <a:ext uri="{909E8E84-426E-40DD-AFC4-6F175D3DCCD1}">
+              <a14:hiddenFill xmlns:a14="http://schemas.microsoft.com/office/drawing/2010/main">
+                <a:solidFill>
+                  <a:srgbClr val="FFFFFF"/>
+                </a:solidFill>
+              </a14:hiddenFill>
+            </a:ext>
+          </a:extLst>
+        </p:spPr>
+      </p:pic>
+    </p:spTree>
+    <p:extLst>
+      <p:ext uri="{BB962C8B-B14F-4D97-AF65-F5344CB8AC3E}">
+        <p14:creationId xmlns:p14="http://schemas.microsoft.com/office/powerpoint/2010/main" val="2784922873"/>
+      </p:ext>
+    </p:extLst>
+  </p:cSld>
+  <p:clrMapOvr>
+    <a:masterClrMapping/>
+  </p:clrMapOvr>
+</p:sld>
+</file>
+
+<file path=ppt/slides/slide16.xml><?xml version="1.0" encoding="utf-8"?>
+<p:sld xmlns:a="http://schemas.openxmlformats.org/drawingml/2006/main" xmlns:r="http://schemas.openxmlformats.org/officeDocument/2006/relationships" xmlns:p="http://schemas.openxmlformats.org/presentationml/2006/main">
+  <p:cSld>
+    <p:spTree>
+      <p:nvGrpSpPr>
+        <p:cNvPr id="1" name=""/>
+        <p:cNvGrpSpPr/>
+        <p:nvPr/>
+      </p:nvGrpSpPr>
+      <p:grpSpPr>
+        <a:xfrm>
+          <a:off x="0" y="0"/>
+          <a:ext cx="0" cy="0"/>
+          <a:chOff x="0" y="0"/>
+          <a:chExt cx="0" cy="0"/>
+        </a:xfrm>
+      </p:grpSpPr>
+      <p:cxnSp>
+        <p:nvCxnSpPr>
+          <p:cNvPr id="5" name="직선 연결선 4">
+            <a:extLst>
+              <a:ext uri="{FF2B5EF4-FFF2-40B4-BE49-F238E27FC236}">
+                <a16:creationId xmlns:a16="http://schemas.microsoft.com/office/drawing/2014/main" id="{164C2827-EFCE-69A4-D037-1A218415F568}"/>
+              </a:ext>
+            </a:extLst>
+          </p:cNvPr>
+          <p:cNvCxnSpPr/>
+          <p:nvPr/>
+        </p:nvCxnSpPr>
+        <p:spPr>
+          <a:xfrm>
+            <a:off x="0" y="887505"/>
+            <a:ext cx="10237694" cy="0"/>
+          </a:xfrm>
+          <a:prstGeom prst="line">
+            <a:avLst/>
+          </a:prstGeom>
+          <a:ln w="76200">
+            <a:solidFill>
+              <a:schemeClr val="tx1">
+                <a:lumMod val="75000"/>
+                <a:lumOff val="25000"/>
+              </a:schemeClr>
+            </a:solidFill>
+          </a:ln>
+        </p:spPr>
+        <p:style>
+          <a:lnRef idx="1">
+            <a:schemeClr val="accent1"/>
+          </a:lnRef>
+          <a:fillRef idx="0">
+            <a:schemeClr val="accent1"/>
+          </a:fillRef>
+          <a:effectRef idx="0">
+            <a:schemeClr val="accent1"/>
+          </a:effectRef>
+          <a:fontRef idx="minor">
+            <a:schemeClr val="tx1"/>
+          </a:fontRef>
+        </p:style>
+      </p:cxnSp>
+      <p:sp>
+        <p:nvSpPr>
+          <p:cNvPr id="6" name="TextBox 5">
+            <a:extLst>
+              <a:ext uri="{FF2B5EF4-FFF2-40B4-BE49-F238E27FC236}">
+                <a16:creationId xmlns:a16="http://schemas.microsoft.com/office/drawing/2014/main" id="{908ED9B9-09D3-CFA8-625A-6F9BB9B6BD23}"/>
+              </a:ext>
+            </a:extLst>
+          </p:cNvPr>
+          <p:cNvSpPr txBox="1"/>
+          <p:nvPr/>
+        </p:nvSpPr>
+        <p:spPr>
+          <a:xfrm>
+            <a:off x="331694" y="177505"/>
+            <a:ext cx="1074333" cy="523220"/>
+          </a:xfrm>
+          <a:prstGeom prst="rect">
+            <a:avLst/>
+          </a:prstGeom>
+          <a:noFill/>
+        </p:spPr>
+        <p:txBody>
+          <a:bodyPr wrap="none" rtlCol="0">
+            <a:spAutoFit/>
+          </a:bodyPr>
+          <a:lstStyle/>
+          <a:p>
+            <a:r>
+              <a:rPr lang="en-US" altLang="ko-KR" sz="2800" dirty="0">
+                <a:latin typeface="나눔스퀘어 Bold" panose="020B0600000101010101" pitchFamily="50" charset="-127"/>
+                <a:ea typeface="나눔스퀘어 Bold" panose="020B0600000101010101" pitchFamily="50" charset="-127"/>
+              </a:rPr>
+              <a:t>O(N²)</a:t>
+            </a:r>
+            <a:endParaRPr lang="ko-KR" altLang="en-US" sz="2800" dirty="0">
+              <a:latin typeface="나눔스퀘어 Bold" panose="020B0600000101010101" pitchFamily="50" charset="-127"/>
+              <a:ea typeface="나눔스퀘어 Bold" panose="020B0600000101010101" pitchFamily="50" charset="-127"/>
+            </a:endParaRPr>
+          </a:p>
+        </p:txBody>
+      </p:sp>
+      <p:sp>
+        <p:nvSpPr>
+          <p:cNvPr id="12" name="TextBox 11">
+            <a:extLst>
+              <a:ext uri="{FF2B5EF4-FFF2-40B4-BE49-F238E27FC236}">
+                <a16:creationId xmlns:a16="http://schemas.microsoft.com/office/drawing/2014/main" id="{E1E8D503-F9D6-33F6-3A27-1B47A0CF274B}"/>
+              </a:ext>
+            </a:extLst>
+          </p:cNvPr>
+          <p:cNvSpPr txBox="1"/>
+          <p:nvPr/>
+        </p:nvSpPr>
+        <p:spPr>
+          <a:xfrm>
+            <a:off x="942387" y="1249753"/>
+            <a:ext cx="6623825" cy="369332"/>
+          </a:xfrm>
+          <a:prstGeom prst="rect">
+            <a:avLst/>
+          </a:prstGeom>
+          <a:noFill/>
+        </p:spPr>
+        <p:txBody>
+          <a:bodyPr wrap="square" rtlCol="0">
+            <a:spAutoFit/>
+          </a:bodyPr>
+          <a:lstStyle/>
+          <a:p>
+            <a:r>
+              <a:rPr lang="en-US" altLang="ko-KR" dirty="0">
+                <a:latin typeface="나눔스퀘어 Bold" panose="020B0600000101010101" pitchFamily="50" charset="-127"/>
+                <a:ea typeface="나눔스퀘어 Bold" panose="020B0600000101010101" pitchFamily="50" charset="-127"/>
+              </a:rPr>
+              <a:t>O(N²) : Square</a:t>
+            </a:r>
+            <a:r>
+              <a:rPr lang="ko-KR" altLang="en-US" dirty="0">
+                <a:latin typeface="나눔스퀘어 Bold" panose="020B0600000101010101" pitchFamily="50" charset="-127"/>
+                <a:ea typeface="나눔스퀘어 Bold" panose="020B0600000101010101" pitchFamily="50" charset="-127"/>
+              </a:rPr>
+              <a:t> 시간</a:t>
+            </a:r>
+          </a:p>
+        </p:txBody>
+      </p:sp>
+      <p:sp>
+        <p:nvSpPr>
+          <p:cNvPr id="13" name="TextBox 12">
+            <a:extLst>
+              <a:ext uri="{FF2B5EF4-FFF2-40B4-BE49-F238E27FC236}">
+                <a16:creationId xmlns:a16="http://schemas.microsoft.com/office/drawing/2014/main" id="{2800A05B-9B54-C1F1-968A-6C69655D6258}"/>
+              </a:ext>
+            </a:extLst>
+          </p:cNvPr>
+          <p:cNvSpPr txBox="1"/>
+          <p:nvPr/>
+        </p:nvSpPr>
+        <p:spPr>
+          <a:xfrm>
+            <a:off x="942387" y="2105581"/>
+            <a:ext cx="6623825" cy="369332"/>
+          </a:xfrm>
+          <a:prstGeom prst="rect">
+            <a:avLst/>
+          </a:prstGeom>
+          <a:noFill/>
+        </p:spPr>
+        <p:txBody>
+          <a:bodyPr wrap="square" rtlCol="0">
+            <a:spAutoFit/>
+          </a:bodyPr>
+          <a:lstStyle/>
+          <a:p>
+            <a:r>
+              <a:rPr lang="ko-KR" altLang="en-US" dirty="0">
+                <a:latin typeface="나눔스퀘어 Light" panose="020B0600000101010101" pitchFamily="50" charset="-127"/>
+                <a:ea typeface="나눔스퀘어 Light" panose="020B0600000101010101" pitchFamily="50" charset="-127"/>
+              </a:rPr>
+              <a:t>입력 값이 증가함에 따라 시간이 </a:t>
+            </a:r>
+            <a:r>
+              <a:rPr lang="en-US" altLang="ko-KR" dirty="0">
+                <a:latin typeface="나눔스퀘어 Light" panose="020B0600000101010101" pitchFamily="50" charset="-127"/>
+                <a:ea typeface="나눔스퀘어 Light" panose="020B0600000101010101" pitchFamily="50" charset="-127"/>
+              </a:rPr>
+              <a:t>N² </a:t>
+            </a:r>
+            <a:r>
+              <a:rPr lang="ko-KR" altLang="en-US" dirty="0">
+                <a:latin typeface="나눔스퀘어 Light" panose="020B0600000101010101" pitchFamily="50" charset="-127"/>
+                <a:ea typeface="나눔스퀘어 Light" panose="020B0600000101010101" pitchFamily="50" charset="-127"/>
+              </a:rPr>
+              <a:t>비율로 증가</a:t>
+            </a:r>
+          </a:p>
+        </p:txBody>
+      </p:sp>
+      <p:sp>
+        <p:nvSpPr>
+          <p:cNvPr id="10" name="TextBox 9">
+            <a:extLst>
+              <a:ext uri="{FF2B5EF4-FFF2-40B4-BE49-F238E27FC236}">
+                <a16:creationId xmlns:a16="http://schemas.microsoft.com/office/drawing/2014/main" id="{1DDEED14-831C-5DF9-88DD-5A033CBD7A51}"/>
+              </a:ext>
+            </a:extLst>
+          </p:cNvPr>
+          <p:cNvSpPr txBox="1"/>
+          <p:nvPr/>
+        </p:nvSpPr>
+        <p:spPr>
+          <a:xfrm>
+            <a:off x="942387" y="2474913"/>
+            <a:ext cx="6623825" cy="369332"/>
+          </a:xfrm>
+          <a:prstGeom prst="rect">
+            <a:avLst/>
+          </a:prstGeom>
+          <a:noFill/>
+        </p:spPr>
+        <p:txBody>
+          <a:bodyPr wrap="square" rtlCol="0">
+            <a:spAutoFit/>
+          </a:bodyPr>
+          <a:lstStyle/>
+          <a:p>
+            <a:r>
+              <a:rPr lang="en-US" altLang="ko-KR" dirty="0">
+                <a:latin typeface="나눔스퀘어 Light" panose="020B0600000101010101" pitchFamily="50" charset="-127"/>
+                <a:ea typeface="나눔스퀘어 Light" panose="020B0600000101010101" pitchFamily="50" charset="-127"/>
+              </a:rPr>
+              <a:t>ex</a:t>
+            </a:r>
+            <a:r>
+              <a:rPr lang="ko-KR" altLang="en-US" dirty="0">
+                <a:latin typeface="나눔스퀘어 Light" panose="020B0600000101010101" pitchFamily="50" charset="-127"/>
+                <a:ea typeface="나눔스퀘어 Light" panose="020B0600000101010101" pitchFamily="50" charset="-127"/>
+              </a:rPr>
+              <a:t> </a:t>
+            </a:r>
+            <a:r>
+              <a:rPr lang="en-US" altLang="ko-KR" dirty="0">
+                <a:latin typeface="나눔스퀘어 Light" panose="020B0600000101010101" pitchFamily="50" charset="-127"/>
+                <a:ea typeface="나눔스퀘어 Light" panose="020B0600000101010101" pitchFamily="50" charset="-127"/>
+              </a:rPr>
+              <a:t>:</a:t>
+            </a:r>
+            <a:r>
+              <a:rPr lang="ko-KR" altLang="en-US" dirty="0">
+                <a:latin typeface="나눔스퀘어 Light" panose="020B0600000101010101" pitchFamily="50" charset="-127"/>
+                <a:ea typeface="나눔스퀘어 Light" panose="020B0600000101010101" pitchFamily="50" charset="-127"/>
+              </a:rPr>
+              <a:t> </a:t>
+            </a:r>
+            <a:r>
+              <a:rPr lang="en-US" altLang="ko-KR" dirty="0">
+                <a:latin typeface="나눔스퀘어 Light" panose="020B0600000101010101" pitchFamily="50" charset="-127"/>
+                <a:ea typeface="나눔스퀘어 Light" panose="020B0600000101010101" pitchFamily="50" charset="-127"/>
+              </a:rPr>
+              <a:t>2</a:t>
+            </a:r>
+            <a:r>
+              <a:rPr lang="ko-KR" altLang="en-US" dirty="0">
+                <a:latin typeface="나눔스퀘어 Light" panose="020B0600000101010101" pitchFamily="50" charset="-127"/>
+                <a:ea typeface="나눔스퀘어 Light" panose="020B0600000101010101" pitchFamily="50" charset="-127"/>
+              </a:rPr>
+              <a:t>중 </a:t>
+            </a:r>
+            <a:r>
+              <a:rPr lang="en-US" altLang="ko-KR" dirty="0">
+                <a:latin typeface="나눔스퀘어 Light" panose="020B0600000101010101" pitchFamily="50" charset="-127"/>
+                <a:ea typeface="나눔스퀘어 Light" panose="020B0600000101010101" pitchFamily="50" charset="-127"/>
+              </a:rPr>
+              <a:t>for</a:t>
+            </a:r>
+            <a:r>
+              <a:rPr lang="ko-KR" altLang="en-US" dirty="0">
+                <a:latin typeface="나눔스퀘어 Light" panose="020B0600000101010101" pitchFamily="50" charset="-127"/>
+                <a:ea typeface="나눔스퀘어 Light" panose="020B0600000101010101" pitchFamily="50" charset="-127"/>
+              </a:rPr>
+              <a:t>문</a:t>
+            </a:r>
+          </a:p>
+        </p:txBody>
+      </p:sp>
+      <p:pic>
+        <p:nvPicPr>
+          <p:cNvPr id="7" name="그림 6">
+            <a:extLst>
+              <a:ext uri="{FF2B5EF4-FFF2-40B4-BE49-F238E27FC236}">
+                <a16:creationId xmlns:a16="http://schemas.microsoft.com/office/drawing/2014/main" id="{FB89E3C6-8B4A-F662-EF4B-7355F7A4822D}"/>
+              </a:ext>
+            </a:extLst>
+          </p:cNvPr>
+          <p:cNvPicPr>
+            <a:picLocks noChangeAspect="1"/>
+          </p:cNvPicPr>
+          <p:nvPr/>
+        </p:nvPicPr>
+        <p:blipFill>
+          <a:blip r:embed="rId2"/>
+          <a:stretch>
+            <a:fillRect/>
+          </a:stretch>
+        </p:blipFill>
+        <p:spPr>
+          <a:xfrm>
+            <a:off x="1449825" y="4431324"/>
+            <a:ext cx="4376685" cy="1176924"/>
+          </a:xfrm>
+          <a:prstGeom prst="rect">
+            <a:avLst/>
+          </a:prstGeom>
+        </p:spPr>
+      </p:pic>
+      <p:pic>
+        <p:nvPicPr>
+          <p:cNvPr id="9" name="그림 8">
+            <a:extLst>
+              <a:ext uri="{FF2B5EF4-FFF2-40B4-BE49-F238E27FC236}">
+                <a16:creationId xmlns:a16="http://schemas.microsoft.com/office/drawing/2014/main" id="{C9C697AF-8645-7134-24A2-F08ACEDE6617}"/>
+              </a:ext>
+            </a:extLst>
+          </p:cNvPr>
+          <p:cNvPicPr>
+            <a:picLocks noChangeAspect="1"/>
+          </p:cNvPicPr>
+          <p:nvPr/>
+        </p:nvPicPr>
+        <p:blipFill>
+          <a:blip r:embed="rId3"/>
+          <a:stretch>
+            <a:fillRect/>
+          </a:stretch>
+        </p:blipFill>
+        <p:spPr>
+          <a:xfrm>
+            <a:off x="6394776" y="4431324"/>
+            <a:ext cx="4347399" cy="1176920"/>
+          </a:xfrm>
+          <a:prstGeom prst="rect">
+            <a:avLst/>
+          </a:prstGeom>
+        </p:spPr>
+      </p:pic>
+      <p:sp>
+        <p:nvSpPr>
+          <p:cNvPr id="16" name="TextBox 15">
+            <a:extLst>
+              <a:ext uri="{FF2B5EF4-FFF2-40B4-BE49-F238E27FC236}">
+                <a16:creationId xmlns:a16="http://schemas.microsoft.com/office/drawing/2014/main" id="{926AF4BC-D74A-A8B1-1D3F-B412E8E85A3E}"/>
+              </a:ext>
+            </a:extLst>
+          </p:cNvPr>
+          <p:cNvSpPr txBox="1"/>
+          <p:nvPr/>
+        </p:nvSpPr>
+        <p:spPr>
+          <a:xfrm>
+            <a:off x="1944650" y="5785829"/>
+            <a:ext cx="6623825" cy="369332"/>
+          </a:xfrm>
+          <a:prstGeom prst="rect">
+            <a:avLst/>
+          </a:prstGeom>
+          <a:noFill/>
+        </p:spPr>
+        <p:txBody>
+          <a:bodyPr wrap="square" rtlCol="0">
+            <a:spAutoFit/>
+          </a:bodyPr>
+          <a:lstStyle/>
+          <a:p>
+            <a:r>
+              <a:rPr lang="ko-KR" altLang="en-US" dirty="0">
+                <a:latin typeface="나눔스퀘어 Light" panose="020B0600000101010101" pitchFamily="50" charset="-127"/>
+                <a:ea typeface="나눔스퀘어 Light" panose="020B0600000101010101" pitchFamily="50" charset="-127"/>
+              </a:rPr>
+              <a:t>이 경우에는 </a:t>
+            </a:r>
+            <a:r>
+              <a:rPr lang="en-US" altLang="ko-KR" dirty="0">
+                <a:latin typeface="나눔스퀘어 Light" panose="020B0600000101010101" pitchFamily="50" charset="-127"/>
+                <a:ea typeface="나눔스퀘어 Light" panose="020B0600000101010101" pitchFamily="50" charset="-127"/>
+              </a:rPr>
+              <a:t>O(NM)</a:t>
+            </a:r>
+            <a:r>
+              <a:rPr lang="ko-KR" altLang="en-US" dirty="0">
+                <a:latin typeface="나눔스퀘어 Light" panose="020B0600000101010101" pitchFamily="50" charset="-127"/>
+                <a:ea typeface="나눔스퀘어 Light" panose="020B0600000101010101" pitchFamily="50" charset="-127"/>
+              </a:rPr>
+              <a:t>으로도 볼 수 있음</a:t>
+            </a:r>
+          </a:p>
+        </p:txBody>
+      </p:sp>
+    </p:spTree>
+    <p:extLst>
+      <p:ext uri="{BB962C8B-B14F-4D97-AF65-F5344CB8AC3E}">
+        <p14:creationId xmlns:p14="http://schemas.microsoft.com/office/powerpoint/2010/main" val="3829754594"/>
+      </p:ext>
+    </p:extLst>
+  </p:cSld>
+  <p:clrMapOvr>
+    <a:masterClrMapping/>
+  </p:clrMapOvr>
+</p:sld>
+</file>
+
+<file path=ppt/slides/slide17.xml><?xml version="1.0" encoding="utf-8"?>
+<p:sld xmlns:a="http://schemas.openxmlformats.org/drawingml/2006/main" xmlns:r="http://schemas.openxmlformats.org/officeDocument/2006/relationships" xmlns:p="http://schemas.openxmlformats.org/presentationml/2006/main">
+  <p:cSld>
+    <p:spTree>
+      <p:nvGrpSpPr>
+        <p:cNvPr id="1" name=""/>
+        <p:cNvGrpSpPr/>
+        <p:nvPr/>
+      </p:nvGrpSpPr>
+      <p:grpSpPr>
+        <a:xfrm>
+          <a:off x="0" y="0"/>
+          <a:ext cx="0" cy="0"/>
+          <a:chOff x="0" y="0"/>
+          <a:chExt cx="0" cy="0"/>
+        </a:xfrm>
+      </p:grpSpPr>
+      <p:cxnSp>
+        <p:nvCxnSpPr>
+          <p:cNvPr id="5" name="직선 연결선 4">
+            <a:extLst>
+              <a:ext uri="{FF2B5EF4-FFF2-40B4-BE49-F238E27FC236}">
+                <a16:creationId xmlns:a16="http://schemas.microsoft.com/office/drawing/2014/main" id="{164C2827-EFCE-69A4-D037-1A218415F568}"/>
+              </a:ext>
+            </a:extLst>
+          </p:cNvPr>
+          <p:cNvCxnSpPr/>
+          <p:nvPr/>
+        </p:nvCxnSpPr>
+        <p:spPr>
+          <a:xfrm>
+            <a:off x="0" y="887505"/>
+            <a:ext cx="10237694" cy="0"/>
+          </a:xfrm>
+          <a:prstGeom prst="line">
+            <a:avLst/>
+          </a:prstGeom>
+          <a:ln w="76200">
+            <a:solidFill>
+              <a:schemeClr val="tx1">
+                <a:lumMod val="75000"/>
+                <a:lumOff val="25000"/>
+              </a:schemeClr>
+            </a:solidFill>
+          </a:ln>
+        </p:spPr>
+        <p:style>
+          <a:lnRef idx="1">
+            <a:schemeClr val="accent1"/>
+          </a:lnRef>
+          <a:fillRef idx="0">
+            <a:schemeClr val="accent1"/>
+          </a:fillRef>
+          <a:effectRef idx="0">
+            <a:schemeClr val="accent1"/>
+          </a:effectRef>
+          <a:fontRef idx="minor">
+            <a:schemeClr val="tx1"/>
+          </a:fontRef>
+        </p:style>
+      </p:cxnSp>
+      <p:sp>
+        <p:nvSpPr>
+          <p:cNvPr id="6" name="TextBox 5">
+            <a:extLst>
+              <a:ext uri="{FF2B5EF4-FFF2-40B4-BE49-F238E27FC236}">
+                <a16:creationId xmlns:a16="http://schemas.microsoft.com/office/drawing/2014/main" id="{908ED9B9-09D3-CFA8-625A-6F9BB9B6BD23}"/>
+              </a:ext>
+            </a:extLst>
+          </p:cNvPr>
+          <p:cNvSpPr txBox="1"/>
+          <p:nvPr/>
+        </p:nvSpPr>
+        <p:spPr>
+          <a:xfrm>
+            <a:off x="331694" y="177505"/>
+            <a:ext cx="1074333" cy="523220"/>
+          </a:xfrm>
+          <a:prstGeom prst="rect">
+            <a:avLst/>
+          </a:prstGeom>
+          <a:noFill/>
+        </p:spPr>
+        <p:txBody>
+          <a:bodyPr wrap="none" rtlCol="0">
+            <a:spAutoFit/>
+          </a:bodyPr>
+          <a:lstStyle/>
+          <a:p>
+            <a:r>
+              <a:rPr lang="en-US" altLang="ko-KR" sz="2800" dirty="0">
+                <a:latin typeface="나눔스퀘어 Bold" panose="020B0600000101010101" pitchFamily="50" charset="-127"/>
+                <a:ea typeface="나눔스퀘어 Bold" panose="020B0600000101010101" pitchFamily="50" charset="-127"/>
+              </a:rPr>
+              <a:t>O(N²)</a:t>
+            </a:r>
+            <a:endParaRPr lang="ko-KR" altLang="en-US" sz="2800" dirty="0">
+              <a:latin typeface="나눔스퀘어 Bold" panose="020B0600000101010101" pitchFamily="50" charset="-127"/>
+              <a:ea typeface="나눔스퀘어 Bold" panose="020B0600000101010101" pitchFamily="50" charset="-127"/>
+            </a:endParaRPr>
+          </a:p>
+        </p:txBody>
+      </p:sp>
+      <p:pic>
+        <p:nvPicPr>
+          <p:cNvPr id="3" name="그림 2">
+            <a:extLst>
+              <a:ext uri="{FF2B5EF4-FFF2-40B4-BE49-F238E27FC236}">
+                <a16:creationId xmlns:a16="http://schemas.microsoft.com/office/drawing/2014/main" id="{2D93FBD9-3A9C-DF41-9EA3-72FCD053B8DF}"/>
+              </a:ext>
+            </a:extLst>
+          </p:cNvPr>
+          <p:cNvPicPr>
+            <a:picLocks noChangeAspect="1"/>
+          </p:cNvPicPr>
+          <p:nvPr/>
+        </p:nvPicPr>
+        <p:blipFill>
+          <a:blip r:embed="rId2"/>
+          <a:stretch>
+            <a:fillRect/>
+          </a:stretch>
+        </p:blipFill>
+        <p:spPr>
+          <a:xfrm>
+            <a:off x="1046400" y="2215660"/>
+            <a:ext cx="6579388" cy="3059715"/>
+          </a:xfrm>
+          <a:prstGeom prst="rect">
+            <a:avLst/>
+          </a:prstGeom>
+        </p:spPr>
+      </p:pic>
+      <p:cxnSp>
+        <p:nvCxnSpPr>
+          <p:cNvPr id="14" name="직선 연결선 13">
+            <a:extLst>
+              <a:ext uri="{FF2B5EF4-FFF2-40B4-BE49-F238E27FC236}">
+                <a16:creationId xmlns:a16="http://schemas.microsoft.com/office/drawing/2014/main" id="{EB3390E6-EF5C-87AE-9FA9-9B63D4440FFF}"/>
+              </a:ext>
+            </a:extLst>
+          </p:cNvPr>
+          <p:cNvCxnSpPr/>
+          <p:nvPr/>
+        </p:nvCxnSpPr>
+        <p:spPr>
+          <a:xfrm>
+            <a:off x="7625788" y="2400326"/>
+            <a:ext cx="1424354" cy="0"/>
+          </a:xfrm>
+          <a:prstGeom prst="line">
+            <a:avLst/>
+          </a:prstGeom>
+          <a:ln w="28575"/>
+        </p:spPr>
+        <p:style>
+          <a:lnRef idx="1">
+            <a:schemeClr val="accent1"/>
+          </a:lnRef>
+          <a:fillRef idx="0">
+            <a:schemeClr val="accent1"/>
+          </a:fillRef>
+          <a:effectRef idx="0">
+            <a:schemeClr val="accent1"/>
+          </a:effectRef>
+          <a:fontRef idx="minor">
+            <a:schemeClr val="tx1"/>
+          </a:fontRef>
+        </p:style>
+      </p:cxnSp>
+      <p:sp>
+        <p:nvSpPr>
+          <p:cNvPr id="15" name="TextBox 14">
+            <a:extLst>
+              <a:ext uri="{FF2B5EF4-FFF2-40B4-BE49-F238E27FC236}">
+                <a16:creationId xmlns:a16="http://schemas.microsoft.com/office/drawing/2014/main" id="{D4C91335-FFAC-7D03-65BC-441AD06B3011}"/>
+              </a:ext>
+            </a:extLst>
+          </p:cNvPr>
+          <p:cNvSpPr txBox="1"/>
+          <p:nvPr/>
+        </p:nvSpPr>
+        <p:spPr>
+          <a:xfrm>
+            <a:off x="9248114" y="2215660"/>
+            <a:ext cx="628505" cy="369332"/>
+          </a:xfrm>
+          <a:prstGeom prst="rect">
+            <a:avLst/>
+          </a:prstGeom>
+          <a:noFill/>
+        </p:spPr>
+        <p:txBody>
+          <a:bodyPr wrap="square" rtlCol="0">
+            <a:spAutoFit/>
+          </a:bodyPr>
+          <a:lstStyle/>
+          <a:p>
+            <a:r>
+              <a:rPr lang="en-US" altLang="ko-KR" dirty="0">
+                <a:latin typeface="나눔스퀘어 Bold" panose="020B0600000101010101" pitchFamily="50" charset="-127"/>
+                <a:ea typeface="나눔스퀘어 Bold" panose="020B0600000101010101" pitchFamily="50" charset="-127"/>
+              </a:rPr>
+              <a:t>O(1)</a:t>
+            </a:r>
+            <a:endParaRPr lang="ko-KR" altLang="en-US" dirty="0">
+              <a:latin typeface="나눔스퀘어 Bold" panose="020B0600000101010101" pitchFamily="50" charset="-127"/>
+              <a:ea typeface="나눔스퀘어 Bold" panose="020B0600000101010101" pitchFamily="50" charset="-127"/>
+            </a:endParaRPr>
+          </a:p>
+        </p:txBody>
+      </p:sp>
+      <p:cxnSp>
+        <p:nvCxnSpPr>
+          <p:cNvPr id="17" name="직선 연결선 16">
+            <a:extLst>
+              <a:ext uri="{FF2B5EF4-FFF2-40B4-BE49-F238E27FC236}">
+                <a16:creationId xmlns:a16="http://schemas.microsoft.com/office/drawing/2014/main" id="{EBCC5FA8-8948-23BE-258B-648FB869F787}"/>
+              </a:ext>
+            </a:extLst>
+          </p:cNvPr>
+          <p:cNvCxnSpPr/>
+          <p:nvPr/>
+        </p:nvCxnSpPr>
+        <p:spPr>
+          <a:xfrm>
+            <a:off x="7625788" y="2769658"/>
+            <a:ext cx="1424354" cy="0"/>
+          </a:xfrm>
+          <a:prstGeom prst="line">
+            <a:avLst/>
+          </a:prstGeom>
+          <a:ln w="28575"/>
+        </p:spPr>
+        <p:style>
+          <a:lnRef idx="1">
+            <a:schemeClr val="accent1"/>
+          </a:lnRef>
+          <a:fillRef idx="0">
+            <a:schemeClr val="accent1"/>
+          </a:fillRef>
+          <a:effectRef idx="0">
+            <a:schemeClr val="accent1"/>
+          </a:effectRef>
+          <a:fontRef idx="minor">
+            <a:schemeClr val="tx1"/>
+          </a:fontRef>
+        </p:style>
+      </p:cxnSp>
+      <p:sp>
+        <p:nvSpPr>
+          <p:cNvPr id="18" name="TextBox 17">
+            <a:extLst>
+              <a:ext uri="{FF2B5EF4-FFF2-40B4-BE49-F238E27FC236}">
+                <a16:creationId xmlns:a16="http://schemas.microsoft.com/office/drawing/2014/main" id="{903F8CFD-4E7A-3801-D47E-4D6119298216}"/>
+              </a:ext>
+            </a:extLst>
+          </p:cNvPr>
+          <p:cNvSpPr txBox="1"/>
+          <p:nvPr/>
+        </p:nvSpPr>
+        <p:spPr>
+          <a:xfrm>
+            <a:off x="9248114" y="2584992"/>
+            <a:ext cx="628505" cy="369332"/>
+          </a:xfrm>
+          <a:prstGeom prst="rect">
+            <a:avLst/>
+          </a:prstGeom>
+          <a:noFill/>
+        </p:spPr>
+        <p:txBody>
+          <a:bodyPr wrap="square" rtlCol="0">
+            <a:spAutoFit/>
+          </a:bodyPr>
+          <a:lstStyle/>
+          <a:p>
+            <a:r>
+              <a:rPr lang="en-US" altLang="ko-KR" dirty="0">
+                <a:latin typeface="나눔스퀘어 Bold" panose="020B0600000101010101" pitchFamily="50" charset="-127"/>
+                <a:ea typeface="나눔스퀘어 Bold" panose="020B0600000101010101" pitchFamily="50" charset="-127"/>
+              </a:rPr>
+              <a:t>O(1)</a:t>
+            </a:r>
+            <a:endParaRPr lang="ko-KR" altLang="en-US" dirty="0">
+              <a:latin typeface="나눔스퀘어 Bold" panose="020B0600000101010101" pitchFamily="50" charset="-127"/>
+              <a:ea typeface="나눔스퀘어 Bold" panose="020B0600000101010101" pitchFamily="50" charset="-127"/>
+            </a:endParaRPr>
+          </a:p>
+        </p:txBody>
+      </p:sp>
+      <p:cxnSp>
+        <p:nvCxnSpPr>
+          <p:cNvPr id="19" name="직선 연결선 18">
+            <a:extLst>
+              <a:ext uri="{FF2B5EF4-FFF2-40B4-BE49-F238E27FC236}">
+                <a16:creationId xmlns:a16="http://schemas.microsoft.com/office/drawing/2014/main" id="{7F1EACFD-9472-7BDA-46F3-0EB640C664ED}"/>
+              </a:ext>
+            </a:extLst>
+          </p:cNvPr>
+          <p:cNvCxnSpPr/>
+          <p:nvPr/>
+        </p:nvCxnSpPr>
+        <p:spPr>
+          <a:xfrm>
+            <a:off x="7625788" y="3138990"/>
+            <a:ext cx="1424354" cy="0"/>
+          </a:xfrm>
+          <a:prstGeom prst="line">
+            <a:avLst/>
+          </a:prstGeom>
+          <a:ln w="28575"/>
+        </p:spPr>
+        <p:style>
+          <a:lnRef idx="1">
+            <a:schemeClr val="accent1"/>
+          </a:lnRef>
+          <a:fillRef idx="0">
+            <a:schemeClr val="accent1"/>
+          </a:fillRef>
+          <a:effectRef idx="0">
+            <a:schemeClr val="accent1"/>
+          </a:effectRef>
+          <a:fontRef idx="minor">
+            <a:schemeClr val="tx1"/>
+          </a:fontRef>
+        </p:style>
+      </p:cxnSp>
+      <p:sp>
+        <p:nvSpPr>
+          <p:cNvPr id="20" name="TextBox 19">
+            <a:extLst>
+              <a:ext uri="{FF2B5EF4-FFF2-40B4-BE49-F238E27FC236}">
+                <a16:creationId xmlns:a16="http://schemas.microsoft.com/office/drawing/2014/main" id="{56A15809-CD03-2D76-C185-519BD4DB1DA9}"/>
+              </a:ext>
+            </a:extLst>
+          </p:cNvPr>
+          <p:cNvSpPr txBox="1"/>
+          <p:nvPr/>
+        </p:nvSpPr>
+        <p:spPr>
+          <a:xfrm>
+            <a:off x="9248114" y="2954324"/>
+            <a:ext cx="628505" cy="369332"/>
+          </a:xfrm>
+          <a:prstGeom prst="rect">
+            <a:avLst/>
+          </a:prstGeom>
+          <a:noFill/>
+        </p:spPr>
+        <p:txBody>
+          <a:bodyPr wrap="square" rtlCol="0">
+            <a:spAutoFit/>
+          </a:bodyPr>
+          <a:lstStyle/>
+          <a:p>
+            <a:r>
+              <a:rPr lang="en-US" altLang="ko-KR" dirty="0">
+                <a:latin typeface="나눔스퀘어 Bold" panose="020B0600000101010101" pitchFamily="50" charset="-127"/>
+                <a:ea typeface="나눔스퀘어 Bold" panose="020B0600000101010101" pitchFamily="50" charset="-127"/>
+              </a:rPr>
+              <a:t>O(N)</a:t>
+            </a:r>
+            <a:endParaRPr lang="ko-KR" altLang="en-US" dirty="0">
+              <a:latin typeface="나눔스퀘어 Bold" panose="020B0600000101010101" pitchFamily="50" charset="-127"/>
+              <a:ea typeface="나눔스퀘어 Bold" panose="020B0600000101010101" pitchFamily="50" charset="-127"/>
+            </a:endParaRPr>
+          </a:p>
+        </p:txBody>
+      </p:sp>
+      <p:cxnSp>
+        <p:nvCxnSpPr>
+          <p:cNvPr id="21" name="직선 연결선 20">
+            <a:extLst>
+              <a:ext uri="{FF2B5EF4-FFF2-40B4-BE49-F238E27FC236}">
+                <a16:creationId xmlns:a16="http://schemas.microsoft.com/office/drawing/2014/main" id="{D7501E51-0AC8-89BB-0DFB-D28592726E5E}"/>
+              </a:ext>
+            </a:extLst>
+          </p:cNvPr>
+          <p:cNvCxnSpPr/>
+          <p:nvPr/>
+        </p:nvCxnSpPr>
+        <p:spPr>
+          <a:xfrm>
+            <a:off x="7625788" y="3877654"/>
+            <a:ext cx="1424354" cy="0"/>
+          </a:xfrm>
+          <a:prstGeom prst="line">
+            <a:avLst/>
+          </a:prstGeom>
+          <a:ln w="28575"/>
+        </p:spPr>
+        <p:style>
+          <a:lnRef idx="1">
+            <a:schemeClr val="accent1"/>
+          </a:lnRef>
+          <a:fillRef idx="0">
+            <a:schemeClr val="accent1"/>
+          </a:fillRef>
+          <a:effectRef idx="0">
+            <a:schemeClr val="accent1"/>
+          </a:effectRef>
+          <a:fontRef idx="minor">
+            <a:schemeClr val="tx1"/>
+          </a:fontRef>
+        </p:style>
+      </p:cxnSp>
+      <p:sp>
+        <p:nvSpPr>
+          <p:cNvPr id="22" name="TextBox 21">
+            <a:extLst>
+              <a:ext uri="{FF2B5EF4-FFF2-40B4-BE49-F238E27FC236}">
+                <a16:creationId xmlns:a16="http://schemas.microsoft.com/office/drawing/2014/main" id="{5FB5F34A-7B88-B839-9C95-9CAF1DEE8937}"/>
+              </a:ext>
+            </a:extLst>
+          </p:cNvPr>
+          <p:cNvSpPr txBox="1"/>
+          <p:nvPr/>
+        </p:nvSpPr>
+        <p:spPr>
+          <a:xfrm>
+            <a:off x="9248114" y="3692988"/>
+            <a:ext cx="731155" cy="369332"/>
+          </a:xfrm>
+          <a:prstGeom prst="rect">
+            <a:avLst/>
+          </a:prstGeom>
+          <a:noFill/>
+        </p:spPr>
+        <p:txBody>
+          <a:bodyPr wrap="square" rtlCol="0">
+            <a:spAutoFit/>
+          </a:bodyPr>
+          <a:lstStyle/>
+          <a:p>
+            <a:r>
+              <a:rPr lang="en-US" altLang="ko-KR" dirty="0">
+                <a:latin typeface="나눔스퀘어 Bold" panose="020B0600000101010101" pitchFamily="50" charset="-127"/>
+                <a:ea typeface="나눔스퀘어 Bold" panose="020B0600000101010101" pitchFamily="50" charset="-127"/>
+              </a:rPr>
+              <a:t>O(N²)</a:t>
+            </a:r>
+            <a:endParaRPr lang="ko-KR" altLang="en-US" dirty="0">
+              <a:latin typeface="나눔스퀘어 Bold" panose="020B0600000101010101" pitchFamily="50" charset="-127"/>
+              <a:ea typeface="나눔스퀘어 Bold" panose="020B0600000101010101" pitchFamily="50" charset="-127"/>
+            </a:endParaRPr>
+          </a:p>
+        </p:txBody>
+      </p:sp>
+      <p:cxnSp>
+        <p:nvCxnSpPr>
+          <p:cNvPr id="23" name="직선 연결선 22">
+            <a:extLst>
+              <a:ext uri="{FF2B5EF4-FFF2-40B4-BE49-F238E27FC236}">
+                <a16:creationId xmlns:a16="http://schemas.microsoft.com/office/drawing/2014/main" id="{901102CA-535A-24B0-3DE9-540D39B1F298}"/>
+              </a:ext>
+            </a:extLst>
+          </p:cNvPr>
+          <p:cNvCxnSpPr/>
+          <p:nvPr/>
+        </p:nvCxnSpPr>
+        <p:spPr>
+          <a:xfrm>
+            <a:off x="7625788" y="4985650"/>
+            <a:ext cx="1424354" cy="0"/>
+          </a:xfrm>
+          <a:prstGeom prst="line">
+            <a:avLst/>
+          </a:prstGeom>
+          <a:ln w="28575"/>
+        </p:spPr>
+        <p:style>
+          <a:lnRef idx="1">
+            <a:schemeClr val="accent1"/>
+          </a:lnRef>
+          <a:fillRef idx="0">
+            <a:schemeClr val="accent1"/>
+          </a:fillRef>
+          <a:effectRef idx="0">
+            <a:schemeClr val="accent1"/>
+          </a:effectRef>
+          <a:fontRef idx="minor">
+            <a:schemeClr val="tx1"/>
+          </a:fontRef>
+        </p:style>
+      </p:cxnSp>
+      <p:sp>
+        <p:nvSpPr>
+          <p:cNvPr id="24" name="TextBox 23">
+            <a:extLst>
+              <a:ext uri="{FF2B5EF4-FFF2-40B4-BE49-F238E27FC236}">
+                <a16:creationId xmlns:a16="http://schemas.microsoft.com/office/drawing/2014/main" id="{B2FABF7B-C4F5-B951-1861-58D289399B05}"/>
+              </a:ext>
+            </a:extLst>
+          </p:cNvPr>
+          <p:cNvSpPr txBox="1"/>
+          <p:nvPr/>
+        </p:nvSpPr>
+        <p:spPr>
+          <a:xfrm>
+            <a:off x="9248114" y="4800984"/>
+            <a:ext cx="628505" cy="369332"/>
+          </a:xfrm>
+          <a:prstGeom prst="rect">
+            <a:avLst/>
+          </a:prstGeom>
+          <a:noFill/>
+        </p:spPr>
+        <p:txBody>
+          <a:bodyPr wrap="square" rtlCol="0">
+            <a:spAutoFit/>
+          </a:bodyPr>
+          <a:lstStyle/>
+          <a:p>
+            <a:r>
+              <a:rPr lang="en-US" altLang="ko-KR" dirty="0">
+                <a:latin typeface="나눔스퀘어 Bold" panose="020B0600000101010101" pitchFamily="50" charset="-127"/>
+                <a:ea typeface="나눔스퀘어 Bold" panose="020B0600000101010101" pitchFamily="50" charset="-127"/>
+              </a:rPr>
+              <a:t>O(1)</a:t>
+            </a:r>
+            <a:endParaRPr lang="ko-KR" altLang="en-US" dirty="0">
+              <a:latin typeface="나눔스퀘어 Bold" panose="020B0600000101010101" pitchFamily="50" charset="-127"/>
+              <a:ea typeface="나눔스퀘어 Bold" panose="020B0600000101010101" pitchFamily="50" charset="-127"/>
+            </a:endParaRPr>
+          </a:p>
+        </p:txBody>
+      </p:sp>
+    </p:spTree>
+    <p:extLst>
+      <p:ext uri="{BB962C8B-B14F-4D97-AF65-F5344CB8AC3E}">
+        <p14:creationId xmlns:p14="http://schemas.microsoft.com/office/powerpoint/2010/main" val="70757409"/>
+      </p:ext>
+    </p:extLst>
+  </p:cSld>
+  <p:clrMapOvr>
+    <a:masterClrMapping/>
+  </p:clrMapOvr>
+</p:sld>
+</file>
+
 <file path=ppt/slides/slide2.xml><?xml version="1.0" encoding="utf-8"?>
 <p:sld xmlns:a="http://schemas.openxmlformats.org/drawingml/2006/main" xmlns:r="http://schemas.openxmlformats.org/officeDocument/2006/relationships" xmlns:p="http://schemas.openxmlformats.org/presentationml/2006/main">
   <p:cSld>

--- a/study/1_OT.pptx
+++ b/study/1_OT.pptx
@@ -22,6 +22,14 @@
     <p:sldId id="271" r:id="rId16"/>
     <p:sldId id="272" r:id="rId17"/>
     <p:sldId id="273" r:id="rId18"/>
+    <p:sldId id="274" r:id="rId19"/>
+    <p:sldId id="275" r:id="rId20"/>
+    <p:sldId id="276" r:id="rId21"/>
+    <p:sldId id="279" r:id="rId22"/>
+    <p:sldId id="277" r:id="rId23"/>
+    <p:sldId id="278" r:id="rId24"/>
+    <p:sldId id="280" r:id="rId25"/>
+    <p:sldId id="281" r:id="rId26"/>
   </p:sldIdLst>
   <p:sldSz cx="12192000" cy="6858000"/>
   <p:notesSz cx="6858000" cy="9144000"/>
@@ -275,7 +283,7 @@
           <a:p>
             <a:fld id="{33C37291-AA83-40C0-9297-8F7F3693F6CC}" type="datetimeFigureOut">
               <a:rPr lang="ko-KR" altLang="en-US" smtClean="0"/>
-              <a:t>2022-08-02</a:t>
+              <a:t>2022-08-03</a:t>
             </a:fld>
             <a:endParaRPr lang="ko-KR" altLang="en-US"/>
           </a:p>
@@ -473,7 +481,7 @@
           <a:p>
             <a:fld id="{33C37291-AA83-40C0-9297-8F7F3693F6CC}" type="datetimeFigureOut">
               <a:rPr lang="ko-KR" altLang="en-US" smtClean="0"/>
-              <a:t>2022-08-02</a:t>
+              <a:t>2022-08-03</a:t>
             </a:fld>
             <a:endParaRPr lang="ko-KR" altLang="en-US"/>
           </a:p>
@@ -681,7 +689,7 @@
           <a:p>
             <a:fld id="{33C37291-AA83-40C0-9297-8F7F3693F6CC}" type="datetimeFigureOut">
               <a:rPr lang="ko-KR" altLang="en-US" smtClean="0"/>
-              <a:t>2022-08-02</a:t>
+              <a:t>2022-08-03</a:t>
             </a:fld>
             <a:endParaRPr lang="ko-KR" altLang="en-US"/>
           </a:p>
@@ -879,7 +887,7 @@
           <a:p>
             <a:fld id="{33C37291-AA83-40C0-9297-8F7F3693F6CC}" type="datetimeFigureOut">
               <a:rPr lang="ko-KR" altLang="en-US" smtClean="0"/>
-              <a:t>2022-08-02</a:t>
+              <a:t>2022-08-03</a:t>
             </a:fld>
             <a:endParaRPr lang="ko-KR" altLang="en-US"/>
           </a:p>
@@ -1154,7 +1162,7 @@
           <a:p>
             <a:fld id="{33C37291-AA83-40C0-9297-8F7F3693F6CC}" type="datetimeFigureOut">
               <a:rPr lang="ko-KR" altLang="en-US" smtClean="0"/>
-              <a:t>2022-08-02</a:t>
+              <a:t>2022-08-03</a:t>
             </a:fld>
             <a:endParaRPr lang="ko-KR" altLang="en-US"/>
           </a:p>
@@ -1419,7 +1427,7 @@
           <a:p>
             <a:fld id="{33C37291-AA83-40C0-9297-8F7F3693F6CC}" type="datetimeFigureOut">
               <a:rPr lang="ko-KR" altLang="en-US" smtClean="0"/>
-              <a:t>2022-08-02</a:t>
+              <a:t>2022-08-03</a:t>
             </a:fld>
             <a:endParaRPr lang="ko-KR" altLang="en-US"/>
           </a:p>
@@ -1831,7 +1839,7 @@
           <a:p>
             <a:fld id="{33C37291-AA83-40C0-9297-8F7F3693F6CC}" type="datetimeFigureOut">
               <a:rPr lang="ko-KR" altLang="en-US" smtClean="0"/>
-              <a:t>2022-08-02</a:t>
+              <a:t>2022-08-03</a:t>
             </a:fld>
             <a:endParaRPr lang="ko-KR" altLang="en-US"/>
           </a:p>
@@ -1972,7 +1980,7 @@
           <a:p>
             <a:fld id="{33C37291-AA83-40C0-9297-8F7F3693F6CC}" type="datetimeFigureOut">
               <a:rPr lang="ko-KR" altLang="en-US" smtClean="0"/>
-              <a:t>2022-08-02</a:t>
+              <a:t>2022-08-03</a:t>
             </a:fld>
             <a:endParaRPr lang="ko-KR" altLang="en-US"/>
           </a:p>
@@ -2085,7 +2093,7 @@
           <a:p>
             <a:fld id="{33C37291-AA83-40C0-9297-8F7F3693F6CC}" type="datetimeFigureOut">
               <a:rPr lang="ko-KR" altLang="en-US" smtClean="0"/>
-              <a:t>2022-08-02</a:t>
+              <a:t>2022-08-03</a:t>
             </a:fld>
             <a:endParaRPr lang="ko-KR" altLang="en-US"/>
           </a:p>
@@ -2396,7 +2404,7 @@
           <a:p>
             <a:fld id="{33C37291-AA83-40C0-9297-8F7F3693F6CC}" type="datetimeFigureOut">
               <a:rPr lang="ko-KR" altLang="en-US" smtClean="0"/>
-              <a:t>2022-08-02</a:t>
+              <a:t>2022-08-03</a:t>
             </a:fld>
             <a:endParaRPr lang="ko-KR" altLang="en-US"/>
           </a:p>
@@ -2684,7 +2692,7 @@
           <a:p>
             <a:fld id="{33C37291-AA83-40C0-9297-8F7F3693F6CC}" type="datetimeFigureOut">
               <a:rPr lang="ko-KR" altLang="en-US" smtClean="0"/>
-              <a:t>2022-08-02</a:t>
+              <a:t>2022-08-03</a:t>
             </a:fld>
             <a:endParaRPr lang="ko-KR" altLang="en-US"/>
           </a:p>
@@ -2925,7 +2933,7 @@
           <a:p>
             <a:fld id="{33C37291-AA83-40C0-9297-8F7F3693F6CC}" type="datetimeFigureOut">
               <a:rPr lang="ko-KR" altLang="en-US" smtClean="0"/>
-              <a:t>2022-08-02</a:t>
+              <a:t>2022-08-03</a:t>
             </a:fld>
             <a:endParaRPr lang="ko-KR" altLang="en-US"/>
           </a:p>
@@ -7171,7 +7179,7 @@
         </p:blipFill>
         <p:spPr>
           <a:xfrm>
-            <a:off x="1046400" y="2215660"/>
+            <a:off x="1046400" y="1397976"/>
             <a:ext cx="6579388" cy="3059715"/>
           </a:xfrm>
           <a:prstGeom prst="rect">
@@ -7193,7 +7201,7 @@
         </p:nvCxnSpPr>
         <p:spPr>
           <a:xfrm>
-            <a:off x="7625788" y="2400326"/>
+            <a:off x="7625788" y="1582642"/>
             <a:ext cx="1424354" cy="0"/>
           </a:xfrm>
           <a:prstGeom prst="line">
@@ -7230,7 +7238,7 @@
         </p:nvSpPr>
         <p:spPr>
           <a:xfrm>
-            <a:off x="9248114" y="2215660"/>
+            <a:off x="9248114" y="1397976"/>
             <a:ext cx="628505" cy="369332"/>
           </a:xfrm>
           <a:prstGeom prst="rect">
@@ -7272,7 +7280,7 @@
         </p:nvCxnSpPr>
         <p:spPr>
           <a:xfrm>
-            <a:off x="7625788" y="2769658"/>
+            <a:off x="7625788" y="1951974"/>
             <a:ext cx="1424354" cy="0"/>
           </a:xfrm>
           <a:prstGeom prst="line">
@@ -7309,7 +7317,7 @@
         </p:nvSpPr>
         <p:spPr>
           <a:xfrm>
-            <a:off x="9248114" y="2584992"/>
+            <a:off x="9248114" y="1767308"/>
             <a:ext cx="628505" cy="369332"/>
           </a:xfrm>
           <a:prstGeom prst="rect">
@@ -7351,7 +7359,7 @@
         </p:nvCxnSpPr>
         <p:spPr>
           <a:xfrm>
-            <a:off x="7625788" y="3138990"/>
+            <a:off x="7625788" y="2321306"/>
             <a:ext cx="1424354" cy="0"/>
           </a:xfrm>
           <a:prstGeom prst="line">
@@ -7388,7 +7396,7 @@
         </p:nvSpPr>
         <p:spPr>
           <a:xfrm>
-            <a:off x="9248114" y="2954324"/>
+            <a:off x="9248114" y="2136640"/>
             <a:ext cx="628505" cy="369332"/>
           </a:xfrm>
           <a:prstGeom prst="rect">
@@ -7430,7 +7438,7 @@
         </p:nvCxnSpPr>
         <p:spPr>
           <a:xfrm>
-            <a:off x="7625788" y="3877654"/>
+            <a:off x="7625788" y="3059970"/>
             <a:ext cx="1424354" cy="0"/>
           </a:xfrm>
           <a:prstGeom prst="line">
@@ -7467,7 +7475,7 @@
         </p:nvSpPr>
         <p:spPr>
           <a:xfrm>
-            <a:off x="9248114" y="3692988"/>
+            <a:off x="9248114" y="2875304"/>
             <a:ext cx="731155" cy="369332"/>
           </a:xfrm>
           <a:prstGeom prst="rect">
@@ -7509,7 +7517,7 @@
         </p:nvCxnSpPr>
         <p:spPr>
           <a:xfrm>
-            <a:off x="7625788" y="4985650"/>
+            <a:off x="7625788" y="4167966"/>
             <a:ext cx="1424354" cy="0"/>
           </a:xfrm>
           <a:prstGeom prst="line">
@@ -7546,7 +7554,7 @@
         </p:nvSpPr>
         <p:spPr>
           <a:xfrm>
-            <a:off x="9248114" y="4800984"/>
+            <a:off x="9248114" y="3983300"/>
             <a:ext cx="628505" cy="369332"/>
           </a:xfrm>
           <a:prstGeom prst="rect">
@@ -7574,10 +7582,744 @@
           </a:p>
         </p:txBody>
       </p:sp>
+      <p:pic>
+        <p:nvPicPr>
+          <p:cNvPr id="4" name="그림 3">
+            <a:extLst>
+              <a:ext uri="{FF2B5EF4-FFF2-40B4-BE49-F238E27FC236}">
+                <a16:creationId xmlns:a16="http://schemas.microsoft.com/office/drawing/2014/main" id="{7065A693-CAD5-4FC1-B0BC-4C3E1D0F7B4E}"/>
+              </a:ext>
+            </a:extLst>
+          </p:cNvPr>
+          <p:cNvPicPr>
+            <a:picLocks noChangeAspect="1"/>
+          </p:cNvPicPr>
+          <p:nvPr/>
+        </p:nvPicPr>
+        <p:blipFill>
+          <a:blip r:embed="rId3"/>
+          <a:stretch>
+            <a:fillRect/>
+          </a:stretch>
+        </p:blipFill>
+        <p:spPr>
+          <a:xfrm>
+            <a:off x="992916" y="4827022"/>
+            <a:ext cx="6632872" cy="2028401"/>
+          </a:xfrm>
+          <a:prstGeom prst="rect">
+            <a:avLst/>
+          </a:prstGeom>
+        </p:spPr>
+      </p:pic>
     </p:spTree>
     <p:extLst>
       <p:ext uri="{BB962C8B-B14F-4D97-AF65-F5344CB8AC3E}">
         <p14:creationId xmlns:p14="http://schemas.microsoft.com/office/powerpoint/2010/main" val="70757409"/>
+      </p:ext>
+    </p:extLst>
+  </p:cSld>
+  <p:clrMapOvr>
+    <a:masterClrMapping/>
+  </p:clrMapOvr>
+</p:sld>
+</file>
+
+<file path=ppt/slides/slide18.xml><?xml version="1.0" encoding="utf-8"?>
+<p:sld xmlns:a="http://schemas.openxmlformats.org/drawingml/2006/main" xmlns:r="http://schemas.openxmlformats.org/officeDocument/2006/relationships" xmlns:p="http://schemas.openxmlformats.org/presentationml/2006/main">
+  <p:cSld>
+    <p:spTree>
+      <p:nvGrpSpPr>
+        <p:cNvPr id="1" name=""/>
+        <p:cNvGrpSpPr/>
+        <p:nvPr/>
+      </p:nvGrpSpPr>
+      <p:grpSpPr>
+        <a:xfrm>
+          <a:off x="0" y="0"/>
+          <a:ext cx="0" cy="0"/>
+          <a:chOff x="0" y="0"/>
+          <a:chExt cx="0" cy="0"/>
+        </a:xfrm>
+      </p:grpSpPr>
+      <p:cxnSp>
+        <p:nvCxnSpPr>
+          <p:cNvPr id="5" name="직선 연결선 4">
+            <a:extLst>
+              <a:ext uri="{FF2B5EF4-FFF2-40B4-BE49-F238E27FC236}">
+                <a16:creationId xmlns:a16="http://schemas.microsoft.com/office/drawing/2014/main" id="{164C2827-EFCE-69A4-D037-1A218415F568}"/>
+              </a:ext>
+            </a:extLst>
+          </p:cNvPr>
+          <p:cNvCxnSpPr/>
+          <p:nvPr/>
+        </p:nvCxnSpPr>
+        <p:spPr>
+          <a:xfrm>
+            <a:off x="0" y="887505"/>
+            <a:ext cx="10237694" cy="0"/>
+          </a:xfrm>
+          <a:prstGeom prst="line">
+            <a:avLst/>
+          </a:prstGeom>
+          <a:ln w="76200">
+            <a:solidFill>
+              <a:schemeClr val="tx1">
+                <a:lumMod val="75000"/>
+                <a:lumOff val="25000"/>
+              </a:schemeClr>
+            </a:solidFill>
+          </a:ln>
+        </p:spPr>
+        <p:style>
+          <a:lnRef idx="1">
+            <a:schemeClr val="accent1"/>
+          </a:lnRef>
+          <a:fillRef idx="0">
+            <a:schemeClr val="accent1"/>
+          </a:fillRef>
+          <a:effectRef idx="0">
+            <a:schemeClr val="accent1"/>
+          </a:effectRef>
+          <a:fontRef idx="minor">
+            <a:schemeClr val="tx1"/>
+          </a:fontRef>
+        </p:style>
+      </p:cxnSp>
+      <p:sp>
+        <p:nvSpPr>
+          <p:cNvPr id="6" name="TextBox 5">
+            <a:extLst>
+              <a:ext uri="{FF2B5EF4-FFF2-40B4-BE49-F238E27FC236}">
+                <a16:creationId xmlns:a16="http://schemas.microsoft.com/office/drawing/2014/main" id="{908ED9B9-09D3-CFA8-625A-6F9BB9B6BD23}"/>
+              </a:ext>
+            </a:extLst>
+          </p:cNvPr>
+          <p:cNvSpPr txBox="1"/>
+          <p:nvPr/>
+        </p:nvSpPr>
+        <p:spPr>
+          <a:xfrm>
+            <a:off x="331694" y="177505"/>
+            <a:ext cx="1067921" cy="523220"/>
+          </a:xfrm>
+          <a:prstGeom prst="rect">
+            <a:avLst/>
+          </a:prstGeom>
+          <a:noFill/>
+        </p:spPr>
+        <p:txBody>
+          <a:bodyPr wrap="none" rtlCol="0">
+            <a:spAutoFit/>
+          </a:bodyPr>
+          <a:lstStyle/>
+          <a:p>
+            <a:r>
+              <a:rPr lang="en-US" altLang="ko-KR" sz="2800" dirty="0">
+                <a:latin typeface="나눔스퀘어 Bold" panose="020B0600000101010101" pitchFamily="50" charset="-127"/>
+                <a:ea typeface="나눔스퀘어 Bold" panose="020B0600000101010101" pitchFamily="50" charset="-127"/>
+              </a:rPr>
+              <a:t>O(2ⁿ)</a:t>
+            </a:r>
+            <a:endParaRPr lang="ko-KR" altLang="en-US" sz="2800" dirty="0">
+              <a:latin typeface="나눔스퀘어 Bold" panose="020B0600000101010101" pitchFamily="50" charset="-127"/>
+              <a:ea typeface="나눔스퀘어 Bold" panose="020B0600000101010101" pitchFamily="50" charset="-127"/>
+            </a:endParaRPr>
+          </a:p>
+        </p:txBody>
+      </p:sp>
+      <p:sp>
+        <p:nvSpPr>
+          <p:cNvPr id="12" name="TextBox 11">
+            <a:extLst>
+              <a:ext uri="{FF2B5EF4-FFF2-40B4-BE49-F238E27FC236}">
+                <a16:creationId xmlns:a16="http://schemas.microsoft.com/office/drawing/2014/main" id="{E1E8D503-F9D6-33F6-3A27-1B47A0CF274B}"/>
+              </a:ext>
+            </a:extLst>
+          </p:cNvPr>
+          <p:cNvSpPr txBox="1"/>
+          <p:nvPr/>
+        </p:nvSpPr>
+        <p:spPr>
+          <a:xfrm>
+            <a:off x="942387" y="1249753"/>
+            <a:ext cx="6623825" cy="369332"/>
+          </a:xfrm>
+          <a:prstGeom prst="rect">
+            <a:avLst/>
+          </a:prstGeom>
+          <a:noFill/>
+        </p:spPr>
+        <p:txBody>
+          <a:bodyPr wrap="square" rtlCol="0">
+            <a:spAutoFit/>
+          </a:bodyPr>
+          <a:lstStyle/>
+          <a:p>
+            <a:r>
+              <a:rPr lang="en-US" altLang="ko-KR" dirty="0">
+                <a:latin typeface="나눔스퀘어 Bold" panose="020B0600000101010101" pitchFamily="50" charset="-127"/>
+                <a:ea typeface="나눔스퀘어 Bold" panose="020B0600000101010101" pitchFamily="50" charset="-127"/>
+              </a:rPr>
+              <a:t>O(2ⁿ) : </a:t>
+            </a:r>
+            <a:r>
+              <a:rPr lang="ko-KR" altLang="en-US" dirty="0">
+                <a:latin typeface="나눔스퀘어 Bold" panose="020B0600000101010101" pitchFamily="50" charset="-127"/>
+                <a:ea typeface="나눔스퀘어 Bold" panose="020B0600000101010101" pitchFamily="50" charset="-127"/>
+              </a:rPr>
+              <a:t>기하급수</a:t>
+            </a:r>
+            <a:r>
+              <a:rPr lang="en-US" altLang="ko-KR" dirty="0">
+                <a:latin typeface="나눔스퀘어 Bold" panose="020B0600000101010101" pitchFamily="50" charset="-127"/>
+                <a:ea typeface="나눔스퀘어 Bold" panose="020B0600000101010101" pitchFamily="50" charset="-127"/>
+              </a:rPr>
+              <a:t>(</a:t>
+            </a:r>
+            <a:r>
+              <a:rPr lang="ko-KR" altLang="en-US" dirty="0">
+                <a:latin typeface="나눔스퀘어 Bold" panose="020B0600000101010101" pitchFamily="50" charset="-127"/>
+                <a:ea typeface="나눔스퀘어 Bold" panose="020B0600000101010101" pitchFamily="50" charset="-127"/>
+              </a:rPr>
+              <a:t>지수</a:t>
+            </a:r>
+            <a:r>
+              <a:rPr lang="en-US" altLang="ko-KR" dirty="0">
+                <a:latin typeface="나눔스퀘어 Bold" panose="020B0600000101010101" pitchFamily="50" charset="-127"/>
+                <a:ea typeface="나눔스퀘어 Bold" panose="020B0600000101010101" pitchFamily="50" charset="-127"/>
+              </a:rPr>
+              <a:t>)(exponential)</a:t>
+            </a:r>
+            <a:r>
+              <a:rPr lang="ko-KR" altLang="en-US" dirty="0">
+                <a:latin typeface="나눔스퀘어 Bold" panose="020B0600000101010101" pitchFamily="50" charset="-127"/>
+                <a:ea typeface="나눔스퀘어 Bold" panose="020B0600000101010101" pitchFamily="50" charset="-127"/>
+              </a:rPr>
+              <a:t> 시간</a:t>
+            </a:r>
+          </a:p>
+        </p:txBody>
+      </p:sp>
+      <p:sp>
+        <p:nvSpPr>
+          <p:cNvPr id="13" name="TextBox 12">
+            <a:extLst>
+              <a:ext uri="{FF2B5EF4-FFF2-40B4-BE49-F238E27FC236}">
+                <a16:creationId xmlns:a16="http://schemas.microsoft.com/office/drawing/2014/main" id="{2800A05B-9B54-C1F1-968A-6C69655D6258}"/>
+              </a:ext>
+            </a:extLst>
+          </p:cNvPr>
+          <p:cNvSpPr txBox="1"/>
+          <p:nvPr/>
+        </p:nvSpPr>
+        <p:spPr>
+          <a:xfrm>
+            <a:off x="942387" y="2105581"/>
+            <a:ext cx="7304798" cy="369332"/>
+          </a:xfrm>
+          <a:prstGeom prst="rect">
+            <a:avLst/>
+          </a:prstGeom>
+          <a:noFill/>
+        </p:spPr>
+        <p:txBody>
+          <a:bodyPr wrap="square" rtlCol="0">
+            <a:spAutoFit/>
+          </a:bodyPr>
+          <a:lstStyle/>
+          <a:p>
+            <a:r>
+              <a:rPr lang="en-US" altLang="ko-KR" dirty="0">
+                <a:latin typeface="나눔스퀘어 Light" panose="020B0600000101010101" pitchFamily="50" charset="-127"/>
+                <a:ea typeface="나눔스퀘어 Light" panose="020B0600000101010101" pitchFamily="50" charset="-127"/>
+              </a:rPr>
+              <a:t>A4 </a:t>
+            </a:r>
+            <a:r>
+              <a:rPr lang="ko-KR" altLang="en-US" dirty="0">
+                <a:latin typeface="나눔스퀘어 Light" panose="020B0600000101010101" pitchFamily="50" charset="-127"/>
+                <a:ea typeface="나눔스퀘어 Light" panose="020B0600000101010101" pitchFamily="50" charset="-127"/>
+              </a:rPr>
+              <a:t>용지를 </a:t>
+            </a:r>
+            <a:r>
+              <a:rPr lang="en-US" altLang="ko-KR" dirty="0">
+                <a:latin typeface="나눔스퀘어 Light" panose="020B0600000101010101" pitchFamily="50" charset="-127"/>
+                <a:ea typeface="나눔스퀘어 Light" panose="020B0600000101010101" pitchFamily="50" charset="-127"/>
+              </a:rPr>
+              <a:t>42</a:t>
+            </a:r>
+            <a:r>
+              <a:rPr lang="ko-KR" altLang="en-US" dirty="0">
+                <a:latin typeface="나눔스퀘어 Light" panose="020B0600000101010101" pitchFamily="50" charset="-127"/>
+                <a:ea typeface="나눔스퀘어 Light" panose="020B0600000101010101" pitchFamily="50" charset="-127"/>
+              </a:rPr>
+              <a:t>번 접는다면 종이 두께는 지구 </a:t>
+            </a:r>
+            <a:r>
+              <a:rPr lang="en-US" altLang="ko-KR" dirty="0">
+                <a:latin typeface="나눔스퀘어 Light" panose="020B0600000101010101" pitchFamily="50" charset="-127"/>
+                <a:ea typeface="나눔스퀘어 Light" panose="020B0600000101010101" pitchFamily="50" charset="-127"/>
+              </a:rPr>
+              <a:t>~ </a:t>
+            </a:r>
+            <a:r>
+              <a:rPr lang="ko-KR" altLang="en-US" dirty="0">
+                <a:latin typeface="나눔스퀘어 Light" panose="020B0600000101010101" pitchFamily="50" charset="-127"/>
+                <a:ea typeface="나눔스퀘어 Light" panose="020B0600000101010101" pitchFamily="50" charset="-127"/>
+              </a:rPr>
+              <a:t>달 의 거리보다 더 두꺼워진다</a:t>
+            </a:r>
+            <a:r>
+              <a:rPr lang="en-US" altLang="ko-KR" dirty="0">
+                <a:latin typeface="나눔스퀘어 Light" panose="020B0600000101010101" pitchFamily="50" charset="-127"/>
+                <a:ea typeface="나눔스퀘어 Light" panose="020B0600000101010101" pitchFamily="50" charset="-127"/>
+              </a:rPr>
+              <a:t>.</a:t>
+            </a:r>
+            <a:endParaRPr lang="ko-KR" altLang="en-US" dirty="0">
+              <a:latin typeface="나눔스퀘어 Light" panose="020B0600000101010101" pitchFamily="50" charset="-127"/>
+              <a:ea typeface="나눔스퀘어 Light" panose="020B0600000101010101" pitchFamily="50" charset="-127"/>
+            </a:endParaRPr>
+          </a:p>
+        </p:txBody>
+      </p:sp>
+      <p:sp>
+        <p:nvSpPr>
+          <p:cNvPr id="15" name="TextBox 14">
+            <a:extLst>
+              <a:ext uri="{FF2B5EF4-FFF2-40B4-BE49-F238E27FC236}">
+                <a16:creationId xmlns:a16="http://schemas.microsoft.com/office/drawing/2014/main" id="{F9F29729-D72A-33BB-FFAE-9CDB52D70B6B}"/>
+              </a:ext>
+            </a:extLst>
+          </p:cNvPr>
+          <p:cNvSpPr txBox="1"/>
+          <p:nvPr/>
+        </p:nvSpPr>
+        <p:spPr>
+          <a:xfrm>
+            <a:off x="942387" y="2428594"/>
+            <a:ext cx="7304798" cy="369332"/>
+          </a:xfrm>
+          <a:prstGeom prst="rect">
+            <a:avLst/>
+          </a:prstGeom>
+          <a:noFill/>
+        </p:spPr>
+        <p:txBody>
+          <a:bodyPr wrap="square" rtlCol="0">
+            <a:spAutoFit/>
+          </a:bodyPr>
+          <a:lstStyle/>
+          <a:p>
+            <a:r>
+              <a:rPr lang="ko-KR" altLang="en-US" dirty="0">
+                <a:latin typeface="나눔스퀘어 Light" panose="020B0600000101010101" pitchFamily="50" charset="-127"/>
+                <a:ea typeface="나눔스퀘어 Light" panose="020B0600000101010101" pitchFamily="50" charset="-127"/>
+              </a:rPr>
+              <a:t>위의 말에서 </a:t>
+            </a:r>
+            <a:r>
+              <a:rPr lang="en-US" altLang="ko-KR" dirty="0">
+                <a:latin typeface="나눔스퀘어 Light" panose="020B0600000101010101" pitchFamily="50" charset="-127"/>
+                <a:ea typeface="나눔스퀘어 Light" panose="020B0600000101010101" pitchFamily="50" charset="-127"/>
+              </a:rPr>
+              <a:t>2</a:t>
+            </a:r>
+            <a:r>
+              <a:rPr lang="ko-KR" altLang="en-US" dirty="0">
+                <a:latin typeface="나눔스퀘어 Light" panose="020B0600000101010101" pitchFamily="50" charset="-127"/>
+                <a:ea typeface="나눔스퀘어 Light" panose="020B0600000101010101" pitchFamily="50" charset="-127"/>
+              </a:rPr>
+              <a:t>배의 위력을 잘 알 수 있다</a:t>
+            </a:r>
+            <a:r>
+              <a:rPr lang="en-US" altLang="ko-KR" dirty="0">
+                <a:latin typeface="나눔스퀘어 Light" panose="020B0600000101010101" pitchFamily="50" charset="-127"/>
+                <a:ea typeface="나눔스퀘어 Light" panose="020B0600000101010101" pitchFamily="50" charset="-127"/>
+              </a:rPr>
+              <a:t>.</a:t>
+            </a:r>
+            <a:endParaRPr lang="ko-KR" altLang="en-US" dirty="0">
+              <a:latin typeface="나눔스퀘어 Light" panose="020B0600000101010101" pitchFamily="50" charset="-127"/>
+              <a:ea typeface="나눔스퀘어 Light" panose="020B0600000101010101" pitchFamily="50" charset="-127"/>
+            </a:endParaRPr>
+          </a:p>
+        </p:txBody>
+      </p:sp>
+      <p:sp>
+        <p:nvSpPr>
+          <p:cNvPr id="17" name="TextBox 16">
+            <a:extLst>
+              <a:ext uri="{FF2B5EF4-FFF2-40B4-BE49-F238E27FC236}">
+                <a16:creationId xmlns:a16="http://schemas.microsoft.com/office/drawing/2014/main" id="{37CA522F-CBEE-031A-E59A-70AE1A35286F}"/>
+              </a:ext>
+            </a:extLst>
+          </p:cNvPr>
+          <p:cNvSpPr txBox="1"/>
+          <p:nvPr/>
+        </p:nvSpPr>
+        <p:spPr>
+          <a:xfrm>
+            <a:off x="942387" y="3057327"/>
+            <a:ext cx="7304798" cy="369332"/>
+          </a:xfrm>
+          <a:prstGeom prst="rect">
+            <a:avLst/>
+          </a:prstGeom>
+          <a:noFill/>
+        </p:spPr>
+        <p:txBody>
+          <a:bodyPr wrap="square" rtlCol="0">
+            <a:spAutoFit/>
+          </a:bodyPr>
+          <a:lstStyle/>
+          <a:p>
+            <a:r>
+              <a:rPr lang="en-US" altLang="ko-KR" dirty="0">
+                <a:latin typeface="나눔스퀘어 Light" panose="020B0600000101010101" pitchFamily="50" charset="-127"/>
+                <a:ea typeface="나눔스퀘어 Light" panose="020B0600000101010101" pitchFamily="50" charset="-127"/>
+              </a:rPr>
+              <a:t>N</a:t>
+            </a:r>
+            <a:r>
+              <a:rPr lang="ko-KR" altLang="en-US" dirty="0">
+                <a:latin typeface="나눔스퀘어 Light" panose="020B0600000101010101" pitchFamily="50" charset="-127"/>
+                <a:ea typeface="나눔스퀘어 Light" panose="020B0600000101010101" pitchFamily="50" charset="-127"/>
+              </a:rPr>
+              <a:t>에 따라서 연산 횟수가 </a:t>
+            </a:r>
+            <a:r>
+              <a:rPr lang="en-US" altLang="ko-KR" dirty="0">
+                <a:latin typeface="나눔스퀘어 Light" panose="020B0600000101010101" pitchFamily="50" charset="-127"/>
+                <a:ea typeface="나눔스퀘어 Light" panose="020B0600000101010101" pitchFamily="50" charset="-127"/>
+              </a:rPr>
+              <a:t>2</a:t>
+            </a:r>
+            <a:r>
+              <a:rPr lang="ko-KR" altLang="en-US" dirty="0">
+                <a:latin typeface="나눔스퀘어 Light" panose="020B0600000101010101" pitchFamily="50" charset="-127"/>
+                <a:ea typeface="나눔스퀘어 Light" panose="020B0600000101010101" pitchFamily="50" charset="-127"/>
+              </a:rPr>
+              <a:t>배에 비례해 증가하는 시간 복잡도</a:t>
+            </a:r>
+          </a:p>
+        </p:txBody>
+      </p:sp>
+      <p:pic>
+        <p:nvPicPr>
+          <p:cNvPr id="3" name="그림 2">
+            <a:extLst>
+              <a:ext uri="{FF2B5EF4-FFF2-40B4-BE49-F238E27FC236}">
+                <a16:creationId xmlns:a16="http://schemas.microsoft.com/office/drawing/2014/main" id="{D8FDEB11-7522-C791-F1B7-B633C45F79AC}"/>
+              </a:ext>
+            </a:extLst>
+          </p:cNvPr>
+          <p:cNvPicPr>
+            <a:picLocks noChangeAspect="1"/>
+          </p:cNvPicPr>
+          <p:nvPr/>
+        </p:nvPicPr>
+        <p:blipFill>
+          <a:blip r:embed="rId2"/>
+          <a:stretch>
+            <a:fillRect/>
+          </a:stretch>
+        </p:blipFill>
+        <p:spPr>
+          <a:xfrm>
+            <a:off x="1168009" y="4031302"/>
+            <a:ext cx="4686106" cy="2406379"/>
+          </a:xfrm>
+          <a:prstGeom prst="rect">
+            <a:avLst/>
+          </a:prstGeom>
+        </p:spPr>
+      </p:pic>
+      <p:pic>
+        <p:nvPicPr>
+          <p:cNvPr id="1028" name="Picture 4" descr="피보나치 수열 - 황금비율 - 황금나선 : 네이버 블로그">
+            <a:extLst>
+              <a:ext uri="{FF2B5EF4-FFF2-40B4-BE49-F238E27FC236}">
+                <a16:creationId xmlns:a16="http://schemas.microsoft.com/office/drawing/2014/main" id="{136919AD-668F-BD9E-A5D8-5580BFB5A969}"/>
+              </a:ext>
+            </a:extLst>
+          </p:cNvPr>
+          <p:cNvPicPr>
+            <a:picLocks noChangeAspect="1" noChangeArrowheads="1"/>
+          </p:cNvPicPr>
+          <p:nvPr/>
+        </p:nvPicPr>
+        <p:blipFill>
+          <a:blip r:embed="rId3">
+            <a:extLst>
+              <a:ext uri="{28A0092B-C50C-407E-A947-70E740481C1C}">
+                <a14:useLocalDpi xmlns:a14="http://schemas.microsoft.com/office/drawing/2010/main" val="0"/>
+              </a:ext>
+            </a:extLst>
+          </a:blip>
+          <a:srcRect/>
+          <a:stretch>
+            <a:fillRect/>
+          </a:stretch>
+        </p:blipFill>
+        <p:spPr bwMode="auto">
+          <a:xfrm>
+            <a:off x="6617311" y="3624766"/>
+            <a:ext cx="4848225" cy="3219450"/>
+          </a:xfrm>
+          <a:prstGeom prst="rect">
+            <a:avLst/>
+          </a:prstGeom>
+          <a:noFill/>
+          <a:extLst>
+            <a:ext uri="{909E8E84-426E-40DD-AFC4-6F175D3DCCD1}">
+              <a14:hiddenFill xmlns:a14="http://schemas.microsoft.com/office/drawing/2010/main">
+                <a:solidFill>
+                  <a:srgbClr val="FFFFFF"/>
+                </a:solidFill>
+              </a14:hiddenFill>
+            </a:ext>
+          </a:extLst>
+        </p:spPr>
+      </p:pic>
+    </p:spTree>
+    <p:extLst>
+      <p:ext uri="{BB962C8B-B14F-4D97-AF65-F5344CB8AC3E}">
+        <p14:creationId xmlns:p14="http://schemas.microsoft.com/office/powerpoint/2010/main" val="2575995073"/>
+      </p:ext>
+    </p:extLst>
+  </p:cSld>
+  <p:clrMapOvr>
+    <a:masterClrMapping/>
+  </p:clrMapOvr>
+</p:sld>
+</file>
+
+<file path=ppt/slides/slide19.xml><?xml version="1.0" encoding="utf-8"?>
+<p:sld xmlns:a="http://schemas.openxmlformats.org/drawingml/2006/main" xmlns:r="http://schemas.openxmlformats.org/officeDocument/2006/relationships" xmlns:p="http://schemas.openxmlformats.org/presentationml/2006/main">
+  <p:cSld>
+    <p:spTree>
+      <p:nvGrpSpPr>
+        <p:cNvPr id="1" name=""/>
+        <p:cNvGrpSpPr/>
+        <p:nvPr/>
+      </p:nvGrpSpPr>
+      <p:grpSpPr>
+        <a:xfrm>
+          <a:off x="0" y="0"/>
+          <a:ext cx="0" cy="0"/>
+          <a:chOff x="0" y="0"/>
+          <a:chExt cx="0" cy="0"/>
+        </a:xfrm>
+      </p:grpSpPr>
+      <p:cxnSp>
+        <p:nvCxnSpPr>
+          <p:cNvPr id="5" name="직선 연결선 4">
+            <a:extLst>
+              <a:ext uri="{FF2B5EF4-FFF2-40B4-BE49-F238E27FC236}">
+                <a16:creationId xmlns:a16="http://schemas.microsoft.com/office/drawing/2014/main" id="{164C2827-EFCE-69A4-D037-1A218415F568}"/>
+              </a:ext>
+            </a:extLst>
+          </p:cNvPr>
+          <p:cNvCxnSpPr/>
+          <p:nvPr/>
+        </p:nvCxnSpPr>
+        <p:spPr>
+          <a:xfrm>
+            <a:off x="0" y="887505"/>
+            <a:ext cx="10237694" cy="0"/>
+          </a:xfrm>
+          <a:prstGeom prst="line">
+            <a:avLst/>
+          </a:prstGeom>
+          <a:ln w="76200">
+            <a:solidFill>
+              <a:schemeClr val="tx1">
+                <a:lumMod val="75000"/>
+                <a:lumOff val="25000"/>
+              </a:schemeClr>
+            </a:solidFill>
+          </a:ln>
+        </p:spPr>
+        <p:style>
+          <a:lnRef idx="1">
+            <a:schemeClr val="accent1"/>
+          </a:lnRef>
+          <a:fillRef idx="0">
+            <a:schemeClr val="accent1"/>
+          </a:fillRef>
+          <a:effectRef idx="0">
+            <a:schemeClr val="accent1"/>
+          </a:effectRef>
+          <a:fontRef idx="minor">
+            <a:schemeClr val="tx1"/>
+          </a:fontRef>
+        </p:style>
+      </p:cxnSp>
+      <p:sp>
+        <p:nvSpPr>
+          <p:cNvPr id="6" name="TextBox 5">
+            <a:extLst>
+              <a:ext uri="{FF2B5EF4-FFF2-40B4-BE49-F238E27FC236}">
+                <a16:creationId xmlns:a16="http://schemas.microsoft.com/office/drawing/2014/main" id="{908ED9B9-09D3-CFA8-625A-6F9BB9B6BD23}"/>
+              </a:ext>
+            </a:extLst>
+          </p:cNvPr>
+          <p:cNvSpPr txBox="1"/>
+          <p:nvPr/>
+        </p:nvSpPr>
+        <p:spPr>
+          <a:xfrm>
+            <a:off x="331694" y="177505"/>
+            <a:ext cx="2974917" cy="523220"/>
+          </a:xfrm>
+          <a:prstGeom prst="rect">
+            <a:avLst/>
+          </a:prstGeom>
+          <a:noFill/>
+        </p:spPr>
+        <p:txBody>
+          <a:bodyPr wrap="none" rtlCol="0">
+            <a:spAutoFit/>
+          </a:bodyPr>
+          <a:lstStyle/>
+          <a:p>
+            <a:r>
+              <a:rPr lang="en-US" altLang="ko-KR" sz="2800" dirty="0">
+                <a:latin typeface="나눔스퀘어 Bold" panose="020B0600000101010101" pitchFamily="50" charset="-127"/>
+                <a:ea typeface="나눔스퀘어 Bold" panose="020B0600000101010101" pitchFamily="50" charset="-127"/>
+              </a:rPr>
+              <a:t>Time Complexity</a:t>
+            </a:r>
+            <a:endParaRPr lang="ko-KR" altLang="en-US" sz="2800" dirty="0">
+              <a:latin typeface="나눔스퀘어 Bold" panose="020B0600000101010101" pitchFamily="50" charset="-127"/>
+              <a:ea typeface="나눔스퀘어 Bold" panose="020B0600000101010101" pitchFamily="50" charset="-127"/>
+            </a:endParaRPr>
+          </a:p>
+        </p:txBody>
+      </p:sp>
+      <p:sp>
+        <p:nvSpPr>
+          <p:cNvPr id="11" name="TextBox 10">
+            <a:extLst>
+              <a:ext uri="{FF2B5EF4-FFF2-40B4-BE49-F238E27FC236}">
+                <a16:creationId xmlns:a16="http://schemas.microsoft.com/office/drawing/2014/main" id="{F7412D97-FB04-E964-85B5-EF400758C174}"/>
+              </a:ext>
+            </a:extLst>
+          </p:cNvPr>
+          <p:cNvSpPr txBox="1"/>
+          <p:nvPr/>
+        </p:nvSpPr>
+        <p:spPr>
+          <a:xfrm>
+            <a:off x="942387" y="1249753"/>
+            <a:ext cx="6623825" cy="369332"/>
+          </a:xfrm>
+          <a:prstGeom prst="rect">
+            <a:avLst/>
+          </a:prstGeom>
+          <a:noFill/>
+        </p:spPr>
+        <p:txBody>
+          <a:bodyPr wrap="square" rtlCol="0">
+            <a:spAutoFit/>
+          </a:bodyPr>
+          <a:lstStyle/>
+          <a:p>
+            <a:r>
+              <a:rPr lang="en-US" altLang="ko-KR" dirty="0">
+                <a:latin typeface="나눔스퀘어 Bold" panose="020B0600000101010101" pitchFamily="50" charset="-127"/>
+                <a:ea typeface="나눔스퀘어 Bold" panose="020B0600000101010101" pitchFamily="50" charset="-127"/>
+              </a:rPr>
+              <a:t>Q. </a:t>
+            </a:r>
+            <a:r>
+              <a:rPr lang="ko-KR" altLang="en-US" dirty="0">
+                <a:latin typeface="나눔스퀘어 Bold" panose="020B0600000101010101" pitchFamily="50" charset="-127"/>
+                <a:ea typeface="나눔스퀘어 Bold" panose="020B0600000101010101" pitchFamily="50" charset="-127"/>
+              </a:rPr>
+              <a:t>다음 코드는 어떤 시간 복잡도를 가질까요</a:t>
+            </a:r>
+            <a:r>
+              <a:rPr lang="en-US" altLang="ko-KR" dirty="0">
+                <a:latin typeface="나눔스퀘어 Bold" panose="020B0600000101010101" pitchFamily="50" charset="-127"/>
+                <a:ea typeface="나눔스퀘어 Bold" panose="020B0600000101010101" pitchFamily="50" charset="-127"/>
+              </a:rPr>
+              <a:t>?</a:t>
+            </a:r>
+            <a:endParaRPr lang="ko-KR" altLang="en-US" dirty="0">
+              <a:latin typeface="나눔스퀘어 Bold" panose="020B0600000101010101" pitchFamily="50" charset="-127"/>
+              <a:ea typeface="나눔스퀘어 Bold" panose="020B0600000101010101" pitchFamily="50" charset="-127"/>
+            </a:endParaRPr>
+          </a:p>
+        </p:txBody>
+      </p:sp>
+      <p:pic>
+        <p:nvPicPr>
+          <p:cNvPr id="3" name="그림 2">
+            <a:extLst>
+              <a:ext uri="{FF2B5EF4-FFF2-40B4-BE49-F238E27FC236}">
+                <a16:creationId xmlns:a16="http://schemas.microsoft.com/office/drawing/2014/main" id="{B656C15A-3BF8-DC12-907F-598121B93A7C}"/>
+              </a:ext>
+            </a:extLst>
+          </p:cNvPr>
+          <p:cNvPicPr>
+            <a:picLocks noChangeAspect="1"/>
+          </p:cNvPicPr>
+          <p:nvPr/>
+        </p:nvPicPr>
+        <p:blipFill>
+          <a:blip r:embed="rId2"/>
+          <a:stretch>
+            <a:fillRect/>
+          </a:stretch>
+        </p:blipFill>
+        <p:spPr>
+          <a:xfrm>
+            <a:off x="1554317" y="2135732"/>
+            <a:ext cx="7129059" cy="1609787"/>
+          </a:xfrm>
+          <a:prstGeom prst="rect">
+            <a:avLst/>
+          </a:prstGeom>
+        </p:spPr>
+      </p:pic>
+      <p:pic>
+        <p:nvPicPr>
+          <p:cNvPr id="7" name="그림 6">
+            <a:extLst>
+              <a:ext uri="{FF2B5EF4-FFF2-40B4-BE49-F238E27FC236}">
+                <a16:creationId xmlns:a16="http://schemas.microsoft.com/office/drawing/2014/main" id="{9F6548E0-0A32-B58B-6690-123DFC57098D}"/>
+              </a:ext>
+            </a:extLst>
+          </p:cNvPr>
+          <p:cNvPicPr>
+            <a:picLocks noChangeAspect="1"/>
+          </p:cNvPicPr>
+          <p:nvPr/>
+        </p:nvPicPr>
+        <p:blipFill>
+          <a:blip r:embed="rId3"/>
+          <a:stretch>
+            <a:fillRect/>
+          </a:stretch>
+        </p:blipFill>
+        <p:spPr>
+          <a:xfrm>
+            <a:off x="1554317" y="4536480"/>
+            <a:ext cx="7129059" cy="1551905"/>
+          </a:xfrm>
+          <a:prstGeom prst="rect">
+            <a:avLst/>
+          </a:prstGeom>
+        </p:spPr>
+      </p:pic>
+    </p:spTree>
+    <p:extLst>
+      <p:ext uri="{BB962C8B-B14F-4D97-AF65-F5344CB8AC3E}">
+        <p14:creationId xmlns:p14="http://schemas.microsoft.com/office/powerpoint/2010/main" val="3263852232"/>
       </p:ext>
     </p:extLst>
   </p:cSld>
@@ -7961,6 +8703,1378 @@
     <p:extLst>
       <p:ext uri="{BB962C8B-B14F-4D97-AF65-F5344CB8AC3E}">
         <p14:creationId xmlns:p14="http://schemas.microsoft.com/office/powerpoint/2010/main" val="4265576989"/>
+      </p:ext>
+    </p:extLst>
+  </p:cSld>
+  <p:clrMapOvr>
+    <a:masterClrMapping/>
+  </p:clrMapOvr>
+</p:sld>
+</file>
+
+<file path=ppt/slides/slide20.xml><?xml version="1.0" encoding="utf-8"?>
+<p:sld xmlns:a="http://schemas.openxmlformats.org/drawingml/2006/main" xmlns:r="http://schemas.openxmlformats.org/officeDocument/2006/relationships" xmlns:p="http://schemas.openxmlformats.org/presentationml/2006/main">
+  <p:cSld>
+    <p:spTree>
+      <p:nvGrpSpPr>
+        <p:cNvPr id="1" name=""/>
+        <p:cNvGrpSpPr/>
+        <p:nvPr/>
+      </p:nvGrpSpPr>
+      <p:grpSpPr>
+        <a:xfrm>
+          <a:off x="0" y="0"/>
+          <a:ext cx="0" cy="0"/>
+          <a:chOff x="0" y="0"/>
+          <a:chExt cx="0" cy="0"/>
+        </a:xfrm>
+      </p:grpSpPr>
+      <p:cxnSp>
+        <p:nvCxnSpPr>
+          <p:cNvPr id="5" name="직선 연결선 4">
+            <a:extLst>
+              <a:ext uri="{FF2B5EF4-FFF2-40B4-BE49-F238E27FC236}">
+                <a16:creationId xmlns:a16="http://schemas.microsoft.com/office/drawing/2014/main" id="{164C2827-EFCE-69A4-D037-1A218415F568}"/>
+              </a:ext>
+            </a:extLst>
+          </p:cNvPr>
+          <p:cNvCxnSpPr/>
+          <p:nvPr/>
+        </p:nvCxnSpPr>
+        <p:spPr>
+          <a:xfrm>
+            <a:off x="0" y="887505"/>
+            <a:ext cx="10237694" cy="0"/>
+          </a:xfrm>
+          <a:prstGeom prst="line">
+            <a:avLst/>
+          </a:prstGeom>
+          <a:ln w="76200">
+            <a:solidFill>
+              <a:schemeClr val="tx1">
+                <a:lumMod val="75000"/>
+                <a:lumOff val="25000"/>
+              </a:schemeClr>
+            </a:solidFill>
+          </a:ln>
+        </p:spPr>
+        <p:style>
+          <a:lnRef idx="1">
+            <a:schemeClr val="accent1"/>
+          </a:lnRef>
+          <a:fillRef idx="0">
+            <a:schemeClr val="accent1"/>
+          </a:fillRef>
+          <a:effectRef idx="0">
+            <a:schemeClr val="accent1"/>
+          </a:effectRef>
+          <a:fontRef idx="minor">
+            <a:schemeClr val="tx1"/>
+          </a:fontRef>
+        </p:style>
+      </p:cxnSp>
+      <p:sp>
+        <p:nvSpPr>
+          <p:cNvPr id="6" name="TextBox 5">
+            <a:extLst>
+              <a:ext uri="{FF2B5EF4-FFF2-40B4-BE49-F238E27FC236}">
+                <a16:creationId xmlns:a16="http://schemas.microsoft.com/office/drawing/2014/main" id="{908ED9B9-09D3-CFA8-625A-6F9BB9B6BD23}"/>
+              </a:ext>
+            </a:extLst>
+          </p:cNvPr>
+          <p:cNvSpPr txBox="1"/>
+          <p:nvPr/>
+        </p:nvSpPr>
+        <p:spPr>
+          <a:xfrm>
+            <a:off x="331694" y="177505"/>
+            <a:ext cx="2845651" cy="523220"/>
+          </a:xfrm>
+          <a:prstGeom prst="rect">
+            <a:avLst/>
+          </a:prstGeom>
+          <a:noFill/>
+        </p:spPr>
+        <p:txBody>
+          <a:bodyPr wrap="none" rtlCol="0">
+            <a:spAutoFit/>
+          </a:bodyPr>
+          <a:lstStyle/>
+          <a:p>
+            <a:r>
+              <a:rPr lang="en-US" altLang="ko-KR" sz="2800" dirty="0">
+                <a:latin typeface="나눔스퀘어 Bold" panose="020B0600000101010101" pitchFamily="50" charset="-127"/>
+                <a:ea typeface="나눔스퀘어 Bold" panose="020B0600000101010101" pitchFamily="50" charset="-127"/>
+              </a:rPr>
+              <a:t>Implementation</a:t>
+            </a:r>
+            <a:endParaRPr lang="ko-KR" altLang="en-US" sz="2800" dirty="0">
+              <a:latin typeface="나눔스퀘어 Bold" panose="020B0600000101010101" pitchFamily="50" charset="-127"/>
+              <a:ea typeface="나눔스퀘어 Bold" panose="020B0600000101010101" pitchFamily="50" charset="-127"/>
+            </a:endParaRPr>
+          </a:p>
+        </p:txBody>
+      </p:sp>
+      <p:sp>
+        <p:nvSpPr>
+          <p:cNvPr id="11" name="TextBox 10">
+            <a:extLst>
+              <a:ext uri="{FF2B5EF4-FFF2-40B4-BE49-F238E27FC236}">
+                <a16:creationId xmlns:a16="http://schemas.microsoft.com/office/drawing/2014/main" id="{F7412D97-FB04-E964-85B5-EF400758C174}"/>
+              </a:ext>
+            </a:extLst>
+          </p:cNvPr>
+          <p:cNvSpPr txBox="1"/>
+          <p:nvPr/>
+        </p:nvSpPr>
+        <p:spPr>
+          <a:xfrm>
+            <a:off x="942387" y="1249753"/>
+            <a:ext cx="7740989" cy="369332"/>
+          </a:xfrm>
+          <a:prstGeom prst="rect">
+            <a:avLst/>
+          </a:prstGeom>
+          <a:noFill/>
+        </p:spPr>
+        <p:txBody>
+          <a:bodyPr wrap="square" rtlCol="0">
+            <a:spAutoFit/>
+          </a:bodyPr>
+          <a:lstStyle/>
+          <a:p>
+            <a:r>
+              <a:rPr lang="ko-KR" altLang="en-US" dirty="0">
+                <a:latin typeface="나눔스퀘어 Bold" panose="020B0600000101010101" pitchFamily="50" charset="-127"/>
+                <a:ea typeface="나눔스퀘어 Bold" panose="020B0600000101010101" pitchFamily="50" charset="-127"/>
+              </a:rPr>
+              <a:t>백준 온라인 저지</a:t>
+            </a:r>
+            <a:r>
+              <a:rPr lang="en-US" altLang="ko-KR" dirty="0">
+                <a:latin typeface="나눔스퀘어 Bold" panose="020B0600000101010101" pitchFamily="50" charset="-127"/>
+                <a:ea typeface="나눔스퀘어 Bold" panose="020B0600000101010101" pitchFamily="50" charset="-127"/>
+              </a:rPr>
+              <a:t>(acmicpc.net)</a:t>
+            </a:r>
+            <a:r>
+              <a:rPr lang="ko-KR" altLang="en-US" dirty="0">
+                <a:latin typeface="나눔스퀘어 Bold" panose="020B0600000101010101" pitchFamily="50" charset="-127"/>
+                <a:ea typeface="나눔스퀘어 Bold" panose="020B0600000101010101" pitchFamily="50" charset="-127"/>
+              </a:rPr>
+              <a:t>에 가입하고 기초 구현 문제들을 풀어봅니다</a:t>
+            </a:r>
+            <a:r>
+              <a:rPr lang="en-US" altLang="ko-KR" dirty="0">
+                <a:latin typeface="나눔스퀘어 Bold" panose="020B0600000101010101" pitchFamily="50" charset="-127"/>
+                <a:ea typeface="나눔스퀘어 Bold" panose="020B0600000101010101" pitchFamily="50" charset="-127"/>
+              </a:rPr>
+              <a:t>.</a:t>
+            </a:r>
+            <a:endParaRPr lang="ko-KR" altLang="en-US" dirty="0">
+              <a:latin typeface="나눔스퀘어 Bold" panose="020B0600000101010101" pitchFamily="50" charset="-127"/>
+              <a:ea typeface="나눔스퀘어 Bold" panose="020B0600000101010101" pitchFamily="50" charset="-127"/>
+            </a:endParaRPr>
+          </a:p>
+        </p:txBody>
+      </p:sp>
+      <p:sp>
+        <p:nvSpPr>
+          <p:cNvPr id="8" name="TextBox 7">
+            <a:extLst>
+              <a:ext uri="{FF2B5EF4-FFF2-40B4-BE49-F238E27FC236}">
+                <a16:creationId xmlns:a16="http://schemas.microsoft.com/office/drawing/2014/main" id="{41E1BD8E-FCBB-6312-95D4-1F75601A52A6}"/>
+              </a:ext>
+            </a:extLst>
+          </p:cNvPr>
+          <p:cNvSpPr txBox="1"/>
+          <p:nvPr/>
+        </p:nvSpPr>
+        <p:spPr>
+          <a:xfrm>
+            <a:off x="942387" y="1981332"/>
+            <a:ext cx="8553305" cy="646331"/>
+          </a:xfrm>
+          <a:prstGeom prst="rect">
+            <a:avLst/>
+          </a:prstGeom>
+          <a:noFill/>
+        </p:spPr>
+        <p:txBody>
+          <a:bodyPr wrap="square" rtlCol="0">
+            <a:spAutoFit/>
+          </a:bodyPr>
+          <a:lstStyle/>
+          <a:p>
+            <a:r>
+              <a:rPr lang="ko-KR" altLang="en-US" dirty="0">
+                <a:latin typeface="나눔스퀘어 Light" panose="020B0600000101010101" pitchFamily="50" charset="-127"/>
+                <a:ea typeface="나눔스퀘어 Light" panose="020B0600000101010101" pitchFamily="50" charset="-127"/>
+              </a:rPr>
+              <a:t>구현은 사실 알고리즘보단 구현 그 자체의 능력이 중시되는 경우가 많지만</a:t>
+            </a:r>
+            <a:r>
+              <a:rPr lang="en-US" altLang="ko-KR" dirty="0">
+                <a:latin typeface="나눔스퀘어 Light" panose="020B0600000101010101" pitchFamily="50" charset="-127"/>
+                <a:ea typeface="나눔스퀘어 Light" panose="020B0600000101010101" pitchFamily="50" charset="-127"/>
+              </a:rPr>
+              <a:t>,</a:t>
+            </a:r>
+          </a:p>
+          <a:p>
+            <a:r>
+              <a:rPr lang="ko-KR" altLang="en-US" dirty="0">
+                <a:latin typeface="나눔스퀘어 Light" panose="020B0600000101010101" pitchFamily="50" charset="-127"/>
+                <a:ea typeface="나눔스퀘어 Light" panose="020B0600000101010101" pitchFamily="50" charset="-127"/>
+              </a:rPr>
+              <a:t>코드를 어떻게 짜서 풀 것인지를 생각하는 것도 알고리즘 입니다</a:t>
+            </a:r>
+            <a:r>
+              <a:rPr lang="en-US" altLang="ko-KR" dirty="0">
+                <a:latin typeface="나눔스퀘어 Light" panose="020B0600000101010101" pitchFamily="50" charset="-127"/>
+                <a:ea typeface="나눔스퀘어 Light" panose="020B0600000101010101" pitchFamily="50" charset="-127"/>
+              </a:rPr>
+              <a:t>.</a:t>
+            </a:r>
+            <a:endParaRPr lang="ko-KR" altLang="en-US" dirty="0">
+              <a:latin typeface="나눔스퀘어 Light" panose="020B0600000101010101" pitchFamily="50" charset="-127"/>
+              <a:ea typeface="나눔스퀘어 Light" panose="020B0600000101010101" pitchFamily="50" charset="-127"/>
+            </a:endParaRPr>
+          </a:p>
+        </p:txBody>
+      </p:sp>
+      <p:sp>
+        <p:nvSpPr>
+          <p:cNvPr id="9" name="TextBox 8">
+            <a:extLst>
+              <a:ext uri="{FF2B5EF4-FFF2-40B4-BE49-F238E27FC236}">
+                <a16:creationId xmlns:a16="http://schemas.microsoft.com/office/drawing/2014/main" id="{1E3D14CF-1881-1E37-F066-781CAA04B39A}"/>
+              </a:ext>
+            </a:extLst>
+          </p:cNvPr>
+          <p:cNvSpPr txBox="1"/>
+          <p:nvPr/>
+        </p:nvSpPr>
+        <p:spPr>
+          <a:xfrm>
+            <a:off x="942387" y="2989910"/>
+            <a:ext cx="8553305" cy="646331"/>
+          </a:xfrm>
+          <a:prstGeom prst="rect">
+            <a:avLst/>
+          </a:prstGeom>
+          <a:noFill/>
+        </p:spPr>
+        <p:txBody>
+          <a:bodyPr wrap="square" rtlCol="0">
+            <a:spAutoFit/>
+          </a:bodyPr>
+          <a:lstStyle/>
+          <a:p>
+            <a:r>
+              <a:rPr lang="ko-KR" altLang="en-US" dirty="0">
+                <a:latin typeface="나눔스퀘어 Light" panose="020B0600000101010101" pitchFamily="50" charset="-127"/>
+                <a:ea typeface="나눔스퀘어 Light" panose="020B0600000101010101" pitchFamily="50" charset="-127"/>
+              </a:rPr>
+              <a:t>본인이 사용할 언어를 하나 고르고</a:t>
+            </a:r>
+            <a:r>
+              <a:rPr lang="en-US" altLang="ko-KR" dirty="0">
+                <a:latin typeface="나눔스퀘어 Light" panose="020B0600000101010101" pitchFamily="50" charset="-127"/>
+                <a:ea typeface="나눔스퀘어 Light" panose="020B0600000101010101" pitchFamily="50" charset="-127"/>
+              </a:rPr>
+              <a:t>, IDE </a:t>
+            </a:r>
+            <a:r>
+              <a:rPr lang="ko-KR" altLang="en-US" dirty="0">
+                <a:latin typeface="나눔스퀘어 Light" panose="020B0600000101010101" pitchFamily="50" charset="-127"/>
+                <a:ea typeface="나눔스퀘어 Light" panose="020B0600000101010101" pitchFamily="50" charset="-127"/>
+              </a:rPr>
+              <a:t>환경을 구축하고</a:t>
+            </a:r>
+            <a:r>
+              <a:rPr lang="en-US" altLang="ko-KR" dirty="0">
+                <a:latin typeface="나눔스퀘어 Light" panose="020B0600000101010101" pitchFamily="50" charset="-127"/>
+                <a:ea typeface="나눔스퀘어 Light" panose="020B0600000101010101" pitchFamily="50" charset="-127"/>
+              </a:rPr>
+              <a:t>,</a:t>
+            </a:r>
+          </a:p>
+          <a:p>
+            <a:r>
+              <a:rPr lang="ko-KR" altLang="en-US" dirty="0">
+                <a:latin typeface="나눔스퀘어 Light" panose="020B0600000101010101" pitchFamily="50" charset="-127"/>
+                <a:ea typeface="나눔스퀘어 Light" panose="020B0600000101010101" pitchFamily="50" charset="-127"/>
+              </a:rPr>
+              <a:t>백준 온라인 저지 채점 시스템에 </a:t>
+            </a:r>
+            <a:r>
+              <a:rPr lang="ko-KR" altLang="en-US" dirty="0" err="1">
+                <a:latin typeface="나눔스퀘어 Light" panose="020B0600000101010101" pitchFamily="50" charset="-127"/>
+                <a:ea typeface="나눔스퀘어 Light" panose="020B0600000101010101" pitchFamily="50" charset="-127"/>
+              </a:rPr>
+              <a:t>익숙해져봅니다</a:t>
+            </a:r>
+            <a:r>
+              <a:rPr lang="en-US" altLang="ko-KR" dirty="0">
+                <a:latin typeface="나눔스퀘어 Light" panose="020B0600000101010101" pitchFamily="50" charset="-127"/>
+                <a:ea typeface="나눔스퀘어 Light" panose="020B0600000101010101" pitchFamily="50" charset="-127"/>
+              </a:rPr>
+              <a:t>.</a:t>
+            </a:r>
+            <a:endParaRPr lang="ko-KR" altLang="en-US" dirty="0">
+              <a:latin typeface="나눔스퀘어 Light" panose="020B0600000101010101" pitchFamily="50" charset="-127"/>
+              <a:ea typeface="나눔스퀘어 Light" panose="020B0600000101010101" pitchFamily="50" charset="-127"/>
+            </a:endParaRPr>
+          </a:p>
+        </p:txBody>
+      </p:sp>
+    </p:spTree>
+    <p:extLst>
+      <p:ext uri="{BB962C8B-B14F-4D97-AF65-F5344CB8AC3E}">
+        <p14:creationId xmlns:p14="http://schemas.microsoft.com/office/powerpoint/2010/main" val="2432658886"/>
+      </p:ext>
+    </p:extLst>
+  </p:cSld>
+  <p:clrMapOvr>
+    <a:masterClrMapping/>
+  </p:clrMapOvr>
+</p:sld>
+</file>
+
+<file path=ppt/slides/slide21.xml><?xml version="1.0" encoding="utf-8"?>
+<p:sld xmlns:a="http://schemas.openxmlformats.org/drawingml/2006/main" xmlns:r="http://schemas.openxmlformats.org/officeDocument/2006/relationships" xmlns:p="http://schemas.openxmlformats.org/presentationml/2006/main">
+  <p:cSld>
+    <p:spTree>
+      <p:nvGrpSpPr>
+        <p:cNvPr id="1" name=""/>
+        <p:cNvGrpSpPr/>
+        <p:nvPr/>
+      </p:nvGrpSpPr>
+      <p:grpSpPr>
+        <a:xfrm>
+          <a:off x="0" y="0"/>
+          <a:ext cx="0" cy="0"/>
+          <a:chOff x="0" y="0"/>
+          <a:chExt cx="0" cy="0"/>
+        </a:xfrm>
+      </p:grpSpPr>
+      <p:cxnSp>
+        <p:nvCxnSpPr>
+          <p:cNvPr id="5" name="직선 연결선 4">
+            <a:extLst>
+              <a:ext uri="{FF2B5EF4-FFF2-40B4-BE49-F238E27FC236}">
+                <a16:creationId xmlns:a16="http://schemas.microsoft.com/office/drawing/2014/main" id="{164C2827-EFCE-69A4-D037-1A218415F568}"/>
+              </a:ext>
+            </a:extLst>
+          </p:cNvPr>
+          <p:cNvCxnSpPr/>
+          <p:nvPr/>
+        </p:nvCxnSpPr>
+        <p:spPr>
+          <a:xfrm>
+            <a:off x="0" y="887505"/>
+            <a:ext cx="10237694" cy="0"/>
+          </a:xfrm>
+          <a:prstGeom prst="line">
+            <a:avLst/>
+          </a:prstGeom>
+          <a:ln w="76200">
+            <a:solidFill>
+              <a:schemeClr val="tx1">
+                <a:lumMod val="75000"/>
+                <a:lumOff val="25000"/>
+              </a:schemeClr>
+            </a:solidFill>
+          </a:ln>
+        </p:spPr>
+        <p:style>
+          <a:lnRef idx="1">
+            <a:schemeClr val="accent1"/>
+          </a:lnRef>
+          <a:fillRef idx="0">
+            <a:schemeClr val="accent1"/>
+          </a:fillRef>
+          <a:effectRef idx="0">
+            <a:schemeClr val="accent1"/>
+          </a:effectRef>
+          <a:fontRef idx="minor">
+            <a:schemeClr val="tx1"/>
+          </a:fontRef>
+        </p:style>
+      </p:cxnSp>
+      <p:sp>
+        <p:nvSpPr>
+          <p:cNvPr id="6" name="TextBox 5">
+            <a:extLst>
+              <a:ext uri="{FF2B5EF4-FFF2-40B4-BE49-F238E27FC236}">
+                <a16:creationId xmlns:a16="http://schemas.microsoft.com/office/drawing/2014/main" id="{908ED9B9-09D3-CFA8-625A-6F9BB9B6BD23}"/>
+              </a:ext>
+            </a:extLst>
+          </p:cNvPr>
+          <p:cNvSpPr txBox="1"/>
+          <p:nvPr/>
+        </p:nvSpPr>
+        <p:spPr>
+          <a:xfrm>
+            <a:off x="331694" y="177505"/>
+            <a:ext cx="2845651" cy="523220"/>
+          </a:xfrm>
+          <a:prstGeom prst="rect">
+            <a:avLst/>
+          </a:prstGeom>
+          <a:noFill/>
+        </p:spPr>
+        <p:txBody>
+          <a:bodyPr wrap="none" rtlCol="0">
+            <a:spAutoFit/>
+          </a:bodyPr>
+          <a:lstStyle/>
+          <a:p>
+            <a:r>
+              <a:rPr lang="en-US" altLang="ko-KR" sz="2800" dirty="0">
+                <a:latin typeface="나눔스퀘어 Bold" panose="020B0600000101010101" pitchFamily="50" charset="-127"/>
+                <a:ea typeface="나눔스퀘어 Bold" panose="020B0600000101010101" pitchFamily="50" charset="-127"/>
+              </a:rPr>
+              <a:t>Implementation</a:t>
+            </a:r>
+            <a:endParaRPr lang="ko-KR" altLang="en-US" sz="2800" dirty="0">
+              <a:latin typeface="나눔스퀘어 Bold" panose="020B0600000101010101" pitchFamily="50" charset="-127"/>
+              <a:ea typeface="나눔스퀘어 Bold" panose="020B0600000101010101" pitchFamily="50" charset="-127"/>
+            </a:endParaRPr>
+          </a:p>
+        </p:txBody>
+      </p:sp>
+      <p:sp>
+        <p:nvSpPr>
+          <p:cNvPr id="11" name="TextBox 10">
+            <a:extLst>
+              <a:ext uri="{FF2B5EF4-FFF2-40B4-BE49-F238E27FC236}">
+                <a16:creationId xmlns:a16="http://schemas.microsoft.com/office/drawing/2014/main" id="{F7412D97-FB04-E964-85B5-EF400758C174}"/>
+              </a:ext>
+            </a:extLst>
+          </p:cNvPr>
+          <p:cNvSpPr txBox="1"/>
+          <p:nvPr/>
+        </p:nvSpPr>
+        <p:spPr>
+          <a:xfrm>
+            <a:off x="942387" y="1249753"/>
+            <a:ext cx="7740989" cy="369332"/>
+          </a:xfrm>
+          <a:prstGeom prst="rect">
+            <a:avLst/>
+          </a:prstGeom>
+          <a:noFill/>
+        </p:spPr>
+        <p:txBody>
+          <a:bodyPr wrap="square" rtlCol="0">
+            <a:spAutoFit/>
+          </a:bodyPr>
+          <a:lstStyle/>
+          <a:p>
+            <a:r>
+              <a:rPr lang="en-US" altLang="ko-KR" dirty="0">
+                <a:latin typeface="나눔스퀘어 Bold" panose="020B0600000101010101" pitchFamily="50" charset="-127"/>
+                <a:ea typeface="나눔스퀘어 Bold" panose="020B0600000101010101" pitchFamily="50" charset="-127"/>
+              </a:rPr>
+              <a:t>Tip : </a:t>
+            </a:r>
+            <a:r>
+              <a:rPr lang="ko-KR" altLang="en-US" dirty="0">
+                <a:latin typeface="나눔스퀘어 Bold" panose="020B0600000101010101" pitchFamily="50" charset="-127"/>
+                <a:ea typeface="나눔스퀘어 Bold" panose="020B0600000101010101" pitchFamily="50" charset="-127"/>
+              </a:rPr>
+              <a:t>설정 </a:t>
+            </a:r>
+            <a:r>
+              <a:rPr lang="en-US" altLang="ko-KR" dirty="0">
+                <a:latin typeface="나눔스퀘어 Bold" panose="020B0600000101010101" pitchFamily="50" charset="-127"/>
+                <a:ea typeface="나눔스퀘어 Bold" panose="020B0600000101010101" pitchFamily="50" charset="-127"/>
+              </a:rPr>
+              <a:t>&gt; </a:t>
+            </a:r>
+            <a:r>
+              <a:rPr lang="ko-KR" altLang="en-US" dirty="0">
+                <a:latin typeface="나눔스퀘어 Bold" panose="020B0600000101010101" pitchFamily="50" charset="-127"/>
+                <a:ea typeface="나눔스퀘어 Bold" panose="020B0600000101010101" pitchFamily="50" charset="-127"/>
+              </a:rPr>
+              <a:t>언어 에 가서 본인이 사용할 언어를 제일 위로 </a:t>
+            </a:r>
+            <a:r>
+              <a:rPr lang="ko-KR" altLang="en-US" dirty="0" err="1">
+                <a:latin typeface="나눔스퀘어 Bold" panose="020B0600000101010101" pitchFamily="50" charset="-127"/>
+                <a:ea typeface="나눔스퀘어 Bold" panose="020B0600000101010101" pitchFamily="50" charset="-127"/>
+              </a:rPr>
+              <a:t>해놓으면</a:t>
+            </a:r>
+            <a:r>
+              <a:rPr lang="ko-KR" altLang="en-US" dirty="0">
+                <a:latin typeface="나눔스퀘어 Bold" panose="020B0600000101010101" pitchFamily="50" charset="-127"/>
+                <a:ea typeface="나눔스퀘어 Bold" panose="020B0600000101010101" pitchFamily="50" charset="-127"/>
+              </a:rPr>
+              <a:t> 편합니다</a:t>
+            </a:r>
+            <a:r>
+              <a:rPr lang="en-US" altLang="ko-KR" dirty="0">
+                <a:latin typeface="나눔스퀘어 Bold" panose="020B0600000101010101" pitchFamily="50" charset="-127"/>
+                <a:ea typeface="나눔스퀘어 Bold" panose="020B0600000101010101" pitchFamily="50" charset="-127"/>
+              </a:rPr>
+              <a:t>.</a:t>
+            </a:r>
+            <a:endParaRPr lang="ko-KR" altLang="en-US" dirty="0">
+              <a:latin typeface="나눔스퀘어 Bold" panose="020B0600000101010101" pitchFamily="50" charset="-127"/>
+              <a:ea typeface="나눔스퀘어 Bold" panose="020B0600000101010101" pitchFamily="50" charset="-127"/>
+            </a:endParaRPr>
+          </a:p>
+        </p:txBody>
+      </p:sp>
+      <p:pic>
+        <p:nvPicPr>
+          <p:cNvPr id="3" name="그림 2">
+            <a:extLst>
+              <a:ext uri="{FF2B5EF4-FFF2-40B4-BE49-F238E27FC236}">
+                <a16:creationId xmlns:a16="http://schemas.microsoft.com/office/drawing/2014/main" id="{4A96135D-58A4-50BD-C59B-0363E069CB95}"/>
+              </a:ext>
+            </a:extLst>
+          </p:cNvPr>
+          <p:cNvPicPr>
+            <a:picLocks noChangeAspect="1"/>
+          </p:cNvPicPr>
+          <p:nvPr/>
+        </p:nvPicPr>
+        <p:blipFill>
+          <a:blip r:embed="rId2"/>
+          <a:stretch>
+            <a:fillRect/>
+          </a:stretch>
+        </p:blipFill>
+        <p:spPr>
+          <a:xfrm>
+            <a:off x="2180669" y="1619085"/>
+            <a:ext cx="7830662" cy="5121090"/>
+          </a:xfrm>
+          <a:prstGeom prst="rect">
+            <a:avLst/>
+          </a:prstGeom>
+        </p:spPr>
+      </p:pic>
+    </p:spTree>
+    <p:extLst>
+      <p:ext uri="{BB962C8B-B14F-4D97-AF65-F5344CB8AC3E}">
+        <p14:creationId xmlns:p14="http://schemas.microsoft.com/office/powerpoint/2010/main" val="2917466020"/>
+      </p:ext>
+    </p:extLst>
+  </p:cSld>
+  <p:clrMapOvr>
+    <a:masterClrMapping/>
+  </p:clrMapOvr>
+</p:sld>
+</file>
+
+<file path=ppt/slides/slide22.xml><?xml version="1.0" encoding="utf-8"?>
+<p:sld xmlns:a="http://schemas.openxmlformats.org/drawingml/2006/main" xmlns:r="http://schemas.openxmlformats.org/officeDocument/2006/relationships" xmlns:p="http://schemas.openxmlformats.org/presentationml/2006/main">
+  <p:cSld>
+    <p:spTree>
+      <p:nvGrpSpPr>
+        <p:cNvPr id="1" name=""/>
+        <p:cNvGrpSpPr/>
+        <p:nvPr/>
+      </p:nvGrpSpPr>
+      <p:grpSpPr>
+        <a:xfrm>
+          <a:off x="0" y="0"/>
+          <a:ext cx="0" cy="0"/>
+          <a:chOff x="0" y="0"/>
+          <a:chExt cx="0" cy="0"/>
+        </a:xfrm>
+      </p:grpSpPr>
+      <p:cxnSp>
+        <p:nvCxnSpPr>
+          <p:cNvPr id="5" name="직선 연결선 4">
+            <a:extLst>
+              <a:ext uri="{FF2B5EF4-FFF2-40B4-BE49-F238E27FC236}">
+                <a16:creationId xmlns:a16="http://schemas.microsoft.com/office/drawing/2014/main" id="{164C2827-EFCE-69A4-D037-1A218415F568}"/>
+              </a:ext>
+            </a:extLst>
+          </p:cNvPr>
+          <p:cNvCxnSpPr/>
+          <p:nvPr/>
+        </p:nvCxnSpPr>
+        <p:spPr>
+          <a:xfrm>
+            <a:off x="0" y="887505"/>
+            <a:ext cx="10237694" cy="0"/>
+          </a:xfrm>
+          <a:prstGeom prst="line">
+            <a:avLst/>
+          </a:prstGeom>
+          <a:ln w="76200">
+            <a:solidFill>
+              <a:schemeClr val="tx1">
+                <a:lumMod val="75000"/>
+                <a:lumOff val="25000"/>
+              </a:schemeClr>
+            </a:solidFill>
+          </a:ln>
+        </p:spPr>
+        <p:style>
+          <a:lnRef idx="1">
+            <a:schemeClr val="accent1"/>
+          </a:lnRef>
+          <a:fillRef idx="0">
+            <a:schemeClr val="accent1"/>
+          </a:fillRef>
+          <a:effectRef idx="0">
+            <a:schemeClr val="accent1"/>
+          </a:effectRef>
+          <a:fontRef idx="minor">
+            <a:schemeClr val="tx1"/>
+          </a:fontRef>
+        </p:style>
+      </p:cxnSp>
+      <p:sp>
+        <p:nvSpPr>
+          <p:cNvPr id="6" name="TextBox 5">
+            <a:extLst>
+              <a:ext uri="{FF2B5EF4-FFF2-40B4-BE49-F238E27FC236}">
+                <a16:creationId xmlns:a16="http://schemas.microsoft.com/office/drawing/2014/main" id="{908ED9B9-09D3-CFA8-625A-6F9BB9B6BD23}"/>
+              </a:ext>
+            </a:extLst>
+          </p:cNvPr>
+          <p:cNvSpPr txBox="1"/>
+          <p:nvPr/>
+        </p:nvSpPr>
+        <p:spPr>
+          <a:xfrm>
+            <a:off x="331694" y="177505"/>
+            <a:ext cx="6087372" cy="523220"/>
+          </a:xfrm>
+          <a:prstGeom prst="rect">
+            <a:avLst/>
+          </a:prstGeom>
+          <a:noFill/>
+        </p:spPr>
+        <p:txBody>
+          <a:bodyPr wrap="none" rtlCol="0">
+            <a:spAutoFit/>
+          </a:bodyPr>
+          <a:lstStyle/>
+          <a:p>
+            <a:r>
+              <a:rPr lang="en-US" altLang="ko-KR" sz="2800" dirty="0">
+                <a:latin typeface="나눔스퀘어 Bold" panose="020B0600000101010101" pitchFamily="50" charset="-127"/>
+                <a:ea typeface="나눔스퀘어 Bold" panose="020B0600000101010101" pitchFamily="50" charset="-127"/>
+              </a:rPr>
+              <a:t>Implementation – 2557 Hello World</a:t>
+            </a:r>
+            <a:endParaRPr lang="ko-KR" altLang="en-US" sz="2800" dirty="0">
+              <a:latin typeface="나눔스퀘어 Bold" panose="020B0600000101010101" pitchFamily="50" charset="-127"/>
+              <a:ea typeface="나눔스퀘어 Bold" panose="020B0600000101010101" pitchFamily="50" charset="-127"/>
+            </a:endParaRPr>
+          </a:p>
+        </p:txBody>
+      </p:sp>
+      <p:pic>
+        <p:nvPicPr>
+          <p:cNvPr id="14" name="그림 13">
+            <a:extLst>
+              <a:ext uri="{FF2B5EF4-FFF2-40B4-BE49-F238E27FC236}">
+                <a16:creationId xmlns:a16="http://schemas.microsoft.com/office/drawing/2014/main" id="{B4FA9500-D9EF-C9F0-51F5-5DFDB37C7D22}"/>
+              </a:ext>
+            </a:extLst>
+          </p:cNvPr>
+          <p:cNvPicPr>
+            <a:picLocks noChangeAspect="1"/>
+          </p:cNvPicPr>
+          <p:nvPr/>
+        </p:nvPicPr>
+        <p:blipFill>
+          <a:blip r:embed="rId2"/>
+          <a:stretch>
+            <a:fillRect/>
+          </a:stretch>
+        </p:blipFill>
+        <p:spPr>
+          <a:xfrm>
+            <a:off x="1449974" y="938260"/>
+            <a:ext cx="9292052" cy="5919740"/>
+          </a:xfrm>
+          <a:prstGeom prst="rect">
+            <a:avLst/>
+          </a:prstGeom>
+        </p:spPr>
+      </p:pic>
+    </p:spTree>
+    <p:extLst>
+      <p:ext uri="{BB962C8B-B14F-4D97-AF65-F5344CB8AC3E}">
+        <p14:creationId xmlns:p14="http://schemas.microsoft.com/office/powerpoint/2010/main" val="3852066961"/>
+      </p:ext>
+    </p:extLst>
+  </p:cSld>
+  <p:clrMapOvr>
+    <a:masterClrMapping/>
+  </p:clrMapOvr>
+</p:sld>
+</file>
+
+<file path=ppt/slides/slide23.xml><?xml version="1.0" encoding="utf-8"?>
+<p:sld xmlns:a="http://schemas.openxmlformats.org/drawingml/2006/main" xmlns:r="http://schemas.openxmlformats.org/officeDocument/2006/relationships" xmlns:p="http://schemas.openxmlformats.org/presentationml/2006/main">
+  <p:cSld>
+    <p:spTree>
+      <p:nvGrpSpPr>
+        <p:cNvPr id="1" name=""/>
+        <p:cNvGrpSpPr/>
+        <p:nvPr/>
+      </p:nvGrpSpPr>
+      <p:grpSpPr>
+        <a:xfrm>
+          <a:off x="0" y="0"/>
+          <a:ext cx="0" cy="0"/>
+          <a:chOff x="0" y="0"/>
+          <a:chExt cx="0" cy="0"/>
+        </a:xfrm>
+      </p:grpSpPr>
+      <p:cxnSp>
+        <p:nvCxnSpPr>
+          <p:cNvPr id="5" name="직선 연결선 4">
+            <a:extLst>
+              <a:ext uri="{FF2B5EF4-FFF2-40B4-BE49-F238E27FC236}">
+                <a16:creationId xmlns:a16="http://schemas.microsoft.com/office/drawing/2014/main" id="{164C2827-EFCE-69A4-D037-1A218415F568}"/>
+              </a:ext>
+            </a:extLst>
+          </p:cNvPr>
+          <p:cNvCxnSpPr/>
+          <p:nvPr/>
+        </p:nvCxnSpPr>
+        <p:spPr>
+          <a:xfrm>
+            <a:off x="0" y="887505"/>
+            <a:ext cx="10237694" cy="0"/>
+          </a:xfrm>
+          <a:prstGeom prst="line">
+            <a:avLst/>
+          </a:prstGeom>
+          <a:ln w="76200">
+            <a:solidFill>
+              <a:schemeClr val="tx1">
+                <a:lumMod val="75000"/>
+                <a:lumOff val="25000"/>
+              </a:schemeClr>
+            </a:solidFill>
+          </a:ln>
+        </p:spPr>
+        <p:style>
+          <a:lnRef idx="1">
+            <a:schemeClr val="accent1"/>
+          </a:lnRef>
+          <a:fillRef idx="0">
+            <a:schemeClr val="accent1"/>
+          </a:fillRef>
+          <a:effectRef idx="0">
+            <a:schemeClr val="accent1"/>
+          </a:effectRef>
+          <a:fontRef idx="minor">
+            <a:schemeClr val="tx1"/>
+          </a:fontRef>
+        </p:style>
+      </p:cxnSp>
+      <p:sp>
+        <p:nvSpPr>
+          <p:cNvPr id="6" name="TextBox 5">
+            <a:extLst>
+              <a:ext uri="{FF2B5EF4-FFF2-40B4-BE49-F238E27FC236}">
+                <a16:creationId xmlns:a16="http://schemas.microsoft.com/office/drawing/2014/main" id="{908ED9B9-09D3-CFA8-625A-6F9BB9B6BD23}"/>
+              </a:ext>
+            </a:extLst>
+          </p:cNvPr>
+          <p:cNvSpPr txBox="1"/>
+          <p:nvPr/>
+        </p:nvSpPr>
+        <p:spPr>
+          <a:xfrm>
+            <a:off x="331694" y="177505"/>
+            <a:ext cx="6087372" cy="523220"/>
+          </a:xfrm>
+          <a:prstGeom prst="rect">
+            <a:avLst/>
+          </a:prstGeom>
+          <a:noFill/>
+        </p:spPr>
+        <p:txBody>
+          <a:bodyPr wrap="none" rtlCol="0">
+            <a:spAutoFit/>
+          </a:bodyPr>
+          <a:lstStyle/>
+          <a:p>
+            <a:r>
+              <a:rPr lang="en-US" altLang="ko-KR" sz="2800" dirty="0">
+                <a:latin typeface="나눔스퀘어 Bold" panose="020B0600000101010101" pitchFamily="50" charset="-127"/>
+                <a:ea typeface="나눔스퀘어 Bold" panose="020B0600000101010101" pitchFamily="50" charset="-127"/>
+              </a:rPr>
+              <a:t>Implementation – 2557 Hello World</a:t>
+            </a:r>
+            <a:endParaRPr lang="ko-KR" altLang="en-US" sz="2800" dirty="0">
+              <a:latin typeface="나눔스퀘어 Bold" panose="020B0600000101010101" pitchFamily="50" charset="-127"/>
+              <a:ea typeface="나눔스퀘어 Bold" panose="020B0600000101010101" pitchFamily="50" charset="-127"/>
+            </a:endParaRPr>
+          </a:p>
+        </p:txBody>
+      </p:sp>
+      <p:sp>
+        <p:nvSpPr>
+          <p:cNvPr id="7" name="TextBox 6">
+            <a:extLst>
+              <a:ext uri="{FF2B5EF4-FFF2-40B4-BE49-F238E27FC236}">
+                <a16:creationId xmlns:a16="http://schemas.microsoft.com/office/drawing/2014/main" id="{BA807B7E-C360-F76C-0439-EE24526A4473}"/>
+              </a:ext>
+            </a:extLst>
+          </p:cNvPr>
+          <p:cNvSpPr txBox="1"/>
+          <p:nvPr/>
+        </p:nvSpPr>
+        <p:spPr>
+          <a:xfrm>
+            <a:off x="942387" y="1190024"/>
+            <a:ext cx="8553305" cy="369332"/>
+          </a:xfrm>
+          <a:prstGeom prst="rect">
+            <a:avLst/>
+          </a:prstGeom>
+          <a:noFill/>
+        </p:spPr>
+        <p:txBody>
+          <a:bodyPr wrap="square" rtlCol="0">
+            <a:spAutoFit/>
+          </a:bodyPr>
+          <a:lstStyle/>
+          <a:p>
+            <a:r>
+              <a:rPr lang="ko-KR" altLang="en-US" dirty="0">
+                <a:latin typeface="나눔스퀘어 Light" panose="020B0600000101010101" pitchFamily="50" charset="-127"/>
+                <a:ea typeface="나눔스퀘어 Light" panose="020B0600000101010101" pitchFamily="50" charset="-127"/>
+              </a:rPr>
+              <a:t>따로 설명할 필요가 없는 문제인 것 같습니다</a:t>
+            </a:r>
+            <a:r>
+              <a:rPr lang="en-US" altLang="ko-KR" dirty="0">
+                <a:latin typeface="나눔스퀘어 Light" panose="020B0600000101010101" pitchFamily="50" charset="-127"/>
+                <a:ea typeface="나눔스퀘어 Light" panose="020B0600000101010101" pitchFamily="50" charset="-127"/>
+              </a:rPr>
+              <a:t>.</a:t>
+            </a:r>
+            <a:endParaRPr lang="ko-KR" altLang="en-US" dirty="0">
+              <a:latin typeface="나눔스퀘어 Light" panose="020B0600000101010101" pitchFamily="50" charset="-127"/>
+              <a:ea typeface="나눔스퀘어 Light" panose="020B0600000101010101" pitchFamily="50" charset="-127"/>
+            </a:endParaRPr>
+          </a:p>
+        </p:txBody>
+      </p:sp>
+      <p:sp>
+        <p:nvSpPr>
+          <p:cNvPr id="8" name="TextBox 7">
+            <a:extLst>
+              <a:ext uri="{FF2B5EF4-FFF2-40B4-BE49-F238E27FC236}">
+                <a16:creationId xmlns:a16="http://schemas.microsoft.com/office/drawing/2014/main" id="{17BFFD7E-3223-6D5B-01EA-DFD8AA18ACF9}"/>
+              </a:ext>
+            </a:extLst>
+          </p:cNvPr>
+          <p:cNvSpPr txBox="1"/>
+          <p:nvPr/>
+        </p:nvSpPr>
+        <p:spPr>
+          <a:xfrm>
+            <a:off x="942387" y="1805485"/>
+            <a:ext cx="9295307" cy="646331"/>
+          </a:xfrm>
+          <a:prstGeom prst="rect">
+            <a:avLst/>
+          </a:prstGeom>
+          <a:noFill/>
+        </p:spPr>
+        <p:txBody>
+          <a:bodyPr wrap="square" rtlCol="0">
+            <a:spAutoFit/>
+          </a:bodyPr>
+          <a:lstStyle/>
+          <a:p>
+            <a:r>
+              <a:rPr lang="en-US" altLang="ko-KR" dirty="0">
+                <a:latin typeface="나눔스퀘어 Light" panose="020B0600000101010101" pitchFamily="50" charset="-127"/>
+                <a:ea typeface="나눔스퀘어 Light" panose="020B0600000101010101" pitchFamily="50" charset="-127"/>
+              </a:rPr>
+              <a:t>BOJ</a:t>
+            </a:r>
+            <a:r>
+              <a:rPr lang="ko-KR" altLang="en-US" dirty="0">
+                <a:latin typeface="나눔스퀘어 Light" panose="020B0600000101010101" pitchFamily="50" charset="-127"/>
+                <a:ea typeface="나눔스퀘어 Light" panose="020B0600000101010101" pitchFamily="50" charset="-127"/>
+              </a:rPr>
+              <a:t>의 채점 시스템은 표준 출력의 일치 여부를 확인하기 때문에</a:t>
+            </a:r>
+            <a:r>
+              <a:rPr lang="en-US" altLang="ko-KR" dirty="0">
+                <a:latin typeface="나눔스퀘어 Light" panose="020B0600000101010101" pitchFamily="50" charset="-127"/>
+                <a:ea typeface="나눔스퀘어 Light" panose="020B0600000101010101" pitchFamily="50" charset="-127"/>
+              </a:rPr>
+              <a:t>,</a:t>
+            </a:r>
+          </a:p>
+          <a:p>
+            <a:r>
+              <a:rPr lang="ko-KR" altLang="en-US" dirty="0">
+                <a:latin typeface="나눔스퀘어 Light" panose="020B0600000101010101" pitchFamily="50" charset="-127"/>
+                <a:ea typeface="나눔스퀘어 Light" panose="020B0600000101010101" pitchFamily="50" charset="-127"/>
+              </a:rPr>
+              <a:t>출력을 요구하지 않은 문자를 출력하거나 오타가 있거나 하면 </a:t>
+            </a:r>
+            <a:r>
+              <a:rPr lang="en-US" altLang="ko-KR" dirty="0">
+                <a:latin typeface="나눔스퀘어 Light" panose="020B0600000101010101" pitchFamily="50" charset="-127"/>
+                <a:ea typeface="나눔스퀘어 Light" panose="020B0600000101010101" pitchFamily="50" charset="-127"/>
+              </a:rPr>
+              <a:t>“</a:t>
+            </a:r>
+            <a:r>
+              <a:rPr lang="ko-KR" altLang="en-US" dirty="0">
+                <a:latin typeface="나눔스퀘어 Light" panose="020B0600000101010101" pitchFamily="50" charset="-127"/>
+                <a:ea typeface="나눔스퀘어 Light" panose="020B0600000101010101" pitchFamily="50" charset="-127"/>
+              </a:rPr>
+              <a:t>틀렸습니다</a:t>
+            </a:r>
+            <a:r>
+              <a:rPr lang="en-US" altLang="ko-KR" dirty="0">
+                <a:latin typeface="나눔스퀘어 Light" panose="020B0600000101010101" pitchFamily="50" charset="-127"/>
+                <a:ea typeface="나눔스퀘어 Light" panose="020B0600000101010101" pitchFamily="50" charset="-127"/>
+              </a:rPr>
+              <a:t>” </a:t>
+            </a:r>
+            <a:r>
+              <a:rPr lang="ko-KR" altLang="en-US" dirty="0">
+                <a:latin typeface="나눔스퀘어 Light" panose="020B0600000101010101" pitchFamily="50" charset="-127"/>
+                <a:ea typeface="나눔스퀘어 Light" panose="020B0600000101010101" pitchFamily="50" charset="-127"/>
+              </a:rPr>
+              <a:t>를 받을 수 있습니다</a:t>
+            </a:r>
+            <a:r>
+              <a:rPr lang="en-US" altLang="ko-KR" dirty="0">
+                <a:latin typeface="나눔스퀘어 Light" panose="020B0600000101010101" pitchFamily="50" charset="-127"/>
+                <a:ea typeface="나눔스퀘어 Light" panose="020B0600000101010101" pitchFamily="50" charset="-127"/>
+              </a:rPr>
+              <a:t>.</a:t>
+            </a:r>
+            <a:endParaRPr lang="ko-KR" altLang="en-US" dirty="0">
+              <a:latin typeface="나눔스퀘어 Light" panose="020B0600000101010101" pitchFamily="50" charset="-127"/>
+              <a:ea typeface="나눔스퀘어 Light" panose="020B0600000101010101" pitchFamily="50" charset="-127"/>
+            </a:endParaRPr>
+          </a:p>
+        </p:txBody>
+      </p:sp>
+      <p:pic>
+        <p:nvPicPr>
+          <p:cNvPr id="3" name="그림 2">
+            <a:extLst>
+              <a:ext uri="{FF2B5EF4-FFF2-40B4-BE49-F238E27FC236}">
+                <a16:creationId xmlns:a16="http://schemas.microsoft.com/office/drawing/2014/main" id="{052A9B87-FD9D-C518-C1F5-18705FD9589E}"/>
+              </a:ext>
+            </a:extLst>
+          </p:cNvPr>
+          <p:cNvPicPr>
+            <a:picLocks noChangeAspect="1"/>
+          </p:cNvPicPr>
+          <p:nvPr/>
+        </p:nvPicPr>
+        <p:blipFill>
+          <a:blip r:embed="rId2"/>
+          <a:stretch>
+            <a:fillRect/>
+          </a:stretch>
+        </p:blipFill>
+        <p:spPr>
+          <a:xfrm>
+            <a:off x="1319350" y="3369795"/>
+            <a:ext cx="3621926" cy="1196718"/>
+          </a:xfrm>
+          <a:prstGeom prst="rect">
+            <a:avLst/>
+          </a:prstGeom>
+        </p:spPr>
+      </p:pic>
+      <p:pic>
+        <p:nvPicPr>
+          <p:cNvPr id="9" name="그림 8">
+            <a:extLst>
+              <a:ext uri="{FF2B5EF4-FFF2-40B4-BE49-F238E27FC236}">
+                <a16:creationId xmlns:a16="http://schemas.microsoft.com/office/drawing/2014/main" id="{132BB202-7871-B0C7-035C-CEB08D3B494D}"/>
+              </a:ext>
+            </a:extLst>
+          </p:cNvPr>
+          <p:cNvPicPr>
+            <a:picLocks noChangeAspect="1"/>
+          </p:cNvPicPr>
+          <p:nvPr/>
+        </p:nvPicPr>
+        <p:blipFill>
+          <a:blip r:embed="rId3"/>
+          <a:stretch>
+            <a:fillRect/>
+          </a:stretch>
+        </p:blipFill>
+        <p:spPr>
+          <a:xfrm>
+            <a:off x="1319350" y="4743312"/>
+            <a:ext cx="3621926" cy="274766"/>
+          </a:xfrm>
+          <a:prstGeom prst="rect">
+            <a:avLst/>
+          </a:prstGeom>
+        </p:spPr>
+      </p:pic>
+      <p:pic>
+        <p:nvPicPr>
+          <p:cNvPr id="11" name="그림 10">
+            <a:extLst>
+              <a:ext uri="{FF2B5EF4-FFF2-40B4-BE49-F238E27FC236}">
+                <a16:creationId xmlns:a16="http://schemas.microsoft.com/office/drawing/2014/main" id="{75F1E3A0-85FF-C12D-1798-02F15ED73613}"/>
+              </a:ext>
+            </a:extLst>
+          </p:cNvPr>
+          <p:cNvPicPr>
+            <a:picLocks noChangeAspect="1"/>
+          </p:cNvPicPr>
+          <p:nvPr/>
+        </p:nvPicPr>
+        <p:blipFill>
+          <a:blip r:embed="rId4"/>
+          <a:stretch>
+            <a:fillRect/>
+          </a:stretch>
+        </p:blipFill>
+        <p:spPr>
+          <a:xfrm>
+            <a:off x="5582738" y="3370758"/>
+            <a:ext cx="4234221" cy="1647319"/>
+          </a:xfrm>
+          <a:prstGeom prst="rect">
+            <a:avLst/>
+          </a:prstGeom>
+        </p:spPr>
+      </p:pic>
+    </p:spTree>
+    <p:extLst>
+      <p:ext uri="{BB962C8B-B14F-4D97-AF65-F5344CB8AC3E}">
+        <p14:creationId xmlns:p14="http://schemas.microsoft.com/office/powerpoint/2010/main" val="36971579"/>
+      </p:ext>
+    </p:extLst>
+  </p:cSld>
+  <p:clrMapOvr>
+    <a:masterClrMapping/>
+  </p:clrMapOvr>
+</p:sld>
+</file>
+
+<file path=ppt/slides/slide24.xml><?xml version="1.0" encoding="utf-8"?>
+<p:sld xmlns:a="http://schemas.openxmlformats.org/drawingml/2006/main" xmlns:r="http://schemas.openxmlformats.org/officeDocument/2006/relationships" xmlns:p="http://schemas.openxmlformats.org/presentationml/2006/main">
+  <p:cSld>
+    <p:spTree>
+      <p:nvGrpSpPr>
+        <p:cNvPr id="1" name=""/>
+        <p:cNvGrpSpPr/>
+        <p:nvPr/>
+      </p:nvGrpSpPr>
+      <p:grpSpPr>
+        <a:xfrm>
+          <a:off x="0" y="0"/>
+          <a:ext cx="0" cy="0"/>
+          <a:chOff x="0" y="0"/>
+          <a:chExt cx="0" cy="0"/>
+        </a:xfrm>
+      </p:grpSpPr>
+      <p:cxnSp>
+        <p:nvCxnSpPr>
+          <p:cNvPr id="5" name="직선 연결선 4">
+            <a:extLst>
+              <a:ext uri="{FF2B5EF4-FFF2-40B4-BE49-F238E27FC236}">
+                <a16:creationId xmlns:a16="http://schemas.microsoft.com/office/drawing/2014/main" id="{164C2827-EFCE-69A4-D037-1A218415F568}"/>
+              </a:ext>
+            </a:extLst>
+          </p:cNvPr>
+          <p:cNvCxnSpPr/>
+          <p:nvPr/>
+        </p:nvCxnSpPr>
+        <p:spPr>
+          <a:xfrm>
+            <a:off x="0" y="887505"/>
+            <a:ext cx="10237694" cy="0"/>
+          </a:xfrm>
+          <a:prstGeom prst="line">
+            <a:avLst/>
+          </a:prstGeom>
+          <a:ln w="76200">
+            <a:solidFill>
+              <a:schemeClr val="tx1">
+                <a:lumMod val="75000"/>
+                <a:lumOff val="25000"/>
+              </a:schemeClr>
+            </a:solidFill>
+          </a:ln>
+        </p:spPr>
+        <p:style>
+          <a:lnRef idx="1">
+            <a:schemeClr val="accent1"/>
+          </a:lnRef>
+          <a:fillRef idx="0">
+            <a:schemeClr val="accent1"/>
+          </a:fillRef>
+          <a:effectRef idx="0">
+            <a:schemeClr val="accent1"/>
+          </a:effectRef>
+          <a:fontRef idx="minor">
+            <a:schemeClr val="tx1"/>
+          </a:fontRef>
+        </p:style>
+      </p:cxnSp>
+      <p:sp>
+        <p:nvSpPr>
+          <p:cNvPr id="6" name="TextBox 5">
+            <a:extLst>
+              <a:ext uri="{FF2B5EF4-FFF2-40B4-BE49-F238E27FC236}">
+                <a16:creationId xmlns:a16="http://schemas.microsoft.com/office/drawing/2014/main" id="{908ED9B9-09D3-CFA8-625A-6F9BB9B6BD23}"/>
+              </a:ext>
+            </a:extLst>
+          </p:cNvPr>
+          <p:cNvSpPr txBox="1"/>
+          <p:nvPr/>
+        </p:nvSpPr>
+        <p:spPr>
+          <a:xfrm>
+            <a:off x="331694" y="177505"/>
+            <a:ext cx="5009705" cy="523220"/>
+          </a:xfrm>
+          <a:prstGeom prst="rect">
+            <a:avLst/>
+          </a:prstGeom>
+          <a:noFill/>
+        </p:spPr>
+        <p:txBody>
+          <a:bodyPr wrap="none" rtlCol="0">
+            <a:spAutoFit/>
+          </a:bodyPr>
+          <a:lstStyle/>
+          <a:p>
+            <a:r>
+              <a:rPr lang="en-US" altLang="ko-KR" sz="2800" dirty="0">
+                <a:latin typeface="나눔스퀘어 Bold" panose="020B0600000101010101" pitchFamily="50" charset="-127"/>
+                <a:ea typeface="나눔스퀘어 Bold" panose="020B0600000101010101" pitchFamily="50" charset="-127"/>
+              </a:rPr>
+              <a:t>Implementation – 1000 A+B</a:t>
+            </a:r>
+            <a:endParaRPr lang="ko-KR" altLang="en-US" sz="2800" dirty="0">
+              <a:latin typeface="나눔스퀘어 Bold" panose="020B0600000101010101" pitchFamily="50" charset="-127"/>
+              <a:ea typeface="나눔스퀘어 Bold" panose="020B0600000101010101" pitchFamily="50" charset="-127"/>
+            </a:endParaRPr>
+          </a:p>
+        </p:txBody>
+      </p:sp>
+      <p:pic>
+        <p:nvPicPr>
+          <p:cNvPr id="4" name="그림 3">
+            <a:extLst>
+              <a:ext uri="{FF2B5EF4-FFF2-40B4-BE49-F238E27FC236}">
+                <a16:creationId xmlns:a16="http://schemas.microsoft.com/office/drawing/2014/main" id="{7FB73F80-F909-AE6D-0DCB-43CE6DE5C251}"/>
+              </a:ext>
+            </a:extLst>
+          </p:cNvPr>
+          <p:cNvPicPr>
+            <a:picLocks noChangeAspect="1"/>
+          </p:cNvPicPr>
+          <p:nvPr/>
+        </p:nvPicPr>
+        <p:blipFill>
+          <a:blip r:embed="rId2"/>
+          <a:stretch>
+            <a:fillRect/>
+          </a:stretch>
+        </p:blipFill>
+        <p:spPr>
+          <a:xfrm>
+            <a:off x="1425352" y="932064"/>
+            <a:ext cx="9341297" cy="5925936"/>
+          </a:xfrm>
+          <a:prstGeom prst="rect">
+            <a:avLst/>
+          </a:prstGeom>
+        </p:spPr>
+      </p:pic>
+    </p:spTree>
+    <p:extLst>
+      <p:ext uri="{BB962C8B-B14F-4D97-AF65-F5344CB8AC3E}">
+        <p14:creationId xmlns:p14="http://schemas.microsoft.com/office/powerpoint/2010/main" val="1662062427"/>
+      </p:ext>
+    </p:extLst>
+  </p:cSld>
+  <p:clrMapOvr>
+    <a:masterClrMapping/>
+  </p:clrMapOvr>
+</p:sld>
+</file>
+
+<file path=ppt/slides/slide25.xml><?xml version="1.0" encoding="utf-8"?>
+<p:sld xmlns:a="http://schemas.openxmlformats.org/drawingml/2006/main" xmlns:r="http://schemas.openxmlformats.org/officeDocument/2006/relationships" xmlns:p="http://schemas.openxmlformats.org/presentationml/2006/main">
+  <p:cSld>
+    <p:spTree>
+      <p:nvGrpSpPr>
+        <p:cNvPr id="1" name=""/>
+        <p:cNvGrpSpPr/>
+        <p:nvPr/>
+      </p:nvGrpSpPr>
+      <p:grpSpPr>
+        <a:xfrm>
+          <a:off x="0" y="0"/>
+          <a:ext cx="0" cy="0"/>
+          <a:chOff x="0" y="0"/>
+          <a:chExt cx="0" cy="0"/>
+        </a:xfrm>
+      </p:grpSpPr>
+      <p:cxnSp>
+        <p:nvCxnSpPr>
+          <p:cNvPr id="5" name="직선 연결선 4">
+            <a:extLst>
+              <a:ext uri="{FF2B5EF4-FFF2-40B4-BE49-F238E27FC236}">
+                <a16:creationId xmlns:a16="http://schemas.microsoft.com/office/drawing/2014/main" id="{164C2827-EFCE-69A4-D037-1A218415F568}"/>
+              </a:ext>
+            </a:extLst>
+          </p:cNvPr>
+          <p:cNvCxnSpPr/>
+          <p:nvPr/>
+        </p:nvCxnSpPr>
+        <p:spPr>
+          <a:xfrm>
+            <a:off x="0" y="887505"/>
+            <a:ext cx="10237694" cy="0"/>
+          </a:xfrm>
+          <a:prstGeom prst="line">
+            <a:avLst/>
+          </a:prstGeom>
+          <a:ln w="76200">
+            <a:solidFill>
+              <a:schemeClr val="tx1">
+                <a:lumMod val="75000"/>
+                <a:lumOff val="25000"/>
+              </a:schemeClr>
+            </a:solidFill>
+          </a:ln>
+        </p:spPr>
+        <p:style>
+          <a:lnRef idx="1">
+            <a:schemeClr val="accent1"/>
+          </a:lnRef>
+          <a:fillRef idx="0">
+            <a:schemeClr val="accent1"/>
+          </a:fillRef>
+          <a:effectRef idx="0">
+            <a:schemeClr val="accent1"/>
+          </a:effectRef>
+          <a:fontRef idx="minor">
+            <a:schemeClr val="tx1"/>
+          </a:fontRef>
+        </p:style>
+      </p:cxnSp>
+      <p:sp>
+        <p:nvSpPr>
+          <p:cNvPr id="6" name="TextBox 5">
+            <a:extLst>
+              <a:ext uri="{FF2B5EF4-FFF2-40B4-BE49-F238E27FC236}">
+                <a16:creationId xmlns:a16="http://schemas.microsoft.com/office/drawing/2014/main" id="{908ED9B9-09D3-CFA8-625A-6F9BB9B6BD23}"/>
+              </a:ext>
+            </a:extLst>
+          </p:cNvPr>
+          <p:cNvSpPr txBox="1"/>
+          <p:nvPr/>
+        </p:nvSpPr>
+        <p:spPr>
+          <a:xfrm>
+            <a:off x="331694" y="177505"/>
+            <a:ext cx="5009705" cy="523220"/>
+          </a:xfrm>
+          <a:prstGeom prst="rect">
+            <a:avLst/>
+          </a:prstGeom>
+          <a:noFill/>
+        </p:spPr>
+        <p:txBody>
+          <a:bodyPr wrap="none" rtlCol="0">
+            <a:spAutoFit/>
+          </a:bodyPr>
+          <a:lstStyle/>
+          <a:p>
+            <a:r>
+              <a:rPr lang="en-US" altLang="ko-KR" sz="2800" dirty="0">
+                <a:latin typeface="나눔스퀘어 Bold" panose="020B0600000101010101" pitchFamily="50" charset="-127"/>
+                <a:ea typeface="나눔스퀘어 Bold" panose="020B0600000101010101" pitchFamily="50" charset="-127"/>
+              </a:rPr>
+              <a:t>Implementation – 1000 A+B</a:t>
+            </a:r>
+            <a:endParaRPr lang="ko-KR" altLang="en-US" sz="2800" dirty="0">
+              <a:latin typeface="나눔스퀘어 Bold" panose="020B0600000101010101" pitchFamily="50" charset="-127"/>
+              <a:ea typeface="나눔스퀘어 Bold" panose="020B0600000101010101" pitchFamily="50" charset="-127"/>
+            </a:endParaRPr>
+          </a:p>
+        </p:txBody>
+      </p:sp>
+      <p:sp>
+        <p:nvSpPr>
+          <p:cNvPr id="7" name="TextBox 6">
+            <a:extLst>
+              <a:ext uri="{FF2B5EF4-FFF2-40B4-BE49-F238E27FC236}">
+                <a16:creationId xmlns:a16="http://schemas.microsoft.com/office/drawing/2014/main" id="{5B474655-BD78-E334-950C-B8C17B96E7D6}"/>
+              </a:ext>
+            </a:extLst>
+          </p:cNvPr>
+          <p:cNvSpPr txBox="1"/>
+          <p:nvPr/>
+        </p:nvSpPr>
+        <p:spPr>
+          <a:xfrm>
+            <a:off x="942387" y="1190024"/>
+            <a:ext cx="8553305" cy="369332"/>
+          </a:xfrm>
+          <a:prstGeom prst="rect">
+            <a:avLst/>
+          </a:prstGeom>
+          <a:noFill/>
+        </p:spPr>
+        <p:txBody>
+          <a:bodyPr wrap="square" rtlCol="0">
+            <a:spAutoFit/>
+          </a:bodyPr>
+          <a:lstStyle/>
+          <a:p>
+            <a:r>
+              <a:rPr lang="ko-KR" altLang="en-US" dirty="0">
+                <a:latin typeface="나눔스퀘어 Light" panose="020B0600000101010101" pitchFamily="50" charset="-127"/>
+                <a:ea typeface="나눔스퀘어 Light" panose="020B0600000101010101" pitchFamily="50" charset="-127"/>
+              </a:rPr>
+              <a:t>사용하는 언어의 기본 입출력 방법을 알고 있는가를 확인하는 문제입니다</a:t>
+            </a:r>
+            <a:r>
+              <a:rPr lang="en-US" altLang="ko-KR" dirty="0">
+                <a:latin typeface="나눔스퀘어 Light" panose="020B0600000101010101" pitchFamily="50" charset="-127"/>
+                <a:ea typeface="나눔스퀘어 Light" panose="020B0600000101010101" pitchFamily="50" charset="-127"/>
+              </a:rPr>
+              <a:t>.</a:t>
+            </a:r>
+            <a:endParaRPr lang="ko-KR" altLang="en-US" dirty="0">
+              <a:latin typeface="나눔스퀘어 Light" panose="020B0600000101010101" pitchFamily="50" charset="-127"/>
+              <a:ea typeface="나눔스퀘어 Light" panose="020B0600000101010101" pitchFamily="50" charset="-127"/>
+            </a:endParaRPr>
+          </a:p>
+        </p:txBody>
+      </p:sp>
+    </p:spTree>
+    <p:extLst>
+      <p:ext uri="{BB962C8B-B14F-4D97-AF65-F5344CB8AC3E}">
+        <p14:creationId xmlns:p14="http://schemas.microsoft.com/office/powerpoint/2010/main" val="2620397563"/>
       </p:ext>
     </p:extLst>
   </p:cSld>

--- a/study/1_OT.pptx
+++ b/study/1_OT.pptx
@@ -30,6 +30,9 @@
     <p:sldId id="278" r:id="rId24"/>
     <p:sldId id="280" r:id="rId25"/>
     <p:sldId id="281" r:id="rId26"/>
+    <p:sldId id="282" r:id="rId27"/>
+    <p:sldId id="283" r:id="rId28"/>
+    <p:sldId id="284" r:id="rId29"/>
   </p:sldIdLst>
   <p:sldSz cx="12192000" cy="6858000"/>
   <p:notesSz cx="6858000" cy="9144000"/>
@@ -283,7 +286,7 @@
           <a:p>
             <a:fld id="{33C37291-AA83-40C0-9297-8F7F3693F6CC}" type="datetimeFigureOut">
               <a:rPr lang="ko-KR" altLang="en-US" smtClean="0"/>
-              <a:t>2022-08-03</a:t>
+              <a:t>2022-08-06</a:t>
             </a:fld>
             <a:endParaRPr lang="ko-KR" altLang="en-US"/>
           </a:p>
@@ -481,7 +484,7 @@
           <a:p>
             <a:fld id="{33C37291-AA83-40C0-9297-8F7F3693F6CC}" type="datetimeFigureOut">
               <a:rPr lang="ko-KR" altLang="en-US" smtClean="0"/>
-              <a:t>2022-08-03</a:t>
+              <a:t>2022-08-06</a:t>
             </a:fld>
             <a:endParaRPr lang="ko-KR" altLang="en-US"/>
           </a:p>
@@ -689,7 +692,7 @@
           <a:p>
             <a:fld id="{33C37291-AA83-40C0-9297-8F7F3693F6CC}" type="datetimeFigureOut">
               <a:rPr lang="ko-KR" altLang="en-US" smtClean="0"/>
-              <a:t>2022-08-03</a:t>
+              <a:t>2022-08-06</a:t>
             </a:fld>
             <a:endParaRPr lang="ko-KR" altLang="en-US"/>
           </a:p>
@@ -887,7 +890,7 @@
           <a:p>
             <a:fld id="{33C37291-AA83-40C0-9297-8F7F3693F6CC}" type="datetimeFigureOut">
               <a:rPr lang="ko-KR" altLang="en-US" smtClean="0"/>
-              <a:t>2022-08-03</a:t>
+              <a:t>2022-08-06</a:t>
             </a:fld>
             <a:endParaRPr lang="ko-KR" altLang="en-US"/>
           </a:p>
@@ -1162,7 +1165,7 @@
           <a:p>
             <a:fld id="{33C37291-AA83-40C0-9297-8F7F3693F6CC}" type="datetimeFigureOut">
               <a:rPr lang="ko-KR" altLang="en-US" smtClean="0"/>
-              <a:t>2022-08-03</a:t>
+              <a:t>2022-08-06</a:t>
             </a:fld>
             <a:endParaRPr lang="ko-KR" altLang="en-US"/>
           </a:p>
@@ -1427,7 +1430,7 @@
           <a:p>
             <a:fld id="{33C37291-AA83-40C0-9297-8F7F3693F6CC}" type="datetimeFigureOut">
               <a:rPr lang="ko-KR" altLang="en-US" smtClean="0"/>
-              <a:t>2022-08-03</a:t>
+              <a:t>2022-08-06</a:t>
             </a:fld>
             <a:endParaRPr lang="ko-KR" altLang="en-US"/>
           </a:p>
@@ -1839,7 +1842,7 @@
           <a:p>
             <a:fld id="{33C37291-AA83-40C0-9297-8F7F3693F6CC}" type="datetimeFigureOut">
               <a:rPr lang="ko-KR" altLang="en-US" smtClean="0"/>
-              <a:t>2022-08-03</a:t>
+              <a:t>2022-08-06</a:t>
             </a:fld>
             <a:endParaRPr lang="ko-KR" altLang="en-US"/>
           </a:p>
@@ -1980,7 +1983,7 @@
           <a:p>
             <a:fld id="{33C37291-AA83-40C0-9297-8F7F3693F6CC}" type="datetimeFigureOut">
               <a:rPr lang="ko-KR" altLang="en-US" smtClean="0"/>
-              <a:t>2022-08-03</a:t>
+              <a:t>2022-08-06</a:t>
             </a:fld>
             <a:endParaRPr lang="ko-KR" altLang="en-US"/>
           </a:p>
@@ -2093,7 +2096,7 @@
           <a:p>
             <a:fld id="{33C37291-AA83-40C0-9297-8F7F3693F6CC}" type="datetimeFigureOut">
               <a:rPr lang="ko-KR" altLang="en-US" smtClean="0"/>
-              <a:t>2022-08-03</a:t>
+              <a:t>2022-08-06</a:t>
             </a:fld>
             <a:endParaRPr lang="ko-KR" altLang="en-US"/>
           </a:p>
@@ -2404,7 +2407,7 @@
           <a:p>
             <a:fld id="{33C37291-AA83-40C0-9297-8F7F3693F6CC}" type="datetimeFigureOut">
               <a:rPr lang="ko-KR" altLang="en-US" smtClean="0"/>
-              <a:t>2022-08-03</a:t>
+              <a:t>2022-08-06</a:t>
             </a:fld>
             <a:endParaRPr lang="ko-KR" altLang="en-US"/>
           </a:p>
@@ -2692,7 +2695,7 @@
           <a:p>
             <a:fld id="{33C37291-AA83-40C0-9297-8F7F3693F6CC}" type="datetimeFigureOut">
               <a:rPr lang="ko-KR" altLang="en-US" smtClean="0"/>
-              <a:t>2022-08-03</a:t>
+              <a:t>2022-08-06</a:t>
             </a:fld>
             <a:endParaRPr lang="ko-KR" altLang="en-US"/>
           </a:p>
@@ -2933,7 +2936,7 @@
           <a:p>
             <a:fld id="{33C37291-AA83-40C0-9297-8F7F3693F6CC}" type="datetimeFigureOut">
               <a:rPr lang="ko-KR" altLang="en-US" smtClean="0"/>
-              <a:t>2022-08-03</a:t>
+              <a:t>2022-08-06</a:t>
             </a:fld>
             <a:endParaRPr lang="ko-KR" altLang="en-US"/>
           </a:p>
@@ -10071,10 +10074,686 @@
           </a:p>
         </p:txBody>
       </p:sp>
+      <p:pic>
+        <p:nvPicPr>
+          <p:cNvPr id="8" name="그림 7">
+            <a:extLst>
+              <a:ext uri="{FF2B5EF4-FFF2-40B4-BE49-F238E27FC236}">
+                <a16:creationId xmlns:a16="http://schemas.microsoft.com/office/drawing/2014/main" id="{902D4015-CAC6-76F2-E4D4-84DF5766CCBA}"/>
+              </a:ext>
+            </a:extLst>
+          </p:cNvPr>
+          <p:cNvPicPr>
+            <a:picLocks noChangeAspect="1"/>
+          </p:cNvPicPr>
+          <p:nvPr/>
+        </p:nvPicPr>
+        <p:blipFill>
+          <a:blip r:embed="rId2"/>
+          <a:stretch>
+            <a:fillRect/>
+          </a:stretch>
+        </p:blipFill>
+        <p:spPr>
+          <a:xfrm>
+            <a:off x="942387" y="1854773"/>
+            <a:ext cx="4220164" cy="1819529"/>
+          </a:xfrm>
+          <a:prstGeom prst="rect">
+            <a:avLst/>
+          </a:prstGeom>
+        </p:spPr>
+      </p:pic>
+      <p:pic>
+        <p:nvPicPr>
+          <p:cNvPr id="10" name="그림 9">
+            <a:extLst>
+              <a:ext uri="{FF2B5EF4-FFF2-40B4-BE49-F238E27FC236}">
+                <a16:creationId xmlns:a16="http://schemas.microsoft.com/office/drawing/2014/main" id="{66D50886-F8B7-0755-5C61-9129026BC3DC}"/>
+              </a:ext>
+            </a:extLst>
+          </p:cNvPr>
+          <p:cNvPicPr>
+            <a:picLocks noChangeAspect="1"/>
+          </p:cNvPicPr>
+          <p:nvPr/>
+        </p:nvPicPr>
+        <p:blipFill>
+          <a:blip r:embed="rId3"/>
+          <a:stretch>
+            <a:fillRect/>
+          </a:stretch>
+        </p:blipFill>
+        <p:spPr>
+          <a:xfrm>
+            <a:off x="942386" y="3969720"/>
+            <a:ext cx="4216025" cy="2144201"/>
+          </a:xfrm>
+          <a:prstGeom prst="rect">
+            <a:avLst/>
+          </a:prstGeom>
+        </p:spPr>
+      </p:pic>
+      <p:pic>
+        <p:nvPicPr>
+          <p:cNvPr id="12" name="그림 11">
+            <a:extLst>
+              <a:ext uri="{FF2B5EF4-FFF2-40B4-BE49-F238E27FC236}">
+                <a16:creationId xmlns:a16="http://schemas.microsoft.com/office/drawing/2014/main" id="{D8268561-AE6F-9491-916B-90B179B9EF9B}"/>
+              </a:ext>
+            </a:extLst>
+          </p:cNvPr>
+          <p:cNvPicPr>
+            <a:picLocks noChangeAspect="1"/>
+          </p:cNvPicPr>
+          <p:nvPr/>
+        </p:nvPicPr>
+        <p:blipFill>
+          <a:blip r:embed="rId4"/>
+          <a:stretch>
+            <a:fillRect/>
+          </a:stretch>
+        </p:blipFill>
+        <p:spPr>
+          <a:xfrm>
+            <a:off x="6082459" y="1861874"/>
+            <a:ext cx="4267796" cy="695422"/>
+          </a:xfrm>
+          <a:prstGeom prst="rect">
+            <a:avLst/>
+          </a:prstGeom>
+        </p:spPr>
+      </p:pic>
+      <p:pic>
+        <p:nvPicPr>
+          <p:cNvPr id="14" name="그림 13">
+            <a:extLst>
+              <a:ext uri="{FF2B5EF4-FFF2-40B4-BE49-F238E27FC236}">
+                <a16:creationId xmlns:a16="http://schemas.microsoft.com/office/drawing/2014/main" id="{D215124F-3720-A2D2-072F-006156D0D21E}"/>
+              </a:ext>
+            </a:extLst>
+          </p:cNvPr>
+          <p:cNvPicPr>
+            <a:picLocks noChangeAspect="1"/>
+          </p:cNvPicPr>
+          <p:nvPr/>
+        </p:nvPicPr>
+        <p:blipFill>
+          <a:blip r:embed="rId5"/>
+          <a:stretch>
+            <a:fillRect/>
+          </a:stretch>
+        </p:blipFill>
+        <p:spPr>
+          <a:xfrm>
+            <a:off x="6082459" y="3334871"/>
+            <a:ext cx="4268415" cy="2799607"/>
+          </a:xfrm>
+          <a:prstGeom prst="rect">
+            <a:avLst/>
+          </a:prstGeom>
+        </p:spPr>
+      </p:pic>
     </p:spTree>
     <p:extLst>
       <p:ext uri="{BB962C8B-B14F-4D97-AF65-F5344CB8AC3E}">
         <p14:creationId xmlns:p14="http://schemas.microsoft.com/office/powerpoint/2010/main" val="2620397563"/>
+      </p:ext>
+    </p:extLst>
+  </p:cSld>
+  <p:clrMapOvr>
+    <a:masterClrMapping/>
+  </p:clrMapOvr>
+</p:sld>
+</file>
+
+<file path=ppt/slides/slide26.xml><?xml version="1.0" encoding="utf-8"?>
+<p:sld xmlns:a="http://schemas.openxmlformats.org/drawingml/2006/main" xmlns:r="http://schemas.openxmlformats.org/officeDocument/2006/relationships" xmlns:p="http://schemas.openxmlformats.org/presentationml/2006/main">
+  <p:cSld>
+    <p:spTree>
+      <p:nvGrpSpPr>
+        <p:cNvPr id="1" name=""/>
+        <p:cNvGrpSpPr/>
+        <p:nvPr/>
+      </p:nvGrpSpPr>
+      <p:grpSpPr>
+        <a:xfrm>
+          <a:off x="0" y="0"/>
+          <a:ext cx="0" cy="0"/>
+          <a:chOff x="0" y="0"/>
+          <a:chExt cx="0" cy="0"/>
+        </a:xfrm>
+      </p:grpSpPr>
+      <p:cxnSp>
+        <p:nvCxnSpPr>
+          <p:cNvPr id="5" name="직선 연결선 4">
+            <a:extLst>
+              <a:ext uri="{FF2B5EF4-FFF2-40B4-BE49-F238E27FC236}">
+                <a16:creationId xmlns:a16="http://schemas.microsoft.com/office/drawing/2014/main" id="{164C2827-EFCE-69A4-D037-1A218415F568}"/>
+              </a:ext>
+            </a:extLst>
+          </p:cNvPr>
+          <p:cNvCxnSpPr/>
+          <p:nvPr/>
+        </p:nvCxnSpPr>
+        <p:spPr>
+          <a:xfrm>
+            <a:off x="0" y="887505"/>
+            <a:ext cx="10237694" cy="0"/>
+          </a:xfrm>
+          <a:prstGeom prst="line">
+            <a:avLst/>
+          </a:prstGeom>
+          <a:ln w="76200">
+            <a:solidFill>
+              <a:schemeClr val="tx1">
+                <a:lumMod val="75000"/>
+                <a:lumOff val="25000"/>
+              </a:schemeClr>
+            </a:solidFill>
+          </a:ln>
+        </p:spPr>
+        <p:style>
+          <a:lnRef idx="1">
+            <a:schemeClr val="accent1"/>
+          </a:lnRef>
+          <a:fillRef idx="0">
+            <a:schemeClr val="accent1"/>
+          </a:fillRef>
+          <a:effectRef idx="0">
+            <a:schemeClr val="accent1"/>
+          </a:effectRef>
+          <a:fontRef idx="minor">
+            <a:schemeClr val="tx1"/>
+          </a:fontRef>
+        </p:style>
+      </p:cxnSp>
+      <p:sp>
+        <p:nvSpPr>
+          <p:cNvPr id="6" name="TextBox 5">
+            <a:extLst>
+              <a:ext uri="{FF2B5EF4-FFF2-40B4-BE49-F238E27FC236}">
+                <a16:creationId xmlns:a16="http://schemas.microsoft.com/office/drawing/2014/main" id="{908ED9B9-09D3-CFA8-625A-6F9BB9B6BD23}"/>
+              </a:ext>
+            </a:extLst>
+          </p:cNvPr>
+          <p:cNvSpPr txBox="1"/>
+          <p:nvPr/>
+        </p:nvSpPr>
+        <p:spPr>
+          <a:xfrm>
+            <a:off x="331694" y="177505"/>
+            <a:ext cx="5763116" cy="523220"/>
+          </a:xfrm>
+          <a:prstGeom prst="rect">
+            <a:avLst/>
+          </a:prstGeom>
+          <a:noFill/>
+        </p:spPr>
+        <p:txBody>
+          <a:bodyPr wrap="none" rtlCol="0">
+            <a:spAutoFit/>
+          </a:bodyPr>
+          <a:lstStyle/>
+          <a:p>
+            <a:r>
+              <a:rPr lang="en-US" altLang="ko-KR" sz="2800" dirty="0">
+                <a:latin typeface="나눔스퀘어 Bold" panose="020B0600000101010101" pitchFamily="50" charset="-127"/>
+                <a:ea typeface="나눔스퀘어 Bold" panose="020B0600000101010101" pitchFamily="50" charset="-127"/>
+              </a:rPr>
+              <a:t>Implementation – 10872 </a:t>
+            </a:r>
+            <a:r>
+              <a:rPr lang="ko-KR" altLang="en-US" sz="2800" dirty="0" err="1">
+                <a:latin typeface="나눔스퀘어 Bold" panose="020B0600000101010101" pitchFamily="50" charset="-127"/>
+                <a:ea typeface="나눔스퀘어 Bold" panose="020B0600000101010101" pitchFamily="50" charset="-127"/>
+              </a:rPr>
+              <a:t>팩토리얼</a:t>
+            </a:r>
+            <a:endParaRPr lang="ko-KR" altLang="en-US" sz="2800" dirty="0">
+              <a:latin typeface="나눔스퀘어 Bold" panose="020B0600000101010101" pitchFamily="50" charset="-127"/>
+              <a:ea typeface="나눔스퀘어 Bold" panose="020B0600000101010101" pitchFamily="50" charset="-127"/>
+            </a:endParaRPr>
+          </a:p>
+        </p:txBody>
+      </p:sp>
+      <p:pic>
+        <p:nvPicPr>
+          <p:cNvPr id="3" name="그림 2">
+            <a:extLst>
+              <a:ext uri="{FF2B5EF4-FFF2-40B4-BE49-F238E27FC236}">
+                <a16:creationId xmlns:a16="http://schemas.microsoft.com/office/drawing/2014/main" id="{948D62DA-C97B-583F-9BC7-8A0A37844FDC}"/>
+              </a:ext>
+            </a:extLst>
+          </p:cNvPr>
+          <p:cNvPicPr>
+            <a:picLocks noChangeAspect="1"/>
+          </p:cNvPicPr>
+          <p:nvPr/>
+        </p:nvPicPr>
+        <p:blipFill>
+          <a:blip r:embed="rId2"/>
+          <a:stretch>
+            <a:fillRect/>
+          </a:stretch>
+        </p:blipFill>
+        <p:spPr>
+          <a:xfrm>
+            <a:off x="2204076" y="930352"/>
+            <a:ext cx="7783849" cy="5927648"/>
+          </a:xfrm>
+          <a:prstGeom prst="rect">
+            <a:avLst/>
+          </a:prstGeom>
+        </p:spPr>
+      </p:pic>
+    </p:spTree>
+    <p:extLst>
+      <p:ext uri="{BB962C8B-B14F-4D97-AF65-F5344CB8AC3E}">
+        <p14:creationId xmlns:p14="http://schemas.microsoft.com/office/powerpoint/2010/main" val="1360498889"/>
+      </p:ext>
+    </p:extLst>
+  </p:cSld>
+  <p:clrMapOvr>
+    <a:masterClrMapping/>
+  </p:clrMapOvr>
+</p:sld>
+</file>
+
+<file path=ppt/slides/slide27.xml><?xml version="1.0" encoding="utf-8"?>
+<p:sld xmlns:a="http://schemas.openxmlformats.org/drawingml/2006/main" xmlns:r="http://schemas.openxmlformats.org/officeDocument/2006/relationships" xmlns:p="http://schemas.openxmlformats.org/presentationml/2006/main">
+  <p:cSld>
+    <p:spTree>
+      <p:nvGrpSpPr>
+        <p:cNvPr id="1" name=""/>
+        <p:cNvGrpSpPr/>
+        <p:nvPr/>
+      </p:nvGrpSpPr>
+      <p:grpSpPr>
+        <a:xfrm>
+          <a:off x="0" y="0"/>
+          <a:ext cx="0" cy="0"/>
+          <a:chOff x="0" y="0"/>
+          <a:chExt cx="0" cy="0"/>
+        </a:xfrm>
+      </p:grpSpPr>
+      <p:cxnSp>
+        <p:nvCxnSpPr>
+          <p:cNvPr id="5" name="직선 연결선 4">
+            <a:extLst>
+              <a:ext uri="{FF2B5EF4-FFF2-40B4-BE49-F238E27FC236}">
+                <a16:creationId xmlns:a16="http://schemas.microsoft.com/office/drawing/2014/main" id="{164C2827-EFCE-69A4-D037-1A218415F568}"/>
+              </a:ext>
+            </a:extLst>
+          </p:cNvPr>
+          <p:cNvCxnSpPr/>
+          <p:nvPr/>
+        </p:nvCxnSpPr>
+        <p:spPr>
+          <a:xfrm>
+            <a:off x="0" y="887505"/>
+            <a:ext cx="10237694" cy="0"/>
+          </a:xfrm>
+          <a:prstGeom prst="line">
+            <a:avLst/>
+          </a:prstGeom>
+          <a:ln w="76200">
+            <a:solidFill>
+              <a:schemeClr val="tx1">
+                <a:lumMod val="75000"/>
+                <a:lumOff val="25000"/>
+              </a:schemeClr>
+            </a:solidFill>
+          </a:ln>
+        </p:spPr>
+        <p:style>
+          <a:lnRef idx="1">
+            <a:schemeClr val="accent1"/>
+          </a:lnRef>
+          <a:fillRef idx="0">
+            <a:schemeClr val="accent1"/>
+          </a:fillRef>
+          <a:effectRef idx="0">
+            <a:schemeClr val="accent1"/>
+          </a:effectRef>
+          <a:fontRef idx="minor">
+            <a:schemeClr val="tx1"/>
+          </a:fontRef>
+        </p:style>
+      </p:cxnSp>
+      <p:sp>
+        <p:nvSpPr>
+          <p:cNvPr id="6" name="TextBox 5">
+            <a:extLst>
+              <a:ext uri="{FF2B5EF4-FFF2-40B4-BE49-F238E27FC236}">
+                <a16:creationId xmlns:a16="http://schemas.microsoft.com/office/drawing/2014/main" id="{908ED9B9-09D3-CFA8-625A-6F9BB9B6BD23}"/>
+              </a:ext>
+            </a:extLst>
+          </p:cNvPr>
+          <p:cNvSpPr txBox="1"/>
+          <p:nvPr/>
+        </p:nvSpPr>
+        <p:spPr>
+          <a:xfrm>
+            <a:off x="331694" y="177505"/>
+            <a:ext cx="5673348" cy="523220"/>
+          </a:xfrm>
+          <a:prstGeom prst="rect">
+            <a:avLst/>
+          </a:prstGeom>
+          <a:noFill/>
+        </p:spPr>
+        <p:txBody>
+          <a:bodyPr wrap="none" rtlCol="0">
+            <a:spAutoFit/>
+          </a:bodyPr>
+          <a:lstStyle/>
+          <a:p>
+            <a:r>
+              <a:rPr lang="en-US" altLang="ko-KR" sz="2800" dirty="0">
+                <a:latin typeface="나눔스퀘어 Bold" panose="020B0600000101010101" pitchFamily="50" charset="-127"/>
+                <a:ea typeface="나눔스퀘어 Bold" panose="020B0600000101010101" pitchFamily="50" charset="-127"/>
+              </a:rPr>
+              <a:t>Implementation – 10872 </a:t>
+            </a:r>
+            <a:r>
+              <a:rPr lang="ko-KR" altLang="en-US" sz="2800" dirty="0" err="1">
+                <a:latin typeface="나눔스퀘어 Bold" panose="020B0600000101010101" pitchFamily="50" charset="-127"/>
+                <a:ea typeface="나눔스퀘어 Bold" panose="020B0600000101010101" pitchFamily="50" charset="-127"/>
+              </a:rPr>
+              <a:t>팩토리얼</a:t>
+            </a:r>
+            <a:endParaRPr lang="ko-KR" altLang="en-US" sz="2800" dirty="0">
+              <a:latin typeface="나눔스퀘어 Bold" panose="020B0600000101010101" pitchFamily="50" charset="-127"/>
+              <a:ea typeface="나눔스퀘어 Bold" panose="020B0600000101010101" pitchFamily="50" charset="-127"/>
+            </a:endParaRPr>
+          </a:p>
+        </p:txBody>
+      </p:sp>
+      <p:sp>
+        <p:nvSpPr>
+          <p:cNvPr id="7" name="TextBox 6">
+            <a:extLst>
+              <a:ext uri="{FF2B5EF4-FFF2-40B4-BE49-F238E27FC236}">
+                <a16:creationId xmlns:a16="http://schemas.microsoft.com/office/drawing/2014/main" id="{5B474655-BD78-E334-950C-B8C17B96E7D6}"/>
+              </a:ext>
+            </a:extLst>
+          </p:cNvPr>
+          <p:cNvSpPr txBox="1"/>
+          <p:nvPr/>
+        </p:nvSpPr>
+        <p:spPr>
+          <a:xfrm>
+            <a:off x="942387" y="1190024"/>
+            <a:ext cx="8553305" cy="369332"/>
+          </a:xfrm>
+          <a:prstGeom prst="rect">
+            <a:avLst/>
+          </a:prstGeom>
+          <a:noFill/>
+        </p:spPr>
+        <p:txBody>
+          <a:bodyPr wrap="square" rtlCol="0">
+            <a:spAutoFit/>
+          </a:bodyPr>
+          <a:lstStyle/>
+          <a:p>
+            <a:r>
+              <a:rPr lang="ko-KR" altLang="en-US" dirty="0">
+                <a:latin typeface="나눔스퀘어 Light" panose="020B0600000101010101" pitchFamily="50" charset="-127"/>
+                <a:ea typeface="나눔스퀘어 Light" panose="020B0600000101010101" pitchFamily="50" charset="-127"/>
+              </a:rPr>
+              <a:t>반복의 개념을 알고 있는가를 묻는 문제</a:t>
+            </a:r>
+          </a:p>
+        </p:txBody>
+      </p:sp>
+      <p:sp>
+        <p:nvSpPr>
+          <p:cNvPr id="9" name="TextBox 8">
+            <a:extLst>
+              <a:ext uri="{FF2B5EF4-FFF2-40B4-BE49-F238E27FC236}">
+                <a16:creationId xmlns:a16="http://schemas.microsoft.com/office/drawing/2014/main" id="{3CC685F9-C4C1-317E-53F6-18F92D0DE23A}"/>
+              </a:ext>
+            </a:extLst>
+          </p:cNvPr>
+          <p:cNvSpPr txBox="1"/>
+          <p:nvPr/>
+        </p:nvSpPr>
+        <p:spPr>
+          <a:xfrm>
+            <a:off x="942387" y="1575691"/>
+            <a:ext cx="8553305" cy="369332"/>
+          </a:xfrm>
+          <a:prstGeom prst="rect">
+            <a:avLst/>
+          </a:prstGeom>
+          <a:noFill/>
+        </p:spPr>
+        <p:txBody>
+          <a:bodyPr wrap="square" rtlCol="0">
+            <a:spAutoFit/>
+          </a:bodyPr>
+          <a:lstStyle/>
+          <a:p>
+            <a:r>
+              <a:rPr lang="en-US" altLang="ko-KR" dirty="0">
+                <a:latin typeface="나눔스퀘어 Light" panose="020B0600000101010101" pitchFamily="50" charset="-127"/>
+                <a:ea typeface="나눔스퀘어 Light" panose="020B0600000101010101" pitchFamily="50" charset="-127"/>
+              </a:rPr>
+              <a:t>Bottom Up </a:t>
+            </a:r>
+            <a:r>
+              <a:rPr lang="ko-KR" altLang="en-US" dirty="0">
+                <a:latin typeface="나눔스퀘어 Light" panose="020B0600000101010101" pitchFamily="50" charset="-127"/>
+                <a:ea typeface="나눔스퀘어 Light" panose="020B0600000101010101" pitchFamily="50" charset="-127"/>
+              </a:rPr>
+              <a:t>방식과 </a:t>
+            </a:r>
+            <a:r>
+              <a:rPr lang="en-US" altLang="ko-KR" dirty="0">
+                <a:latin typeface="나눔스퀘어 Light" panose="020B0600000101010101" pitchFamily="50" charset="-127"/>
+                <a:ea typeface="나눔스퀘어 Light" panose="020B0600000101010101" pitchFamily="50" charset="-127"/>
+              </a:rPr>
+              <a:t>Top Down </a:t>
+            </a:r>
+            <a:r>
+              <a:rPr lang="ko-KR" altLang="en-US" dirty="0">
+                <a:latin typeface="나눔스퀘어 Light" panose="020B0600000101010101" pitchFamily="50" charset="-127"/>
+                <a:ea typeface="나눔스퀘어 Light" panose="020B0600000101010101" pitchFamily="50" charset="-127"/>
+              </a:rPr>
+              <a:t>방식을 생각할 수 있음</a:t>
+            </a:r>
+          </a:p>
+        </p:txBody>
+      </p:sp>
+      <p:pic>
+        <p:nvPicPr>
+          <p:cNvPr id="3" name="그림 2">
+            <a:extLst>
+              <a:ext uri="{FF2B5EF4-FFF2-40B4-BE49-F238E27FC236}">
+                <a16:creationId xmlns:a16="http://schemas.microsoft.com/office/drawing/2014/main" id="{D1682640-C083-C7F9-3EB5-56654CA9A42A}"/>
+              </a:ext>
+            </a:extLst>
+          </p:cNvPr>
+          <p:cNvPicPr>
+            <a:picLocks noChangeAspect="1"/>
+          </p:cNvPicPr>
+          <p:nvPr/>
+        </p:nvPicPr>
+        <p:blipFill>
+          <a:blip r:embed="rId2"/>
+          <a:stretch>
+            <a:fillRect/>
+          </a:stretch>
+        </p:blipFill>
+        <p:spPr>
+          <a:xfrm>
+            <a:off x="1447623" y="2600498"/>
+            <a:ext cx="3487895" cy="2090571"/>
+          </a:xfrm>
+          <a:prstGeom prst="rect">
+            <a:avLst/>
+          </a:prstGeom>
+        </p:spPr>
+      </p:pic>
+      <p:pic>
+        <p:nvPicPr>
+          <p:cNvPr id="11" name="그림 10">
+            <a:extLst>
+              <a:ext uri="{FF2B5EF4-FFF2-40B4-BE49-F238E27FC236}">
+                <a16:creationId xmlns:a16="http://schemas.microsoft.com/office/drawing/2014/main" id="{453E51B3-947D-A6C6-F0FB-134905EB107A}"/>
+              </a:ext>
+            </a:extLst>
+          </p:cNvPr>
+          <p:cNvPicPr>
+            <a:picLocks noChangeAspect="1"/>
+          </p:cNvPicPr>
+          <p:nvPr/>
+        </p:nvPicPr>
+        <p:blipFill>
+          <a:blip r:embed="rId3"/>
+          <a:stretch>
+            <a:fillRect/>
+          </a:stretch>
+        </p:blipFill>
+        <p:spPr>
+          <a:xfrm>
+            <a:off x="6808672" y="2600498"/>
+            <a:ext cx="3067478" cy="3067478"/>
+          </a:xfrm>
+          <a:prstGeom prst="rect">
+            <a:avLst/>
+          </a:prstGeom>
+        </p:spPr>
+      </p:pic>
+    </p:spTree>
+    <p:extLst>
+      <p:ext uri="{BB962C8B-B14F-4D97-AF65-F5344CB8AC3E}">
+        <p14:creationId xmlns:p14="http://schemas.microsoft.com/office/powerpoint/2010/main" val="2004875287"/>
+      </p:ext>
+    </p:extLst>
+  </p:cSld>
+  <p:clrMapOvr>
+    <a:masterClrMapping/>
+  </p:clrMapOvr>
+</p:sld>
+</file>
+
+<file path=ppt/slides/slide28.xml><?xml version="1.0" encoding="utf-8"?>
+<p:sld xmlns:a="http://schemas.openxmlformats.org/drawingml/2006/main" xmlns:r="http://schemas.openxmlformats.org/officeDocument/2006/relationships" xmlns:p="http://schemas.openxmlformats.org/presentationml/2006/main">
+  <p:cSld>
+    <p:spTree>
+      <p:nvGrpSpPr>
+        <p:cNvPr id="1" name=""/>
+        <p:cNvGrpSpPr/>
+        <p:nvPr/>
+      </p:nvGrpSpPr>
+      <p:grpSpPr>
+        <a:xfrm>
+          <a:off x="0" y="0"/>
+          <a:ext cx="0" cy="0"/>
+          <a:chOff x="0" y="0"/>
+          <a:chExt cx="0" cy="0"/>
+        </a:xfrm>
+      </p:grpSpPr>
+      <p:cxnSp>
+        <p:nvCxnSpPr>
+          <p:cNvPr id="5" name="직선 연결선 4">
+            <a:extLst>
+              <a:ext uri="{FF2B5EF4-FFF2-40B4-BE49-F238E27FC236}">
+                <a16:creationId xmlns:a16="http://schemas.microsoft.com/office/drawing/2014/main" id="{164C2827-EFCE-69A4-D037-1A218415F568}"/>
+              </a:ext>
+            </a:extLst>
+          </p:cNvPr>
+          <p:cNvCxnSpPr/>
+          <p:nvPr/>
+        </p:nvCxnSpPr>
+        <p:spPr>
+          <a:xfrm>
+            <a:off x="0" y="887505"/>
+            <a:ext cx="10237694" cy="0"/>
+          </a:xfrm>
+          <a:prstGeom prst="line">
+            <a:avLst/>
+          </a:prstGeom>
+          <a:ln w="76200">
+            <a:solidFill>
+              <a:schemeClr val="tx1">
+                <a:lumMod val="75000"/>
+                <a:lumOff val="25000"/>
+              </a:schemeClr>
+            </a:solidFill>
+          </a:ln>
+        </p:spPr>
+        <p:style>
+          <a:lnRef idx="1">
+            <a:schemeClr val="accent1"/>
+          </a:lnRef>
+          <a:fillRef idx="0">
+            <a:schemeClr val="accent1"/>
+          </a:fillRef>
+          <a:effectRef idx="0">
+            <a:schemeClr val="accent1"/>
+          </a:effectRef>
+          <a:fontRef idx="minor">
+            <a:schemeClr val="tx1"/>
+          </a:fontRef>
+        </p:style>
+      </p:cxnSp>
+      <p:sp>
+        <p:nvSpPr>
+          <p:cNvPr id="6" name="TextBox 5">
+            <a:extLst>
+              <a:ext uri="{FF2B5EF4-FFF2-40B4-BE49-F238E27FC236}">
+                <a16:creationId xmlns:a16="http://schemas.microsoft.com/office/drawing/2014/main" id="{908ED9B9-09D3-CFA8-625A-6F9BB9B6BD23}"/>
+              </a:ext>
+            </a:extLst>
+          </p:cNvPr>
+          <p:cNvSpPr txBox="1"/>
+          <p:nvPr/>
+        </p:nvSpPr>
+        <p:spPr>
+          <a:xfrm>
+            <a:off x="331694" y="177505"/>
+            <a:ext cx="5763116" cy="523220"/>
+          </a:xfrm>
+          <a:prstGeom prst="rect">
+            <a:avLst/>
+          </a:prstGeom>
+          <a:noFill/>
+        </p:spPr>
+        <p:txBody>
+          <a:bodyPr wrap="none" rtlCol="0">
+            <a:spAutoFit/>
+          </a:bodyPr>
+          <a:lstStyle/>
+          <a:p>
+            <a:r>
+              <a:rPr lang="en-US" altLang="ko-KR" sz="2800" dirty="0">
+                <a:latin typeface="나눔스퀘어 Bold" panose="020B0600000101010101" pitchFamily="50" charset="-127"/>
+                <a:ea typeface="나눔스퀘어 Bold" panose="020B0600000101010101" pitchFamily="50" charset="-127"/>
+              </a:rPr>
+              <a:t>Implementation – 10872 </a:t>
+            </a:r>
+            <a:r>
+              <a:rPr lang="ko-KR" altLang="en-US" sz="2800" dirty="0" err="1">
+                <a:latin typeface="나눔스퀘어 Bold" panose="020B0600000101010101" pitchFamily="50" charset="-127"/>
+                <a:ea typeface="나눔스퀘어 Bold" panose="020B0600000101010101" pitchFamily="50" charset="-127"/>
+              </a:rPr>
+              <a:t>팩토리얼</a:t>
+            </a:r>
+            <a:endParaRPr lang="ko-KR" altLang="en-US" sz="2800" dirty="0">
+              <a:latin typeface="나눔스퀘어 Bold" panose="020B0600000101010101" pitchFamily="50" charset="-127"/>
+              <a:ea typeface="나눔스퀘어 Bold" panose="020B0600000101010101" pitchFamily="50" charset="-127"/>
+            </a:endParaRPr>
+          </a:p>
+        </p:txBody>
+      </p:sp>
+    </p:spTree>
+    <p:extLst>
+      <p:ext uri="{BB962C8B-B14F-4D97-AF65-F5344CB8AC3E}">
+        <p14:creationId xmlns:p14="http://schemas.microsoft.com/office/powerpoint/2010/main" val="2409707812"/>
       </p:ext>
     </p:extLst>
   </p:cSld>

--- a/study/1_OT.pptx
+++ b/study/1_OT.pptx
@@ -24,15 +24,22 @@
     <p:sldId id="273" r:id="rId18"/>
     <p:sldId id="274" r:id="rId19"/>
     <p:sldId id="275" r:id="rId20"/>
-    <p:sldId id="276" r:id="rId21"/>
-    <p:sldId id="279" r:id="rId22"/>
-    <p:sldId id="277" r:id="rId23"/>
-    <p:sldId id="278" r:id="rId24"/>
-    <p:sldId id="280" r:id="rId25"/>
-    <p:sldId id="281" r:id="rId26"/>
-    <p:sldId id="282" r:id="rId27"/>
-    <p:sldId id="283" r:id="rId28"/>
-    <p:sldId id="284" r:id="rId29"/>
+    <p:sldId id="285" r:id="rId21"/>
+    <p:sldId id="276" r:id="rId22"/>
+    <p:sldId id="279" r:id="rId23"/>
+    <p:sldId id="277" r:id="rId24"/>
+    <p:sldId id="278" r:id="rId25"/>
+    <p:sldId id="280" r:id="rId26"/>
+    <p:sldId id="281" r:id="rId27"/>
+    <p:sldId id="282" r:id="rId28"/>
+    <p:sldId id="283" r:id="rId29"/>
+    <p:sldId id="284" r:id="rId30"/>
+    <p:sldId id="286" r:id="rId31"/>
+    <p:sldId id="287" r:id="rId32"/>
+    <p:sldId id="288" r:id="rId33"/>
+    <p:sldId id="289" r:id="rId34"/>
+    <p:sldId id="290" r:id="rId35"/>
+    <p:sldId id="291" r:id="rId36"/>
   </p:sldIdLst>
   <p:sldSz cx="12192000" cy="6858000"/>
   <p:notesSz cx="6858000" cy="9144000"/>
@@ -286,7 +293,7 @@
           <a:p>
             <a:fld id="{33C37291-AA83-40C0-9297-8F7F3693F6CC}" type="datetimeFigureOut">
               <a:rPr lang="ko-KR" altLang="en-US" smtClean="0"/>
-              <a:t>2022-08-06</a:t>
+              <a:t>2022-08-07</a:t>
             </a:fld>
             <a:endParaRPr lang="ko-KR" altLang="en-US"/>
           </a:p>
@@ -484,7 +491,7 @@
           <a:p>
             <a:fld id="{33C37291-AA83-40C0-9297-8F7F3693F6CC}" type="datetimeFigureOut">
               <a:rPr lang="ko-KR" altLang="en-US" smtClean="0"/>
-              <a:t>2022-08-06</a:t>
+              <a:t>2022-08-07</a:t>
             </a:fld>
             <a:endParaRPr lang="ko-KR" altLang="en-US"/>
           </a:p>
@@ -692,7 +699,7 @@
           <a:p>
             <a:fld id="{33C37291-AA83-40C0-9297-8F7F3693F6CC}" type="datetimeFigureOut">
               <a:rPr lang="ko-KR" altLang="en-US" smtClean="0"/>
-              <a:t>2022-08-06</a:t>
+              <a:t>2022-08-07</a:t>
             </a:fld>
             <a:endParaRPr lang="ko-KR" altLang="en-US"/>
           </a:p>
@@ -890,7 +897,7 @@
           <a:p>
             <a:fld id="{33C37291-AA83-40C0-9297-8F7F3693F6CC}" type="datetimeFigureOut">
               <a:rPr lang="ko-KR" altLang="en-US" smtClean="0"/>
-              <a:t>2022-08-06</a:t>
+              <a:t>2022-08-07</a:t>
             </a:fld>
             <a:endParaRPr lang="ko-KR" altLang="en-US"/>
           </a:p>
@@ -1165,7 +1172,7 @@
           <a:p>
             <a:fld id="{33C37291-AA83-40C0-9297-8F7F3693F6CC}" type="datetimeFigureOut">
               <a:rPr lang="ko-KR" altLang="en-US" smtClean="0"/>
-              <a:t>2022-08-06</a:t>
+              <a:t>2022-08-07</a:t>
             </a:fld>
             <a:endParaRPr lang="ko-KR" altLang="en-US"/>
           </a:p>
@@ -1430,7 +1437,7 @@
           <a:p>
             <a:fld id="{33C37291-AA83-40C0-9297-8F7F3693F6CC}" type="datetimeFigureOut">
               <a:rPr lang="ko-KR" altLang="en-US" smtClean="0"/>
-              <a:t>2022-08-06</a:t>
+              <a:t>2022-08-07</a:t>
             </a:fld>
             <a:endParaRPr lang="ko-KR" altLang="en-US"/>
           </a:p>
@@ -1842,7 +1849,7 @@
           <a:p>
             <a:fld id="{33C37291-AA83-40C0-9297-8F7F3693F6CC}" type="datetimeFigureOut">
               <a:rPr lang="ko-KR" altLang="en-US" smtClean="0"/>
-              <a:t>2022-08-06</a:t>
+              <a:t>2022-08-07</a:t>
             </a:fld>
             <a:endParaRPr lang="ko-KR" altLang="en-US"/>
           </a:p>
@@ -1983,7 +1990,7 @@
           <a:p>
             <a:fld id="{33C37291-AA83-40C0-9297-8F7F3693F6CC}" type="datetimeFigureOut">
               <a:rPr lang="ko-KR" altLang="en-US" smtClean="0"/>
-              <a:t>2022-08-06</a:t>
+              <a:t>2022-08-07</a:t>
             </a:fld>
             <a:endParaRPr lang="ko-KR" altLang="en-US"/>
           </a:p>
@@ -2096,7 +2103,7 @@
           <a:p>
             <a:fld id="{33C37291-AA83-40C0-9297-8F7F3693F6CC}" type="datetimeFigureOut">
               <a:rPr lang="ko-KR" altLang="en-US" smtClean="0"/>
-              <a:t>2022-08-06</a:t>
+              <a:t>2022-08-07</a:t>
             </a:fld>
             <a:endParaRPr lang="ko-KR" altLang="en-US"/>
           </a:p>
@@ -2407,7 +2414,7 @@
           <a:p>
             <a:fld id="{33C37291-AA83-40C0-9297-8F7F3693F6CC}" type="datetimeFigureOut">
               <a:rPr lang="ko-KR" altLang="en-US" smtClean="0"/>
-              <a:t>2022-08-06</a:t>
+              <a:t>2022-08-07</a:t>
             </a:fld>
             <a:endParaRPr lang="ko-KR" altLang="en-US"/>
           </a:p>
@@ -2695,7 +2702,7 @@
           <a:p>
             <a:fld id="{33C37291-AA83-40C0-9297-8F7F3693F6CC}" type="datetimeFigureOut">
               <a:rPr lang="ko-KR" altLang="en-US" smtClean="0"/>
-              <a:t>2022-08-06</a:t>
+              <a:t>2022-08-07</a:t>
             </a:fld>
             <a:endParaRPr lang="ko-KR" altLang="en-US"/>
           </a:p>
@@ -2936,7 +2943,7 @@
           <a:p>
             <a:fld id="{33C37291-AA83-40C0-9297-8F7F3693F6CC}" type="datetimeFigureOut">
               <a:rPr lang="ko-KR" altLang="en-US" smtClean="0"/>
-              <a:t>2022-08-06</a:t>
+              <a:t>2022-08-07</a:t>
             </a:fld>
             <a:endParaRPr lang="ko-KR" altLang="en-US"/>
           </a:p>
@@ -8791,7 +8798,7 @@
         <p:spPr>
           <a:xfrm>
             <a:off x="331694" y="177505"/>
-            <a:ext cx="2845651" cy="523220"/>
+            <a:ext cx="2974917" cy="523220"/>
           </a:xfrm>
           <a:prstGeom prst="rect">
             <a:avLst/>
@@ -8809,7 +8816,7 @@
                 <a:latin typeface="나눔스퀘어 Bold" panose="020B0600000101010101" pitchFamily="50" charset="-127"/>
                 <a:ea typeface="나눔스퀘어 Bold" panose="020B0600000101010101" pitchFamily="50" charset="-127"/>
               </a:rPr>
-              <a:t>Implementation</a:t>
+              <a:t>Time Complexity</a:t>
             </a:r>
             <a:endParaRPr lang="ko-KR" altLang="en-US" sz="2800" dirty="0">
               <a:latin typeface="나눔스퀘어 Bold" panose="020B0600000101010101" pitchFamily="50" charset="-127"/>
@@ -8833,7 +8840,7 @@
         <p:spPr>
           <a:xfrm>
             <a:off x="942387" y="1249753"/>
-            <a:ext cx="7740989" cy="369332"/>
+            <a:ext cx="6623825" cy="369332"/>
           </a:xfrm>
           <a:prstGeom prst="rect">
             <a:avLst/>
@@ -8847,32 +8854,25 @@
           <a:lstStyle/>
           <a:p>
             <a:r>
+              <a:rPr lang="en-US" altLang="ko-KR" dirty="0">
+                <a:latin typeface="나눔스퀘어 Bold" panose="020B0600000101010101" pitchFamily="50" charset="-127"/>
+                <a:ea typeface="나눔스퀘어 Bold" panose="020B0600000101010101" pitchFamily="50" charset="-127"/>
+              </a:rPr>
+              <a:t>Q. </a:t>
+            </a:r>
+            <a:r>
               <a:rPr lang="ko-KR" altLang="en-US" dirty="0">
                 <a:latin typeface="나눔스퀘어 Bold" panose="020B0600000101010101" pitchFamily="50" charset="-127"/>
                 <a:ea typeface="나눔스퀘어 Bold" panose="020B0600000101010101" pitchFamily="50" charset="-127"/>
               </a:rPr>
-              <a:t>백준 온라인 저지</a:t>
+              <a:t>다음 코드는 어떤 시간 복잡도를 가질까요</a:t>
             </a:r>
             <a:r>
               <a:rPr lang="en-US" altLang="ko-KR" dirty="0">
                 <a:latin typeface="나눔스퀘어 Bold" panose="020B0600000101010101" pitchFamily="50" charset="-127"/>
                 <a:ea typeface="나눔스퀘어 Bold" panose="020B0600000101010101" pitchFamily="50" charset="-127"/>
               </a:rPr>
-              <a:t>(acmicpc.net)</a:t>
-            </a:r>
-            <a:r>
-              <a:rPr lang="ko-KR" altLang="en-US" dirty="0">
-                <a:latin typeface="나눔스퀘어 Bold" panose="020B0600000101010101" pitchFamily="50" charset="-127"/>
-                <a:ea typeface="나눔스퀘어 Bold" panose="020B0600000101010101" pitchFamily="50" charset="-127"/>
-              </a:rPr>
-              <a:t>에 가입하고 기초 구현 문제들을 풀어봅니다</a:t>
-            </a:r>
-            <a:r>
-              <a:rPr lang="en-US" altLang="ko-KR" dirty="0">
-                <a:latin typeface="나눔스퀘어 Bold" panose="020B0600000101010101" pitchFamily="50" charset="-127"/>
-                <a:ea typeface="나눔스퀘어 Bold" panose="020B0600000101010101" pitchFamily="50" charset="-127"/>
-              </a:rPr>
-              <a:t>.</a:t>
+              <a:t>?</a:t>
             </a:r>
             <a:endParaRPr lang="ko-KR" altLang="en-US" dirty="0">
               <a:latin typeface="나눔스퀘어 Bold" panose="020B0600000101010101" pitchFamily="50" charset="-127"/>
@@ -8881,12 +8881,42 @@
           </a:p>
         </p:txBody>
       </p:sp>
-      <p:sp>
-        <p:nvSpPr>
-          <p:cNvPr id="8" name="TextBox 7">
-            <a:extLst>
-              <a:ext uri="{FF2B5EF4-FFF2-40B4-BE49-F238E27FC236}">
-                <a16:creationId xmlns:a16="http://schemas.microsoft.com/office/drawing/2014/main" id="{41E1BD8E-FCBB-6312-95D4-1F75601A52A6}"/>
+      <p:pic>
+        <p:nvPicPr>
+          <p:cNvPr id="4" name="그림 3">
+            <a:extLst>
+              <a:ext uri="{FF2B5EF4-FFF2-40B4-BE49-F238E27FC236}">
+                <a16:creationId xmlns:a16="http://schemas.microsoft.com/office/drawing/2014/main" id="{98296223-BC92-26F5-F45A-805D48A82E8A}"/>
+              </a:ext>
+            </a:extLst>
+          </p:cNvPr>
+          <p:cNvPicPr>
+            <a:picLocks noChangeAspect="1"/>
+          </p:cNvPicPr>
+          <p:nvPr/>
+        </p:nvPicPr>
+        <p:blipFill>
+          <a:blip r:embed="rId2"/>
+          <a:stretch>
+            <a:fillRect/>
+          </a:stretch>
+        </p:blipFill>
+        <p:spPr>
+          <a:xfrm>
+            <a:off x="3271703" y="2832861"/>
+            <a:ext cx="5648594" cy="3246982"/>
+          </a:xfrm>
+          <a:prstGeom prst="rect">
+            <a:avLst/>
+          </a:prstGeom>
+        </p:spPr>
+      </p:pic>
+      <p:sp>
+        <p:nvSpPr>
+          <p:cNvPr id="9" name="TextBox 8">
+            <a:extLst>
+              <a:ext uri="{FF2B5EF4-FFF2-40B4-BE49-F238E27FC236}">
+                <a16:creationId xmlns:a16="http://schemas.microsoft.com/office/drawing/2014/main" id="{4DC5C26F-93FC-2065-C1C7-86E291438FCE}"/>
               </a:ext>
             </a:extLst>
           </p:cNvPr>
@@ -8895,8 +8925,8 @@
         </p:nvSpPr>
         <p:spPr>
           <a:xfrm>
-            <a:off x="942387" y="1981332"/>
-            <a:ext cx="8553305" cy="646331"/>
+            <a:off x="942387" y="2105581"/>
+            <a:ext cx="7304798" cy="646331"/>
           </a:xfrm>
           <a:prstGeom prst="rect">
             <a:avLst/>
@@ -8910,132 +8940,77 @@
           <a:lstStyle/>
           <a:p>
             <a:r>
+              <a:rPr lang="en-US" altLang="ko-KR" dirty="0">
+                <a:latin typeface="나눔스퀘어 Light" panose="020B0600000101010101" pitchFamily="50" charset="-127"/>
+                <a:ea typeface="나눔스퀘어 Light" panose="020B0600000101010101" pitchFamily="50" charset="-127"/>
+              </a:rPr>
+              <a:t>A() </a:t>
+            </a:r>
+            <a:r>
               <a:rPr lang="ko-KR" altLang="en-US" dirty="0">
                 <a:latin typeface="나눔스퀘어 Light" panose="020B0600000101010101" pitchFamily="50" charset="-127"/>
                 <a:ea typeface="나눔스퀘어 Light" panose="020B0600000101010101" pitchFamily="50" charset="-127"/>
               </a:rPr>
-              <a:t>구현은 사실 알고리즘보단 구현 그 자체의 능력이 중시되는 경우가 많지만</a:t>
+              <a:t>함수의 시간 복잡도는 </a:t>
             </a:r>
             <a:r>
               <a:rPr lang="en-US" altLang="ko-KR" dirty="0">
                 <a:latin typeface="나눔스퀘어 Light" panose="020B0600000101010101" pitchFamily="50" charset="-127"/>
                 <a:ea typeface="나눔스퀘어 Light" panose="020B0600000101010101" pitchFamily="50" charset="-127"/>
               </a:rPr>
-              <a:t>,</a:t>
-            </a:r>
-          </a:p>
-          <a:p>
+              <a:t>O(1), B() </a:t>
+            </a:r>
             <a:r>
               <a:rPr lang="ko-KR" altLang="en-US" dirty="0">
                 <a:latin typeface="나눔스퀘어 Light" panose="020B0600000101010101" pitchFamily="50" charset="-127"/>
                 <a:ea typeface="나눔스퀘어 Light" panose="020B0600000101010101" pitchFamily="50" charset="-127"/>
               </a:rPr>
-              <a:t>코드를 어떻게 짜서 풀 것인지를 생각하는 것도 알고리즘 입니다</a:t>
+              <a:t>함수의 시간 복잡도는 </a:t>
             </a:r>
             <a:r>
               <a:rPr lang="en-US" altLang="ko-KR" dirty="0">
                 <a:latin typeface="나눔스퀘어 Light" panose="020B0600000101010101" pitchFamily="50" charset="-127"/>
                 <a:ea typeface="나눔스퀘어 Light" panose="020B0600000101010101" pitchFamily="50" charset="-127"/>
               </a:rPr>
-              <a:t>.</a:t>
-            </a:r>
-            <a:endParaRPr lang="ko-KR" altLang="en-US" dirty="0">
-              <a:latin typeface="나눔스퀘어 Light" panose="020B0600000101010101" pitchFamily="50" charset="-127"/>
-              <a:ea typeface="나눔스퀘어 Light" panose="020B0600000101010101" pitchFamily="50" charset="-127"/>
-            </a:endParaRPr>
-          </a:p>
-        </p:txBody>
-      </p:sp>
-      <p:sp>
-        <p:nvSpPr>
-          <p:cNvPr id="9" name="TextBox 8">
-            <a:extLst>
-              <a:ext uri="{FF2B5EF4-FFF2-40B4-BE49-F238E27FC236}">
-                <a16:creationId xmlns:a16="http://schemas.microsoft.com/office/drawing/2014/main" id="{1E3D14CF-1881-1E37-F066-781CAA04B39A}"/>
-              </a:ext>
-            </a:extLst>
-          </p:cNvPr>
-          <p:cNvSpPr txBox="1"/>
-          <p:nvPr/>
-        </p:nvSpPr>
-        <p:spPr>
-          <a:xfrm>
-            <a:off x="942387" y="2989910"/>
-            <a:ext cx="8553305" cy="646331"/>
-          </a:xfrm>
-          <a:prstGeom prst="rect">
-            <a:avLst/>
-          </a:prstGeom>
-          <a:noFill/>
-        </p:spPr>
-        <p:txBody>
-          <a:bodyPr wrap="square" rtlCol="0">
-            <a:spAutoFit/>
-          </a:bodyPr>
-          <a:lstStyle/>
-          <a:p>
+              <a:t>O(1),</a:t>
+            </a:r>
+          </a:p>
+          <a:p>
+            <a:r>
+              <a:rPr lang="en-US" altLang="ko-KR" dirty="0">
+                <a:latin typeface="나눔스퀘어 Light" panose="020B0600000101010101" pitchFamily="50" charset="-127"/>
+                <a:ea typeface="나눔스퀘어 Light" panose="020B0600000101010101" pitchFamily="50" charset="-127"/>
+              </a:rPr>
+              <a:t>C() </a:t>
+            </a:r>
             <a:r>
               <a:rPr lang="ko-KR" altLang="en-US" dirty="0">
                 <a:latin typeface="나눔스퀘어 Light" panose="020B0600000101010101" pitchFamily="50" charset="-127"/>
                 <a:ea typeface="나눔스퀘어 Light" panose="020B0600000101010101" pitchFamily="50" charset="-127"/>
               </a:rPr>
-              <a:t>본인이 사용할 언어를 하나 고르고</a:t>
+              <a:t>함수의 시간 복잡도는 </a:t>
             </a:r>
             <a:r>
               <a:rPr lang="en-US" altLang="ko-KR" dirty="0">
                 <a:latin typeface="나눔스퀘어 Light" panose="020B0600000101010101" pitchFamily="50" charset="-127"/>
                 <a:ea typeface="나눔스퀘어 Light" panose="020B0600000101010101" pitchFamily="50" charset="-127"/>
               </a:rPr>
-              <a:t>, IDE </a:t>
+              <a:t>O(log N)</a:t>
             </a:r>
             <a:r>
               <a:rPr lang="ko-KR" altLang="en-US" dirty="0">
                 <a:latin typeface="나눔스퀘어 Light" panose="020B0600000101010101" pitchFamily="50" charset="-127"/>
                 <a:ea typeface="나눔스퀘어 Light" panose="020B0600000101010101" pitchFamily="50" charset="-127"/>
               </a:rPr>
-              <a:t>환경을 구축하고</a:t>
-            </a:r>
-            <a:r>
-              <a:rPr lang="en-US" altLang="ko-KR" dirty="0">
-                <a:latin typeface="나눔스퀘어 Light" panose="020B0600000101010101" pitchFamily="50" charset="-127"/>
-                <a:ea typeface="나눔스퀘어 Light" panose="020B0600000101010101" pitchFamily="50" charset="-127"/>
-              </a:rPr>
-              <a:t>,</a:t>
-            </a:r>
-          </a:p>
-          <a:p>
-            <a:r>
-              <a:rPr lang="ko-KR" altLang="en-US" dirty="0">
-                <a:latin typeface="나눔스퀘어 Light" panose="020B0600000101010101" pitchFamily="50" charset="-127"/>
-                <a:ea typeface="나눔스퀘어 Light" panose="020B0600000101010101" pitchFamily="50" charset="-127"/>
-              </a:rPr>
-              <a:t>백준 온라인 저지 채점 시스템에 </a:t>
-            </a:r>
-            <a:r>
-              <a:rPr lang="ko-KR" altLang="en-US" dirty="0" err="1">
-                <a:latin typeface="나눔스퀘어 Light" panose="020B0600000101010101" pitchFamily="50" charset="-127"/>
-                <a:ea typeface="나눔스퀘어 Light" panose="020B0600000101010101" pitchFamily="50" charset="-127"/>
-              </a:rPr>
-              <a:t>익숙해져봅니다</a:t>
-            </a:r>
-            <a:r>
-              <a:rPr lang="en-US" altLang="ko-KR" dirty="0">
-                <a:latin typeface="나눔스퀘어 Light" panose="020B0600000101010101" pitchFamily="50" charset="-127"/>
-                <a:ea typeface="나눔스퀘어 Light" panose="020B0600000101010101" pitchFamily="50" charset="-127"/>
-              </a:rPr>
-              <a:t>.</a:t>
-            </a:r>
-            <a:endParaRPr lang="ko-KR" altLang="en-US" dirty="0">
-              <a:latin typeface="나눔스퀘어 Light" panose="020B0600000101010101" pitchFamily="50" charset="-127"/>
-              <a:ea typeface="나눔스퀘어 Light" panose="020B0600000101010101" pitchFamily="50" charset="-127"/>
-            </a:endParaRPr>
+              <a:t>이라 가정</a:t>
+            </a:r>
           </a:p>
         </p:txBody>
       </p:sp>
     </p:spTree>
     <p:extLst>
       <p:ext uri="{BB962C8B-B14F-4D97-AF65-F5344CB8AC3E}">
-        <p14:creationId xmlns:p14="http://schemas.microsoft.com/office/powerpoint/2010/main" val="2432658886"/>
+        <p14:creationId xmlns:p14="http://schemas.microsoft.com/office/powerpoint/2010/main" val="2455786839"/>
       </p:ext>
     </p:extLst>
   </p:cSld>
@@ -9177,46 +9152,25 @@
           <a:lstStyle/>
           <a:p>
             <a:r>
+              <a:rPr lang="ko-KR" altLang="en-US" dirty="0">
+                <a:latin typeface="나눔스퀘어 Bold" panose="020B0600000101010101" pitchFamily="50" charset="-127"/>
+                <a:ea typeface="나눔스퀘어 Bold" panose="020B0600000101010101" pitchFamily="50" charset="-127"/>
+              </a:rPr>
+              <a:t>백준 온라인 저지</a:t>
+            </a:r>
+            <a:r>
               <a:rPr lang="en-US" altLang="ko-KR" dirty="0">
                 <a:latin typeface="나눔스퀘어 Bold" panose="020B0600000101010101" pitchFamily="50" charset="-127"/>
                 <a:ea typeface="나눔스퀘어 Bold" panose="020B0600000101010101" pitchFamily="50" charset="-127"/>
               </a:rPr>
-              <a:t>Tip : </a:t>
+              <a:t>(acmicpc.net)</a:t>
             </a:r>
             <a:r>
               <a:rPr lang="ko-KR" altLang="en-US" dirty="0">
                 <a:latin typeface="나눔스퀘어 Bold" panose="020B0600000101010101" pitchFamily="50" charset="-127"/>
                 <a:ea typeface="나눔스퀘어 Bold" panose="020B0600000101010101" pitchFamily="50" charset="-127"/>
               </a:rPr>
-              <a:t>설정 </a:t>
-            </a:r>
-            <a:r>
-              <a:rPr lang="en-US" altLang="ko-KR" dirty="0">
-                <a:latin typeface="나눔스퀘어 Bold" panose="020B0600000101010101" pitchFamily="50" charset="-127"/>
-                <a:ea typeface="나눔스퀘어 Bold" panose="020B0600000101010101" pitchFamily="50" charset="-127"/>
-              </a:rPr>
-              <a:t>&gt; </a:t>
-            </a:r>
-            <a:r>
-              <a:rPr lang="ko-KR" altLang="en-US" dirty="0">
-                <a:latin typeface="나눔스퀘어 Bold" panose="020B0600000101010101" pitchFamily="50" charset="-127"/>
-                <a:ea typeface="나눔스퀘어 Bold" panose="020B0600000101010101" pitchFamily="50" charset="-127"/>
-              </a:rPr>
-              <a:t>언어 에 가서 본인이 사용할 언어를 제일 위로 </a:t>
-            </a:r>
-            <a:r>
-              <a:rPr lang="ko-KR" altLang="en-US" dirty="0" err="1">
-                <a:latin typeface="나눔스퀘어 Bold" panose="020B0600000101010101" pitchFamily="50" charset="-127"/>
-                <a:ea typeface="나눔스퀘어 Bold" panose="020B0600000101010101" pitchFamily="50" charset="-127"/>
-              </a:rPr>
-              <a:t>해놓으면</a:t>
-            </a:r>
-            <a:r>
-              <a:rPr lang="ko-KR" altLang="en-US" dirty="0">
-                <a:latin typeface="나눔스퀘어 Bold" panose="020B0600000101010101" pitchFamily="50" charset="-127"/>
-                <a:ea typeface="나눔스퀘어 Bold" panose="020B0600000101010101" pitchFamily="50" charset="-127"/>
-              </a:rPr>
-              <a:t> 편합니다</a:t>
+              <a:t>에 가입하고 기초 구현 문제들을 풀어봅니다</a:t>
             </a:r>
             <a:r>
               <a:rPr lang="en-US" altLang="ko-KR" dirty="0">
@@ -9232,40 +9186,161 @@
           </a:p>
         </p:txBody>
       </p:sp>
-      <p:pic>
-        <p:nvPicPr>
-          <p:cNvPr id="3" name="그림 2">
-            <a:extLst>
-              <a:ext uri="{FF2B5EF4-FFF2-40B4-BE49-F238E27FC236}">
-                <a16:creationId xmlns:a16="http://schemas.microsoft.com/office/drawing/2014/main" id="{4A96135D-58A4-50BD-C59B-0363E069CB95}"/>
-              </a:ext>
-            </a:extLst>
-          </p:cNvPr>
-          <p:cNvPicPr>
-            <a:picLocks noChangeAspect="1"/>
-          </p:cNvPicPr>
-          <p:nvPr/>
-        </p:nvPicPr>
-        <p:blipFill>
-          <a:blip r:embed="rId2"/>
-          <a:stretch>
-            <a:fillRect/>
-          </a:stretch>
-        </p:blipFill>
-        <p:spPr>
-          <a:xfrm>
-            <a:off x="2180669" y="1619085"/>
-            <a:ext cx="7830662" cy="5121090"/>
-          </a:xfrm>
-          <a:prstGeom prst="rect">
-            <a:avLst/>
-          </a:prstGeom>
-        </p:spPr>
-      </p:pic>
+      <p:sp>
+        <p:nvSpPr>
+          <p:cNvPr id="8" name="TextBox 7">
+            <a:extLst>
+              <a:ext uri="{FF2B5EF4-FFF2-40B4-BE49-F238E27FC236}">
+                <a16:creationId xmlns:a16="http://schemas.microsoft.com/office/drawing/2014/main" id="{41E1BD8E-FCBB-6312-95D4-1F75601A52A6}"/>
+              </a:ext>
+            </a:extLst>
+          </p:cNvPr>
+          <p:cNvSpPr txBox="1"/>
+          <p:nvPr/>
+        </p:nvSpPr>
+        <p:spPr>
+          <a:xfrm>
+            <a:off x="942387" y="1981332"/>
+            <a:ext cx="8553305" cy="646331"/>
+          </a:xfrm>
+          <a:prstGeom prst="rect">
+            <a:avLst/>
+          </a:prstGeom>
+          <a:noFill/>
+        </p:spPr>
+        <p:txBody>
+          <a:bodyPr wrap="square" rtlCol="0">
+            <a:spAutoFit/>
+          </a:bodyPr>
+          <a:lstStyle/>
+          <a:p>
+            <a:r>
+              <a:rPr lang="ko-KR" altLang="en-US" dirty="0">
+                <a:latin typeface="나눔스퀘어 Light" panose="020B0600000101010101" pitchFamily="50" charset="-127"/>
+                <a:ea typeface="나눔스퀘어 Light" panose="020B0600000101010101" pitchFamily="50" charset="-127"/>
+              </a:rPr>
+              <a:t>구현은 사실 알고리즘보단 구현 그 자체의 능력이 중시되는 경우가 많지만</a:t>
+            </a:r>
+            <a:r>
+              <a:rPr lang="en-US" altLang="ko-KR" dirty="0">
+                <a:latin typeface="나눔스퀘어 Light" panose="020B0600000101010101" pitchFamily="50" charset="-127"/>
+                <a:ea typeface="나눔스퀘어 Light" panose="020B0600000101010101" pitchFamily="50" charset="-127"/>
+              </a:rPr>
+              <a:t>,</a:t>
+            </a:r>
+          </a:p>
+          <a:p>
+            <a:r>
+              <a:rPr lang="ko-KR" altLang="en-US" dirty="0">
+                <a:latin typeface="나눔스퀘어 Light" panose="020B0600000101010101" pitchFamily="50" charset="-127"/>
+                <a:ea typeface="나눔스퀘어 Light" panose="020B0600000101010101" pitchFamily="50" charset="-127"/>
+              </a:rPr>
+              <a:t>코드를 어떻게 짜서 풀 것인지를 생각하는 것도 알고리즘 입니다</a:t>
+            </a:r>
+            <a:r>
+              <a:rPr lang="en-US" altLang="ko-KR" dirty="0">
+                <a:latin typeface="나눔스퀘어 Light" panose="020B0600000101010101" pitchFamily="50" charset="-127"/>
+                <a:ea typeface="나눔스퀘어 Light" panose="020B0600000101010101" pitchFamily="50" charset="-127"/>
+              </a:rPr>
+              <a:t>.</a:t>
+            </a:r>
+            <a:endParaRPr lang="ko-KR" altLang="en-US" dirty="0">
+              <a:latin typeface="나눔스퀘어 Light" panose="020B0600000101010101" pitchFamily="50" charset="-127"/>
+              <a:ea typeface="나눔스퀘어 Light" panose="020B0600000101010101" pitchFamily="50" charset="-127"/>
+            </a:endParaRPr>
+          </a:p>
+        </p:txBody>
+      </p:sp>
+      <p:sp>
+        <p:nvSpPr>
+          <p:cNvPr id="9" name="TextBox 8">
+            <a:extLst>
+              <a:ext uri="{FF2B5EF4-FFF2-40B4-BE49-F238E27FC236}">
+                <a16:creationId xmlns:a16="http://schemas.microsoft.com/office/drawing/2014/main" id="{1E3D14CF-1881-1E37-F066-781CAA04B39A}"/>
+              </a:ext>
+            </a:extLst>
+          </p:cNvPr>
+          <p:cNvSpPr txBox="1"/>
+          <p:nvPr/>
+        </p:nvSpPr>
+        <p:spPr>
+          <a:xfrm>
+            <a:off x="942387" y="2989910"/>
+            <a:ext cx="8553305" cy="646331"/>
+          </a:xfrm>
+          <a:prstGeom prst="rect">
+            <a:avLst/>
+          </a:prstGeom>
+          <a:noFill/>
+        </p:spPr>
+        <p:txBody>
+          <a:bodyPr wrap="square" rtlCol="0">
+            <a:spAutoFit/>
+          </a:bodyPr>
+          <a:lstStyle/>
+          <a:p>
+            <a:r>
+              <a:rPr lang="ko-KR" altLang="en-US" dirty="0">
+                <a:latin typeface="나눔스퀘어 Light" panose="020B0600000101010101" pitchFamily="50" charset="-127"/>
+                <a:ea typeface="나눔스퀘어 Light" panose="020B0600000101010101" pitchFamily="50" charset="-127"/>
+              </a:rPr>
+              <a:t>본인이 사용할 언어를 하나 고르고</a:t>
+            </a:r>
+            <a:r>
+              <a:rPr lang="en-US" altLang="ko-KR" dirty="0">
+                <a:latin typeface="나눔스퀘어 Light" panose="020B0600000101010101" pitchFamily="50" charset="-127"/>
+                <a:ea typeface="나눔스퀘어 Light" panose="020B0600000101010101" pitchFamily="50" charset="-127"/>
+              </a:rPr>
+              <a:t>, IDE </a:t>
+            </a:r>
+            <a:r>
+              <a:rPr lang="ko-KR" altLang="en-US" dirty="0">
+                <a:latin typeface="나눔스퀘어 Light" panose="020B0600000101010101" pitchFamily="50" charset="-127"/>
+                <a:ea typeface="나눔스퀘어 Light" panose="020B0600000101010101" pitchFamily="50" charset="-127"/>
+              </a:rPr>
+              <a:t>환경을 구축하고</a:t>
+            </a:r>
+            <a:r>
+              <a:rPr lang="en-US" altLang="ko-KR" dirty="0">
+                <a:latin typeface="나눔스퀘어 Light" panose="020B0600000101010101" pitchFamily="50" charset="-127"/>
+                <a:ea typeface="나눔스퀘어 Light" panose="020B0600000101010101" pitchFamily="50" charset="-127"/>
+              </a:rPr>
+              <a:t>,</a:t>
+            </a:r>
+          </a:p>
+          <a:p>
+            <a:r>
+              <a:rPr lang="ko-KR" altLang="en-US" dirty="0">
+                <a:latin typeface="나눔스퀘어 Light" panose="020B0600000101010101" pitchFamily="50" charset="-127"/>
+                <a:ea typeface="나눔스퀘어 Light" panose="020B0600000101010101" pitchFamily="50" charset="-127"/>
+              </a:rPr>
+              <a:t>백준 온라인 저지 채점 시스템에 </a:t>
+            </a:r>
+            <a:r>
+              <a:rPr lang="ko-KR" altLang="en-US" dirty="0" err="1">
+                <a:latin typeface="나눔스퀘어 Light" panose="020B0600000101010101" pitchFamily="50" charset="-127"/>
+                <a:ea typeface="나눔스퀘어 Light" panose="020B0600000101010101" pitchFamily="50" charset="-127"/>
+              </a:rPr>
+              <a:t>익숙해져봅니다</a:t>
+            </a:r>
+            <a:r>
+              <a:rPr lang="en-US" altLang="ko-KR" dirty="0">
+                <a:latin typeface="나눔스퀘어 Light" panose="020B0600000101010101" pitchFamily="50" charset="-127"/>
+                <a:ea typeface="나눔스퀘어 Light" panose="020B0600000101010101" pitchFamily="50" charset="-127"/>
+              </a:rPr>
+              <a:t>.</a:t>
+            </a:r>
+            <a:endParaRPr lang="ko-KR" altLang="en-US" dirty="0">
+              <a:latin typeface="나눔스퀘어 Light" panose="020B0600000101010101" pitchFamily="50" charset="-127"/>
+              <a:ea typeface="나눔스퀘어 Light" panose="020B0600000101010101" pitchFamily="50" charset="-127"/>
+            </a:endParaRPr>
+          </a:p>
+        </p:txBody>
+      </p:sp>
     </p:spTree>
     <p:extLst>
       <p:ext uri="{BB962C8B-B14F-4D97-AF65-F5344CB8AC3E}">
-        <p14:creationId xmlns:p14="http://schemas.microsoft.com/office/powerpoint/2010/main" val="2917466020"/>
+        <p14:creationId xmlns:p14="http://schemas.microsoft.com/office/powerpoint/2010/main" val="2432658886"/>
       </p:ext>
     </p:extLst>
   </p:cSld>
@@ -9351,7 +9426,7 @@
         <p:spPr>
           <a:xfrm>
             <a:off x="331694" y="177505"/>
-            <a:ext cx="6087372" cy="523220"/>
+            <a:ext cx="2845651" cy="523220"/>
           </a:xfrm>
           <a:prstGeom prst="rect">
             <a:avLst/>
@@ -9369,7 +9444,7 @@
                 <a:latin typeface="나눔스퀘어 Bold" panose="020B0600000101010101" pitchFamily="50" charset="-127"/>
                 <a:ea typeface="나눔스퀘어 Bold" panose="020B0600000101010101" pitchFamily="50" charset="-127"/>
               </a:rPr>
-              <a:t>Implementation – 2557 Hello World</a:t>
+              <a:t>Implementation</a:t>
             </a:r>
             <a:endParaRPr lang="ko-KR" altLang="en-US" sz="2800" dirty="0">
               <a:latin typeface="나눔스퀘어 Bold" panose="020B0600000101010101" pitchFamily="50" charset="-127"/>
@@ -9378,12 +9453,96 @@
           </a:p>
         </p:txBody>
       </p:sp>
+      <p:sp>
+        <p:nvSpPr>
+          <p:cNvPr id="11" name="TextBox 10">
+            <a:extLst>
+              <a:ext uri="{FF2B5EF4-FFF2-40B4-BE49-F238E27FC236}">
+                <a16:creationId xmlns:a16="http://schemas.microsoft.com/office/drawing/2014/main" id="{F7412D97-FB04-E964-85B5-EF400758C174}"/>
+              </a:ext>
+            </a:extLst>
+          </p:cNvPr>
+          <p:cNvSpPr txBox="1"/>
+          <p:nvPr/>
+        </p:nvSpPr>
+        <p:spPr>
+          <a:xfrm>
+            <a:off x="942387" y="1249753"/>
+            <a:ext cx="7740989" cy="369332"/>
+          </a:xfrm>
+          <a:prstGeom prst="rect">
+            <a:avLst/>
+          </a:prstGeom>
+          <a:noFill/>
+        </p:spPr>
+        <p:txBody>
+          <a:bodyPr wrap="square" rtlCol="0">
+            <a:spAutoFit/>
+          </a:bodyPr>
+          <a:lstStyle/>
+          <a:p>
+            <a:r>
+              <a:rPr lang="en-US" altLang="ko-KR" dirty="0">
+                <a:latin typeface="나눔스퀘어 Bold" panose="020B0600000101010101" pitchFamily="50" charset="-127"/>
+                <a:ea typeface="나눔스퀘어 Bold" panose="020B0600000101010101" pitchFamily="50" charset="-127"/>
+              </a:rPr>
+              <a:t>Tip : </a:t>
+            </a:r>
+            <a:r>
+              <a:rPr lang="ko-KR" altLang="en-US" dirty="0">
+                <a:latin typeface="나눔스퀘어 Bold" panose="020B0600000101010101" pitchFamily="50" charset="-127"/>
+                <a:ea typeface="나눔스퀘어 Bold" panose="020B0600000101010101" pitchFamily="50" charset="-127"/>
+              </a:rPr>
+              <a:t>설정 </a:t>
+            </a:r>
+            <a:r>
+              <a:rPr lang="en-US" altLang="ko-KR" dirty="0">
+                <a:latin typeface="나눔스퀘어 Bold" panose="020B0600000101010101" pitchFamily="50" charset="-127"/>
+                <a:ea typeface="나눔스퀘어 Bold" panose="020B0600000101010101" pitchFamily="50" charset="-127"/>
+              </a:rPr>
+              <a:t>&gt; </a:t>
+            </a:r>
+            <a:r>
+              <a:rPr lang="ko-KR" altLang="en-US" dirty="0">
+                <a:latin typeface="나눔스퀘어 Bold" panose="020B0600000101010101" pitchFamily="50" charset="-127"/>
+                <a:ea typeface="나눔스퀘어 Bold" panose="020B0600000101010101" pitchFamily="50" charset="-127"/>
+              </a:rPr>
+              <a:t>언어 에 가서 본인이 사용할 언어를 제일 위로 </a:t>
+            </a:r>
+            <a:r>
+              <a:rPr lang="ko-KR" altLang="en-US" dirty="0" err="1">
+                <a:latin typeface="나눔스퀘어 Bold" panose="020B0600000101010101" pitchFamily="50" charset="-127"/>
+                <a:ea typeface="나눔스퀘어 Bold" panose="020B0600000101010101" pitchFamily="50" charset="-127"/>
+              </a:rPr>
+              <a:t>해놓으면</a:t>
+            </a:r>
+            <a:r>
+              <a:rPr lang="ko-KR" altLang="en-US" dirty="0">
+                <a:latin typeface="나눔스퀘어 Bold" panose="020B0600000101010101" pitchFamily="50" charset="-127"/>
+                <a:ea typeface="나눔스퀘어 Bold" panose="020B0600000101010101" pitchFamily="50" charset="-127"/>
+              </a:rPr>
+              <a:t> 편합니다</a:t>
+            </a:r>
+            <a:r>
+              <a:rPr lang="en-US" altLang="ko-KR" dirty="0">
+                <a:latin typeface="나눔스퀘어 Bold" panose="020B0600000101010101" pitchFamily="50" charset="-127"/>
+                <a:ea typeface="나눔스퀘어 Bold" panose="020B0600000101010101" pitchFamily="50" charset="-127"/>
+              </a:rPr>
+              <a:t>.</a:t>
+            </a:r>
+            <a:endParaRPr lang="ko-KR" altLang="en-US" dirty="0">
+              <a:latin typeface="나눔스퀘어 Bold" panose="020B0600000101010101" pitchFamily="50" charset="-127"/>
+              <a:ea typeface="나눔스퀘어 Bold" panose="020B0600000101010101" pitchFamily="50" charset="-127"/>
+            </a:endParaRPr>
+          </a:p>
+        </p:txBody>
+      </p:sp>
       <p:pic>
         <p:nvPicPr>
-          <p:cNvPr id="14" name="그림 13">
-            <a:extLst>
-              <a:ext uri="{FF2B5EF4-FFF2-40B4-BE49-F238E27FC236}">
-                <a16:creationId xmlns:a16="http://schemas.microsoft.com/office/drawing/2014/main" id="{B4FA9500-D9EF-C9F0-51F5-5DFDB37C7D22}"/>
+          <p:cNvPr id="3" name="그림 2">
+            <a:extLst>
+              <a:ext uri="{FF2B5EF4-FFF2-40B4-BE49-F238E27FC236}">
+                <a16:creationId xmlns:a16="http://schemas.microsoft.com/office/drawing/2014/main" id="{4A96135D-58A4-50BD-C59B-0363E069CB95}"/>
               </a:ext>
             </a:extLst>
           </p:cNvPr>
@@ -9400,8 +9559,8 @@
         </p:blipFill>
         <p:spPr>
           <a:xfrm>
-            <a:off x="1449974" y="938260"/>
-            <a:ext cx="9292052" cy="5919740"/>
+            <a:off x="2180669" y="1619085"/>
+            <a:ext cx="7830662" cy="5121090"/>
           </a:xfrm>
           <a:prstGeom prst="rect">
             <a:avLst/>
@@ -9411,7 +9570,7 @@
     </p:spTree>
     <p:extLst>
       <p:ext uri="{BB962C8B-B14F-4D97-AF65-F5344CB8AC3E}">
-        <p14:creationId xmlns:p14="http://schemas.microsoft.com/office/powerpoint/2010/main" val="3852066961"/>
+        <p14:creationId xmlns:p14="http://schemas.microsoft.com/office/powerpoint/2010/main" val="2917466020"/>
       </p:ext>
     </p:extLst>
   </p:cSld>
@@ -9524,161 +9683,12 @@
           </a:p>
         </p:txBody>
       </p:sp>
-      <p:sp>
-        <p:nvSpPr>
-          <p:cNvPr id="7" name="TextBox 6">
-            <a:extLst>
-              <a:ext uri="{FF2B5EF4-FFF2-40B4-BE49-F238E27FC236}">
-                <a16:creationId xmlns:a16="http://schemas.microsoft.com/office/drawing/2014/main" id="{BA807B7E-C360-F76C-0439-EE24526A4473}"/>
-              </a:ext>
-            </a:extLst>
-          </p:cNvPr>
-          <p:cNvSpPr txBox="1"/>
-          <p:nvPr/>
-        </p:nvSpPr>
-        <p:spPr>
-          <a:xfrm>
-            <a:off x="942387" y="1190024"/>
-            <a:ext cx="8553305" cy="369332"/>
-          </a:xfrm>
-          <a:prstGeom prst="rect">
-            <a:avLst/>
-          </a:prstGeom>
-          <a:noFill/>
-        </p:spPr>
-        <p:txBody>
-          <a:bodyPr wrap="square" rtlCol="0">
-            <a:spAutoFit/>
-          </a:bodyPr>
-          <a:lstStyle/>
-          <a:p>
-            <a:r>
-              <a:rPr lang="ko-KR" altLang="en-US" dirty="0">
-                <a:latin typeface="나눔스퀘어 Light" panose="020B0600000101010101" pitchFamily="50" charset="-127"/>
-                <a:ea typeface="나눔스퀘어 Light" panose="020B0600000101010101" pitchFamily="50" charset="-127"/>
-              </a:rPr>
-              <a:t>따로 설명할 필요가 없는 문제인 것 같습니다</a:t>
-            </a:r>
-            <a:r>
-              <a:rPr lang="en-US" altLang="ko-KR" dirty="0">
-                <a:latin typeface="나눔스퀘어 Light" panose="020B0600000101010101" pitchFamily="50" charset="-127"/>
-                <a:ea typeface="나눔스퀘어 Light" panose="020B0600000101010101" pitchFamily="50" charset="-127"/>
-              </a:rPr>
-              <a:t>.</a:t>
-            </a:r>
-            <a:endParaRPr lang="ko-KR" altLang="en-US" dirty="0">
-              <a:latin typeface="나눔스퀘어 Light" panose="020B0600000101010101" pitchFamily="50" charset="-127"/>
-              <a:ea typeface="나눔스퀘어 Light" panose="020B0600000101010101" pitchFamily="50" charset="-127"/>
-            </a:endParaRPr>
-          </a:p>
-        </p:txBody>
-      </p:sp>
-      <p:sp>
-        <p:nvSpPr>
-          <p:cNvPr id="8" name="TextBox 7">
-            <a:extLst>
-              <a:ext uri="{FF2B5EF4-FFF2-40B4-BE49-F238E27FC236}">
-                <a16:creationId xmlns:a16="http://schemas.microsoft.com/office/drawing/2014/main" id="{17BFFD7E-3223-6D5B-01EA-DFD8AA18ACF9}"/>
-              </a:ext>
-            </a:extLst>
-          </p:cNvPr>
-          <p:cNvSpPr txBox="1"/>
-          <p:nvPr/>
-        </p:nvSpPr>
-        <p:spPr>
-          <a:xfrm>
-            <a:off x="942387" y="1805485"/>
-            <a:ext cx="9295307" cy="646331"/>
-          </a:xfrm>
-          <a:prstGeom prst="rect">
-            <a:avLst/>
-          </a:prstGeom>
-          <a:noFill/>
-        </p:spPr>
-        <p:txBody>
-          <a:bodyPr wrap="square" rtlCol="0">
-            <a:spAutoFit/>
-          </a:bodyPr>
-          <a:lstStyle/>
-          <a:p>
-            <a:r>
-              <a:rPr lang="en-US" altLang="ko-KR" dirty="0">
-                <a:latin typeface="나눔스퀘어 Light" panose="020B0600000101010101" pitchFamily="50" charset="-127"/>
-                <a:ea typeface="나눔스퀘어 Light" panose="020B0600000101010101" pitchFamily="50" charset="-127"/>
-              </a:rPr>
-              <a:t>BOJ</a:t>
-            </a:r>
-            <a:r>
-              <a:rPr lang="ko-KR" altLang="en-US" dirty="0">
-                <a:latin typeface="나눔스퀘어 Light" panose="020B0600000101010101" pitchFamily="50" charset="-127"/>
-                <a:ea typeface="나눔스퀘어 Light" panose="020B0600000101010101" pitchFamily="50" charset="-127"/>
-              </a:rPr>
-              <a:t>의 채점 시스템은 표준 출력의 일치 여부를 확인하기 때문에</a:t>
-            </a:r>
-            <a:r>
-              <a:rPr lang="en-US" altLang="ko-KR" dirty="0">
-                <a:latin typeface="나눔스퀘어 Light" panose="020B0600000101010101" pitchFamily="50" charset="-127"/>
-                <a:ea typeface="나눔스퀘어 Light" panose="020B0600000101010101" pitchFamily="50" charset="-127"/>
-              </a:rPr>
-              <a:t>,</a:t>
-            </a:r>
-          </a:p>
-          <a:p>
-            <a:r>
-              <a:rPr lang="ko-KR" altLang="en-US" dirty="0">
-                <a:latin typeface="나눔스퀘어 Light" panose="020B0600000101010101" pitchFamily="50" charset="-127"/>
-                <a:ea typeface="나눔스퀘어 Light" panose="020B0600000101010101" pitchFamily="50" charset="-127"/>
-              </a:rPr>
-              <a:t>출력을 요구하지 않은 문자를 출력하거나 오타가 있거나 하면 </a:t>
-            </a:r>
-            <a:r>
-              <a:rPr lang="en-US" altLang="ko-KR" dirty="0">
-                <a:latin typeface="나눔스퀘어 Light" panose="020B0600000101010101" pitchFamily="50" charset="-127"/>
-                <a:ea typeface="나눔스퀘어 Light" panose="020B0600000101010101" pitchFamily="50" charset="-127"/>
-              </a:rPr>
-              <a:t>“</a:t>
-            </a:r>
-            <a:r>
-              <a:rPr lang="ko-KR" altLang="en-US" dirty="0">
-                <a:latin typeface="나눔스퀘어 Light" panose="020B0600000101010101" pitchFamily="50" charset="-127"/>
-                <a:ea typeface="나눔스퀘어 Light" panose="020B0600000101010101" pitchFamily="50" charset="-127"/>
-              </a:rPr>
-              <a:t>틀렸습니다</a:t>
-            </a:r>
-            <a:r>
-              <a:rPr lang="en-US" altLang="ko-KR" dirty="0">
-                <a:latin typeface="나눔스퀘어 Light" panose="020B0600000101010101" pitchFamily="50" charset="-127"/>
-                <a:ea typeface="나눔스퀘어 Light" panose="020B0600000101010101" pitchFamily="50" charset="-127"/>
-              </a:rPr>
-              <a:t>” </a:t>
-            </a:r>
-            <a:r>
-              <a:rPr lang="ko-KR" altLang="en-US" dirty="0">
-                <a:latin typeface="나눔스퀘어 Light" panose="020B0600000101010101" pitchFamily="50" charset="-127"/>
-                <a:ea typeface="나눔스퀘어 Light" panose="020B0600000101010101" pitchFamily="50" charset="-127"/>
-              </a:rPr>
-              <a:t>를 받을 수 있습니다</a:t>
-            </a:r>
-            <a:r>
-              <a:rPr lang="en-US" altLang="ko-KR" dirty="0">
-                <a:latin typeface="나눔스퀘어 Light" panose="020B0600000101010101" pitchFamily="50" charset="-127"/>
-                <a:ea typeface="나눔스퀘어 Light" panose="020B0600000101010101" pitchFamily="50" charset="-127"/>
-              </a:rPr>
-              <a:t>.</a:t>
-            </a:r>
-            <a:endParaRPr lang="ko-KR" altLang="en-US" dirty="0">
-              <a:latin typeface="나눔스퀘어 Light" panose="020B0600000101010101" pitchFamily="50" charset="-127"/>
-              <a:ea typeface="나눔스퀘어 Light" panose="020B0600000101010101" pitchFamily="50" charset="-127"/>
-            </a:endParaRPr>
-          </a:p>
-        </p:txBody>
-      </p:sp>
       <p:pic>
         <p:nvPicPr>
-          <p:cNvPr id="3" name="그림 2">
-            <a:extLst>
-              <a:ext uri="{FF2B5EF4-FFF2-40B4-BE49-F238E27FC236}">
-                <a16:creationId xmlns:a16="http://schemas.microsoft.com/office/drawing/2014/main" id="{052A9B87-FD9D-C518-C1F5-18705FD9589E}"/>
+          <p:cNvPr id="14" name="그림 13">
+            <a:extLst>
+              <a:ext uri="{FF2B5EF4-FFF2-40B4-BE49-F238E27FC236}">
+                <a16:creationId xmlns:a16="http://schemas.microsoft.com/office/drawing/2014/main" id="{B4FA9500-D9EF-C9F0-51F5-5DFDB37C7D22}"/>
               </a:ext>
             </a:extLst>
           </p:cNvPr>
@@ -9695,68 +9705,8 @@
         </p:blipFill>
         <p:spPr>
           <a:xfrm>
-            <a:off x="1319350" y="3369795"/>
-            <a:ext cx="3621926" cy="1196718"/>
-          </a:xfrm>
-          <a:prstGeom prst="rect">
-            <a:avLst/>
-          </a:prstGeom>
-        </p:spPr>
-      </p:pic>
-      <p:pic>
-        <p:nvPicPr>
-          <p:cNvPr id="9" name="그림 8">
-            <a:extLst>
-              <a:ext uri="{FF2B5EF4-FFF2-40B4-BE49-F238E27FC236}">
-                <a16:creationId xmlns:a16="http://schemas.microsoft.com/office/drawing/2014/main" id="{132BB202-7871-B0C7-035C-CEB08D3B494D}"/>
-              </a:ext>
-            </a:extLst>
-          </p:cNvPr>
-          <p:cNvPicPr>
-            <a:picLocks noChangeAspect="1"/>
-          </p:cNvPicPr>
-          <p:nvPr/>
-        </p:nvPicPr>
-        <p:blipFill>
-          <a:blip r:embed="rId3"/>
-          <a:stretch>
-            <a:fillRect/>
-          </a:stretch>
-        </p:blipFill>
-        <p:spPr>
-          <a:xfrm>
-            <a:off x="1319350" y="4743312"/>
-            <a:ext cx="3621926" cy="274766"/>
-          </a:xfrm>
-          <a:prstGeom prst="rect">
-            <a:avLst/>
-          </a:prstGeom>
-        </p:spPr>
-      </p:pic>
-      <p:pic>
-        <p:nvPicPr>
-          <p:cNvPr id="11" name="그림 10">
-            <a:extLst>
-              <a:ext uri="{FF2B5EF4-FFF2-40B4-BE49-F238E27FC236}">
-                <a16:creationId xmlns:a16="http://schemas.microsoft.com/office/drawing/2014/main" id="{75F1E3A0-85FF-C12D-1798-02F15ED73613}"/>
-              </a:ext>
-            </a:extLst>
-          </p:cNvPr>
-          <p:cNvPicPr>
-            <a:picLocks noChangeAspect="1"/>
-          </p:cNvPicPr>
-          <p:nvPr/>
-        </p:nvPicPr>
-        <p:blipFill>
-          <a:blip r:embed="rId4"/>
-          <a:stretch>
-            <a:fillRect/>
-          </a:stretch>
-        </p:blipFill>
-        <p:spPr>
-          <a:xfrm>
-            <a:off x="5582738" y="3370758"/>
-            <a:ext cx="4234221" cy="1647319"/>
+            <a:off x="1449974" y="938260"/>
+            <a:ext cx="9292052" cy="5919740"/>
           </a:xfrm>
           <a:prstGeom prst="rect">
             <a:avLst/>
@@ -9766,7 +9716,7 @@
     </p:spTree>
     <p:extLst>
       <p:ext uri="{BB962C8B-B14F-4D97-AF65-F5344CB8AC3E}">
-        <p14:creationId xmlns:p14="http://schemas.microsoft.com/office/powerpoint/2010/main" val="36971579"/>
+        <p14:creationId xmlns:p14="http://schemas.microsoft.com/office/powerpoint/2010/main" val="3852066961"/>
       </p:ext>
     </p:extLst>
   </p:cSld>
@@ -9852,7 +9802,7 @@
         <p:spPr>
           <a:xfrm>
             <a:off x="331694" y="177505"/>
-            <a:ext cx="5009705" cy="523220"/>
+            <a:ext cx="6087372" cy="523220"/>
           </a:xfrm>
           <a:prstGeom prst="rect">
             <a:avLst/>
@@ -9870,7 +9820,7 @@
                 <a:latin typeface="나눔스퀘어 Bold" panose="020B0600000101010101" pitchFamily="50" charset="-127"/>
                 <a:ea typeface="나눔스퀘어 Bold" panose="020B0600000101010101" pitchFamily="50" charset="-127"/>
               </a:rPr>
-              <a:t>Implementation – 1000 A+B</a:t>
+              <a:t>Implementation – 2557 Hello World</a:t>
             </a:r>
             <a:endParaRPr lang="ko-KR" altLang="en-US" sz="2800" dirty="0">
               <a:latin typeface="나눔스퀘어 Bold" panose="020B0600000101010101" pitchFamily="50" charset="-127"/>
@@ -9879,12 +9829,161 @@
           </a:p>
         </p:txBody>
       </p:sp>
+      <p:sp>
+        <p:nvSpPr>
+          <p:cNvPr id="7" name="TextBox 6">
+            <a:extLst>
+              <a:ext uri="{FF2B5EF4-FFF2-40B4-BE49-F238E27FC236}">
+                <a16:creationId xmlns:a16="http://schemas.microsoft.com/office/drawing/2014/main" id="{BA807B7E-C360-F76C-0439-EE24526A4473}"/>
+              </a:ext>
+            </a:extLst>
+          </p:cNvPr>
+          <p:cNvSpPr txBox="1"/>
+          <p:nvPr/>
+        </p:nvSpPr>
+        <p:spPr>
+          <a:xfrm>
+            <a:off x="942387" y="1190024"/>
+            <a:ext cx="8553305" cy="369332"/>
+          </a:xfrm>
+          <a:prstGeom prst="rect">
+            <a:avLst/>
+          </a:prstGeom>
+          <a:noFill/>
+        </p:spPr>
+        <p:txBody>
+          <a:bodyPr wrap="square" rtlCol="0">
+            <a:spAutoFit/>
+          </a:bodyPr>
+          <a:lstStyle/>
+          <a:p>
+            <a:r>
+              <a:rPr lang="ko-KR" altLang="en-US" dirty="0">
+                <a:latin typeface="나눔스퀘어 Light" panose="020B0600000101010101" pitchFamily="50" charset="-127"/>
+                <a:ea typeface="나눔스퀘어 Light" panose="020B0600000101010101" pitchFamily="50" charset="-127"/>
+              </a:rPr>
+              <a:t>따로 설명할 필요가 없는 문제인 것 같습니다</a:t>
+            </a:r>
+            <a:r>
+              <a:rPr lang="en-US" altLang="ko-KR" dirty="0">
+                <a:latin typeface="나눔스퀘어 Light" panose="020B0600000101010101" pitchFamily="50" charset="-127"/>
+                <a:ea typeface="나눔스퀘어 Light" panose="020B0600000101010101" pitchFamily="50" charset="-127"/>
+              </a:rPr>
+              <a:t>.</a:t>
+            </a:r>
+            <a:endParaRPr lang="ko-KR" altLang="en-US" dirty="0">
+              <a:latin typeface="나눔스퀘어 Light" panose="020B0600000101010101" pitchFamily="50" charset="-127"/>
+              <a:ea typeface="나눔스퀘어 Light" panose="020B0600000101010101" pitchFamily="50" charset="-127"/>
+            </a:endParaRPr>
+          </a:p>
+        </p:txBody>
+      </p:sp>
+      <p:sp>
+        <p:nvSpPr>
+          <p:cNvPr id="8" name="TextBox 7">
+            <a:extLst>
+              <a:ext uri="{FF2B5EF4-FFF2-40B4-BE49-F238E27FC236}">
+                <a16:creationId xmlns:a16="http://schemas.microsoft.com/office/drawing/2014/main" id="{17BFFD7E-3223-6D5B-01EA-DFD8AA18ACF9}"/>
+              </a:ext>
+            </a:extLst>
+          </p:cNvPr>
+          <p:cNvSpPr txBox="1"/>
+          <p:nvPr/>
+        </p:nvSpPr>
+        <p:spPr>
+          <a:xfrm>
+            <a:off x="942387" y="1805485"/>
+            <a:ext cx="9295307" cy="646331"/>
+          </a:xfrm>
+          <a:prstGeom prst="rect">
+            <a:avLst/>
+          </a:prstGeom>
+          <a:noFill/>
+        </p:spPr>
+        <p:txBody>
+          <a:bodyPr wrap="square" rtlCol="0">
+            <a:spAutoFit/>
+          </a:bodyPr>
+          <a:lstStyle/>
+          <a:p>
+            <a:r>
+              <a:rPr lang="en-US" altLang="ko-KR" dirty="0">
+                <a:latin typeface="나눔스퀘어 Light" panose="020B0600000101010101" pitchFamily="50" charset="-127"/>
+                <a:ea typeface="나눔스퀘어 Light" panose="020B0600000101010101" pitchFamily="50" charset="-127"/>
+              </a:rPr>
+              <a:t>BOJ</a:t>
+            </a:r>
+            <a:r>
+              <a:rPr lang="ko-KR" altLang="en-US" dirty="0">
+                <a:latin typeface="나눔스퀘어 Light" panose="020B0600000101010101" pitchFamily="50" charset="-127"/>
+                <a:ea typeface="나눔스퀘어 Light" panose="020B0600000101010101" pitchFamily="50" charset="-127"/>
+              </a:rPr>
+              <a:t>의 채점 시스템은 표준 출력의 일치 여부를 확인하기 때문에</a:t>
+            </a:r>
+            <a:r>
+              <a:rPr lang="en-US" altLang="ko-KR" dirty="0">
+                <a:latin typeface="나눔스퀘어 Light" panose="020B0600000101010101" pitchFamily="50" charset="-127"/>
+                <a:ea typeface="나눔스퀘어 Light" panose="020B0600000101010101" pitchFamily="50" charset="-127"/>
+              </a:rPr>
+              <a:t>,</a:t>
+            </a:r>
+          </a:p>
+          <a:p>
+            <a:r>
+              <a:rPr lang="ko-KR" altLang="en-US" dirty="0">
+                <a:latin typeface="나눔스퀘어 Light" panose="020B0600000101010101" pitchFamily="50" charset="-127"/>
+                <a:ea typeface="나눔스퀘어 Light" panose="020B0600000101010101" pitchFamily="50" charset="-127"/>
+              </a:rPr>
+              <a:t>출력을 요구하지 않은 문자를 출력하거나 오타가 있거나 하면 </a:t>
+            </a:r>
+            <a:r>
+              <a:rPr lang="en-US" altLang="ko-KR" dirty="0">
+                <a:latin typeface="나눔스퀘어 Light" panose="020B0600000101010101" pitchFamily="50" charset="-127"/>
+                <a:ea typeface="나눔스퀘어 Light" panose="020B0600000101010101" pitchFamily="50" charset="-127"/>
+              </a:rPr>
+              <a:t>“</a:t>
+            </a:r>
+            <a:r>
+              <a:rPr lang="ko-KR" altLang="en-US" dirty="0">
+                <a:latin typeface="나눔스퀘어 Light" panose="020B0600000101010101" pitchFamily="50" charset="-127"/>
+                <a:ea typeface="나눔스퀘어 Light" panose="020B0600000101010101" pitchFamily="50" charset="-127"/>
+              </a:rPr>
+              <a:t>틀렸습니다</a:t>
+            </a:r>
+            <a:r>
+              <a:rPr lang="en-US" altLang="ko-KR" dirty="0">
+                <a:latin typeface="나눔스퀘어 Light" panose="020B0600000101010101" pitchFamily="50" charset="-127"/>
+                <a:ea typeface="나눔스퀘어 Light" panose="020B0600000101010101" pitchFamily="50" charset="-127"/>
+              </a:rPr>
+              <a:t>” </a:t>
+            </a:r>
+            <a:r>
+              <a:rPr lang="ko-KR" altLang="en-US" dirty="0">
+                <a:latin typeface="나눔스퀘어 Light" panose="020B0600000101010101" pitchFamily="50" charset="-127"/>
+                <a:ea typeface="나눔스퀘어 Light" panose="020B0600000101010101" pitchFamily="50" charset="-127"/>
+              </a:rPr>
+              <a:t>를 받을 수 있습니다</a:t>
+            </a:r>
+            <a:r>
+              <a:rPr lang="en-US" altLang="ko-KR" dirty="0">
+                <a:latin typeface="나눔스퀘어 Light" panose="020B0600000101010101" pitchFamily="50" charset="-127"/>
+                <a:ea typeface="나눔스퀘어 Light" panose="020B0600000101010101" pitchFamily="50" charset="-127"/>
+              </a:rPr>
+              <a:t>.</a:t>
+            </a:r>
+            <a:endParaRPr lang="ko-KR" altLang="en-US" dirty="0">
+              <a:latin typeface="나눔스퀘어 Light" panose="020B0600000101010101" pitchFamily="50" charset="-127"/>
+              <a:ea typeface="나눔스퀘어 Light" panose="020B0600000101010101" pitchFamily="50" charset="-127"/>
+            </a:endParaRPr>
+          </a:p>
+        </p:txBody>
+      </p:sp>
       <p:pic>
         <p:nvPicPr>
-          <p:cNvPr id="4" name="그림 3">
-            <a:extLst>
-              <a:ext uri="{FF2B5EF4-FFF2-40B4-BE49-F238E27FC236}">
-                <a16:creationId xmlns:a16="http://schemas.microsoft.com/office/drawing/2014/main" id="{7FB73F80-F909-AE6D-0DCB-43CE6DE5C251}"/>
+          <p:cNvPr id="3" name="그림 2">
+            <a:extLst>
+              <a:ext uri="{FF2B5EF4-FFF2-40B4-BE49-F238E27FC236}">
+                <a16:creationId xmlns:a16="http://schemas.microsoft.com/office/drawing/2014/main" id="{052A9B87-FD9D-C518-C1F5-18705FD9589E}"/>
               </a:ext>
             </a:extLst>
           </p:cNvPr>
@@ -9901,8 +10000,68 @@
         </p:blipFill>
         <p:spPr>
           <a:xfrm>
-            <a:off x="1425352" y="932064"/>
-            <a:ext cx="9341297" cy="5925936"/>
+            <a:off x="1319350" y="3369795"/>
+            <a:ext cx="3621926" cy="1196718"/>
+          </a:xfrm>
+          <a:prstGeom prst="rect">
+            <a:avLst/>
+          </a:prstGeom>
+        </p:spPr>
+      </p:pic>
+      <p:pic>
+        <p:nvPicPr>
+          <p:cNvPr id="9" name="그림 8">
+            <a:extLst>
+              <a:ext uri="{FF2B5EF4-FFF2-40B4-BE49-F238E27FC236}">
+                <a16:creationId xmlns:a16="http://schemas.microsoft.com/office/drawing/2014/main" id="{132BB202-7871-B0C7-035C-CEB08D3B494D}"/>
+              </a:ext>
+            </a:extLst>
+          </p:cNvPr>
+          <p:cNvPicPr>
+            <a:picLocks noChangeAspect="1"/>
+          </p:cNvPicPr>
+          <p:nvPr/>
+        </p:nvPicPr>
+        <p:blipFill>
+          <a:blip r:embed="rId3"/>
+          <a:stretch>
+            <a:fillRect/>
+          </a:stretch>
+        </p:blipFill>
+        <p:spPr>
+          <a:xfrm>
+            <a:off x="1319350" y="4743312"/>
+            <a:ext cx="3621926" cy="274766"/>
+          </a:xfrm>
+          <a:prstGeom prst="rect">
+            <a:avLst/>
+          </a:prstGeom>
+        </p:spPr>
+      </p:pic>
+      <p:pic>
+        <p:nvPicPr>
+          <p:cNvPr id="11" name="그림 10">
+            <a:extLst>
+              <a:ext uri="{FF2B5EF4-FFF2-40B4-BE49-F238E27FC236}">
+                <a16:creationId xmlns:a16="http://schemas.microsoft.com/office/drawing/2014/main" id="{75F1E3A0-85FF-C12D-1798-02F15ED73613}"/>
+              </a:ext>
+            </a:extLst>
+          </p:cNvPr>
+          <p:cNvPicPr>
+            <a:picLocks noChangeAspect="1"/>
+          </p:cNvPicPr>
+          <p:nvPr/>
+        </p:nvPicPr>
+        <p:blipFill>
+          <a:blip r:embed="rId4"/>
+          <a:stretch>
+            <a:fillRect/>
+          </a:stretch>
+        </p:blipFill>
+        <p:spPr>
+          <a:xfrm>
+            <a:off x="5582738" y="3370758"/>
+            <a:ext cx="4234221" cy="1647319"/>
           </a:xfrm>
           <a:prstGeom prst="rect">
             <a:avLst/>
@@ -9912,7 +10071,7 @@
     </p:spTree>
     <p:extLst>
       <p:ext uri="{BB962C8B-B14F-4D97-AF65-F5344CB8AC3E}">
-        <p14:creationId xmlns:p14="http://schemas.microsoft.com/office/powerpoint/2010/main" val="1662062427"/>
+        <p14:creationId xmlns:p14="http://schemas.microsoft.com/office/powerpoint/2010/main" val="36971579"/>
       </p:ext>
     </p:extLst>
   </p:cSld>
@@ -10025,61 +10184,12 @@
           </a:p>
         </p:txBody>
       </p:sp>
-      <p:sp>
-        <p:nvSpPr>
-          <p:cNvPr id="7" name="TextBox 6">
-            <a:extLst>
-              <a:ext uri="{FF2B5EF4-FFF2-40B4-BE49-F238E27FC236}">
-                <a16:creationId xmlns:a16="http://schemas.microsoft.com/office/drawing/2014/main" id="{5B474655-BD78-E334-950C-B8C17B96E7D6}"/>
-              </a:ext>
-            </a:extLst>
-          </p:cNvPr>
-          <p:cNvSpPr txBox="1"/>
-          <p:nvPr/>
-        </p:nvSpPr>
-        <p:spPr>
-          <a:xfrm>
-            <a:off x="942387" y="1190024"/>
-            <a:ext cx="8553305" cy="369332"/>
-          </a:xfrm>
-          <a:prstGeom prst="rect">
-            <a:avLst/>
-          </a:prstGeom>
-          <a:noFill/>
-        </p:spPr>
-        <p:txBody>
-          <a:bodyPr wrap="square" rtlCol="0">
-            <a:spAutoFit/>
-          </a:bodyPr>
-          <a:lstStyle/>
-          <a:p>
-            <a:r>
-              <a:rPr lang="ko-KR" altLang="en-US" dirty="0">
-                <a:latin typeface="나눔스퀘어 Light" panose="020B0600000101010101" pitchFamily="50" charset="-127"/>
-                <a:ea typeface="나눔스퀘어 Light" panose="020B0600000101010101" pitchFamily="50" charset="-127"/>
-              </a:rPr>
-              <a:t>사용하는 언어의 기본 입출력 방법을 알고 있는가를 확인하는 문제입니다</a:t>
-            </a:r>
-            <a:r>
-              <a:rPr lang="en-US" altLang="ko-KR" dirty="0">
-                <a:latin typeface="나눔스퀘어 Light" panose="020B0600000101010101" pitchFamily="50" charset="-127"/>
-                <a:ea typeface="나눔스퀘어 Light" panose="020B0600000101010101" pitchFamily="50" charset="-127"/>
-              </a:rPr>
-              <a:t>.</a:t>
-            </a:r>
-            <a:endParaRPr lang="ko-KR" altLang="en-US" dirty="0">
-              <a:latin typeface="나눔스퀘어 Light" panose="020B0600000101010101" pitchFamily="50" charset="-127"/>
-              <a:ea typeface="나눔스퀘어 Light" panose="020B0600000101010101" pitchFamily="50" charset="-127"/>
-            </a:endParaRPr>
-          </a:p>
-        </p:txBody>
-      </p:sp>
       <p:pic>
         <p:nvPicPr>
-          <p:cNvPr id="8" name="그림 7">
-            <a:extLst>
-              <a:ext uri="{FF2B5EF4-FFF2-40B4-BE49-F238E27FC236}">
-                <a16:creationId xmlns:a16="http://schemas.microsoft.com/office/drawing/2014/main" id="{902D4015-CAC6-76F2-E4D4-84DF5766CCBA}"/>
+          <p:cNvPr id="4" name="그림 3">
+            <a:extLst>
+              <a:ext uri="{FF2B5EF4-FFF2-40B4-BE49-F238E27FC236}">
+                <a16:creationId xmlns:a16="http://schemas.microsoft.com/office/drawing/2014/main" id="{7FB73F80-F909-AE6D-0DCB-43CE6DE5C251}"/>
               </a:ext>
             </a:extLst>
           </p:cNvPr>
@@ -10096,98 +10206,8 @@
         </p:blipFill>
         <p:spPr>
           <a:xfrm>
-            <a:off x="942387" y="1854773"/>
-            <a:ext cx="4220164" cy="1819529"/>
-          </a:xfrm>
-          <a:prstGeom prst="rect">
-            <a:avLst/>
-          </a:prstGeom>
-        </p:spPr>
-      </p:pic>
-      <p:pic>
-        <p:nvPicPr>
-          <p:cNvPr id="10" name="그림 9">
-            <a:extLst>
-              <a:ext uri="{FF2B5EF4-FFF2-40B4-BE49-F238E27FC236}">
-                <a16:creationId xmlns:a16="http://schemas.microsoft.com/office/drawing/2014/main" id="{66D50886-F8B7-0755-5C61-9129026BC3DC}"/>
-              </a:ext>
-            </a:extLst>
-          </p:cNvPr>
-          <p:cNvPicPr>
-            <a:picLocks noChangeAspect="1"/>
-          </p:cNvPicPr>
-          <p:nvPr/>
-        </p:nvPicPr>
-        <p:blipFill>
-          <a:blip r:embed="rId3"/>
-          <a:stretch>
-            <a:fillRect/>
-          </a:stretch>
-        </p:blipFill>
-        <p:spPr>
-          <a:xfrm>
-            <a:off x="942386" y="3969720"/>
-            <a:ext cx="4216025" cy="2144201"/>
-          </a:xfrm>
-          <a:prstGeom prst="rect">
-            <a:avLst/>
-          </a:prstGeom>
-        </p:spPr>
-      </p:pic>
-      <p:pic>
-        <p:nvPicPr>
-          <p:cNvPr id="12" name="그림 11">
-            <a:extLst>
-              <a:ext uri="{FF2B5EF4-FFF2-40B4-BE49-F238E27FC236}">
-                <a16:creationId xmlns:a16="http://schemas.microsoft.com/office/drawing/2014/main" id="{D8268561-AE6F-9491-916B-90B179B9EF9B}"/>
-              </a:ext>
-            </a:extLst>
-          </p:cNvPr>
-          <p:cNvPicPr>
-            <a:picLocks noChangeAspect="1"/>
-          </p:cNvPicPr>
-          <p:nvPr/>
-        </p:nvPicPr>
-        <p:blipFill>
-          <a:blip r:embed="rId4"/>
-          <a:stretch>
-            <a:fillRect/>
-          </a:stretch>
-        </p:blipFill>
-        <p:spPr>
-          <a:xfrm>
-            <a:off x="6082459" y="1861874"/>
-            <a:ext cx="4267796" cy="695422"/>
-          </a:xfrm>
-          <a:prstGeom prst="rect">
-            <a:avLst/>
-          </a:prstGeom>
-        </p:spPr>
-      </p:pic>
-      <p:pic>
-        <p:nvPicPr>
-          <p:cNvPr id="14" name="그림 13">
-            <a:extLst>
-              <a:ext uri="{FF2B5EF4-FFF2-40B4-BE49-F238E27FC236}">
-                <a16:creationId xmlns:a16="http://schemas.microsoft.com/office/drawing/2014/main" id="{D215124F-3720-A2D2-072F-006156D0D21E}"/>
-              </a:ext>
-            </a:extLst>
-          </p:cNvPr>
-          <p:cNvPicPr>
-            <a:picLocks noChangeAspect="1"/>
-          </p:cNvPicPr>
-          <p:nvPr/>
-        </p:nvPicPr>
-        <p:blipFill>
-          <a:blip r:embed="rId5"/>
-          <a:stretch>
-            <a:fillRect/>
-          </a:stretch>
-        </p:blipFill>
-        <p:spPr>
-          <a:xfrm>
-            <a:off x="6082459" y="3334871"/>
-            <a:ext cx="4268415" cy="2799607"/>
+            <a:off x="1425352" y="932064"/>
+            <a:ext cx="9341297" cy="5925936"/>
           </a:xfrm>
           <a:prstGeom prst="rect">
             <a:avLst/>
@@ -10197,7 +10217,7 @@
     </p:spTree>
     <p:extLst>
       <p:ext uri="{BB962C8B-B14F-4D97-AF65-F5344CB8AC3E}">
-        <p14:creationId xmlns:p14="http://schemas.microsoft.com/office/powerpoint/2010/main" val="2620397563"/>
+        <p14:creationId xmlns:p14="http://schemas.microsoft.com/office/powerpoint/2010/main" val="1662062427"/>
       </p:ext>
     </p:extLst>
   </p:cSld>
@@ -10283,7 +10303,7 @@
         <p:spPr>
           <a:xfrm>
             <a:off x="331694" y="177505"/>
-            <a:ext cx="5763116" cy="523220"/>
+            <a:ext cx="5009705" cy="523220"/>
           </a:xfrm>
           <a:prstGeom prst="rect">
             <a:avLst/>
@@ -10301,14 +10321,7 @@
                 <a:latin typeface="나눔스퀘어 Bold" panose="020B0600000101010101" pitchFamily="50" charset="-127"/>
                 <a:ea typeface="나눔스퀘어 Bold" panose="020B0600000101010101" pitchFamily="50" charset="-127"/>
               </a:rPr>
-              <a:t>Implementation – 10872 </a:t>
-            </a:r>
-            <a:r>
-              <a:rPr lang="ko-KR" altLang="en-US" sz="2800" dirty="0" err="1">
-                <a:latin typeface="나눔스퀘어 Bold" panose="020B0600000101010101" pitchFamily="50" charset="-127"/>
-                <a:ea typeface="나눔스퀘어 Bold" panose="020B0600000101010101" pitchFamily="50" charset="-127"/>
-              </a:rPr>
-              <a:t>팩토리얼</a:t>
+              <a:t>Implementation – 1000 A+B</a:t>
             </a:r>
             <a:endParaRPr lang="ko-KR" altLang="en-US" sz="2800" dirty="0">
               <a:latin typeface="나눔스퀘어 Bold" panose="020B0600000101010101" pitchFamily="50" charset="-127"/>
@@ -10317,12 +10330,61 @@
           </a:p>
         </p:txBody>
       </p:sp>
+      <p:sp>
+        <p:nvSpPr>
+          <p:cNvPr id="7" name="TextBox 6">
+            <a:extLst>
+              <a:ext uri="{FF2B5EF4-FFF2-40B4-BE49-F238E27FC236}">
+                <a16:creationId xmlns:a16="http://schemas.microsoft.com/office/drawing/2014/main" id="{5B474655-BD78-E334-950C-B8C17B96E7D6}"/>
+              </a:ext>
+            </a:extLst>
+          </p:cNvPr>
+          <p:cNvSpPr txBox="1"/>
+          <p:nvPr/>
+        </p:nvSpPr>
+        <p:spPr>
+          <a:xfrm>
+            <a:off x="942387" y="1190024"/>
+            <a:ext cx="8553305" cy="369332"/>
+          </a:xfrm>
+          <a:prstGeom prst="rect">
+            <a:avLst/>
+          </a:prstGeom>
+          <a:noFill/>
+        </p:spPr>
+        <p:txBody>
+          <a:bodyPr wrap="square" rtlCol="0">
+            <a:spAutoFit/>
+          </a:bodyPr>
+          <a:lstStyle/>
+          <a:p>
+            <a:r>
+              <a:rPr lang="ko-KR" altLang="en-US" dirty="0">
+                <a:latin typeface="나눔스퀘어 Light" panose="020B0600000101010101" pitchFamily="50" charset="-127"/>
+                <a:ea typeface="나눔스퀘어 Light" panose="020B0600000101010101" pitchFamily="50" charset="-127"/>
+              </a:rPr>
+              <a:t>사용하는 언어의 기본 입출력 방법을 알고 있는가를 확인하는 문제입니다</a:t>
+            </a:r>
+            <a:r>
+              <a:rPr lang="en-US" altLang="ko-KR" dirty="0">
+                <a:latin typeface="나눔스퀘어 Light" panose="020B0600000101010101" pitchFamily="50" charset="-127"/>
+                <a:ea typeface="나눔스퀘어 Light" panose="020B0600000101010101" pitchFamily="50" charset="-127"/>
+              </a:rPr>
+              <a:t>.</a:t>
+            </a:r>
+            <a:endParaRPr lang="ko-KR" altLang="en-US" dirty="0">
+              <a:latin typeface="나눔스퀘어 Light" panose="020B0600000101010101" pitchFamily="50" charset="-127"/>
+              <a:ea typeface="나눔스퀘어 Light" panose="020B0600000101010101" pitchFamily="50" charset="-127"/>
+            </a:endParaRPr>
+          </a:p>
+        </p:txBody>
+      </p:sp>
       <p:pic>
         <p:nvPicPr>
-          <p:cNvPr id="3" name="그림 2">
-            <a:extLst>
-              <a:ext uri="{FF2B5EF4-FFF2-40B4-BE49-F238E27FC236}">
-                <a16:creationId xmlns:a16="http://schemas.microsoft.com/office/drawing/2014/main" id="{948D62DA-C97B-583F-9BC7-8A0A37844FDC}"/>
+          <p:cNvPr id="8" name="그림 7">
+            <a:extLst>
+              <a:ext uri="{FF2B5EF4-FFF2-40B4-BE49-F238E27FC236}">
+                <a16:creationId xmlns:a16="http://schemas.microsoft.com/office/drawing/2014/main" id="{902D4015-CAC6-76F2-E4D4-84DF5766CCBA}"/>
               </a:ext>
             </a:extLst>
           </p:cNvPr>
@@ -10339,8 +10401,98 @@
         </p:blipFill>
         <p:spPr>
           <a:xfrm>
-            <a:off x="2204076" y="930352"/>
-            <a:ext cx="7783849" cy="5927648"/>
+            <a:off x="942387" y="1854773"/>
+            <a:ext cx="4220164" cy="1819529"/>
+          </a:xfrm>
+          <a:prstGeom prst="rect">
+            <a:avLst/>
+          </a:prstGeom>
+        </p:spPr>
+      </p:pic>
+      <p:pic>
+        <p:nvPicPr>
+          <p:cNvPr id="10" name="그림 9">
+            <a:extLst>
+              <a:ext uri="{FF2B5EF4-FFF2-40B4-BE49-F238E27FC236}">
+                <a16:creationId xmlns:a16="http://schemas.microsoft.com/office/drawing/2014/main" id="{66D50886-F8B7-0755-5C61-9129026BC3DC}"/>
+              </a:ext>
+            </a:extLst>
+          </p:cNvPr>
+          <p:cNvPicPr>
+            <a:picLocks noChangeAspect="1"/>
+          </p:cNvPicPr>
+          <p:nvPr/>
+        </p:nvPicPr>
+        <p:blipFill>
+          <a:blip r:embed="rId3"/>
+          <a:stretch>
+            <a:fillRect/>
+          </a:stretch>
+        </p:blipFill>
+        <p:spPr>
+          <a:xfrm>
+            <a:off x="942386" y="3969720"/>
+            <a:ext cx="4216025" cy="2144201"/>
+          </a:xfrm>
+          <a:prstGeom prst="rect">
+            <a:avLst/>
+          </a:prstGeom>
+        </p:spPr>
+      </p:pic>
+      <p:pic>
+        <p:nvPicPr>
+          <p:cNvPr id="12" name="그림 11">
+            <a:extLst>
+              <a:ext uri="{FF2B5EF4-FFF2-40B4-BE49-F238E27FC236}">
+                <a16:creationId xmlns:a16="http://schemas.microsoft.com/office/drawing/2014/main" id="{D8268561-AE6F-9491-916B-90B179B9EF9B}"/>
+              </a:ext>
+            </a:extLst>
+          </p:cNvPr>
+          <p:cNvPicPr>
+            <a:picLocks noChangeAspect="1"/>
+          </p:cNvPicPr>
+          <p:nvPr/>
+        </p:nvPicPr>
+        <p:blipFill>
+          <a:blip r:embed="rId4"/>
+          <a:stretch>
+            <a:fillRect/>
+          </a:stretch>
+        </p:blipFill>
+        <p:spPr>
+          <a:xfrm>
+            <a:off x="6082459" y="1861874"/>
+            <a:ext cx="4267796" cy="695422"/>
+          </a:xfrm>
+          <a:prstGeom prst="rect">
+            <a:avLst/>
+          </a:prstGeom>
+        </p:spPr>
+      </p:pic>
+      <p:pic>
+        <p:nvPicPr>
+          <p:cNvPr id="14" name="그림 13">
+            <a:extLst>
+              <a:ext uri="{FF2B5EF4-FFF2-40B4-BE49-F238E27FC236}">
+                <a16:creationId xmlns:a16="http://schemas.microsoft.com/office/drawing/2014/main" id="{D215124F-3720-A2D2-072F-006156D0D21E}"/>
+              </a:ext>
+            </a:extLst>
+          </p:cNvPr>
+          <p:cNvPicPr>
+            <a:picLocks noChangeAspect="1"/>
+          </p:cNvPicPr>
+          <p:nvPr/>
+        </p:nvPicPr>
+        <p:blipFill>
+          <a:blip r:embed="rId5"/>
+          <a:stretch>
+            <a:fillRect/>
+          </a:stretch>
+        </p:blipFill>
+        <p:spPr>
+          <a:xfrm>
+            <a:off x="6082459" y="3334871"/>
+            <a:ext cx="4268415" cy="2799607"/>
           </a:xfrm>
           <a:prstGeom prst="rect">
             <a:avLst/>
@@ -10350,7 +10502,7 @@
     </p:spTree>
     <p:extLst>
       <p:ext uri="{BB962C8B-B14F-4D97-AF65-F5344CB8AC3E}">
-        <p14:creationId xmlns:p14="http://schemas.microsoft.com/office/powerpoint/2010/main" val="1360498889"/>
+        <p14:creationId xmlns:p14="http://schemas.microsoft.com/office/powerpoint/2010/main" val="2620397563"/>
       </p:ext>
     </p:extLst>
   </p:cSld>
@@ -10436,7 +10588,7 @@
         <p:spPr>
           <a:xfrm>
             <a:off x="331694" y="177505"/>
-            <a:ext cx="5673348" cy="523220"/>
+            <a:ext cx="5763116" cy="523220"/>
           </a:xfrm>
           <a:prstGeom prst="rect">
             <a:avLst/>
@@ -10470,109 +10622,12 @@
           </a:p>
         </p:txBody>
       </p:sp>
-      <p:sp>
-        <p:nvSpPr>
-          <p:cNvPr id="7" name="TextBox 6">
-            <a:extLst>
-              <a:ext uri="{FF2B5EF4-FFF2-40B4-BE49-F238E27FC236}">
-                <a16:creationId xmlns:a16="http://schemas.microsoft.com/office/drawing/2014/main" id="{5B474655-BD78-E334-950C-B8C17B96E7D6}"/>
-              </a:ext>
-            </a:extLst>
-          </p:cNvPr>
-          <p:cNvSpPr txBox="1"/>
-          <p:nvPr/>
-        </p:nvSpPr>
-        <p:spPr>
-          <a:xfrm>
-            <a:off x="942387" y="1190024"/>
-            <a:ext cx="8553305" cy="369332"/>
-          </a:xfrm>
-          <a:prstGeom prst="rect">
-            <a:avLst/>
-          </a:prstGeom>
-          <a:noFill/>
-        </p:spPr>
-        <p:txBody>
-          <a:bodyPr wrap="square" rtlCol="0">
-            <a:spAutoFit/>
-          </a:bodyPr>
-          <a:lstStyle/>
-          <a:p>
-            <a:r>
-              <a:rPr lang="ko-KR" altLang="en-US" dirty="0">
-                <a:latin typeface="나눔스퀘어 Light" panose="020B0600000101010101" pitchFamily="50" charset="-127"/>
-                <a:ea typeface="나눔스퀘어 Light" panose="020B0600000101010101" pitchFamily="50" charset="-127"/>
-              </a:rPr>
-              <a:t>반복의 개념을 알고 있는가를 묻는 문제</a:t>
-            </a:r>
-          </a:p>
-        </p:txBody>
-      </p:sp>
-      <p:sp>
-        <p:nvSpPr>
-          <p:cNvPr id="9" name="TextBox 8">
-            <a:extLst>
-              <a:ext uri="{FF2B5EF4-FFF2-40B4-BE49-F238E27FC236}">
-                <a16:creationId xmlns:a16="http://schemas.microsoft.com/office/drawing/2014/main" id="{3CC685F9-C4C1-317E-53F6-18F92D0DE23A}"/>
-              </a:ext>
-            </a:extLst>
-          </p:cNvPr>
-          <p:cNvSpPr txBox="1"/>
-          <p:nvPr/>
-        </p:nvSpPr>
-        <p:spPr>
-          <a:xfrm>
-            <a:off x="942387" y="1575691"/>
-            <a:ext cx="8553305" cy="369332"/>
-          </a:xfrm>
-          <a:prstGeom prst="rect">
-            <a:avLst/>
-          </a:prstGeom>
-          <a:noFill/>
-        </p:spPr>
-        <p:txBody>
-          <a:bodyPr wrap="square" rtlCol="0">
-            <a:spAutoFit/>
-          </a:bodyPr>
-          <a:lstStyle/>
-          <a:p>
-            <a:r>
-              <a:rPr lang="en-US" altLang="ko-KR" dirty="0">
-                <a:latin typeface="나눔스퀘어 Light" panose="020B0600000101010101" pitchFamily="50" charset="-127"/>
-                <a:ea typeface="나눔스퀘어 Light" panose="020B0600000101010101" pitchFamily="50" charset="-127"/>
-              </a:rPr>
-              <a:t>Bottom Up </a:t>
-            </a:r>
-            <a:r>
-              <a:rPr lang="ko-KR" altLang="en-US" dirty="0">
-                <a:latin typeface="나눔스퀘어 Light" panose="020B0600000101010101" pitchFamily="50" charset="-127"/>
-                <a:ea typeface="나눔스퀘어 Light" panose="020B0600000101010101" pitchFamily="50" charset="-127"/>
-              </a:rPr>
-              <a:t>방식과 </a:t>
-            </a:r>
-            <a:r>
-              <a:rPr lang="en-US" altLang="ko-KR" dirty="0">
-                <a:latin typeface="나눔스퀘어 Light" panose="020B0600000101010101" pitchFamily="50" charset="-127"/>
-                <a:ea typeface="나눔스퀘어 Light" panose="020B0600000101010101" pitchFamily="50" charset="-127"/>
-              </a:rPr>
-              <a:t>Top Down </a:t>
-            </a:r>
-            <a:r>
-              <a:rPr lang="ko-KR" altLang="en-US" dirty="0">
-                <a:latin typeface="나눔스퀘어 Light" panose="020B0600000101010101" pitchFamily="50" charset="-127"/>
-                <a:ea typeface="나눔스퀘어 Light" panose="020B0600000101010101" pitchFamily="50" charset="-127"/>
-              </a:rPr>
-              <a:t>방식을 생각할 수 있음</a:t>
-            </a:r>
-          </a:p>
-        </p:txBody>
-      </p:sp>
       <p:pic>
         <p:nvPicPr>
           <p:cNvPr id="3" name="그림 2">
             <a:extLst>
               <a:ext uri="{FF2B5EF4-FFF2-40B4-BE49-F238E27FC236}">
-                <a16:creationId xmlns:a16="http://schemas.microsoft.com/office/drawing/2014/main" id="{D1682640-C083-C7F9-3EB5-56654CA9A42A}"/>
+                <a16:creationId xmlns:a16="http://schemas.microsoft.com/office/drawing/2014/main" id="{948D62DA-C97B-583F-9BC7-8A0A37844FDC}"/>
               </a:ext>
             </a:extLst>
           </p:cNvPr>
@@ -10589,38 +10644,8 @@
         </p:blipFill>
         <p:spPr>
           <a:xfrm>
-            <a:off x="1447623" y="2600498"/>
-            <a:ext cx="3487895" cy="2090571"/>
-          </a:xfrm>
-          <a:prstGeom prst="rect">
-            <a:avLst/>
-          </a:prstGeom>
-        </p:spPr>
-      </p:pic>
-      <p:pic>
-        <p:nvPicPr>
-          <p:cNvPr id="11" name="그림 10">
-            <a:extLst>
-              <a:ext uri="{FF2B5EF4-FFF2-40B4-BE49-F238E27FC236}">
-                <a16:creationId xmlns:a16="http://schemas.microsoft.com/office/drawing/2014/main" id="{453E51B3-947D-A6C6-F0FB-134905EB107A}"/>
-              </a:ext>
-            </a:extLst>
-          </p:cNvPr>
-          <p:cNvPicPr>
-            <a:picLocks noChangeAspect="1"/>
-          </p:cNvPicPr>
-          <p:nvPr/>
-        </p:nvPicPr>
-        <p:blipFill>
-          <a:blip r:embed="rId3"/>
-          <a:stretch>
-            <a:fillRect/>
-          </a:stretch>
-        </p:blipFill>
-        <p:spPr>
-          <a:xfrm>
-            <a:off x="6808672" y="2600498"/>
-            <a:ext cx="3067478" cy="3067478"/>
+            <a:off x="2204076" y="930352"/>
+            <a:ext cx="7783849" cy="5927648"/>
           </a:xfrm>
           <a:prstGeom prst="rect">
             <a:avLst/>
@@ -10630,7 +10655,7 @@
     </p:spTree>
     <p:extLst>
       <p:ext uri="{BB962C8B-B14F-4D97-AF65-F5344CB8AC3E}">
-        <p14:creationId xmlns:p14="http://schemas.microsoft.com/office/powerpoint/2010/main" val="2004875287"/>
+        <p14:creationId xmlns:p14="http://schemas.microsoft.com/office/powerpoint/2010/main" val="1360498889"/>
       </p:ext>
     </p:extLst>
   </p:cSld>
@@ -10716,7 +10741,7 @@
         <p:spPr>
           <a:xfrm>
             <a:off x="331694" y="177505"/>
-            <a:ext cx="5763116" cy="523220"/>
+            <a:ext cx="5673348" cy="523220"/>
           </a:xfrm>
           <a:prstGeom prst="rect">
             <a:avLst/>
@@ -10750,6 +10775,323 @@
           </a:p>
         </p:txBody>
       </p:sp>
+      <p:sp>
+        <p:nvSpPr>
+          <p:cNvPr id="7" name="TextBox 6">
+            <a:extLst>
+              <a:ext uri="{FF2B5EF4-FFF2-40B4-BE49-F238E27FC236}">
+                <a16:creationId xmlns:a16="http://schemas.microsoft.com/office/drawing/2014/main" id="{5B474655-BD78-E334-950C-B8C17B96E7D6}"/>
+              </a:ext>
+            </a:extLst>
+          </p:cNvPr>
+          <p:cNvSpPr txBox="1"/>
+          <p:nvPr/>
+        </p:nvSpPr>
+        <p:spPr>
+          <a:xfrm>
+            <a:off x="942387" y="1190024"/>
+            <a:ext cx="8553305" cy="369332"/>
+          </a:xfrm>
+          <a:prstGeom prst="rect">
+            <a:avLst/>
+          </a:prstGeom>
+          <a:noFill/>
+        </p:spPr>
+        <p:txBody>
+          <a:bodyPr wrap="square" rtlCol="0">
+            <a:spAutoFit/>
+          </a:bodyPr>
+          <a:lstStyle/>
+          <a:p>
+            <a:r>
+              <a:rPr lang="ko-KR" altLang="en-US" dirty="0">
+                <a:latin typeface="나눔스퀘어 Light" panose="020B0600000101010101" pitchFamily="50" charset="-127"/>
+                <a:ea typeface="나눔스퀘어 Light" panose="020B0600000101010101" pitchFamily="50" charset="-127"/>
+              </a:rPr>
+              <a:t>반복의 개념을 알고 있는가를 묻는 문제</a:t>
+            </a:r>
+          </a:p>
+        </p:txBody>
+      </p:sp>
+      <p:sp>
+        <p:nvSpPr>
+          <p:cNvPr id="9" name="TextBox 8">
+            <a:extLst>
+              <a:ext uri="{FF2B5EF4-FFF2-40B4-BE49-F238E27FC236}">
+                <a16:creationId xmlns:a16="http://schemas.microsoft.com/office/drawing/2014/main" id="{3CC685F9-C4C1-317E-53F6-18F92D0DE23A}"/>
+              </a:ext>
+            </a:extLst>
+          </p:cNvPr>
+          <p:cNvSpPr txBox="1"/>
+          <p:nvPr/>
+        </p:nvSpPr>
+        <p:spPr>
+          <a:xfrm>
+            <a:off x="942387" y="1575691"/>
+            <a:ext cx="8553305" cy="369332"/>
+          </a:xfrm>
+          <a:prstGeom prst="rect">
+            <a:avLst/>
+          </a:prstGeom>
+          <a:noFill/>
+        </p:spPr>
+        <p:txBody>
+          <a:bodyPr wrap="square" rtlCol="0">
+            <a:spAutoFit/>
+          </a:bodyPr>
+          <a:lstStyle/>
+          <a:p>
+            <a:r>
+              <a:rPr lang="en-US" altLang="ko-KR" dirty="0">
+                <a:latin typeface="나눔스퀘어 Light" panose="020B0600000101010101" pitchFamily="50" charset="-127"/>
+                <a:ea typeface="나눔스퀘어 Light" panose="020B0600000101010101" pitchFamily="50" charset="-127"/>
+              </a:rPr>
+              <a:t>Bottom Up </a:t>
+            </a:r>
+            <a:r>
+              <a:rPr lang="ko-KR" altLang="en-US" dirty="0">
+                <a:latin typeface="나눔스퀘어 Light" panose="020B0600000101010101" pitchFamily="50" charset="-127"/>
+                <a:ea typeface="나눔스퀘어 Light" panose="020B0600000101010101" pitchFamily="50" charset="-127"/>
+              </a:rPr>
+              <a:t>방식과 </a:t>
+            </a:r>
+            <a:r>
+              <a:rPr lang="en-US" altLang="ko-KR" dirty="0">
+                <a:latin typeface="나눔스퀘어 Light" panose="020B0600000101010101" pitchFamily="50" charset="-127"/>
+                <a:ea typeface="나눔스퀘어 Light" panose="020B0600000101010101" pitchFamily="50" charset="-127"/>
+              </a:rPr>
+              <a:t>Top Down </a:t>
+            </a:r>
+            <a:r>
+              <a:rPr lang="ko-KR" altLang="en-US" dirty="0">
+                <a:latin typeface="나눔스퀘어 Light" panose="020B0600000101010101" pitchFamily="50" charset="-127"/>
+                <a:ea typeface="나눔스퀘어 Light" panose="020B0600000101010101" pitchFamily="50" charset="-127"/>
+              </a:rPr>
+              <a:t>방식을 생각할 수 있음</a:t>
+            </a:r>
+          </a:p>
+        </p:txBody>
+      </p:sp>
+      <p:pic>
+        <p:nvPicPr>
+          <p:cNvPr id="3" name="그림 2">
+            <a:extLst>
+              <a:ext uri="{FF2B5EF4-FFF2-40B4-BE49-F238E27FC236}">
+                <a16:creationId xmlns:a16="http://schemas.microsoft.com/office/drawing/2014/main" id="{D1682640-C083-C7F9-3EB5-56654CA9A42A}"/>
+              </a:ext>
+            </a:extLst>
+          </p:cNvPr>
+          <p:cNvPicPr>
+            <a:picLocks noChangeAspect="1"/>
+          </p:cNvPicPr>
+          <p:nvPr/>
+        </p:nvPicPr>
+        <p:blipFill>
+          <a:blip r:embed="rId2"/>
+          <a:stretch>
+            <a:fillRect/>
+          </a:stretch>
+        </p:blipFill>
+        <p:spPr>
+          <a:xfrm>
+            <a:off x="1447623" y="2600498"/>
+            <a:ext cx="3487895" cy="2090571"/>
+          </a:xfrm>
+          <a:prstGeom prst="rect">
+            <a:avLst/>
+          </a:prstGeom>
+        </p:spPr>
+      </p:pic>
+      <p:pic>
+        <p:nvPicPr>
+          <p:cNvPr id="11" name="그림 10">
+            <a:extLst>
+              <a:ext uri="{FF2B5EF4-FFF2-40B4-BE49-F238E27FC236}">
+                <a16:creationId xmlns:a16="http://schemas.microsoft.com/office/drawing/2014/main" id="{453E51B3-947D-A6C6-F0FB-134905EB107A}"/>
+              </a:ext>
+            </a:extLst>
+          </p:cNvPr>
+          <p:cNvPicPr>
+            <a:picLocks noChangeAspect="1"/>
+          </p:cNvPicPr>
+          <p:nvPr/>
+        </p:nvPicPr>
+        <p:blipFill>
+          <a:blip r:embed="rId3"/>
+          <a:stretch>
+            <a:fillRect/>
+          </a:stretch>
+        </p:blipFill>
+        <p:spPr>
+          <a:xfrm>
+            <a:off x="6808672" y="2600498"/>
+            <a:ext cx="3067478" cy="3067478"/>
+          </a:xfrm>
+          <a:prstGeom prst="rect">
+            <a:avLst/>
+          </a:prstGeom>
+        </p:spPr>
+      </p:pic>
+    </p:spTree>
+    <p:extLst>
+      <p:ext uri="{BB962C8B-B14F-4D97-AF65-F5344CB8AC3E}">
+        <p14:creationId xmlns:p14="http://schemas.microsoft.com/office/powerpoint/2010/main" val="2004875287"/>
+      </p:ext>
+    </p:extLst>
+  </p:cSld>
+  <p:clrMapOvr>
+    <a:masterClrMapping/>
+  </p:clrMapOvr>
+</p:sld>
+</file>
+
+<file path=ppt/slides/slide29.xml><?xml version="1.0" encoding="utf-8"?>
+<p:sld xmlns:a="http://schemas.openxmlformats.org/drawingml/2006/main" xmlns:r="http://schemas.openxmlformats.org/officeDocument/2006/relationships" xmlns:p="http://schemas.openxmlformats.org/presentationml/2006/main">
+  <p:cSld>
+    <p:spTree>
+      <p:nvGrpSpPr>
+        <p:cNvPr id="1" name=""/>
+        <p:cNvGrpSpPr/>
+        <p:nvPr/>
+      </p:nvGrpSpPr>
+      <p:grpSpPr>
+        <a:xfrm>
+          <a:off x="0" y="0"/>
+          <a:ext cx="0" cy="0"/>
+          <a:chOff x="0" y="0"/>
+          <a:chExt cx="0" cy="0"/>
+        </a:xfrm>
+      </p:grpSpPr>
+      <p:cxnSp>
+        <p:nvCxnSpPr>
+          <p:cNvPr id="5" name="직선 연결선 4">
+            <a:extLst>
+              <a:ext uri="{FF2B5EF4-FFF2-40B4-BE49-F238E27FC236}">
+                <a16:creationId xmlns:a16="http://schemas.microsoft.com/office/drawing/2014/main" id="{164C2827-EFCE-69A4-D037-1A218415F568}"/>
+              </a:ext>
+            </a:extLst>
+          </p:cNvPr>
+          <p:cNvCxnSpPr/>
+          <p:nvPr/>
+        </p:nvCxnSpPr>
+        <p:spPr>
+          <a:xfrm>
+            <a:off x="0" y="887505"/>
+            <a:ext cx="10237694" cy="0"/>
+          </a:xfrm>
+          <a:prstGeom prst="line">
+            <a:avLst/>
+          </a:prstGeom>
+          <a:ln w="76200">
+            <a:solidFill>
+              <a:schemeClr val="tx1">
+                <a:lumMod val="75000"/>
+                <a:lumOff val="25000"/>
+              </a:schemeClr>
+            </a:solidFill>
+          </a:ln>
+        </p:spPr>
+        <p:style>
+          <a:lnRef idx="1">
+            <a:schemeClr val="accent1"/>
+          </a:lnRef>
+          <a:fillRef idx="0">
+            <a:schemeClr val="accent1"/>
+          </a:fillRef>
+          <a:effectRef idx="0">
+            <a:schemeClr val="accent1"/>
+          </a:effectRef>
+          <a:fontRef idx="minor">
+            <a:schemeClr val="tx1"/>
+          </a:fontRef>
+        </p:style>
+      </p:cxnSp>
+      <p:sp>
+        <p:nvSpPr>
+          <p:cNvPr id="6" name="TextBox 5">
+            <a:extLst>
+              <a:ext uri="{FF2B5EF4-FFF2-40B4-BE49-F238E27FC236}">
+                <a16:creationId xmlns:a16="http://schemas.microsoft.com/office/drawing/2014/main" id="{908ED9B9-09D3-CFA8-625A-6F9BB9B6BD23}"/>
+              </a:ext>
+            </a:extLst>
+          </p:cNvPr>
+          <p:cNvSpPr txBox="1"/>
+          <p:nvPr/>
+        </p:nvSpPr>
+        <p:spPr>
+          <a:xfrm>
+            <a:off x="331694" y="177505"/>
+            <a:ext cx="5766322" cy="523220"/>
+          </a:xfrm>
+          <a:prstGeom prst="rect">
+            <a:avLst/>
+          </a:prstGeom>
+          <a:noFill/>
+        </p:spPr>
+        <p:txBody>
+          <a:bodyPr wrap="none" rtlCol="0">
+            <a:spAutoFit/>
+          </a:bodyPr>
+          <a:lstStyle/>
+          <a:p>
+            <a:r>
+              <a:rPr lang="en-US" altLang="ko-KR" sz="2800" dirty="0">
+                <a:latin typeface="나눔스퀘어 Bold" panose="020B0600000101010101" pitchFamily="50" charset="-127"/>
+                <a:ea typeface="나눔스퀘어 Bold" panose="020B0600000101010101" pitchFamily="50" charset="-127"/>
+              </a:rPr>
+              <a:t>Implementation – 2441 </a:t>
+            </a:r>
+            <a:r>
+              <a:rPr lang="ko-KR" altLang="en-US" sz="2800" dirty="0">
+                <a:latin typeface="나눔스퀘어 Bold" panose="020B0600000101010101" pitchFamily="50" charset="-127"/>
+                <a:ea typeface="나눔스퀘어 Bold" panose="020B0600000101010101" pitchFamily="50" charset="-127"/>
+              </a:rPr>
+              <a:t>별 찍기 </a:t>
+            </a:r>
+            <a:r>
+              <a:rPr lang="en-US" altLang="ko-KR" sz="2800" dirty="0">
+                <a:latin typeface="나눔스퀘어 Bold" panose="020B0600000101010101" pitchFamily="50" charset="-127"/>
+                <a:ea typeface="나눔스퀘어 Bold" panose="020B0600000101010101" pitchFamily="50" charset="-127"/>
+              </a:rPr>
+              <a:t>- 4</a:t>
+            </a:r>
+            <a:endParaRPr lang="ko-KR" altLang="en-US" sz="2800" dirty="0">
+              <a:latin typeface="나눔스퀘어 Bold" panose="020B0600000101010101" pitchFamily="50" charset="-127"/>
+              <a:ea typeface="나눔스퀘어 Bold" panose="020B0600000101010101" pitchFamily="50" charset="-127"/>
+            </a:endParaRPr>
+          </a:p>
+        </p:txBody>
+      </p:sp>
+      <p:pic>
+        <p:nvPicPr>
+          <p:cNvPr id="11" name="그림 10">
+            <a:extLst>
+              <a:ext uri="{FF2B5EF4-FFF2-40B4-BE49-F238E27FC236}">
+                <a16:creationId xmlns:a16="http://schemas.microsoft.com/office/drawing/2014/main" id="{4E413AEB-9B78-DA78-E927-92374F69B0C4}"/>
+              </a:ext>
+            </a:extLst>
+          </p:cNvPr>
+          <p:cNvPicPr>
+            <a:picLocks noChangeAspect="1"/>
+          </p:cNvPicPr>
+          <p:nvPr/>
+        </p:nvPicPr>
+        <p:blipFill>
+          <a:blip r:embed="rId2"/>
+          <a:stretch>
+            <a:fillRect/>
+          </a:stretch>
+        </p:blipFill>
+        <p:spPr>
+          <a:xfrm>
+            <a:off x="534473" y="961536"/>
+            <a:ext cx="11123054" cy="5896464"/>
+          </a:xfrm>
+          <a:prstGeom prst="rect">
+            <a:avLst/>
+          </a:prstGeom>
+        </p:spPr>
+      </p:pic>
     </p:spTree>
     <p:extLst>
       <p:ext uri="{BB962C8B-B14F-4D97-AF65-F5344CB8AC3E}">
@@ -11294,6 +11636,1599 @@
     <p:extLst>
       <p:ext uri="{BB962C8B-B14F-4D97-AF65-F5344CB8AC3E}">
         <p14:creationId xmlns:p14="http://schemas.microsoft.com/office/powerpoint/2010/main" val="2951209051"/>
+      </p:ext>
+    </p:extLst>
+  </p:cSld>
+  <p:clrMapOvr>
+    <a:masterClrMapping/>
+  </p:clrMapOvr>
+</p:sld>
+</file>
+
+<file path=ppt/slides/slide30.xml><?xml version="1.0" encoding="utf-8"?>
+<p:sld xmlns:a="http://schemas.openxmlformats.org/drawingml/2006/main" xmlns:r="http://schemas.openxmlformats.org/officeDocument/2006/relationships" xmlns:p="http://schemas.openxmlformats.org/presentationml/2006/main">
+  <p:cSld>
+    <p:spTree>
+      <p:nvGrpSpPr>
+        <p:cNvPr id="1" name=""/>
+        <p:cNvGrpSpPr/>
+        <p:nvPr/>
+      </p:nvGrpSpPr>
+      <p:grpSpPr>
+        <a:xfrm>
+          <a:off x="0" y="0"/>
+          <a:ext cx="0" cy="0"/>
+          <a:chOff x="0" y="0"/>
+          <a:chExt cx="0" cy="0"/>
+        </a:xfrm>
+      </p:grpSpPr>
+      <p:cxnSp>
+        <p:nvCxnSpPr>
+          <p:cNvPr id="5" name="직선 연결선 4">
+            <a:extLst>
+              <a:ext uri="{FF2B5EF4-FFF2-40B4-BE49-F238E27FC236}">
+                <a16:creationId xmlns:a16="http://schemas.microsoft.com/office/drawing/2014/main" id="{164C2827-EFCE-69A4-D037-1A218415F568}"/>
+              </a:ext>
+            </a:extLst>
+          </p:cNvPr>
+          <p:cNvCxnSpPr/>
+          <p:nvPr/>
+        </p:nvCxnSpPr>
+        <p:spPr>
+          <a:xfrm>
+            <a:off x="0" y="887505"/>
+            <a:ext cx="10237694" cy="0"/>
+          </a:xfrm>
+          <a:prstGeom prst="line">
+            <a:avLst/>
+          </a:prstGeom>
+          <a:ln w="76200">
+            <a:solidFill>
+              <a:schemeClr val="tx1">
+                <a:lumMod val="75000"/>
+                <a:lumOff val="25000"/>
+              </a:schemeClr>
+            </a:solidFill>
+          </a:ln>
+        </p:spPr>
+        <p:style>
+          <a:lnRef idx="1">
+            <a:schemeClr val="accent1"/>
+          </a:lnRef>
+          <a:fillRef idx="0">
+            <a:schemeClr val="accent1"/>
+          </a:fillRef>
+          <a:effectRef idx="0">
+            <a:schemeClr val="accent1"/>
+          </a:effectRef>
+          <a:fontRef idx="minor">
+            <a:schemeClr val="tx1"/>
+          </a:fontRef>
+        </p:style>
+      </p:cxnSp>
+      <p:sp>
+        <p:nvSpPr>
+          <p:cNvPr id="6" name="TextBox 5">
+            <a:extLst>
+              <a:ext uri="{FF2B5EF4-FFF2-40B4-BE49-F238E27FC236}">
+                <a16:creationId xmlns:a16="http://schemas.microsoft.com/office/drawing/2014/main" id="{908ED9B9-09D3-CFA8-625A-6F9BB9B6BD23}"/>
+              </a:ext>
+            </a:extLst>
+          </p:cNvPr>
+          <p:cNvSpPr txBox="1"/>
+          <p:nvPr/>
+        </p:nvSpPr>
+        <p:spPr>
+          <a:xfrm>
+            <a:off x="331694" y="177505"/>
+            <a:ext cx="5766322" cy="523220"/>
+          </a:xfrm>
+          <a:prstGeom prst="rect">
+            <a:avLst/>
+          </a:prstGeom>
+          <a:noFill/>
+        </p:spPr>
+        <p:txBody>
+          <a:bodyPr wrap="none" rtlCol="0">
+            <a:spAutoFit/>
+          </a:bodyPr>
+          <a:lstStyle/>
+          <a:p>
+            <a:r>
+              <a:rPr lang="en-US" altLang="ko-KR" sz="2800" dirty="0">
+                <a:latin typeface="나눔스퀘어 Bold" panose="020B0600000101010101" pitchFamily="50" charset="-127"/>
+                <a:ea typeface="나눔스퀘어 Bold" panose="020B0600000101010101" pitchFamily="50" charset="-127"/>
+              </a:rPr>
+              <a:t>Implementation – 2442 </a:t>
+            </a:r>
+            <a:r>
+              <a:rPr lang="ko-KR" altLang="en-US" sz="2800" dirty="0">
+                <a:latin typeface="나눔스퀘어 Bold" panose="020B0600000101010101" pitchFamily="50" charset="-127"/>
+                <a:ea typeface="나눔스퀘어 Bold" panose="020B0600000101010101" pitchFamily="50" charset="-127"/>
+              </a:rPr>
+              <a:t>별 찍기 </a:t>
+            </a:r>
+            <a:r>
+              <a:rPr lang="en-US" altLang="ko-KR" sz="2800" dirty="0">
+                <a:latin typeface="나눔스퀘어 Bold" panose="020B0600000101010101" pitchFamily="50" charset="-127"/>
+                <a:ea typeface="나눔스퀘어 Bold" panose="020B0600000101010101" pitchFamily="50" charset="-127"/>
+              </a:rPr>
+              <a:t>- 5</a:t>
+            </a:r>
+            <a:endParaRPr lang="ko-KR" altLang="en-US" sz="2800" dirty="0">
+              <a:latin typeface="나눔스퀘어 Bold" panose="020B0600000101010101" pitchFamily="50" charset="-127"/>
+              <a:ea typeface="나눔스퀘어 Bold" panose="020B0600000101010101" pitchFamily="50" charset="-127"/>
+            </a:endParaRPr>
+          </a:p>
+        </p:txBody>
+      </p:sp>
+      <p:pic>
+        <p:nvPicPr>
+          <p:cNvPr id="3" name="그림 2">
+            <a:extLst>
+              <a:ext uri="{FF2B5EF4-FFF2-40B4-BE49-F238E27FC236}">
+                <a16:creationId xmlns:a16="http://schemas.microsoft.com/office/drawing/2014/main" id="{64B5F49B-25DF-493D-C147-56985807C6B7}"/>
+              </a:ext>
+            </a:extLst>
+          </p:cNvPr>
+          <p:cNvPicPr>
+            <a:picLocks noChangeAspect="1"/>
+          </p:cNvPicPr>
+          <p:nvPr/>
+        </p:nvPicPr>
+        <p:blipFill>
+          <a:blip r:embed="rId2"/>
+          <a:stretch>
+            <a:fillRect/>
+          </a:stretch>
+        </p:blipFill>
+        <p:spPr>
+          <a:xfrm>
+            <a:off x="515332" y="933906"/>
+            <a:ext cx="11161336" cy="5924093"/>
+          </a:xfrm>
+          <a:prstGeom prst="rect">
+            <a:avLst/>
+          </a:prstGeom>
+        </p:spPr>
+      </p:pic>
+    </p:spTree>
+    <p:extLst>
+      <p:ext uri="{BB962C8B-B14F-4D97-AF65-F5344CB8AC3E}">
+        <p14:creationId xmlns:p14="http://schemas.microsoft.com/office/powerpoint/2010/main" val="382141730"/>
+      </p:ext>
+    </p:extLst>
+  </p:cSld>
+  <p:clrMapOvr>
+    <a:masterClrMapping/>
+  </p:clrMapOvr>
+</p:sld>
+</file>
+
+<file path=ppt/slides/slide31.xml><?xml version="1.0" encoding="utf-8"?>
+<p:sld xmlns:a="http://schemas.openxmlformats.org/drawingml/2006/main" xmlns:r="http://schemas.openxmlformats.org/officeDocument/2006/relationships" xmlns:p="http://schemas.openxmlformats.org/presentationml/2006/main">
+  <p:cSld>
+    <p:spTree>
+      <p:nvGrpSpPr>
+        <p:cNvPr id="1" name=""/>
+        <p:cNvGrpSpPr/>
+        <p:nvPr/>
+      </p:nvGrpSpPr>
+      <p:grpSpPr>
+        <a:xfrm>
+          <a:off x="0" y="0"/>
+          <a:ext cx="0" cy="0"/>
+          <a:chOff x="0" y="0"/>
+          <a:chExt cx="0" cy="0"/>
+        </a:xfrm>
+      </p:grpSpPr>
+      <p:cxnSp>
+        <p:nvCxnSpPr>
+          <p:cNvPr id="5" name="직선 연결선 4">
+            <a:extLst>
+              <a:ext uri="{FF2B5EF4-FFF2-40B4-BE49-F238E27FC236}">
+                <a16:creationId xmlns:a16="http://schemas.microsoft.com/office/drawing/2014/main" id="{164C2827-EFCE-69A4-D037-1A218415F568}"/>
+              </a:ext>
+            </a:extLst>
+          </p:cNvPr>
+          <p:cNvCxnSpPr/>
+          <p:nvPr/>
+        </p:nvCxnSpPr>
+        <p:spPr>
+          <a:xfrm>
+            <a:off x="0" y="887505"/>
+            <a:ext cx="10237694" cy="0"/>
+          </a:xfrm>
+          <a:prstGeom prst="line">
+            <a:avLst/>
+          </a:prstGeom>
+          <a:ln w="76200">
+            <a:solidFill>
+              <a:schemeClr val="tx1">
+                <a:lumMod val="75000"/>
+                <a:lumOff val="25000"/>
+              </a:schemeClr>
+            </a:solidFill>
+          </a:ln>
+        </p:spPr>
+        <p:style>
+          <a:lnRef idx="1">
+            <a:schemeClr val="accent1"/>
+          </a:lnRef>
+          <a:fillRef idx="0">
+            <a:schemeClr val="accent1"/>
+          </a:fillRef>
+          <a:effectRef idx="0">
+            <a:schemeClr val="accent1"/>
+          </a:effectRef>
+          <a:fontRef idx="minor">
+            <a:schemeClr val="tx1"/>
+          </a:fontRef>
+        </p:style>
+      </p:cxnSp>
+      <p:sp>
+        <p:nvSpPr>
+          <p:cNvPr id="6" name="TextBox 5">
+            <a:extLst>
+              <a:ext uri="{FF2B5EF4-FFF2-40B4-BE49-F238E27FC236}">
+                <a16:creationId xmlns:a16="http://schemas.microsoft.com/office/drawing/2014/main" id="{908ED9B9-09D3-CFA8-625A-6F9BB9B6BD23}"/>
+              </a:ext>
+            </a:extLst>
+          </p:cNvPr>
+          <p:cNvSpPr txBox="1"/>
+          <p:nvPr/>
+        </p:nvSpPr>
+        <p:spPr>
+          <a:xfrm>
+            <a:off x="331694" y="177505"/>
+            <a:ext cx="8552341" cy="523220"/>
+          </a:xfrm>
+          <a:prstGeom prst="rect">
+            <a:avLst/>
+          </a:prstGeom>
+          <a:noFill/>
+        </p:spPr>
+        <p:txBody>
+          <a:bodyPr wrap="none" rtlCol="0">
+            <a:spAutoFit/>
+          </a:bodyPr>
+          <a:lstStyle/>
+          <a:p>
+            <a:r>
+              <a:rPr lang="en-US" altLang="ko-KR" sz="2800" dirty="0">
+                <a:latin typeface="나눔스퀘어 Bold" panose="020B0600000101010101" pitchFamily="50" charset="-127"/>
+                <a:ea typeface="나눔스퀘어 Bold" panose="020B0600000101010101" pitchFamily="50" charset="-127"/>
+              </a:rPr>
+              <a:t>Implementation – 2441 </a:t>
+            </a:r>
+            <a:r>
+              <a:rPr lang="ko-KR" altLang="en-US" sz="2800" dirty="0">
+                <a:latin typeface="나눔스퀘어 Bold" panose="020B0600000101010101" pitchFamily="50" charset="-127"/>
+                <a:ea typeface="나눔스퀘어 Bold" panose="020B0600000101010101" pitchFamily="50" charset="-127"/>
+              </a:rPr>
+              <a:t>별 찍기 </a:t>
+            </a:r>
+            <a:r>
+              <a:rPr lang="en-US" altLang="ko-KR" sz="2800" dirty="0">
+                <a:latin typeface="나눔스퀘어 Bold" panose="020B0600000101010101" pitchFamily="50" charset="-127"/>
+                <a:ea typeface="나눔스퀘어 Bold" panose="020B0600000101010101" pitchFamily="50" charset="-127"/>
+              </a:rPr>
+              <a:t>– 4, 2442 </a:t>
+            </a:r>
+            <a:r>
+              <a:rPr lang="ko-KR" altLang="en-US" sz="2800" dirty="0">
+                <a:latin typeface="나눔스퀘어 Bold" panose="020B0600000101010101" pitchFamily="50" charset="-127"/>
+                <a:ea typeface="나눔스퀘어 Bold" panose="020B0600000101010101" pitchFamily="50" charset="-127"/>
+              </a:rPr>
+              <a:t>별 찍기 </a:t>
+            </a:r>
+            <a:r>
+              <a:rPr lang="en-US" altLang="ko-KR" sz="2800" dirty="0">
+                <a:latin typeface="나눔스퀘어 Bold" panose="020B0600000101010101" pitchFamily="50" charset="-127"/>
+                <a:ea typeface="나눔스퀘어 Bold" panose="020B0600000101010101" pitchFamily="50" charset="-127"/>
+              </a:rPr>
+              <a:t>- 5</a:t>
+            </a:r>
+            <a:endParaRPr lang="ko-KR" altLang="en-US" sz="2800" dirty="0">
+              <a:latin typeface="나눔스퀘어 Bold" panose="020B0600000101010101" pitchFamily="50" charset="-127"/>
+              <a:ea typeface="나눔스퀘어 Bold" panose="020B0600000101010101" pitchFamily="50" charset="-127"/>
+            </a:endParaRPr>
+          </a:p>
+        </p:txBody>
+      </p:sp>
+      <p:sp>
+        <p:nvSpPr>
+          <p:cNvPr id="7" name="TextBox 6">
+            <a:extLst>
+              <a:ext uri="{FF2B5EF4-FFF2-40B4-BE49-F238E27FC236}">
+                <a16:creationId xmlns:a16="http://schemas.microsoft.com/office/drawing/2014/main" id="{5B474655-BD78-E334-950C-B8C17B96E7D6}"/>
+              </a:ext>
+            </a:extLst>
+          </p:cNvPr>
+          <p:cNvSpPr txBox="1"/>
+          <p:nvPr/>
+        </p:nvSpPr>
+        <p:spPr>
+          <a:xfrm>
+            <a:off x="942387" y="1190024"/>
+            <a:ext cx="8553305" cy="369332"/>
+          </a:xfrm>
+          <a:prstGeom prst="rect">
+            <a:avLst/>
+          </a:prstGeom>
+          <a:noFill/>
+        </p:spPr>
+        <p:txBody>
+          <a:bodyPr wrap="square" rtlCol="0">
+            <a:spAutoFit/>
+          </a:bodyPr>
+          <a:lstStyle/>
+          <a:p>
+            <a:r>
+              <a:rPr lang="ko-KR" altLang="en-US" dirty="0">
+                <a:latin typeface="나눔스퀘어 Light" panose="020B0600000101010101" pitchFamily="50" charset="-127"/>
+                <a:ea typeface="나눔스퀘어 Light" panose="020B0600000101010101" pitchFamily="50" charset="-127"/>
+              </a:rPr>
+              <a:t>문제에서 규칙성을 찾고</a:t>
+            </a:r>
+            <a:r>
+              <a:rPr lang="en-US" altLang="ko-KR" dirty="0">
+                <a:latin typeface="나눔스퀘어 Light" panose="020B0600000101010101" pitchFamily="50" charset="-127"/>
+                <a:ea typeface="나눔스퀘어 Light" panose="020B0600000101010101" pitchFamily="50" charset="-127"/>
+              </a:rPr>
+              <a:t>, </a:t>
+            </a:r>
+            <a:r>
+              <a:rPr lang="ko-KR" altLang="en-US" dirty="0">
+                <a:latin typeface="나눔스퀘어 Light" panose="020B0600000101010101" pitchFamily="50" charset="-127"/>
+                <a:ea typeface="나눔스퀘어 Light" panose="020B0600000101010101" pitchFamily="50" charset="-127"/>
+              </a:rPr>
+              <a:t>이를 구현할 수 있는가</a:t>
+            </a:r>
+            <a:r>
+              <a:rPr lang="en-US" altLang="ko-KR" dirty="0">
+                <a:latin typeface="나눔스퀘어 Light" panose="020B0600000101010101" pitchFamily="50" charset="-127"/>
+                <a:ea typeface="나눔스퀘어 Light" panose="020B0600000101010101" pitchFamily="50" charset="-127"/>
+              </a:rPr>
+              <a:t>?</a:t>
+            </a:r>
+            <a:endParaRPr lang="ko-KR" altLang="en-US" dirty="0">
+              <a:latin typeface="나눔스퀘어 Light" panose="020B0600000101010101" pitchFamily="50" charset="-127"/>
+              <a:ea typeface="나눔스퀘어 Light" panose="020B0600000101010101" pitchFamily="50" charset="-127"/>
+            </a:endParaRPr>
+          </a:p>
+        </p:txBody>
+      </p:sp>
+      <p:sp>
+        <p:nvSpPr>
+          <p:cNvPr id="8" name="TextBox 7">
+            <a:extLst>
+              <a:ext uri="{FF2B5EF4-FFF2-40B4-BE49-F238E27FC236}">
+                <a16:creationId xmlns:a16="http://schemas.microsoft.com/office/drawing/2014/main" id="{BBA1A79B-F5A4-3FC3-3D4C-71130A5EC508}"/>
+              </a:ext>
+            </a:extLst>
+          </p:cNvPr>
+          <p:cNvSpPr txBox="1"/>
+          <p:nvPr/>
+        </p:nvSpPr>
+        <p:spPr>
+          <a:xfrm>
+            <a:off x="942387" y="1559336"/>
+            <a:ext cx="8553305" cy="369332"/>
+          </a:xfrm>
+          <a:prstGeom prst="rect">
+            <a:avLst/>
+          </a:prstGeom>
+          <a:noFill/>
+        </p:spPr>
+        <p:txBody>
+          <a:bodyPr wrap="square" rtlCol="0">
+            <a:spAutoFit/>
+          </a:bodyPr>
+          <a:lstStyle/>
+          <a:p>
+            <a:r>
+              <a:rPr lang="ko-KR" altLang="en-US" dirty="0">
+                <a:latin typeface="나눔스퀘어 Light" panose="020B0600000101010101" pitchFamily="50" charset="-127"/>
+                <a:ea typeface="나눔스퀘어 Light" panose="020B0600000101010101" pitchFamily="50" charset="-127"/>
+              </a:rPr>
+              <a:t>어떻게 풀었든</a:t>
+            </a:r>
+            <a:r>
+              <a:rPr lang="en-US" altLang="ko-KR" dirty="0">
+                <a:latin typeface="나눔스퀘어 Light" panose="020B0600000101010101" pitchFamily="50" charset="-127"/>
+                <a:ea typeface="나눔스퀘어 Light" panose="020B0600000101010101" pitchFamily="50" charset="-127"/>
+              </a:rPr>
+              <a:t>, </a:t>
+            </a:r>
+            <a:r>
+              <a:rPr lang="ko-KR" altLang="en-US" dirty="0">
+                <a:latin typeface="나눔스퀘어 Light" panose="020B0600000101010101" pitchFamily="50" charset="-127"/>
+                <a:ea typeface="나눔스퀘어 Light" panose="020B0600000101010101" pitchFamily="50" charset="-127"/>
+              </a:rPr>
+              <a:t>반복문을 이용하여 풀었다면 정답이라고 생각합니다</a:t>
+            </a:r>
+            <a:r>
+              <a:rPr lang="en-US" altLang="ko-KR" dirty="0">
+                <a:latin typeface="나눔스퀘어 Light" panose="020B0600000101010101" pitchFamily="50" charset="-127"/>
+                <a:ea typeface="나눔스퀘어 Light" panose="020B0600000101010101" pitchFamily="50" charset="-127"/>
+              </a:rPr>
+              <a:t>.</a:t>
+            </a:r>
+            <a:endParaRPr lang="ko-KR" altLang="en-US" dirty="0">
+              <a:latin typeface="나눔스퀘어 Light" panose="020B0600000101010101" pitchFamily="50" charset="-127"/>
+              <a:ea typeface="나눔스퀘어 Light" panose="020B0600000101010101" pitchFamily="50" charset="-127"/>
+            </a:endParaRPr>
+          </a:p>
+        </p:txBody>
+      </p:sp>
+      <p:pic>
+        <p:nvPicPr>
+          <p:cNvPr id="4" name="그림 3">
+            <a:extLst>
+              <a:ext uri="{FF2B5EF4-FFF2-40B4-BE49-F238E27FC236}">
+                <a16:creationId xmlns:a16="http://schemas.microsoft.com/office/drawing/2014/main" id="{0AFC69DB-049C-93C3-BD42-A63371FF7A45}"/>
+              </a:ext>
+            </a:extLst>
+          </p:cNvPr>
+          <p:cNvPicPr>
+            <a:picLocks noChangeAspect="1"/>
+          </p:cNvPicPr>
+          <p:nvPr/>
+        </p:nvPicPr>
+        <p:blipFill>
+          <a:blip r:embed="rId2"/>
+          <a:stretch>
+            <a:fillRect/>
+          </a:stretch>
+        </p:blipFill>
+        <p:spPr>
+          <a:xfrm>
+            <a:off x="1482990" y="2550291"/>
+            <a:ext cx="4265206" cy="2813220"/>
+          </a:xfrm>
+          <a:prstGeom prst="rect">
+            <a:avLst/>
+          </a:prstGeom>
+        </p:spPr>
+      </p:pic>
+      <p:pic>
+        <p:nvPicPr>
+          <p:cNvPr id="12" name="그림 11">
+            <a:extLst>
+              <a:ext uri="{FF2B5EF4-FFF2-40B4-BE49-F238E27FC236}">
+                <a16:creationId xmlns:a16="http://schemas.microsoft.com/office/drawing/2014/main" id="{A2BC3539-F66B-5DCD-267C-59D615B2A547}"/>
+              </a:ext>
+            </a:extLst>
+          </p:cNvPr>
+          <p:cNvPicPr>
+            <a:picLocks noChangeAspect="1"/>
+          </p:cNvPicPr>
+          <p:nvPr/>
+        </p:nvPicPr>
+        <p:blipFill>
+          <a:blip r:embed="rId3"/>
+          <a:stretch>
+            <a:fillRect/>
+          </a:stretch>
+        </p:blipFill>
+        <p:spPr>
+          <a:xfrm>
+            <a:off x="6590079" y="2549854"/>
+            <a:ext cx="4109344" cy="2813724"/>
+          </a:xfrm>
+          <a:prstGeom prst="rect">
+            <a:avLst/>
+          </a:prstGeom>
+        </p:spPr>
+      </p:pic>
+    </p:spTree>
+    <p:extLst>
+      <p:ext uri="{BB962C8B-B14F-4D97-AF65-F5344CB8AC3E}">
+        <p14:creationId xmlns:p14="http://schemas.microsoft.com/office/powerpoint/2010/main" val="1785005292"/>
+      </p:ext>
+    </p:extLst>
+  </p:cSld>
+  <p:clrMapOvr>
+    <a:masterClrMapping/>
+  </p:clrMapOvr>
+</p:sld>
+</file>
+
+<file path=ppt/slides/slide32.xml><?xml version="1.0" encoding="utf-8"?>
+<p:sld xmlns:a="http://schemas.openxmlformats.org/drawingml/2006/main" xmlns:r="http://schemas.openxmlformats.org/officeDocument/2006/relationships" xmlns:p="http://schemas.openxmlformats.org/presentationml/2006/main">
+  <p:cSld>
+    <p:spTree>
+      <p:nvGrpSpPr>
+        <p:cNvPr id="1" name=""/>
+        <p:cNvGrpSpPr/>
+        <p:nvPr/>
+      </p:nvGrpSpPr>
+      <p:grpSpPr>
+        <a:xfrm>
+          <a:off x="0" y="0"/>
+          <a:ext cx="0" cy="0"/>
+          <a:chOff x="0" y="0"/>
+          <a:chExt cx="0" cy="0"/>
+        </a:xfrm>
+      </p:grpSpPr>
+      <p:cxnSp>
+        <p:nvCxnSpPr>
+          <p:cNvPr id="5" name="직선 연결선 4">
+            <a:extLst>
+              <a:ext uri="{FF2B5EF4-FFF2-40B4-BE49-F238E27FC236}">
+                <a16:creationId xmlns:a16="http://schemas.microsoft.com/office/drawing/2014/main" id="{164C2827-EFCE-69A4-D037-1A218415F568}"/>
+              </a:ext>
+            </a:extLst>
+          </p:cNvPr>
+          <p:cNvCxnSpPr/>
+          <p:nvPr/>
+        </p:nvCxnSpPr>
+        <p:spPr>
+          <a:xfrm>
+            <a:off x="0" y="887505"/>
+            <a:ext cx="10237694" cy="0"/>
+          </a:xfrm>
+          <a:prstGeom prst="line">
+            <a:avLst/>
+          </a:prstGeom>
+          <a:ln w="76200">
+            <a:solidFill>
+              <a:schemeClr val="tx1">
+                <a:lumMod val="75000"/>
+                <a:lumOff val="25000"/>
+              </a:schemeClr>
+            </a:solidFill>
+          </a:ln>
+        </p:spPr>
+        <p:style>
+          <a:lnRef idx="1">
+            <a:schemeClr val="accent1"/>
+          </a:lnRef>
+          <a:fillRef idx="0">
+            <a:schemeClr val="accent1"/>
+          </a:fillRef>
+          <a:effectRef idx="0">
+            <a:schemeClr val="accent1"/>
+          </a:effectRef>
+          <a:fontRef idx="minor">
+            <a:schemeClr val="tx1"/>
+          </a:fontRef>
+        </p:style>
+      </p:cxnSp>
+      <p:sp>
+        <p:nvSpPr>
+          <p:cNvPr id="6" name="TextBox 5">
+            <a:extLst>
+              <a:ext uri="{FF2B5EF4-FFF2-40B4-BE49-F238E27FC236}">
+                <a16:creationId xmlns:a16="http://schemas.microsoft.com/office/drawing/2014/main" id="{908ED9B9-09D3-CFA8-625A-6F9BB9B6BD23}"/>
+              </a:ext>
+            </a:extLst>
+          </p:cNvPr>
+          <p:cNvSpPr txBox="1"/>
+          <p:nvPr/>
+        </p:nvSpPr>
+        <p:spPr>
+          <a:xfrm>
+            <a:off x="331694" y="177505"/>
+            <a:ext cx="5543505" cy="523220"/>
+          </a:xfrm>
+          <a:prstGeom prst="rect">
+            <a:avLst/>
+          </a:prstGeom>
+          <a:noFill/>
+        </p:spPr>
+        <p:txBody>
+          <a:bodyPr wrap="none" rtlCol="0">
+            <a:spAutoFit/>
+          </a:bodyPr>
+          <a:lstStyle/>
+          <a:p>
+            <a:r>
+              <a:rPr lang="en-US" altLang="ko-KR" sz="2800" dirty="0">
+                <a:latin typeface="나눔스퀘어 Bold" panose="020B0600000101010101" pitchFamily="50" charset="-127"/>
+                <a:ea typeface="나눔스퀘어 Bold" panose="020B0600000101010101" pitchFamily="50" charset="-127"/>
+              </a:rPr>
+              <a:t>Implementation – 2738 </a:t>
+            </a:r>
+            <a:r>
+              <a:rPr lang="ko-KR" altLang="en-US" sz="2800" dirty="0">
+                <a:latin typeface="나눔스퀘어 Bold" panose="020B0600000101010101" pitchFamily="50" charset="-127"/>
+                <a:ea typeface="나눔스퀘어 Bold" panose="020B0600000101010101" pitchFamily="50" charset="-127"/>
+              </a:rPr>
+              <a:t>행렬 덧셈</a:t>
+            </a:r>
+          </a:p>
+        </p:txBody>
+      </p:sp>
+      <p:pic>
+        <p:nvPicPr>
+          <p:cNvPr id="3" name="그림 2">
+            <a:extLst>
+              <a:ext uri="{FF2B5EF4-FFF2-40B4-BE49-F238E27FC236}">
+                <a16:creationId xmlns:a16="http://schemas.microsoft.com/office/drawing/2014/main" id="{58BA9B7A-C33F-AAE6-21B5-0898FB6E42D5}"/>
+              </a:ext>
+            </a:extLst>
+          </p:cNvPr>
+          <p:cNvPicPr>
+            <a:picLocks noChangeAspect="1"/>
+          </p:cNvPicPr>
+          <p:nvPr/>
+        </p:nvPicPr>
+        <p:blipFill>
+          <a:blip r:embed="rId2"/>
+          <a:stretch>
+            <a:fillRect/>
+          </a:stretch>
+        </p:blipFill>
+        <p:spPr>
+          <a:xfrm>
+            <a:off x="851150" y="927762"/>
+            <a:ext cx="10489701" cy="5930237"/>
+          </a:xfrm>
+          <a:prstGeom prst="rect">
+            <a:avLst/>
+          </a:prstGeom>
+        </p:spPr>
+      </p:pic>
+    </p:spTree>
+    <p:extLst>
+      <p:ext uri="{BB962C8B-B14F-4D97-AF65-F5344CB8AC3E}">
+        <p14:creationId xmlns:p14="http://schemas.microsoft.com/office/powerpoint/2010/main" val="4191193854"/>
+      </p:ext>
+    </p:extLst>
+  </p:cSld>
+  <p:clrMapOvr>
+    <a:masterClrMapping/>
+  </p:clrMapOvr>
+</p:sld>
+</file>
+
+<file path=ppt/slides/slide33.xml><?xml version="1.0" encoding="utf-8"?>
+<p:sld xmlns:a="http://schemas.openxmlformats.org/drawingml/2006/main" xmlns:r="http://schemas.openxmlformats.org/officeDocument/2006/relationships" xmlns:p="http://schemas.openxmlformats.org/presentationml/2006/main">
+  <p:cSld>
+    <p:spTree>
+      <p:nvGrpSpPr>
+        <p:cNvPr id="1" name=""/>
+        <p:cNvGrpSpPr/>
+        <p:nvPr/>
+      </p:nvGrpSpPr>
+      <p:grpSpPr>
+        <a:xfrm>
+          <a:off x="0" y="0"/>
+          <a:ext cx="0" cy="0"/>
+          <a:chOff x="0" y="0"/>
+          <a:chExt cx="0" cy="0"/>
+        </a:xfrm>
+      </p:grpSpPr>
+      <p:cxnSp>
+        <p:nvCxnSpPr>
+          <p:cNvPr id="5" name="직선 연결선 4">
+            <a:extLst>
+              <a:ext uri="{FF2B5EF4-FFF2-40B4-BE49-F238E27FC236}">
+                <a16:creationId xmlns:a16="http://schemas.microsoft.com/office/drawing/2014/main" id="{164C2827-EFCE-69A4-D037-1A218415F568}"/>
+              </a:ext>
+            </a:extLst>
+          </p:cNvPr>
+          <p:cNvCxnSpPr/>
+          <p:nvPr/>
+        </p:nvCxnSpPr>
+        <p:spPr>
+          <a:xfrm>
+            <a:off x="0" y="887505"/>
+            <a:ext cx="10237694" cy="0"/>
+          </a:xfrm>
+          <a:prstGeom prst="line">
+            <a:avLst/>
+          </a:prstGeom>
+          <a:ln w="76200">
+            <a:solidFill>
+              <a:schemeClr val="tx1">
+                <a:lumMod val="75000"/>
+                <a:lumOff val="25000"/>
+              </a:schemeClr>
+            </a:solidFill>
+          </a:ln>
+        </p:spPr>
+        <p:style>
+          <a:lnRef idx="1">
+            <a:schemeClr val="accent1"/>
+          </a:lnRef>
+          <a:fillRef idx="0">
+            <a:schemeClr val="accent1"/>
+          </a:fillRef>
+          <a:effectRef idx="0">
+            <a:schemeClr val="accent1"/>
+          </a:effectRef>
+          <a:fontRef idx="minor">
+            <a:schemeClr val="tx1"/>
+          </a:fontRef>
+        </p:style>
+      </p:cxnSp>
+      <p:sp>
+        <p:nvSpPr>
+          <p:cNvPr id="6" name="TextBox 5">
+            <a:extLst>
+              <a:ext uri="{FF2B5EF4-FFF2-40B4-BE49-F238E27FC236}">
+                <a16:creationId xmlns:a16="http://schemas.microsoft.com/office/drawing/2014/main" id="{908ED9B9-09D3-CFA8-625A-6F9BB9B6BD23}"/>
+              </a:ext>
+            </a:extLst>
+          </p:cNvPr>
+          <p:cNvSpPr txBox="1"/>
+          <p:nvPr/>
+        </p:nvSpPr>
+        <p:spPr>
+          <a:xfrm>
+            <a:off x="331694" y="177505"/>
+            <a:ext cx="5543505" cy="523220"/>
+          </a:xfrm>
+          <a:prstGeom prst="rect">
+            <a:avLst/>
+          </a:prstGeom>
+          <a:noFill/>
+        </p:spPr>
+        <p:txBody>
+          <a:bodyPr wrap="none" rtlCol="0">
+            <a:spAutoFit/>
+          </a:bodyPr>
+          <a:lstStyle/>
+          <a:p>
+            <a:r>
+              <a:rPr lang="en-US" altLang="ko-KR" sz="2800" dirty="0">
+                <a:latin typeface="나눔스퀘어 Bold" panose="020B0600000101010101" pitchFamily="50" charset="-127"/>
+                <a:ea typeface="나눔스퀘어 Bold" panose="020B0600000101010101" pitchFamily="50" charset="-127"/>
+              </a:rPr>
+              <a:t>Implementation – 2738 </a:t>
+            </a:r>
+            <a:r>
+              <a:rPr lang="ko-KR" altLang="en-US" sz="2800" dirty="0">
+                <a:latin typeface="나눔스퀘어 Bold" panose="020B0600000101010101" pitchFamily="50" charset="-127"/>
+                <a:ea typeface="나눔스퀘어 Bold" panose="020B0600000101010101" pitchFamily="50" charset="-127"/>
+              </a:rPr>
+              <a:t>행렬 덧셈</a:t>
+            </a:r>
+          </a:p>
+        </p:txBody>
+      </p:sp>
+      <p:pic>
+        <p:nvPicPr>
+          <p:cNvPr id="4" name="그림 3">
+            <a:extLst>
+              <a:ext uri="{FF2B5EF4-FFF2-40B4-BE49-F238E27FC236}">
+                <a16:creationId xmlns:a16="http://schemas.microsoft.com/office/drawing/2014/main" id="{6F2A8034-CFD9-6251-930B-F18C18F445F3}"/>
+              </a:ext>
+            </a:extLst>
+          </p:cNvPr>
+          <p:cNvPicPr>
+            <a:picLocks noChangeAspect="1"/>
+          </p:cNvPicPr>
+          <p:nvPr/>
+        </p:nvPicPr>
+        <p:blipFill>
+          <a:blip r:embed="rId2"/>
+          <a:stretch>
+            <a:fillRect/>
+          </a:stretch>
+        </p:blipFill>
+        <p:spPr>
+          <a:xfrm>
+            <a:off x="3772422" y="1535463"/>
+            <a:ext cx="4647156" cy="5190683"/>
+          </a:xfrm>
+          <a:prstGeom prst="rect">
+            <a:avLst/>
+          </a:prstGeom>
+        </p:spPr>
+      </p:pic>
+      <p:sp>
+        <p:nvSpPr>
+          <p:cNvPr id="7" name="TextBox 6">
+            <a:extLst>
+              <a:ext uri="{FF2B5EF4-FFF2-40B4-BE49-F238E27FC236}">
+                <a16:creationId xmlns:a16="http://schemas.microsoft.com/office/drawing/2014/main" id="{CC86D852-FF78-F56B-3D83-6A37E0336D58}"/>
+              </a:ext>
+            </a:extLst>
+          </p:cNvPr>
+          <p:cNvSpPr txBox="1"/>
+          <p:nvPr/>
+        </p:nvSpPr>
+        <p:spPr>
+          <a:xfrm>
+            <a:off x="942387" y="1190024"/>
+            <a:ext cx="8553305" cy="369332"/>
+          </a:xfrm>
+          <a:prstGeom prst="rect">
+            <a:avLst/>
+          </a:prstGeom>
+          <a:noFill/>
+        </p:spPr>
+        <p:txBody>
+          <a:bodyPr wrap="square" rtlCol="0">
+            <a:spAutoFit/>
+          </a:bodyPr>
+          <a:lstStyle/>
+          <a:p>
+            <a:r>
+              <a:rPr lang="ko-KR" altLang="en-US" dirty="0">
+                <a:latin typeface="나눔스퀘어 Light" panose="020B0600000101010101" pitchFamily="50" charset="-127"/>
+                <a:ea typeface="나눔스퀘어 Light" panose="020B0600000101010101" pitchFamily="50" charset="-127"/>
+              </a:rPr>
+              <a:t>배열과 반복문을 활용할 수 있나</a:t>
+            </a:r>
+            <a:r>
+              <a:rPr lang="en-US" altLang="ko-KR" dirty="0">
+                <a:latin typeface="나눔스퀘어 Light" panose="020B0600000101010101" pitchFamily="50" charset="-127"/>
+                <a:ea typeface="나눔스퀘어 Light" panose="020B0600000101010101" pitchFamily="50" charset="-127"/>
+              </a:rPr>
+              <a:t>?</a:t>
+            </a:r>
+            <a:endParaRPr lang="ko-KR" altLang="en-US" dirty="0">
+              <a:latin typeface="나눔스퀘어 Light" panose="020B0600000101010101" pitchFamily="50" charset="-127"/>
+              <a:ea typeface="나눔스퀘어 Light" panose="020B0600000101010101" pitchFamily="50" charset="-127"/>
+            </a:endParaRPr>
+          </a:p>
+        </p:txBody>
+      </p:sp>
+    </p:spTree>
+    <p:extLst>
+      <p:ext uri="{BB962C8B-B14F-4D97-AF65-F5344CB8AC3E}">
+        <p14:creationId xmlns:p14="http://schemas.microsoft.com/office/powerpoint/2010/main" val="3356587228"/>
+      </p:ext>
+    </p:extLst>
+  </p:cSld>
+  <p:clrMapOvr>
+    <a:masterClrMapping/>
+  </p:clrMapOvr>
+</p:sld>
+</file>
+
+<file path=ppt/slides/slide34.xml><?xml version="1.0" encoding="utf-8"?>
+<p:sld xmlns:a="http://schemas.openxmlformats.org/drawingml/2006/main" xmlns:r="http://schemas.openxmlformats.org/officeDocument/2006/relationships" xmlns:p="http://schemas.openxmlformats.org/presentationml/2006/main">
+  <p:cSld>
+    <p:spTree>
+      <p:nvGrpSpPr>
+        <p:cNvPr id="1" name=""/>
+        <p:cNvGrpSpPr/>
+        <p:nvPr/>
+      </p:nvGrpSpPr>
+      <p:grpSpPr>
+        <a:xfrm>
+          <a:off x="0" y="0"/>
+          <a:ext cx="0" cy="0"/>
+          <a:chOff x="0" y="0"/>
+          <a:chExt cx="0" cy="0"/>
+        </a:xfrm>
+      </p:grpSpPr>
+      <p:cxnSp>
+        <p:nvCxnSpPr>
+          <p:cNvPr id="5" name="직선 연결선 4">
+            <a:extLst>
+              <a:ext uri="{FF2B5EF4-FFF2-40B4-BE49-F238E27FC236}">
+                <a16:creationId xmlns:a16="http://schemas.microsoft.com/office/drawing/2014/main" id="{164C2827-EFCE-69A4-D037-1A218415F568}"/>
+              </a:ext>
+            </a:extLst>
+          </p:cNvPr>
+          <p:cNvCxnSpPr/>
+          <p:nvPr/>
+        </p:nvCxnSpPr>
+        <p:spPr>
+          <a:xfrm>
+            <a:off x="0" y="887505"/>
+            <a:ext cx="10237694" cy="0"/>
+          </a:xfrm>
+          <a:prstGeom prst="line">
+            <a:avLst/>
+          </a:prstGeom>
+          <a:ln w="76200">
+            <a:solidFill>
+              <a:schemeClr val="tx1">
+                <a:lumMod val="75000"/>
+                <a:lumOff val="25000"/>
+              </a:schemeClr>
+            </a:solidFill>
+          </a:ln>
+        </p:spPr>
+        <p:style>
+          <a:lnRef idx="1">
+            <a:schemeClr val="accent1"/>
+          </a:lnRef>
+          <a:fillRef idx="0">
+            <a:schemeClr val="accent1"/>
+          </a:fillRef>
+          <a:effectRef idx="0">
+            <a:schemeClr val="accent1"/>
+          </a:effectRef>
+          <a:fontRef idx="minor">
+            <a:schemeClr val="tx1"/>
+          </a:fontRef>
+        </p:style>
+      </p:cxnSp>
+      <p:sp>
+        <p:nvSpPr>
+          <p:cNvPr id="6" name="TextBox 5">
+            <a:extLst>
+              <a:ext uri="{FF2B5EF4-FFF2-40B4-BE49-F238E27FC236}">
+                <a16:creationId xmlns:a16="http://schemas.microsoft.com/office/drawing/2014/main" id="{908ED9B9-09D3-CFA8-625A-6F9BB9B6BD23}"/>
+              </a:ext>
+            </a:extLst>
+          </p:cNvPr>
+          <p:cNvSpPr txBox="1"/>
+          <p:nvPr/>
+        </p:nvSpPr>
+        <p:spPr>
+          <a:xfrm>
+            <a:off x="331694" y="177505"/>
+            <a:ext cx="6090129" cy="523220"/>
+          </a:xfrm>
+          <a:prstGeom prst="rect">
+            <a:avLst/>
+          </a:prstGeom>
+          <a:noFill/>
+        </p:spPr>
+        <p:txBody>
+          <a:bodyPr wrap="none" rtlCol="0">
+            <a:spAutoFit/>
+          </a:bodyPr>
+          <a:lstStyle/>
+          <a:p>
+            <a:r>
+              <a:rPr lang="en-US" altLang="ko-KR" sz="2800" dirty="0">
+                <a:latin typeface="나눔스퀘어 Bold" panose="020B0600000101010101" pitchFamily="50" charset="-127"/>
+                <a:ea typeface="나눔스퀘어 Bold" panose="020B0600000101010101" pitchFamily="50" charset="-127"/>
+              </a:rPr>
+              <a:t>Implementation – 11654 </a:t>
+            </a:r>
+            <a:r>
+              <a:rPr lang="ko-KR" altLang="en-US" sz="2800" dirty="0">
+                <a:latin typeface="나눔스퀘어 Bold" panose="020B0600000101010101" pitchFamily="50" charset="-127"/>
+                <a:ea typeface="나눔스퀘어 Bold" panose="020B0600000101010101" pitchFamily="50" charset="-127"/>
+              </a:rPr>
+              <a:t>아스키 코드</a:t>
+            </a:r>
+          </a:p>
+        </p:txBody>
+      </p:sp>
+      <p:pic>
+        <p:nvPicPr>
+          <p:cNvPr id="8" name="그림 7">
+            <a:extLst>
+              <a:ext uri="{FF2B5EF4-FFF2-40B4-BE49-F238E27FC236}">
+                <a16:creationId xmlns:a16="http://schemas.microsoft.com/office/drawing/2014/main" id="{EEA92049-9E62-2CC7-93B0-0F3801B09D39}"/>
+              </a:ext>
+            </a:extLst>
+          </p:cNvPr>
+          <p:cNvPicPr>
+            <a:picLocks noChangeAspect="1"/>
+          </p:cNvPicPr>
+          <p:nvPr/>
+        </p:nvPicPr>
+        <p:blipFill>
+          <a:blip r:embed="rId2"/>
+          <a:stretch>
+            <a:fillRect/>
+          </a:stretch>
+        </p:blipFill>
+        <p:spPr>
+          <a:xfrm>
+            <a:off x="87983" y="977565"/>
+            <a:ext cx="7830534" cy="3130628"/>
+          </a:xfrm>
+          <a:prstGeom prst="rect">
+            <a:avLst/>
+          </a:prstGeom>
+        </p:spPr>
+      </p:pic>
+      <p:pic>
+        <p:nvPicPr>
+          <p:cNvPr id="10" name="그림 9">
+            <a:extLst>
+              <a:ext uri="{FF2B5EF4-FFF2-40B4-BE49-F238E27FC236}">
+                <a16:creationId xmlns:a16="http://schemas.microsoft.com/office/drawing/2014/main" id="{F7735FE6-4C4B-867C-7E05-ACAD71AFC554}"/>
+              </a:ext>
+            </a:extLst>
+          </p:cNvPr>
+          <p:cNvPicPr>
+            <a:picLocks noChangeAspect="1"/>
+          </p:cNvPicPr>
+          <p:nvPr/>
+        </p:nvPicPr>
+        <p:blipFill>
+          <a:blip r:embed="rId3"/>
+          <a:stretch>
+            <a:fillRect/>
+          </a:stretch>
+        </p:blipFill>
+        <p:spPr>
+          <a:xfrm>
+            <a:off x="61870" y="4307494"/>
+            <a:ext cx="1288330" cy="1033346"/>
+          </a:xfrm>
+          <a:prstGeom prst="rect">
+            <a:avLst/>
+          </a:prstGeom>
+        </p:spPr>
+      </p:pic>
+      <p:pic>
+        <p:nvPicPr>
+          <p:cNvPr id="12" name="그림 11">
+            <a:extLst>
+              <a:ext uri="{FF2B5EF4-FFF2-40B4-BE49-F238E27FC236}">
+                <a16:creationId xmlns:a16="http://schemas.microsoft.com/office/drawing/2014/main" id="{15D92BD6-EF6D-6C9B-5F65-C91EE605C76F}"/>
+              </a:ext>
+            </a:extLst>
+          </p:cNvPr>
+          <p:cNvPicPr>
+            <a:picLocks noChangeAspect="1"/>
+          </p:cNvPicPr>
+          <p:nvPr/>
+        </p:nvPicPr>
+        <p:blipFill>
+          <a:blip r:embed="rId4"/>
+          <a:stretch>
+            <a:fillRect/>
+          </a:stretch>
+        </p:blipFill>
+        <p:spPr>
+          <a:xfrm>
+            <a:off x="1425195" y="4307494"/>
+            <a:ext cx="1215702" cy="1033346"/>
+          </a:xfrm>
+          <a:prstGeom prst="rect">
+            <a:avLst/>
+          </a:prstGeom>
+        </p:spPr>
+      </p:pic>
+      <p:pic>
+        <p:nvPicPr>
+          <p:cNvPr id="14" name="그림 13">
+            <a:extLst>
+              <a:ext uri="{FF2B5EF4-FFF2-40B4-BE49-F238E27FC236}">
+                <a16:creationId xmlns:a16="http://schemas.microsoft.com/office/drawing/2014/main" id="{E5094BEA-CF0E-737D-9810-B1C7DB533BC6}"/>
+              </a:ext>
+            </a:extLst>
+          </p:cNvPr>
+          <p:cNvPicPr>
+            <a:picLocks noChangeAspect="1"/>
+          </p:cNvPicPr>
+          <p:nvPr/>
+        </p:nvPicPr>
+        <p:blipFill>
+          <a:blip r:embed="rId5"/>
+          <a:stretch>
+            <a:fillRect/>
+          </a:stretch>
+        </p:blipFill>
+        <p:spPr>
+          <a:xfrm>
+            <a:off x="87982" y="5416423"/>
+            <a:ext cx="1262217" cy="1073931"/>
+          </a:xfrm>
+          <a:prstGeom prst="rect">
+            <a:avLst/>
+          </a:prstGeom>
+        </p:spPr>
+      </p:pic>
+      <p:pic>
+        <p:nvPicPr>
+          <p:cNvPr id="16" name="그림 15">
+            <a:extLst>
+              <a:ext uri="{FF2B5EF4-FFF2-40B4-BE49-F238E27FC236}">
+                <a16:creationId xmlns:a16="http://schemas.microsoft.com/office/drawing/2014/main" id="{55D17A0D-06C4-6EA3-1275-1A4EE88B1F88}"/>
+              </a:ext>
+            </a:extLst>
+          </p:cNvPr>
+          <p:cNvPicPr>
+            <a:picLocks noChangeAspect="1"/>
+          </p:cNvPicPr>
+          <p:nvPr/>
+        </p:nvPicPr>
+        <p:blipFill>
+          <a:blip r:embed="rId6"/>
+          <a:stretch>
+            <a:fillRect/>
+          </a:stretch>
+        </p:blipFill>
+        <p:spPr>
+          <a:xfrm>
+            <a:off x="1425195" y="5416423"/>
+            <a:ext cx="1273071" cy="1073931"/>
+          </a:xfrm>
+          <a:prstGeom prst="rect">
+            <a:avLst/>
+          </a:prstGeom>
+        </p:spPr>
+      </p:pic>
+      <p:pic>
+        <p:nvPicPr>
+          <p:cNvPr id="18" name="그림 17">
+            <a:extLst>
+              <a:ext uri="{FF2B5EF4-FFF2-40B4-BE49-F238E27FC236}">
+                <a16:creationId xmlns:a16="http://schemas.microsoft.com/office/drawing/2014/main" id="{7192A923-B07E-9388-D086-9D27CE90C4CB}"/>
+              </a:ext>
+            </a:extLst>
+          </p:cNvPr>
+          <p:cNvPicPr>
+            <a:picLocks noChangeAspect="1"/>
+          </p:cNvPicPr>
+          <p:nvPr/>
+        </p:nvPicPr>
+        <p:blipFill>
+          <a:blip r:embed="rId7"/>
+          <a:stretch>
+            <a:fillRect/>
+          </a:stretch>
+        </p:blipFill>
+        <p:spPr>
+          <a:xfrm>
+            <a:off x="4346757" y="4313956"/>
+            <a:ext cx="1283606" cy="1026884"/>
+          </a:xfrm>
+          <a:prstGeom prst="rect">
+            <a:avLst/>
+          </a:prstGeom>
+        </p:spPr>
+      </p:pic>
+      <p:pic>
+        <p:nvPicPr>
+          <p:cNvPr id="20" name="그림 19">
+            <a:extLst>
+              <a:ext uri="{FF2B5EF4-FFF2-40B4-BE49-F238E27FC236}">
+                <a16:creationId xmlns:a16="http://schemas.microsoft.com/office/drawing/2014/main" id="{D8ACEDF5-7AAA-BBDF-344C-2C943F1491D4}"/>
+              </a:ext>
+            </a:extLst>
+          </p:cNvPr>
+          <p:cNvPicPr>
+            <a:picLocks noChangeAspect="1"/>
+          </p:cNvPicPr>
+          <p:nvPr/>
+        </p:nvPicPr>
+        <p:blipFill>
+          <a:blip r:embed="rId8"/>
+          <a:stretch>
+            <a:fillRect/>
+          </a:stretch>
+        </p:blipFill>
+        <p:spPr>
+          <a:xfrm>
+            <a:off x="5710037" y="4310487"/>
+            <a:ext cx="1235036" cy="1033822"/>
+          </a:xfrm>
+          <a:prstGeom prst="rect">
+            <a:avLst/>
+          </a:prstGeom>
+        </p:spPr>
+      </p:pic>
+      <p:pic>
+        <p:nvPicPr>
+          <p:cNvPr id="22" name="그림 21">
+            <a:extLst>
+              <a:ext uri="{FF2B5EF4-FFF2-40B4-BE49-F238E27FC236}">
+                <a16:creationId xmlns:a16="http://schemas.microsoft.com/office/drawing/2014/main" id="{51D0070D-F348-B373-1870-C6115662ABF0}"/>
+              </a:ext>
+            </a:extLst>
+          </p:cNvPr>
+          <p:cNvPicPr>
+            <a:picLocks noChangeAspect="1"/>
+          </p:cNvPicPr>
+          <p:nvPr/>
+        </p:nvPicPr>
+        <p:blipFill>
+          <a:blip r:embed="rId9"/>
+          <a:stretch>
+            <a:fillRect/>
+          </a:stretch>
+        </p:blipFill>
+        <p:spPr>
+          <a:xfrm>
+            <a:off x="4346757" y="5444321"/>
+            <a:ext cx="1262216" cy="1050671"/>
+          </a:xfrm>
+          <a:prstGeom prst="rect">
+            <a:avLst/>
+          </a:prstGeom>
+        </p:spPr>
+      </p:pic>
+      <p:pic>
+        <p:nvPicPr>
+          <p:cNvPr id="24" name="그림 23">
+            <a:extLst>
+              <a:ext uri="{FF2B5EF4-FFF2-40B4-BE49-F238E27FC236}">
+                <a16:creationId xmlns:a16="http://schemas.microsoft.com/office/drawing/2014/main" id="{70AE8B96-C1E4-788B-5C20-284F96CF86B3}"/>
+              </a:ext>
+            </a:extLst>
+          </p:cNvPr>
+          <p:cNvPicPr>
+            <a:picLocks noChangeAspect="1"/>
+          </p:cNvPicPr>
+          <p:nvPr/>
+        </p:nvPicPr>
+        <p:blipFill>
+          <a:blip r:embed="rId10"/>
+          <a:stretch>
+            <a:fillRect/>
+          </a:stretch>
+        </p:blipFill>
+        <p:spPr>
+          <a:xfrm>
+            <a:off x="5716982" y="5418520"/>
+            <a:ext cx="1262216" cy="1057720"/>
+          </a:xfrm>
+          <a:prstGeom prst="rect">
+            <a:avLst/>
+          </a:prstGeom>
+        </p:spPr>
+      </p:pic>
+      <p:pic>
+        <p:nvPicPr>
+          <p:cNvPr id="26" name="그림 25">
+            <a:extLst>
+              <a:ext uri="{FF2B5EF4-FFF2-40B4-BE49-F238E27FC236}">
+                <a16:creationId xmlns:a16="http://schemas.microsoft.com/office/drawing/2014/main" id="{5646692B-2F1B-81E4-BF48-3A5057039EE5}"/>
+              </a:ext>
+            </a:extLst>
+          </p:cNvPr>
+          <p:cNvPicPr>
+            <a:picLocks noChangeAspect="1"/>
+          </p:cNvPicPr>
+          <p:nvPr/>
+        </p:nvPicPr>
+        <p:blipFill>
+          <a:blip r:embed="rId11"/>
+          <a:stretch>
+            <a:fillRect/>
+          </a:stretch>
+        </p:blipFill>
+        <p:spPr>
+          <a:xfrm>
+            <a:off x="8459732" y="4311752"/>
+            <a:ext cx="1256209" cy="1065660"/>
+          </a:xfrm>
+          <a:prstGeom prst="rect">
+            <a:avLst/>
+          </a:prstGeom>
+        </p:spPr>
+      </p:pic>
+      <p:pic>
+        <p:nvPicPr>
+          <p:cNvPr id="28" name="그림 27">
+            <a:extLst>
+              <a:ext uri="{FF2B5EF4-FFF2-40B4-BE49-F238E27FC236}">
+                <a16:creationId xmlns:a16="http://schemas.microsoft.com/office/drawing/2014/main" id="{AA8324E4-989B-C1F3-DF4A-588E2F90EC16}"/>
+              </a:ext>
+            </a:extLst>
+          </p:cNvPr>
+          <p:cNvPicPr>
+            <a:picLocks noChangeAspect="1"/>
+          </p:cNvPicPr>
+          <p:nvPr/>
+        </p:nvPicPr>
+        <p:blipFill>
+          <a:blip r:embed="rId12"/>
+          <a:stretch>
+            <a:fillRect/>
+          </a:stretch>
+        </p:blipFill>
+        <p:spPr>
+          <a:xfrm>
+            <a:off x="9774442" y="4321278"/>
+            <a:ext cx="1235036" cy="1051545"/>
+          </a:xfrm>
+          <a:prstGeom prst="rect">
+            <a:avLst/>
+          </a:prstGeom>
+        </p:spPr>
+      </p:pic>
+      <p:pic>
+        <p:nvPicPr>
+          <p:cNvPr id="30" name="그림 29">
+            <a:extLst>
+              <a:ext uri="{FF2B5EF4-FFF2-40B4-BE49-F238E27FC236}">
+                <a16:creationId xmlns:a16="http://schemas.microsoft.com/office/drawing/2014/main" id="{7876D75E-32AF-FCD6-D3E8-6A88C500A2A6}"/>
+              </a:ext>
+            </a:extLst>
+          </p:cNvPr>
+          <p:cNvPicPr>
+            <a:picLocks noChangeAspect="1"/>
+          </p:cNvPicPr>
+          <p:nvPr/>
+        </p:nvPicPr>
+        <p:blipFill>
+          <a:blip r:embed="rId13"/>
+          <a:stretch>
+            <a:fillRect/>
+          </a:stretch>
+        </p:blipFill>
+        <p:spPr>
+          <a:xfrm>
+            <a:off x="8441063" y="5487359"/>
+            <a:ext cx="1238303" cy="1011281"/>
+          </a:xfrm>
+          <a:prstGeom prst="rect">
+            <a:avLst/>
+          </a:prstGeom>
+        </p:spPr>
+      </p:pic>
+      <p:pic>
+        <p:nvPicPr>
+          <p:cNvPr id="32" name="그림 31">
+            <a:extLst>
+              <a:ext uri="{FF2B5EF4-FFF2-40B4-BE49-F238E27FC236}">
+                <a16:creationId xmlns:a16="http://schemas.microsoft.com/office/drawing/2014/main" id="{25239B86-5EF6-8FDE-EF1A-7F77B72AEFA3}"/>
+              </a:ext>
+            </a:extLst>
+          </p:cNvPr>
+          <p:cNvPicPr>
+            <a:picLocks noChangeAspect="1"/>
+          </p:cNvPicPr>
+          <p:nvPr/>
+        </p:nvPicPr>
+        <p:blipFill>
+          <a:blip r:embed="rId14"/>
+          <a:stretch>
+            <a:fillRect/>
+          </a:stretch>
+        </p:blipFill>
+        <p:spPr>
+          <a:xfrm>
+            <a:off x="9811288" y="5444321"/>
+            <a:ext cx="1217665" cy="1031919"/>
+          </a:xfrm>
+          <a:prstGeom prst="rect">
+            <a:avLst/>
+          </a:prstGeom>
+        </p:spPr>
+      </p:pic>
+    </p:spTree>
+    <p:extLst>
+      <p:ext uri="{BB962C8B-B14F-4D97-AF65-F5344CB8AC3E}">
+        <p14:creationId xmlns:p14="http://schemas.microsoft.com/office/powerpoint/2010/main" val="1392906861"/>
+      </p:ext>
+    </p:extLst>
+  </p:cSld>
+  <p:clrMapOvr>
+    <a:masterClrMapping/>
+  </p:clrMapOvr>
+</p:sld>
+</file>
+
+<file path=ppt/slides/slide35.xml><?xml version="1.0" encoding="utf-8"?>
+<p:sld xmlns:a="http://schemas.openxmlformats.org/drawingml/2006/main" xmlns:r="http://schemas.openxmlformats.org/officeDocument/2006/relationships" xmlns:p="http://schemas.openxmlformats.org/presentationml/2006/main">
+  <p:cSld>
+    <p:spTree>
+      <p:nvGrpSpPr>
+        <p:cNvPr id="1" name=""/>
+        <p:cNvGrpSpPr/>
+        <p:nvPr/>
+      </p:nvGrpSpPr>
+      <p:grpSpPr>
+        <a:xfrm>
+          <a:off x="0" y="0"/>
+          <a:ext cx="0" cy="0"/>
+          <a:chOff x="0" y="0"/>
+          <a:chExt cx="0" cy="0"/>
+        </a:xfrm>
+      </p:grpSpPr>
+      <p:cxnSp>
+        <p:nvCxnSpPr>
+          <p:cNvPr id="5" name="직선 연결선 4">
+            <a:extLst>
+              <a:ext uri="{FF2B5EF4-FFF2-40B4-BE49-F238E27FC236}">
+                <a16:creationId xmlns:a16="http://schemas.microsoft.com/office/drawing/2014/main" id="{164C2827-EFCE-69A4-D037-1A218415F568}"/>
+              </a:ext>
+            </a:extLst>
+          </p:cNvPr>
+          <p:cNvCxnSpPr/>
+          <p:nvPr/>
+        </p:nvCxnSpPr>
+        <p:spPr>
+          <a:xfrm>
+            <a:off x="0" y="887505"/>
+            <a:ext cx="10237694" cy="0"/>
+          </a:xfrm>
+          <a:prstGeom prst="line">
+            <a:avLst/>
+          </a:prstGeom>
+          <a:ln w="76200">
+            <a:solidFill>
+              <a:schemeClr val="tx1">
+                <a:lumMod val="75000"/>
+                <a:lumOff val="25000"/>
+              </a:schemeClr>
+            </a:solidFill>
+          </a:ln>
+        </p:spPr>
+        <p:style>
+          <a:lnRef idx="1">
+            <a:schemeClr val="accent1"/>
+          </a:lnRef>
+          <a:fillRef idx="0">
+            <a:schemeClr val="accent1"/>
+          </a:fillRef>
+          <a:effectRef idx="0">
+            <a:schemeClr val="accent1"/>
+          </a:effectRef>
+          <a:fontRef idx="minor">
+            <a:schemeClr val="tx1"/>
+          </a:fontRef>
+        </p:style>
+      </p:cxnSp>
+      <p:sp>
+        <p:nvSpPr>
+          <p:cNvPr id="6" name="TextBox 5">
+            <a:extLst>
+              <a:ext uri="{FF2B5EF4-FFF2-40B4-BE49-F238E27FC236}">
+                <a16:creationId xmlns:a16="http://schemas.microsoft.com/office/drawing/2014/main" id="{908ED9B9-09D3-CFA8-625A-6F9BB9B6BD23}"/>
+              </a:ext>
+            </a:extLst>
+          </p:cNvPr>
+          <p:cNvSpPr txBox="1"/>
+          <p:nvPr/>
+        </p:nvSpPr>
+        <p:spPr>
+          <a:xfrm>
+            <a:off x="331694" y="177505"/>
+            <a:ext cx="6090129" cy="523220"/>
+          </a:xfrm>
+          <a:prstGeom prst="rect">
+            <a:avLst/>
+          </a:prstGeom>
+          <a:noFill/>
+        </p:spPr>
+        <p:txBody>
+          <a:bodyPr wrap="none" rtlCol="0">
+            <a:spAutoFit/>
+          </a:bodyPr>
+          <a:lstStyle/>
+          <a:p>
+            <a:r>
+              <a:rPr lang="en-US" altLang="ko-KR" sz="2800" dirty="0">
+                <a:latin typeface="나눔스퀘어 Bold" panose="020B0600000101010101" pitchFamily="50" charset="-127"/>
+                <a:ea typeface="나눔스퀘어 Bold" panose="020B0600000101010101" pitchFamily="50" charset="-127"/>
+              </a:rPr>
+              <a:t>Implementation – 11654 </a:t>
+            </a:r>
+            <a:r>
+              <a:rPr lang="ko-KR" altLang="en-US" sz="2800" dirty="0">
+                <a:latin typeface="나눔스퀘어 Bold" panose="020B0600000101010101" pitchFamily="50" charset="-127"/>
+                <a:ea typeface="나눔스퀘어 Bold" panose="020B0600000101010101" pitchFamily="50" charset="-127"/>
+              </a:rPr>
+              <a:t>아스키 코드</a:t>
+            </a:r>
+          </a:p>
+        </p:txBody>
+      </p:sp>
+      <p:sp>
+        <p:nvSpPr>
+          <p:cNvPr id="7" name="TextBox 6">
+            <a:extLst>
+              <a:ext uri="{FF2B5EF4-FFF2-40B4-BE49-F238E27FC236}">
+                <a16:creationId xmlns:a16="http://schemas.microsoft.com/office/drawing/2014/main" id="{CC86D852-FF78-F56B-3D83-6A37E0336D58}"/>
+              </a:ext>
+            </a:extLst>
+          </p:cNvPr>
+          <p:cNvSpPr txBox="1"/>
+          <p:nvPr/>
+        </p:nvSpPr>
+        <p:spPr>
+          <a:xfrm>
+            <a:off x="942387" y="1190024"/>
+            <a:ext cx="8553305" cy="369332"/>
+          </a:xfrm>
+          <a:prstGeom prst="rect">
+            <a:avLst/>
+          </a:prstGeom>
+          <a:noFill/>
+        </p:spPr>
+        <p:txBody>
+          <a:bodyPr wrap="square" rtlCol="0">
+            <a:spAutoFit/>
+          </a:bodyPr>
+          <a:lstStyle/>
+          <a:p>
+            <a:r>
+              <a:rPr lang="ko-KR" altLang="en-US" dirty="0">
+                <a:latin typeface="나눔스퀘어 Light" panose="020B0600000101010101" pitchFamily="50" charset="-127"/>
+                <a:ea typeface="나눔스퀘어 Light" panose="020B0600000101010101" pitchFamily="50" charset="-127"/>
+              </a:rPr>
+              <a:t>언어의 기본 입출력 기능을 잘 활용하면 될 듯 합니다</a:t>
+            </a:r>
+          </a:p>
+        </p:txBody>
+      </p:sp>
+      <p:pic>
+        <p:nvPicPr>
+          <p:cNvPr id="3" name="그림 2">
+            <a:extLst>
+              <a:ext uri="{FF2B5EF4-FFF2-40B4-BE49-F238E27FC236}">
+                <a16:creationId xmlns:a16="http://schemas.microsoft.com/office/drawing/2014/main" id="{5D75A982-7421-DC51-CADF-CD7099A6B727}"/>
+              </a:ext>
+            </a:extLst>
+          </p:cNvPr>
+          <p:cNvPicPr>
+            <a:picLocks noChangeAspect="1"/>
+          </p:cNvPicPr>
+          <p:nvPr/>
+        </p:nvPicPr>
+        <p:blipFill>
+          <a:blip r:embed="rId2"/>
+          <a:stretch>
+            <a:fillRect/>
+          </a:stretch>
+        </p:blipFill>
+        <p:spPr>
+          <a:xfrm>
+            <a:off x="942387" y="1861874"/>
+            <a:ext cx="5218727" cy="1118299"/>
+          </a:xfrm>
+          <a:prstGeom prst="rect">
+            <a:avLst/>
+          </a:prstGeom>
+        </p:spPr>
+      </p:pic>
+      <p:pic>
+        <p:nvPicPr>
+          <p:cNvPr id="9" name="그림 8">
+            <a:extLst>
+              <a:ext uri="{FF2B5EF4-FFF2-40B4-BE49-F238E27FC236}">
+                <a16:creationId xmlns:a16="http://schemas.microsoft.com/office/drawing/2014/main" id="{AF5F93A7-B0E3-20AB-B354-2E456B575780}"/>
+              </a:ext>
+            </a:extLst>
+          </p:cNvPr>
+          <p:cNvPicPr>
+            <a:picLocks noChangeAspect="1"/>
+          </p:cNvPicPr>
+          <p:nvPr/>
+        </p:nvPicPr>
+        <p:blipFill>
+          <a:blip r:embed="rId3"/>
+          <a:stretch>
+            <a:fillRect/>
+          </a:stretch>
+        </p:blipFill>
+        <p:spPr>
+          <a:xfrm>
+            <a:off x="942387" y="4772126"/>
+            <a:ext cx="5218726" cy="1452940"/>
+          </a:xfrm>
+          <a:prstGeom prst="rect">
+            <a:avLst/>
+          </a:prstGeom>
+        </p:spPr>
+      </p:pic>
+      <p:pic>
+        <p:nvPicPr>
+          <p:cNvPr id="11" name="그림 10">
+            <a:extLst>
+              <a:ext uri="{FF2B5EF4-FFF2-40B4-BE49-F238E27FC236}">
+                <a16:creationId xmlns:a16="http://schemas.microsoft.com/office/drawing/2014/main" id="{91187DB7-FA33-7D18-2BA0-5C6A82A34771}"/>
+              </a:ext>
+            </a:extLst>
+          </p:cNvPr>
+          <p:cNvPicPr>
+            <a:picLocks noChangeAspect="1"/>
+          </p:cNvPicPr>
+          <p:nvPr/>
+        </p:nvPicPr>
+        <p:blipFill>
+          <a:blip r:embed="rId4"/>
+          <a:stretch>
+            <a:fillRect/>
+          </a:stretch>
+        </p:blipFill>
+        <p:spPr>
+          <a:xfrm>
+            <a:off x="942386" y="3456696"/>
+            <a:ext cx="5218725" cy="842263"/>
+          </a:xfrm>
+          <a:prstGeom prst="rect">
+            <a:avLst/>
+          </a:prstGeom>
+        </p:spPr>
+      </p:pic>
+    </p:spTree>
+    <p:extLst>
+      <p:ext uri="{BB962C8B-B14F-4D97-AF65-F5344CB8AC3E}">
+        <p14:creationId xmlns:p14="http://schemas.microsoft.com/office/powerpoint/2010/main" val="4092226395"/>
       </p:ext>
     </p:extLst>
   </p:cSld>

--- a/study/1_OT.pptx
+++ b/study/1_OT.pptx
@@ -40,6 +40,13 @@
     <p:sldId id="289" r:id="rId34"/>
     <p:sldId id="290" r:id="rId35"/>
     <p:sldId id="291" r:id="rId36"/>
+    <p:sldId id="292" r:id="rId37"/>
+    <p:sldId id="293" r:id="rId38"/>
+    <p:sldId id="294" r:id="rId39"/>
+    <p:sldId id="295" r:id="rId40"/>
+    <p:sldId id="296" r:id="rId41"/>
+    <p:sldId id="297" r:id="rId42"/>
+    <p:sldId id="298" r:id="rId43"/>
   </p:sldIdLst>
   <p:sldSz cx="12192000" cy="6858000"/>
   <p:notesSz cx="6858000" cy="9144000"/>
@@ -293,7 +300,7 @@
           <a:p>
             <a:fld id="{33C37291-AA83-40C0-9297-8F7F3693F6CC}" type="datetimeFigureOut">
               <a:rPr lang="ko-KR" altLang="en-US" smtClean="0"/>
-              <a:t>2022-08-07</a:t>
+              <a:t>2022-08-08</a:t>
             </a:fld>
             <a:endParaRPr lang="ko-KR" altLang="en-US"/>
           </a:p>
@@ -491,7 +498,7 @@
           <a:p>
             <a:fld id="{33C37291-AA83-40C0-9297-8F7F3693F6CC}" type="datetimeFigureOut">
               <a:rPr lang="ko-KR" altLang="en-US" smtClean="0"/>
-              <a:t>2022-08-07</a:t>
+              <a:t>2022-08-08</a:t>
             </a:fld>
             <a:endParaRPr lang="ko-KR" altLang="en-US"/>
           </a:p>
@@ -699,7 +706,7 @@
           <a:p>
             <a:fld id="{33C37291-AA83-40C0-9297-8F7F3693F6CC}" type="datetimeFigureOut">
               <a:rPr lang="ko-KR" altLang="en-US" smtClean="0"/>
-              <a:t>2022-08-07</a:t>
+              <a:t>2022-08-08</a:t>
             </a:fld>
             <a:endParaRPr lang="ko-KR" altLang="en-US"/>
           </a:p>
@@ -897,7 +904,7 @@
           <a:p>
             <a:fld id="{33C37291-AA83-40C0-9297-8F7F3693F6CC}" type="datetimeFigureOut">
               <a:rPr lang="ko-KR" altLang="en-US" smtClean="0"/>
-              <a:t>2022-08-07</a:t>
+              <a:t>2022-08-08</a:t>
             </a:fld>
             <a:endParaRPr lang="ko-KR" altLang="en-US"/>
           </a:p>
@@ -1172,7 +1179,7 @@
           <a:p>
             <a:fld id="{33C37291-AA83-40C0-9297-8F7F3693F6CC}" type="datetimeFigureOut">
               <a:rPr lang="ko-KR" altLang="en-US" smtClean="0"/>
-              <a:t>2022-08-07</a:t>
+              <a:t>2022-08-08</a:t>
             </a:fld>
             <a:endParaRPr lang="ko-KR" altLang="en-US"/>
           </a:p>
@@ -1437,7 +1444,7 @@
           <a:p>
             <a:fld id="{33C37291-AA83-40C0-9297-8F7F3693F6CC}" type="datetimeFigureOut">
               <a:rPr lang="ko-KR" altLang="en-US" smtClean="0"/>
-              <a:t>2022-08-07</a:t>
+              <a:t>2022-08-08</a:t>
             </a:fld>
             <a:endParaRPr lang="ko-KR" altLang="en-US"/>
           </a:p>
@@ -1849,7 +1856,7 @@
           <a:p>
             <a:fld id="{33C37291-AA83-40C0-9297-8F7F3693F6CC}" type="datetimeFigureOut">
               <a:rPr lang="ko-KR" altLang="en-US" smtClean="0"/>
-              <a:t>2022-08-07</a:t>
+              <a:t>2022-08-08</a:t>
             </a:fld>
             <a:endParaRPr lang="ko-KR" altLang="en-US"/>
           </a:p>
@@ -1990,7 +1997,7 @@
           <a:p>
             <a:fld id="{33C37291-AA83-40C0-9297-8F7F3693F6CC}" type="datetimeFigureOut">
               <a:rPr lang="ko-KR" altLang="en-US" smtClean="0"/>
-              <a:t>2022-08-07</a:t>
+              <a:t>2022-08-08</a:t>
             </a:fld>
             <a:endParaRPr lang="ko-KR" altLang="en-US"/>
           </a:p>
@@ -2103,7 +2110,7 @@
           <a:p>
             <a:fld id="{33C37291-AA83-40C0-9297-8F7F3693F6CC}" type="datetimeFigureOut">
               <a:rPr lang="ko-KR" altLang="en-US" smtClean="0"/>
-              <a:t>2022-08-07</a:t>
+              <a:t>2022-08-08</a:t>
             </a:fld>
             <a:endParaRPr lang="ko-KR" altLang="en-US"/>
           </a:p>
@@ -2414,7 +2421,7 @@
           <a:p>
             <a:fld id="{33C37291-AA83-40C0-9297-8F7F3693F6CC}" type="datetimeFigureOut">
               <a:rPr lang="ko-KR" altLang="en-US" smtClean="0"/>
-              <a:t>2022-08-07</a:t>
+              <a:t>2022-08-08</a:t>
             </a:fld>
             <a:endParaRPr lang="ko-KR" altLang="en-US"/>
           </a:p>
@@ -2702,7 +2709,7 @@
           <a:p>
             <a:fld id="{33C37291-AA83-40C0-9297-8F7F3693F6CC}" type="datetimeFigureOut">
               <a:rPr lang="ko-KR" altLang="en-US" smtClean="0"/>
-              <a:t>2022-08-07</a:t>
+              <a:t>2022-08-08</a:t>
             </a:fld>
             <a:endParaRPr lang="ko-KR" altLang="en-US"/>
           </a:p>
@@ -2943,7 +2950,7 @@
           <a:p>
             <a:fld id="{33C37291-AA83-40C0-9297-8F7F3693F6CC}" type="datetimeFigureOut">
               <a:rPr lang="ko-KR" altLang="en-US" smtClean="0"/>
-              <a:t>2022-08-07</a:t>
+              <a:t>2022-08-08</a:t>
             </a:fld>
             <a:endParaRPr lang="ko-KR" altLang="en-US"/>
           </a:p>
@@ -13238,6 +13245,4000 @@
 </p:sld>
 </file>
 
+<file path=ppt/slides/slide36.xml><?xml version="1.0" encoding="utf-8"?>
+<p:sld xmlns:a="http://schemas.openxmlformats.org/drawingml/2006/main" xmlns:r="http://schemas.openxmlformats.org/officeDocument/2006/relationships" xmlns:p="http://schemas.openxmlformats.org/presentationml/2006/main">
+  <p:cSld>
+    <p:spTree>
+      <p:nvGrpSpPr>
+        <p:cNvPr id="1" name=""/>
+        <p:cNvGrpSpPr/>
+        <p:nvPr/>
+      </p:nvGrpSpPr>
+      <p:grpSpPr>
+        <a:xfrm>
+          <a:off x="0" y="0"/>
+          <a:ext cx="0" cy="0"/>
+          <a:chOff x="0" y="0"/>
+          <a:chExt cx="0" cy="0"/>
+        </a:xfrm>
+      </p:grpSpPr>
+      <p:cxnSp>
+        <p:nvCxnSpPr>
+          <p:cNvPr id="5" name="직선 연결선 4">
+            <a:extLst>
+              <a:ext uri="{FF2B5EF4-FFF2-40B4-BE49-F238E27FC236}">
+                <a16:creationId xmlns:a16="http://schemas.microsoft.com/office/drawing/2014/main" id="{164C2827-EFCE-69A4-D037-1A218415F568}"/>
+              </a:ext>
+            </a:extLst>
+          </p:cNvPr>
+          <p:cNvCxnSpPr/>
+          <p:nvPr/>
+        </p:nvCxnSpPr>
+        <p:spPr>
+          <a:xfrm>
+            <a:off x="0" y="887505"/>
+            <a:ext cx="10237694" cy="0"/>
+          </a:xfrm>
+          <a:prstGeom prst="line">
+            <a:avLst/>
+          </a:prstGeom>
+          <a:ln w="76200">
+            <a:solidFill>
+              <a:schemeClr val="tx1">
+                <a:lumMod val="75000"/>
+                <a:lumOff val="25000"/>
+              </a:schemeClr>
+            </a:solidFill>
+          </a:ln>
+        </p:spPr>
+        <p:style>
+          <a:lnRef idx="1">
+            <a:schemeClr val="accent1"/>
+          </a:lnRef>
+          <a:fillRef idx="0">
+            <a:schemeClr val="accent1"/>
+          </a:fillRef>
+          <a:effectRef idx="0">
+            <a:schemeClr val="accent1"/>
+          </a:effectRef>
+          <a:fontRef idx="minor">
+            <a:schemeClr val="tx1"/>
+          </a:fontRef>
+        </p:style>
+      </p:cxnSp>
+      <p:sp>
+        <p:nvSpPr>
+          <p:cNvPr id="6" name="TextBox 5">
+            <a:extLst>
+              <a:ext uri="{FF2B5EF4-FFF2-40B4-BE49-F238E27FC236}">
+                <a16:creationId xmlns:a16="http://schemas.microsoft.com/office/drawing/2014/main" id="{908ED9B9-09D3-CFA8-625A-6F9BB9B6BD23}"/>
+              </a:ext>
+            </a:extLst>
+          </p:cNvPr>
+          <p:cNvSpPr txBox="1"/>
+          <p:nvPr/>
+        </p:nvSpPr>
+        <p:spPr>
+          <a:xfrm>
+            <a:off x="331694" y="177505"/>
+            <a:ext cx="5543505" cy="523220"/>
+          </a:xfrm>
+          <a:prstGeom prst="rect">
+            <a:avLst/>
+          </a:prstGeom>
+          <a:noFill/>
+        </p:spPr>
+        <p:txBody>
+          <a:bodyPr wrap="none" rtlCol="0">
+            <a:spAutoFit/>
+          </a:bodyPr>
+          <a:lstStyle/>
+          <a:p>
+            <a:r>
+              <a:rPr lang="en-US" altLang="ko-KR" sz="2800" dirty="0">
+                <a:latin typeface="나눔스퀘어 Bold" panose="020B0600000101010101" pitchFamily="50" charset="-127"/>
+                <a:ea typeface="나눔스퀘어 Bold" panose="020B0600000101010101" pitchFamily="50" charset="-127"/>
+              </a:rPr>
+              <a:t>Implementation – 1193 </a:t>
+            </a:r>
+            <a:r>
+              <a:rPr lang="ko-KR" altLang="en-US" sz="2800" dirty="0" err="1">
+                <a:latin typeface="나눔스퀘어 Bold" panose="020B0600000101010101" pitchFamily="50" charset="-127"/>
+                <a:ea typeface="나눔스퀘어 Bold" panose="020B0600000101010101" pitchFamily="50" charset="-127"/>
+              </a:rPr>
+              <a:t>분수찾기</a:t>
+            </a:r>
+            <a:endParaRPr lang="ko-KR" altLang="en-US" sz="2800" dirty="0">
+              <a:latin typeface="나눔스퀘어 Bold" panose="020B0600000101010101" pitchFamily="50" charset="-127"/>
+              <a:ea typeface="나눔스퀘어 Bold" panose="020B0600000101010101" pitchFamily="50" charset="-127"/>
+            </a:endParaRPr>
+          </a:p>
+        </p:txBody>
+      </p:sp>
+      <p:pic>
+        <p:nvPicPr>
+          <p:cNvPr id="3" name="그림 2">
+            <a:extLst>
+              <a:ext uri="{FF2B5EF4-FFF2-40B4-BE49-F238E27FC236}">
+                <a16:creationId xmlns:a16="http://schemas.microsoft.com/office/drawing/2014/main" id="{84A7D873-7B63-4EB1-244B-CF53A35D66CE}"/>
+              </a:ext>
+            </a:extLst>
+          </p:cNvPr>
+          <p:cNvPicPr>
+            <a:picLocks noChangeAspect="1"/>
+          </p:cNvPicPr>
+          <p:nvPr/>
+        </p:nvPicPr>
+        <p:blipFill>
+          <a:blip r:embed="rId2"/>
+          <a:stretch>
+            <a:fillRect/>
+          </a:stretch>
+        </p:blipFill>
+        <p:spPr>
+          <a:xfrm>
+            <a:off x="0" y="934641"/>
+            <a:ext cx="10586301" cy="646940"/>
+          </a:xfrm>
+          <a:prstGeom prst="rect">
+            <a:avLst/>
+          </a:prstGeom>
+        </p:spPr>
+      </p:pic>
+      <p:pic>
+        <p:nvPicPr>
+          <p:cNvPr id="7" name="그림 6">
+            <a:extLst>
+              <a:ext uri="{FF2B5EF4-FFF2-40B4-BE49-F238E27FC236}">
+                <a16:creationId xmlns:a16="http://schemas.microsoft.com/office/drawing/2014/main" id="{B7AF4F08-763C-3FBF-33D7-059C47785F91}"/>
+              </a:ext>
+            </a:extLst>
+          </p:cNvPr>
+          <p:cNvPicPr>
+            <a:picLocks noChangeAspect="1"/>
+          </p:cNvPicPr>
+          <p:nvPr/>
+        </p:nvPicPr>
+        <p:blipFill>
+          <a:blip r:embed="rId3"/>
+          <a:stretch>
+            <a:fillRect/>
+          </a:stretch>
+        </p:blipFill>
+        <p:spPr>
+          <a:xfrm>
+            <a:off x="-1" y="1581581"/>
+            <a:ext cx="7513163" cy="5255989"/>
+          </a:xfrm>
+          <a:prstGeom prst="rect">
+            <a:avLst/>
+          </a:prstGeom>
+        </p:spPr>
+      </p:pic>
+      <p:pic>
+        <p:nvPicPr>
+          <p:cNvPr id="11" name="그림 10">
+            <a:extLst>
+              <a:ext uri="{FF2B5EF4-FFF2-40B4-BE49-F238E27FC236}">
+                <a16:creationId xmlns:a16="http://schemas.microsoft.com/office/drawing/2014/main" id="{6E5AFF4F-8424-C1E6-A74E-08116C6CC987}"/>
+              </a:ext>
+            </a:extLst>
+          </p:cNvPr>
+          <p:cNvPicPr>
+            <a:picLocks noChangeAspect="1"/>
+          </p:cNvPicPr>
+          <p:nvPr/>
+        </p:nvPicPr>
+        <p:blipFill>
+          <a:blip r:embed="rId4"/>
+          <a:stretch>
+            <a:fillRect/>
+          </a:stretch>
+        </p:blipFill>
+        <p:spPr>
+          <a:xfrm>
+            <a:off x="4493813" y="4974415"/>
+            <a:ext cx="983160" cy="788689"/>
+          </a:xfrm>
+          <a:prstGeom prst="rect">
+            <a:avLst/>
+          </a:prstGeom>
+        </p:spPr>
+      </p:pic>
+      <p:pic>
+        <p:nvPicPr>
+          <p:cNvPr id="15" name="그림 14">
+            <a:extLst>
+              <a:ext uri="{FF2B5EF4-FFF2-40B4-BE49-F238E27FC236}">
+                <a16:creationId xmlns:a16="http://schemas.microsoft.com/office/drawing/2014/main" id="{30C8DF4A-DF79-9B14-7D44-4B32E3CC533A}"/>
+              </a:ext>
+            </a:extLst>
+          </p:cNvPr>
+          <p:cNvPicPr>
+            <a:picLocks noChangeAspect="1"/>
+          </p:cNvPicPr>
+          <p:nvPr/>
+        </p:nvPicPr>
+        <p:blipFill>
+          <a:blip r:embed="rId5"/>
+          <a:stretch>
+            <a:fillRect/>
+          </a:stretch>
+        </p:blipFill>
+        <p:spPr>
+          <a:xfrm>
+            <a:off x="5644241" y="4974415"/>
+            <a:ext cx="921020" cy="788689"/>
+          </a:xfrm>
+          <a:prstGeom prst="rect">
+            <a:avLst/>
+          </a:prstGeom>
+        </p:spPr>
+      </p:pic>
+      <p:pic>
+        <p:nvPicPr>
+          <p:cNvPr id="19" name="그림 18">
+            <a:extLst>
+              <a:ext uri="{FF2B5EF4-FFF2-40B4-BE49-F238E27FC236}">
+                <a16:creationId xmlns:a16="http://schemas.microsoft.com/office/drawing/2014/main" id="{F0B5D5D6-BA15-DA81-32D1-CAAE3A84C460}"/>
+              </a:ext>
+            </a:extLst>
+          </p:cNvPr>
+          <p:cNvPicPr>
+            <a:picLocks noChangeAspect="1"/>
+          </p:cNvPicPr>
+          <p:nvPr/>
+        </p:nvPicPr>
+        <p:blipFill>
+          <a:blip r:embed="rId6"/>
+          <a:stretch>
+            <a:fillRect/>
+          </a:stretch>
+        </p:blipFill>
+        <p:spPr>
+          <a:xfrm>
+            <a:off x="4493812" y="5970494"/>
+            <a:ext cx="983160" cy="826748"/>
+          </a:xfrm>
+          <a:prstGeom prst="rect">
+            <a:avLst/>
+          </a:prstGeom>
+        </p:spPr>
+      </p:pic>
+      <p:pic>
+        <p:nvPicPr>
+          <p:cNvPr id="23" name="그림 22">
+            <a:extLst>
+              <a:ext uri="{FF2B5EF4-FFF2-40B4-BE49-F238E27FC236}">
+                <a16:creationId xmlns:a16="http://schemas.microsoft.com/office/drawing/2014/main" id="{3C498849-13A1-E0C4-3FEC-D485B6E10FFA}"/>
+              </a:ext>
+            </a:extLst>
+          </p:cNvPr>
+          <p:cNvPicPr>
+            <a:picLocks noChangeAspect="1"/>
+          </p:cNvPicPr>
+          <p:nvPr/>
+        </p:nvPicPr>
+        <p:blipFill>
+          <a:blip r:embed="rId7"/>
+          <a:stretch>
+            <a:fillRect/>
+          </a:stretch>
+        </p:blipFill>
+        <p:spPr>
+          <a:xfrm>
+            <a:off x="5632011" y="5970494"/>
+            <a:ext cx="931606" cy="788689"/>
+          </a:xfrm>
+          <a:prstGeom prst="rect">
+            <a:avLst/>
+          </a:prstGeom>
+        </p:spPr>
+      </p:pic>
+      <p:pic>
+        <p:nvPicPr>
+          <p:cNvPr id="27" name="그림 26">
+            <a:extLst>
+              <a:ext uri="{FF2B5EF4-FFF2-40B4-BE49-F238E27FC236}">
+                <a16:creationId xmlns:a16="http://schemas.microsoft.com/office/drawing/2014/main" id="{FDAA8158-06EC-EC3E-7275-D948A65C31DF}"/>
+              </a:ext>
+            </a:extLst>
+          </p:cNvPr>
+          <p:cNvPicPr>
+            <a:picLocks noChangeAspect="1"/>
+          </p:cNvPicPr>
+          <p:nvPr/>
+        </p:nvPicPr>
+        <p:blipFill>
+          <a:blip r:embed="rId8"/>
+          <a:stretch>
+            <a:fillRect/>
+          </a:stretch>
+        </p:blipFill>
+        <p:spPr>
+          <a:xfrm>
+            <a:off x="7001642" y="4974415"/>
+            <a:ext cx="919266" cy="788689"/>
+          </a:xfrm>
+          <a:prstGeom prst="rect">
+            <a:avLst/>
+          </a:prstGeom>
+        </p:spPr>
+      </p:pic>
+      <p:pic>
+        <p:nvPicPr>
+          <p:cNvPr id="31" name="그림 30">
+            <a:extLst>
+              <a:ext uri="{FF2B5EF4-FFF2-40B4-BE49-F238E27FC236}">
+                <a16:creationId xmlns:a16="http://schemas.microsoft.com/office/drawing/2014/main" id="{6EFA5001-C4DF-A381-FFDE-24D32065FCD3}"/>
+              </a:ext>
+            </a:extLst>
+          </p:cNvPr>
+          <p:cNvPicPr>
+            <a:picLocks noChangeAspect="1"/>
+          </p:cNvPicPr>
+          <p:nvPr/>
+        </p:nvPicPr>
+        <p:blipFill>
+          <a:blip r:embed="rId9"/>
+          <a:stretch>
+            <a:fillRect/>
+          </a:stretch>
+        </p:blipFill>
+        <p:spPr>
+          <a:xfrm>
+            <a:off x="8082754" y="4974415"/>
+            <a:ext cx="954103" cy="798659"/>
+          </a:xfrm>
+          <a:prstGeom prst="rect">
+            <a:avLst/>
+          </a:prstGeom>
+        </p:spPr>
+      </p:pic>
+      <p:pic>
+        <p:nvPicPr>
+          <p:cNvPr id="34" name="그림 33">
+            <a:extLst>
+              <a:ext uri="{FF2B5EF4-FFF2-40B4-BE49-F238E27FC236}">
+                <a16:creationId xmlns:a16="http://schemas.microsoft.com/office/drawing/2014/main" id="{2B45A198-524B-E773-4A2B-65BA86A61718}"/>
+              </a:ext>
+            </a:extLst>
+          </p:cNvPr>
+          <p:cNvPicPr>
+            <a:picLocks noChangeAspect="1"/>
+          </p:cNvPicPr>
+          <p:nvPr/>
+        </p:nvPicPr>
+        <p:blipFill>
+          <a:blip r:embed="rId10"/>
+          <a:stretch>
+            <a:fillRect/>
+          </a:stretch>
+        </p:blipFill>
+        <p:spPr>
+          <a:xfrm>
+            <a:off x="7001642" y="5967003"/>
+            <a:ext cx="931607" cy="788690"/>
+          </a:xfrm>
+          <a:prstGeom prst="rect">
+            <a:avLst/>
+          </a:prstGeom>
+        </p:spPr>
+      </p:pic>
+      <p:pic>
+        <p:nvPicPr>
+          <p:cNvPr id="36" name="그림 35">
+            <a:extLst>
+              <a:ext uri="{FF2B5EF4-FFF2-40B4-BE49-F238E27FC236}">
+                <a16:creationId xmlns:a16="http://schemas.microsoft.com/office/drawing/2014/main" id="{285F5A32-23C1-7A67-CBDE-06DBE3BE4238}"/>
+              </a:ext>
+            </a:extLst>
+          </p:cNvPr>
+          <p:cNvPicPr>
+            <a:picLocks noChangeAspect="1"/>
+          </p:cNvPicPr>
+          <p:nvPr/>
+        </p:nvPicPr>
+        <p:blipFill>
+          <a:blip r:embed="rId11"/>
+          <a:stretch>
+            <a:fillRect/>
+          </a:stretch>
+        </p:blipFill>
+        <p:spPr>
+          <a:xfrm>
+            <a:off x="8082753" y="5967003"/>
+            <a:ext cx="962767" cy="798659"/>
+          </a:xfrm>
+          <a:prstGeom prst="rect">
+            <a:avLst/>
+          </a:prstGeom>
+        </p:spPr>
+      </p:pic>
+      <p:pic>
+        <p:nvPicPr>
+          <p:cNvPr id="38" name="그림 37">
+            <a:extLst>
+              <a:ext uri="{FF2B5EF4-FFF2-40B4-BE49-F238E27FC236}">
+                <a16:creationId xmlns:a16="http://schemas.microsoft.com/office/drawing/2014/main" id="{7818A1BA-D376-9EB5-453E-2545314F9ABB}"/>
+              </a:ext>
+            </a:extLst>
+          </p:cNvPr>
+          <p:cNvPicPr>
+            <a:picLocks noChangeAspect="1"/>
+          </p:cNvPicPr>
+          <p:nvPr/>
+        </p:nvPicPr>
+        <p:blipFill>
+          <a:blip r:embed="rId12"/>
+          <a:stretch>
+            <a:fillRect/>
+          </a:stretch>
+        </p:blipFill>
+        <p:spPr>
+          <a:xfrm>
+            <a:off x="9606449" y="4974415"/>
+            <a:ext cx="943383" cy="798659"/>
+          </a:xfrm>
+          <a:prstGeom prst="rect">
+            <a:avLst/>
+          </a:prstGeom>
+        </p:spPr>
+      </p:pic>
+      <p:pic>
+        <p:nvPicPr>
+          <p:cNvPr id="40" name="그림 39">
+            <a:extLst>
+              <a:ext uri="{FF2B5EF4-FFF2-40B4-BE49-F238E27FC236}">
+                <a16:creationId xmlns:a16="http://schemas.microsoft.com/office/drawing/2014/main" id="{A8F38E2B-337E-DFAF-8BC4-8A8285A1E26B}"/>
+              </a:ext>
+            </a:extLst>
+          </p:cNvPr>
+          <p:cNvPicPr>
+            <a:picLocks noChangeAspect="1"/>
+          </p:cNvPicPr>
+          <p:nvPr/>
+        </p:nvPicPr>
+        <p:blipFill>
+          <a:blip r:embed="rId13"/>
+          <a:stretch>
+            <a:fillRect/>
+          </a:stretch>
+        </p:blipFill>
+        <p:spPr>
+          <a:xfrm>
+            <a:off x="10661561" y="4984385"/>
+            <a:ext cx="915726" cy="788689"/>
+          </a:xfrm>
+          <a:prstGeom prst="rect">
+            <a:avLst/>
+          </a:prstGeom>
+        </p:spPr>
+      </p:pic>
+      <p:pic>
+        <p:nvPicPr>
+          <p:cNvPr id="42" name="그림 41">
+            <a:extLst>
+              <a:ext uri="{FF2B5EF4-FFF2-40B4-BE49-F238E27FC236}">
+                <a16:creationId xmlns:a16="http://schemas.microsoft.com/office/drawing/2014/main" id="{109800C4-07FB-0B94-BE19-4F5E91EE0782}"/>
+              </a:ext>
+            </a:extLst>
+          </p:cNvPr>
+          <p:cNvPicPr>
+            <a:picLocks noChangeAspect="1"/>
+          </p:cNvPicPr>
+          <p:nvPr/>
+        </p:nvPicPr>
+        <p:blipFill>
+          <a:blip r:embed="rId14"/>
+          <a:stretch>
+            <a:fillRect/>
+          </a:stretch>
+        </p:blipFill>
+        <p:spPr>
+          <a:xfrm>
+            <a:off x="9606449" y="5956216"/>
+            <a:ext cx="943383" cy="799477"/>
+          </a:xfrm>
+          <a:prstGeom prst="rect">
+            <a:avLst/>
+          </a:prstGeom>
+        </p:spPr>
+      </p:pic>
+      <p:pic>
+        <p:nvPicPr>
+          <p:cNvPr id="44" name="그림 43">
+            <a:extLst>
+              <a:ext uri="{FF2B5EF4-FFF2-40B4-BE49-F238E27FC236}">
+                <a16:creationId xmlns:a16="http://schemas.microsoft.com/office/drawing/2014/main" id="{D2A60074-AC4D-2178-80A5-C55ECB76E7AD}"/>
+              </a:ext>
+            </a:extLst>
+          </p:cNvPr>
+          <p:cNvPicPr>
+            <a:picLocks noChangeAspect="1"/>
+          </p:cNvPicPr>
+          <p:nvPr/>
+        </p:nvPicPr>
+        <p:blipFill>
+          <a:blip r:embed="rId15"/>
+          <a:stretch>
+            <a:fillRect/>
+          </a:stretch>
+        </p:blipFill>
+        <p:spPr>
+          <a:xfrm>
+            <a:off x="10661561" y="5976973"/>
+            <a:ext cx="946427" cy="788689"/>
+          </a:xfrm>
+          <a:prstGeom prst="rect">
+            <a:avLst/>
+          </a:prstGeom>
+        </p:spPr>
+      </p:pic>
+    </p:spTree>
+    <p:extLst>
+      <p:ext uri="{BB962C8B-B14F-4D97-AF65-F5344CB8AC3E}">
+        <p14:creationId xmlns:p14="http://schemas.microsoft.com/office/powerpoint/2010/main" val="823714782"/>
+      </p:ext>
+    </p:extLst>
+  </p:cSld>
+  <p:clrMapOvr>
+    <a:masterClrMapping/>
+  </p:clrMapOvr>
+</p:sld>
+</file>
+
+<file path=ppt/slides/slide37.xml><?xml version="1.0" encoding="utf-8"?>
+<p:sld xmlns:a="http://schemas.openxmlformats.org/drawingml/2006/main" xmlns:r="http://schemas.openxmlformats.org/officeDocument/2006/relationships" xmlns:p="http://schemas.openxmlformats.org/presentationml/2006/main">
+  <p:cSld>
+    <p:spTree>
+      <p:nvGrpSpPr>
+        <p:cNvPr id="1" name=""/>
+        <p:cNvGrpSpPr/>
+        <p:nvPr/>
+      </p:nvGrpSpPr>
+      <p:grpSpPr>
+        <a:xfrm>
+          <a:off x="0" y="0"/>
+          <a:ext cx="0" cy="0"/>
+          <a:chOff x="0" y="0"/>
+          <a:chExt cx="0" cy="0"/>
+        </a:xfrm>
+      </p:grpSpPr>
+      <p:cxnSp>
+        <p:nvCxnSpPr>
+          <p:cNvPr id="28" name="직선 화살표 연결선 27">
+            <a:extLst>
+              <a:ext uri="{FF2B5EF4-FFF2-40B4-BE49-F238E27FC236}">
+                <a16:creationId xmlns:a16="http://schemas.microsoft.com/office/drawing/2014/main" id="{1EB48206-DCA1-EF9A-DAF8-03B966957B07}"/>
+              </a:ext>
+            </a:extLst>
+          </p:cNvPr>
+          <p:cNvCxnSpPr>
+            <a:cxnSpLocks/>
+          </p:cNvCxnSpPr>
+          <p:nvPr/>
+        </p:nvCxnSpPr>
+        <p:spPr>
+          <a:xfrm flipH="1">
+            <a:off x="331694" y="5505334"/>
+            <a:ext cx="5588339" cy="0"/>
+          </a:xfrm>
+          <a:prstGeom prst="straightConnector1">
+            <a:avLst/>
+          </a:prstGeom>
+          <a:ln w="19050">
+            <a:solidFill>
+              <a:srgbClr val="404040"/>
+            </a:solidFill>
+            <a:tailEnd type="triangle"/>
+          </a:ln>
+        </p:spPr>
+        <p:style>
+          <a:lnRef idx="1">
+            <a:schemeClr val="accent1"/>
+          </a:lnRef>
+          <a:fillRef idx="0">
+            <a:schemeClr val="accent1"/>
+          </a:fillRef>
+          <a:effectRef idx="0">
+            <a:schemeClr val="accent1"/>
+          </a:effectRef>
+          <a:fontRef idx="minor">
+            <a:schemeClr val="tx1"/>
+          </a:fontRef>
+        </p:style>
+      </p:cxnSp>
+      <p:cxnSp>
+        <p:nvCxnSpPr>
+          <p:cNvPr id="27" name="직선 화살표 연결선 26">
+            <a:extLst>
+              <a:ext uri="{FF2B5EF4-FFF2-40B4-BE49-F238E27FC236}">
+                <a16:creationId xmlns:a16="http://schemas.microsoft.com/office/drawing/2014/main" id="{524A2585-F632-8946-6C24-E07EC34678AB}"/>
+              </a:ext>
+            </a:extLst>
+          </p:cNvPr>
+          <p:cNvCxnSpPr>
+            <a:cxnSpLocks/>
+          </p:cNvCxnSpPr>
+          <p:nvPr/>
+        </p:nvCxnSpPr>
+        <p:spPr>
+          <a:xfrm>
+            <a:off x="331694" y="4260996"/>
+            <a:ext cx="5588339" cy="0"/>
+          </a:xfrm>
+          <a:prstGeom prst="straightConnector1">
+            <a:avLst/>
+          </a:prstGeom>
+          <a:ln w="19050">
+            <a:solidFill>
+              <a:srgbClr val="404040"/>
+            </a:solidFill>
+            <a:tailEnd type="triangle"/>
+          </a:ln>
+        </p:spPr>
+        <p:style>
+          <a:lnRef idx="1">
+            <a:schemeClr val="accent1"/>
+          </a:lnRef>
+          <a:fillRef idx="0">
+            <a:schemeClr val="accent1"/>
+          </a:fillRef>
+          <a:effectRef idx="0">
+            <a:schemeClr val="accent1"/>
+          </a:effectRef>
+          <a:fontRef idx="minor">
+            <a:schemeClr val="tx1"/>
+          </a:fontRef>
+        </p:style>
+      </p:cxnSp>
+      <p:cxnSp>
+        <p:nvCxnSpPr>
+          <p:cNvPr id="26" name="직선 화살표 연결선 25">
+            <a:extLst>
+              <a:ext uri="{FF2B5EF4-FFF2-40B4-BE49-F238E27FC236}">
+                <a16:creationId xmlns:a16="http://schemas.microsoft.com/office/drawing/2014/main" id="{A394574F-0035-E8B0-3814-17006FEE6C31}"/>
+              </a:ext>
+            </a:extLst>
+          </p:cNvPr>
+          <p:cNvCxnSpPr>
+            <a:cxnSpLocks/>
+          </p:cNvCxnSpPr>
+          <p:nvPr/>
+        </p:nvCxnSpPr>
+        <p:spPr>
+          <a:xfrm flipH="1">
+            <a:off x="331694" y="3224047"/>
+            <a:ext cx="5588339" cy="0"/>
+          </a:xfrm>
+          <a:prstGeom prst="straightConnector1">
+            <a:avLst/>
+          </a:prstGeom>
+          <a:ln w="19050">
+            <a:solidFill>
+              <a:srgbClr val="404040"/>
+            </a:solidFill>
+            <a:tailEnd type="triangle"/>
+          </a:ln>
+        </p:spPr>
+        <p:style>
+          <a:lnRef idx="1">
+            <a:schemeClr val="accent1"/>
+          </a:lnRef>
+          <a:fillRef idx="0">
+            <a:schemeClr val="accent1"/>
+          </a:fillRef>
+          <a:effectRef idx="0">
+            <a:schemeClr val="accent1"/>
+          </a:effectRef>
+          <a:fontRef idx="minor">
+            <a:schemeClr val="tx1"/>
+          </a:fontRef>
+        </p:style>
+      </p:cxnSp>
+      <p:cxnSp>
+        <p:nvCxnSpPr>
+          <p:cNvPr id="5" name="직선 연결선 4">
+            <a:extLst>
+              <a:ext uri="{FF2B5EF4-FFF2-40B4-BE49-F238E27FC236}">
+                <a16:creationId xmlns:a16="http://schemas.microsoft.com/office/drawing/2014/main" id="{164C2827-EFCE-69A4-D037-1A218415F568}"/>
+              </a:ext>
+            </a:extLst>
+          </p:cNvPr>
+          <p:cNvCxnSpPr/>
+          <p:nvPr/>
+        </p:nvCxnSpPr>
+        <p:spPr>
+          <a:xfrm>
+            <a:off x="0" y="887505"/>
+            <a:ext cx="10237694" cy="0"/>
+          </a:xfrm>
+          <a:prstGeom prst="line">
+            <a:avLst/>
+          </a:prstGeom>
+          <a:ln w="76200">
+            <a:solidFill>
+              <a:schemeClr val="tx1">
+                <a:lumMod val="75000"/>
+                <a:lumOff val="25000"/>
+              </a:schemeClr>
+            </a:solidFill>
+          </a:ln>
+        </p:spPr>
+        <p:style>
+          <a:lnRef idx="1">
+            <a:schemeClr val="accent1"/>
+          </a:lnRef>
+          <a:fillRef idx="0">
+            <a:schemeClr val="accent1"/>
+          </a:fillRef>
+          <a:effectRef idx="0">
+            <a:schemeClr val="accent1"/>
+          </a:effectRef>
+          <a:fontRef idx="minor">
+            <a:schemeClr val="tx1"/>
+          </a:fontRef>
+        </p:style>
+      </p:cxnSp>
+      <p:sp>
+        <p:nvSpPr>
+          <p:cNvPr id="6" name="TextBox 5">
+            <a:extLst>
+              <a:ext uri="{FF2B5EF4-FFF2-40B4-BE49-F238E27FC236}">
+                <a16:creationId xmlns:a16="http://schemas.microsoft.com/office/drawing/2014/main" id="{908ED9B9-09D3-CFA8-625A-6F9BB9B6BD23}"/>
+              </a:ext>
+            </a:extLst>
+          </p:cNvPr>
+          <p:cNvSpPr txBox="1"/>
+          <p:nvPr/>
+        </p:nvSpPr>
+        <p:spPr>
+          <a:xfrm>
+            <a:off x="331694" y="177505"/>
+            <a:ext cx="5453737" cy="523220"/>
+          </a:xfrm>
+          <a:prstGeom prst="rect">
+            <a:avLst/>
+          </a:prstGeom>
+          <a:noFill/>
+        </p:spPr>
+        <p:txBody>
+          <a:bodyPr wrap="none" rtlCol="0">
+            <a:spAutoFit/>
+          </a:bodyPr>
+          <a:lstStyle/>
+          <a:p>
+            <a:r>
+              <a:rPr lang="en-US" altLang="ko-KR" sz="2800" dirty="0">
+                <a:latin typeface="나눔스퀘어 Bold" panose="020B0600000101010101" pitchFamily="50" charset="-127"/>
+                <a:ea typeface="나눔스퀘어 Bold" panose="020B0600000101010101" pitchFamily="50" charset="-127"/>
+              </a:rPr>
+              <a:t>Implementation – 1193 </a:t>
+            </a:r>
+            <a:r>
+              <a:rPr lang="ko-KR" altLang="en-US" sz="2800" dirty="0" err="1">
+                <a:latin typeface="나눔스퀘어 Bold" panose="020B0600000101010101" pitchFamily="50" charset="-127"/>
+                <a:ea typeface="나눔스퀘어 Bold" panose="020B0600000101010101" pitchFamily="50" charset="-127"/>
+              </a:rPr>
+              <a:t>분수찾기</a:t>
+            </a:r>
+            <a:endParaRPr lang="ko-KR" altLang="en-US" sz="2800" dirty="0">
+              <a:latin typeface="나눔스퀘어 Bold" panose="020B0600000101010101" pitchFamily="50" charset="-127"/>
+              <a:ea typeface="나눔스퀘어 Bold" panose="020B0600000101010101" pitchFamily="50" charset="-127"/>
+            </a:endParaRPr>
+          </a:p>
+        </p:txBody>
+      </p:sp>
+      <p:sp>
+        <p:nvSpPr>
+          <p:cNvPr id="7" name="TextBox 6">
+            <a:extLst>
+              <a:ext uri="{FF2B5EF4-FFF2-40B4-BE49-F238E27FC236}">
+                <a16:creationId xmlns:a16="http://schemas.microsoft.com/office/drawing/2014/main" id="{CC86D852-FF78-F56B-3D83-6A37E0336D58}"/>
+              </a:ext>
+            </a:extLst>
+          </p:cNvPr>
+          <p:cNvSpPr txBox="1"/>
+          <p:nvPr/>
+        </p:nvSpPr>
+        <p:spPr>
+          <a:xfrm>
+            <a:off x="942387" y="1190024"/>
+            <a:ext cx="8553305" cy="369332"/>
+          </a:xfrm>
+          <a:prstGeom prst="rect">
+            <a:avLst/>
+          </a:prstGeom>
+          <a:noFill/>
+        </p:spPr>
+        <p:txBody>
+          <a:bodyPr wrap="square" rtlCol="0">
+            <a:spAutoFit/>
+          </a:bodyPr>
+          <a:lstStyle/>
+          <a:p>
+            <a:r>
+              <a:rPr lang="ko-KR" altLang="en-US" dirty="0">
+                <a:latin typeface="나눔스퀘어 Light" panose="020B0600000101010101" pitchFamily="50" charset="-127"/>
+                <a:ea typeface="나눔스퀘어 Light" panose="020B0600000101010101" pitchFamily="50" charset="-127"/>
+              </a:rPr>
+              <a:t>트리 모양이 생기는 규칙을 찾으면 좀 더 수월해짐</a:t>
+            </a:r>
+          </a:p>
+        </p:txBody>
+      </p:sp>
+      <p:cxnSp>
+        <p:nvCxnSpPr>
+          <p:cNvPr id="12" name="직선 화살표 연결선 11">
+            <a:extLst>
+              <a:ext uri="{FF2B5EF4-FFF2-40B4-BE49-F238E27FC236}">
+                <a16:creationId xmlns:a16="http://schemas.microsoft.com/office/drawing/2014/main" id="{D3DCC54A-77C9-48A3-F89E-8A4044BF7619}"/>
+              </a:ext>
+            </a:extLst>
+          </p:cNvPr>
+          <p:cNvCxnSpPr>
+            <a:cxnSpLocks/>
+          </p:cNvCxnSpPr>
+          <p:nvPr/>
+        </p:nvCxnSpPr>
+        <p:spPr>
+          <a:xfrm>
+            <a:off x="331694" y="2262513"/>
+            <a:ext cx="5588339" cy="0"/>
+          </a:xfrm>
+          <a:prstGeom prst="straightConnector1">
+            <a:avLst/>
+          </a:prstGeom>
+          <a:ln w="19050">
+            <a:solidFill>
+              <a:srgbClr val="404040"/>
+            </a:solidFill>
+            <a:tailEnd type="triangle"/>
+          </a:ln>
+        </p:spPr>
+        <p:style>
+          <a:lnRef idx="1">
+            <a:schemeClr val="accent1"/>
+          </a:lnRef>
+          <a:fillRef idx="0">
+            <a:schemeClr val="accent1"/>
+          </a:fillRef>
+          <a:effectRef idx="0">
+            <a:schemeClr val="accent1"/>
+          </a:effectRef>
+          <a:fontRef idx="minor">
+            <a:schemeClr val="tx1"/>
+          </a:fontRef>
+        </p:style>
+      </p:cxnSp>
+      <p:sp>
+        <p:nvSpPr>
+          <p:cNvPr id="4" name="타원 3">
+            <a:extLst>
+              <a:ext uri="{FF2B5EF4-FFF2-40B4-BE49-F238E27FC236}">
+                <a16:creationId xmlns:a16="http://schemas.microsoft.com/office/drawing/2014/main" id="{CF0A273E-577B-AA19-308E-2EAC96B5BC54}"/>
+              </a:ext>
+            </a:extLst>
+          </p:cNvPr>
+          <p:cNvSpPr/>
+          <p:nvPr/>
+        </p:nvSpPr>
+        <p:spPr>
+          <a:xfrm>
+            <a:off x="2657923" y="1861874"/>
+            <a:ext cx="801278" cy="801278"/>
+          </a:xfrm>
+          <a:prstGeom prst="ellipse">
+            <a:avLst/>
+          </a:prstGeom>
+          <a:solidFill>
+            <a:srgbClr val="FFFFFF"/>
+          </a:solidFill>
+          <a:ln w="19050">
+            <a:solidFill>
+              <a:srgbClr val="404040"/>
+            </a:solidFill>
+          </a:ln>
+        </p:spPr>
+        <p:style>
+          <a:lnRef idx="2">
+            <a:schemeClr val="accent1">
+              <a:shade val="50000"/>
+            </a:schemeClr>
+          </a:lnRef>
+          <a:fillRef idx="1">
+            <a:schemeClr val="accent1"/>
+          </a:fillRef>
+          <a:effectRef idx="0">
+            <a:schemeClr val="accent1"/>
+          </a:effectRef>
+          <a:fontRef idx="minor">
+            <a:schemeClr val="lt1"/>
+          </a:fontRef>
+        </p:style>
+        <p:txBody>
+          <a:bodyPr rtlCol="0" anchor="ctr"/>
+          <a:lstStyle/>
+          <a:p>
+            <a:pPr algn="ctr"/>
+            <a:r>
+              <a:rPr lang="en-US" altLang="ko-KR" dirty="0">
+                <a:solidFill>
+                  <a:srgbClr val="404040"/>
+                </a:solidFill>
+                <a:latin typeface="나눔스퀘어 Bold" panose="020B0600000101010101" pitchFamily="50" charset="-127"/>
+                <a:ea typeface="나눔스퀘어 Bold" panose="020B0600000101010101" pitchFamily="50" charset="-127"/>
+              </a:rPr>
+              <a:t>1/1</a:t>
+            </a:r>
+            <a:endParaRPr lang="ko-KR" altLang="en-US" dirty="0">
+              <a:solidFill>
+                <a:srgbClr val="404040"/>
+              </a:solidFill>
+              <a:latin typeface="나눔스퀘어 Bold" panose="020B0600000101010101" pitchFamily="50" charset="-127"/>
+              <a:ea typeface="나눔스퀘어 Bold" panose="020B0600000101010101" pitchFamily="50" charset="-127"/>
+            </a:endParaRPr>
+          </a:p>
+        </p:txBody>
+      </p:sp>
+      <p:sp>
+        <p:nvSpPr>
+          <p:cNvPr id="13" name="타원 12">
+            <a:extLst>
+              <a:ext uri="{FF2B5EF4-FFF2-40B4-BE49-F238E27FC236}">
+                <a16:creationId xmlns:a16="http://schemas.microsoft.com/office/drawing/2014/main" id="{90520B4D-0490-3F37-AE06-028053F57F16}"/>
+              </a:ext>
+            </a:extLst>
+          </p:cNvPr>
+          <p:cNvSpPr/>
+          <p:nvPr/>
+        </p:nvSpPr>
+        <p:spPr>
+          <a:xfrm>
+            <a:off x="1979193" y="2813981"/>
+            <a:ext cx="801278" cy="801278"/>
+          </a:xfrm>
+          <a:prstGeom prst="ellipse">
+            <a:avLst/>
+          </a:prstGeom>
+          <a:solidFill>
+            <a:srgbClr val="FFFFFF"/>
+          </a:solidFill>
+          <a:ln w="19050">
+            <a:solidFill>
+              <a:srgbClr val="404040"/>
+            </a:solidFill>
+          </a:ln>
+        </p:spPr>
+        <p:style>
+          <a:lnRef idx="2">
+            <a:schemeClr val="accent1">
+              <a:shade val="50000"/>
+            </a:schemeClr>
+          </a:lnRef>
+          <a:fillRef idx="1">
+            <a:schemeClr val="accent1"/>
+          </a:fillRef>
+          <a:effectRef idx="0">
+            <a:schemeClr val="accent1"/>
+          </a:effectRef>
+          <a:fontRef idx="minor">
+            <a:schemeClr val="lt1"/>
+          </a:fontRef>
+        </p:style>
+        <p:txBody>
+          <a:bodyPr rtlCol="0" anchor="ctr"/>
+          <a:lstStyle/>
+          <a:p>
+            <a:pPr algn="ctr"/>
+            <a:r>
+              <a:rPr lang="en-US" altLang="ko-KR" dirty="0">
+                <a:solidFill>
+                  <a:srgbClr val="404040"/>
+                </a:solidFill>
+                <a:latin typeface="나눔스퀘어 Bold" panose="020B0600000101010101" pitchFamily="50" charset="-127"/>
+                <a:ea typeface="나눔스퀘어 Bold" panose="020B0600000101010101" pitchFamily="50" charset="-127"/>
+              </a:rPr>
+              <a:t>2/1</a:t>
+            </a:r>
+            <a:endParaRPr lang="ko-KR" altLang="en-US" dirty="0">
+              <a:solidFill>
+                <a:srgbClr val="404040"/>
+              </a:solidFill>
+              <a:latin typeface="나눔스퀘어 Bold" panose="020B0600000101010101" pitchFamily="50" charset="-127"/>
+              <a:ea typeface="나눔스퀘어 Bold" panose="020B0600000101010101" pitchFamily="50" charset="-127"/>
+            </a:endParaRPr>
+          </a:p>
+        </p:txBody>
+      </p:sp>
+      <p:sp>
+        <p:nvSpPr>
+          <p:cNvPr id="14" name="타원 13">
+            <a:extLst>
+              <a:ext uri="{FF2B5EF4-FFF2-40B4-BE49-F238E27FC236}">
+                <a16:creationId xmlns:a16="http://schemas.microsoft.com/office/drawing/2014/main" id="{60F054BB-1BFB-F956-23E9-D7183E6C10DA}"/>
+              </a:ext>
+            </a:extLst>
+          </p:cNvPr>
+          <p:cNvSpPr/>
+          <p:nvPr/>
+        </p:nvSpPr>
+        <p:spPr>
+          <a:xfrm>
+            <a:off x="3355507" y="2813981"/>
+            <a:ext cx="801278" cy="801278"/>
+          </a:xfrm>
+          <a:prstGeom prst="ellipse">
+            <a:avLst/>
+          </a:prstGeom>
+          <a:solidFill>
+            <a:srgbClr val="FFFFFF"/>
+          </a:solidFill>
+          <a:ln w="19050">
+            <a:solidFill>
+              <a:srgbClr val="404040"/>
+            </a:solidFill>
+          </a:ln>
+        </p:spPr>
+        <p:style>
+          <a:lnRef idx="2">
+            <a:schemeClr val="accent1">
+              <a:shade val="50000"/>
+            </a:schemeClr>
+          </a:lnRef>
+          <a:fillRef idx="1">
+            <a:schemeClr val="accent1"/>
+          </a:fillRef>
+          <a:effectRef idx="0">
+            <a:schemeClr val="accent1"/>
+          </a:effectRef>
+          <a:fontRef idx="minor">
+            <a:schemeClr val="lt1"/>
+          </a:fontRef>
+        </p:style>
+        <p:txBody>
+          <a:bodyPr rtlCol="0" anchor="ctr"/>
+          <a:lstStyle/>
+          <a:p>
+            <a:pPr algn="ctr"/>
+            <a:r>
+              <a:rPr lang="en-US" altLang="ko-KR" dirty="0">
+                <a:solidFill>
+                  <a:srgbClr val="404040"/>
+                </a:solidFill>
+                <a:latin typeface="나눔스퀘어 Bold" panose="020B0600000101010101" pitchFamily="50" charset="-127"/>
+                <a:ea typeface="나눔스퀘어 Bold" panose="020B0600000101010101" pitchFamily="50" charset="-127"/>
+              </a:rPr>
+              <a:t>1/2</a:t>
+            </a:r>
+            <a:endParaRPr lang="ko-KR" altLang="en-US" dirty="0">
+              <a:solidFill>
+                <a:srgbClr val="404040"/>
+              </a:solidFill>
+              <a:latin typeface="나눔스퀘어 Bold" panose="020B0600000101010101" pitchFamily="50" charset="-127"/>
+              <a:ea typeface="나눔스퀘어 Bold" panose="020B0600000101010101" pitchFamily="50" charset="-127"/>
+            </a:endParaRPr>
+          </a:p>
+        </p:txBody>
+      </p:sp>
+      <p:sp>
+        <p:nvSpPr>
+          <p:cNvPr id="15" name="타원 14">
+            <a:extLst>
+              <a:ext uri="{FF2B5EF4-FFF2-40B4-BE49-F238E27FC236}">
+                <a16:creationId xmlns:a16="http://schemas.microsoft.com/office/drawing/2014/main" id="{C4C677AB-C10F-87C0-0978-7FE303D6FA22}"/>
+              </a:ext>
+            </a:extLst>
+          </p:cNvPr>
+          <p:cNvSpPr/>
+          <p:nvPr/>
+        </p:nvSpPr>
+        <p:spPr>
+          <a:xfrm>
+            <a:off x="1281609" y="3862600"/>
+            <a:ext cx="801278" cy="801278"/>
+          </a:xfrm>
+          <a:prstGeom prst="ellipse">
+            <a:avLst/>
+          </a:prstGeom>
+          <a:solidFill>
+            <a:srgbClr val="FFFFFF"/>
+          </a:solidFill>
+          <a:ln w="19050">
+            <a:solidFill>
+              <a:srgbClr val="404040"/>
+            </a:solidFill>
+          </a:ln>
+        </p:spPr>
+        <p:style>
+          <a:lnRef idx="2">
+            <a:schemeClr val="accent1">
+              <a:shade val="50000"/>
+            </a:schemeClr>
+          </a:lnRef>
+          <a:fillRef idx="1">
+            <a:schemeClr val="accent1"/>
+          </a:fillRef>
+          <a:effectRef idx="0">
+            <a:schemeClr val="accent1"/>
+          </a:effectRef>
+          <a:fontRef idx="minor">
+            <a:schemeClr val="lt1"/>
+          </a:fontRef>
+        </p:style>
+        <p:txBody>
+          <a:bodyPr rtlCol="0" anchor="ctr"/>
+          <a:lstStyle/>
+          <a:p>
+            <a:pPr algn="ctr"/>
+            <a:r>
+              <a:rPr lang="en-US" altLang="ko-KR" dirty="0">
+                <a:solidFill>
+                  <a:srgbClr val="404040"/>
+                </a:solidFill>
+                <a:latin typeface="나눔스퀘어 Bold" panose="020B0600000101010101" pitchFamily="50" charset="-127"/>
+                <a:ea typeface="나눔스퀘어 Bold" panose="020B0600000101010101" pitchFamily="50" charset="-127"/>
+              </a:rPr>
+              <a:t>3/1</a:t>
+            </a:r>
+            <a:endParaRPr lang="ko-KR" altLang="en-US" dirty="0">
+              <a:solidFill>
+                <a:srgbClr val="404040"/>
+              </a:solidFill>
+              <a:latin typeface="나눔스퀘어 Bold" panose="020B0600000101010101" pitchFamily="50" charset="-127"/>
+              <a:ea typeface="나눔스퀘어 Bold" panose="020B0600000101010101" pitchFamily="50" charset="-127"/>
+            </a:endParaRPr>
+          </a:p>
+        </p:txBody>
+      </p:sp>
+      <p:sp>
+        <p:nvSpPr>
+          <p:cNvPr id="16" name="타원 15">
+            <a:extLst>
+              <a:ext uri="{FF2B5EF4-FFF2-40B4-BE49-F238E27FC236}">
+                <a16:creationId xmlns:a16="http://schemas.microsoft.com/office/drawing/2014/main" id="{795B3DED-BC97-3418-0E49-30D96EB2D42E}"/>
+              </a:ext>
+            </a:extLst>
+          </p:cNvPr>
+          <p:cNvSpPr/>
+          <p:nvPr/>
+        </p:nvSpPr>
+        <p:spPr>
+          <a:xfrm>
+            <a:off x="2657923" y="3862600"/>
+            <a:ext cx="801278" cy="801278"/>
+          </a:xfrm>
+          <a:prstGeom prst="ellipse">
+            <a:avLst/>
+          </a:prstGeom>
+          <a:solidFill>
+            <a:srgbClr val="FFFFFF"/>
+          </a:solidFill>
+          <a:ln w="19050">
+            <a:solidFill>
+              <a:srgbClr val="404040"/>
+            </a:solidFill>
+          </a:ln>
+        </p:spPr>
+        <p:style>
+          <a:lnRef idx="2">
+            <a:schemeClr val="accent1">
+              <a:shade val="50000"/>
+            </a:schemeClr>
+          </a:lnRef>
+          <a:fillRef idx="1">
+            <a:schemeClr val="accent1"/>
+          </a:fillRef>
+          <a:effectRef idx="0">
+            <a:schemeClr val="accent1"/>
+          </a:effectRef>
+          <a:fontRef idx="minor">
+            <a:schemeClr val="lt1"/>
+          </a:fontRef>
+        </p:style>
+        <p:txBody>
+          <a:bodyPr rtlCol="0" anchor="ctr"/>
+          <a:lstStyle/>
+          <a:p>
+            <a:pPr algn="ctr"/>
+            <a:r>
+              <a:rPr lang="en-US" altLang="ko-KR" dirty="0">
+                <a:solidFill>
+                  <a:srgbClr val="404040"/>
+                </a:solidFill>
+                <a:latin typeface="나눔스퀘어 Bold" panose="020B0600000101010101" pitchFamily="50" charset="-127"/>
+                <a:ea typeface="나눔스퀘어 Bold" panose="020B0600000101010101" pitchFamily="50" charset="-127"/>
+              </a:rPr>
+              <a:t>2/2</a:t>
+            </a:r>
+            <a:endParaRPr lang="ko-KR" altLang="en-US" dirty="0">
+              <a:solidFill>
+                <a:srgbClr val="404040"/>
+              </a:solidFill>
+              <a:latin typeface="나눔스퀘어 Bold" panose="020B0600000101010101" pitchFamily="50" charset="-127"/>
+              <a:ea typeface="나눔스퀘어 Bold" panose="020B0600000101010101" pitchFamily="50" charset="-127"/>
+            </a:endParaRPr>
+          </a:p>
+        </p:txBody>
+      </p:sp>
+      <p:sp>
+        <p:nvSpPr>
+          <p:cNvPr id="17" name="타원 16">
+            <a:extLst>
+              <a:ext uri="{FF2B5EF4-FFF2-40B4-BE49-F238E27FC236}">
+                <a16:creationId xmlns:a16="http://schemas.microsoft.com/office/drawing/2014/main" id="{0CA416FD-DA6E-5EC2-D2DD-F717CFA39D09}"/>
+              </a:ext>
+            </a:extLst>
+          </p:cNvPr>
+          <p:cNvSpPr/>
+          <p:nvPr/>
+        </p:nvSpPr>
+        <p:spPr>
+          <a:xfrm>
+            <a:off x="4034237" y="3862600"/>
+            <a:ext cx="801278" cy="801278"/>
+          </a:xfrm>
+          <a:prstGeom prst="ellipse">
+            <a:avLst/>
+          </a:prstGeom>
+          <a:solidFill>
+            <a:srgbClr val="FFFFFF"/>
+          </a:solidFill>
+          <a:ln w="19050">
+            <a:solidFill>
+              <a:srgbClr val="404040"/>
+            </a:solidFill>
+          </a:ln>
+        </p:spPr>
+        <p:style>
+          <a:lnRef idx="2">
+            <a:schemeClr val="accent1">
+              <a:shade val="50000"/>
+            </a:schemeClr>
+          </a:lnRef>
+          <a:fillRef idx="1">
+            <a:schemeClr val="accent1"/>
+          </a:fillRef>
+          <a:effectRef idx="0">
+            <a:schemeClr val="accent1"/>
+          </a:effectRef>
+          <a:fontRef idx="minor">
+            <a:schemeClr val="lt1"/>
+          </a:fontRef>
+        </p:style>
+        <p:txBody>
+          <a:bodyPr rtlCol="0" anchor="ctr"/>
+          <a:lstStyle/>
+          <a:p>
+            <a:pPr algn="ctr"/>
+            <a:r>
+              <a:rPr lang="en-US" altLang="ko-KR" dirty="0">
+                <a:solidFill>
+                  <a:srgbClr val="404040"/>
+                </a:solidFill>
+                <a:latin typeface="나눔스퀘어 Bold" panose="020B0600000101010101" pitchFamily="50" charset="-127"/>
+                <a:ea typeface="나눔스퀘어 Bold" panose="020B0600000101010101" pitchFamily="50" charset="-127"/>
+              </a:rPr>
+              <a:t>1/3</a:t>
+            </a:r>
+            <a:endParaRPr lang="ko-KR" altLang="en-US" dirty="0">
+              <a:solidFill>
+                <a:srgbClr val="404040"/>
+              </a:solidFill>
+              <a:latin typeface="나눔스퀘어 Bold" panose="020B0600000101010101" pitchFamily="50" charset="-127"/>
+              <a:ea typeface="나눔스퀘어 Bold" panose="020B0600000101010101" pitchFamily="50" charset="-127"/>
+            </a:endParaRPr>
+          </a:p>
+        </p:txBody>
+      </p:sp>
+      <p:sp>
+        <p:nvSpPr>
+          <p:cNvPr id="18" name="타원 17">
+            <a:extLst>
+              <a:ext uri="{FF2B5EF4-FFF2-40B4-BE49-F238E27FC236}">
+                <a16:creationId xmlns:a16="http://schemas.microsoft.com/office/drawing/2014/main" id="{F072E768-313F-C935-74C9-992D1D3142B4}"/>
+              </a:ext>
+            </a:extLst>
+          </p:cNvPr>
+          <p:cNvSpPr/>
+          <p:nvPr/>
+        </p:nvSpPr>
+        <p:spPr>
+          <a:xfrm>
+            <a:off x="602879" y="5127889"/>
+            <a:ext cx="801278" cy="801278"/>
+          </a:xfrm>
+          <a:prstGeom prst="ellipse">
+            <a:avLst/>
+          </a:prstGeom>
+          <a:solidFill>
+            <a:srgbClr val="FFFFFF"/>
+          </a:solidFill>
+          <a:ln w="19050">
+            <a:solidFill>
+              <a:srgbClr val="404040"/>
+            </a:solidFill>
+          </a:ln>
+        </p:spPr>
+        <p:style>
+          <a:lnRef idx="2">
+            <a:schemeClr val="accent1">
+              <a:shade val="50000"/>
+            </a:schemeClr>
+          </a:lnRef>
+          <a:fillRef idx="1">
+            <a:schemeClr val="accent1"/>
+          </a:fillRef>
+          <a:effectRef idx="0">
+            <a:schemeClr val="accent1"/>
+          </a:effectRef>
+          <a:fontRef idx="minor">
+            <a:schemeClr val="lt1"/>
+          </a:fontRef>
+        </p:style>
+        <p:txBody>
+          <a:bodyPr rtlCol="0" anchor="ctr"/>
+          <a:lstStyle/>
+          <a:p>
+            <a:pPr algn="ctr"/>
+            <a:r>
+              <a:rPr lang="en-US" altLang="ko-KR" dirty="0">
+                <a:solidFill>
+                  <a:srgbClr val="404040"/>
+                </a:solidFill>
+                <a:latin typeface="나눔스퀘어 Bold" panose="020B0600000101010101" pitchFamily="50" charset="-127"/>
+                <a:ea typeface="나눔스퀘어 Bold" panose="020B0600000101010101" pitchFamily="50" charset="-127"/>
+              </a:rPr>
+              <a:t>4/1</a:t>
+            </a:r>
+            <a:endParaRPr lang="ko-KR" altLang="en-US" dirty="0">
+              <a:solidFill>
+                <a:srgbClr val="404040"/>
+              </a:solidFill>
+              <a:latin typeface="나눔스퀘어 Bold" panose="020B0600000101010101" pitchFamily="50" charset="-127"/>
+              <a:ea typeface="나눔스퀘어 Bold" panose="020B0600000101010101" pitchFamily="50" charset="-127"/>
+            </a:endParaRPr>
+          </a:p>
+        </p:txBody>
+      </p:sp>
+      <p:sp>
+        <p:nvSpPr>
+          <p:cNvPr id="19" name="타원 18">
+            <a:extLst>
+              <a:ext uri="{FF2B5EF4-FFF2-40B4-BE49-F238E27FC236}">
+                <a16:creationId xmlns:a16="http://schemas.microsoft.com/office/drawing/2014/main" id="{CFC07C0B-6DA7-28D7-0F0B-038416759F5F}"/>
+              </a:ext>
+            </a:extLst>
+          </p:cNvPr>
+          <p:cNvSpPr/>
+          <p:nvPr/>
+        </p:nvSpPr>
+        <p:spPr>
+          <a:xfrm>
+            <a:off x="1979193" y="5127889"/>
+            <a:ext cx="801278" cy="801278"/>
+          </a:xfrm>
+          <a:prstGeom prst="ellipse">
+            <a:avLst/>
+          </a:prstGeom>
+          <a:solidFill>
+            <a:srgbClr val="FFFFFF"/>
+          </a:solidFill>
+          <a:ln w="19050">
+            <a:solidFill>
+              <a:srgbClr val="404040"/>
+            </a:solidFill>
+          </a:ln>
+        </p:spPr>
+        <p:style>
+          <a:lnRef idx="2">
+            <a:schemeClr val="accent1">
+              <a:shade val="50000"/>
+            </a:schemeClr>
+          </a:lnRef>
+          <a:fillRef idx="1">
+            <a:schemeClr val="accent1"/>
+          </a:fillRef>
+          <a:effectRef idx="0">
+            <a:schemeClr val="accent1"/>
+          </a:effectRef>
+          <a:fontRef idx="minor">
+            <a:schemeClr val="lt1"/>
+          </a:fontRef>
+        </p:style>
+        <p:txBody>
+          <a:bodyPr rtlCol="0" anchor="ctr"/>
+          <a:lstStyle/>
+          <a:p>
+            <a:pPr algn="ctr"/>
+            <a:r>
+              <a:rPr lang="en-US" altLang="ko-KR" dirty="0">
+                <a:solidFill>
+                  <a:srgbClr val="404040"/>
+                </a:solidFill>
+                <a:latin typeface="나눔스퀘어 Bold" panose="020B0600000101010101" pitchFamily="50" charset="-127"/>
+                <a:ea typeface="나눔스퀘어 Bold" panose="020B0600000101010101" pitchFamily="50" charset="-127"/>
+              </a:rPr>
+              <a:t>3/2</a:t>
+            </a:r>
+            <a:endParaRPr lang="ko-KR" altLang="en-US" dirty="0">
+              <a:solidFill>
+                <a:srgbClr val="404040"/>
+              </a:solidFill>
+              <a:latin typeface="나눔스퀘어 Bold" panose="020B0600000101010101" pitchFamily="50" charset="-127"/>
+              <a:ea typeface="나눔스퀘어 Bold" panose="020B0600000101010101" pitchFamily="50" charset="-127"/>
+            </a:endParaRPr>
+          </a:p>
+        </p:txBody>
+      </p:sp>
+      <p:sp>
+        <p:nvSpPr>
+          <p:cNvPr id="20" name="타원 19">
+            <a:extLst>
+              <a:ext uri="{FF2B5EF4-FFF2-40B4-BE49-F238E27FC236}">
+                <a16:creationId xmlns:a16="http://schemas.microsoft.com/office/drawing/2014/main" id="{6B538019-638A-9E38-4EE7-29FC81A4FAAF}"/>
+              </a:ext>
+            </a:extLst>
+          </p:cNvPr>
+          <p:cNvSpPr/>
+          <p:nvPr/>
+        </p:nvSpPr>
+        <p:spPr>
+          <a:xfrm>
+            <a:off x="3355507" y="5127889"/>
+            <a:ext cx="801278" cy="801278"/>
+          </a:xfrm>
+          <a:prstGeom prst="ellipse">
+            <a:avLst/>
+          </a:prstGeom>
+          <a:solidFill>
+            <a:srgbClr val="FFFFFF"/>
+          </a:solidFill>
+          <a:ln w="19050">
+            <a:solidFill>
+              <a:srgbClr val="404040"/>
+            </a:solidFill>
+          </a:ln>
+        </p:spPr>
+        <p:style>
+          <a:lnRef idx="2">
+            <a:schemeClr val="accent1">
+              <a:shade val="50000"/>
+            </a:schemeClr>
+          </a:lnRef>
+          <a:fillRef idx="1">
+            <a:schemeClr val="accent1"/>
+          </a:fillRef>
+          <a:effectRef idx="0">
+            <a:schemeClr val="accent1"/>
+          </a:effectRef>
+          <a:fontRef idx="minor">
+            <a:schemeClr val="lt1"/>
+          </a:fontRef>
+        </p:style>
+        <p:txBody>
+          <a:bodyPr rtlCol="0" anchor="ctr"/>
+          <a:lstStyle/>
+          <a:p>
+            <a:pPr algn="ctr"/>
+            <a:r>
+              <a:rPr lang="en-US" altLang="ko-KR" dirty="0">
+                <a:solidFill>
+                  <a:srgbClr val="404040"/>
+                </a:solidFill>
+                <a:latin typeface="나눔스퀘어 Bold" panose="020B0600000101010101" pitchFamily="50" charset="-127"/>
+                <a:ea typeface="나눔스퀘어 Bold" panose="020B0600000101010101" pitchFamily="50" charset="-127"/>
+              </a:rPr>
+              <a:t>2/3</a:t>
+            </a:r>
+            <a:endParaRPr lang="ko-KR" altLang="en-US" dirty="0">
+              <a:solidFill>
+                <a:srgbClr val="404040"/>
+              </a:solidFill>
+              <a:latin typeface="나눔스퀘어 Bold" panose="020B0600000101010101" pitchFamily="50" charset="-127"/>
+              <a:ea typeface="나눔스퀘어 Bold" panose="020B0600000101010101" pitchFamily="50" charset="-127"/>
+            </a:endParaRPr>
+          </a:p>
+        </p:txBody>
+      </p:sp>
+      <p:sp>
+        <p:nvSpPr>
+          <p:cNvPr id="21" name="타원 20">
+            <a:extLst>
+              <a:ext uri="{FF2B5EF4-FFF2-40B4-BE49-F238E27FC236}">
+                <a16:creationId xmlns:a16="http://schemas.microsoft.com/office/drawing/2014/main" id="{E93AD2CE-762B-0708-DC68-4349444FF4CA}"/>
+              </a:ext>
+            </a:extLst>
+          </p:cNvPr>
+          <p:cNvSpPr/>
+          <p:nvPr/>
+        </p:nvSpPr>
+        <p:spPr>
+          <a:xfrm>
+            <a:off x="4731821" y="5127889"/>
+            <a:ext cx="801278" cy="801278"/>
+          </a:xfrm>
+          <a:prstGeom prst="ellipse">
+            <a:avLst/>
+          </a:prstGeom>
+          <a:solidFill>
+            <a:srgbClr val="FFFFFF"/>
+          </a:solidFill>
+          <a:ln w="19050">
+            <a:solidFill>
+              <a:srgbClr val="404040"/>
+            </a:solidFill>
+          </a:ln>
+        </p:spPr>
+        <p:style>
+          <a:lnRef idx="2">
+            <a:schemeClr val="accent1">
+              <a:shade val="50000"/>
+            </a:schemeClr>
+          </a:lnRef>
+          <a:fillRef idx="1">
+            <a:schemeClr val="accent1"/>
+          </a:fillRef>
+          <a:effectRef idx="0">
+            <a:schemeClr val="accent1"/>
+          </a:effectRef>
+          <a:fontRef idx="minor">
+            <a:schemeClr val="lt1"/>
+          </a:fontRef>
+        </p:style>
+        <p:txBody>
+          <a:bodyPr rtlCol="0" anchor="ctr"/>
+          <a:lstStyle/>
+          <a:p>
+            <a:pPr algn="ctr"/>
+            <a:r>
+              <a:rPr lang="en-US" altLang="ko-KR" dirty="0">
+                <a:solidFill>
+                  <a:srgbClr val="404040"/>
+                </a:solidFill>
+                <a:latin typeface="나눔스퀘어 Bold" panose="020B0600000101010101" pitchFamily="50" charset="-127"/>
+                <a:ea typeface="나눔스퀘어 Bold" panose="020B0600000101010101" pitchFamily="50" charset="-127"/>
+              </a:rPr>
+              <a:t>1/4</a:t>
+            </a:r>
+            <a:endParaRPr lang="ko-KR" altLang="en-US" dirty="0">
+              <a:solidFill>
+                <a:srgbClr val="404040"/>
+              </a:solidFill>
+              <a:latin typeface="나눔스퀘어 Bold" panose="020B0600000101010101" pitchFamily="50" charset="-127"/>
+              <a:ea typeface="나눔스퀘어 Bold" panose="020B0600000101010101" pitchFamily="50" charset="-127"/>
+            </a:endParaRPr>
+          </a:p>
+        </p:txBody>
+      </p:sp>
+      <p:sp>
+        <p:nvSpPr>
+          <p:cNvPr id="29" name="TextBox 28">
+            <a:extLst>
+              <a:ext uri="{FF2B5EF4-FFF2-40B4-BE49-F238E27FC236}">
+                <a16:creationId xmlns:a16="http://schemas.microsoft.com/office/drawing/2014/main" id="{527AD3C5-36E7-AB52-AC84-0FDA44FD1452}"/>
+              </a:ext>
+            </a:extLst>
+          </p:cNvPr>
+          <p:cNvSpPr txBox="1"/>
+          <p:nvPr/>
+        </p:nvSpPr>
+        <p:spPr>
+          <a:xfrm>
+            <a:off x="6096001" y="2077847"/>
+            <a:ext cx="587604" cy="369332"/>
+          </a:xfrm>
+          <a:prstGeom prst="rect">
+            <a:avLst/>
+          </a:prstGeom>
+          <a:noFill/>
+        </p:spPr>
+        <p:txBody>
+          <a:bodyPr wrap="square" rtlCol="0">
+            <a:spAutoFit/>
+          </a:bodyPr>
+          <a:lstStyle/>
+          <a:p>
+            <a:r>
+              <a:rPr lang="en-US" altLang="ko-KR" dirty="0">
+                <a:latin typeface="나눔스퀘어 Light" panose="020B0600000101010101" pitchFamily="50" charset="-127"/>
+                <a:ea typeface="나눔스퀘어 Light" panose="020B0600000101010101" pitchFamily="50" charset="-127"/>
+              </a:rPr>
+              <a:t>1</a:t>
+            </a:r>
+            <a:r>
+              <a:rPr lang="ko-KR" altLang="en-US" dirty="0">
+                <a:latin typeface="나눔스퀘어 Light" panose="020B0600000101010101" pitchFamily="50" charset="-127"/>
+                <a:ea typeface="나눔스퀘어 Light" panose="020B0600000101010101" pitchFamily="50" charset="-127"/>
+              </a:rPr>
+              <a:t>층</a:t>
+            </a:r>
+          </a:p>
+        </p:txBody>
+      </p:sp>
+      <p:sp>
+        <p:nvSpPr>
+          <p:cNvPr id="30" name="TextBox 29">
+            <a:extLst>
+              <a:ext uri="{FF2B5EF4-FFF2-40B4-BE49-F238E27FC236}">
+                <a16:creationId xmlns:a16="http://schemas.microsoft.com/office/drawing/2014/main" id="{37D250EB-EA15-6EE6-CB8B-6890C0FBB1B5}"/>
+              </a:ext>
+            </a:extLst>
+          </p:cNvPr>
+          <p:cNvSpPr txBox="1"/>
+          <p:nvPr/>
+        </p:nvSpPr>
+        <p:spPr>
+          <a:xfrm>
+            <a:off x="6096001" y="3029954"/>
+            <a:ext cx="587604" cy="369332"/>
+          </a:xfrm>
+          <a:prstGeom prst="rect">
+            <a:avLst/>
+          </a:prstGeom>
+          <a:noFill/>
+        </p:spPr>
+        <p:txBody>
+          <a:bodyPr wrap="square" rtlCol="0">
+            <a:spAutoFit/>
+          </a:bodyPr>
+          <a:lstStyle/>
+          <a:p>
+            <a:r>
+              <a:rPr lang="en-US" altLang="ko-KR" dirty="0">
+                <a:latin typeface="나눔스퀘어 Light" panose="020B0600000101010101" pitchFamily="50" charset="-127"/>
+                <a:ea typeface="나눔스퀘어 Light" panose="020B0600000101010101" pitchFamily="50" charset="-127"/>
+              </a:rPr>
+              <a:t>2</a:t>
+            </a:r>
+            <a:r>
+              <a:rPr lang="ko-KR" altLang="en-US" dirty="0">
+                <a:latin typeface="나눔스퀘어 Light" panose="020B0600000101010101" pitchFamily="50" charset="-127"/>
+                <a:ea typeface="나눔스퀘어 Light" panose="020B0600000101010101" pitchFamily="50" charset="-127"/>
+              </a:rPr>
+              <a:t>층</a:t>
+            </a:r>
+          </a:p>
+        </p:txBody>
+      </p:sp>
+      <p:sp>
+        <p:nvSpPr>
+          <p:cNvPr id="31" name="TextBox 30">
+            <a:extLst>
+              <a:ext uri="{FF2B5EF4-FFF2-40B4-BE49-F238E27FC236}">
+                <a16:creationId xmlns:a16="http://schemas.microsoft.com/office/drawing/2014/main" id="{AE365529-DC76-F909-3ECC-1989E7607554}"/>
+              </a:ext>
+            </a:extLst>
+          </p:cNvPr>
+          <p:cNvSpPr txBox="1"/>
+          <p:nvPr/>
+        </p:nvSpPr>
+        <p:spPr>
+          <a:xfrm>
+            <a:off x="6096001" y="4076330"/>
+            <a:ext cx="587604" cy="369332"/>
+          </a:xfrm>
+          <a:prstGeom prst="rect">
+            <a:avLst/>
+          </a:prstGeom>
+          <a:noFill/>
+        </p:spPr>
+        <p:txBody>
+          <a:bodyPr wrap="square" rtlCol="0">
+            <a:spAutoFit/>
+          </a:bodyPr>
+          <a:lstStyle/>
+          <a:p>
+            <a:r>
+              <a:rPr lang="en-US" altLang="ko-KR" dirty="0">
+                <a:latin typeface="나눔스퀘어 Light" panose="020B0600000101010101" pitchFamily="50" charset="-127"/>
+                <a:ea typeface="나눔스퀘어 Light" panose="020B0600000101010101" pitchFamily="50" charset="-127"/>
+              </a:rPr>
+              <a:t>3</a:t>
+            </a:r>
+            <a:r>
+              <a:rPr lang="ko-KR" altLang="en-US" dirty="0">
+                <a:latin typeface="나눔스퀘어 Light" panose="020B0600000101010101" pitchFamily="50" charset="-127"/>
+                <a:ea typeface="나눔스퀘어 Light" panose="020B0600000101010101" pitchFamily="50" charset="-127"/>
+              </a:rPr>
+              <a:t>층</a:t>
+            </a:r>
+          </a:p>
+        </p:txBody>
+      </p:sp>
+      <p:sp>
+        <p:nvSpPr>
+          <p:cNvPr id="32" name="TextBox 31">
+            <a:extLst>
+              <a:ext uri="{FF2B5EF4-FFF2-40B4-BE49-F238E27FC236}">
+                <a16:creationId xmlns:a16="http://schemas.microsoft.com/office/drawing/2014/main" id="{9C254807-5086-DAD8-45E2-21E3530FE607}"/>
+              </a:ext>
+            </a:extLst>
+          </p:cNvPr>
+          <p:cNvSpPr txBox="1"/>
+          <p:nvPr/>
+        </p:nvSpPr>
+        <p:spPr>
+          <a:xfrm>
+            <a:off x="6096001" y="5320668"/>
+            <a:ext cx="587604" cy="369332"/>
+          </a:xfrm>
+          <a:prstGeom prst="rect">
+            <a:avLst/>
+          </a:prstGeom>
+          <a:noFill/>
+        </p:spPr>
+        <p:txBody>
+          <a:bodyPr wrap="square" rtlCol="0">
+            <a:spAutoFit/>
+          </a:bodyPr>
+          <a:lstStyle/>
+          <a:p>
+            <a:r>
+              <a:rPr lang="en-US" altLang="ko-KR" dirty="0">
+                <a:latin typeface="나눔스퀘어 Light" panose="020B0600000101010101" pitchFamily="50" charset="-127"/>
+                <a:ea typeface="나눔스퀘어 Light" panose="020B0600000101010101" pitchFamily="50" charset="-127"/>
+              </a:rPr>
+              <a:t>4</a:t>
+            </a:r>
+            <a:r>
+              <a:rPr lang="ko-KR" altLang="en-US" dirty="0">
+                <a:latin typeface="나눔스퀘어 Light" panose="020B0600000101010101" pitchFamily="50" charset="-127"/>
+                <a:ea typeface="나눔스퀘어 Light" panose="020B0600000101010101" pitchFamily="50" charset="-127"/>
+              </a:rPr>
+              <a:t>층</a:t>
+            </a:r>
+          </a:p>
+        </p:txBody>
+      </p:sp>
+      <p:sp>
+        <p:nvSpPr>
+          <p:cNvPr id="33" name="TextBox 32">
+            <a:extLst>
+              <a:ext uri="{FF2B5EF4-FFF2-40B4-BE49-F238E27FC236}">
+                <a16:creationId xmlns:a16="http://schemas.microsoft.com/office/drawing/2014/main" id="{7DF1B16F-287B-A68E-83F3-BE5220ECDEC3}"/>
+              </a:ext>
+            </a:extLst>
+          </p:cNvPr>
+          <p:cNvSpPr txBox="1"/>
+          <p:nvPr/>
+        </p:nvSpPr>
+        <p:spPr>
+          <a:xfrm>
+            <a:off x="2379832" y="1841266"/>
+            <a:ext cx="381786" cy="369594"/>
+          </a:xfrm>
+          <a:prstGeom prst="rect">
+            <a:avLst/>
+          </a:prstGeom>
+          <a:noFill/>
+        </p:spPr>
+        <p:txBody>
+          <a:bodyPr wrap="square" rtlCol="0">
+            <a:spAutoFit/>
+          </a:bodyPr>
+          <a:lstStyle/>
+          <a:p>
+            <a:pPr algn="ctr"/>
+            <a:r>
+              <a:rPr lang="en-US" altLang="ko-KR" dirty="0">
+                <a:solidFill>
+                  <a:srgbClr val="FF0000"/>
+                </a:solidFill>
+                <a:latin typeface="나눔스퀘어 Bold" panose="020B0600000101010101" pitchFamily="50" charset="-127"/>
+                <a:ea typeface="나눔스퀘어 Bold" panose="020B0600000101010101" pitchFamily="50" charset="-127"/>
+              </a:rPr>
+              <a:t>1</a:t>
+            </a:r>
+            <a:endParaRPr lang="ko-KR" altLang="en-US" dirty="0">
+              <a:solidFill>
+                <a:srgbClr val="FF0000"/>
+              </a:solidFill>
+              <a:latin typeface="나눔스퀘어 Bold" panose="020B0600000101010101" pitchFamily="50" charset="-127"/>
+              <a:ea typeface="나눔스퀘어 Bold" panose="020B0600000101010101" pitchFamily="50" charset="-127"/>
+            </a:endParaRPr>
+          </a:p>
+        </p:txBody>
+      </p:sp>
+      <p:sp>
+        <p:nvSpPr>
+          <p:cNvPr id="35" name="TextBox 34">
+            <a:extLst>
+              <a:ext uri="{FF2B5EF4-FFF2-40B4-BE49-F238E27FC236}">
+                <a16:creationId xmlns:a16="http://schemas.microsoft.com/office/drawing/2014/main" id="{491E285D-7A5F-60B6-F780-A0B4803DA002}"/>
+              </a:ext>
+            </a:extLst>
+          </p:cNvPr>
+          <p:cNvSpPr txBox="1"/>
+          <p:nvPr/>
+        </p:nvSpPr>
+        <p:spPr>
+          <a:xfrm>
+            <a:off x="1682248" y="2810911"/>
+            <a:ext cx="381786" cy="369594"/>
+          </a:xfrm>
+          <a:prstGeom prst="rect">
+            <a:avLst/>
+          </a:prstGeom>
+          <a:noFill/>
+        </p:spPr>
+        <p:txBody>
+          <a:bodyPr wrap="square" rtlCol="0">
+            <a:spAutoFit/>
+          </a:bodyPr>
+          <a:lstStyle/>
+          <a:p>
+            <a:pPr algn="ctr"/>
+            <a:r>
+              <a:rPr lang="en-US" altLang="ko-KR" dirty="0">
+                <a:solidFill>
+                  <a:srgbClr val="FF0000"/>
+                </a:solidFill>
+                <a:latin typeface="나눔스퀘어 Bold" panose="020B0600000101010101" pitchFamily="50" charset="-127"/>
+                <a:ea typeface="나눔스퀘어 Bold" panose="020B0600000101010101" pitchFamily="50" charset="-127"/>
+              </a:rPr>
+              <a:t>3</a:t>
+            </a:r>
+            <a:endParaRPr lang="ko-KR" altLang="en-US" dirty="0">
+              <a:solidFill>
+                <a:srgbClr val="FF0000"/>
+              </a:solidFill>
+              <a:latin typeface="나눔스퀘어 Bold" panose="020B0600000101010101" pitchFamily="50" charset="-127"/>
+              <a:ea typeface="나눔스퀘어 Bold" panose="020B0600000101010101" pitchFamily="50" charset="-127"/>
+            </a:endParaRPr>
+          </a:p>
+        </p:txBody>
+      </p:sp>
+      <p:sp>
+        <p:nvSpPr>
+          <p:cNvPr id="36" name="TextBox 35">
+            <a:extLst>
+              <a:ext uri="{FF2B5EF4-FFF2-40B4-BE49-F238E27FC236}">
+                <a16:creationId xmlns:a16="http://schemas.microsoft.com/office/drawing/2014/main" id="{F9CA04E2-0509-88A1-AF56-1E664BA9211B}"/>
+              </a:ext>
+            </a:extLst>
+          </p:cNvPr>
+          <p:cNvSpPr txBox="1"/>
+          <p:nvPr/>
+        </p:nvSpPr>
+        <p:spPr>
+          <a:xfrm>
+            <a:off x="3089416" y="2810911"/>
+            <a:ext cx="381786" cy="369594"/>
+          </a:xfrm>
+          <a:prstGeom prst="rect">
+            <a:avLst/>
+          </a:prstGeom>
+          <a:noFill/>
+        </p:spPr>
+        <p:txBody>
+          <a:bodyPr wrap="square" rtlCol="0">
+            <a:spAutoFit/>
+          </a:bodyPr>
+          <a:lstStyle/>
+          <a:p>
+            <a:pPr algn="ctr"/>
+            <a:r>
+              <a:rPr lang="en-US" altLang="ko-KR" dirty="0">
+                <a:solidFill>
+                  <a:srgbClr val="FF0000"/>
+                </a:solidFill>
+                <a:latin typeface="나눔스퀘어 Bold" panose="020B0600000101010101" pitchFamily="50" charset="-127"/>
+                <a:ea typeface="나눔스퀘어 Bold" panose="020B0600000101010101" pitchFamily="50" charset="-127"/>
+              </a:rPr>
+              <a:t>2</a:t>
+            </a:r>
+            <a:endParaRPr lang="ko-KR" altLang="en-US" dirty="0">
+              <a:solidFill>
+                <a:srgbClr val="FF0000"/>
+              </a:solidFill>
+              <a:latin typeface="나눔스퀘어 Bold" panose="020B0600000101010101" pitchFamily="50" charset="-127"/>
+              <a:ea typeface="나눔스퀘어 Bold" panose="020B0600000101010101" pitchFamily="50" charset="-127"/>
+            </a:endParaRPr>
+          </a:p>
+        </p:txBody>
+      </p:sp>
+      <p:sp>
+        <p:nvSpPr>
+          <p:cNvPr id="37" name="TextBox 36">
+            <a:extLst>
+              <a:ext uri="{FF2B5EF4-FFF2-40B4-BE49-F238E27FC236}">
+                <a16:creationId xmlns:a16="http://schemas.microsoft.com/office/drawing/2014/main" id="{5C1A5F21-AF5A-E001-AF4D-1F0971F7AE04}"/>
+              </a:ext>
+            </a:extLst>
+          </p:cNvPr>
+          <p:cNvSpPr txBox="1"/>
+          <p:nvPr/>
+        </p:nvSpPr>
+        <p:spPr>
+          <a:xfrm>
+            <a:off x="1002732" y="3877001"/>
+            <a:ext cx="381786" cy="369594"/>
+          </a:xfrm>
+          <a:prstGeom prst="rect">
+            <a:avLst/>
+          </a:prstGeom>
+          <a:noFill/>
+        </p:spPr>
+        <p:txBody>
+          <a:bodyPr wrap="square" rtlCol="0">
+            <a:spAutoFit/>
+          </a:bodyPr>
+          <a:lstStyle/>
+          <a:p>
+            <a:pPr algn="ctr"/>
+            <a:r>
+              <a:rPr lang="en-US" altLang="ko-KR" dirty="0">
+                <a:solidFill>
+                  <a:srgbClr val="FF0000"/>
+                </a:solidFill>
+                <a:latin typeface="나눔스퀘어 Bold" panose="020B0600000101010101" pitchFamily="50" charset="-127"/>
+                <a:ea typeface="나눔스퀘어 Bold" panose="020B0600000101010101" pitchFamily="50" charset="-127"/>
+              </a:rPr>
+              <a:t>4</a:t>
+            </a:r>
+            <a:endParaRPr lang="ko-KR" altLang="en-US" dirty="0">
+              <a:solidFill>
+                <a:srgbClr val="FF0000"/>
+              </a:solidFill>
+              <a:latin typeface="나눔스퀘어 Bold" panose="020B0600000101010101" pitchFamily="50" charset="-127"/>
+              <a:ea typeface="나눔스퀘어 Bold" panose="020B0600000101010101" pitchFamily="50" charset="-127"/>
+            </a:endParaRPr>
+          </a:p>
+        </p:txBody>
+      </p:sp>
+      <p:sp>
+        <p:nvSpPr>
+          <p:cNvPr id="38" name="TextBox 37">
+            <a:extLst>
+              <a:ext uri="{FF2B5EF4-FFF2-40B4-BE49-F238E27FC236}">
+                <a16:creationId xmlns:a16="http://schemas.microsoft.com/office/drawing/2014/main" id="{3D08BC87-55C4-307D-64F0-02914975A512}"/>
+              </a:ext>
+            </a:extLst>
+          </p:cNvPr>
+          <p:cNvSpPr txBox="1"/>
+          <p:nvPr/>
+        </p:nvSpPr>
+        <p:spPr>
+          <a:xfrm>
+            <a:off x="2372675" y="3877001"/>
+            <a:ext cx="381786" cy="369594"/>
+          </a:xfrm>
+          <a:prstGeom prst="rect">
+            <a:avLst/>
+          </a:prstGeom>
+          <a:noFill/>
+        </p:spPr>
+        <p:txBody>
+          <a:bodyPr wrap="square" rtlCol="0">
+            <a:spAutoFit/>
+          </a:bodyPr>
+          <a:lstStyle/>
+          <a:p>
+            <a:pPr algn="ctr"/>
+            <a:r>
+              <a:rPr lang="en-US" altLang="ko-KR" dirty="0">
+                <a:solidFill>
+                  <a:srgbClr val="FF0000"/>
+                </a:solidFill>
+                <a:latin typeface="나눔스퀘어 Bold" panose="020B0600000101010101" pitchFamily="50" charset="-127"/>
+                <a:ea typeface="나눔스퀘어 Bold" panose="020B0600000101010101" pitchFamily="50" charset="-127"/>
+              </a:rPr>
+              <a:t>5</a:t>
+            </a:r>
+            <a:endParaRPr lang="ko-KR" altLang="en-US" dirty="0">
+              <a:solidFill>
+                <a:srgbClr val="FF0000"/>
+              </a:solidFill>
+              <a:latin typeface="나눔스퀘어 Bold" panose="020B0600000101010101" pitchFamily="50" charset="-127"/>
+              <a:ea typeface="나눔스퀘어 Bold" panose="020B0600000101010101" pitchFamily="50" charset="-127"/>
+            </a:endParaRPr>
+          </a:p>
+        </p:txBody>
+      </p:sp>
+      <p:sp>
+        <p:nvSpPr>
+          <p:cNvPr id="39" name="TextBox 38">
+            <a:extLst>
+              <a:ext uri="{FF2B5EF4-FFF2-40B4-BE49-F238E27FC236}">
+                <a16:creationId xmlns:a16="http://schemas.microsoft.com/office/drawing/2014/main" id="{87CA78E6-C765-4967-91B6-75695FD7FF87}"/>
+              </a:ext>
+            </a:extLst>
+          </p:cNvPr>
+          <p:cNvSpPr txBox="1"/>
+          <p:nvPr/>
+        </p:nvSpPr>
+        <p:spPr>
+          <a:xfrm>
+            <a:off x="3740521" y="3877001"/>
+            <a:ext cx="381786" cy="369594"/>
+          </a:xfrm>
+          <a:prstGeom prst="rect">
+            <a:avLst/>
+          </a:prstGeom>
+          <a:noFill/>
+        </p:spPr>
+        <p:txBody>
+          <a:bodyPr wrap="square" rtlCol="0">
+            <a:spAutoFit/>
+          </a:bodyPr>
+          <a:lstStyle/>
+          <a:p>
+            <a:pPr algn="ctr"/>
+            <a:r>
+              <a:rPr lang="en-US" altLang="ko-KR" dirty="0">
+                <a:solidFill>
+                  <a:srgbClr val="FF0000"/>
+                </a:solidFill>
+                <a:latin typeface="나눔스퀘어 Bold" panose="020B0600000101010101" pitchFamily="50" charset="-127"/>
+                <a:ea typeface="나눔스퀘어 Bold" panose="020B0600000101010101" pitchFamily="50" charset="-127"/>
+              </a:rPr>
+              <a:t>6</a:t>
+            </a:r>
+            <a:endParaRPr lang="ko-KR" altLang="en-US" dirty="0">
+              <a:solidFill>
+                <a:srgbClr val="FF0000"/>
+              </a:solidFill>
+              <a:latin typeface="나눔스퀘어 Bold" panose="020B0600000101010101" pitchFamily="50" charset="-127"/>
+              <a:ea typeface="나눔스퀘어 Bold" panose="020B0600000101010101" pitchFamily="50" charset="-127"/>
+            </a:endParaRPr>
+          </a:p>
+        </p:txBody>
+      </p:sp>
+      <p:sp>
+        <p:nvSpPr>
+          <p:cNvPr id="40" name="TextBox 39">
+            <a:extLst>
+              <a:ext uri="{FF2B5EF4-FFF2-40B4-BE49-F238E27FC236}">
+                <a16:creationId xmlns:a16="http://schemas.microsoft.com/office/drawing/2014/main" id="{141B4E45-2364-18C4-C5CF-FDB08A772C25}"/>
+              </a:ext>
+            </a:extLst>
+          </p:cNvPr>
+          <p:cNvSpPr txBox="1"/>
+          <p:nvPr/>
+        </p:nvSpPr>
+        <p:spPr>
+          <a:xfrm>
+            <a:off x="4476679" y="5147035"/>
+            <a:ext cx="335886" cy="369332"/>
+          </a:xfrm>
+          <a:prstGeom prst="rect">
+            <a:avLst/>
+          </a:prstGeom>
+          <a:noFill/>
+        </p:spPr>
+        <p:txBody>
+          <a:bodyPr wrap="square" rtlCol="0">
+            <a:spAutoFit/>
+          </a:bodyPr>
+          <a:lstStyle/>
+          <a:p>
+            <a:pPr algn="ctr"/>
+            <a:r>
+              <a:rPr lang="en-US" altLang="ko-KR" dirty="0">
+                <a:solidFill>
+                  <a:srgbClr val="FF0000"/>
+                </a:solidFill>
+                <a:latin typeface="나눔스퀘어 Bold" panose="020B0600000101010101" pitchFamily="50" charset="-127"/>
+                <a:ea typeface="나눔스퀘어 Bold" panose="020B0600000101010101" pitchFamily="50" charset="-127"/>
+              </a:rPr>
+              <a:t>7</a:t>
+            </a:r>
+            <a:endParaRPr lang="ko-KR" altLang="en-US" dirty="0">
+              <a:solidFill>
+                <a:srgbClr val="FF0000"/>
+              </a:solidFill>
+              <a:latin typeface="나눔스퀘어 Bold" panose="020B0600000101010101" pitchFamily="50" charset="-127"/>
+              <a:ea typeface="나눔스퀘어 Bold" panose="020B0600000101010101" pitchFamily="50" charset="-127"/>
+            </a:endParaRPr>
+          </a:p>
+        </p:txBody>
+      </p:sp>
+      <p:sp>
+        <p:nvSpPr>
+          <p:cNvPr id="41" name="TextBox 40">
+            <a:extLst>
+              <a:ext uri="{FF2B5EF4-FFF2-40B4-BE49-F238E27FC236}">
+                <a16:creationId xmlns:a16="http://schemas.microsoft.com/office/drawing/2014/main" id="{127578E7-AD38-5703-10FB-FBCE80844EE9}"/>
+              </a:ext>
+            </a:extLst>
+          </p:cNvPr>
+          <p:cNvSpPr txBox="1"/>
+          <p:nvPr/>
+        </p:nvSpPr>
+        <p:spPr>
+          <a:xfrm>
+            <a:off x="3089416" y="5147035"/>
+            <a:ext cx="335886" cy="369332"/>
+          </a:xfrm>
+          <a:prstGeom prst="rect">
+            <a:avLst/>
+          </a:prstGeom>
+          <a:noFill/>
+        </p:spPr>
+        <p:txBody>
+          <a:bodyPr wrap="square" rtlCol="0">
+            <a:spAutoFit/>
+          </a:bodyPr>
+          <a:lstStyle/>
+          <a:p>
+            <a:pPr algn="ctr"/>
+            <a:r>
+              <a:rPr lang="en-US" altLang="ko-KR" dirty="0">
+                <a:solidFill>
+                  <a:srgbClr val="FF0000"/>
+                </a:solidFill>
+                <a:latin typeface="나눔스퀘어 Bold" panose="020B0600000101010101" pitchFamily="50" charset="-127"/>
+                <a:ea typeface="나눔스퀘어 Bold" panose="020B0600000101010101" pitchFamily="50" charset="-127"/>
+              </a:rPr>
+              <a:t>8</a:t>
+            </a:r>
+            <a:endParaRPr lang="ko-KR" altLang="en-US" dirty="0">
+              <a:solidFill>
+                <a:srgbClr val="FF0000"/>
+              </a:solidFill>
+              <a:latin typeface="나눔스퀘어 Bold" panose="020B0600000101010101" pitchFamily="50" charset="-127"/>
+              <a:ea typeface="나눔스퀘어 Bold" panose="020B0600000101010101" pitchFamily="50" charset="-127"/>
+            </a:endParaRPr>
+          </a:p>
+        </p:txBody>
+      </p:sp>
+      <p:sp>
+        <p:nvSpPr>
+          <p:cNvPr id="42" name="TextBox 41">
+            <a:extLst>
+              <a:ext uri="{FF2B5EF4-FFF2-40B4-BE49-F238E27FC236}">
+                <a16:creationId xmlns:a16="http://schemas.microsoft.com/office/drawing/2014/main" id="{2F958772-2D74-C33D-E8E3-D8F1A8BE0032}"/>
+              </a:ext>
+            </a:extLst>
+          </p:cNvPr>
+          <p:cNvSpPr txBox="1"/>
+          <p:nvPr/>
+        </p:nvSpPr>
+        <p:spPr>
+          <a:xfrm>
+            <a:off x="1713102" y="5147035"/>
+            <a:ext cx="335886" cy="369332"/>
+          </a:xfrm>
+          <a:prstGeom prst="rect">
+            <a:avLst/>
+          </a:prstGeom>
+          <a:noFill/>
+        </p:spPr>
+        <p:txBody>
+          <a:bodyPr wrap="square" rtlCol="0">
+            <a:spAutoFit/>
+          </a:bodyPr>
+          <a:lstStyle/>
+          <a:p>
+            <a:pPr algn="ctr"/>
+            <a:r>
+              <a:rPr lang="en-US" altLang="ko-KR" dirty="0">
+                <a:solidFill>
+                  <a:srgbClr val="FF0000"/>
+                </a:solidFill>
+                <a:latin typeface="나눔스퀘어 Bold" panose="020B0600000101010101" pitchFamily="50" charset="-127"/>
+                <a:ea typeface="나눔스퀘어 Bold" panose="020B0600000101010101" pitchFamily="50" charset="-127"/>
+              </a:rPr>
+              <a:t>9</a:t>
+            </a:r>
+            <a:endParaRPr lang="ko-KR" altLang="en-US" dirty="0">
+              <a:solidFill>
+                <a:srgbClr val="FF0000"/>
+              </a:solidFill>
+              <a:latin typeface="나눔스퀘어 Bold" panose="020B0600000101010101" pitchFamily="50" charset="-127"/>
+              <a:ea typeface="나눔스퀘어 Bold" panose="020B0600000101010101" pitchFamily="50" charset="-127"/>
+            </a:endParaRPr>
+          </a:p>
+        </p:txBody>
+      </p:sp>
+      <p:sp>
+        <p:nvSpPr>
+          <p:cNvPr id="43" name="TextBox 42">
+            <a:extLst>
+              <a:ext uri="{FF2B5EF4-FFF2-40B4-BE49-F238E27FC236}">
+                <a16:creationId xmlns:a16="http://schemas.microsoft.com/office/drawing/2014/main" id="{E317F477-D503-C706-6AE7-D2FD6C7AC1DC}"/>
+              </a:ext>
+            </a:extLst>
+          </p:cNvPr>
+          <p:cNvSpPr txBox="1"/>
+          <p:nvPr/>
+        </p:nvSpPr>
+        <p:spPr>
+          <a:xfrm>
+            <a:off x="215945" y="5147035"/>
+            <a:ext cx="466893" cy="369332"/>
+          </a:xfrm>
+          <a:prstGeom prst="rect">
+            <a:avLst/>
+          </a:prstGeom>
+          <a:noFill/>
+        </p:spPr>
+        <p:txBody>
+          <a:bodyPr wrap="square" rtlCol="0">
+            <a:spAutoFit/>
+          </a:bodyPr>
+          <a:lstStyle/>
+          <a:p>
+            <a:pPr algn="ctr"/>
+            <a:r>
+              <a:rPr lang="en-US" altLang="ko-KR" dirty="0">
+                <a:solidFill>
+                  <a:srgbClr val="FF0000"/>
+                </a:solidFill>
+                <a:latin typeface="나눔스퀘어 Bold" panose="020B0600000101010101" pitchFamily="50" charset="-127"/>
+                <a:ea typeface="나눔스퀘어 Bold" panose="020B0600000101010101" pitchFamily="50" charset="-127"/>
+              </a:rPr>
+              <a:t>10</a:t>
+            </a:r>
+            <a:endParaRPr lang="ko-KR" altLang="en-US" dirty="0">
+              <a:solidFill>
+                <a:srgbClr val="FF0000"/>
+              </a:solidFill>
+              <a:latin typeface="나눔스퀘어 Bold" panose="020B0600000101010101" pitchFamily="50" charset="-127"/>
+              <a:ea typeface="나눔스퀘어 Bold" panose="020B0600000101010101" pitchFamily="50" charset="-127"/>
+            </a:endParaRPr>
+          </a:p>
+        </p:txBody>
+      </p:sp>
+      <p:sp>
+        <p:nvSpPr>
+          <p:cNvPr id="45" name="TextBox 44">
+            <a:extLst>
+              <a:ext uri="{FF2B5EF4-FFF2-40B4-BE49-F238E27FC236}">
+                <a16:creationId xmlns:a16="http://schemas.microsoft.com/office/drawing/2014/main" id="{0883F932-D35E-A20F-683F-DC131849517D}"/>
+              </a:ext>
+            </a:extLst>
+          </p:cNvPr>
+          <p:cNvSpPr txBox="1"/>
+          <p:nvPr/>
+        </p:nvSpPr>
+        <p:spPr>
+          <a:xfrm>
+            <a:off x="8035217" y="2583496"/>
+            <a:ext cx="4848520" cy="369332"/>
+          </a:xfrm>
+          <a:prstGeom prst="rect">
+            <a:avLst/>
+          </a:prstGeom>
+          <a:noFill/>
+        </p:spPr>
+        <p:txBody>
+          <a:bodyPr wrap="square" rtlCol="0">
+            <a:spAutoFit/>
+          </a:bodyPr>
+          <a:lstStyle/>
+          <a:p>
+            <a:r>
+              <a:rPr lang="en-US" altLang="ko-KR" dirty="0">
+                <a:latin typeface="나눔스퀘어 Light" panose="020B0600000101010101" pitchFamily="50" charset="-127"/>
+                <a:ea typeface="나눔스퀘어 Light" panose="020B0600000101010101" pitchFamily="50" charset="-127"/>
+              </a:rPr>
+              <a:t>N</a:t>
+            </a:r>
+            <a:r>
+              <a:rPr lang="ko-KR" altLang="en-US" dirty="0">
+                <a:latin typeface="나눔스퀘어 Light" panose="020B0600000101010101" pitchFamily="50" charset="-127"/>
+                <a:ea typeface="나눔스퀘어 Light" panose="020B0600000101010101" pitchFamily="50" charset="-127"/>
+              </a:rPr>
+              <a:t>층에는 </a:t>
+            </a:r>
+            <a:r>
+              <a:rPr lang="en-US" altLang="ko-KR" dirty="0">
+                <a:latin typeface="나눔스퀘어 Light" panose="020B0600000101010101" pitchFamily="50" charset="-127"/>
+                <a:ea typeface="나눔스퀘어 Light" panose="020B0600000101010101" pitchFamily="50" charset="-127"/>
+              </a:rPr>
+              <a:t>N</a:t>
+            </a:r>
+            <a:r>
+              <a:rPr lang="ko-KR" altLang="en-US" dirty="0">
+                <a:latin typeface="나눔스퀘어 Light" panose="020B0600000101010101" pitchFamily="50" charset="-127"/>
+                <a:ea typeface="나눔스퀘어 Light" panose="020B0600000101010101" pitchFamily="50" charset="-127"/>
+              </a:rPr>
+              <a:t>개의 정점들이 존재함</a:t>
+            </a:r>
+          </a:p>
+        </p:txBody>
+      </p:sp>
+      <p:sp>
+        <p:nvSpPr>
+          <p:cNvPr id="46" name="TextBox 45">
+            <a:extLst>
+              <a:ext uri="{FF2B5EF4-FFF2-40B4-BE49-F238E27FC236}">
+                <a16:creationId xmlns:a16="http://schemas.microsoft.com/office/drawing/2014/main" id="{22231B7B-11FC-E046-C920-C4DCF16742E0}"/>
+              </a:ext>
+            </a:extLst>
+          </p:cNvPr>
+          <p:cNvSpPr txBox="1"/>
+          <p:nvPr/>
+        </p:nvSpPr>
+        <p:spPr>
+          <a:xfrm>
+            <a:off x="8035217" y="2019553"/>
+            <a:ext cx="4848520" cy="369332"/>
+          </a:xfrm>
+          <a:prstGeom prst="rect">
+            <a:avLst/>
+          </a:prstGeom>
+          <a:noFill/>
+        </p:spPr>
+        <p:txBody>
+          <a:bodyPr wrap="square" rtlCol="0">
+            <a:spAutoFit/>
+          </a:bodyPr>
+          <a:lstStyle/>
+          <a:p>
+            <a:pPr algn="ctr"/>
+            <a:r>
+              <a:rPr lang="ko-KR" altLang="en-US" dirty="0">
+                <a:latin typeface="나눔스퀘어 Light" panose="020B0600000101010101" pitchFamily="50" charset="-127"/>
+                <a:ea typeface="나눔스퀘어 Light" panose="020B0600000101010101" pitchFamily="50" charset="-127"/>
+              </a:rPr>
+              <a:t>알아낸 규칙</a:t>
+            </a:r>
+            <a:r>
+              <a:rPr lang="en-US" altLang="ko-KR" dirty="0">
+                <a:latin typeface="나눔스퀘어 Light" panose="020B0600000101010101" pitchFamily="50" charset="-127"/>
+                <a:ea typeface="나눔스퀘어 Light" panose="020B0600000101010101" pitchFamily="50" charset="-127"/>
+              </a:rPr>
+              <a:t>?</a:t>
+            </a:r>
+            <a:endParaRPr lang="ko-KR" altLang="en-US" dirty="0">
+              <a:latin typeface="나눔스퀘어 Light" panose="020B0600000101010101" pitchFamily="50" charset="-127"/>
+              <a:ea typeface="나눔스퀘어 Light" panose="020B0600000101010101" pitchFamily="50" charset="-127"/>
+            </a:endParaRPr>
+          </a:p>
+        </p:txBody>
+      </p:sp>
+      <p:sp>
+        <p:nvSpPr>
+          <p:cNvPr id="47" name="TextBox 46">
+            <a:extLst>
+              <a:ext uri="{FF2B5EF4-FFF2-40B4-BE49-F238E27FC236}">
+                <a16:creationId xmlns:a16="http://schemas.microsoft.com/office/drawing/2014/main" id="{D16FF9C9-7BCC-7235-5303-C284839C7190}"/>
+              </a:ext>
+            </a:extLst>
+          </p:cNvPr>
+          <p:cNvSpPr txBox="1"/>
+          <p:nvPr/>
+        </p:nvSpPr>
+        <p:spPr>
+          <a:xfrm>
+            <a:off x="8035217" y="3039381"/>
+            <a:ext cx="4848520" cy="369332"/>
+          </a:xfrm>
+          <a:prstGeom prst="rect">
+            <a:avLst/>
+          </a:prstGeom>
+          <a:noFill/>
+        </p:spPr>
+        <p:txBody>
+          <a:bodyPr wrap="square" rtlCol="0">
+            <a:spAutoFit/>
+          </a:bodyPr>
+          <a:lstStyle/>
+          <a:p>
+            <a:r>
+              <a:rPr lang="ko-KR" altLang="en-US" dirty="0">
+                <a:latin typeface="나눔스퀘어 Light" panose="020B0600000101010101" pitchFamily="50" charset="-127"/>
+                <a:ea typeface="나눔스퀘어 Light" panose="020B0600000101010101" pitchFamily="50" charset="-127"/>
+              </a:rPr>
+              <a:t>짝수층과 홀수층의 진행방향이 반대</a:t>
+            </a:r>
+          </a:p>
+        </p:txBody>
+      </p:sp>
+      <p:sp>
+        <p:nvSpPr>
+          <p:cNvPr id="48" name="TextBox 47">
+            <a:extLst>
+              <a:ext uri="{FF2B5EF4-FFF2-40B4-BE49-F238E27FC236}">
+                <a16:creationId xmlns:a16="http://schemas.microsoft.com/office/drawing/2014/main" id="{0606B0A3-AFD8-2379-81DB-B26A1467CBB9}"/>
+              </a:ext>
+            </a:extLst>
+          </p:cNvPr>
+          <p:cNvSpPr txBox="1"/>
+          <p:nvPr/>
+        </p:nvSpPr>
+        <p:spPr>
+          <a:xfrm>
+            <a:off x="8035217" y="4943223"/>
+            <a:ext cx="4848520" cy="923330"/>
+          </a:xfrm>
+          <a:prstGeom prst="rect">
+            <a:avLst/>
+          </a:prstGeom>
+          <a:noFill/>
+        </p:spPr>
+        <p:txBody>
+          <a:bodyPr wrap="square" rtlCol="0">
+            <a:spAutoFit/>
+          </a:bodyPr>
+          <a:lstStyle/>
+          <a:p>
+            <a:r>
+              <a:rPr lang="en-US" altLang="ko-KR" dirty="0">
+                <a:latin typeface="나눔스퀘어 Light" panose="020B0600000101010101" pitchFamily="50" charset="-127"/>
+                <a:ea typeface="나눔스퀘어 Light" panose="020B0600000101010101" pitchFamily="50" charset="-127"/>
+              </a:rPr>
+              <a:t>X</a:t>
+            </a:r>
+            <a:r>
+              <a:rPr lang="ko-KR" altLang="en-US" dirty="0">
+                <a:latin typeface="나눔스퀘어 Light" panose="020B0600000101010101" pitchFamily="50" charset="-127"/>
+                <a:ea typeface="나눔스퀘어 Light" panose="020B0600000101010101" pitchFamily="50" charset="-127"/>
+              </a:rPr>
+              <a:t>번째 분수를 찾으려면 </a:t>
+            </a:r>
+            <a:r>
+              <a:rPr lang="en-US" altLang="ko-KR" dirty="0">
+                <a:latin typeface="나눔스퀘어 Light" panose="020B0600000101010101" pitchFamily="50" charset="-127"/>
+                <a:ea typeface="나눔스퀘어 Light" panose="020B0600000101010101" pitchFamily="50" charset="-127"/>
+              </a:rPr>
+              <a:t>X</a:t>
+            </a:r>
+            <a:r>
+              <a:rPr lang="ko-KR" altLang="en-US" dirty="0">
+                <a:latin typeface="나눔스퀘어 Light" panose="020B0600000101010101" pitchFamily="50" charset="-127"/>
+                <a:ea typeface="나눔스퀘어 Light" panose="020B0600000101010101" pitchFamily="50" charset="-127"/>
+              </a:rPr>
+              <a:t>번째 분수가</a:t>
+            </a:r>
+            <a:endParaRPr lang="en-US" altLang="ko-KR" dirty="0">
+              <a:latin typeface="나눔스퀘어 Light" panose="020B0600000101010101" pitchFamily="50" charset="-127"/>
+              <a:ea typeface="나눔스퀘어 Light" panose="020B0600000101010101" pitchFamily="50" charset="-127"/>
+            </a:endParaRPr>
+          </a:p>
+          <a:p>
+            <a:r>
+              <a:rPr lang="ko-KR" altLang="en-US" dirty="0">
+                <a:latin typeface="나눔스퀘어 Light" panose="020B0600000101010101" pitchFamily="50" charset="-127"/>
+                <a:ea typeface="나눔스퀘어 Light" panose="020B0600000101010101" pitchFamily="50" charset="-127"/>
+              </a:rPr>
+              <a:t>몇 번째 층에 있는지를 찾아서 진행방향을</a:t>
+            </a:r>
+            <a:endParaRPr lang="en-US" altLang="ko-KR" dirty="0">
+              <a:latin typeface="나눔스퀘어 Light" panose="020B0600000101010101" pitchFamily="50" charset="-127"/>
+              <a:ea typeface="나눔스퀘어 Light" panose="020B0600000101010101" pitchFamily="50" charset="-127"/>
+            </a:endParaRPr>
+          </a:p>
+          <a:p>
+            <a:r>
+              <a:rPr lang="ko-KR" altLang="en-US" dirty="0">
+                <a:latin typeface="나눔스퀘어 Light" panose="020B0600000101010101" pitchFamily="50" charset="-127"/>
+                <a:ea typeface="나눔스퀘어 Light" panose="020B0600000101010101" pitchFamily="50" charset="-127"/>
+              </a:rPr>
+              <a:t>구하면 </a:t>
+            </a:r>
+            <a:r>
+              <a:rPr lang="ko-KR" altLang="en-US" dirty="0" err="1">
+                <a:latin typeface="나눔스퀘어 Light" panose="020B0600000101010101" pitchFamily="50" charset="-127"/>
+                <a:ea typeface="나눔스퀘어 Light" panose="020B0600000101010101" pitchFamily="50" charset="-127"/>
+              </a:rPr>
+              <a:t>될듯</a:t>
+            </a:r>
+            <a:r>
+              <a:rPr lang="en-US" altLang="ko-KR" dirty="0">
+                <a:latin typeface="나눔스퀘어 Light" panose="020B0600000101010101" pitchFamily="50" charset="-127"/>
+                <a:ea typeface="나눔스퀘어 Light" panose="020B0600000101010101" pitchFamily="50" charset="-127"/>
+              </a:rPr>
+              <a:t>?</a:t>
+            </a:r>
+            <a:endParaRPr lang="ko-KR" altLang="en-US" dirty="0">
+              <a:latin typeface="나눔스퀘어 Light" panose="020B0600000101010101" pitchFamily="50" charset="-127"/>
+              <a:ea typeface="나눔스퀘어 Light" panose="020B0600000101010101" pitchFamily="50" charset="-127"/>
+            </a:endParaRPr>
+          </a:p>
+        </p:txBody>
+      </p:sp>
+      <p:sp>
+        <p:nvSpPr>
+          <p:cNvPr id="49" name="TextBox 48">
+            <a:extLst>
+              <a:ext uri="{FF2B5EF4-FFF2-40B4-BE49-F238E27FC236}">
+                <a16:creationId xmlns:a16="http://schemas.microsoft.com/office/drawing/2014/main" id="{4FBC1DC0-D823-0DC5-F8A1-AEFBC9C1BD23}"/>
+              </a:ext>
+            </a:extLst>
+          </p:cNvPr>
+          <p:cNvSpPr txBox="1"/>
+          <p:nvPr/>
+        </p:nvSpPr>
+        <p:spPr>
+          <a:xfrm>
+            <a:off x="8035217" y="3495266"/>
+            <a:ext cx="4848520" cy="369332"/>
+          </a:xfrm>
+          <a:prstGeom prst="rect">
+            <a:avLst/>
+          </a:prstGeom>
+          <a:noFill/>
+        </p:spPr>
+        <p:txBody>
+          <a:bodyPr wrap="square" rtlCol="0">
+            <a:spAutoFit/>
+          </a:bodyPr>
+          <a:lstStyle/>
+          <a:p>
+            <a:r>
+              <a:rPr lang="en-US" altLang="ko-KR" dirty="0">
+                <a:latin typeface="나눔스퀘어 Light" panose="020B0600000101010101" pitchFamily="50" charset="-127"/>
+                <a:ea typeface="나눔스퀘어 Light" panose="020B0600000101010101" pitchFamily="50" charset="-127"/>
+              </a:rPr>
+              <a:t>N</a:t>
+            </a:r>
+            <a:r>
+              <a:rPr lang="ko-KR" altLang="en-US" dirty="0">
+                <a:latin typeface="나눔스퀘어 Light" panose="020B0600000101010101" pitchFamily="50" charset="-127"/>
+                <a:ea typeface="나눔스퀘어 Light" panose="020B0600000101010101" pitchFamily="50" charset="-127"/>
+              </a:rPr>
+              <a:t>층 분수의 분자 </a:t>
+            </a:r>
+            <a:r>
+              <a:rPr lang="en-US" altLang="ko-KR" dirty="0">
+                <a:latin typeface="나눔스퀘어 Light" panose="020B0600000101010101" pitchFamily="50" charset="-127"/>
+                <a:ea typeface="나눔스퀘어 Light" panose="020B0600000101010101" pitchFamily="50" charset="-127"/>
+              </a:rPr>
+              <a:t>+ </a:t>
+            </a:r>
+            <a:r>
+              <a:rPr lang="ko-KR" altLang="en-US" dirty="0">
+                <a:latin typeface="나눔스퀘어 Light" panose="020B0600000101010101" pitchFamily="50" charset="-127"/>
+                <a:ea typeface="나눔스퀘어 Light" panose="020B0600000101010101" pitchFamily="50" charset="-127"/>
+              </a:rPr>
+              <a:t>분모의 값은 </a:t>
+            </a:r>
+            <a:r>
+              <a:rPr lang="en-US" altLang="ko-KR" dirty="0">
+                <a:latin typeface="나눔스퀘어 Light" panose="020B0600000101010101" pitchFamily="50" charset="-127"/>
+                <a:ea typeface="나눔스퀘어 Light" panose="020B0600000101010101" pitchFamily="50" charset="-127"/>
+              </a:rPr>
+              <a:t>N + 1 </a:t>
+            </a:r>
+            <a:r>
+              <a:rPr lang="ko-KR" altLang="en-US" dirty="0">
+                <a:latin typeface="나눔스퀘어 Light" panose="020B0600000101010101" pitchFamily="50" charset="-127"/>
+                <a:ea typeface="나눔스퀘어 Light" panose="020B0600000101010101" pitchFamily="50" charset="-127"/>
+              </a:rPr>
+              <a:t>임</a:t>
+            </a:r>
+          </a:p>
+        </p:txBody>
+      </p:sp>
+    </p:spTree>
+    <p:extLst>
+      <p:ext uri="{BB962C8B-B14F-4D97-AF65-F5344CB8AC3E}">
+        <p14:creationId xmlns:p14="http://schemas.microsoft.com/office/powerpoint/2010/main" val="3934177645"/>
+      </p:ext>
+    </p:extLst>
+  </p:cSld>
+  <p:clrMapOvr>
+    <a:masterClrMapping/>
+  </p:clrMapOvr>
+</p:sld>
+</file>
+
+<file path=ppt/slides/slide38.xml><?xml version="1.0" encoding="utf-8"?>
+<p:sld xmlns:a="http://schemas.openxmlformats.org/drawingml/2006/main" xmlns:r="http://schemas.openxmlformats.org/officeDocument/2006/relationships" xmlns:p="http://schemas.openxmlformats.org/presentationml/2006/main">
+  <p:cSld>
+    <p:spTree>
+      <p:nvGrpSpPr>
+        <p:cNvPr id="1" name=""/>
+        <p:cNvGrpSpPr/>
+        <p:nvPr/>
+      </p:nvGrpSpPr>
+      <p:grpSpPr>
+        <a:xfrm>
+          <a:off x="0" y="0"/>
+          <a:ext cx="0" cy="0"/>
+          <a:chOff x="0" y="0"/>
+          <a:chExt cx="0" cy="0"/>
+        </a:xfrm>
+      </p:grpSpPr>
+      <p:cxnSp>
+        <p:nvCxnSpPr>
+          <p:cNvPr id="5" name="직선 연결선 4">
+            <a:extLst>
+              <a:ext uri="{FF2B5EF4-FFF2-40B4-BE49-F238E27FC236}">
+                <a16:creationId xmlns:a16="http://schemas.microsoft.com/office/drawing/2014/main" id="{164C2827-EFCE-69A4-D037-1A218415F568}"/>
+              </a:ext>
+            </a:extLst>
+          </p:cNvPr>
+          <p:cNvCxnSpPr/>
+          <p:nvPr/>
+        </p:nvCxnSpPr>
+        <p:spPr>
+          <a:xfrm>
+            <a:off x="0" y="887505"/>
+            <a:ext cx="10237694" cy="0"/>
+          </a:xfrm>
+          <a:prstGeom prst="line">
+            <a:avLst/>
+          </a:prstGeom>
+          <a:ln w="76200">
+            <a:solidFill>
+              <a:schemeClr val="tx1">
+                <a:lumMod val="75000"/>
+                <a:lumOff val="25000"/>
+              </a:schemeClr>
+            </a:solidFill>
+          </a:ln>
+        </p:spPr>
+        <p:style>
+          <a:lnRef idx="1">
+            <a:schemeClr val="accent1"/>
+          </a:lnRef>
+          <a:fillRef idx="0">
+            <a:schemeClr val="accent1"/>
+          </a:fillRef>
+          <a:effectRef idx="0">
+            <a:schemeClr val="accent1"/>
+          </a:effectRef>
+          <a:fontRef idx="minor">
+            <a:schemeClr val="tx1"/>
+          </a:fontRef>
+        </p:style>
+      </p:cxnSp>
+      <p:sp>
+        <p:nvSpPr>
+          <p:cNvPr id="6" name="TextBox 5">
+            <a:extLst>
+              <a:ext uri="{FF2B5EF4-FFF2-40B4-BE49-F238E27FC236}">
+                <a16:creationId xmlns:a16="http://schemas.microsoft.com/office/drawing/2014/main" id="{908ED9B9-09D3-CFA8-625A-6F9BB9B6BD23}"/>
+              </a:ext>
+            </a:extLst>
+          </p:cNvPr>
+          <p:cNvSpPr txBox="1"/>
+          <p:nvPr/>
+        </p:nvSpPr>
+        <p:spPr>
+          <a:xfrm>
+            <a:off x="331694" y="177505"/>
+            <a:ext cx="5453737" cy="523220"/>
+          </a:xfrm>
+          <a:prstGeom prst="rect">
+            <a:avLst/>
+          </a:prstGeom>
+          <a:noFill/>
+        </p:spPr>
+        <p:txBody>
+          <a:bodyPr wrap="none" rtlCol="0">
+            <a:spAutoFit/>
+          </a:bodyPr>
+          <a:lstStyle/>
+          <a:p>
+            <a:r>
+              <a:rPr lang="en-US" altLang="ko-KR" sz="2800" dirty="0">
+                <a:latin typeface="나눔스퀘어 Bold" panose="020B0600000101010101" pitchFamily="50" charset="-127"/>
+                <a:ea typeface="나눔스퀘어 Bold" panose="020B0600000101010101" pitchFamily="50" charset="-127"/>
+              </a:rPr>
+              <a:t>Implementation – 1193 </a:t>
+            </a:r>
+            <a:r>
+              <a:rPr lang="ko-KR" altLang="en-US" sz="2800" dirty="0" err="1">
+                <a:latin typeface="나눔스퀘어 Bold" panose="020B0600000101010101" pitchFamily="50" charset="-127"/>
+                <a:ea typeface="나눔스퀘어 Bold" panose="020B0600000101010101" pitchFamily="50" charset="-127"/>
+              </a:rPr>
+              <a:t>분수찾기</a:t>
+            </a:r>
+            <a:endParaRPr lang="ko-KR" altLang="en-US" sz="2800" dirty="0">
+              <a:latin typeface="나눔스퀘어 Bold" panose="020B0600000101010101" pitchFamily="50" charset="-127"/>
+              <a:ea typeface="나눔스퀘어 Bold" panose="020B0600000101010101" pitchFamily="50" charset="-127"/>
+            </a:endParaRPr>
+          </a:p>
+        </p:txBody>
+      </p:sp>
+      <p:sp>
+        <p:nvSpPr>
+          <p:cNvPr id="44" name="TextBox 43">
+            <a:extLst>
+              <a:ext uri="{FF2B5EF4-FFF2-40B4-BE49-F238E27FC236}">
+                <a16:creationId xmlns:a16="http://schemas.microsoft.com/office/drawing/2014/main" id="{1BEE0D8E-6388-13D9-5393-620FCF5E0DE8}"/>
+              </a:ext>
+            </a:extLst>
+          </p:cNvPr>
+          <p:cNvSpPr txBox="1"/>
+          <p:nvPr/>
+        </p:nvSpPr>
+        <p:spPr>
+          <a:xfrm>
+            <a:off x="942387" y="1190024"/>
+            <a:ext cx="8553305" cy="369332"/>
+          </a:xfrm>
+          <a:prstGeom prst="rect">
+            <a:avLst/>
+          </a:prstGeom>
+          <a:noFill/>
+        </p:spPr>
+        <p:txBody>
+          <a:bodyPr wrap="square" rtlCol="0">
+            <a:spAutoFit/>
+          </a:bodyPr>
+          <a:lstStyle/>
+          <a:p>
+            <a:r>
+              <a:rPr lang="ko-KR" altLang="en-US" dirty="0">
+                <a:latin typeface="나눔스퀘어 Light" panose="020B0600000101010101" pitchFamily="50" charset="-127"/>
+                <a:ea typeface="나눔스퀘어 Light" panose="020B0600000101010101" pitchFamily="50" charset="-127"/>
+              </a:rPr>
+              <a:t>구하려는 </a:t>
+            </a:r>
+            <a:r>
+              <a:rPr lang="en-US" altLang="ko-KR" dirty="0">
+                <a:latin typeface="나눔스퀘어 Light" panose="020B0600000101010101" pitchFamily="50" charset="-127"/>
+                <a:ea typeface="나눔스퀘어 Light" panose="020B0600000101010101" pitchFamily="50" charset="-127"/>
+              </a:rPr>
+              <a:t>X</a:t>
+            </a:r>
+            <a:r>
+              <a:rPr lang="ko-KR" altLang="en-US" dirty="0">
+                <a:latin typeface="나눔스퀘어 Light" panose="020B0600000101010101" pitchFamily="50" charset="-127"/>
+                <a:ea typeface="나눔스퀘어 Light" panose="020B0600000101010101" pitchFamily="50" charset="-127"/>
+              </a:rPr>
+              <a:t>번째 정점이 몇 번째 층에 있는지 구함</a:t>
+            </a:r>
+          </a:p>
+        </p:txBody>
+      </p:sp>
+      <p:pic>
+        <p:nvPicPr>
+          <p:cNvPr id="3" name="그림 2">
+            <a:extLst>
+              <a:ext uri="{FF2B5EF4-FFF2-40B4-BE49-F238E27FC236}">
+                <a16:creationId xmlns:a16="http://schemas.microsoft.com/office/drawing/2014/main" id="{45443C39-A858-2BA6-AA88-95F8484B6CF3}"/>
+              </a:ext>
+            </a:extLst>
+          </p:cNvPr>
+          <p:cNvPicPr>
+            <a:picLocks noChangeAspect="1"/>
+          </p:cNvPicPr>
+          <p:nvPr/>
+        </p:nvPicPr>
+        <p:blipFill>
+          <a:blip r:embed="rId2"/>
+          <a:stretch>
+            <a:fillRect/>
+          </a:stretch>
+        </p:blipFill>
+        <p:spPr>
+          <a:xfrm>
+            <a:off x="942387" y="1861874"/>
+            <a:ext cx="7209522" cy="2201079"/>
+          </a:xfrm>
+          <a:prstGeom prst="rect">
+            <a:avLst/>
+          </a:prstGeom>
+        </p:spPr>
+      </p:pic>
+    </p:spTree>
+    <p:extLst>
+      <p:ext uri="{BB962C8B-B14F-4D97-AF65-F5344CB8AC3E}">
+        <p14:creationId xmlns:p14="http://schemas.microsoft.com/office/powerpoint/2010/main" val="487849825"/>
+      </p:ext>
+    </p:extLst>
+  </p:cSld>
+  <p:clrMapOvr>
+    <a:masterClrMapping/>
+  </p:clrMapOvr>
+</p:sld>
+</file>
+
+<file path=ppt/slides/slide39.xml><?xml version="1.0" encoding="utf-8"?>
+<p:sld xmlns:a="http://schemas.openxmlformats.org/drawingml/2006/main" xmlns:r="http://schemas.openxmlformats.org/officeDocument/2006/relationships" xmlns:p="http://schemas.openxmlformats.org/presentationml/2006/main">
+  <p:cSld>
+    <p:spTree>
+      <p:nvGrpSpPr>
+        <p:cNvPr id="1" name=""/>
+        <p:cNvGrpSpPr/>
+        <p:nvPr/>
+      </p:nvGrpSpPr>
+      <p:grpSpPr>
+        <a:xfrm>
+          <a:off x="0" y="0"/>
+          <a:ext cx="0" cy="0"/>
+          <a:chOff x="0" y="0"/>
+          <a:chExt cx="0" cy="0"/>
+        </a:xfrm>
+      </p:grpSpPr>
+      <p:cxnSp>
+        <p:nvCxnSpPr>
+          <p:cNvPr id="5" name="직선 연결선 4">
+            <a:extLst>
+              <a:ext uri="{FF2B5EF4-FFF2-40B4-BE49-F238E27FC236}">
+                <a16:creationId xmlns:a16="http://schemas.microsoft.com/office/drawing/2014/main" id="{164C2827-EFCE-69A4-D037-1A218415F568}"/>
+              </a:ext>
+            </a:extLst>
+          </p:cNvPr>
+          <p:cNvCxnSpPr/>
+          <p:nvPr/>
+        </p:nvCxnSpPr>
+        <p:spPr>
+          <a:xfrm>
+            <a:off x="0" y="887505"/>
+            <a:ext cx="10237694" cy="0"/>
+          </a:xfrm>
+          <a:prstGeom prst="line">
+            <a:avLst/>
+          </a:prstGeom>
+          <a:ln w="76200">
+            <a:solidFill>
+              <a:schemeClr val="tx1">
+                <a:lumMod val="75000"/>
+                <a:lumOff val="25000"/>
+              </a:schemeClr>
+            </a:solidFill>
+          </a:ln>
+        </p:spPr>
+        <p:style>
+          <a:lnRef idx="1">
+            <a:schemeClr val="accent1"/>
+          </a:lnRef>
+          <a:fillRef idx="0">
+            <a:schemeClr val="accent1"/>
+          </a:fillRef>
+          <a:effectRef idx="0">
+            <a:schemeClr val="accent1"/>
+          </a:effectRef>
+          <a:fontRef idx="minor">
+            <a:schemeClr val="tx1"/>
+          </a:fontRef>
+        </p:style>
+      </p:cxnSp>
+      <p:sp>
+        <p:nvSpPr>
+          <p:cNvPr id="6" name="TextBox 5">
+            <a:extLst>
+              <a:ext uri="{FF2B5EF4-FFF2-40B4-BE49-F238E27FC236}">
+                <a16:creationId xmlns:a16="http://schemas.microsoft.com/office/drawing/2014/main" id="{908ED9B9-09D3-CFA8-625A-6F9BB9B6BD23}"/>
+              </a:ext>
+            </a:extLst>
+          </p:cNvPr>
+          <p:cNvSpPr txBox="1"/>
+          <p:nvPr/>
+        </p:nvSpPr>
+        <p:spPr>
+          <a:xfrm>
+            <a:off x="331694" y="177505"/>
+            <a:ext cx="5453737" cy="523220"/>
+          </a:xfrm>
+          <a:prstGeom prst="rect">
+            <a:avLst/>
+          </a:prstGeom>
+          <a:noFill/>
+        </p:spPr>
+        <p:txBody>
+          <a:bodyPr wrap="none" rtlCol="0">
+            <a:spAutoFit/>
+          </a:bodyPr>
+          <a:lstStyle/>
+          <a:p>
+            <a:r>
+              <a:rPr lang="en-US" altLang="ko-KR" sz="2800" dirty="0">
+                <a:latin typeface="나눔스퀘어 Bold" panose="020B0600000101010101" pitchFamily="50" charset="-127"/>
+                <a:ea typeface="나눔스퀘어 Bold" panose="020B0600000101010101" pitchFamily="50" charset="-127"/>
+              </a:rPr>
+              <a:t>Implementation – 1193 </a:t>
+            </a:r>
+            <a:r>
+              <a:rPr lang="ko-KR" altLang="en-US" sz="2800" dirty="0" err="1">
+                <a:latin typeface="나눔스퀘어 Bold" panose="020B0600000101010101" pitchFamily="50" charset="-127"/>
+                <a:ea typeface="나눔스퀘어 Bold" panose="020B0600000101010101" pitchFamily="50" charset="-127"/>
+              </a:rPr>
+              <a:t>분수찾기</a:t>
+            </a:r>
+            <a:endParaRPr lang="ko-KR" altLang="en-US" sz="2800" dirty="0">
+              <a:latin typeface="나눔스퀘어 Bold" panose="020B0600000101010101" pitchFamily="50" charset="-127"/>
+              <a:ea typeface="나눔스퀘어 Bold" panose="020B0600000101010101" pitchFamily="50" charset="-127"/>
+            </a:endParaRPr>
+          </a:p>
+        </p:txBody>
+      </p:sp>
+      <p:sp>
+        <p:nvSpPr>
+          <p:cNvPr id="44" name="TextBox 43">
+            <a:extLst>
+              <a:ext uri="{FF2B5EF4-FFF2-40B4-BE49-F238E27FC236}">
+                <a16:creationId xmlns:a16="http://schemas.microsoft.com/office/drawing/2014/main" id="{1BEE0D8E-6388-13D9-5393-620FCF5E0DE8}"/>
+              </a:ext>
+            </a:extLst>
+          </p:cNvPr>
+          <p:cNvSpPr txBox="1"/>
+          <p:nvPr/>
+        </p:nvSpPr>
+        <p:spPr>
+          <a:xfrm>
+            <a:off x="942387" y="1190024"/>
+            <a:ext cx="8553305" cy="369332"/>
+          </a:xfrm>
+          <a:prstGeom prst="rect">
+            <a:avLst/>
+          </a:prstGeom>
+          <a:noFill/>
+        </p:spPr>
+        <p:txBody>
+          <a:bodyPr wrap="square" rtlCol="0">
+            <a:spAutoFit/>
+          </a:bodyPr>
+          <a:lstStyle/>
+          <a:p>
+            <a:r>
+              <a:rPr lang="ko-KR" altLang="en-US" dirty="0">
+                <a:latin typeface="나눔스퀘어 Light" panose="020B0600000101010101" pitchFamily="50" charset="-127"/>
+                <a:ea typeface="나눔스퀘어 Light" panose="020B0600000101010101" pitchFamily="50" charset="-127"/>
+              </a:rPr>
+              <a:t>분모</a:t>
+            </a:r>
+            <a:r>
+              <a:rPr lang="en-US" altLang="ko-KR" dirty="0">
+                <a:latin typeface="나눔스퀘어 Light" panose="020B0600000101010101" pitchFamily="50" charset="-127"/>
+                <a:ea typeface="나눔스퀘어 Light" panose="020B0600000101010101" pitchFamily="50" charset="-127"/>
+              </a:rPr>
+              <a:t>, </a:t>
+            </a:r>
+            <a:r>
+              <a:rPr lang="ko-KR" altLang="en-US" dirty="0">
+                <a:latin typeface="나눔스퀘어 Light" panose="020B0600000101010101" pitchFamily="50" charset="-127"/>
+                <a:ea typeface="나눔스퀘어 Light" panose="020B0600000101010101" pitchFamily="50" charset="-127"/>
+              </a:rPr>
+              <a:t>분자 변수를 층의 시작 정점의 분수로 초기화</a:t>
+            </a:r>
+          </a:p>
+        </p:txBody>
+      </p:sp>
+      <p:pic>
+        <p:nvPicPr>
+          <p:cNvPr id="4" name="그림 3">
+            <a:extLst>
+              <a:ext uri="{FF2B5EF4-FFF2-40B4-BE49-F238E27FC236}">
+                <a16:creationId xmlns:a16="http://schemas.microsoft.com/office/drawing/2014/main" id="{90C3986F-2C4A-EC2F-9B34-227B9BC3A459}"/>
+              </a:ext>
+            </a:extLst>
+          </p:cNvPr>
+          <p:cNvPicPr>
+            <a:picLocks noChangeAspect="1"/>
+          </p:cNvPicPr>
+          <p:nvPr/>
+        </p:nvPicPr>
+        <p:blipFill>
+          <a:blip r:embed="rId2"/>
+          <a:stretch>
+            <a:fillRect/>
+          </a:stretch>
+        </p:blipFill>
+        <p:spPr>
+          <a:xfrm>
+            <a:off x="942387" y="1927869"/>
+            <a:ext cx="7277786" cy="2568630"/>
+          </a:xfrm>
+          <a:prstGeom prst="rect">
+            <a:avLst/>
+          </a:prstGeom>
+        </p:spPr>
+      </p:pic>
+      <p:cxnSp>
+        <p:nvCxnSpPr>
+          <p:cNvPr id="8" name="직선 화살표 연결선 7">
+            <a:extLst>
+              <a:ext uri="{FF2B5EF4-FFF2-40B4-BE49-F238E27FC236}">
+                <a16:creationId xmlns:a16="http://schemas.microsoft.com/office/drawing/2014/main" id="{265D9820-9E7E-0A7E-A564-47ADC0D7E203}"/>
+              </a:ext>
+            </a:extLst>
+          </p:cNvPr>
+          <p:cNvCxnSpPr>
+            <a:cxnSpLocks/>
+          </p:cNvCxnSpPr>
+          <p:nvPr/>
+        </p:nvCxnSpPr>
+        <p:spPr>
+          <a:xfrm flipH="1">
+            <a:off x="5392510" y="6256662"/>
+            <a:ext cx="5588339" cy="0"/>
+          </a:xfrm>
+          <a:prstGeom prst="straightConnector1">
+            <a:avLst/>
+          </a:prstGeom>
+          <a:ln w="19050">
+            <a:solidFill>
+              <a:srgbClr val="404040"/>
+            </a:solidFill>
+            <a:tailEnd type="triangle"/>
+          </a:ln>
+        </p:spPr>
+        <p:style>
+          <a:lnRef idx="1">
+            <a:schemeClr val="accent1"/>
+          </a:lnRef>
+          <a:fillRef idx="0">
+            <a:schemeClr val="accent1"/>
+          </a:fillRef>
+          <a:effectRef idx="0">
+            <a:schemeClr val="accent1"/>
+          </a:effectRef>
+          <a:fontRef idx="minor">
+            <a:schemeClr val="tx1"/>
+          </a:fontRef>
+        </p:style>
+      </p:cxnSp>
+      <p:cxnSp>
+        <p:nvCxnSpPr>
+          <p:cNvPr id="9" name="직선 화살표 연결선 8">
+            <a:extLst>
+              <a:ext uri="{FF2B5EF4-FFF2-40B4-BE49-F238E27FC236}">
+                <a16:creationId xmlns:a16="http://schemas.microsoft.com/office/drawing/2014/main" id="{39013ED3-1FE8-8C76-4D5A-1DDD17CE1418}"/>
+              </a:ext>
+            </a:extLst>
+          </p:cNvPr>
+          <p:cNvCxnSpPr>
+            <a:cxnSpLocks/>
+          </p:cNvCxnSpPr>
+          <p:nvPr/>
+        </p:nvCxnSpPr>
+        <p:spPr>
+          <a:xfrm>
+            <a:off x="5392510" y="5012324"/>
+            <a:ext cx="5588339" cy="0"/>
+          </a:xfrm>
+          <a:prstGeom prst="straightConnector1">
+            <a:avLst/>
+          </a:prstGeom>
+          <a:ln w="19050">
+            <a:solidFill>
+              <a:srgbClr val="404040"/>
+            </a:solidFill>
+            <a:tailEnd type="triangle"/>
+          </a:ln>
+        </p:spPr>
+        <p:style>
+          <a:lnRef idx="1">
+            <a:schemeClr val="accent1"/>
+          </a:lnRef>
+          <a:fillRef idx="0">
+            <a:schemeClr val="accent1"/>
+          </a:fillRef>
+          <a:effectRef idx="0">
+            <a:schemeClr val="accent1"/>
+          </a:effectRef>
+          <a:fontRef idx="minor">
+            <a:schemeClr val="tx1"/>
+          </a:fontRef>
+        </p:style>
+      </p:cxnSp>
+      <p:sp>
+        <p:nvSpPr>
+          <p:cNvPr id="10" name="타원 9">
+            <a:extLst>
+              <a:ext uri="{FF2B5EF4-FFF2-40B4-BE49-F238E27FC236}">
+                <a16:creationId xmlns:a16="http://schemas.microsoft.com/office/drawing/2014/main" id="{619E41D4-124D-0AAA-F83C-22EC20356CC0}"/>
+              </a:ext>
+            </a:extLst>
+          </p:cNvPr>
+          <p:cNvSpPr/>
+          <p:nvPr/>
+        </p:nvSpPr>
+        <p:spPr>
+          <a:xfrm>
+            <a:off x="6342425" y="4613928"/>
+            <a:ext cx="801278" cy="801278"/>
+          </a:xfrm>
+          <a:prstGeom prst="ellipse">
+            <a:avLst/>
+          </a:prstGeom>
+          <a:solidFill>
+            <a:srgbClr val="FFFFFF"/>
+          </a:solidFill>
+          <a:ln w="19050">
+            <a:solidFill>
+              <a:srgbClr val="FF0000"/>
+            </a:solidFill>
+          </a:ln>
+        </p:spPr>
+        <p:style>
+          <a:lnRef idx="2">
+            <a:schemeClr val="accent1">
+              <a:shade val="50000"/>
+            </a:schemeClr>
+          </a:lnRef>
+          <a:fillRef idx="1">
+            <a:schemeClr val="accent1"/>
+          </a:fillRef>
+          <a:effectRef idx="0">
+            <a:schemeClr val="accent1"/>
+          </a:effectRef>
+          <a:fontRef idx="minor">
+            <a:schemeClr val="lt1"/>
+          </a:fontRef>
+        </p:style>
+        <p:txBody>
+          <a:bodyPr rtlCol="0" anchor="ctr"/>
+          <a:lstStyle/>
+          <a:p>
+            <a:pPr algn="ctr"/>
+            <a:r>
+              <a:rPr lang="en-US" altLang="ko-KR" dirty="0">
+                <a:solidFill>
+                  <a:srgbClr val="404040"/>
+                </a:solidFill>
+                <a:latin typeface="나눔스퀘어 Bold" panose="020B0600000101010101" pitchFamily="50" charset="-127"/>
+                <a:ea typeface="나눔스퀘어 Bold" panose="020B0600000101010101" pitchFamily="50" charset="-127"/>
+              </a:rPr>
+              <a:t>3/1</a:t>
+            </a:r>
+            <a:endParaRPr lang="ko-KR" altLang="en-US" dirty="0">
+              <a:solidFill>
+                <a:srgbClr val="404040"/>
+              </a:solidFill>
+              <a:latin typeface="나눔스퀘어 Bold" panose="020B0600000101010101" pitchFamily="50" charset="-127"/>
+              <a:ea typeface="나눔스퀘어 Bold" panose="020B0600000101010101" pitchFamily="50" charset="-127"/>
+            </a:endParaRPr>
+          </a:p>
+        </p:txBody>
+      </p:sp>
+      <p:sp>
+        <p:nvSpPr>
+          <p:cNvPr id="11" name="타원 10">
+            <a:extLst>
+              <a:ext uri="{FF2B5EF4-FFF2-40B4-BE49-F238E27FC236}">
+                <a16:creationId xmlns:a16="http://schemas.microsoft.com/office/drawing/2014/main" id="{738BDFF2-E380-6484-63DE-EFC27D97EE86}"/>
+              </a:ext>
+            </a:extLst>
+          </p:cNvPr>
+          <p:cNvSpPr/>
+          <p:nvPr/>
+        </p:nvSpPr>
+        <p:spPr>
+          <a:xfrm>
+            <a:off x="7718739" y="4613928"/>
+            <a:ext cx="801278" cy="801278"/>
+          </a:xfrm>
+          <a:prstGeom prst="ellipse">
+            <a:avLst/>
+          </a:prstGeom>
+          <a:solidFill>
+            <a:srgbClr val="FFFFFF"/>
+          </a:solidFill>
+          <a:ln w="19050">
+            <a:solidFill>
+              <a:srgbClr val="404040"/>
+            </a:solidFill>
+          </a:ln>
+        </p:spPr>
+        <p:style>
+          <a:lnRef idx="2">
+            <a:schemeClr val="accent1">
+              <a:shade val="50000"/>
+            </a:schemeClr>
+          </a:lnRef>
+          <a:fillRef idx="1">
+            <a:schemeClr val="accent1"/>
+          </a:fillRef>
+          <a:effectRef idx="0">
+            <a:schemeClr val="accent1"/>
+          </a:effectRef>
+          <a:fontRef idx="minor">
+            <a:schemeClr val="lt1"/>
+          </a:fontRef>
+        </p:style>
+        <p:txBody>
+          <a:bodyPr rtlCol="0" anchor="ctr"/>
+          <a:lstStyle/>
+          <a:p>
+            <a:pPr algn="ctr"/>
+            <a:r>
+              <a:rPr lang="en-US" altLang="ko-KR" dirty="0">
+                <a:solidFill>
+                  <a:srgbClr val="404040"/>
+                </a:solidFill>
+                <a:latin typeface="나눔스퀘어 Bold" panose="020B0600000101010101" pitchFamily="50" charset="-127"/>
+                <a:ea typeface="나눔스퀘어 Bold" panose="020B0600000101010101" pitchFamily="50" charset="-127"/>
+              </a:rPr>
+              <a:t>2/2</a:t>
+            </a:r>
+            <a:endParaRPr lang="ko-KR" altLang="en-US" dirty="0">
+              <a:solidFill>
+                <a:srgbClr val="404040"/>
+              </a:solidFill>
+              <a:latin typeface="나눔스퀘어 Bold" panose="020B0600000101010101" pitchFamily="50" charset="-127"/>
+              <a:ea typeface="나눔스퀘어 Bold" panose="020B0600000101010101" pitchFamily="50" charset="-127"/>
+            </a:endParaRPr>
+          </a:p>
+        </p:txBody>
+      </p:sp>
+      <p:sp>
+        <p:nvSpPr>
+          <p:cNvPr id="12" name="타원 11">
+            <a:extLst>
+              <a:ext uri="{FF2B5EF4-FFF2-40B4-BE49-F238E27FC236}">
+                <a16:creationId xmlns:a16="http://schemas.microsoft.com/office/drawing/2014/main" id="{99D0D91C-2587-9A94-B0F3-DF42D07124A3}"/>
+              </a:ext>
+            </a:extLst>
+          </p:cNvPr>
+          <p:cNvSpPr/>
+          <p:nvPr/>
+        </p:nvSpPr>
+        <p:spPr>
+          <a:xfrm>
+            <a:off x="9095053" y="4613928"/>
+            <a:ext cx="801278" cy="801278"/>
+          </a:xfrm>
+          <a:prstGeom prst="ellipse">
+            <a:avLst/>
+          </a:prstGeom>
+          <a:solidFill>
+            <a:srgbClr val="FFFFFF"/>
+          </a:solidFill>
+          <a:ln w="19050">
+            <a:solidFill>
+              <a:srgbClr val="404040"/>
+            </a:solidFill>
+          </a:ln>
+        </p:spPr>
+        <p:style>
+          <a:lnRef idx="2">
+            <a:schemeClr val="accent1">
+              <a:shade val="50000"/>
+            </a:schemeClr>
+          </a:lnRef>
+          <a:fillRef idx="1">
+            <a:schemeClr val="accent1"/>
+          </a:fillRef>
+          <a:effectRef idx="0">
+            <a:schemeClr val="accent1"/>
+          </a:effectRef>
+          <a:fontRef idx="minor">
+            <a:schemeClr val="lt1"/>
+          </a:fontRef>
+        </p:style>
+        <p:txBody>
+          <a:bodyPr rtlCol="0" anchor="ctr"/>
+          <a:lstStyle/>
+          <a:p>
+            <a:pPr algn="ctr"/>
+            <a:r>
+              <a:rPr lang="en-US" altLang="ko-KR" dirty="0">
+                <a:solidFill>
+                  <a:srgbClr val="404040"/>
+                </a:solidFill>
+                <a:latin typeface="나눔스퀘어 Bold" panose="020B0600000101010101" pitchFamily="50" charset="-127"/>
+                <a:ea typeface="나눔스퀘어 Bold" panose="020B0600000101010101" pitchFamily="50" charset="-127"/>
+              </a:rPr>
+              <a:t>1/3</a:t>
+            </a:r>
+            <a:endParaRPr lang="ko-KR" altLang="en-US" dirty="0">
+              <a:solidFill>
+                <a:srgbClr val="404040"/>
+              </a:solidFill>
+              <a:latin typeface="나눔스퀘어 Bold" panose="020B0600000101010101" pitchFamily="50" charset="-127"/>
+              <a:ea typeface="나눔스퀘어 Bold" panose="020B0600000101010101" pitchFamily="50" charset="-127"/>
+            </a:endParaRPr>
+          </a:p>
+        </p:txBody>
+      </p:sp>
+      <p:sp>
+        <p:nvSpPr>
+          <p:cNvPr id="13" name="타원 12">
+            <a:extLst>
+              <a:ext uri="{FF2B5EF4-FFF2-40B4-BE49-F238E27FC236}">
+                <a16:creationId xmlns:a16="http://schemas.microsoft.com/office/drawing/2014/main" id="{F8D9C382-D59C-021F-E5DE-4BAA44370F02}"/>
+              </a:ext>
+            </a:extLst>
+          </p:cNvPr>
+          <p:cNvSpPr/>
+          <p:nvPr/>
+        </p:nvSpPr>
+        <p:spPr>
+          <a:xfrm>
+            <a:off x="5663695" y="5879217"/>
+            <a:ext cx="801278" cy="801278"/>
+          </a:xfrm>
+          <a:prstGeom prst="ellipse">
+            <a:avLst/>
+          </a:prstGeom>
+          <a:solidFill>
+            <a:srgbClr val="FFFFFF"/>
+          </a:solidFill>
+          <a:ln w="19050">
+            <a:solidFill>
+              <a:srgbClr val="404040"/>
+            </a:solidFill>
+          </a:ln>
+        </p:spPr>
+        <p:style>
+          <a:lnRef idx="2">
+            <a:schemeClr val="accent1">
+              <a:shade val="50000"/>
+            </a:schemeClr>
+          </a:lnRef>
+          <a:fillRef idx="1">
+            <a:schemeClr val="accent1"/>
+          </a:fillRef>
+          <a:effectRef idx="0">
+            <a:schemeClr val="accent1"/>
+          </a:effectRef>
+          <a:fontRef idx="minor">
+            <a:schemeClr val="lt1"/>
+          </a:fontRef>
+        </p:style>
+        <p:txBody>
+          <a:bodyPr rtlCol="0" anchor="ctr"/>
+          <a:lstStyle/>
+          <a:p>
+            <a:pPr algn="ctr"/>
+            <a:r>
+              <a:rPr lang="en-US" altLang="ko-KR" dirty="0">
+                <a:solidFill>
+                  <a:srgbClr val="404040"/>
+                </a:solidFill>
+                <a:latin typeface="나눔스퀘어 Bold" panose="020B0600000101010101" pitchFamily="50" charset="-127"/>
+                <a:ea typeface="나눔스퀘어 Bold" panose="020B0600000101010101" pitchFamily="50" charset="-127"/>
+              </a:rPr>
+              <a:t>4/1</a:t>
+            </a:r>
+            <a:endParaRPr lang="ko-KR" altLang="en-US" dirty="0">
+              <a:solidFill>
+                <a:srgbClr val="404040"/>
+              </a:solidFill>
+              <a:latin typeface="나눔스퀘어 Bold" panose="020B0600000101010101" pitchFamily="50" charset="-127"/>
+              <a:ea typeface="나눔스퀘어 Bold" panose="020B0600000101010101" pitchFamily="50" charset="-127"/>
+            </a:endParaRPr>
+          </a:p>
+        </p:txBody>
+      </p:sp>
+      <p:sp>
+        <p:nvSpPr>
+          <p:cNvPr id="14" name="타원 13">
+            <a:extLst>
+              <a:ext uri="{FF2B5EF4-FFF2-40B4-BE49-F238E27FC236}">
+                <a16:creationId xmlns:a16="http://schemas.microsoft.com/office/drawing/2014/main" id="{4472EB7E-1B01-8D52-6574-3A237CB37014}"/>
+              </a:ext>
+            </a:extLst>
+          </p:cNvPr>
+          <p:cNvSpPr/>
+          <p:nvPr/>
+        </p:nvSpPr>
+        <p:spPr>
+          <a:xfrm>
+            <a:off x="7040009" y="5879217"/>
+            <a:ext cx="801278" cy="801278"/>
+          </a:xfrm>
+          <a:prstGeom prst="ellipse">
+            <a:avLst/>
+          </a:prstGeom>
+          <a:solidFill>
+            <a:srgbClr val="FFFFFF"/>
+          </a:solidFill>
+          <a:ln w="19050">
+            <a:solidFill>
+              <a:srgbClr val="404040"/>
+            </a:solidFill>
+          </a:ln>
+        </p:spPr>
+        <p:style>
+          <a:lnRef idx="2">
+            <a:schemeClr val="accent1">
+              <a:shade val="50000"/>
+            </a:schemeClr>
+          </a:lnRef>
+          <a:fillRef idx="1">
+            <a:schemeClr val="accent1"/>
+          </a:fillRef>
+          <a:effectRef idx="0">
+            <a:schemeClr val="accent1"/>
+          </a:effectRef>
+          <a:fontRef idx="minor">
+            <a:schemeClr val="lt1"/>
+          </a:fontRef>
+        </p:style>
+        <p:txBody>
+          <a:bodyPr rtlCol="0" anchor="ctr"/>
+          <a:lstStyle/>
+          <a:p>
+            <a:pPr algn="ctr"/>
+            <a:r>
+              <a:rPr lang="en-US" altLang="ko-KR" dirty="0">
+                <a:solidFill>
+                  <a:srgbClr val="404040"/>
+                </a:solidFill>
+                <a:latin typeface="나눔스퀘어 Bold" panose="020B0600000101010101" pitchFamily="50" charset="-127"/>
+                <a:ea typeface="나눔스퀘어 Bold" panose="020B0600000101010101" pitchFamily="50" charset="-127"/>
+              </a:rPr>
+              <a:t>3/2</a:t>
+            </a:r>
+            <a:endParaRPr lang="ko-KR" altLang="en-US" dirty="0">
+              <a:solidFill>
+                <a:srgbClr val="404040"/>
+              </a:solidFill>
+              <a:latin typeface="나눔스퀘어 Bold" panose="020B0600000101010101" pitchFamily="50" charset="-127"/>
+              <a:ea typeface="나눔스퀘어 Bold" panose="020B0600000101010101" pitchFamily="50" charset="-127"/>
+            </a:endParaRPr>
+          </a:p>
+        </p:txBody>
+      </p:sp>
+      <p:sp>
+        <p:nvSpPr>
+          <p:cNvPr id="15" name="타원 14">
+            <a:extLst>
+              <a:ext uri="{FF2B5EF4-FFF2-40B4-BE49-F238E27FC236}">
+                <a16:creationId xmlns:a16="http://schemas.microsoft.com/office/drawing/2014/main" id="{4C1FAD7A-416B-CE82-8E87-6A041255F6EB}"/>
+              </a:ext>
+            </a:extLst>
+          </p:cNvPr>
+          <p:cNvSpPr/>
+          <p:nvPr/>
+        </p:nvSpPr>
+        <p:spPr>
+          <a:xfrm>
+            <a:off x="8416323" y="5879217"/>
+            <a:ext cx="801278" cy="801278"/>
+          </a:xfrm>
+          <a:prstGeom prst="ellipse">
+            <a:avLst/>
+          </a:prstGeom>
+          <a:solidFill>
+            <a:srgbClr val="FFFFFF"/>
+          </a:solidFill>
+          <a:ln w="19050">
+            <a:solidFill>
+              <a:srgbClr val="404040"/>
+            </a:solidFill>
+          </a:ln>
+        </p:spPr>
+        <p:style>
+          <a:lnRef idx="2">
+            <a:schemeClr val="accent1">
+              <a:shade val="50000"/>
+            </a:schemeClr>
+          </a:lnRef>
+          <a:fillRef idx="1">
+            <a:schemeClr val="accent1"/>
+          </a:fillRef>
+          <a:effectRef idx="0">
+            <a:schemeClr val="accent1"/>
+          </a:effectRef>
+          <a:fontRef idx="minor">
+            <a:schemeClr val="lt1"/>
+          </a:fontRef>
+        </p:style>
+        <p:txBody>
+          <a:bodyPr rtlCol="0" anchor="ctr"/>
+          <a:lstStyle/>
+          <a:p>
+            <a:pPr algn="ctr"/>
+            <a:r>
+              <a:rPr lang="en-US" altLang="ko-KR" dirty="0">
+                <a:solidFill>
+                  <a:srgbClr val="404040"/>
+                </a:solidFill>
+                <a:latin typeface="나눔스퀘어 Bold" panose="020B0600000101010101" pitchFamily="50" charset="-127"/>
+                <a:ea typeface="나눔스퀘어 Bold" panose="020B0600000101010101" pitchFamily="50" charset="-127"/>
+              </a:rPr>
+              <a:t>2/3</a:t>
+            </a:r>
+            <a:endParaRPr lang="ko-KR" altLang="en-US" dirty="0">
+              <a:solidFill>
+                <a:srgbClr val="404040"/>
+              </a:solidFill>
+              <a:latin typeface="나눔스퀘어 Bold" panose="020B0600000101010101" pitchFamily="50" charset="-127"/>
+              <a:ea typeface="나눔스퀘어 Bold" panose="020B0600000101010101" pitchFamily="50" charset="-127"/>
+            </a:endParaRPr>
+          </a:p>
+        </p:txBody>
+      </p:sp>
+      <p:sp>
+        <p:nvSpPr>
+          <p:cNvPr id="16" name="타원 15">
+            <a:extLst>
+              <a:ext uri="{FF2B5EF4-FFF2-40B4-BE49-F238E27FC236}">
+                <a16:creationId xmlns:a16="http://schemas.microsoft.com/office/drawing/2014/main" id="{4C016C1F-3F4D-1ADE-5DA9-E1987DEDF28C}"/>
+              </a:ext>
+            </a:extLst>
+          </p:cNvPr>
+          <p:cNvSpPr/>
+          <p:nvPr/>
+        </p:nvSpPr>
+        <p:spPr>
+          <a:xfrm>
+            <a:off x="9792637" y="5879217"/>
+            <a:ext cx="801278" cy="801278"/>
+          </a:xfrm>
+          <a:prstGeom prst="ellipse">
+            <a:avLst/>
+          </a:prstGeom>
+          <a:solidFill>
+            <a:srgbClr val="FFFFFF"/>
+          </a:solidFill>
+          <a:ln w="19050">
+            <a:solidFill>
+              <a:srgbClr val="FF0000"/>
+            </a:solidFill>
+          </a:ln>
+        </p:spPr>
+        <p:style>
+          <a:lnRef idx="2">
+            <a:schemeClr val="accent1">
+              <a:shade val="50000"/>
+            </a:schemeClr>
+          </a:lnRef>
+          <a:fillRef idx="1">
+            <a:schemeClr val="accent1"/>
+          </a:fillRef>
+          <a:effectRef idx="0">
+            <a:schemeClr val="accent1"/>
+          </a:effectRef>
+          <a:fontRef idx="minor">
+            <a:schemeClr val="lt1"/>
+          </a:fontRef>
+        </p:style>
+        <p:txBody>
+          <a:bodyPr rtlCol="0" anchor="ctr"/>
+          <a:lstStyle/>
+          <a:p>
+            <a:pPr algn="ctr"/>
+            <a:r>
+              <a:rPr lang="en-US" altLang="ko-KR" dirty="0">
+                <a:solidFill>
+                  <a:srgbClr val="404040"/>
+                </a:solidFill>
+                <a:latin typeface="나눔스퀘어 Bold" panose="020B0600000101010101" pitchFamily="50" charset="-127"/>
+                <a:ea typeface="나눔스퀘어 Bold" panose="020B0600000101010101" pitchFamily="50" charset="-127"/>
+              </a:rPr>
+              <a:t>1/4</a:t>
+            </a:r>
+            <a:endParaRPr lang="ko-KR" altLang="en-US" dirty="0">
+              <a:solidFill>
+                <a:srgbClr val="404040"/>
+              </a:solidFill>
+              <a:latin typeface="나눔스퀘어 Bold" panose="020B0600000101010101" pitchFamily="50" charset="-127"/>
+              <a:ea typeface="나눔스퀘어 Bold" panose="020B0600000101010101" pitchFamily="50" charset="-127"/>
+            </a:endParaRPr>
+          </a:p>
+        </p:txBody>
+      </p:sp>
+      <p:sp>
+        <p:nvSpPr>
+          <p:cNvPr id="17" name="TextBox 16">
+            <a:extLst>
+              <a:ext uri="{FF2B5EF4-FFF2-40B4-BE49-F238E27FC236}">
+                <a16:creationId xmlns:a16="http://schemas.microsoft.com/office/drawing/2014/main" id="{E2864289-E0FD-EAB1-9F36-BB3098D48516}"/>
+              </a:ext>
+            </a:extLst>
+          </p:cNvPr>
+          <p:cNvSpPr txBox="1"/>
+          <p:nvPr/>
+        </p:nvSpPr>
+        <p:spPr>
+          <a:xfrm>
+            <a:off x="11156817" y="4827658"/>
+            <a:ext cx="587604" cy="369332"/>
+          </a:xfrm>
+          <a:prstGeom prst="rect">
+            <a:avLst/>
+          </a:prstGeom>
+          <a:noFill/>
+        </p:spPr>
+        <p:txBody>
+          <a:bodyPr wrap="square" rtlCol="0">
+            <a:spAutoFit/>
+          </a:bodyPr>
+          <a:lstStyle/>
+          <a:p>
+            <a:r>
+              <a:rPr lang="en-US" altLang="ko-KR" dirty="0">
+                <a:latin typeface="나눔스퀘어 Light" panose="020B0600000101010101" pitchFamily="50" charset="-127"/>
+                <a:ea typeface="나눔스퀘어 Light" panose="020B0600000101010101" pitchFamily="50" charset="-127"/>
+              </a:rPr>
+              <a:t>3</a:t>
+            </a:r>
+            <a:r>
+              <a:rPr lang="ko-KR" altLang="en-US" dirty="0">
+                <a:latin typeface="나눔스퀘어 Light" panose="020B0600000101010101" pitchFamily="50" charset="-127"/>
+                <a:ea typeface="나눔스퀘어 Light" panose="020B0600000101010101" pitchFamily="50" charset="-127"/>
+              </a:rPr>
+              <a:t>층</a:t>
+            </a:r>
+          </a:p>
+        </p:txBody>
+      </p:sp>
+      <p:sp>
+        <p:nvSpPr>
+          <p:cNvPr id="18" name="TextBox 17">
+            <a:extLst>
+              <a:ext uri="{FF2B5EF4-FFF2-40B4-BE49-F238E27FC236}">
+                <a16:creationId xmlns:a16="http://schemas.microsoft.com/office/drawing/2014/main" id="{E595FF23-97A8-5EB2-3923-463A3CB77A28}"/>
+              </a:ext>
+            </a:extLst>
+          </p:cNvPr>
+          <p:cNvSpPr txBox="1"/>
+          <p:nvPr/>
+        </p:nvSpPr>
+        <p:spPr>
+          <a:xfrm>
+            <a:off x="11156817" y="6071996"/>
+            <a:ext cx="587604" cy="369332"/>
+          </a:xfrm>
+          <a:prstGeom prst="rect">
+            <a:avLst/>
+          </a:prstGeom>
+          <a:noFill/>
+        </p:spPr>
+        <p:txBody>
+          <a:bodyPr wrap="square" rtlCol="0">
+            <a:spAutoFit/>
+          </a:bodyPr>
+          <a:lstStyle/>
+          <a:p>
+            <a:r>
+              <a:rPr lang="en-US" altLang="ko-KR" dirty="0">
+                <a:latin typeface="나눔스퀘어 Light" panose="020B0600000101010101" pitchFamily="50" charset="-127"/>
+                <a:ea typeface="나눔스퀘어 Light" panose="020B0600000101010101" pitchFamily="50" charset="-127"/>
+              </a:rPr>
+              <a:t>4</a:t>
+            </a:r>
+            <a:r>
+              <a:rPr lang="ko-KR" altLang="en-US" dirty="0">
+                <a:latin typeface="나눔스퀘어 Light" panose="020B0600000101010101" pitchFamily="50" charset="-127"/>
+                <a:ea typeface="나눔스퀘어 Light" panose="020B0600000101010101" pitchFamily="50" charset="-127"/>
+              </a:rPr>
+              <a:t>층</a:t>
+            </a:r>
+          </a:p>
+        </p:txBody>
+      </p:sp>
+      <p:sp>
+        <p:nvSpPr>
+          <p:cNvPr id="19" name="TextBox 18">
+            <a:extLst>
+              <a:ext uri="{FF2B5EF4-FFF2-40B4-BE49-F238E27FC236}">
+                <a16:creationId xmlns:a16="http://schemas.microsoft.com/office/drawing/2014/main" id="{2694153E-3497-D2CB-2BBE-C7A1A116CB2A}"/>
+              </a:ext>
+            </a:extLst>
+          </p:cNvPr>
+          <p:cNvSpPr txBox="1"/>
+          <p:nvPr/>
+        </p:nvSpPr>
+        <p:spPr>
+          <a:xfrm>
+            <a:off x="6063548" y="4628329"/>
+            <a:ext cx="381786" cy="369594"/>
+          </a:xfrm>
+          <a:prstGeom prst="rect">
+            <a:avLst/>
+          </a:prstGeom>
+          <a:noFill/>
+        </p:spPr>
+        <p:txBody>
+          <a:bodyPr wrap="square" rtlCol="0">
+            <a:spAutoFit/>
+          </a:bodyPr>
+          <a:lstStyle/>
+          <a:p>
+            <a:pPr algn="ctr"/>
+            <a:r>
+              <a:rPr lang="en-US" altLang="ko-KR" dirty="0">
+                <a:solidFill>
+                  <a:srgbClr val="FF0000"/>
+                </a:solidFill>
+                <a:latin typeface="나눔스퀘어 Bold" panose="020B0600000101010101" pitchFamily="50" charset="-127"/>
+                <a:ea typeface="나눔스퀘어 Bold" panose="020B0600000101010101" pitchFamily="50" charset="-127"/>
+              </a:rPr>
+              <a:t>4</a:t>
+            </a:r>
+            <a:endParaRPr lang="ko-KR" altLang="en-US" dirty="0">
+              <a:solidFill>
+                <a:srgbClr val="FF0000"/>
+              </a:solidFill>
+              <a:latin typeface="나눔스퀘어 Bold" panose="020B0600000101010101" pitchFamily="50" charset="-127"/>
+              <a:ea typeface="나눔스퀘어 Bold" panose="020B0600000101010101" pitchFamily="50" charset="-127"/>
+            </a:endParaRPr>
+          </a:p>
+        </p:txBody>
+      </p:sp>
+      <p:sp>
+        <p:nvSpPr>
+          <p:cNvPr id="20" name="TextBox 19">
+            <a:extLst>
+              <a:ext uri="{FF2B5EF4-FFF2-40B4-BE49-F238E27FC236}">
+                <a16:creationId xmlns:a16="http://schemas.microsoft.com/office/drawing/2014/main" id="{4FFFB3D1-59A0-7E55-D15C-231FB0B29D34}"/>
+              </a:ext>
+            </a:extLst>
+          </p:cNvPr>
+          <p:cNvSpPr txBox="1"/>
+          <p:nvPr/>
+        </p:nvSpPr>
+        <p:spPr>
+          <a:xfrm>
+            <a:off x="7433491" y="4628329"/>
+            <a:ext cx="381786" cy="369594"/>
+          </a:xfrm>
+          <a:prstGeom prst="rect">
+            <a:avLst/>
+          </a:prstGeom>
+          <a:noFill/>
+        </p:spPr>
+        <p:txBody>
+          <a:bodyPr wrap="square" rtlCol="0">
+            <a:spAutoFit/>
+          </a:bodyPr>
+          <a:lstStyle/>
+          <a:p>
+            <a:pPr algn="ctr"/>
+            <a:r>
+              <a:rPr lang="en-US" altLang="ko-KR" dirty="0">
+                <a:solidFill>
+                  <a:srgbClr val="FF0000"/>
+                </a:solidFill>
+                <a:latin typeface="나눔스퀘어 Bold" panose="020B0600000101010101" pitchFamily="50" charset="-127"/>
+                <a:ea typeface="나눔스퀘어 Bold" panose="020B0600000101010101" pitchFamily="50" charset="-127"/>
+              </a:rPr>
+              <a:t>5</a:t>
+            </a:r>
+            <a:endParaRPr lang="ko-KR" altLang="en-US" dirty="0">
+              <a:solidFill>
+                <a:srgbClr val="FF0000"/>
+              </a:solidFill>
+              <a:latin typeface="나눔스퀘어 Bold" panose="020B0600000101010101" pitchFamily="50" charset="-127"/>
+              <a:ea typeface="나눔스퀘어 Bold" panose="020B0600000101010101" pitchFamily="50" charset="-127"/>
+            </a:endParaRPr>
+          </a:p>
+        </p:txBody>
+      </p:sp>
+      <p:sp>
+        <p:nvSpPr>
+          <p:cNvPr id="21" name="TextBox 20">
+            <a:extLst>
+              <a:ext uri="{FF2B5EF4-FFF2-40B4-BE49-F238E27FC236}">
+                <a16:creationId xmlns:a16="http://schemas.microsoft.com/office/drawing/2014/main" id="{62BE4BF8-B695-E4A4-25BB-E074ABC352F9}"/>
+              </a:ext>
+            </a:extLst>
+          </p:cNvPr>
+          <p:cNvSpPr txBox="1"/>
+          <p:nvPr/>
+        </p:nvSpPr>
+        <p:spPr>
+          <a:xfrm>
+            <a:off x="8801337" y="4628329"/>
+            <a:ext cx="381786" cy="369594"/>
+          </a:xfrm>
+          <a:prstGeom prst="rect">
+            <a:avLst/>
+          </a:prstGeom>
+          <a:noFill/>
+        </p:spPr>
+        <p:txBody>
+          <a:bodyPr wrap="square" rtlCol="0">
+            <a:spAutoFit/>
+          </a:bodyPr>
+          <a:lstStyle/>
+          <a:p>
+            <a:pPr algn="ctr"/>
+            <a:r>
+              <a:rPr lang="en-US" altLang="ko-KR" dirty="0">
+                <a:solidFill>
+                  <a:srgbClr val="FF0000"/>
+                </a:solidFill>
+                <a:latin typeface="나눔스퀘어 Bold" panose="020B0600000101010101" pitchFamily="50" charset="-127"/>
+                <a:ea typeface="나눔스퀘어 Bold" panose="020B0600000101010101" pitchFamily="50" charset="-127"/>
+              </a:rPr>
+              <a:t>6</a:t>
+            </a:r>
+            <a:endParaRPr lang="ko-KR" altLang="en-US" dirty="0">
+              <a:solidFill>
+                <a:srgbClr val="FF0000"/>
+              </a:solidFill>
+              <a:latin typeface="나눔스퀘어 Bold" panose="020B0600000101010101" pitchFamily="50" charset="-127"/>
+              <a:ea typeface="나눔스퀘어 Bold" panose="020B0600000101010101" pitchFamily="50" charset="-127"/>
+            </a:endParaRPr>
+          </a:p>
+        </p:txBody>
+      </p:sp>
+      <p:sp>
+        <p:nvSpPr>
+          <p:cNvPr id="22" name="TextBox 21">
+            <a:extLst>
+              <a:ext uri="{FF2B5EF4-FFF2-40B4-BE49-F238E27FC236}">
+                <a16:creationId xmlns:a16="http://schemas.microsoft.com/office/drawing/2014/main" id="{245CDF66-7F3F-285A-8A33-67CECDB947BA}"/>
+              </a:ext>
+            </a:extLst>
+          </p:cNvPr>
+          <p:cNvSpPr txBox="1"/>
+          <p:nvPr/>
+        </p:nvSpPr>
+        <p:spPr>
+          <a:xfrm>
+            <a:off x="9537495" y="5898363"/>
+            <a:ext cx="335886" cy="369332"/>
+          </a:xfrm>
+          <a:prstGeom prst="rect">
+            <a:avLst/>
+          </a:prstGeom>
+          <a:noFill/>
+        </p:spPr>
+        <p:txBody>
+          <a:bodyPr wrap="square" rtlCol="0">
+            <a:spAutoFit/>
+          </a:bodyPr>
+          <a:lstStyle/>
+          <a:p>
+            <a:pPr algn="ctr"/>
+            <a:r>
+              <a:rPr lang="en-US" altLang="ko-KR" dirty="0">
+                <a:solidFill>
+                  <a:srgbClr val="FF0000"/>
+                </a:solidFill>
+                <a:latin typeface="나눔스퀘어 Bold" panose="020B0600000101010101" pitchFamily="50" charset="-127"/>
+                <a:ea typeface="나눔스퀘어 Bold" panose="020B0600000101010101" pitchFamily="50" charset="-127"/>
+              </a:rPr>
+              <a:t>7</a:t>
+            </a:r>
+            <a:endParaRPr lang="ko-KR" altLang="en-US" dirty="0">
+              <a:solidFill>
+                <a:srgbClr val="FF0000"/>
+              </a:solidFill>
+              <a:latin typeface="나눔스퀘어 Bold" panose="020B0600000101010101" pitchFamily="50" charset="-127"/>
+              <a:ea typeface="나눔스퀘어 Bold" panose="020B0600000101010101" pitchFamily="50" charset="-127"/>
+            </a:endParaRPr>
+          </a:p>
+        </p:txBody>
+      </p:sp>
+      <p:sp>
+        <p:nvSpPr>
+          <p:cNvPr id="23" name="TextBox 22">
+            <a:extLst>
+              <a:ext uri="{FF2B5EF4-FFF2-40B4-BE49-F238E27FC236}">
+                <a16:creationId xmlns:a16="http://schemas.microsoft.com/office/drawing/2014/main" id="{1A0B694F-5A7C-95A1-FF03-C1FC22D1338C}"/>
+              </a:ext>
+            </a:extLst>
+          </p:cNvPr>
+          <p:cNvSpPr txBox="1"/>
+          <p:nvPr/>
+        </p:nvSpPr>
+        <p:spPr>
+          <a:xfrm>
+            <a:off x="8150232" y="5898363"/>
+            <a:ext cx="335886" cy="369332"/>
+          </a:xfrm>
+          <a:prstGeom prst="rect">
+            <a:avLst/>
+          </a:prstGeom>
+          <a:noFill/>
+        </p:spPr>
+        <p:txBody>
+          <a:bodyPr wrap="square" rtlCol="0">
+            <a:spAutoFit/>
+          </a:bodyPr>
+          <a:lstStyle/>
+          <a:p>
+            <a:pPr algn="ctr"/>
+            <a:r>
+              <a:rPr lang="en-US" altLang="ko-KR" dirty="0">
+                <a:solidFill>
+                  <a:srgbClr val="FF0000"/>
+                </a:solidFill>
+                <a:latin typeface="나눔스퀘어 Bold" panose="020B0600000101010101" pitchFamily="50" charset="-127"/>
+                <a:ea typeface="나눔스퀘어 Bold" panose="020B0600000101010101" pitchFamily="50" charset="-127"/>
+              </a:rPr>
+              <a:t>8</a:t>
+            </a:r>
+            <a:endParaRPr lang="ko-KR" altLang="en-US" dirty="0">
+              <a:solidFill>
+                <a:srgbClr val="FF0000"/>
+              </a:solidFill>
+              <a:latin typeface="나눔스퀘어 Bold" panose="020B0600000101010101" pitchFamily="50" charset="-127"/>
+              <a:ea typeface="나눔스퀘어 Bold" panose="020B0600000101010101" pitchFamily="50" charset="-127"/>
+            </a:endParaRPr>
+          </a:p>
+        </p:txBody>
+      </p:sp>
+      <p:sp>
+        <p:nvSpPr>
+          <p:cNvPr id="24" name="TextBox 23">
+            <a:extLst>
+              <a:ext uri="{FF2B5EF4-FFF2-40B4-BE49-F238E27FC236}">
+                <a16:creationId xmlns:a16="http://schemas.microsoft.com/office/drawing/2014/main" id="{3BD57638-D00C-A091-6C57-F0E67802FFDA}"/>
+              </a:ext>
+            </a:extLst>
+          </p:cNvPr>
+          <p:cNvSpPr txBox="1"/>
+          <p:nvPr/>
+        </p:nvSpPr>
+        <p:spPr>
+          <a:xfrm>
+            <a:off x="6773918" y="5898363"/>
+            <a:ext cx="335886" cy="369332"/>
+          </a:xfrm>
+          <a:prstGeom prst="rect">
+            <a:avLst/>
+          </a:prstGeom>
+          <a:noFill/>
+        </p:spPr>
+        <p:txBody>
+          <a:bodyPr wrap="square" rtlCol="0">
+            <a:spAutoFit/>
+          </a:bodyPr>
+          <a:lstStyle/>
+          <a:p>
+            <a:pPr algn="ctr"/>
+            <a:r>
+              <a:rPr lang="en-US" altLang="ko-KR" dirty="0">
+                <a:solidFill>
+                  <a:srgbClr val="FF0000"/>
+                </a:solidFill>
+                <a:latin typeface="나눔스퀘어 Bold" panose="020B0600000101010101" pitchFamily="50" charset="-127"/>
+                <a:ea typeface="나눔스퀘어 Bold" panose="020B0600000101010101" pitchFamily="50" charset="-127"/>
+              </a:rPr>
+              <a:t>9</a:t>
+            </a:r>
+            <a:endParaRPr lang="ko-KR" altLang="en-US" dirty="0">
+              <a:solidFill>
+                <a:srgbClr val="FF0000"/>
+              </a:solidFill>
+              <a:latin typeface="나눔스퀘어 Bold" panose="020B0600000101010101" pitchFamily="50" charset="-127"/>
+              <a:ea typeface="나눔스퀘어 Bold" panose="020B0600000101010101" pitchFamily="50" charset="-127"/>
+            </a:endParaRPr>
+          </a:p>
+        </p:txBody>
+      </p:sp>
+      <p:sp>
+        <p:nvSpPr>
+          <p:cNvPr id="25" name="TextBox 24">
+            <a:extLst>
+              <a:ext uri="{FF2B5EF4-FFF2-40B4-BE49-F238E27FC236}">
+                <a16:creationId xmlns:a16="http://schemas.microsoft.com/office/drawing/2014/main" id="{97A2ECA4-800A-6C2A-1FE7-CF3D4344EFF4}"/>
+              </a:ext>
+            </a:extLst>
+          </p:cNvPr>
+          <p:cNvSpPr txBox="1"/>
+          <p:nvPr/>
+        </p:nvSpPr>
+        <p:spPr>
+          <a:xfrm>
+            <a:off x="5276761" y="5898363"/>
+            <a:ext cx="466893" cy="369332"/>
+          </a:xfrm>
+          <a:prstGeom prst="rect">
+            <a:avLst/>
+          </a:prstGeom>
+          <a:noFill/>
+        </p:spPr>
+        <p:txBody>
+          <a:bodyPr wrap="square" rtlCol="0">
+            <a:spAutoFit/>
+          </a:bodyPr>
+          <a:lstStyle/>
+          <a:p>
+            <a:pPr algn="ctr"/>
+            <a:r>
+              <a:rPr lang="en-US" altLang="ko-KR" dirty="0">
+                <a:solidFill>
+                  <a:srgbClr val="FF0000"/>
+                </a:solidFill>
+                <a:latin typeface="나눔스퀘어 Bold" panose="020B0600000101010101" pitchFamily="50" charset="-127"/>
+                <a:ea typeface="나눔스퀘어 Bold" panose="020B0600000101010101" pitchFamily="50" charset="-127"/>
+              </a:rPr>
+              <a:t>10</a:t>
+            </a:r>
+            <a:endParaRPr lang="ko-KR" altLang="en-US" dirty="0">
+              <a:solidFill>
+                <a:srgbClr val="FF0000"/>
+              </a:solidFill>
+              <a:latin typeface="나눔스퀘어 Bold" panose="020B0600000101010101" pitchFamily="50" charset="-127"/>
+              <a:ea typeface="나눔스퀘어 Bold" panose="020B0600000101010101" pitchFamily="50" charset="-127"/>
+            </a:endParaRPr>
+          </a:p>
+        </p:txBody>
+      </p:sp>
+    </p:spTree>
+    <p:extLst>
+      <p:ext uri="{BB962C8B-B14F-4D97-AF65-F5344CB8AC3E}">
+        <p14:creationId xmlns:p14="http://schemas.microsoft.com/office/powerpoint/2010/main" val="1384087248"/>
+      </p:ext>
+    </p:extLst>
+  </p:cSld>
+  <p:clrMapOvr>
+    <a:masterClrMapping/>
+  </p:clrMapOvr>
+</p:sld>
+</file>
+
 <file path=ppt/slides/slide4.xml><?xml version="1.0" encoding="utf-8"?>
 <p:sld xmlns:a="http://schemas.openxmlformats.org/drawingml/2006/main" xmlns:r="http://schemas.openxmlformats.org/officeDocument/2006/relationships" xmlns:p="http://schemas.openxmlformats.org/presentationml/2006/main">
   <p:cSld>
@@ -13471,6 +17472,2035 @@
     <p:extLst>
       <p:ext uri="{BB962C8B-B14F-4D97-AF65-F5344CB8AC3E}">
         <p14:creationId xmlns:p14="http://schemas.microsoft.com/office/powerpoint/2010/main" val="3824791051"/>
+      </p:ext>
+    </p:extLst>
+  </p:cSld>
+  <p:clrMapOvr>
+    <a:masterClrMapping/>
+  </p:clrMapOvr>
+</p:sld>
+</file>
+
+<file path=ppt/slides/slide40.xml><?xml version="1.0" encoding="utf-8"?>
+<p:sld xmlns:a="http://schemas.openxmlformats.org/drawingml/2006/main" xmlns:r="http://schemas.openxmlformats.org/officeDocument/2006/relationships" xmlns:p="http://schemas.openxmlformats.org/presentationml/2006/main">
+  <p:cSld>
+    <p:spTree>
+      <p:nvGrpSpPr>
+        <p:cNvPr id="1" name=""/>
+        <p:cNvGrpSpPr/>
+        <p:nvPr/>
+      </p:nvGrpSpPr>
+      <p:grpSpPr>
+        <a:xfrm>
+          <a:off x="0" y="0"/>
+          <a:ext cx="0" cy="0"/>
+          <a:chOff x="0" y="0"/>
+          <a:chExt cx="0" cy="0"/>
+        </a:xfrm>
+      </p:grpSpPr>
+      <p:cxnSp>
+        <p:nvCxnSpPr>
+          <p:cNvPr id="5" name="직선 연결선 4">
+            <a:extLst>
+              <a:ext uri="{FF2B5EF4-FFF2-40B4-BE49-F238E27FC236}">
+                <a16:creationId xmlns:a16="http://schemas.microsoft.com/office/drawing/2014/main" id="{164C2827-EFCE-69A4-D037-1A218415F568}"/>
+              </a:ext>
+            </a:extLst>
+          </p:cNvPr>
+          <p:cNvCxnSpPr/>
+          <p:nvPr/>
+        </p:nvCxnSpPr>
+        <p:spPr>
+          <a:xfrm>
+            <a:off x="0" y="887505"/>
+            <a:ext cx="10237694" cy="0"/>
+          </a:xfrm>
+          <a:prstGeom prst="line">
+            <a:avLst/>
+          </a:prstGeom>
+          <a:ln w="76200">
+            <a:solidFill>
+              <a:schemeClr val="tx1">
+                <a:lumMod val="75000"/>
+                <a:lumOff val="25000"/>
+              </a:schemeClr>
+            </a:solidFill>
+          </a:ln>
+        </p:spPr>
+        <p:style>
+          <a:lnRef idx="1">
+            <a:schemeClr val="accent1"/>
+          </a:lnRef>
+          <a:fillRef idx="0">
+            <a:schemeClr val="accent1"/>
+          </a:fillRef>
+          <a:effectRef idx="0">
+            <a:schemeClr val="accent1"/>
+          </a:effectRef>
+          <a:fontRef idx="minor">
+            <a:schemeClr val="tx1"/>
+          </a:fontRef>
+        </p:style>
+      </p:cxnSp>
+      <p:sp>
+        <p:nvSpPr>
+          <p:cNvPr id="6" name="TextBox 5">
+            <a:extLst>
+              <a:ext uri="{FF2B5EF4-FFF2-40B4-BE49-F238E27FC236}">
+                <a16:creationId xmlns:a16="http://schemas.microsoft.com/office/drawing/2014/main" id="{908ED9B9-09D3-CFA8-625A-6F9BB9B6BD23}"/>
+              </a:ext>
+            </a:extLst>
+          </p:cNvPr>
+          <p:cNvSpPr txBox="1"/>
+          <p:nvPr/>
+        </p:nvSpPr>
+        <p:spPr>
+          <a:xfrm>
+            <a:off x="331694" y="177505"/>
+            <a:ext cx="5453737" cy="523220"/>
+          </a:xfrm>
+          <a:prstGeom prst="rect">
+            <a:avLst/>
+          </a:prstGeom>
+          <a:noFill/>
+        </p:spPr>
+        <p:txBody>
+          <a:bodyPr wrap="none" rtlCol="0">
+            <a:spAutoFit/>
+          </a:bodyPr>
+          <a:lstStyle/>
+          <a:p>
+            <a:r>
+              <a:rPr lang="en-US" altLang="ko-KR" sz="2800" dirty="0">
+                <a:latin typeface="나눔스퀘어 Bold" panose="020B0600000101010101" pitchFamily="50" charset="-127"/>
+                <a:ea typeface="나눔스퀘어 Bold" panose="020B0600000101010101" pitchFamily="50" charset="-127"/>
+              </a:rPr>
+              <a:t>Implementation – 1193 </a:t>
+            </a:r>
+            <a:r>
+              <a:rPr lang="ko-KR" altLang="en-US" sz="2800" dirty="0" err="1">
+                <a:latin typeface="나눔스퀘어 Bold" panose="020B0600000101010101" pitchFamily="50" charset="-127"/>
+                <a:ea typeface="나눔스퀘어 Bold" panose="020B0600000101010101" pitchFamily="50" charset="-127"/>
+              </a:rPr>
+              <a:t>분수찾기</a:t>
+            </a:r>
+            <a:endParaRPr lang="ko-KR" altLang="en-US" sz="2800" dirty="0">
+              <a:latin typeface="나눔스퀘어 Bold" panose="020B0600000101010101" pitchFamily="50" charset="-127"/>
+              <a:ea typeface="나눔스퀘어 Bold" panose="020B0600000101010101" pitchFamily="50" charset="-127"/>
+            </a:endParaRPr>
+          </a:p>
+        </p:txBody>
+      </p:sp>
+      <p:sp>
+        <p:nvSpPr>
+          <p:cNvPr id="44" name="TextBox 43">
+            <a:extLst>
+              <a:ext uri="{FF2B5EF4-FFF2-40B4-BE49-F238E27FC236}">
+                <a16:creationId xmlns:a16="http://schemas.microsoft.com/office/drawing/2014/main" id="{1BEE0D8E-6388-13D9-5393-620FCF5E0DE8}"/>
+              </a:ext>
+            </a:extLst>
+          </p:cNvPr>
+          <p:cNvSpPr txBox="1"/>
+          <p:nvPr/>
+        </p:nvSpPr>
+        <p:spPr>
+          <a:xfrm>
+            <a:off x="942387" y="1190024"/>
+            <a:ext cx="8553305" cy="369332"/>
+          </a:xfrm>
+          <a:prstGeom prst="rect">
+            <a:avLst/>
+          </a:prstGeom>
+          <a:noFill/>
+        </p:spPr>
+        <p:txBody>
+          <a:bodyPr wrap="square" rtlCol="0">
+            <a:spAutoFit/>
+          </a:bodyPr>
+          <a:lstStyle/>
+          <a:p>
+            <a:r>
+              <a:rPr lang="en-US" altLang="ko-KR" dirty="0">
+                <a:latin typeface="나눔스퀘어 Light" panose="020B0600000101010101" pitchFamily="50" charset="-127"/>
+                <a:ea typeface="나눔스퀘어 Light" panose="020B0600000101010101" pitchFamily="50" charset="-127"/>
+              </a:rPr>
+              <a:t>X</a:t>
+            </a:r>
+            <a:r>
+              <a:rPr lang="ko-KR" altLang="en-US" dirty="0">
+                <a:latin typeface="나눔스퀘어 Light" panose="020B0600000101010101" pitchFamily="50" charset="-127"/>
+                <a:ea typeface="나눔스퀘어 Light" panose="020B0600000101010101" pitchFamily="50" charset="-127"/>
+              </a:rPr>
+              <a:t>번째 정점이 해당 층에서 몇 번째에 있는지 구해 그 만큼 분모</a:t>
+            </a:r>
+            <a:r>
+              <a:rPr lang="en-US" altLang="ko-KR" dirty="0">
+                <a:latin typeface="나눔스퀘어 Light" panose="020B0600000101010101" pitchFamily="50" charset="-127"/>
+                <a:ea typeface="나눔스퀘어 Light" panose="020B0600000101010101" pitchFamily="50" charset="-127"/>
+              </a:rPr>
+              <a:t>, </a:t>
+            </a:r>
+            <a:r>
+              <a:rPr lang="ko-KR" altLang="en-US" dirty="0">
+                <a:latin typeface="나눔스퀘어 Light" panose="020B0600000101010101" pitchFamily="50" charset="-127"/>
+                <a:ea typeface="나눔스퀘어 Light" panose="020B0600000101010101" pitchFamily="50" charset="-127"/>
+              </a:rPr>
+              <a:t>분자에 증감연산을 </a:t>
+            </a:r>
+            <a:r>
+              <a:rPr lang="ko-KR" altLang="en-US" dirty="0" err="1">
+                <a:latin typeface="나눔스퀘어 Light" panose="020B0600000101010101" pitchFamily="50" charset="-127"/>
+                <a:ea typeface="나눔스퀘어 Light" panose="020B0600000101010101" pitchFamily="50" charset="-127"/>
+              </a:rPr>
+              <a:t>해줌</a:t>
+            </a:r>
+            <a:endParaRPr lang="ko-KR" altLang="en-US" dirty="0">
+              <a:latin typeface="나눔스퀘어 Light" panose="020B0600000101010101" pitchFamily="50" charset="-127"/>
+              <a:ea typeface="나눔스퀘어 Light" panose="020B0600000101010101" pitchFamily="50" charset="-127"/>
+            </a:endParaRPr>
+          </a:p>
+        </p:txBody>
+      </p:sp>
+      <p:pic>
+        <p:nvPicPr>
+          <p:cNvPr id="4" name="그림 3">
+            <a:extLst>
+              <a:ext uri="{FF2B5EF4-FFF2-40B4-BE49-F238E27FC236}">
+                <a16:creationId xmlns:a16="http://schemas.microsoft.com/office/drawing/2014/main" id="{F03F9653-794E-DA14-664E-7B6426149421}"/>
+              </a:ext>
+            </a:extLst>
+          </p:cNvPr>
+          <p:cNvPicPr>
+            <a:picLocks noChangeAspect="1"/>
+          </p:cNvPicPr>
+          <p:nvPr/>
+        </p:nvPicPr>
+        <p:blipFill>
+          <a:blip r:embed="rId2"/>
+          <a:stretch>
+            <a:fillRect/>
+          </a:stretch>
+        </p:blipFill>
+        <p:spPr>
+          <a:xfrm>
+            <a:off x="942387" y="1861873"/>
+            <a:ext cx="7344598" cy="2889236"/>
+          </a:xfrm>
+          <a:prstGeom prst="rect">
+            <a:avLst/>
+          </a:prstGeom>
+        </p:spPr>
+      </p:pic>
+      <p:cxnSp>
+        <p:nvCxnSpPr>
+          <p:cNvPr id="26" name="직선 화살표 연결선 25">
+            <a:extLst>
+              <a:ext uri="{FF2B5EF4-FFF2-40B4-BE49-F238E27FC236}">
+                <a16:creationId xmlns:a16="http://schemas.microsoft.com/office/drawing/2014/main" id="{7EDA6828-48BC-550E-A1A9-CE68BD9B9E78}"/>
+              </a:ext>
+            </a:extLst>
+          </p:cNvPr>
+          <p:cNvCxnSpPr>
+            <a:cxnSpLocks/>
+          </p:cNvCxnSpPr>
+          <p:nvPr/>
+        </p:nvCxnSpPr>
+        <p:spPr>
+          <a:xfrm flipH="1">
+            <a:off x="5392510" y="6393843"/>
+            <a:ext cx="5588339" cy="0"/>
+          </a:xfrm>
+          <a:prstGeom prst="straightConnector1">
+            <a:avLst/>
+          </a:prstGeom>
+          <a:ln w="19050">
+            <a:solidFill>
+              <a:srgbClr val="404040"/>
+            </a:solidFill>
+            <a:tailEnd type="triangle"/>
+          </a:ln>
+        </p:spPr>
+        <p:style>
+          <a:lnRef idx="1">
+            <a:schemeClr val="accent1"/>
+          </a:lnRef>
+          <a:fillRef idx="0">
+            <a:schemeClr val="accent1"/>
+          </a:fillRef>
+          <a:effectRef idx="0">
+            <a:schemeClr val="accent1"/>
+          </a:effectRef>
+          <a:fontRef idx="minor">
+            <a:schemeClr val="tx1"/>
+          </a:fontRef>
+        </p:style>
+      </p:cxnSp>
+      <p:cxnSp>
+        <p:nvCxnSpPr>
+          <p:cNvPr id="27" name="직선 화살표 연결선 26">
+            <a:extLst>
+              <a:ext uri="{FF2B5EF4-FFF2-40B4-BE49-F238E27FC236}">
+                <a16:creationId xmlns:a16="http://schemas.microsoft.com/office/drawing/2014/main" id="{E11222D0-4207-3123-0401-6A3D2B571B9E}"/>
+              </a:ext>
+            </a:extLst>
+          </p:cNvPr>
+          <p:cNvCxnSpPr>
+            <a:cxnSpLocks/>
+          </p:cNvCxnSpPr>
+          <p:nvPr/>
+        </p:nvCxnSpPr>
+        <p:spPr>
+          <a:xfrm>
+            <a:off x="5392510" y="5149505"/>
+            <a:ext cx="5588339" cy="0"/>
+          </a:xfrm>
+          <a:prstGeom prst="straightConnector1">
+            <a:avLst/>
+          </a:prstGeom>
+          <a:ln w="19050">
+            <a:solidFill>
+              <a:srgbClr val="404040"/>
+            </a:solidFill>
+            <a:tailEnd type="triangle"/>
+          </a:ln>
+        </p:spPr>
+        <p:style>
+          <a:lnRef idx="1">
+            <a:schemeClr val="accent1"/>
+          </a:lnRef>
+          <a:fillRef idx="0">
+            <a:schemeClr val="accent1"/>
+          </a:fillRef>
+          <a:effectRef idx="0">
+            <a:schemeClr val="accent1"/>
+          </a:effectRef>
+          <a:fontRef idx="minor">
+            <a:schemeClr val="tx1"/>
+          </a:fontRef>
+        </p:style>
+      </p:cxnSp>
+      <p:sp>
+        <p:nvSpPr>
+          <p:cNvPr id="28" name="타원 27">
+            <a:extLst>
+              <a:ext uri="{FF2B5EF4-FFF2-40B4-BE49-F238E27FC236}">
+                <a16:creationId xmlns:a16="http://schemas.microsoft.com/office/drawing/2014/main" id="{A68A61C1-A2D1-0FD1-2E43-0ACCDDA28325}"/>
+              </a:ext>
+            </a:extLst>
+          </p:cNvPr>
+          <p:cNvSpPr/>
+          <p:nvPr/>
+        </p:nvSpPr>
+        <p:spPr>
+          <a:xfrm>
+            <a:off x="6342425" y="4751109"/>
+            <a:ext cx="801278" cy="801278"/>
+          </a:xfrm>
+          <a:prstGeom prst="ellipse">
+            <a:avLst/>
+          </a:prstGeom>
+          <a:solidFill>
+            <a:srgbClr val="FFFFFF"/>
+          </a:solidFill>
+          <a:ln w="19050">
+            <a:solidFill>
+              <a:srgbClr val="FF0000"/>
+            </a:solidFill>
+          </a:ln>
+        </p:spPr>
+        <p:style>
+          <a:lnRef idx="2">
+            <a:schemeClr val="accent1">
+              <a:shade val="50000"/>
+            </a:schemeClr>
+          </a:lnRef>
+          <a:fillRef idx="1">
+            <a:schemeClr val="accent1"/>
+          </a:fillRef>
+          <a:effectRef idx="0">
+            <a:schemeClr val="accent1"/>
+          </a:effectRef>
+          <a:fontRef idx="minor">
+            <a:schemeClr val="lt1"/>
+          </a:fontRef>
+        </p:style>
+        <p:txBody>
+          <a:bodyPr rtlCol="0" anchor="ctr"/>
+          <a:lstStyle/>
+          <a:p>
+            <a:pPr algn="ctr"/>
+            <a:r>
+              <a:rPr lang="en-US" altLang="ko-KR" dirty="0">
+                <a:solidFill>
+                  <a:srgbClr val="404040"/>
+                </a:solidFill>
+                <a:latin typeface="나눔스퀘어 Bold" panose="020B0600000101010101" pitchFamily="50" charset="-127"/>
+                <a:ea typeface="나눔스퀘어 Bold" panose="020B0600000101010101" pitchFamily="50" charset="-127"/>
+              </a:rPr>
+              <a:t>3/1</a:t>
+            </a:r>
+            <a:endParaRPr lang="ko-KR" altLang="en-US" dirty="0">
+              <a:solidFill>
+                <a:srgbClr val="404040"/>
+              </a:solidFill>
+              <a:latin typeface="나눔스퀘어 Bold" panose="020B0600000101010101" pitchFamily="50" charset="-127"/>
+              <a:ea typeface="나눔스퀘어 Bold" panose="020B0600000101010101" pitchFamily="50" charset="-127"/>
+            </a:endParaRPr>
+          </a:p>
+        </p:txBody>
+      </p:sp>
+      <p:sp>
+        <p:nvSpPr>
+          <p:cNvPr id="29" name="타원 28">
+            <a:extLst>
+              <a:ext uri="{FF2B5EF4-FFF2-40B4-BE49-F238E27FC236}">
+                <a16:creationId xmlns:a16="http://schemas.microsoft.com/office/drawing/2014/main" id="{9C71DCCE-C541-3928-4996-43A143876B05}"/>
+              </a:ext>
+            </a:extLst>
+          </p:cNvPr>
+          <p:cNvSpPr/>
+          <p:nvPr/>
+        </p:nvSpPr>
+        <p:spPr>
+          <a:xfrm>
+            <a:off x="7718739" y="4751109"/>
+            <a:ext cx="801278" cy="801278"/>
+          </a:xfrm>
+          <a:prstGeom prst="ellipse">
+            <a:avLst/>
+          </a:prstGeom>
+          <a:solidFill>
+            <a:srgbClr val="FFFFFF"/>
+          </a:solidFill>
+          <a:ln w="19050">
+            <a:solidFill>
+              <a:srgbClr val="404040"/>
+            </a:solidFill>
+          </a:ln>
+        </p:spPr>
+        <p:style>
+          <a:lnRef idx="2">
+            <a:schemeClr val="accent1">
+              <a:shade val="50000"/>
+            </a:schemeClr>
+          </a:lnRef>
+          <a:fillRef idx="1">
+            <a:schemeClr val="accent1"/>
+          </a:fillRef>
+          <a:effectRef idx="0">
+            <a:schemeClr val="accent1"/>
+          </a:effectRef>
+          <a:fontRef idx="minor">
+            <a:schemeClr val="lt1"/>
+          </a:fontRef>
+        </p:style>
+        <p:txBody>
+          <a:bodyPr rtlCol="0" anchor="ctr"/>
+          <a:lstStyle/>
+          <a:p>
+            <a:pPr algn="ctr"/>
+            <a:r>
+              <a:rPr lang="en-US" altLang="ko-KR" dirty="0">
+                <a:solidFill>
+                  <a:srgbClr val="404040"/>
+                </a:solidFill>
+                <a:latin typeface="나눔스퀘어 Bold" panose="020B0600000101010101" pitchFamily="50" charset="-127"/>
+                <a:ea typeface="나눔스퀘어 Bold" panose="020B0600000101010101" pitchFamily="50" charset="-127"/>
+              </a:rPr>
+              <a:t>2/2</a:t>
+            </a:r>
+            <a:endParaRPr lang="ko-KR" altLang="en-US" dirty="0">
+              <a:solidFill>
+                <a:srgbClr val="404040"/>
+              </a:solidFill>
+              <a:latin typeface="나눔스퀘어 Bold" panose="020B0600000101010101" pitchFamily="50" charset="-127"/>
+              <a:ea typeface="나눔스퀘어 Bold" panose="020B0600000101010101" pitchFamily="50" charset="-127"/>
+            </a:endParaRPr>
+          </a:p>
+        </p:txBody>
+      </p:sp>
+      <p:sp>
+        <p:nvSpPr>
+          <p:cNvPr id="30" name="타원 29">
+            <a:extLst>
+              <a:ext uri="{FF2B5EF4-FFF2-40B4-BE49-F238E27FC236}">
+                <a16:creationId xmlns:a16="http://schemas.microsoft.com/office/drawing/2014/main" id="{7DDDA043-9098-FA6A-32CA-6CA4339147B2}"/>
+              </a:ext>
+            </a:extLst>
+          </p:cNvPr>
+          <p:cNvSpPr/>
+          <p:nvPr/>
+        </p:nvSpPr>
+        <p:spPr>
+          <a:xfrm>
+            <a:off x="9095053" y="4751109"/>
+            <a:ext cx="801278" cy="801278"/>
+          </a:xfrm>
+          <a:prstGeom prst="ellipse">
+            <a:avLst/>
+          </a:prstGeom>
+          <a:solidFill>
+            <a:srgbClr val="FFFFFF"/>
+          </a:solidFill>
+          <a:ln w="19050">
+            <a:solidFill>
+              <a:srgbClr val="00B050"/>
+            </a:solidFill>
+          </a:ln>
+        </p:spPr>
+        <p:style>
+          <a:lnRef idx="2">
+            <a:schemeClr val="accent1">
+              <a:shade val="50000"/>
+            </a:schemeClr>
+          </a:lnRef>
+          <a:fillRef idx="1">
+            <a:schemeClr val="accent1"/>
+          </a:fillRef>
+          <a:effectRef idx="0">
+            <a:schemeClr val="accent1"/>
+          </a:effectRef>
+          <a:fontRef idx="minor">
+            <a:schemeClr val="lt1"/>
+          </a:fontRef>
+        </p:style>
+        <p:txBody>
+          <a:bodyPr rtlCol="0" anchor="ctr"/>
+          <a:lstStyle/>
+          <a:p>
+            <a:pPr algn="ctr"/>
+            <a:r>
+              <a:rPr lang="en-US" altLang="ko-KR" dirty="0">
+                <a:solidFill>
+                  <a:srgbClr val="404040"/>
+                </a:solidFill>
+                <a:latin typeface="나눔스퀘어 Bold" panose="020B0600000101010101" pitchFamily="50" charset="-127"/>
+                <a:ea typeface="나눔스퀘어 Bold" panose="020B0600000101010101" pitchFamily="50" charset="-127"/>
+              </a:rPr>
+              <a:t>1/3</a:t>
+            </a:r>
+            <a:endParaRPr lang="ko-KR" altLang="en-US" dirty="0">
+              <a:solidFill>
+                <a:srgbClr val="404040"/>
+              </a:solidFill>
+              <a:latin typeface="나눔스퀘어 Bold" panose="020B0600000101010101" pitchFamily="50" charset="-127"/>
+              <a:ea typeface="나눔스퀘어 Bold" panose="020B0600000101010101" pitchFamily="50" charset="-127"/>
+            </a:endParaRPr>
+          </a:p>
+        </p:txBody>
+      </p:sp>
+      <p:sp>
+        <p:nvSpPr>
+          <p:cNvPr id="31" name="타원 30">
+            <a:extLst>
+              <a:ext uri="{FF2B5EF4-FFF2-40B4-BE49-F238E27FC236}">
+                <a16:creationId xmlns:a16="http://schemas.microsoft.com/office/drawing/2014/main" id="{BDCB49FF-8912-4D5A-AA83-926CFD89E76A}"/>
+              </a:ext>
+            </a:extLst>
+          </p:cNvPr>
+          <p:cNvSpPr/>
+          <p:nvPr/>
+        </p:nvSpPr>
+        <p:spPr>
+          <a:xfrm>
+            <a:off x="5663695" y="6016398"/>
+            <a:ext cx="801278" cy="801278"/>
+          </a:xfrm>
+          <a:prstGeom prst="ellipse">
+            <a:avLst/>
+          </a:prstGeom>
+          <a:solidFill>
+            <a:srgbClr val="FFFFFF"/>
+          </a:solidFill>
+          <a:ln w="19050">
+            <a:solidFill>
+              <a:srgbClr val="404040"/>
+            </a:solidFill>
+          </a:ln>
+        </p:spPr>
+        <p:style>
+          <a:lnRef idx="2">
+            <a:schemeClr val="accent1">
+              <a:shade val="50000"/>
+            </a:schemeClr>
+          </a:lnRef>
+          <a:fillRef idx="1">
+            <a:schemeClr val="accent1"/>
+          </a:fillRef>
+          <a:effectRef idx="0">
+            <a:schemeClr val="accent1"/>
+          </a:effectRef>
+          <a:fontRef idx="minor">
+            <a:schemeClr val="lt1"/>
+          </a:fontRef>
+        </p:style>
+        <p:txBody>
+          <a:bodyPr rtlCol="0" anchor="ctr"/>
+          <a:lstStyle/>
+          <a:p>
+            <a:pPr algn="ctr"/>
+            <a:r>
+              <a:rPr lang="en-US" altLang="ko-KR" dirty="0">
+                <a:solidFill>
+                  <a:srgbClr val="404040"/>
+                </a:solidFill>
+                <a:latin typeface="나눔스퀘어 Bold" panose="020B0600000101010101" pitchFamily="50" charset="-127"/>
+                <a:ea typeface="나눔스퀘어 Bold" panose="020B0600000101010101" pitchFamily="50" charset="-127"/>
+              </a:rPr>
+              <a:t>4/1</a:t>
+            </a:r>
+            <a:endParaRPr lang="ko-KR" altLang="en-US" dirty="0">
+              <a:solidFill>
+                <a:srgbClr val="404040"/>
+              </a:solidFill>
+              <a:latin typeface="나눔스퀘어 Bold" panose="020B0600000101010101" pitchFamily="50" charset="-127"/>
+              <a:ea typeface="나눔스퀘어 Bold" panose="020B0600000101010101" pitchFamily="50" charset="-127"/>
+            </a:endParaRPr>
+          </a:p>
+        </p:txBody>
+      </p:sp>
+      <p:sp>
+        <p:nvSpPr>
+          <p:cNvPr id="32" name="타원 31">
+            <a:extLst>
+              <a:ext uri="{FF2B5EF4-FFF2-40B4-BE49-F238E27FC236}">
+                <a16:creationId xmlns:a16="http://schemas.microsoft.com/office/drawing/2014/main" id="{658BFD36-2D53-68D4-D3B4-195154FEF4E6}"/>
+              </a:ext>
+            </a:extLst>
+          </p:cNvPr>
+          <p:cNvSpPr/>
+          <p:nvPr/>
+        </p:nvSpPr>
+        <p:spPr>
+          <a:xfrm>
+            <a:off x="7040009" y="6016398"/>
+            <a:ext cx="801278" cy="801278"/>
+          </a:xfrm>
+          <a:prstGeom prst="ellipse">
+            <a:avLst/>
+          </a:prstGeom>
+          <a:solidFill>
+            <a:srgbClr val="FFFFFF"/>
+          </a:solidFill>
+          <a:ln w="19050">
+            <a:solidFill>
+              <a:srgbClr val="00B050"/>
+            </a:solidFill>
+          </a:ln>
+        </p:spPr>
+        <p:style>
+          <a:lnRef idx="2">
+            <a:schemeClr val="accent1">
+              <a:shade val="50000"/>
+            </a:schemeClr>
+          </a:lnRef>
+          <a:fillRef idx="1">
+            <a:schemeClr val="accent1"/>
+          </a:fillRef>
+          <a:effectRef idx="0">
+            <a:schemeClr val="accent1"/>
+          </a:effectRef>
+          <a:fontRef idx="minor">
+            <a:schemeClr val="lt1"/>
+          </a:fontRef>
+        </p:style>
+        <p:txBody>
+          <a:bodyPr rtlCol="0" anchor="ctr"/>
+          <a:lstStyle/>
+          <a:p>
+            <a:pPr algn="ctr"/>
+            <a:r>
+              <a:rPr lang="en-US" altLang="ko-KR" dirty="0">
+                <a:solidFill>
+                  <a:srgbClr val="404040"/>
+                </a:solidFill>
+                <a:latin typeface="나눔스퀘어 Bold" panose="020B0600000101010101" pitchFamily="50" charset="-127"/>
+                <a:ea typeface="나눔스퀘어 Bold" panose="020B0600000101010101" pitchFamily="50" charset="-127"/>
+              </a:rPr>
+              <a:t>3/2</a:t>
+            </a:r>
+            <a:endParaRPr lang="ko-KR" altLang="en-US" dirty="0">
+              <a:solidFill>
+                <a:srgbClr val="404040"/>
+              </a:solidFill>
+              <a:latin typeface="나눔스퀘어 Bold" panose="020B0600000101010101" pitchFamily="50" charset="-127"/>
+              <a:ea typeface="나눔스퀘어 Bold" panose="020B0600000101010101" pitchFamily="50" charset="-127"/>
+            </a:endParaRPr>
+          </a:p>
+        </p:txBody>
+      </p:sp>
+      <p:sp>
+        <p:nvSpPr>
+          <p:cNvPr id="33" name="타원 32">
+            <a:extLst>
+              <a:ext uri="{FF2B5EF4-FFF2-40B4-BE49-F238E27FC236}">
+                <a16:creationId xmlns:a16="http://schemas.microsoft.com/office/drawing/2014/main" id="{E5997ED9-2D1D-23F9-1FBA-E73B8866F573}"/>
+              </a:ext>
+            </a:extLst>
+          </p:cNvPr>
+          <p:cNvSpPr/>
+          <p:nvPr/>
+        </p:nvSpPr>
+        <p:spPr>
+          <a:xfrm>
+            <a:off x="8416323" y="6016398"/>
+            <a:ext cx="801278" cy="801278"/>
+          </a:xfrm>
+          <a:prstGeom prst="ellipse">
+            <a:avLst/>
+          </a:prstGeom>
+          <a:solidFill>
+            <a:srgbClr val="FFFFFF"/>
+          </a:solidFill>
+          <a:ln w="19050">
+            <a:solidFill>
+              <a:srgbClr val="404040"/>
+            </a:solidFill>
+          </a:ln>
+        </p:spPr>
+        <p:style>
+          <a:lnRef idx="2">
+            <a:schemeClr val="accent1">
+              <a:shade val="50000"/>
+            </a:schemeClr>
+          </a:lnRef>
+          <a:fillRef idx="1">
+            <a:schemeClr val="accent1"/>
+          </a:fillRef>
+          <a:effectRef idx="0">
+            <a:schemeClr val="accent1"/>
+          </a:effectRef>
+          <a:fontRef idx="minor">
+            <a:schemeClr val="lt1"/>
+          </a:fontRef>
+        </p:style>
+        <p:txBody>
+          <a:bodyPr rtlCol="0" anchor="ctr"/>
+          <a:lstStyle/>
+          <a:p>
+            <a:pPr algn="ctr"/>
+            <a:r>
+              <a:rPr lang="en-US" altLang="ko-KR" dirty="0">
+                <a:solidFill>
+                  <a:srgbClr val="404040"/>
+                </a:solidFill>
+                <a:latin typeface="나눔스퀘어 Bold" panose="020B0600000101010101" pitchFamily="50" charset="-127"/>
+                <a:ea typeface="나눔스퀘어 Bold" panose="020B0600000101010101" pitchFamily="50" charset="-127"/>
+              </a:rPr>
+              <a:t>2/3</a:t>
+            </a:r>
+            <a:endParaRPr lang="ko-KR" altLang="en-US" dirty="0">
+              <a:solidFill>
+                <a:srgbClr val="404040"/>
+              </a:solidFill>
+              <a:latin typeface="나눔스퀘어 Bold" panose="020B0600000101010101" pitchFamily="50" charset="-127"/>
+              <a:ea typeface="나눔스퀘어 Bold" panose="020B0600000101010101" pitchFamily="50" charset="-127"/>
+            </a:endParaRPr>
+          </a:p>
+        </p:txBody>
+      </p:sp>
+      <p:sp>
+        <p:nvSpPr>
+          <p:cNvPr id="34" name="타원 33">
+            <a:extLst>
+              <a:ext uri="{FF2B5EF4-FFF2-40B4-BE49-F238E27FC236}">
+                <a16:creationId xmlns:a16="http://schemas.microsoft.com/office/drawing/2014/main" id="{3B1BAF21-8557-6131-E9DB-CE1687403BA9}"/>
+              </a:ext>
+            </a:extLst>
+          </p:cNvPr>
+          <p:cNvSpPr/>
+          <p:nvPr/>
+        </p:nvSpPr>
+        <p:spPr>
+          <a:xfrm>
+            <a:off x="9792637" y="6016398"/>
+            <a:ext cx="801278" cy="801278"/>
+          </a:xfrm>
+          <a:prstGeom prst="ellipse">
+            <a:avLst/>
+          </a:prstGeom>
+          <a:solidFill>
+            <a:srgbClr val="FFFFFF"/>
+          </a:solidFill>
+          <a:ln w="19050">
+            <a:solidFill>
+              <a:srgbClr val="FF0000"/>
+            </a:solidFill>
+          </a:ln>
+        </p:spPr>
+        <p:style>
+          <a:lnRef idx="2">
+            <a:schemeClr val="accent1">
+              <a:shade val="50000"/>
+            </a:schemeClr>
+          </a:lnRef>
+          <a:fillRef idx="1">
+            <a:schemeClr val="accent1"/>
+          </a:fillRef>
+          <a:effectRef idx="0">
+            <a:schemeClr val="accent1"/>
+          </a:effectRef>
+          <a:fontRef idx="minor">
+            <a:schemeClr val="lt1"/>
+          </a:fontRef>
+        </p:style>
+        <p:txBody>
+          <a:bodyPr rtlCol="0" anchor="ctr"/>
+          <a:lstStyle/>
+          <a:p>
+            <a:pPr algn="ctr"/>
+            <a:r>
+              <a:rPr lang="en-US" altLang="ko-KR" dirty="0">
+                <a:solidFill>
+                  <a:srgbClr val="404040"/>
+                </a:solidFill>
+                <a:latin typeface="나눔스퀘어 Bold" panose="020B0600000101010101" pitchFamily="50" charset="-127"/>
+                <a:ea typeface="나눔스퀘어 Bold" panose="020B0600000101010101" pitchFamily="50" charset="-127"/>
+              </a:rPr>
+              <a:t>1/4</a:t>
+            </a:r>
+            <a:endParaRPr lang="ko-KR" altLang="en-US" dirty="0">
+              <a:solidFill>
+                <a:srgbClr val="404040"/>
+              </a:solidFill>
+              <a:latin typeface="나눔스퀘어 Bold" panose="020B0600000101010101" pitchFamily="50" charset="-127"/>
+              <a:ea typeface="나눔스퀘어 Bold" panose="020B0600000101010101" pitchFamily="50" charset="-127"/>
+            </a:endParaRPr>
+          </a:p>
+        </p:txBody>
+      </p:sp>
+      <p:sp>
+        <p:nvSpPr>
+          <p:cNvPr id="35" name="TextBox 34">
+            <a:extLst>
+              <a:ext uri="{FF2B5EF4-FFF2-40B4-BE49-F238E27FC236}">
+                <a16:creationId xmlns:a16="http://schemas.microsoft.com/office/drawing/2014/main" id="{7E0021BA-F7B3-CEE3-10F5-E724CFC1308F}"/>
+              </a:ext>
+            </a:extLst>
+          </p:cNvPr>
+          <p:cNvSpPr txBox="1"/>
+          <p:nvPr/>
+        </p:nvSpPr>
+        <p:spPr>
+          <a:xfrm>
+            <a:off x="11156817" y="4964839"/>
+            <a:ext cx="587604" cy="369332"/>
+          </a:xfrm>
+          <a:prstGeom prst="rect">
+            <a:avLst/>
+          </a:prstGeom>
+          <a:noFill/>
+        </p:spPr>
+        <p:txBody>
+          <a:bodyPr wrap="square" rtlCol="0">
+            <a:spAutoFit/>
+          </a:bodyPr>
+          <a:lstStyle/>
+          <a:p>
+            <a:r>
+              <a:rPr lang="en-US" altLang="ko-KR" dirty="0">
+                <a:latin typeface="나눔스퀘어 Light" panose="020B0600000101010101" pitchFamily="50" charset="-127"/>
+                <a:ea typeface="나눔스퀘어 Light" panose="020B0600000101010101" pitchFamily="50" charset="-127"/>
+              </a:rPr>
+              <a:t>3</a:t>
+            </a:r>
+            <a:r>
+              <a:rPr lang="ko-KR" altLang="en-US" dirty="0">
+                <a:latin typeface="나눔스퀘어 Light" panose="020B0600000101010101" pitchFamily="50" charset="-127"/>
+                <a:ea typeface="나눔스퀘어 Light" panose="020B0600000101010101" pitchFamily="50" charset="-127"/>
+              </a:rPr>
+              <a:t>층</a:t>
+            </a:r>
+          </a:p>
+        </p:txBody>
+      </p:sp>
+      <p:sp>
+        <p:nvSpPr>
+          <p:cNvPr id="36" name="TextBox 35">
+            <a:extLst>
+              <a:ext uri="{FF2B5EF4-FFF2-40B4-BE49-F238E27FC236}">
+                <a16:creationId xmlns:a16="http://schemas.microsoft.com/office/drawing/2014/main" id="{5030B9F8-1652-A5AF-F509-837003B1B364}"/>
+              </a:ext>
+            </a:extLst>
+          </p:cNvPr>
+          <p:cNvSpPr txBox="1"/>
+          <p:nvPr/>
+        </p:nvSpPr>
+        <p:spPr>
+          <a:xfrm>
+            <a:off x="11156817" y="6209177"/>
+            <a:ext cx="587604" cy="369332"/>
+          </a:xfrm>
+          <a:prstGeom prst="rect">
+            <a:avLst/>
+          </a:prstGeom>
+          <a:noFill/>
+        </p:spPr>
+        <p:txBody>
+          <a:bodyPr wrap="square" rtlCol="0">
+            <a:spAutoFit/>
+          </a:bodyPr>
+          <a:lstStyle/>
+          <a:p>
+            <a:r>
+              <a:rPr lang="en-US" altLang="ko-KR" dirty="0">
+                <a:latin typeface="나눔스퀘어 Light" panose="020B0600000101010101" pitchFamily="50" charset="-127"/>
+                <a:ea typeface="나눔스퀘어 Light" panose="020B0600000101010101" pitchFamily="50" charset="-127"/>
+              </a:rPr>
+              <a:t>4</a:t>
+            </a:r>
+            <a:r>
+              <a:rPr lang="ko-KR" altLang="en-US" dirty="0">
+                <a:latin typeface="나눔스퀘어 Light" panose="020B0600000101010101" pitchFamily="50" charset="-127"/>
+                <a:ea typeface="나눔스퀘어 Light" panose="020B0600000101010101" pitchFamily="50" charset="-127"/>
+              </a:rPr>
+              <a:t>층</a:t>
+            </a:r>
+          </a:p>
+        </p:txBody>
+      </p:sp>
+      <p:sp>
+        <p:nvSpPr>
+          <p:cNvPr id="37" name="TextBox 36">
+            <a:extLst>
+              <a:ext uri="{FF2B5EF4-FFF2-40B4-BE49-F238E27FC236}">
+                <a16:creationId xmlns:a16="http://schemas.microsoft.com/office/drawing/2014/main" id="{D030E320-338B-0E5B-DC1A-B31AA0F22752}"/>
+              </a:ext>
+            </a:extLst>
+          </p:cNvPr>
+          <p:cNvSpPr txBox="1"/>
+          <p:nvPr/>
+        </p:nvSpPr>
+        <p:spPr>
+          <a:xfrm>
+            <a:off x="6063548" y="4765510"/>
+            <a:ext cx="381786" cy="369594"/>
+          </a:xfrm>
+          <a:prstGeom prst="rect">
+            <a:avLst/>
+          </a:prstGeom>
+          <a:noFill/>
+        </p:spPr>
+        <p:txBody>
+          <a:bodyPr wrap="square" rtlCol="0">
+            <a:spAutoFit/>
+          </a:bodyPr>
+          <a:lstStyle/>
+          <a:p>
+            <a:pPr algn="ctr"/>
+            <a:r>
+              <a:rPr lang="en-US" altLang="ko-KR" dirty="0">
+                <a:solidFill>
+                  <a:srgbClr val="FF0000"/>
+                </a:solidFill>
+                <a:latin typeface="나눔스퀘어 Bold" panose="020B0600000101010101" pitchFamily="50" charset="-127"/>
+                <a:ea typeface="나눔스퀘어 Bold" panose="020B0600000101010101" pitchFamily="50" charset="-127"/>
+              </a:rPr>
+              <a:t>4</a:t>
+            </a:r>
+            <a:endParaRPr lang="ko-KR" altLang="en-US" dirty="0">
+              <a:solidFill>
+                <a:srgbClr val="FF0000"/>
+              </a:solidFill>
+              <a:latin typeface="나눔스퀘어 Bold" panose="020B0600000101010101" pitchFamily="50" charset="-127"/>
+              <a:ea typeface="나눔스퀘어 Bold" panose="020B0600000101010101" pitchFamily="50" charset="-127"/>
+            </a:endParaRPr>
+          </a:p>
+        </p:txBody>
+      </p:sp>
+      <p:sp>
+        <p:nvSpPr>
+          <p:cNvPr id="38" name="TextBox 37">
+            <a:extLst>
+              <a:ext uri="{FF2B5EF4-FFF2-40B4-BE49-F238E27FC236}">
+                <a16:creationId xmlns:a16="http://schemas.microsoft.com/office/drawing/2014/main" id="{043A2782-EEB6-1B9B-4F57-580B6100E39B}"/>
+              </a:ext>
+            </a:extLst>
+          </p:cNvPr>
+          <p:cNvSpPr txBox="1"/>
+          <p:nvPr/>
+        </p:nvSpPr>
+        <p:spPr>
+          <a:xfrm>
+            <a:off x="7433491" y="4765510"/>
+            <a:ext cx="381786" cy="369594"/>
+          </a:xfrm>
+          <a:prstGeom prst="rect">
+            <a:avLst/>
+          </a:prstGeom>
+          <a:noFill/>
+        </p:spPr>
+        <p:txBody>
+          <a:bodyPr wrap="square" rtlCol="0">
+            <a:spAutoFit/>
+          </a:bodyPr>
+          <a:lstStyle/>
+          <a:p>
+            <a:pPr algn="ctr"/>
+            <a:r>
+              <a:rPr lang="en-US" altLang="ko-KR" dirty="0">
+                <a:solidFill>
+                  <a:srgbClr val="FF0000"/>
+                </a:solidFill>
+                <a:latin typeface="나눔스퀘어 Bold" panose="020B0600000101010101" pitchFamily="50" charset="-127"/>
+                <a:ea typeface="나눔스퀘어 Bold" panose="020B0600000101010101" pitchFamily="50" charset="-127"/>
+              </a:rPr>
+              <a:t>5</a:t>
+            </a:r>
+            <a:endParaRPr lang="ko-KR" altLang="en-US" dirty="0">
+              <a:solidFill>
+                <a:srgbClr val="FF0000"/>
+              </a:solidFill>
+              <a:latin typeface="나눔스퀘어 Bold" panose="020B0600000101010101" pitchFamily="50" charset="-127"/>
+              <a:ea typeface="나눔스퀘어 Bold" panose="020B0600000101010101" pitchFamily="50" charset="-127"/>
+            </a:endParaRPr>
+          </a:p>
+        </p:txBody>
+      </p:sp>
+      <p:sp>
+        <p:nvSpPr>
+          <p:cNvPr id="39" name="TextBox 38">
+            <a:extLst>
+              <a:ext uri="{FF2B5EF4-FFF2-40B4-BE49-F238E27FC236}">
+                <a16:creationId xmlns:a16="http://schemas.microsoft.com/office/drawing/2014/main" id="{B3456878-6126-D7D0-1561-35CF1F764B47}"/>
+              </a:ext>
+            </a:extLst>
+          </p:cNvPr>
+          <p:cNvSpPr txBox="1"/>
+          <p:nvPr/>
+        </p:nvSpPr>
+        <p:spPr>
+          <a:xfrm>
+            <a:off x="8801337" y="4765510"/>
+            <a:ext cx="381786" cy="369594"/>
+          </a:xfrm>
+          <a:prstGeom prst="rect">
+            <a:avLst/>
+          </a:prstGeom>
+          <a:noFill/>
+        </p:spPr>
+        <p:txBody>
+          <a:bodyPr wrap="square" rtlCol="0">
+            <a:spAutoFit/>
+          </a:bodyPr>
+          <a:lstStyle/>
+          <a:p>
+            <a:pPr algn="ctr"/>
+            <a:r>
+              <a:rPr lang="en-US" altLang="ko-KR" dirty="0">
+                <a:solidFill>
+                  <a:srgbClr val="FF0000"/>
+                </a:solidFill>
+                <a:latin typeface="나눔스퀘어 Bold" panose="020B0600000101010101" pitchFamily="50" charset="-127"/>
+                <a:ea typeface="나눔스퀘어 Bold" panose="020B0600000101010101" pitchFamily="50" charset="-127"/>
+              </a:rPr>
+              <a:t>6</a:t>
+            </a:r>
+            <a:endParaRPr lang="ko-KR" altLang="en-US" dirty="0">
+              <a:solidFill>
+                <a:srgbClr val="FF0000"/>
+              </a:solidFill>
+              <a:latin typeface="나눔스퀘어 Bold" panose="020B0600000101010101" pitchFamily="50" charset="-127"/>
+              <a:ea typeface="나눔스퀘어 Bold" panose="020B0600000101010101" pitchFamily="50" charset="-127"/>
+            </a:endParaRPr>
+          </a:p>
+        </p:txBody>
+      </p:sp>
+      <p:sp>
+        <p:nvSpPr>
+          <p:cNvPr id="40" name="TextBox 39">
+            <a:extLst>
+              <a:ext uri="{FF2B5EF4-FFF2-40B4-BE49-F238E27FC236}">
+                <a16:creationId xmlns:a16="http://schemas.microsoft.com/office/drawing/2014/main" id="{9B76F5B6-75CA-7F31-AB8E-4C0D849A7513}"/>
+              </a:ext>
+            </a:extLst>
+          </p:cNvPr>
+          <p:cNvSpPr txBox="1"/>
+          <p:nvPr/>
+        </p:nvSpPr>
+        <p:spPr>
+          <a:xfrm>
+            <a:off x="9537495" y="6035544"/>
+            <a:ext cx="335886" cy="369332"/>
+          </a:xfrm>
+          <a:prstGeom prst="rect">
+            <a:avLst/>
+          </a:prstGeom>
+          <a:noFill/>
+        </p:spPr>
+        <p:txBody>
+          <a:bodyPr wrap="square" rtlCol="0">
+            <a:spAutoFit/>
+          </a:bodyPr>
+          <a:lstStyle/>
+          <a:p>
+            <a:pPr algn="ctr"/>
+            <a:r>
+              <a:rPr lang="en-US" altLang="ko-KR" dirty="0">
+                <a:solidFill>
+                  <a:srgbClr val="FF0000"/>
+                </a:solidFill>
+                <a:latin typeface="나눔스퀘어 Bold" panose="020B0600000101010101" pitchFamily="50" charset="-127"/>
+                <a:ea typeface="나눔스퀘어 Bold" panose="020B0600000101010101" pitchFamily="50" charset="-127"/>
+              </a:rPr>
+              <a:t>7</a:t>
+            </a:r>
+            <a:endParaRPr lang="ko-KR" altLang="en-US" dirty="0">
+              <a:solidFill>
+                <a:srgbClr val="FF0000"/>
+              </a:solidFill>
+              <a:latin typeface="나눔스퀘어 Bold" panose="020B0600000101010101" pitchFamily="50" charset="-127"/>
+              <a:ea typeface="나눔스퀘어 Bold" panose="020B0600000101010101" pitchFamily="50" charset="-127"/>
+            </a:endParaRPr>
+          </a:p>
+        </p:txBody>
+      </p:sp>
+      <p:sp>
+        <p:nvSpPr>
+          <p:cNvPr id="41" name="TextBox 40">
+            <a:extLst>
+              <a:ext uri="{FF2B5EF4-FFF2-40B4-BE49-F238E27FC236}">
+                <a16:creationId xmlns:a16="http://schemas.microsoft.com/office/drawing/2014/main" id="{03C049FE-D29A-2703-6976-0D7ADD6D0861}"/>
+              </a:ext>
+            </a:extLst>
+          </p:cNvPr>
+          <p:cNvSpPr txBox="1"/>
+          <p:nvPr/>
+        </p:nvSpPr>
+        <p:spPr>
+          <a:xfrm>
+            <a:off x="8150232" y="6035544"/>
+            <a:ext cx="335886" cy="369332"/>
+          </a:xfrm>
+          <a:prstGeom prst="rect">
+            <a:avLst/>
+          </a:prstGeom>
+          <a:noFill/>
+        </p:spPr>
+        <p:txBody>
+          <a:bodyPr wrap="square" rtlCol="0">
+            <a:spAutoFit/>
+          </a:bodyPr>
+          <a:lstStyle/>
+          <a:p>
+            <a:pPr algn="ctr"/>
+            <a:r>
+              <a:rPr lang="en-US" altLang="ko-KR" dirty="0">
+                <a:solidFill>
+                  <a:srgbClr val="FF0000"/>
+                </a:solidFill>
+                <a:latin typeface="나눔스퀘어 Bold" panose="020B0600000101010101" pitchFamily="50" charset="-127"/>
+                <a:ea typeface="나눔스퀘어 Bold" panose="020B0600000101010101" pitchFamily="50" charset="-127"/>
+              </a:rPr>
+              <a:t>8</a:t>
+            </a:r>
+            <a:endParaRPr lang="ko-KR" altLang="en-US" dirty="0">
+              <a:solidFill>
+                <a:srgbClr val="FF0000"/>
+              </a:solidFill>
+              <a:latin typeface="나눔스퀘어 Bold" panose="020B0600000101010101" pitchFamily="50" charset="-127"/>
+              <a:ea typeface="나눔스퀘어 Bold" panose="020B0600000101010101" pitchFamily="50" charset="-127"/>
+            </a:endParaRPr>
+          </a:p>
+        </p:txBody>
+      </p:sp>
+      <p:sp>
+        <p:nvSpPr>
+          <p:cNvPr id="42" name="TextBox 41">
+            <a:extLst>
+              <a:ext uri="{FF2B5EF4-FFF2-40B4-BE49-F238E27FC236}">
+                <a16:creationId xmlns:a16="http://schemas.microsoft.com/office/drawing/2014/main" id="{43BAF553-E349-1CEE-8512-C05BE864C31D}"/>
+              </a:ext>
+            </a:extLst>
+          </p:cNvPr>
+          <p:cNvSpPr txBox="1"/>
+          <p:nvPr/>
+        </p:nvSpPr>
+        <p:spPr>
+          <a:xfrm>
+            <a:off x="6773918" y="6035544"/>
+            <a:ext cx="335886" cy="369332"/>
+          </a:xfrm>
+          <a:prstGeom prst="rect">
+            <a:avLst/>
+          </a:prstGeom>
+          <a:noFill/>
+        </p:spPr>
+        <p:txBody>
+          <a:bodyPr wrap="square" rtlCol="0">
+            <a:spAutoFit/>
+          </a:bodyPr>
+          <a:lstStyle/>
+          <a:p>
+            <a:pPr algn="ctr"/>
+            <a:r>
+              <a:rPr lang="en-US" altLang="ko-KR" dirty="0">
+                <a:solidFill>
+                  <a:srgbClr val="FF0000"/>
+                </a:solidFill>
+                <a:latin typeface="나눔스퀘어 Bold" panose="020B0600000101010101" pitchFamily="50" charset="-127"/>
+                <a:ea typeface="나눔스퀘어 Bold" panose="020B0600000101010101" pitchFamily="50" charset="-127"/>
+              </a:rPr>
+              <a:t>9</a:t>
+            </a:r>
+            <a:endParaRPr lang="ko-KR" altLang="en-US" dirty="0">
+              <a:solidFill>
+                <a:srgbClr val="FF0000"/>
+              </a:solidFill>
+              <a:latin typeface="나눔스퀘어 Bold" panose="020B0600000101010101" pitchFamily="50" charset="-127"/>
+              <a:ea typeface="나눔스퀘어 Bold" panose="020B0600000101010101" pitchFamily="50" charset="-127"/>
+            </a:endParaRPr>
+          </a:p>
+        </p:txBody>
+      </p:sp>
+      <p:sp>
+        <p:nvSpPr>
+          <p:cNvPr id="43" name="TextBox 42">
+            <a:extLst>
+              <a:ext uri="{FF2B5EF4-FFF2-40B4-BE49-F238E27FC236}">
+                <a16:creationId xmlns:a16="http://schemas.microsoft.com/office/drawing/2014/main" id="{12F73E86-5E88-6D34-79FC-7309F2157329}"/>
+              </a:ext>
+            </a:extLst>
+          </p:cNvPr>
+          <p:cNvSpPr txBox="1"/>
+          <p:nvPr/>
+        </p:nvSpPr>
+        <p:spPr>
+          <a:xfrm>
+            <a:off x="5276761" y="6035544"/>
+            <a:ext cx="466893" cy="369332"/>
+          </a:xfrm>
+          <a:prstGeom prst="rect">
+            <a:avLst/>
+          </a:prstGeom>
+          <a:noFill/>
+        </p:spPr>
+        <p:txBody>
+          <a:bodyPr wrap="square" rtlCol="0">
+            <a:spAutoFit/>
+          </a:bodyPr>
+          <a:lstStyle/>
+          <a:p>
+            <a:pPr algn="ctr"/>
+            <a:r>
+              <a:rPr lang="en-US" altLang="ko-KR" dirty="0">
+                <a:solidFill>
+                  <a:srgbClr val="FF0000"/>
+                </a:solidFill>
+                <a:latin typeface="나눔스퀘어 Bold" panose="020B0600000101010101" pitchFamily="50" charset="-127"/>
+                <a:ea typeface="나눔스퀘어 Bold" panose="020B0600000101010101" pitchFamily="50" charset="-127"/>
+              </a:rPr>
+              <a:t>10</a:t>
+            </a:r>
+            <a:endParaRPr lang="ko-KR" altLang="en-US" dirty="0">
+              <a:solidFill>
+                <a:srgbClr val="FF0000"/>
+              </a:solidFill>
+              <a:latin typeface="나눔스퀘어 Bold" panose="020B0600000101010101" pitchFamily="50" charset="-127"/>
+              <a:ea typeface="나눔스퀘어 Bold" panose="020B0600000101010101" pitchFamily="50" charset="-127"/>
+            </a:endParaRPr>
+          </a:p>
+        </p:txBody>
+      </p:sp>
+    </p:spTree>
+    <p:extLst>
+      <p:ext uri="{BB962C8B-B14F-4D97-AF65-F5344CB8AC3E}">
+        <p14:creationId xmlns:p14="http://schemas.microsoft.com/office/powerpoint/2010/main" val="3348090263"/>
+      </p:ext>
+    </p:extLst>
+  </p:cSld>
+  <p:clrMapOvr>
+    <a:masterClrMapping/>
+  </p:clrMapOvr>
+</p:sld>
+</file>
+
+<file path=ppt/slides/slide41.xml><?xml version="1.0" encoding="utf-8"?>
+<p:sld xmlns:a="http://schemas.openxmlformats.org/drawingml/2006/main" xmlns:r="http://schemas.openxmlformats.org/officeDocument/2006/relationships" xmlns:p="http://schemas.openxmlformats.org/presentationml/2006/main">
+  <p:cSld>
+    <p:spTree>
+      <p:nvGrpSpPr>
+        <p:cNvPr id="1" name=""/>
+        <p:cNvGrpSpPr/>
+        <p:nvPr/>
+      </p:nvGrpSpPr>
+      <p:grpSpPr>
+        <a:xfrm>
+          <a:off x="0" y="0"/>
+          <a:ext cx="0" cy="0"/>
+          <a:chOff x="0" y="0"/>
+          <a:chExt cx="0" cy="0"/>
+        </a:xfrm>
+      </p:grpSpPr>
+      <p:cxnSp>
+        <p:nvCxnSpPr>
+          <p:cNvPr id="5" name="직선 연결선 4">
+            <a:extLst>
+              <a:ext uri="{FF2B5EF4-FFF2-40B4-BE49-F238E27FC236}">
+                <a16:creationId xmlns:a16="http://schemas.microsoft.com/office/drawing/2014/main" id="{164C2827-EFCE-69A4-D037-1A218415F568}"/>
+              </a:ext>
+            </a:extLst>
+          </p:cNvPr>
+          <p:cNvCxnSpPr/>
+          <p:nvPr/>
+        </p:nvCxnSpPr>
+        <p:spPr>
+          <a:xfrm>
+            <a:off x="0" y="887505"/>
+            <a:ext cx="10237694" cy="0"/>
+          </a:xfrm>
+          <a:prstGeom prst="line">
+            <a:avLst/>
+          </a:prstGeom>
+          <a:ln w="76200">
+            <a:solidFill>
+              <a:schemeClr val="tx1">
+                <a:lumMod val="75000"/>
+                <a:lumOff val="25000"/>
+              </a:schemeClr>
+            </a:solidFill>
+          </a:ln>
+        </p:spPr>
+        <p:style>
+          <a:lnRef idx="1">
+            <a:schemeClr val="accent1"/>
+          </a:lnRef>
+          <a:fillRef idx="0">
+            <a:schemeClr val="accent1"/>
+          </a:fillRef>
+          <a:effectRef idx="0">
+            <a:schemeClr val="accent1"/>
+          </a:effectRef>
+          <a:fontRef idx="minor">
+            <a:schemeClr val="tx1"/>
+          </a:fontRef>
+        </p:style>
+      </p:cxnSp>
+      <p:sp>
+        <p:nvSpPr>
+          <p:cNvPr id="6" name="TextBox 5">
+            <a:extLst>
+              <a:ext uri="{FF2B5EF4-FFF2-40B4-BE49-F238E27FC236}">
+                <a16:creationId xmlns:a16="http://schemas.microsoft.com/office/drawing/2014/main" id="{908ED9B9-09D3-CFA8-625A-6F9BB9B6BD23}"/>
+              </a:ext>
+            </a:extLst>
+          </p:cNvPr>
+          <p:cNvSpPr txBox="1"/>
+          <p:nvPr/>
+        </p:nvSpPr>
+        <p:spPr>
+          <a:xfrm>
+            <a:off x="331694" y="177505"/>
+            <a:ext cx="5453737" cy="523220"/>
+          </a:xfrm>
+          <a:prstGeom prst="rect">
+            <a:avLst/>
+          </a:prstGeom>
+          <a:noFill/>
+        </p:spPr>
+        <p:txBody>
+          <a:bodyPr wrap="none" rtlCol="0">
+            <a:spAutoFit/>
+          </a:bodyPr>
+          <a:lstStyle/>
+          <a:p>
+            <a:r>
+              <a:rPr lang="en-US" altLang="ko-KR" sz="2800" dirty="0">
+                <a:latin typeface="나눔스퀘어 Bold" panose="020B0600000101010101" pitchFamily="50" charset="-127"/>
+                <a:ea typeface="나눔스퀘어 Bold" panose="020B0600000101010101" pitchFamily="50" charset="-127"/>
+              </a:rPr>
+              <a:t>Implementation – 1193 </a:t>
+            </a:r>
+            <a:r>
+              <a:rPr lang="ko-KR" altLang="en-US" sz="2800" dirty="0" err="1">
+                <a:latin typeface="나눔스퀘어 Bold" panose="020B0600000101010101" pitchFamily="50" charset="-127"/>
+                <a:ea typeface="나눔스퀘어 Bold" panose="020B0600000101010101" pitchFamily="50" charset="-127"/>
+              </a:rPr>
+              <a:t>분수찾기</a:t>
+            </a:r>
+            <a:endParaRPr lang="ko-KR" altLang="en-US" sz="2800" dirty="0">
+              <a:latin typeface="나눔스퀘어 Bold" panose="020B0600000101010101" pitchFamily="50" charset="-127"/>
+              <a:ea typeface="나눔스퀘어 Bold" panose="020B0600000101010101" pitchFamily="50" charset="-127"/>
+            </a:endParaRPr>
+          </a:p>
+        </p:txBody>
+      </p:sp>
+      <p:sp>
+        <p:nvSpPr>
+          <p:cNvPr id="44" name="TextBox 43">
+            <a:extLst>
+              <a:ext uri="{FF2B5EF4-FFF2-40B4-BE49-F238E27FC236}">
+                <a16:creationId xmlns:a16="http://schemas.microsoft.com/office/drawing/2014/main" id="{1BEE0D8E-6388-13D9-5393-620FCF5E0DE8}"/>
+              </a:ext>
+            </a:extLst>
+          </p:cNvPr>
+          <p:cNvSpPr txBox="1"/>
+          <p:nvPr/>
+        </p:nvSpPr>
+        <p:spPr>
+          <a:xfrm>
+            <a:off x="942387" y="1190024"/>
+            <a:ext cx="8553305" cy="369332"/>
+          </a:xfrm>
+          <a:prstGeom prst="rect">
+            <a:avLst/>
+          </a:prstGeom>
+          <a:noFill/>
+        </p:spPr>
+        <p:txBody>
+          <a:bodyPr wrap="square" rtlCol="0">
+            <a:spAutoFit/>
+          </a:bodyPr>
+          <a:lstStyle/>
+          <a:p>
+            <a:r>
+              <a:rPr lang="ko-KR" altLang="en-US" dirty="0">
+                <a:latin typeface="나눔스퀘어 Light" panose="020B0600000101010101" pitchFamily="50" charset="-127"/>
+                <a:ea typeface="나눔스퀘어 Light" panose="020B0600000101010101" pitchFamily="50" charset="-127"/>
+              </a:rPr>
+              <a:t>축약형 코드</a:t>
+            </a:r>
+          </a:p>
+        </p:txBody>
+      </p:sp>
+      <p:pic>
+        <p:nvPicPr>
+          <p:cNvPr id="3" name="그림 2">
+            <a:extLst>
+              <a:ext uri="{FF2B5EF4-FFF2-40B4-BE49-F238E27FC236}">
+                <a16:creationId xmlns:a16="http://schemas.microsoft.com/office/drawing/2014/main" id="{23E3799C-0CD9-55CC-4369-BDA2A301C403}"/>
+              </a:ext>
+            </a:extLst>
+          </p:cNvPr>
+          <p:cNvPicPr>
+            <a:picLocks noChangeAspect="1"/>
+          </p:cNvPicPr>
+          <p:nvPr/>
+        </p:nvPicPr>
+        <p:blipFill>
+          <a:blip r:embed="rId2"/>
+          <a:stretch>
+            <a:fillRect/>
+          </a:stretch>
+        </p:blipFill>
+        <p:spPr>
+          <a:xfrm>
+            <a:off x="942387" y="1684713"/>
+            <a:ext cx="7429574" cy="2877859"/>
+          </a:xfrm>
+          <a:prstGeom prst="rect">
+            <a:avLst/>
+          </a:prstGeom>
+        </p:spPr>
+      </p:pic>
+    </p:spTree>
+    <p:extLst>
+      <p:ext uri="{BB962C8B-B14F-4D97-AF65-F5344CB8AC3E}">
+        <p14:creationId xmlns:p14="http://schemas.microsoft.com/office/powerpoint/2010/main" val="2336395642"/>
+      </p:ext>
+    </p:extLst>
+  </p:cSld>
+  <p:clrMapOvr>
+    <a:masterClrMapping/>
+  </p:clrMapOvr>
+</p:sld>
+</file>
+
+<file path=ppt/slides/slide42.xml><?xml version="1.0" encoding="utf-8"?>
+<p:sld xmlns:a="http://schemas.openxmlformats.org/drawingml/2006/main" xmlns:r="http://schemas.openxmlformats.org/officeDocument/2006/relationships" xmlns:p="http://schemas.openxmlformats.org/presentationml/2006/main">
+  <p:cSld>
+    <p:spTree>
+      <p:nvGrpSpPr>
+        <p:cNvPr id="1" name=""/>
+        <p:cNvGrpSpPr/>
+        <p:nvPr/>
+      </p:nvGrpSpPr>
+      <p:grpSpPr>
+        <a:xfrm>
+          <a:off x="0" y="0"/>
+          <a:ext cx="0" cy="0"/>
+          <a:chOff x="0" y="0"/>
+          <a:chExt cx="0" cy="0"/>
+        </a:xfrm>
+      </p:grpSpPr>
+      <p:cxnSp>
+        <p:nvCxnSpPr>
+          <p:cNvPr id="5" name="직선 연결선 4">
+            <a:extLst>
+              <a:ext uri="{FF2B5EF4-FFF2-40B4-BE49-F238E27FC236}">
+                <a16:creationId xmlns:a16="http://schemas.microsoft.com/office/drawing/2014/main" id="{164C2827-EFCE-69A4-D037-1A218415F568}"/>
+              </a:ext>
+            </a:extLst>
+          </p:cNvPr>
+          <p:cNvCxnSpPr/>
+          <p:nvPr/>
+        </p:nvCxnSpPr>
+        <p:spPr>
+          <a:xfrm>
+            <a:off x="0" y="887505"/>
+            <a:ext cx="10237694" cy="0"/>
+          </a:xfrm>
+          <a:prstGeom prst="line">
+            <a:avLst/>
+          </a:prstGeom>
+          <a:ln w="76200">
+            <a:solidFill>
+              <a:schemeClr val="tx1">
+                <a:lumMod val="75000"/>
+                <a:lumOff val="25000"/>
+              </a:schemeClr>
+            </a:solidFill>
+          </a:ln>
+        </p:spPr>
+        <p:style>
+          <a:lnRef idx="1">
+            <a:schemeClr val="accent1"/>
+          </a:lnRef>
+          <a:fillRef idx="0">
+            <a:schemeClr val="accent1"/>
+          </a:fillRef>
+          <a:effectRef idx="0">
+            <a:schemeClr val="accent1"/>
+          </a:effectRef>
+          <a:fontRef idx="minor">
+            <a:schemeClr val="tx1"/>
+          </a:fontRef>
+        </p:style>
+      </p:cxnSp>
+      <p:sp>
+        <p:nvSpPr>
+          <p:cNvPr id="6" name="TextBox 5">
+            <a:extLst>
+              <a:ext uri="{FF2B5EF4-FFF2-40B4-BE49-F238E27FC236}">
+                <a16:creationId xmlns:a16="http://schemas.microsoft.com/office/drawing/2014/main" id="{908ED9B9-09D3-CFA8-625A-6F9BB9B6BD23}"/>
+              </a:ext>
+            </a:extLst>
+          </p:cNvPr>
+          <p:cNvSpPr txBox="1"/>
+          <p:nvPr/>
+        </p:nvSpPr>
+        <p:spPr>
+          <a:xfrm>
+            <a:off x="331694" y="177505"/>
+            <a:ext cx="2006190" cy="523220"/>
+          </a:xfrm>
+          <a:prstGeom prst="rect">
+            <a:avLst/>
+          </a:prstGeom>
+          <a:noFill/>
+        </p:spPr>
+        <p:txBody>
+          <a:bodyPr wrap="none" rtlCol="0">
+            <a:spAutoFit/>
+          </a:bodyPr>
+          <a:lstStyle/>
+          <a:p>
+            <a:r>
+              <a:rPr lang="en-US" altLang="ko-KR" sz="2800" dirty="0">
+                <a:latin typeface="나눔스퀘어 Bold" panose="020B0600000101010101" pitchFamily="50" charset="-127"/>
+                <a:ea typeface="나눔스퀘어 Bold" panose="020B0600000101010101" pitchFamily="50" charset="-127"/>
+              </a:rPr>
+              <a:t>Homework</a:t>
+            </a:r>
+            <a:endParaRPr lang="ko-KR" altLang="en-US" sz="2800" dirty="0">
+              <a:latin typeface="나눔스퀘어 Bold" panose="020B0600000101010101" pitchFamily="50" charset="-127"/>
+              <a:ea typeface="나눔스퀘어 Bold" panose="020B0600000101010101" pitchFamily="50" charset="-127"/>
+            </a:endParaRPr>
+          </a:p>
+        </p:txBody>
+      </p:sp>
+      <p:sp>
+        <p:nvSpPr>
+          <p:cNvPr id="7" name="TextBox 6">
+            <a:extLst>
+              <a:ext uri="{FF2B5EF4-FFF2-40B4-BE49-F238E27FC236}">
+                <a16:creationId xmlns:a16="http://schemas.microsoft.com/office/drawing/2014/main" id="{DD092523-43DA-0A5F-0C04-8239F4BF07FC}"/>
+              </a:ext>
+            </a:extLst>
+          </p:cNvPr>
+          <p:cNvSpPr txBox="1"/>
+          <p:nvPr/>
+        </p:nvSpPr>
+        <p:spPr>
+          <a:xfrm>
+            <a:off x="942387" y="1661364"/>
+            <a:ext cx="8553305" cy="369332"/>
+          </a:xfrm>
+          <a:prstGeom prst="rect">
+            <a:avLst/>
+          </a:prstGeom>
+          <a:noFill/>
+        </p:spPr>
+        <p:txBody>
+          <a:bodyPr wrap="square" rtlCol="0">
+            <a:spAutoFit/>
+          </a:bodyPr>
+          <a:lstStyle/>
+          <a:p>
+            <a:r>
+              <a:rPr lang="en-US" altLang="ko-KR" dirty="0">
+                <a:latin typeface="나눔스퀘어 Light" panose="020B0600000101010101" pitchFamily="50" charset="-127"/>
+                <a:ea typeface="나눔스퀘어 Light" panose="020B0600000101010101" pitchFamily="50" charset="-127"/>
+              </a:rPr>
+              <a:t>1. 2869 </a:t>
+            </a:r>
+            <a:r>
+              <a:rPr lang="ko-KR" altLang="en-US" dirty="0">
+                <a:latin typeface="나눔스퀘어 Light" panose="020B0600000101010101" pitchFamily="50" charset="-127"/>
+                <a:ea typeface="나눔스퀘어 Light" panose="020B0600000101010101" pitchFamily="50" charset="-127"/>
+              </a:rPr>
+              <a:t>달팽이는 올라가고 싶다</a:t>
+            </a:r>
+          </a:p>
+        </p:txBody>
+      </p:sp>
+      <p:sp>
+        <p:nvSpPr>
+          <p:cNvPr id="8" name="TextBox 7">
+            <a:extLst>
+              <a:ext uri="{FF2B5EF4-FFF2-40B4-BE49-F238E27FC236}">
+                <a16:creationId xmlns:a16="http://schemas.microsoft.com/office/drawing/2014/main" id="{80045CCB-6E92-45F3-05E2-D9718BBAEE86}"/>
+              </a:ext>
+            </a:extLst>
+          </p:cNvPr>
+          <p:cNvSpPr txBox="1"/>
+          <p:nvPr/>
+        </p:nvSpPr>
+        <p:spPr>
+          <a:xfrm>
+            <a:off x="942387" y="2030696"/>
+            <a:ext cx="8553305" cy="369332"/>
+          </a:xfrm>
+          <a:prstGeom prst="rect">
+            <a:avLst/>
+          </a:prstGeom>
+          <a:noFill/>
+        </p:spPr>
+        <p:txBody>
+          <a:bodyPr wrap="square" rtlCol="0">
+            <a:spAutoFit/>
+          </a:bodyPr>
+          <a:lstStyle/>
+          <a:p>
+            <a:r>
+              <a:rPr lang="en-US" altLang="ko-KR" dirty="0">
+                <a:latin typeface="나눔스퀘어 Light" panose="020B0600000101010101" pitchFamily="50" charset="-127"/>
+                <a:ea typeface="나눔스퀘어 Light" panose="020B0600000101010101" pitchFamily="50" charset="-127"/>
+              </a:rPr>
+              <a:t>2. 2292 </a:t>
+            </a:r>
+            <a:r>
+              <a:rPr lang="ko-KR" altLang="en-US" dirty="0">
+                <a:latin typeface="나눔스퀘어 Light" panose="020B0600000101010101" pitchFamily="50" charset="-127"/>
+                <a:ea typeface="나눔스퀘어 Light" panose="020B0600000101010101" pitchFamily="50" charset="-127"/>
+              </a:rPr>
+              <a:t>벌집</a:t>
+            </a:r>
+          </a:p>
+        </p:txBody>
+      </p:sp>
+      <p:sp>
+        <p:nvSpPr>
+          <p:cNvPr id="9" name="TextBox 8">
+            <a:extLst>
+              <a:ext uri="{FF2B5EF4-FFF2-40B4-BE49-F238E27FC236}">
+                <a16:creationId xmlns:a16="http://schemas.microsoft.com/office/drawing/2014/main" id="{F3F091EF-3E70-16E8-983D-D9C14C2EAD61}"/>
+              </a:ext>
+            </a:extLst>
+          </p:cNvPr>
+          <p:cNvSpPr txBox="1"/>
+          <p:nvPr/>
+        </p:nvSpPr>
+        <p:spPr>
+          <a:xfrm>
+            <a:off x="942387" y="1190024"/>
+            <a:ext cx="8553305" cy="369332"/>
+          </a:xfrm>
+          <a:prstGeom prst="rect">
+            <a:avLst/>
+          </a:prstGeom>
+          <a:noFill/>
+        </p:spPr>
+        <p:txBody>
+          <a:bodyPr wrap="square" rtlCol="0">
+            <a:spAutoFit/>
+          </a:bodyPr>
+          <a:lstStyle/>
+          <a:p>
+            <a:r>
+              <a:rPr lang="ko-KR" altLang="en-US" dirty="0">
+                <a:latin typeface="나눔스퀘어 Bold" panose="020B0600000101010101" pitchFamily="50" charset="-127"/>
+                <a:ea typeface="나눔스퀘어 Bold" panose="020B0600000101010101" pitchFamily="50" charset="-127"/>
+              </a:rPr>
+              <a:t>아래 문제들에 대해 스스로 생각하고 풀어보세요</a:t>
+            </a:r>
+            <a:r>
+              <a:rPr lang="en-US" altLang="ko-KR" dirty="0">
+                <a:latin typeface="나눔스퀘어 Bold" panose="020B0600000101010101" pitchFamily="50" charset="-127"/>
+                <a:ea typeface="나눔스퀘어 Bold" panose="020B0600000101010101" pitchFamily="50" charset="-127"/>
+              </a:rPr>
+              <a:t>.</a:t>
+            </a:r>
+            <a:r>
+              <a:rPr lang="ko-KR" altLang="en-US" dirty="0">
+                <a:latin typeface="나눔스퀘어 Bold" panose="020B0600000101010101" pitchFamily="50" charset="-127"/>
+                <a:ea typeface="나눔스퀘어 Bold" panose="020B0600000101010101" pitchFamily="50" charset="-127"/>
+              </a:rPr>
+              <a:t> </a:t>
+            </a:r>
+            <a:r>
+              <a:rPr lang="en-US" altLang="ko-KR" dirty="0">
+                <a:latin typeface="나눔스퀘어 Bold" panose="020B0600000101010101" pitchFamily="50" charset="-127"/>
+                <a:ea typeface="나눔스퀘어 Bold" panose="020B0600000101010101" pitchFamily="50" charset="-127"/>
+              </a:rPr>
+              <a:t>(</a:t>
+            </a:r>
+            <a:r>
+              <a:rPr lang="ko-KR" altLang="en-US" dirty="0">
+                <a:latin typeface="나눔스퀘어 Bold" panose="020B0600000101010101" pitchFamily="50" charset="-127"/>
+                <a:ea typeface="나눔스퀘어 Bold" panose="020B0600000101010101" pitchFamily="50" charset="-127"/>
+              </a:rPr>
+              <a:t>해설은 따로 진행하진 않겠습니다</a:t>
+            </a:r>
+            <a:r>
+              <a:rPr lang="en-US" altLang="ko-KR" dirty="0">
+                <a:latin typeface="나눔스퀘어 Bold" panose="020B0600000101010101" pitchFamily="50" charset="-127"/>
+                <a:ea typeface="나눔스퀘어 Bold" panose="020B0600000101010101" pitchFamily="50" charset="-127"/>
+              </a:rPr>
+              <a:t>.)</a:t>
+            </a:r>
+            <a:endParaRPr lang="ko-KR" altLang="en-US" dirty="0">
+              <a:latin typeface="나눔스퀘어 Bold" panose="020B0600000101010101" pitchFamily="50" charset="-127"/>
+              <a:ea typeface="나눔스퀘어 Bold" panose="020B0600000101010101" pitchFamily="50" charset="-127"/>
+            </a:endParaRPr>
+          </a:p>
+        </p:txBody>
+      </p:sp>
+      <p:sp>
+        <p:nvSpPr>
+          <p:cNvPr id="10" name="TextBox 9">
+            <a:extLst>
+              <a:ext uri="{FF2B5EF4-FFF2-40B4-BE49-F238E27FC236}">
+                <a16:creationId xmlns:a16="http://schemas.microsoft.com/office/drawing/2014/main" id="{77EF85ED-7134-2215-9938-70DE3E95B447}"/>
+              </a:ext>
+            </a:extLst>
+          </p:cNvPr>
+          <p:cNvSpPr txBox="1"/>
+          <p:nvPr/>
+        </p:nvSpPr>
+        <p:spPr>
+          <a:xfrm>
+            <a:off x="942387" y="2400026"/>
+            <a:ext cx="8553305" cy="369332"/>
+          </a:xfrm>
+          <a:prstGeom prst="rect">
+            <a:avLst/>
+          </a:prstGeom>
+          <a:noFill/>
+        </p:spPr>
+        <p:txBody>
+          <a:bodyPr wrap="square" rtlCol="0">
+            <a:spAutoFit/>
+          </a:bodyPr>
+          <a:lstStyle/>
+          <a:p>
+            <a:r>
+              <a:rPr lang="en-US" altLang="ko-KR" dirty="0">
+                <a:latin typeface="나눔스퀘어 Light" panose="020B0600000101010101" pitchFamily="50" charset="-127"/>
+                <a:ea typeface="나눔스퀘어 Light" panose="020B0600000101010101" pitchFamily="50" charset="-127"/>
+              </a:rPr>
+              <a:t>3. 2566 </a:t>
+            </a:r>
+            <a:r>
+              <a:rPr lang="ko-KR" altLang="en-US" dirty="0">
+                <a:latin typeface="나눔스퀘어 Light" panose="020B0600000101010101" pitchFamily="50" charset="-127"/>
+                <a:ea typeface="나눔스퀘어 Light" panose="020B0600000101010101" pitchFamily="50" charset="-127"/>
+              </a:rPr>
+              <a:t>최댓값</a:t>
+            </a:r>
+          </a:p>
+        </p:txBody>
+      </p:sp>
+      <p:sp>
+        <p:nvSpPr>
+          <p:cNvPr id="11" name="TextBox 10">
+            <a:extLst>
+              <a:ext uri="{FF2B5EF4-FFF2-40B4-BE49-F238E27FC236}">
+                <a16:creationId xmlns:a16="http://schemas.microsoft.com/office/drawing/2014/main" id="{CDF0922C-4F6F-DB5B-EC8F-F56AF894275F}"/>
+              </a:ext>
+            </a:extLst>
+          </p:cNvPr>
+          <p:cNvSpPr txBox="1"/>
+          <p:nvPr/>
+        </p:nvSpPr>
+        <p:spPr>
+          <a:xfrm>
+            <a:off x="942387" y="3877349"/>
+            <a:ext cx="8553305" cy="369332"/>
+          </a:xfrm>
+          <a:prstGeom prst="rect">
+            <a:avLst/>
+          </a:prstGeom>
+          <a:noFill/>
+        </p:spPr>
+        <p:txBody>
+          <a:bodyPr wrap="square" rtlCol="0">
+            <a:spAutoFit/>
+          </a:bodyPr>
+          <a:lstStyle/>
+          <a:p>
+            <a:r>
+              <a:rPr lang="ko-KR" altLang="en-US" dirty="0">
+                <a:latin typeface="나눔스퀘어 Bold" panose="020B0600000101010101" pitchFamily="50" charset="-127"/>
+                <a:ea typeface="나눔스퀘어 Bold" panose="020B0600000101010101" pitchFamily="50" charset="-127"/>
+              </a:rPr>
+              <a:t>본인이 사용하고 있는 언어에서 문자열을 어떻게 다루는지 학습하세요</a:t>
+            </a:r>
+            <a:r>
+              <a:rPr lang="en-US" altLang="ko-KR" dirty="0">
+                <a:latin typeface="나눔스퀘어 Bold" panose="020B0600000101010101" pitchFamily="50" charset="-127"/>
+                <a:ea typeface="나눔스퀘어 Bold" panose="020B0600000101010101" pitchFamily="50" charset="-127"/>
+              </a:rPr>
+              <a:t>.</a:t>
+            </a:r>
+            <a:endParaRPr lang="ko-KR" altLang="en-US" dirty="0">
+              <a:latin typeface="나눔스퀘어 Bold" panose="020B0600000101010101" pitchFamily="50" charset="-127"/>
+              <a:ea typeface="나눔스퀘어 Bold" panose="020B0600000101010101" pitchFamily="50" charset="-127"/>
+            </a:endParaRPr>
+          </a:p>
+        </p:txBody>
+      </p:sp>
+      <p:sp>
+        <p:nvSpPr>
+          <p:cNvPr id="12" name="TextBox 11">
+            <a:extLst>
+              <a:ext uri="{FF2B5EF4-FFF2-40B4-BE49-F238E27FC236}">
+                <a16:creationId xmlns:a16="http://schemas.microsoft.com/office/drawing/2014/main" id="{1D90656A-EA8C-C93D-45FA-EC08FF6F6A51}"/>
+              </a:ext>
+            </a:extLst>
+          </p:cNvPr>
+          <p:cNvSpPr txBox="1"/>
+          <p:nvPr/>
+        </p:nvSpPr>
+        <p:spPr>
+          <a:xfrm>
+            <a:off x="942387" y="4397510"/>
+            <a:ext cx="8553305" cy="369332"/>
+          </a:xfrm>
+          <a:prstGeom prst="rect">
+            <a:avLst/>
+          </a:prstGeom>
+          <a:noFill/>
+        </p:spPr>
+        <p:txBody>
+          <a:bodyPr wrap="square" rtlCol="0">
+            <a:spAutoFit/>
+          </a:bodyPr>
+          <a:lstStyle/>
+          <a:p>
+            <a:r>
+              <a:rPr lang="ko-KR" altLang="en-US" dirty="0">
+                <a:latin typeface="나눔스퀘어 Light" panose="020B0600000101010101" pitchFamily="50" charset="-127"/>
+                <a:ea typeface="나눔스퀘어 Light" panose="020B0600000101010101" pitchFamily="50" charset="-127"/>
+              </a:rPr>
+              <a:t>입출력</a:t>
+            </a:r>
+            <a:r>
+              <a:rPr lang="en-US" altLang="ko-KR" dirty="0">
+                <a:latin typeface="나눔스퀘어 Light" panose="020B0600000101010101" pitchFamily="50" charset="-127"/>
+                <a:ea typeface="나눔스퀘어 Light" panose="020B0600000101010101" pitchFamily="50" charset="-127"/>
+              </a:rPr>
+              <a:t>, </a:t>
+            </a:r>
+            <a:r>
+              <a:rPr lang="ko-KR" altLang="en-US" dirty="0">
+                <a:latin typeface="나눔스퀘어 Light" panose="020B0600000101010101" pitchFamily="50" charset="-127"/>
+                <a:ea typeface="나눔스퀘어 Light" panose="020B0600000101010101" pitchFamily="50" charset="-127"/>
+              </a:rPr>
+              <a:t>복사</a:t>
+            </a:r>
+            <a:r>
+              <a:rPr lang="en-US" altLang="ko-KR" dirty="0">
+                <a:latin typeface="나눔스퀘어 Light" panose="020B0600000101010101" pitchFamily="50" charset="-127"/>
+                <a:ea typeface="나눔스퀘어 Light" panose="020B0600000101010101" pitchFamily="50" charset="-127"/>
+              </a:rPr>
+              <a:t>, </a:t>
+            </a:r>
+            <a:r>
+              <a:rPr lang="ko-KR" altLang="en-US" dirty="0">
+                <a:latin typeface="나눔스퀘어 Light" panose="020B0600000101010101" pitchFamily="50" charset="-127"/>
+                <a:ea typeface="나눔스퀘어 Light" panose="020B0600000101010101" pitchFamily="50" charset="-127"/>
+              </a:rPr>
+              <a:t>붙여넣기</a:t>
+            </a:r>
+            <a:r>
+              <a:rPr lang="en-US" altLang="ko-KR" dirty="0">
+                <a:latin typeface="나눔스퀘어 Light" panose="020B0600000101010101" pitchFamily="50" charset="-127"/>
+                <a:ea typeface="나눔스퀘어 Light" panose="020B0600000101010101" pitchFamily="50" charset="-127"/>
+              </a:rPr>
+              <a:t>, </a:t>
+            </a:r>
+            <a:r>
+              <a:rPr lang="ko-KR" altLang="en-US" dirty="0">
+                <a:latin typeface="나눔스퀘어 Light" panose="020B0600000101010101" pitchFamily="50" charset="-127"/>
+                <a:ea typeface="나눔스퀘어 Light" panose="020B0600000101010101" pitchFamily="50" charset="-127"/>
+              </a:rPr>
+              <a:t>탐색</a:t>
+            </a:r>
+            <a:r>
+              <a:rPr lang="en-US" altLang="ko-KR" dirty="0">
+                <a:latin typeface="나눔스퀘어 Light" panose="020B0600000101010101" pitchFamily="50" charset="-127"/>
+                <a:ea typeface="나눔스퀘어 Light" panose="020B0600000101010101" pitchFamily="50" charset="-127"/>
+              </a:rPr>
+              <a:t>, n</a:t>
+            </a:r>
+            <a:r>
+              <a:rPr lang="ko-KR" altLang="en-US" dirty="0">
+                <a:latin typeface="나눔스퀘어 Light" panose="020B0600000101010101" pitchFamily="50" charset="-127"/>
+                <a:ea typeface="나눔스퀘어 Light" panose="020B0600000101010101" pitchFamily="50" charset="-127"/>
+              </a:rPr>
+              <a:t>번째 글자</a:t>
+            </a:r>
+            <a:r>
+              <a:rPr lang="en-US" altLang="ko-KR" dirty="0">
+                <a:latin typeface="나눔스퀘어 Light" panose="020B0600000101010101" pitchFamily="50" charset="-127"/>
+                <a:ea typeface="나눔스퀘어 Light" panose="020B0600000101010101" pitchFamily="50" charset="-127"/>
+              </a:rPr>
+              <a:t>, …</a:t>
+            </a:r>
+            <a:endParaRPr lang="ko-KR" altLang="en-US" dirty="0">
+              <a:latin typeface="나눔스퀘어 Light" panose="020B0600000101010101" pitchFamily="50" charset="-127"/>
+              <a:ea typeface="나눔스퀘어 Light" panose="020B0600000101010101" pitchFamily="50" charset="-127"/>
+            </a:endParaRPr>
+          </a:p>
+        </p:txBody>
+      </p:sp>
+      <p:sp>
+        <p:nvSpPr>
+          <p:cNvPr id="13" name="TextBox 12">
+            <a:extLst>
+              <a:ext uri="{FF2B5EF4-FFF2-40B4-BE49-F238E27FC236}">
+                <a16:creationId xmlns:a16="http://schemas.microsoft.com/office/drawing/2014/main" id="{0B1B2833-7EF4-C827-0142-BDA3ABD4538F}"/>
+              </a:ext>
+            </a:extLst>
+          </p:cNvPr>
+          <p:cNvSpPr txBox="1"/>
+          <p:nvPr/>
+        </p:nvSpPr>
+        <p:spPr>
+          <a:xfrm>
+            <a:off x="942387" y="2769359"/>
+            <a:ext cx="8553305" cy="369332"/>
+          </a:xfrm>
+          <a:prstGeom prst="rect">
+            <a:avLst/>
+          </a:prstGeom>
+          <a:noFill/>
+        </p:spPr>
+        <p:txBody>
+          <a:bodyPr wrap="square" rtlCol="0">
+            <a:spAutoFit/>
+          </a:bodyPr>
+          <a:lstStyle/>
+          <a:p>
+            <a:r>
+              <a:rPr lang="en-US" altLang="ko-KR" dirty="0">
+                <a:latin typeface="나눔스퀘어 Light" panose="020B0600000101010101" pitchFamily="50" charset="-127"/>
+                <a:ea typeface="나눔스퀘어 Light" panose="020B0600000101010101" pitchFamily="50" charset="-127"/>
+              </a:rPr>
+              <a:t>4. 2484 </a:t>
+            </a:r>
+            <a:r>
+              <a:rPr lang="ko-KR" altLang="en-US" dirty="0">
+                <a:latin typeface="나눔스퀘어 Light" panose="020B0600000101010101" pitchFamily="50" charset="-127"/>
+                <a:ea typeface="나눔스퀘어 Light" panose="020B0600000101010101" pitchFamily="50" charset="-127"/>
+              </a:rPr>
+              <a:t>주사위 </a:t>
+            </a:r>
+            <a:r>
+              <a:rPr lang="ko-KR" altLang="en-US" dirty="0" err="1">
+                <a:latin typeface="나눔스퀘어 Light" panose="020B0600000101010101" pitchFamily="50" charset="-127"/>
+                <a:ea typeface="나눔스퀘어 Light" panose="020B0600000101010101" pitchFamily="50" charset="-127"/>
+              </a:rPr>
+              <a:t>네개</a:t>
+            </a:r>
+            <a:endParaRPr lang="ko-KR" altLang="en-US" dirty="0">
+              <a:latin typeface="나눔스퀘어 Light" panose="020B0600000101010101" pitchFamily="50" charset="-127"/>
+              <a:ea typeface="나눔스퀘어 Light" panose="020B0600000101010101" pitchFamily="50" charset="-127"/>
+            </a:endParaRPr>
+          </a:p>
+        </p:txBody>
+      </p:sp>
+      <p:sp>
+        <p:nvSpPr>
+          <p:cNvPr id="14" name="TextBox 13">
+            <a:extLst>
+              <a:ext uri="{FF2B5EF4-FFF2-40B4-BE49-F238E27FC236}">
+                <a16:creationId xmlns:a16="http://schemas.microsoft.com/office/drawing/2014/main" id="{5577024A-51CB-AC51-CC0A-126B85DD9449}"/>
+              </a:ext>
+            </a:extLst>
+          </p:cNvPr>
+          <p:cNvSpPr txBox="1"/>
+          <p:nvPr/>
+        </p:nvSpPr>
+        <p:spPr>
+          <a:xfrm>
+            <a:off x="942387" y="3138688"/>
+            <a:ext cx="8553305" cy="369332"/>
+          </a:xfrm>
+          <a:prstGeom prst="rect">
+            <a:avLst/>
+          </a:prstGeom>
+          <a:noFill/>
+        </p:spPr>
+        <p:txBody>
+          <a:bodyPr wrap="square" rtlCol="0">
+            <a:spAutoFit/>
+          </a:bodyPr>
+          <a:lstStyle/>
+          <a:p>
+            <a:r>
+              <a:rPr lang="en-US" altLang="ko-KR" dirty="0">
+                <a:latin typeface="나눔스퀘어 Light" panose="020B0600000101010101" pitchFamily="50" charset="-127"/>
+                <a:ea typeface="나눔스퀘어 Light" panose="020B0600000101010101" pitchFamily="50" charset="-127"/>
+              </a:rPr>
+              <a:t>5. 23805 </a:t>
+            </a:r>
+            <a:r>
+              <a:rPr lang="ko-KR" altLang="en-US" dirty="0" err="1">
+                <a:latin typeface="나눔스퀘어 Light" panose="020B0600000101010101" pitchFamily="50" charset="-127"/>
+                <a:ea typeface="나눔스퀘어 Light" panose="020B0600000101010101" pitchFamily="50" charset="-127"/>
+              </a:rPr>
+              <a:t>골뱅이</a:t>
+            </a:r>
+            <a:r>
+              <a:rPr lang="ko-KR" altLang="en-US" dirty="0">
+                <a:latin typeface="나눔스퀘어 Light" panose="020B0600000101010101" pitchFamily="50" charset="-127"/>
+                <a:ea typeface="나눔스퀘어 Light" panose="020B0600000101010101" pitchFamily="50" charset="-127"/>
+              </a:rPr>
+              <a:t> 찍기 </a:t>
+            </a:r>
+            <a:r>
+              <a:rPr lang="en-US" altLang="ko-KR" dirty="0">
+                <a:latin typeface="나눔스퀘어 Light" panose="020B0600000101010101" pitchFamily="50" charset="-127"/>
+                <a:ea typeface="나눔스퀘어 Light" panose="020B0600000101010101" pitchFamily="50" charset="-127"/>
+              </a:rPr>
+              <a:t>- </a:t>
+            </a:r>
+            <a:r>
+              <a:rPr lang="ko-KR" altLang="en-US" dirty="0">
+                <a:latin typeface="나눔스퀘어 Light" panose="020B0600000101010101" pitchFamily="50" charset="-127"/>
+                <a:ea typeface="나눔스퀘어 Light" panose="020B0600000101010101" pitchFamily="50" charset="-127"/>
+              </a:rPr>
+              <a:t>돌아간 ㄹ</a:t>
+            </a:r>
+          </a:p>
+        </p:txBody>
+      </p:sp>
+    </p:spTree>
+    <p:extLst>
+      <p:ext uri="{BB962C8B-B14F-4D97-AF65-F5344CB8AC3E}">
+        <p14:creationId xmlns:p14="http://schemas.microsoft.com/office/powerpoint/2010/main" val="732558497"/>
       </p:ext>
     </p:extLst>
   </p:cSld>
